--- a/ImageViewer/TEST Image.pptx
+++ b/ImageViewer/TEST Image.pptx
@@ -6,6 +6,7 @@
   </p:sldMasterIdLst>
   <p:sldIdLst>
     <p:sldId id="256" r:id="rId2"/>
+    <p:sldId id="257" r:id="rId3"/>
   </p:sldIdLst>
   <p:sldSz cx="35999738" cy="35999738"/>
   <p:notesSz cx="6858000" cy="9144000"/>
@@ -104,6 +105,11 @@
       </a:defRPr>
     </a:lvl9pPr>
   </p:defaultTextStyle>
+  <p:extLst>
+    <p:ext uri="{EFAFB233-063F-42B5-8137-9DF3F51BA10A}">
+      <p15:sldGuideLst xmlns:p15="http://schemas.microsoft.com/office/powerpoint/2012/main"/>
+    </p:ext>
+  </p:extLst>
 </p:presentation>
 </file>
 
@@ -238,7 +244,7 @@
           <a:p>
             <a:fld id="{BFE3A203-13AA-4A1C-9B74-0602821F7FF5}" type="datetimeFigureOut">
               <a:rPr lang="ko-KR" altLang="en-US" smtClean="0"/>
-              <a:t>2024-03-20</a:t>
+              <a:t>2024-03-22</a:t>
             </a:fld>
             <a:endParaRPr lang="ko-KR" altLang="en-US"/>
           </a:p>
@@ -408,7 +414,7 @@
           <a:p>
             <a:fld id="{BFE3A203-13AA-4A1C-9B74-0602821F7FF5}" type="datetimeFigureOut">
               <a:rPr lang="ko-KR" altLang="en-US" smtClean="0"/>
-              <a:t>2024-03-20</a:t>
+              <a:t>2024-03-22</a:t>
             </a:fld>
             <a:endParaRPr lang="ko-KR" altLang="en-US"/>
           </a:p>
@@ -588,7 +594,7 @@
           <a:p>
             <a:fld id="{BFE3A203-13AA-4A1C-9B74-0602821F7FF5}" type="datetimeFigureOut">
               <a:rPr lang="ko-KR" altLang="en-US" smtClean="0"/>
-              <a:t>2024-03-20</a:t>
+              <a:t>2024-03-22</a:t>
             </a:fld>
             <a:endParaRPr lang="ko-KR" altLang="en-US"/>
           </a:p>
@@ -758,7 +764,7 @@
           <a:p>
             <a:fld id="{BFE3A203-13AA-4A1C-9B74-0602821F7FF5}" type="datetimeFigureOut">
               <a:rPr lang="ko-KR" altLang="en-US" smtClean="0"/>
-              <a:t>2024-03-20</a:t>
+              <a:t>2024-03-22</a:t>
             </a:fld>
             <a:endParaRPr lang="ko-KR" altLang="en-US"/>
           </a:p>
@@ -1002,7 +1008,7 @@
           <a:p>
             <a:fld id="{BFE3A203-13AA-4A1C-9B74-0602821F7FF5}" type="datetimeFigureOut">
               <a:rPr lang="ko-KR" altLang="en-US" smtClean="0"/>
-              <a:t>2024-03-20</a:t>
+              <a:t>2024-03-22</a:t>
             </a:fld>
             <a:endParaRPr lang="ko-KR" altLang="en-US"/>
           </a:p>
@@ -1234,7 +1240,7 @@
           <a:p>
             <a:fld id="{BFE3A203-13AA-4A1C-9B74-0602821F7FF5}" type="datetimeFigureOut">
               <a:rPr lang="ko-KR" altLang="en-US" smtClean="0"/>
-              <a:t>2024-03-20</a:t>
+              <a:t>2024-03-22</a:t>
             </a:fld>
             <a:endParaRPr lang="ko-KR" altLang="en-US"/>
           </a:p>
@@ -1601,7 +1607,7 @@
           <a:p>
             <a:fld id="{BFE3A203-13AA-4A1C-9B74-0602821F7FF5}" type="datetimeFigureOut">
               <a:rPr lang="ko-KR" altLang="en-US" smtClean="0"/>
-              <a:t>2024-03-20</a:t>
+              <a:t>2024-03-22</a:t>
             </a:fld>
             <a:endParaRPr lang="ko-KR" altLang="en-US"/>
           </a:p>
@@ -1719,7 +1725,7 @@
           <a:p>
             <a:fld id="{BFE3A203-13AA-4A1C-9B74-0602821F7FF5}" type="datetimeFigureOut">
               <a:rPr lang="ko-KR" altLang="en-US" smtClean="0"/>
-              <a:t>2024-03-20</a:t>
+              <a:t>2024-03-22</a:t>
             </a:fld>
             <a:endParaRPr lang="ko-KR" altLang="en-US"/>
           </a:p>
@@ -1814,7 +1820,7 @@
           <a:p>
             <a:fld id="{BFE3A203-13AA-4A1C-9B74-0602821F7FF5}" type="datetimeFigureOut">
               <a:rPr lang="ko-KR" altLang="en-US" smtClean="0"/>
-              <a:t>2024-03-20</a:t>
+              <a:t>2024-03-22</a:t>
             </a:fld>
             <a:endParaRPr lang="ko-KR" altLang="en-US"/>
           </a:p>
@@ -2091,7 +2097,7 @@
           <a:p>
             <a:fld id="{BFE3A203-13AA-4A1C-9B74-0602821F7FF5}" type="datetimeFigureOut">
               <a:rPr lang="ko-KR" altLang="en-US" smtClean="0"/>
-              <a:t>2024-03-20</a:t>
+              <a:t>2024-03-22</a:t>
             </a:fld>
             <a:endParaRPr lang="ko-KR" altLang="en-US"/>
           </a:p>
@@ -2348,7 +2354,7 @@
           <a:p>
             <a:fld id="{BFE3A203-13AA-4A1C-9B74-0602821F7FF5}" type="datetimeFigureOut">
               <a:rPr lang="ko-KR" altLang="en-US" smtClean="0"/>
-              <a:t>2024-03-20</a:t>
+              <a:t>2024-03-22</a:t>
             </a:fld>
             <a:endParaRPr lang="ko-KR" altLang="en-US"/>
           </a:p>
@@ -2561,7 +2567,7 @@
           <a:p>
             <a:fld id="{BFE3A203-13AA-4A1C-9B74-0602821F7FF5}" type="datetimeFigureOut">
               <a:rPr lang="ko-KR" altLang="en-US" smtClean="0"/>
-              <a:t>2024-03-20</a:t>
+              <a:t>2024-03-22</a:t>
             </a:fld>
             <a:endParaRPr lang="ko-KR" altLang="en-US"/>
           </a:p>
@@ -11405,6 +11411,8481 @@
 </p:sld>
 </file>
 
+<file path=ppt/slides/slide2.xml><?xml version="1.0" encoding="utf-8"?>
+<p:sld xmlns:a="http://schemas.openxmlformats.org/drawingml/2006/main" xmlns:r="http://schemas.openxmlformats.org/officeDocument/2006/relationships" xmlns:p="http://schemas.openxmlformats.org/presentationml/2006/main">
+  <p:cSld>
+    <p:bg>
+      <p:bgPr>
+        <a:gradFill flip="none" rotWithShape="1">
+          <a:gsLst>
+            <a:gs pos="0">
+              <a:schemeClr val="accent6">
+                <a:lumMod val="0"/>
+                <a:lumOff val="100000"/>
+              </a:schemeClr>
+            </a:gs>
+            <a:gs pos="35000">
+              <a:schemeClr val="accent6">
+                <a:lumMod val="0"/>
+                <a:lumOff val="100000"/>
+              </a:schemeClr>
+            </a:gs>
+            <a:gs pos="100000">
+              <a:schemeClr val="accent6">
+                <a:lumMod val="100000"/>
+              </a:schemeClr>
+            </a:gs>
+          </a:gsLst>
+          <a:path path="circle">
+            <a:fillToRect l="50000" t="50000" r="50000" b="50000"/>
+          </a:path>
+          <a:tileRect/>
+        </a:gradFill>
+        <a:effectLst/>
+      </p:bgPr>
+    </p:bg>
+    <p:spTree>
+      <p:nvGrpSpPr>
+        <p:cNvPr id="1" name=""/>
+        <p:cNvGrpSpPr/>
+        <p:nvPr/>
+      </p:nvGrpSpPr>
+      <p:grpSpPr>
+        <a:xfrm>
+          <a:off x="0" y="0"/>
+          <a:ext cx="0" cy="0"/>
+          <a:chOff x="0" y="0"/>
+          <a:chExt cx="0" cy="0"/>
+        </a:xfrm>
+      </p:grpSpPr>
+      <p:grpSp>
+        <p:nvGrpSpPr>
+          <p:cNvPr id="15" name="그룹 14">
+            <a:extLst>
+              <a:ext uri="{FF2B5EF4-FFF2-40B4-BE49-F238E27FC236}">
+                <a16:creationId xmlns:a16="http://schemas.microsoft.com/office/drawing/2014/main" id="{D6ECDA44-00B8-48A9-8994-E0EE01B71326}"/>
+              </a:ext>
+            </a:extLst>
+          </p:cNvPr>
+          <p:cNvGrpSpPr/>
+          <p:nvPr/>
+        </p:nvGrpSpPr>
+        <p:grpSpPr>
+          <a:xfrm>
+            <a:off x="2352591" y="1255986"/>
+            <a:ext cx="31294556" cy="1261242"/>
+            <a:chOff x="1976845" y="1255986"/>
+            <a:chExt cx="31294556" cy="1261242"/>
+          </a:xfrm>
+        </p:grpSpPr>
+        <p:sp>
+          <p:nvSpPr>
+            <p:cNvPr id="5" name="타원 4">
+              <a:extLst>
+                <a:ext uri="{FF2B5EF4-FFF2-40B4-BE49-F238E27FC236}">
+                  <a16:creationId xmlns:a16="http://schemas.microsoft.com/office/drawing/2014/main" id="{FF7BCC44-A5FA-436E-8413-90C5D524F397}"/>
+                </a:ext>
+              </a:extLst>
+            </p:cNvPr>
+            <p:cNvSpPr/>
+            <p:nvPr/>
+          </p:nvSpPr>
+          <p:spPr>
+            <a:xfrm>
+              <a:off x="5313880" y="1255987"/>
+              <a:ext cx="1261241" cy="1261241"/>
+            </a:xfrm>
+            <a:prstGeom prst="ellipse">
+              <a:avLst/>
+            </a:prstGeom>
+            <a:solidFill>
+              <a:schemeClr val="bg2">
+                <a:lumMod val="90000"/>
+              </a:schemeClr>
+            </a:solidFill>
+            <a:ln>
+              <a:noFill/>
+            </a:ln>
+          </p:spPr>
+          <p:style>
+            <a:lnRef idx="2">
+              <a:schemeClr val="accent1">
+                <a:shade val="50000"/>
+              </a:schemeClr>
+            </a:lnRef>
+            <a:fillRef idx="1">
+              <a:schemeClr val="accent1"/>
+            </a:fillRef>
+            <a:effectRef idx="0">
+              <a:schemeClr val="accent1"/>
+            </a:effectRef>
+            <a:fontRef idx="minor">
+              <a:schemeClr val="lt1"/>
+            </a:fontRef>
+          </p:style>
+          <p:txBody>
+            <a:bodyPr rtlCol="0" anchor="ctr"/>
+            <a:lstStyle/>
+            <a:p>
+              <a:pPr algn="ctr"/>
+              <a:endParaRPr lang="ko-KR" altLang="en-US"/>
+            </a:p>
+          </p:txBody>
+        </p:sp>
+        <p:sp>
+          <p:nvSpPr>
+            <p:cNvPr id="6" name="타원 5">
+              <a:extLst>
+                <a:ext uri="{FF2B5EF4-FFF2-40B4-BE49-F238E27FC236}">
+                  <a16:creationId xmlns:a16="http://schemas.microsoft.com/office/drawing/2014/main" id="{BADA856A-75AE-48C5-9867-98DD12B7007B}"/>
+                </a:ext>
+              </a:extLst>
+            </p:cNvPr>
+            <p:cNvSpPr/>
+            <p:nvPr/>
+          </p:nvSpPr>
+          <p:spPr>
+            <a:xfrm>
+              <a:off x="8650915" y="1255987"/>
+              <a:ext cx="1261241" cy="1261241"/>
+            </a:xfrm>
+            <a:prstGeom prst="ellipse">
+              <a:avLst/>
+            </a:prstGeom>
+            <a:solidFill>
+              <a:schemeClr val="bg2">
+                <a:lumMod val="90000"/>
+              </a:schemeClr>
+            </a:solidFill>
+            <a:ln>
+              <a:noFill/>
+            </a:ln>
+          </p:spPr>
+          <p:style>
+            <a:lnRef idx="2">
+              <a:schemeClr val="accent1">
+                <a:shade val="50000"/>
+              </a:schemeClr>
+            </a:lnRef>
+            <a:fillRef idx="1">
+              <a:schemeClr val="accent1"/>
+            </a:fillRef>
+            <a:effectRef idx="0">
+              <a:schemeClr val="accent1"/>
+            </a:effectRef>
+            <a:fontRef idx="minor">
+              <a:schemeClr val="lt1"/>
+            </a:fontRef>
+          </p:style>
+          <p:txBody>
+            <a:bodyPr rtlCol="0" anchor="ctr"/>
+            <a:lstStyle/>
+            <a:p>
+              <a:pPr algn="ctr"/>
+              <a:endParaRPr lang="ko-KR" altLang="en-US"/>
+            </a:p>
+          </p:txBody>
+        </p:sp>
+        <p:sp>
+          <p:nvSpPr>
+            <p:cNvPr id="7" name="타원 6">
+              <a:extLst>
+                <a:ext uri="{FF2B5EF4-FFF2-40B4-BE49-F238E27FC236}">
+                  <a16:creationId xmlns:a16="http://schemas.microsoft.com/office/drawing/2014/main" id="{F63EA669-B5BC-44A7-A45C-C942909DC549}"/>
+                </a:ext>
+              </a:extLst>
+            </p:cNvPr>
+            <p:cNvSpPr/>
+            <p:nvPr/>
+          </p:nvSpPr>
+          <p:spPr>
+            <a:xfrm>
+              <a:off x="11987950" y="1255987"/>
+              <a:ext cx="1261241" cy="1261241"/>
+            </a:xfrm>
+            <a:prstGeom prst="ellipse">
+              <a:avLst/>
+            </a:prstGeom>
+            <a:solidFill>
+              <a:schemeClr val="bg2">
+                <a:lumMod val="90000"/>
+              </a:schemeClr>
+            </a:solidFill>
+            <a:ln>
+              <a:noFill/>
+            </a:ln>
+          </p:spPr>
+          <p:style>
+            <a:lnRef idx="2">
+              <a:schemeClr val="accent1">
+                <a:shade val="50000"/>
+              </a:schemeClr>
+            </a:lnRef>
+            <a:fillRef idx="1">
+              <a:schemeClr val="accent1"/>
+            </a:fillRef>
+            <a:effectRef idx="0">
+              <a:schemeClr val="accent1"/>
+            </a:effectRef>
+            <a:fontRef idx="minor">
+              <a:schemeClr val="lt1"/>
+            </a:fontRef>
+          </p:style>
+          <p:txBody>
+            <a:bodyPr rtlCol="0" anchor="ctr"/>
+            <a:lstStyle/>
+            <a:p>
+              <a:pPr algn="ctr"/>
+              <a:endParaRPr lang="ko-KR" altLang="en-US"/>
+            </a:p>
+          </p:txBody>
+        </p:sp>
+        <p:sp>
+          <p:nvSpPr>
+            <p:cNvPr id="8" name="타원 7">
+              <a:extLst>
+                <a:ext uri="{FF2B5EF4-FFF2-40B4-BE49-F238E27FC236}">
+                  <a16:creationId xmlns:a16="http://schemas.microsoft.com/office/drawing/2014/main" id="{C54611BB-D644-46A8-B5F5-EF11F198DE69}"/>
+                </a:ext>
+              </a:extLst>
+            </p:cNvPr>
+            <p:cNvSpPr/>
+            <p:nvPr/>
+          </p:nvSpPr>
+          <p:spPr>
+            <a:xfrm>
+              <a:off x="15324985" y="1255986"/>
+              <a:ext cx="1261241" cy="1261241"/>
+            </a:xfrm>
+            <a:prstGeom prst="ellipse">
+              <a:avLst/>
+            </a:prstGeom>
+            <a:solidFill>
+              <a:schemeClr val="bg2">
+                <a:lumMod val="90000"/>
+              </a:schemeClr>
+            </a:solidFill>
+            <a:ln>
+              <a:noFill/>
+            </a:ln>
+          </p:spPr>
+          <p:style>
+            <a:lnRef idx="2">
+              <a:schemeClr val="accent1">
+                <a:shade val="50000"/>
+              </a:schemeClr>
+            </a:lnRef>
+            <a:fillRef idx="1">
+              <a:schemeClr val="accent1"/>
+            </a:fillRef>
+            <a:effectRef idx="0">
+              <a:schemeClr val="accent1"/>
+            </a:effectRef>
+            <a:fontRef idx="minor">
+              <a:schemeClr val="lt1"/>
+            </a:fontRef>
+          </p:style>
+          <p:txBody>
+            <a:bodyPr rtlCol="0" anchor="ctr"/>
+            <a:lstStyle/>
+            <a:p>
+              <a:pPr algn="ctr"/>
+              <a:endParaRPr lang="ko-KR" altLang="en-US"/>
+            </a:p>
+          </p:txBody>
+        </p:sp>
+        <p:sp>
+          <p:nvSpPr>
+            <p:cNvPr id="9" name="타원 8">
+              <a:extLst>
+                <a:ext uri="{FF2B5EF4-FFF2-40B4-BE49-F238E27FC236}">
+                  <a16:creationId xmlns:a16="http://schemas.microsoft.com/office/drawing/2014/main" id="{24C6AD37-DD1F-4A12-83B4-E8A92C9EA6F7}"/>
+                </a:ext>
+              </a:extLst>
+            </p:cNvPr>
+            <p:cNvSpPr/>
+            <p:nvPr/>
+          </p:nvSpPr>
+          <p:spPr>
+            <a:xfrm>
+              <a:off x="18662020" y="1255986"/>
+              <a:ext cx="1261241" cy="1261241"/>
+            </a:xfrm>
+            <a:prstGeom prst="ellipse">
+              <a:avLst/>
+            </a:prstGeom>
+            <a:solidFill>
+              <a:schemeClr val="bg2">
+                <a:lumMod val="90000"/>
+              </a:schemeClr>
+            </a:solidFill>
+            <a:ln>
+              <a:noFill/>
+            </a:ln>
+          </p:spPr>
+          <p:style>
+            <a:lnRef idx="2">
+              <a:schemeClr val="accent1">
+                <a:shade val="50000"/>
+              </a:schemeClr>
+            </a:lnRef>
+            <a:fillRef idx="1">
+              <a:schemeClr val="accent1"/>
+            </a:fillRef>
+            <a:effectRef idx="0">
+              <a:schemeClr val="accent1"/>
+            </a:effectRef>
+            <a:fontRef idx="minor">
+              <a:schemeClr val="lt1"/>
+            </a:fontRef>
+          </p:style>
+          <p:txBody>
+            <a:bodyPr rtlCol="0" anchor="ctr"/>
+            <a:lstStyle/>
+            <a:p>
+              <a:pPr algn="ctr"/>
+              <a:endParaRPr lang="ko-KR" altLang="en-US"/>
+            </a:p>
+          </p:txBody>
+        </p:sp>
+        <p:sp>
+          <p:nvSpPr>
+            <p:cNvPr id="10" name="타원 9">
+              <a:extLst>
+                <a:ext uri="{FF2B5EF4-FFF2-40B4-BE49-F238E27FC236}">
+                  <a16:creationId xmlns:a16="http://schemas.microsoft.com/office/drawing/2014/main" id="{1B3AF61D-04A0-4F5E-806D-2169E506EF04}"/>
+                </a:ext>
+              </a:extLst>
+            </p:cNvPr>
+            <p:cNvSpPr/>
+            <p:nvPr/>
+          </p:nvSpPr>
+          <p:spPr>
+            <a:xfrm>
+              <a:off x="21999055" y="1255986"/>
+              <a:ext cx="1261241" cy="1261241"/>
+            </a:xfrm>
+            <a:prstGeom prst="ellipse">
+              <a:avLst/>
+            </a:prstGeom>
+            <a:solidFill>
+              <a:schemeClr val="bg2">
+                <a:lumMod val="90000"/>
+              </a:schemeClr>
+            </a:solidFill>
+            <a:ln>
+              <a:noFill/>
+            </a:ln>
+          </p:spPr>
+          <p:style>
+            <a:lnRef idx="2">
+              <a:schemeClr val="accent1">
+                <a:shade val="50000"/>
+              </a:schemeClr>
+            </a:lnRef>
+            <a:fillRef idx="1">
+              <a:schemeClr val="accent1"/>
+            </a:fillRef>
+            <a:effectRef idx="0">
+              <a:schemeClr val="accent1"/>
+            </a:effectRef>
+            <a:fontRef idx="minor">
+              <a:schemeClr val="lt1"/>
+            </a:fontRef>
+          </p:style>
+          <p:txBody>
+            <a:bodyPr rtlCol="0" anchor="ctr"/>
+            <a:lstStyle/>
+            <a:p>
+              <a:pPr algn="ctr"/>
+              <a:endParaRPr lang="ko-KR" altLang="en-US"/>
+            </a:p>
+          </p:txBody>
+        </p:sp>
+        <p:sp>
+          <p:nvSpPr>
+            <p:cNvPr id="11" name="타원 10">
+              <a:extLst>
+                <a:ext uri="{FF2B5EF4-FFF2-40B4-BE49-F238E27FC236}">
+                  <a16:creationId xmlns:a16="http://schemas.microsoft.com/office/drawing/2014/main" id="{48AE957F-2890-4C27-98ED-FDCCB409CCD4}"/>
+                </a:ext>
+              </a:extLst>
+            </p:cNvPr>
+            <p:cNvSpPr/>
+            <p:nvPr/>
+          </p:nvSpPr>
+          <p:spPr>
+            <a:xfrm>
+              <a:off x="25336090" y="1255986"/>
+              <a:ext cx="1261241" cy="1261241"/>
+            </a:xfrm>
+            <a:prstGeom prst="ellipse">
+              <a:avLst/>
+            </a:prstGeom>
+            <a:solidFill>
+              <a:schemeClr val="bg2">
+                <a:lumMod val="90000"/>
+              </a:schemeClr>
+            </a:solidFill>
+            <a:ln>
+              <a:noFill/>
+            </a:ln>
+          </p:spPr>
+          <p:style>
+            <a:lnRef idx="2">
+              <a:schemeClr val="accent1">
+                <a:shade val="50000"/>
+              </a:schemeClr>
+            </a:lnRef>
+            <a:fillRef idx="1">
+              <a:schemeClr val="accent1"/>
+            </a:fillRef>
+            <a:effectRef idx="0">
+              <a:schemeClr val="accent1"/>
+            </a:effectRef>
+            <a:fontRef idx="minor">
+              <a:schemeClr val="lt1"/>
+            </a:fontRef>
+          </p:style>
+          <p:txBody>
+            <a:bodyPr rtlCol="0" anchor="ctr"/>
+            <a:lstStyle/>
+            <a:p>
+              <a:pPr algn="ctr"/>
+              <a:endParaRPr lang="ko-KR" altLang="en-US"/>
+            </a:p>
+          </p:txBody>
+        </p:sp>
+        <p:sp>
+          <p:nvSpPr>
+            <p:cNvPr id="12" name="타원 11">
+              <a:extLst>
+                <a:ext uri="{FF2B5EF4-FFF2-40B4-BE49-F238E27FC236}">
+                  <a16:creationId xmlns:a16="http://schemas.microsoft.com/office/drawing/2014/main" id="{6615CCA1-318F-4AF5-B02E-A453F7E82A87}"/>
+                </a:ext>
+              </a:extLst>
+            </p:cNvPr>
+            <p:cNvSpPr/>
+            <p:nvPr/>
+          </p:nvSpPr>
+          <p:spPr>
+            <a:xfrm>
+              <a:off x="28673125" y="1255986"/>
+              <a:ext cx="1261241" cy="1261241"/>
+            </a:xfrm>
+            <a:prstGeom prst="ellipse">
+              <a:avLst/>
+            </a:prstGeom>
+            <a:solidFill>
+              <a:schemeClr val="bg2">
+                <a:lumMod val="90000"/>
+              </a:schemeClr>
+            </a:solidFill>
+            <a:ln>
+              <a:noFill/>
+            </a:ln>
+          </p:spPr>
+          <p:style>
+            <a:lnRef idx="2">
+              <a:schemeClr val="accent1">
+                <a:shade val="50000"/>
+              </a:schemeClr>
+            </a:lnRef>
+            <a:fillRef idx="1">
+              <a:schemeClr val="accent1"/>
+            </a:fillRef>
+            <a:effectRef idx="0">
+              <a:schemeClr val="accent1"/>
+            </a:effectRef>
+            <a:fontRef idx="minor">
+              <a:schemeClr val="lt1"/>
+            </a:fontRef>
+          </p:style>
+          <p:txBody>
+            <a:bodyPr rtlCol="0" anchor="ctr"/>
+            <a:lstStyle/>
+            <a:p>
+              <a:pPr algn="ctr"/>
+              <a:endParaRPr lang="ko-KR" altLang="en-US"/>
+            </a:p>
+          </p:txBody>
+        </p:sp>
+        <p:sp>
+          <p:nvSpPr>
+            <p:cNvPr id="13" name="타원 12">
+              <a:extLst>
+                <a:ext uri="{FF2B5EF4-FFF2-40B4-BE49-F238E27FC236}">
+                  <a16:creationId xmlns:a16="http://schemas.microsoft.com/office/drawing/2014/main" id="{68AE1A84-CDA9-449A-9474-EAFA5999A67E}"/>
+                </a:ext>
+              </a:extLst>
+            </p:cNvPr>
+            <p:cNvSpPr/>
+            <p:nvPr/>
+          </p:nvSpPr>
+          <p:spPr>
+            <a:xfrm>
+              <a:off x="1976845" y="1255986"/>
+              <a:ext cx="1261241" cy="1261241"/>
+            </a:xfrm>
+            <a:prstGeom prst="ellipse">
+              <a:avLst/>
+            </a:prstGeom>
+            <a:solidFill>
+              <a:schemeClr val="bg2">
+                <a:lumMod val="90000"/>
+              </a:schemeClr>
+            </a:solidFill>
+            <a:ln>
+              <a:noFill/>
+            </a:ln>
+          </p:spPr>
+          <p:style>
+            <a:lnRef idx="2">
+              <a:schemeClr val="accent1">
+                <a:shade val="50000"/>
+              </a:schemeClr>
+            </a:lnRef>
+            <a:fillRef idx="1">
+              <a:schemeClr val="accent1"/>
+            </a:fillRef>
+            <a:effectRef idx="0">
+              <a:schemeClr val="accent1"/>
+            </a:effectRef>
+            <a:fontRef idx="minor">
+              <a:schemeClr val="lt1"/>
+            </a:fontRef>
+          </p:style>
+          <p:txBody>
+            <a:bodyPr rtlCol="0" anchor="ctr"/>
+            <a:lstStyle/>
+            <a:p>
+              <a:pPr algn="ctr"/>
+              <a:endParaRPr lang="ko-KR" altLang="en-US"/>
+            </a:p>
+          </p:txBody>
+        </p:sp>
+        <p:sp>
+          <p:nvSpPr>
+            <p:cNvPr id="14" name="타원 13">
+              <a:extLst>
+                <a:ext uri="{FF2B5EF4-FFF2-40B4-BE49-F238E27FC236}">
+                  <a16:creationId xmlns:a16="http://schemas.microsoft.com/office/drawing/2014/main" id="{993E6D38-E589-4D40-AC36-FDE5BA3F31FB}"/>
+                </a:ext>
+              </a:extLst>
+            </p:cNvPr>
+            <p:cNvSpPr/>
+            <p:nvPr/>
+          </p:nvSpPr>
+          <p:spPr>
+            <a:xfrm>
+              <a:off x="32010160" y="1255986"/>
+              <a:ext cx="1261241" cy="1261241"/>
+            </a:xfrm>
+            <a:prstGeom prst="ellipse">
+              <a:avLst/>
+            </a:prstGeom>
+            <a:solidFill>
+              <a:schemeClr val="bg2">
+                <a:lumMod val="90000"/>
+              </a:schemeClr>
+            </a:solidFill>
+            <a:ln>
+              <a:noFill/>
+            </a:ln>
+          </p:spPr>
+          <p:style>
+            <a:lnRef idx="2">
+              <a:schemeClr val="accent1">
+                <a:shade val="50000"/>
+              </a:schemeClr>
+            </a:lnRef>
+            <a:fillRef idx="1">
+              <a:schemeClr val="accent1"/>
+            </a:fillRef>
+            <a:effectRef idx="0">
+              <a:schemeClr val="accent1"/>
+            </a:effectRef>
+            <a:fontRef idx="minor">
+              <a:schemeClr val="lt1"/>
+            </a:fontRef>
+          </p:style>
+          <p:txBody>
+            <a:bodyPr rtlCol="0" anchor="ctr"/>
+            <a:lstStyle/>
+            <a:p>
+              <a:pPr algn="ctr"/>
+              <a:endParaRPr lang="ko-KR" altLang="en-US"/>
+            </a:p>
+          </p:txBody>
+        </p:sp>
+      </p:grpSp>
+      <p:grpSp>
+        <p:nvGrpSpPr>
+          <p:cNvPr id="16" name="그룹 15">
+            <a:extLst>
+              <a:ext uri="{FF2B5EF4-FFF2-40B4-BE49-F238E27FC236}">
+                <a16:creationId xmlns:a16="http://schemas.microsoft.com/office/drawing/2014/main" id="{7625AA2C-DE2F-42E8-B765-7FEF9F1E32B3}"/>
+              </a:ext>
+            </a:extLst>
+          </p:cNvPr>
+          <p:cNvGrpSpPr/>
+          <p:nvPr/>
+        </p:nvGrpSpPr>
+        <p:grpSpPr>
+          <a:xfrm>
+            <a:off x="2352591" y="3584028"/>
+            <a:ext cx="31294556" cy="1261242"/>
+            <a:chOff x="1976845" y="1255986"/>
+            <a:chExt cx="31294556" cy="1261242"/>
+          </a:xfrm>
+        </p:grpSpPr>
+        <p:sp>
+          <p:nvSpPr>
+            <p:cNvPr id="17" name="타원 16">
+              <a:extLst>
+                <a:ext uri="{FF2B5EF4-FFF2-40B4-BE49-F238E27FC236}">
+                  <a16:creationId xmlns:a16="http://schemas.microsoft.com/office/drawing/2014/main" id="{9533F51B-17A1-4292-860A-8F85E229B4CE}"/>
+                </a:ext>
+              </a:extLst>
+            </p:cNvPr>
+            <p:cNvSpPr/>
+            <p:nvPr/>
+          </p:nvSpPr>
+          <p:spPr>
+            <a:xfrm>
+              <a:off x="5313880" y="1255987"/>
+              <a:ext cx="1261241" cy="1261241"/>
+            </a:xfrm>
+            <a:prstGeom prst="ellipse">
+              <a:avLst/>
+            </a:prstGeom>
+            <a:solidFill>
+              <a:schemeClr val="bg2">
+                <a:lumMod val="90000"/>
+              </a:schemeClr>
+            </a:solidFill>
+            <a:ln>
+              <a:noFill/>
+            </a:ln>
+          </p:spPr>
+          <p:style>
+            <a:lnRef idx="2">
+              <a:schemeClr val="accent1">
+                <a:shade val="50000"/>
+              </a:schemeClr>
+            </a:lnRef>
+            <a:fillRef idx="1">
+              <a:schemeClr val="accent1"/>
+            </a:fillRef>
+            <a:effectRef idx="0">
+              <a:schemeClr val="accent1"/>
+            </a:effectRef>
+            <a:fontRef idx="minor">
+              <a:schemeClr val="lt1"/>
+            </a:fontRef>
+          </p:style>
+          <p:txBody>
+            <a:bodyPr rtlCol="0" anchor="ctr"/>
+            <a:lstStyle/>
+            <a:p>
+              <a:pPr algn="ctr"/>
+              <a:endParaRPr lang="ko-KR" altLang="en-US"/>
+            </a:p>
+          </p:txBody>
+        </p:sp>
+        <p:sp>
+          <p:nvSpPr>
+            <p:cNvPr id="18" name="타원 17">
+              <a:extLst>
+                <a:ext uri="{FF2B5EF4-FFF2-40B4-BE49-F238E27FC236}">
+                  <a16:creationId xmlns:a16="http://schemas.microsoft.com/office/drawing/2014/main" id="{3EE440DE-64C9-4AE3-9FBE-CA4F67E78DD4}"/>
+                </a:ext>
+              </a:extLst>
+            </p:cNvPr>
+            <p:cNvSpPr/>
+            <p:nvPr/>
+          </p:nvSpPr>
+          <p:spPr>
+            <a:xfrm>
+              <a:off x="8650915" y="1255987"/>
+              <a:ext cx="1261241" cy="1261241"/>
+            </a:xfrm>
+            <a:prstGeom prst="ellipse">
+              <a:avLst/>
+            </a:prstGeom>
+            <a:solidFill>
+              <a:schemeClr val="bg2">
+                <a:lumMod val="90000"/>
+              </a:schemeClr>
+            </a:solidFill>
+            <a:ln>
+              <a:noFill/>
+            </a:ln>
+          </p:spPr>
+          <p:style>
+            <a:lnRef idx="2">
+              <a:schemeClr val="accent1">
+                <a:shade val="50000"/>
+              </a:schemeClr>
+            </a:lnRef>
+            <a:fillRef idx="1">
+              <a:schemeClr val="accent1"/>
+            </a:fillRef>
+            <a:effectRef idx="0">
+              <a:schemeClr val="accent1"/>
+            </a:effectRef>
+            <a:fontRef idx="minor">
+              <a:schemeClr val="lt1"/>
+            </a:fontRef>
+          </p:style>
+          <p:txBody>
+            <a:bodyPr rtlCol="0" anchor="ctr"/>
+            <a:lstStyle/>
+            <a:p>
+              <a:pPr algn="ctr"/>
+              <a:endParaRPr lang="ko-KR" altLang="en-US"/>
+            </a:p>
+          </p:txBody>
+        </p:sp>
+        <p:sp>
+          <p:nvSpPr>
+            <p:cNvPr id="19" name="타원 18">
+              <a:extLst>
+                <a:ext uri="{FF2B5EF4-FFF2-40B4-BE49-F238E27FC236}">
+                  <a16:creationId xmlns:a16="http://schemas.microsoft.com/office/drawing/2014/main" id="{20515BAE-17D0-41A3-B200-E2D70D7FC9A1}"/>
+                </a:ext>
+              </a:extLst>
+            </p:cNvPr>
+            <p:cNvSpPr/>
+            <p:nvPr/>
+          </p:nvSpPr>
+          <p:spPr>
+            <a:xfrm>
+              <a:off x="11987950" y="1255987"/>
+              <a:ext cx="1261241" cy="1261241"/>
+            </a:xfrm>
+            <a:prstGeom prst="ellipse">
+              <a:avLst/>
+            </a:prstGeom>
+            <a:solidFill>
+              <a:schemeClr val="bg2">
+                <a:lumMod val="90000"/>
+              </a:schemeClr>
+            </a:solidFill>
+            <a:ln>
+              <a:noFill/>
+            </a:ln>
+          </p:spPr>
+          <p:style>
+            <a:lnRef idx="2">
+              <a:schemeClr val="accent1">
+                <a:shade val="50000"/>
+              </a:schemeClr>
+            </a:lnRef>
+            <a:fillRef idx="1">
+              <a:schemeClr val="accent1"/>
+            </a:fillRef>
+            <a:effectRef idx="0">
+              <a:schemeClr val="accent1"/>
+            </a:effectRef>
+            <a:fontRef idx="minor">
+              <a:schemeClr val="lt1"/>
+            </a:fontRef>
+          </p:style>
+          <p:txBody>
+            <a:bodyPr rtlCol="0" anchor="ctr"/>
+            <a:lstStyle/>
+            <a:p>
+              <a:pPr algn="ctr"/>
+              <a:endParaRPr lang="ko-KR" altLang="en-US"/>
+            </a:p>
+          </p:txBody>
+        </p:sp>
+        <p:sp>
+          <p:nvSpPr>
+            <p:cNvPr id="20" name="타원 19">
+              <a:extLst>
+                <a:ext uri="{FF2B5EF4-FFF2-40B4-BE49-F238E27FC236}">
+                  <a16:creationId xmlns:a16="http://schemas.microsoft.com/office/drawing/2014/main" id="{854FACFB-4CB9-47F9-8F09-18026E9AAB04}"/>
+                </a:ext>
+              </a:extLst>
+            </p:cNvPr>
+            <p:cNvSpPr/>
+            <p:nvPr/>
+          </p:nvSpPr>
+          <p:spPr>
+            <a:xfrm>
+              <a:off x="15324985" y="1255986"/>
+              <a:ext cx="1261241" cy="1261241"/>
+            </a:xfrm>
+            <a:prstGeom prst="ellipse">
+              <a:avLst/>
+            </a:prstGeom>
+            <a:solidFill>
+              <a:schemeClr val="bg2">
+                <a:lumMod val="90000"/>
+              </a:schemeClr>
+            </a:solidFill>
+            <a:ln>
+              <a:noFill/>
+            </a:ln>
+          </p:spPr>
+          <p:style>
+            <a:lnRef idx="2">
+              <a:schemeClr val="accent1">
+                <a:shade val="50000"/>
+              </a:schemeClr>
+            </a:lnRef>
+            <a:fillRef idx="1">
+              <a:schemeClr val="accent1"/>
+            </a:fillRef>
+            <a:effectRef idx="0">
+              <a:schemeClr val="accent1"/>
+            </a:effectRef>
+            <a:fontRef idx="minor">
+              <a:schemeClr val="lt1"/>
+            </a:fontRef>
+          </p:style>
+          <p:txBody>
+            <a:bodyPr rtlCol="0" anchor="ctr"/>
+            <a:lstStyle/>
+            <a:p>
+              <a:pPr algn="ctr"/>
+              <a:endParaRPr lang="ko-KR" altLang="en-US"/>
+            </a:p>
+          </p:txBody>
+        </p:sp>
+        <p:sp>
+          <p:nvSpPr>
+            <p:cNvPr id="21" name="타원 20">
+              <a:extLst>
+                <a:ext uri="{FF2B5EF4-FFF2-40B4-BE49-F238E27FC236}">
+                  <a16:creationId xmlns:a16="http://schemas.microsoft.com/office/drawing/2014/main" id="{55E6C9B4-8D6A-4630-8003-88D01F03202B}"/>
+                </a:ext>
+              </a:extLst>
+            </p:cNvPr>
+            <p:cNvSpPr/>
+            <p:nvPr/>
+          </p:nvSpPr>
+          <p:spPr>
+            <a:xfrm>
+              <a:off x="18662020" y="1255986"/>
+              <a:ext cx="1261241" cy="1261241"/>
+            </a:xfrm>
+            <a:prstGeom prst="ellipse">
+              <a:avLst/>
+            </a:prstGeom>
+            <a:solidFill>
+              <a:schemeClr val="bg2">
+                <a:lumMod val="90000"/>
+              </a:schemeClr>
+            </a:solidFill>
+            <a:ln>
+              <a:noFill/>
+            </a:ln>
+          </p:spPr>
+          <p:style>
+            <a:lnRef idx="2">
+              <a:schemeClr val="accent1">
+                <a:shade val="50000"/>
+              </a:schemeClr>
+            </a:lnRef>
+            <a:fillRef idx="1">
+              <a:schemeClr val="accent1"/>
+            </a:fillRef>
+            <a:effectRef idx="0">
+              <a:schemeClr val="accent1"/>
+            </a:effectRef>
+            <a:fontRef idx="minor">
+              <a:schemeClr val="lt1"/>
+            </a:fontRef>
+          </p:style>
+          <p:txBody>
+            <a:bodyPr rtlCol="0" anchor="ctr"/>
+            <a:lstStyle/>
+            <a:p>
+              <a:pPr algn="ctr"/>
+              <a:endParaRPr lang="ko-KR" altLang="en-US"/>
+            </a:p>
+          </p:txBody>
+        </p:sp>
+        <p:sp>
+          <p:nvSpPr>
+            <p:cNvPr id="22" name="타원 21">
+              <a:extLst>
+                <a:ext uri="{FF2B5EF4-FFF2-40B4-BE49-F238E27FC236}">
+                  <a16:creationId xmlns:a16="http://schemas.microsoft.com/office/drawing/2014/main" id="{A2EAB108-A945-4FE0-8B5F-B13383387190}"/>
+                </a:ext>
+              </a:extLst>
+            </p:cNvPr>
+            <p:cNvSpPr/>
+            <p:nvPr/>
+          </p:nvSpPr>
+          <p:spPr>
+            <a:xfrm>
+              <a:off x="21999055" y="1255986"/>
+              <a:ext cx="1261241" cy="1261241"/>
+            </a:xfrm>
+            <a:prstGeom prst="ellipse">
+              <a:avLst/>
+            </a:prstGeom>
+            <a:solidFill>
+              <a:schemeClr val="bg2">
+                <a:lumMod val="90000"/>
+              </a:schemeClr>
+            </a:solidFill>
+            <a:ln>
+              <a:noFill/>
+            </a:ln>
+          </p:spPr>
+          <p:style>
+            <a:lnRef idx="2">
+              <a:schemeClr val="accent1">
+                <a:shade val="50000"/>
+              </a:schemeClr>
+            </a:lnRef>
+            <a:fillRef idx="1">
+              <a:schemeClr val="accent1"/>
+            </a:fillRef>
+            <a:effectRef idx="0">
+              <a:schemeClr val="accent1"/>
+            </a:effectRef>
+            <a:fontRef idx="minor">
+              <a:schemeClr val="lt1"/>
+            </a:fontRef>
+          </p:style>
+          <p:txBody>
+            <a:bodyPr rtlCol="0" anchor="ctr"/>
+            <a:lstStyle/>
+            <a:p>
+              <a:pPr algn="ctr"/>
+              <a:endParaRPr lang="ko-KR" altLang="en-US"/>
+            </a:p>
+          </p:txBody>
+        </p:sp>
+        <p:sp>
+          <p:nvSpPr>
+            <p:cNvPr id="23" name="타원 22">
+              <a:extLst>
+                <a:ext uri="{FF2B5EF4-FFF2-40B4-BE49-F238E27FC236}">
+                  <a16:creationId xmlns:a16="http://schemas.microsoft.com/office/drawing/2014/main" id="{E9768501-DAA1-4A7A-BCA4-D29B1F424BE7}"/>
+                </a:ext>
+              </a:extLst>
+            </p:cNvPr>
+            <p:cNvSpPr/>
+            <p:nvPr/>
+          </p:nvSpPr>
+          <p:spPr>
+            <a:xfrm>
+              <a:off x="25336090" y="1255986"/>
+              <a:ext cx="1261241" cy="1261241"/>
+            </a:xfrm>
+            <a:prstGeom prst="ellipse">
+              <a:avLst/>
+            </a:prstGeom>
+            <a:solidFill>
+              <a:schemeClr val="bg2">
+                <a:lumMod val="90000"/>
+              </a:schemeClr>
+            </a:solidFill>
+            <a:ln>
+              <a:noFill/>
+            </a:ln>
+          </p:spPr>
+          <p:style>
+            <a:lnRef idx="2">
+              <a:schemeClr val="accent1">
+                <a:shade val="50000"/>
+              </a:schemeClr>
+            </a:lnRef>
+            <a:fillRef idx="1">
+              <a:schemeClr val="accent1"/>
+            </a:fillRef>
+            <a:effectRef idx="0">
+              <a:schemeClr val="accent1"/>
+            </a:effectRef>
+            <a:fontRef idx="minor">
+              <a:schemeClr val="lt1"/>
+            </a:fontRef>
+          </p:style>
+          <p:txBody>
+            <a:bodyPr rtlCol="0" anchor="ctr"/>
+            <a:lstStyle/>
+            <a:p>
+              <a:pPr algn="ctr"/>
+              <a:endParaRPr lang="ko-KR" altLang="en-US"/>
+            </a:p>
+          </p:txBody>
+        </p:sp>
+        <p:sp>
+          <p:nvSpPr>
+            <p:cNvPr id="24" name="타원 23">
+              <a:extLst>
+                <a:ext uri="{FF2B5EF4-FFF2-40B4-BE49-F238E27FC236}">
+                  <a16:creationId xmlns:a16="http://schemas.microsoft.com/office/drawing/2014/main" id="{2D0CB411-8C11-44FE-9797-EFA6A22D41E5}"/>
+                </a:ext>
+              </a:extLst>
+            </p:cNvPr>
+            <p:cNvSpPr/>
+            <p:nvPr/>
+          </p:nvSpPr>
+          <p:spPr>
+            <a:xfrm>
+              <a:off x="28673125" y="1255986"/>
+              <a:ext cx="1261241" cy="1261241"/>
+            </a:xfrm>
+            <a:prstGeom prst="ellipse">
+              <a:avLst/>
+            </a:prstGeom>
+            <a:solidFill>
+              <a:schemeClr val="bg2">
+                <a:lumMod val="90000"/>
+              </a:schemeClr>
+            </a:solidFill>
+            <a:ln>
+              <a:noFill/>
+            </a:ln>
+          </p:spPr>
+          <p:style>
+            <a:lnRef idx="2">
+              <a:schemeClr val="accent1">
+                <a:shade val="50000"/>
+              </a:schemeClr>
+            </a:lnRef>
+            <a:fillRef idx="1">
+              <a:schemeClr val="accent1"/>
+            </a:fillRef>
+            <a:effectRef idx="0">
+              <a:schemeClr val="accent1"/>
+            </a:effectRef>
+            <a:fontRef idx="minor">
+              <a:schemeClr val="lt1"/>
+            </a:fontRef>
+          </p:style>
+          <p:txBody>
+            <a:bodyPr rtlCol="0" anchor="ctr"/>
+            <a:lstStyle/>
+            <a:p>
+              <a:pPr algn="ctr"/>
+              <a:endParaRPr lang="ko-KR" altLang="en-US"/>
+            </a:p>
+          </p:txBody>
+        </p:sp>
+        <p:sp>
+          <p:nvSpPr>
+            <p:cNvPr id="25" name="타원 24">
+              <a:extLst>
+                <a:ext uri="{FF2B5EF4-FFF2-40B4-BE49-F238E27FC236}">
+                  <a16:creationId xmlns:a16="http://schemas.microsoft.com/office/drawing/2014/main" id="{01D11EA4-BDBD-4FCC-87C8-293C6E2E65F0}"/>
+                </a:ext>
+              </a:extLst>
+            </p:cNvPr>
+            <p:cNvSpPr/>
+            <p:nvPr/>
+          </p:nvSpPr>
+          <p:spPr>
+            <a:xfrm>
+              <a:off x="1976845" y="1255986"/>
+              <a:ext cx="1261241" cy="1261241"/>
+            </a:xfrm>
+            <a:prstGeom prst="ellipse">
+              <a:avLst/>
+            </a:prstGeom>
+            <a:solidFill>
+              <a:schemeClr val="bg2">
+                <a:lumMod val="90000"/>
+              </a:schemeClr>
+            </a:solidFill>
+            <a:ln>
+              <a:noFill/>
+            </a:ln>
+          </p:spPr>
+          <p:style>
+            <a:lnRef idx="2">
+              <a:schemeClr val="accent1">
+                <a:shade val="50000"/>
+              </a:schemeClr>
+            </a:lnRef>
+            <a:fillRef idx="1">
+              <a:schemeClr val="accent1"/>
+            </a:fillRef>
+            <a:effectRef idx="0">
+              <a:schemeClr val="accent1"/>
+            </a:effectRef>
+            <a:fontRef idx="minor">
+              <a:schemeClr val="lt1"/>
+            </a:fontRef>
+          </p:style>
+          <p:txBody>
+            <a:bodyPr rtlCol="0" anchor="ctr"/>
+            <a:lstStyle/>
+            <a:p>
+              <a:pPr algn="ctr"/>
+              <a:endParaRPr lang="ko-KR" altLang="en-US"/>
+            </a:p>
+          </p:txBody>
+        </p:sp>
+        <p:sp>
+          <p:nvSpPr>
+            <p:cNvPr id="26" name="타원 25">
+              <a:extLst>
+                <a:ext uri="{FF2B5EF4-FFF2-40B4-BE49-F238E27FC236}">
+                  <a16:creationId xmlns:a16="http://schemas.microsoft.com/office/drawing/2014/main" id="{27D81445-B612-4D75-957F-B110D6C3C8C9}"/>
+                </a:ext>
+              </a:extLst>
+            </p:cNvPr>
+            <p:cNvSpPr/>
+            <p:nvPr/>
+          </p:nvSpPr>
+          <p:spPr>
+            <a:xfrm>
+              <a:off x="32010160" y="1255986"/>
+              <a:ext cx="1261241" cy="1261241"/>
+            </a:xfrm>
+            <a:prstGeom prst="ellipse">
+              <a:avLst/>
+            </a:prstGeom>
+            <a:solidFill>
+              <a:schemeClr val="bg2">
+                <a:lumMod val="90000"/>
+              </a:schemeClr>
+            </a:solidFill>
+            <a:ln>
+              <a:noFill/>
+            </a:ln>
+          </p:spPr>
+          <p:style>
+            <a:lnRef idx="2">
+              <a:schemeClr val="accent1">
+                <a:shade val="50000"/>
+              </a:schemeClr>
+            </a:lnRef>
+            <a:fillRef idx="1">
+              <a:schemeClr val="accent1"/>
+            </a:fillRef>
+            <a:effectRef idx="0">
+              <a:schemeClr val="accent1"/>
+            </a:effectRef>
+            <a:fontRef idx="minor">
+              <a:schemeClr val="lt1"/>
+            </a:fontRef>
+          </p:style>
+          <p:txBody>
+            <a:bodyPr rtlCol="0" anchor="ctr"/>
+            <a:lstStyle/>
+            <a:p>
+              <a:pPr algn="ctr"/>
+              <a:endParaRPr lang="ko-KR" altLang="en-US"/>
+            </a:p>
+          </p:txBody>
+        </p:sp>
+      </p:grpSp>
+      <p:grpSp>
+        <p:nvGrpSpPr>
+          <p:cNvPr id="27" name="그룹 26">
+            <a:extLst>
+              <a:ext uri="{FF2B5EF4-FFF2-40B4-BE49-F238E27FC236}">
+                <a16:creationId xmlns:a16="http://schemas.microsoft.com/office/drawing/2014/main" id="{D311824E-9669-471A-B439-0F111DB45419}"/>
+              </a:ext>
+            </a:extLst>
+          </p:cNvPr>
+          <p:cNvGrpSpPr/>
+          <p:nvPr/>
+        </p:nvGrpSpPr>
+        <p:grpSpPr>
+          <a:xfrm>
+            <a:off x="2352591" y="5912070"/>
+            <a:ext cx="31294556" cy="1261242"/>
+            <a:chOff x="1976845" y="1255986"/>
+            <a:chExt cx="31294556" cy="1261242"/>
+          </a:xfrm>
+        </p:grpSpPr>
+        <p:sp>
+          <p:nvSpPr>
+            <p:cNvPr id="28" name="타원 27">
+              <a:extLst>
+                <a:ext uri="{FF2B5EF4-FFF2-40B4-BE49-F238E27FC236}">
+                  <a16:creationId xmlns:a16="http://schemas.microsoft.com/office/drawing/2014/main" id="{9F37885B-3294-4A3A-934B-0B9F5C41E1FC}"/>
+                </a:ext>
+              </a:extLst>
+            </p:cNvPr>
+            <p:cNvSpPr/>
+            <p:nvPr/>
+          </p:nvSpPr>
+          <p:spPr>
+            <a:xfrm>
+              <a:off x="5313880" y="1255987"/>
+              <a:ext cx="1261241" cy="1261241"/>
+            </a:xfrm>
+            <a:prstGeom prst="ellipse">
+              <a:avLst/>
+            </a:prstGeom>
+            <a:solidFill>
+              <a:schemeClr val="bg2">
+                <a:lumMod val="90000"/>
+              </a:schemeClr>
+            </a:solidFill>
+            <a:ln>
+              <a:noFill/>
+            </a:ln>
+          </p:spPr>
+          <p:style>
+            <a:lnRef idx="2">
+              <a:schemeClr val="accent1">
+                <a:shade val="50000"/>
+              </a:schemeClr>
+            </a:lnRef>
+            <a:fillRef idx="1">
+              <a:schemeClr val="accent1"/>
+            </a:fillRef>
+            <a:effectRef idx="0">
+              <a:schemeClr val="accent1"/>
+            </a:effectRef>
+            <a:fontRef idx="minor">
+              <a:schemeClr val="lt1"/>
+            </a:fontRef>
+          </p:style>
+          <p:txBody>
+            <a:bodyPr rtlCol="0" anchor="ctr"/>
+            <a:lstStyle/>
+            <a:p>
+              <a:pPr algn="ctr"/>
+              <a:endParaRPr lang="ko-KR" altLang="en-US"/>
+            </a:p>
+          </p:txBody>
+        </p:sp>
+        <p:sp>
+          <p:nvSpPr>
+            <p:cNvPr id="29" name="타원 28">
+              <a:extLst>
+                <a:ext uri="{FF2B5EF4-FFF2-40B4-BE49-F238E27FC236}">
+                  <a16:creationId xmlns:a16="http://schemas.microsoft.com/office/drawing/2014/main" id="{700D9345-3759-41D7-A293-162269A610D9}"/>
+                </a:ext>
+              </a:extLst>
+            </p:cNvPr>
+            <p:cNvSpPr/>
+            <p:nvPr/>
+          </p:nvSpPr>
+          <p:spPr>
+            <a:xfrm>
+              <a:off x="8650915" y="1255987"/>
+              <a:ext cx="1261241" cy="1261241"/>
+            </a:xfrm>
+            <a:prstGeom prst="ellipse">
+              <a:avLst/>
+            </a:prstGeom>
+            <a:solidFill>
+              <a:schemeClr val="bg2">
+                <a:lumMod val="90000"/>
+              </a:schemeClr>
+            </a:solidFill>
+            <a:ln>
+              <a:noFill/>
+            </a:ln>
+          </p:spPr>
+          <p:style>
+            <a:lnRef idx="2">
+              <a:schemeClr val="accent1">
+                <a:shade val="50000"/>
+              </a:schemeClr>
+            </a:lnRef>
+            <a:fillRef idx="1">
+              <a:schemeClr val="accent1"/>
+            </a:fillRef>
+            <a:effectRef idx="0">
+              <a:schemeClr val="accent1"/>
+            </a:effectRef>
+            <a:fontRef idx="minor">
+              <a:schemeClr val="lt1"/>
+            </a:fontRef>
+          </p:style>
+          <p:txBody>
+            <a:bodyPr rtlCol="0" anchor="ctr"/>
+            <a:lstStyle/>
+            <a:p>
+              <a:pPr algn="ctr"/>
+              <a:endParaRPr lang="ko-KR" altLang="en-US"/>
+            </a:p>
+          </p:txBody>
+        </p:sp>
+        <p:sp>
+          <p:nvSpPr>
+            <p:cNvPr id="30" name="타원 29">
+              <a:extLst>
+                <a:ext uri="{FF2B5EF4-FFF2-40B4-BE49-F238E27FC236}">
+                  <a16:creationId xmlns:a16="http://schemas.microsoft.com/office/drawing/2014/main" id="{BA85C0E8-254D-4D8C-BA77-641CD6125297}"/>
+                </a:ext>
+              </a:extLst>
+            </p:cNvPr>
+            <p:cNvSpPr/>
+            <p:nvPr/>
+          </p:nvSpPr>
+          <p:spPr>
+            <a:xfrm>
+              <a:off x="11987950" y="1255987"/>
+              <a:ext cx="1261241" cy="1261241"/>
+            </a:xfrm>
+            <a:prstGeom prst="ellipse">
+              <a:avLst/>
+            </a:prstGeom>
+            <a:solidFill>
+              <a:schemeClr val="bg2">
+                <a:lumMod val="90000"/>
+              </a:schemeClr>
+            </a:solidFill>
+            <a:ln>
+              <a:noFill/>
+            </a:ln>
+          </p:spPr>
+          <p:style>
+            <a:lnRef idx="2">
+              <a:schemeClr val="accent1">
+                <a:shade val="50000"/>
+              </a:schemeClr>
+            </a:lnRef>
+            <a:fillRef idx="1">
+              <a:schemeClr val="accent1"/>
+            </a:fillRef>
+            <a:effectRef idx="0">
+              <a:schemeClr val="accent1"/>
+            </a:effectRef>
+            <a:fontRef idx="minor">
+              <a:schemeClr val="lt1"/>
+            </a:fontRef>
+          </p:style>
+          <p:txBody>
+            <a:bodyPr rtlCol="0" anchor="ctr"/>
+            <a:lstStyle/>
+            <a:p>
+              <a:pPr algn="ctr"/>
+              <a:endParaRPr lang="ko-KR" altLang="en-US"/>
+            </a:p>
+          </p:txBody>
+        </p:sp>
+        <p:sp>
+          <p:nvSpPr>
+            <p:cNvPr id="31" name="타원 30">
+              <a:extLst>
+                <a:ext uri="{FF2B5EF4-FFF2-40B4-BE49-F238E27FC236}">
+                  <a16:creationId xmlns:a16="http://schemas.microsoft.com/office/drawing/2014/main" id="{FF04D058-4EBE-4CDA-A20D-D6C837F3FC69}"/>
+                </a:ext>
+              </a:extLst>
+            </p:cNvPr>
+            <p:cNvSpPr/>
+            <p:nvPr/>
+          </p:nvSpPr>
+          <p:spPr>
+            <a:xfrm>
+              <a:off x="15324985" y="1255986"/>
+              <a:ext cx="1261241" cy="1261241"/>
+            </a:xfrm>
+            <a:prstGeom prst="ellipse">
+              <a:avLst/>
+            </a:prstGeom>
+            <a:solidFill>
+              <a:schemeClr val="bg2">
+                <a:lumMod val="90000"/>
+              </a:schemeClr>
+            </a:solidFill>
+            <a:ln>
+              <a:noFill/>
+            </a:ln>
+          </p:spPr>
+          <p:style>
+            <a:lnRef idx="2">
+              <a:schemeClr val="accent1">
+                <a:shade val="50000"/>
+              </a:schemeClr>
+            </a:lnRef>
+            <a:fillRef idx="1">
+              <a:schemeClr val="accent1"/>
+            </a:fillRef>
+            <a:effectRef idx="0">
+              <a:schemeClr val="accent1"/>
+            </a:effectRef>
+            <a:fontRef idx="minor">
+              <a:schemeClr val="lt1"/>
+            </a:fontRef>
+          </p:style>
+          <p:txBody>
+            <a:bodyPr rtlCol="0" anchor="ctr"/>
+            <a:lstStyle/>
+            <a:p>
+              <a:pPr algn="ctr"/>
+              <a:endParaRPr lang="ko-KR" altLang="en-US"/>
+            </a:p>
+          </p:txBody>
+        </p:sp>
+        <p:sp>
+          <p:nvSpPr>
+            <p:cNvPr id="32" name="타원 31">
+              <a:extLst>
+                <a:ext uri="{FF2B5EF4-FFF2-40B4-BE49-F238E27FC236}">
+                  <a16:creationId xmlns:a16="http://schemas.microsoft.com/office/drawing/2014/main" id="{BCA1D5DF-63EA-4AFB-82D2-71D4847556F6}"/>
+                </a:ext>
+              </a:extLst>
+            </p:cNvPr>
+            <p:cNvSpPr/>
+            <p:nvPr/>
+          </p:nvSpPr>
+          <p:spPr>
+            <a:xfrm>
+              <a:off x="18662020" y="1255986"/>
+              <a:ext cx="1261241" cy="1261241"/>
+            </a:xfrm>
+            <a:prstGeom prst="ellipse">
+              <a:avLst/>
+            </a:prstGeom>
+            <a:solidFill>
+              <a:schemeClr val="bg2">
+                <a:lumMod val="90000"/>
+              </a:schemeClr>
+            </a:solidFill>
+            <a:ln>
+              <a:noFill/>
+            </a:ln>
+          </p:spPr>
+          <p:style>
+            <a:lnRef idx="2">
+              <a:schemeClr val="accent1">
+                <a:shade val="50000"/>
+              </a:schemeClr>
+            </a:lnRef>
+            <a:fillRef idx="1">
+              <a:schemeClr val="accent1"/>
+            </a:fillRef>
+            <a:effectRef idx="0">
+              <a:schemeClr val="accent1"/>
+            </a:effectRef>
+            <a:fontRef idx="minor">
+              <a:schemeClr val="lt1"/>
+            </a:fontRef>
+          </p:style>
+          <p:txBody>
+            <a:bodyPr rtlCol="0" anchor="ctr"/>
+            <a:lstStyle/>
+            <a:p>
+              <a:pPr algn="ctr"/>
+              <a:endParaRPr lang="ko-KR" altLang="en-US"/>
+            </a:p>
+          </p:txBody>
+        </p:sp>
+        <p:sp>
+          <p:nvSpPr>
+            <p:cNvPr id="33" name="타원 32">
+              <a:extLst>
+                <a:ext uri="{FF2B5EF4-FFF2-40B4-BE49-F238E27FC236}">
+                  <a16:creationId xmlns:a16="http://schemas.microsoft.com/office/drawing/2014/main" id="{D3175F7E-E188-4A02-BE15-1EE30B844413}"/>
+                </a:ext>
+              </a:extLst>
+            </p:cNvPr>
+            <p:cNvSpPr/>
+            <p:nvPr/>
+          </p:nvSpPr>
+          <p:spPr>
+            <a:xfrm>
+              <a:off x="21999055" y="1255986"/>
+              <a:ext cx="1261241" cy="1261241"/>
+            </a:xfrm>
+            <a:prstGeom prst="ellipse">
+              <a:avLst/>
+            </a:prstGeom>
+            <a:solidFill>
+              <a:schemeClr val="bg2">
+                <a:lumMod val="90000"/>
+              </a:schemeClr>
+            </a:solidFill>
+            <a:ln>
+              <a:noFill/>
+            </a:ln>
+          </p:spPr>
+          <p:style>
+            <a:lnRef idx="2">
+              <a:schemeClr val="accent1">
+                <a:shade val="50000"/>
+              </a:schemeClr>
+            </a:lnRef>
+            <a:fillRef idx="1">
+              <a:schemeClr val="accent1"/>
+            </a:fillRef>
+            <a:effectRef idx="0">
+              <a:schemeClr val="accent1"/>
+            </a:effectRef>
+            <a:fontRef idx="minor">
+              <a:schemeClr val="lt1"/>
+            </a:fontRef>
+          </p:style>
+          <p:txBody>
+            <a:bodyPr rtlCol="0" anchor="ctr"/>
+            <a:lstStyle/>
+            <a:p>
+              <a:pPr algn="ctr"/>
+              <a:endParaRPr lang="ko-KR" altLang="en-US"/>
+            </a:p>
+          </p:txBody>
+        </p:sp>
+        <p:sp>
+          <p:nvSpPr>
+            <p:cNvPr id="34" name="타원 33">
+              <a:extLst>
+                <a:ext uri="{FF2B5EF4-FFF2-40B4-BE49-F238E27FC236}">
+                  <a16:creationId xmlns:a16="http://schemas.microsoft.com/office/drawing/2014/main" id="{543DF3F5-F7C7-43C6-B035-3558A3FFCED2}"/>
+                </a:ext>
+              </a:extLst>
+            </p:cNvPr>
+            <p:cNvSpPr/>
+            <p:nvPr/>
+          </p:nvSpPr>
+          <p:spPr>
+            <a:xfrm>
+              <a:off x="25336090" y="1255986"/>
+              <a:ext cx="1261241" cy="1261241"/>
+            </a:xfrm>
+            <a:prstGeom prst="ellipse">
+              <a:avLst/>
+            </a:prstGeom>
+            <a:solidFill>
+              <a:schemeClr val="bg2">
+                <a:lumMod val="90000"/>
+              </a:schemeClr>
+            </a:solidFill>
+            <a:ln>
+              <a:noFill/>
+            </a:ln>
+          </p:spPr>
+          <p:style>
+            <a:lnRef idx="2">
+              <a:schemeClr val="accent1">
+                <a:shade val="50000"/>
+              </a:schemeClr>
+            </a:lnRef>
+            <a:fillRef idx="1">
+              <a:schemeClr val="accent1"/>
+            </a:fillRef>
+            <a:effectRef idx="0">
+              <a:schemeClr val="accent1"/>
+            </a:effectRef>
+            <a:fontRef idx="minor">
+              <a:schemeClr val="lt1"/>
+            </a:fontRef>
+          </p:style>
+          <p:txBody>
+            <a:bodyPr rtlCol="0" anchor="ctr"/>
+            <a:lstStyle/>
+            <a:p>
+              <a:pPr algn="ctr"/>
+              <a:endParaRPr lang="ko-KR" altLang="en-US"/>
+            </a:p>
+          </p:txBody>
+        </p:sp>
+        <p:sp>
+          <p:nvSpPr>
+            <p:cNvPr id="35" name="타원 34">
+              <a:extLst>
+                <a:ext uri="{FF2B5EF4-FFF2-40B4-BE49-F238E27FC236}">
+                  <a16:creationId xmlns:a16="http://schemas.microsoft.com/office/drawing/2014/main" id="{1104B31F-16E6-4903-B594-F9052F454CF0}"/>
+                </a:ext>
+              </a:extLst>
+            </p:cNvPr>
+            <p:cNvSpPr/>
+            <p:nvPr/>
+          </p:nvSpPr>
+          <p:spPr>
+            <a:xfrm>
+              <a:off x="28673125" y="1255986"/>
+              <a:ext cx="1261241" cy="1261241"/>
+            </a:xfrm>
+            <a:prstGeom prst="ellipse">
+              <a:avLst/>
+            </a:prstGeom>
+            <a:solidFill>
+              <a:schemeClr val="bg2">
+                <a:lumMod val="90000"/>
+              </a:schemeClr>
+            </a:solidFill>
+            <a:ln>
+              <a:noFill/>
+            </a:ln>
+          </p:spPr>
+          <p:style>
+            <a:lnRef idx="2">
+              <a:schemeClr val="accent1">
+                <a:shade val="50000"/>
+              </a:schemeClr>
+            </a:lnRef>
+            <a:fillRef idx="1">
+              <a:schemeClr val="accent1"/>
+            </a:fillRef>
+            <a:effectRef idx="0">
+              <a:schemeClr val="accent1"/>
+            </a:effectRef>
+            <a:fontRef idx="minor">
+              <a:schemeClr val="lt1"/>
+            </a:fontRef>
+          </p:style>
+          <p:txBody>
+            <a:bodyPr rtlCol="0" anchor="ctr"/>
+            <a:lstStyle/>
+            <a:p>
+              <a:pPr algn="ctr"/>
+              <a:endParaRPr lang="ko-KR" altLang="en-US"/>
+            </a:p>
+          </p:txBody>
+        </p:sp>
+        <p:sp>
+          <p:nvSpPr>
+            <p:cNvPr id="36" name="타원 35">
+              <a:extLst>
+                <a:ext uri="{FF2B5EF4-FFF2-40B4-BE49-F238E27FC236}">
+                  <a16:creationId xmlns:a16="http://schemas.microsoft.com/office/drawing/2014/main" id="{5E305381-1554-4674-BC74-121B090817B9}"/>
+                </a:ext>
+              </a:extLst>
+            </p:cNvPr>
+            <p:cNvSpPr/>
+            <p:nvPr/>
+          </p:nvSpPr>
+          <p:spPr>
+            <a:xfrm>
+              <a:off x="1976845" y="1255986"/>
+              <a:ext cx="1261241" cy="1261241"/>
+            </a:xfrm>
+            <a:prstGeom prst="ellipse">
+              <a:avLst/>
+            </a:prstGeom>
+            <a:solidFill>
+              <a:schemeClr val="bg2">
+                <a:lumMod val="90000"/>
+              </a:schemeClr>
+            </a:solidFill>
+            <a:ln>
+              <a:noFill/>
+            </a:ln>
+          </p:spPr>
+          <p:style>
+            <a:lnRef idx="2">
+              <a:schemeClr val="accent1">
+                <a:shade val="50000"/>
+              </a:schemeClr>
+            </a:lnRef>
+            <a:fillRef idx="1">
+              <a:schemeClr val="accent1"/>
+            </a:fillRef>
+            <a:effectRef idx="0">
+              <a:schemeClr val="accent1"/>
+            </a:effectRef>
+            <a:fontRef idx="minor">
+              <a:schemeClr val="lt1"/>
+            </a:fontRef>
+          </p:style>
+          <p:txBody>
+            <a:bodyPr rtlCol="0" anchor="ctr"/>
+            <a:lstStyle/>
+            <a:p>
+              <a:pPr algn="ctr"/>
+              <a:endParaRPr lang="ko-KR" altLang="en-US"/>
+            </a:p>
+          </p:txBody>
+        </p:sp>
+        <p:sp>
+          <p:nvSpPr>
+            <p:cNvPr id="37" name="타원 36">
+              <a:extLst>
+                <a:ext uri="{FF2B5EF4-FFF2-40B4-BE49-F238E27FC236}">
+                  <a16:creationId xmlns:a16="http://schemas.microsoft.com/office/drawing/2014/main" id="{B86302D6-087E-48AE-8269-6CFA96C09A04}"/>
+                </a:ext>
+              </a:extLst>
+            </p:cNvPr>
+            <p:cNvSpPr/>
+            <p:nvPr/>
+          </p:nvSpPr>
+          <p:spPr>
+            <a:xfrm>
+              <a:off x="32010160" y="1255986"/>
+              <a:ext cx="1261241" cy="1261241"/>
+            </a:xfrm>
+            <a:prstGeom prst="ellipse">
+              <a:avLst/>
+            </a:prstGeom>
+            <a:solidFill>
+              <a:schemeClr val="bg2">
+                <a:lumMod val="90000"/>
+              </a:schemeClr>
+            </a:solidFill>
+            <a:ln>
+              <a:noFill/>
+            </a:ln>
+          </p:spPr>
+          <p:style>
+            <a:lnRef idx="2">
+              <a:schemeClr val="accent1">
+                <a:shade val="50000"/>
+              </a:schemeClr>
+            </a:lnRef>
+            <a:fillRef idx="1">
+              <a:schemeClr val="accent1"/>
+            </a:fillRef>
+            <a:effectRef idx="0">
+              <a:schemeClr val="accent1"/>
+            </a:effectRef>
+            <a:fontRef idx="minor">
+              <a:schemeClr val="lt1"/>
+            </a:fontRef>
+          </p:style>
+          <p:txBody>
+            <a:bodyPr rtlCol="0" anchor="ctr"/>
+            <a:lstStyle/>
+            <a:p>
+              <a:pPr algn="ctr"/>
+              <a:endParaRPr lang="ko-KR" altLang="en-US"/>
+            </a:p>
+          </p:txBody>
+        </p:sp>
+      </p:grpSp>
+      <p:grpSp>
+        <p:nvGrpSpPr>
+          <p:cNvPr id="38" name="그룹 37">
+            <a:extLst>
+              <a:ext uri="{FF2B5EF4-FFF2-40B4-BE49-F238E27FC236}">
+                <a16:creationId xmlns:a16="http://schemas.microsoft.com/office/drawing/2014/main" id="{4067E903-4993-4011-98B6-B62EFBA55DC8}"/>
+              </a:ext>
+            </a:extLst>
+          </p:cNvPr>
+          <p:cNvGrpSpPr/>
+          <p:nvPr/>
+        </p:nvGrpSpPr>
+        <p:grpSpPr>
+          <a:xfrm>
+            <a:off x="2352591" y="8240112"/>
+            <a:ext cx="31294556" cy="1261242"/>
+            <a:chOff x="1976845" y="1255986"/>
+            <a:chExt cx="31294556" cy="1261242"/>
+          </a:xfrm>
+        </p:grpSpPr>
+        <p:sp>
+          <p:nvSpPr>
+            <p:cNvPr id="39" name="타원 38">
+              <a:extLst>
+                <a:ext uri="{FF2B5EF4-FFF2-40B4-BE49-F238E27FC236}">
+                  <a16:creationId xmlns:a16="http://schemas.microsoft.com/office/drawing/2014/main" id="{3F979730-55E7-42DC-ACDF-FC75B0C690C6}"/>
+                </a:ext>
+              </a:extLst>
+            </p:cNvPr>
+            <p:cNvSpPr/>
+            <p:nvPr/>
+          </p:nvSpPr>
+          <p:spPr>
+            <a:xfrm>
+              <a:off x="5313880" y="1255987"/>
+              <a:ext cx="1261241" cy="1261241"/>
+            </a:xfrm>
+            <a:prstGeom prst="ellipse">
+              <a:avLst/>
+            </a:prstGeom>
+            <a:solidFill>
+              <a:schemeClr val="bg2">
+                <a:lumMod val="90000"/>
+              </a:schemeClr>
+            </a:solidFill>
+            <a:ln>
+              <a:noFill/>
+            </a:ln>
+          </p:spPr>
+          <p:style>
+            <a:lnRef idx="2">
+              <a:schemeClr val="accent1">
+                <a:shade val="50000"/>
+              </a:schemeClr>
+            </a:lnRef>
+            <a:fillRef idx="1">
+              <a:schemeClr val="accent1"/>
+            </a:fillRef>
+            <a:effectRef idx="0">
+              <a:schemeClr val="accent1"/>
+            </a:effectRef>
+            <a:fontRef idx="minor">
+              <a:schemeClr val="lt1"/>
+            </a:fontRef>
+          </p:style>
+          <p:txBody>
+            <a:bodyPr rtlCol="0" anchor="ctr"/>
+            <a:lstStyle/>
+            <a:p>
+              <a:pPr algn="ctr"/>
+              <a:endParaRPr lang="ko-KR" altLang="en-US"/>
+            </a:p>
+          </p:txBody>
+        </p:sp>
+        <p:sp>
+          <p:nvSpPr>
+            <p:cNvPr id="40" name="타원 39">
+              <a:extLst>
+                <a:ext uri="{FF2B5EF4-FFF2-40B4-BE49-F238E27FC236}">
+                  <a16:creationId xmlns:a16="http://schemas.microsoft.com/office/drawing/2014/main" id="{22CD9A46-2C52-4798-B4DB-249A94CC2D4F}"/>
+                </a:ext>
+              </a:extLst>
+            </p:cNvPr>
+            <p:cNvSpPr/>
+            <p:nvPr/>
+          </p:nvSpPr>
+          <p:spPr>
+            <a:xfrm>
+              <a:off x="8650915" y="1255987"/>
+              <a:ext cx="1261241" cy="1261241"/>
+            </a:xfrm>
+            <a:prstGeom prst="ellipse">
+              <a:avLst/>
+            </a:prstGeom>
+            <a:solidFill>
+              <a:schemeClr val="bg2">
+                <a:lumMod val="90000"/>
+              </a:schemeClr>
+            </a:solidFill>
+            <a:ln>
+              <a:noFill/>
+            </a:ln>
+          </p:spPr>
+          <p:style>
+            <a:lnRef idx="2">
+              <a:schemeClr val="accent1">
+                <a:shade val="50000"/>
+              </a:schemeClr>
+            </a:lnRef>
+            <a:fillRef idx="1">
+              <a:schemeClr val="accent1"/>
+            </a:fillRef>
+            <a:effectRef idx="0">
+              <a:schemeClr val="accent1"/>
+            </a:effectRef>
+            <a:fontRef idx="minor">
+              <a:schemeClr val="lt1"/>
+            </a:fontRef>
+          </p:style>
+          <p:txBody>
+            <a:bodyPr rtlCol="0" anchor="ctr"/>
+            <a:lstStyle/>
+            <a:p>
+              <a:pPr algn="ctr"/>
+              <a:endParaRPr lang="ko-KR" altLang="en-US"/>
+            </a:p>
+          </p:txBody>
+        </p:sp>
+        <p:sp>
+          <p:nvSpPr>
+            <p:cNvPr id="41" name="타원 40">
+              <a:extLst>
+                <a:ext uri="{FF2B5EF4-FFF2-40B4-BE49-F238E27FC236}">
+                  <a16:creationId xmlns:a16="http://schemas.microsoft.com/office/drawing/2014/main" id="{2D811CF0-8B56-4B0A-B273-616F5E66214F}"/>
+                </a:ext>
+              </a:extLst>
+            </p:cNvPr>
+            <p:cNvSpPr/>
+            <p:nvPr/>
+          </p:nvSpPr>
+          <p:spPr>
+            <a:xfrm>
+              <a:off x="11987950" y="1255987"/>
+              <a:ext cx="1261241" cy="1261241"/>
+            </a:xfrm>
+            <a:prstGeom prst="ellipse">
+              <a:avLst/>
+            </a:prstGeom>
+            <a:solidFill>
+              <a:schemeClr val="bg2">
+                <a:lumMod val="90000"/>
+              </a:schemeClr>
+            </a:solidFill>
+            <a:ln>
+              <a:noFill/>
+            </a:ln>
+          </p:spPr>
+          <p:style>
+            <a:lnRef idx="2">
+              <a:schemeClr val="accent1">
+                <a:shade val="50000"/>
+              </a:schemeClr>
+            </a:lnRef>
+            <a:fillRef idx="1">
+              <a:schemeClr val="accent1"/>
+            </a:fillRef>
+            <a:effectRef idx="0">
+              <a:schemeClr val="accent1"/>
+            </a:effectRef>
+            <a:fontRef idx="minor">
+              <a:schemeClr val="lt1"/>
+            </a:fontRef>
+          </p:style>
+          <p:txBody>
+            <a:bodyPr rtlCol="0" anchor="ctr"/>
+            <a:lstStyle/>
+            <a:p>
+              <a:pPr algn="ctr"/>
+              <a:endParaRPr lang="ko-KR" altLang="en-US"/>
+            </a:p>
+          </p:txBody>
+        </p:sp>
+        <p:sp>
+          <p:nvSpPr>
+            <p:cNvPr id="42" name="타원 41">
+              <a:extLst>
+                <a:ext uri="{FF2B5EF4-FFF2-40B4-BE49-F238E27FC236}">
+                  <a16:creationId xmlns:a16="http://schemas.microsoft.com/office/drawing/2014/main" id="{74218B95-9BCD-4ED0-8D8A-E317D22102B3}"/>
+                </a:ext>
+              </a:extLst>
+            </p:cNvPr>
+            <p:cNvSpPr/>
+            <p:nvPr/>
+          </p:nvSpPr>
+          <p:spPr>
+            <a:xfrm>
+              <a:off x="15324985" y="1255986"/>
+              <a:ext cx="1261241" cy="1261241"/>
+            </a:xfrm>
+            <a:prstGeom prst="ellipse">
+              <a:avLst/>
+            </a:prstGeom>
+            <a:solidFill>
+              <a:schemeClr val="bg2">
+                <a:lumMod val="90000"/>
+              </a:schemeClr>
+            </a:solidFill>
+            <a:ln>
+              <a:noFill/>
+            </a:ln>
+          </p:spPr>
+          <p:style>
+            <a:lnRef idx="2">
+              <a:schemeClr val="accent1">
+                <a:shade val="50000"/>
+              </a:schemeClr>
+            </a:lnRef>
+            <a:fillRef idx="1">
+              <a:schemeClr val="accent1"/>
+            </a:fillRef>
+            <a:effectRef idx="0">
+              <a:schemeClr val="accent1"/>
+            </a:effectRef>
+            <a:fontRef idx="minor">
+              <a:schemeClr val="lt1"/>
+            </a:fontRef>
+          </p:style>
+          <p:txBody>
+            <a:bodyPr rtlCol="0" anchor="ctr"/>
+            <a:lstStyle/>
+            <a:p>
+              <a:pPr algn="ctr"/>
+              <a:endParaRPr lang="ko-KR" altLang="en-US"/>
+            </a:p>
+          </p:txBody>
+        </p:sp>
+        <p:sp>
+          <p:nvSpPr>
+            <p:cNvPr id="43" name="타원 42">
+              <a:extLst>
+                <a:ext uri="{FF2B5EF4-FFF2-40B4-BE49-F238E27FC236}">
+                  <a16:creationId xmlns:a16="http://schemas.microsoft.com/office/drawing/2014/main" id="{28D4704A-39E9-4F30-8D8D-59FC7FBB2251}"/>
+                </a:ext>
+              </a:extLst>
+            </p:cNvPr>
+            <p:cNvSpPr/>
+            <p:nvPr/>
+          </p:nvSpPr>
+          <p:spPr>
+            <a:xfrm>
+              <a:off x="18662020" y="1255986"/>
+              <a:ext cx="1261241" cy="1261241"/>
+            </a:xfrm>
+            <a:prstGeom prst="ellipse">
+              <a:avLst/>
+            </a:prstGeom>
+            <a:solidFill>
+              <a:schemeClr val="bg2">
+                <a:lumMod val="90000"/>
+              </a:schemeClr>
+            </a:solidFill>
+            <a:ln>
+              <a:noFill/>
+            </a:ln>
+          </p:spPr>
+          <p:style>
+            <a:lnRef idx="2">
+              <a:schemeClr val="accent1">
+                <a:shade val="50000"/>
+              </a:schemeClr>
+            </a:lnRef>
+            <a:fillRef idx="1">
+              <a:schemeClr val="accent1"/>
+            </a:fillRef>
+            <a:effectRef idx="0">
+              <a:schemeClr val="accent1"/>
+            </a:effectRef>
+            <a:fontRef idx="minor">
+              <a:schemeClr val="lt1"/>
+            </a:fontRef>
+          </p:style>
+          <p:txBody>
+            <a:bodyPr rtlCol="0" anchor="ctr"/>
+            <a:lstStyle/>
+            <a:p>
+              <a:pPr algn="ctr"/>
+              <a:endParaRPr lang="ko-KR" altLang="en-US"/>
+            </a:p>
+          </p:txBody>
+        </p:sp>
+        <p:sp>
+          <p:nvSpPr>
+            <p:cNvPr id="44" name="타원 43">
+              <a:extLst>
+                <a:ext uri="{FF2B5EF4-FFF2-40B4-BE49-F238E27FC236}">
+                  <a16:creationId xmlns:a16="http://schemas.microsoft.com/office/drawing/2014/main" id="{DFDB4E45-1725-4C70-8B05-E923C61A5B1C}"/>
+                </a:ext>
+              </a:extLst>
+            </p:cNvPr>
+            <p:cNvSpPr/>
+            <p:nvPr/>
+          </p:nvSpPr>
+          <p:spPr>
+            <a:xfrm>
+              <a:off x="21999055" y="1255986"/>
+              <a:ext cx="1261241" cy="1261241"/>
+            </a:xfrm>
+            <a:prstGeom prst="ellipse">
+              <a:avLst/>
+            </a:prstGeom>
+            <a:solidFill>
+              <a:schemeClr val="bg2">
+                <a:lumMod val="90000"/>
+              </a:schemeClr>
+            </a:solidFill>
+            <a:ln>
+              <a:noFill/>
+            </a:ln>
+          </p:spPr>
+          <p:style>
+            <a:lnRef idx="2">
+              <a:schemeClr val="accent1">
+                <a:shade val="50000"/>
+              </a:schemeClr>
+            </a:lnRef>
+            <a:fillRef idx="1">
+              <a:schemeClr val="accent1"/>
+            </a:fillRef>
+            <a:effectRef idx="0">
+              <a:schemeClr val="accent1"/>
+            </a:effectRef>
+            <a:fontRef idx="minor">
+              <a:schemeClr val="lt1"/>
+            </a:fontRef>
+          </p:style>
+          <p:txBody>
+            <a:bodyPr rtlCol="0" anchor="ctr"/>
+            <a:lstStyle/>
+            <a:p>
+              <a:pPr algn="ctr"/>
+              <a:endParaRPr lang="ko-KR" altLang="en-US"/>
+            </a:p>
+          </p:txBody>
+        </p:sp>
+        <p:sp>
+          <p:nvSpPr>
+            <p:cNvPr id="45" name="타원 44">
+              <a:extLst>
+                <a:ext uri="{FF2B5EF4-FFF2-40B4-BE49-F238E27FC236}">
+                  <a16:creationId xmlns:a16="http://schemas.microsoft.com/office/drawing/2014/main" id="{92E75B89-9C56-4F07-A103-2E7BF488E651}"/>
+                </a:ext>
+              </a:extLst>
+            </p:cNvPr>
+            <p:cNvSpPr/>
+            <p:nvPr/>
+          </p:nvSpPr>
+          <p:spPr>
+            <a:xfrm>
+              <a:off x="25336090" y="1255986"/>
+              <a:ext cx="1261241" cy="1261241"/>
+            </a:xfrm>
+            <a:prstGeom prst="ellipse">
+              <a:avLst/>
+            </a:prstGeom>
+            <a:solidFill>
+              <a:schemeClr val="bg2">
+                <a:lumMod val="90000"/>
+              </a:schemeClr>
+            </a:solidFill>
+            <a:ln>
+              <a:noFill/>
+            </a:ln>
+          </p:spPr>
+          <p:style>
+            <a:lnRef idx="2">
+              <a:schemeClr val="accent1">
+                <a:shade val="50000"/>
+              </a:schemeClr>
+            </a:lnRef>
+            <a:fillRef idx="1">
+              <a:schemeClr val="accent1"/>
+            </a:fillRef>
+            <a:effectRef idx="0">
+              <a:schemeClr val="accent1"/>
+            </a:effectRef>
+            <a:fontRef idx="minor">
+              <a:schemeClr val="lt1"/>
+            </a:fontRef>
+          </p:style>
+          <p:txBody>
+            <a:bodyPr rtlCol="0" anchor="ctr"/>
+            <a:lstStyle/>
+            <a:p>
+              <a:pPr algn="ctr"/>
+              <a:endParaRPr lang="ko-KR" altLang="en-US"/>
+            </a:p>
+          </p:txBody>
+        </p:sp>
+        <p:sp>
+          <p:nvSpPr>
+            <p:cNvPr id="46" name="타원 45">
+              <a:extLst>
+                <a:ext uri="{FF2B5EF4-FFF2-40B4-BE49-F238E27FC236}">
+                  <a16:creationId xmlns:a16="http://schemas.microsoft.com/office/drawing/2014/main" id="{19EA51A7-58FF-408D-A27C-A3A4AA8A5099}"/>
+                </a:ext>
+              </a:extLst>
+            </p:cNvPr>
+            <p:cNvSpPr/>
+            <p:nvPr/>
+          </p:nvSpPr>
+          <p:spPr>
+            <a:xfrm>
+              <a:off x="28673125" y="1255986"/>
+              <a:ext cx="1261241" cy="1261241"/>
+            </a:xfrm>
+            <a:prstGeom prst="ellipse">
+              <a:avLst/>
+            </a:prstGeom>
+            <a:solidFill>
+              <a:schemeClr val="bg2">
+                <a:lumMod val="90000"/>
+              </a:schemeClr>
+            </a:solidFill>
+            <a:ln>
+              <a:noFill/>
+            </a:ln>
+          </p:spPr>
+          <p:style>
+            <a:lnRef idx="2">
+              <a:schemeClr val="accent1">
+                <a:shade val="50000"/>
+              </a:schemeClr>
+            </a:lnRef>
+            <a:fillRef idx="1">
+              <a:schemeClr val="accent1"/>
+            </a:fillRef>
+            <a:effectRef idx="0">
+              <a:schemeClr val="accent1"/>
+            </a:effectRef>
+            <a:fontRef idx="minor">
+              <a:schemeClr val="lt1"/>
+            </a:fontRef>
+          </p:style>
+          <p:txBody>
+            <a:bodyPr rtlCol="0" anchor="ctr"/>
+            <a:lstStyle/>
+            <a:p>
+              <a:pPr algn="ctr"/>
+              <a:endParaRPr lang="ko-KR" altLang="en-US"/>
+            </a:p>
+          </p:txBody>
+        </p:sp>
+        <p:sp>
+          <p:nvSpPr>
+            <p:cNvPr id="47" name="타원 46">
+              <a:extLst>
+                <a:ext uri="{FF2B5EF4-FFF2-40B4-BE49-F238E27FC236}">
+                  <a16:creationId xmlns:a16="http://schemas.microsoft.com/office/drawing/2014/main" id="{33845E30-76BD-4CF9-96D3-3E9EC4F1C8AF}"/>
+                </a:ext>
+              </a:extLst>
+            </p:cNvPr>
+            <p:cNvSpPr/>
+            <p:nvPr/>
+          </p:nvSpPr>
+          <p:spPr>
+            <a:xfrm>
+              <a:off x="1976845" y="1255986"/>
+              <a:ext cx="1261241" cy="1261241"/>
+            </a:xfrm>
+            <a:prstGeom prst="ellipse">
+              <a:avLst/>
+            </a:prstGeom>
+            <a:solidFill>
+              <a:schemeClr val="bg2">
+                <a:lumMod val="90000"/>
+              </a:schemeClr>
+            </a:solidFill>
+            <a:ln>
+              <a:noFill/>
+            </a:ln>
+          </p:spPr>
+          <p:style>
+            <a:lnRef idx="2">
+              <a:schemeClr val="accent1">
+                <a:shade val="50000"/>
+              </a:schemeClr>
+            </a:lnRef>
+            <a:fillRef idx="1">
+              <a:schemeClr val="accent1"/>
+            </a:fillRef>
+            <a:effectRef idx="0">
+              <a:schemeClr val="accent1"/>
+            </a:effectRef>
+            <a:fontRef idx="minor">
+              <a:schemeClr val="lt1"/>
+            </a:fontRef>
+          </p:style>
+          <p:txBody>
+            <a:bodyPr rtlCol="0" anchor="ctr"/>
+            <a:lstStyle/>
+            <a:p>
+              <a:pPr algn="ctr"/>
+              <a:endParaRPr lang="ko-KR" altLang="en-US"/>
+            </a:p>
+          </p:txBody>
+        </p:sp>
+        <p:sp>
+          <p:nvSpPr>
+            <p:cNvPr id="48" name="타원 47">
+              <a:extLst>
+                <a:ext uri="{FF2B5EF4-FFF2-40B4-BE49-F238E27FC236}">
+                  <a16:creationId xmlns:a16="http://schemas.microsoft.com/office/drawing/2014/main" id="{15F67221-49DC-4162-B00E-87F92BF06ECA}"/>
+                </a:ext>
+              </a:extLst>
+            </p:cNvPr>
+            <p:cNvSpPr/>
+            <p:nvPr/>
+          </p:nvSpPr>
+          <p:spPr>
+            <a:xfrm>
+              <a:off x="32010160" y="1255986"/>
+              <a:ext cx="1261241" cy="1261241"/>
+            </a:xfrm>
+            <a:prstGeom prst="ellipse">
+              <a:avLst/>
+            </a:prstGeom>
+            <a:solidFill>
+              <a:schemeClr val="bg2">
+                <a:lumMod val="90000"/>
+              </a:schemeClr>
+            </a:solidFill>
+            <a:ln>
+              <a:noFill/>
+            </a:ln>
+          </p:spPr>
+          <p:style>
+            <a:lnRef idx="2">
+              <a:schemeClr val="accent1">
+                <a:shade val="50000"/>
+              </a:schemeClr>
+            </a:lnRef>
+            <a:fillRef idx="1">
+              <a:schemeClr val="accent1"/>
+            </a:fillRef>
+            <a:effectRef idx="0">
+              <a:schemeClr val="accent1"/>
+            </a:effectRef>
+            <a:fontRef idx="minor">
+              <a:schemeClr val="lt1"/>
+            </a:fontRef>
+          </p:style>
+          <p:txBody>
+            <a:bodyPr rtlCol="0" anchor="ctr"/>
+            <a:lstStyle/>
+            <a:p>
+              <a:pPr algn="ctr"/>
+              <a:endParaRPr lang="ko-KR" altLang="en-US"/>
+            </a:p>
+          </p:txBody>
+        </p:sp>
+      </p:grpSp>
+      <p:grpSp>
+        <p:nvGrpSpPr>
+          <p:cNvPr id="49" name="그룹 48">
+            <a:extLst>
+              <a:ext uri="{FF2B5EF4-FFF2-40B4-BE49-F238E27FC236}">
+                <a16:creationId xmlns:a16="http://schemas.microsoft.com/office/drawing/2014/main" id="{8460639B-17A0-418F-955D-89B03CCA229A}"/>
+              </a:ext>
+            </a:extLst>
+          </p:cNvPr>
+          <p:cNvGrpSpPr/>
+          <p:nvPr/>
+        </p:nvGrpSpPr>
+        <p:grpSpPr>
+          <a:xfrm>
+            <a:off x="2352591" y="10568154"/>
+            <a:ext cx="31294556" cy="1261242"/>
+            <a:chOff x="1976845" y="1255986"/>
+            <a:chExt cx="31294556" cy="1261242"/>
+          </a:xfrm>
+        </p:grpSpPr>
+        <p:sp>
+          <p:nvSpPr>
+            <p:cNvPr id="50" name="타원 49">
+              <a:extLst>
+                <a:ext uri="{FF2B5EF4-FFF2-40B4-BE49-F238E27FC236}">
+                  <a16:creationId xmlns:a16="http://schemas.microsoft.com/office/drawing/2014/main" id="{16767A4F-EF1B-4CBB-B989-04A5E786639B}"/>
+                </a:ext>
+              </a:extLst>
+            </p:cNvPr>
+            <p:cNvSpPr/>
+            <p:nvPr/>
+          </p:nvSpPr>
+          <p:spPr>
+            <a:xfrm>
+              <a:off x="5313880" y="1255987"/>
+              <a:ext cx="1261241" cy="1261241"/>
+            </a:xfrm>
+            <a:prstGeom prst="ellipse">
+              <a:avLst/>
+            </a:prstGeom>
+            <a:solidFill>
+              <a:schemeClr val="bg2">
+                <a:lumMod val="90000"/>
+              </a:schemeClr>
+            </a:solidFill>
+            <a:ln>
+              <a:noFill/>
+            </a:ln>
+          </p:spPr>
+          <p:style>
+            <a:lnRef idx="2">
+              <a:schemeClr val="accent1">
+                <a:shade val="50000"/>
+              </a:schemeClr>
+            </a:lnRef>
+            <a:fillRef idx="1">
+              <a:schemeClr val="accent1"/>
+            </a:fillRef>
+            <a:effectRef idx="0">
+              <a:schemeClr val="accent1"/>
+            </a:effectRef>
+            <a:fontRef idx="minor">
+              <a:schemeClr val="lt1"/>
+            </a:fontRef>
+          </p:style>
+          <p:txBody>
+            <a:bodyPr rtlCol="0" anchor="ctr"/>
+            <a:lstStyle/>
+            <a:p>
+              <a:pPr algn="ctr"/>
+              <a:endParaRPr lang="ko-KR" altLang="en-US"/>
+            </a:p>
+          </p:txBody>
+        </p:sp>
+        <p:sp>
+          <p:nvSpPr>
+            <p:cNvPr id="51" name="타원 50">
+              <a:extLst>
+                <a:ext uri="{FF2B5EF4-FFF2-40B4-BE49-F238E27FC236}">
+                  <a16:creationId xmlns:a16="http://schemas.microsoft.com/office/drawing/2014/main" id="{8B6F6793-6B27-4997-A060-47E3A0880C3B}"/>
+                </a:ext>
+              </a:extLst>
+            </p:cNvPr>
+            <p:cNvSpPr/>
+            <p:nvPr/>
+          </p:nvSpPr>
+          <p:spPr>
+            <a:xfrm>
+              <a:off x="8650915" y="1255987"/>
+              <a:ext cx="1261241" cy="1261241"/>
+            </a:xfrm>
+            <a:prstGeom prst="ellipse">
+              <a:avLst/>
+            </a:prstGeom>
+            <a:solidFill>
+              <a:schemeClr val="bg2">
+                <a:lumMod val="90000"/>
+              </a:schemeClr>
+            </a:solidFill>
+            <a:ln>
+              <a:noFill/>
+            </a:ln>
+          </p:spPr>
+          <p:style>
+            <a:lnRef idx="2">
+              <a:schemeClr val="accent1">
+                <a:shade val="50000"/>
+              </a:schemeClr>
+            </a:lnRef>
+            <a:fillRef idx="1">
+              <a:schemeClr val="accent1"/>
+            </a:fillRef>
+            <a:effectRef idx="0">
+              <a:schemeClr val="accent1"/>
+            </a:effectRef>
+            <a:fontRef idx="minor">
+              <a:schemeClr val="lt1"/>
+            </a:fontRef>
+          </p:style>
+          <p:txBody>
+            <a:bodyPr rtlCol="0" anchor="ctr"/>
+            <a:lstStyle/>
+            <a:p>
+              <a:pPr algn="ctr"/>
+              <a:endParaRPr lang="ko-KR" altLang="en-US"/>
+            </a:p>
+          </p:txBody>
+        </p:sp>
+        <p:sp>
+          <p:nvSpPr>
+            <p:cNvPr id="52" name="타원 51">
+              <a:extLst>
+                <a:ext uri="{FF2B5EF4-FFF2-40B4-BE49-F238E27FC236}">
+                  <a16:creationId xmlns:a16="http://schemas.microsoft.com/office/drawing/2014/main" id="{74B41404-2022-4533-97C6-7010066681C4}"/>
+                </a:ext>
+              </a:extLst>
+            </p:cNvPr>
+            <p:cNvSpPr/>
+            <p:nvPr/>
+          </p:nvSpPr>
+          <p:spPr>
+            <a:xfrm>
+              <a:off x="11987950" y="1255987"/>
+              <a:ext cx="1261241" cy="1261241"/>
+            </a:xfrm>
+            <a:prstGeom prst="ellipse">
+              <a:avLst/>
+            </a:prstGeom>
+            <a:solidFill>
+              <a:schemeClr val="bg2">
+                <a:lumMod val="90000"/>
+              </a:schemeClr>
+            </a:solidFill>
+            <a:ln>
+              <a:noFill/>
+            </a:ln>
+          </p:spPr>
+          <p:style>
+            <a:lnRef idx="2">
+              <a:schemeClr val="accent1">
+                <a:shade val="50000"/>
+              </a:schemeClr>
+            </a:lnRef>
+            <a:fillRef idx="1">
+              <a:schemeClr val="accent1"/>
+            </a:fillRef>
+            <a:effectRef idx="0">
+              <a:schemeClr val="accent1"/>
+            </a:effectRef>
+            <a:fontRef idx="minor">
+              <a:schemeClr val="lt1"/>
+            </a:fontRef>
+          </p:style>
+          <p:txBody>
+            <a:bodyPr rtlCol="0" anchor="ctr"/>
+            <a:lstStyle/>
+            <a:p>
+              <a:pPr algn="ctr"/>
+              <a:endParaRPr lang="ko-KR" altLang="en-US"/>
+            </a:p>
+          </p:txBody>
+        </p:sp>
+        <p:sp>
+          <p:nvSpPr>
+            <p:cNvPr id="53" name="타원 52">
+              <a:extLst>
+                <a:ext uri="{FF2B5EF4-FFF2-40B4-BE49-F238E27FC236}">
+                  <a16:creationId xmlns:a16="http://schemas.microsoft.com/office/drawing/2014/main" id="{7E38E5E6-418E-49CE-8341-E3436975C449}"/>
+                </a:ext>
+              </a:extLst>
+            </p:cNvPr>
+            <p:cNvSpPr/>
+            <p:nvPr/>
+          </p:nvSpPr>
+          <p:spPr>
+            <a:xfrm>
+              <a:off x="15324985" y="1255986"/>
+              <a:ext cx="1261241" cy="1261241"/>
+            </a:xfrm>
+            <a:prstGeom prst="ellipse">
+              <a:avLst/>
+            </a:prstGeom>
+            <a:solidFill>
+              <a:schemeClr val="bg2">
+                <a:lumMod val="90000"/>
+              </a:schemeClr>
+            </a:solidFill>
+            <a:ln>
+              <a:noFill/>
+            </a:ln>
+          </p:spPr>
+          <p:style>
+            <a:lnRef idx="2">
+              <a:schemeClr val="accent1">
+                <a:shade val="50000"/>
+              </a:schemeClr>
+            </a:lnRef>
+            <a:fillRef idx="1">
+              <a:schemeClr val="accent1"/>
+            </a:fillRef>
+            <a:effectRef idx="0">
+              <a:schemeClr val="accent1"/>
+            </a:effectRef>
+            <a:fontRef idx="minor">
+              <a:schemeClr val="lt1"/>
+            </a:fontRef>
+          </p:style>
+          <p:txBody>
+            <a:bodyPr rtlCol="0" anchor="ctr"/>
+            <a:lstStyle/>
+            <a:p>
+              <a:pPr algn="ctr"/>
+              <a:endParaRPr lang="ko-KR" altLang="en-US"/>
+            </a:p>
+          </p:txBody>
+        </p:sp>
+        <p:sp>
+          <p:nvSpPr>
+            <p:cNvPr id="54" name="타원 53">
+              <a:extLst>
+                <a:ext uri="{FF2B5EF4-FFF2-40B4-BE49-F238E27FC236}">
+                  <a16:creationId xmlns:a16="http://schemas.microsoft.com/office/drawing/2014/main" id="{A50F3754-9860-4C2C-87BE-971AF0B860CC}"/>
+                </a:ext>
+              </a:extLst>
+            </p:cNvPr>
+            <p:cNvSpPr/>
+            <p:nvPr/>
+          </p:nvSpPr>
+          <p:spPr>
+            <a:xfrm>
+              <a:off x="18662020" y="1255986"/>
+              <a:ext cx="1261241" cy="1261241"/>
+            </a:xfrm>
+            <a:prstGeom prst="ellipse">
+              <a:avLst/>
+            </a:prstGeom>
+            <a:solidFill>
+              <a:schemeClr val="bg2">
+                <a:lumMod val="90000"/>
+              </a:schemeClr>
+            </a:solidFill>
+            <a:ln>
+              <a:noFill/>
+            </a:ln>
+          </p:spPr>
+          <p:style>
+            <a:lnRef idx="2">
+              <a:schemeClr val="accent1">
+                <a:shade val="50000"/>
+              </a:schemeClr>
+            </a:lnRef>
+            <a:fillRef idx="1">
+              <a:schemeClr val="accent1"/>
+            </a:fillRef>
+            <a:effectRef idx="0">
+              <a:schemeClr val="accent1"/>
+            </a:effectRef>
+            <a:fontRef idx="minor">
+              <a:schemeClr val="lt1"/>
+            </a:fontRef>
+          </p:style>
+          <p:txBody>
+            <a:bodyPr rtlCol="0" anchor="ctr"/>
+            <a:lstStyle/>
+            <a:p>
+              <a:pPr algn="ctr"/>
+              <a:endParaRPr lang="ko-KR" altLang="en-US"/>
+            </a:p>
+          </p:txBody>
+        </p:sp>
+        <p:sp>
+          <p:nvSpPr>
+            <p:cNvPr id="55" name="타원 54">
+              <a:extLst>
+                <a:ext uri="{FF2B5EF4-FFF2-40B4-BE49-F238E27FC236}">
+                  <a16:creationId xmlns:a16="http://schemas.microsoft.com/office/drawing/2014/main" id="{C3122FD7-B94C-4BA7-A25D-A19F9571D89C}"/>
+                </a:ext>
+              </a:extLst>
+            </p:cNvPr>
+            <p:cNvSpPr/>
+            <p:nvPr/>
+          </p:nvSpPr>
+          <p:spPr>
+            <a:xfrm>
+              <a:off x="21999055" y="1255986"/>
+              <a:ext cx="1261241" cy="1261241"/>
+            </a:xfrm>
+            <a:prstGeom prst="ellipse">
+              <a:avLst/>
+            </a:prstGeom>
+            <a:solidFill>
+              <a:schemeClr val="bg2">
+                <a:lumMod val="90000"/>
+              </a:schemeClr>
+            </a:solidFill>
+            <a:ln>
+              <a:noFill/>
+            </a:ln>
+          </p:spPr>
+          <p:style>
+            <a:lnRef idx="2">
+              <a:schemeClr val="accent1">
+                <a:shade val="50000"/>
+              </a:schemeClr>
+            </a:lnRef>
+            <a:fillRef idx="1">
+              <a:schemeClr val="accent1"/>
+            </a:fillRef>
+            <a:effectRef idx="0">
+              <a:schemeClr val="accent1"/>
+            </a:effectRef>
+            <a:fontRef idx="minor">
+              <a:schemeClr val="lt1"/>
+            </a:fontRef>
+          </p:style>
+          <p:txBody>
+            <a:bodyPr rtlCol="0" anchor="ctr"/>
+            <a:lstStyle/>
+            <a:p>
+              <a:pPr algn="ctr"/>
+              <a:endParaRPr lang="ko-KR" altLang="en-US"/>
+            </a:p>
+          </p:txBody>
+        </p:sp>
+        <p:sp>
+          <p:nvSpPr>
+            <p:cNvPr id="56" name="타원 55">
+              <a:extLst>
+                <a:ext uri="{FF2B5EF4-FFF2-40B4-BE49-F238E27FC236}">
+                  <a16:creationId xmlns:a16="http://schemas.microsoft.com/office/drawing/2014/main" id="{470A2B99-DEC9-49DE-A85D-941EA5149CF4}"/>
+                </a:ext>
+              </a:extLst>
+            </p:cNvPr>
+            <p:cNvSpPr/>
+            <p:nvPr/>
+          </p:nvSpPr>
+          <p:spPr>
+            <a:xfrm>
+              <a:off x="25336090" y="1255986"/>
+              <a:ext cx="1261241" cy="1261241"/>
+            </a:xfrm>
+            <a:prstGeom prst="ellipse">
+              <a:avLst/>
+            </a:prstGeom>
+            <a:solidFill>
+              <a:schemeClr val="bg2">
+                <a:lumMod val="90000"/>
+              </a:schemeClr>
+            </a:solidFill>
+            <a:ln>
+              <a:noFill/>
+            </a:ln>
+          </p:spPr>
+          <p:style>
+            <a:lnRef idx="2">
+              <a:schemeClr val="accent1">
+                <a:shade val="50000"/>
+              </a:schemeClr>
+            </a:lnRef>
+            <a:fillRef idx="1">
+              <a:schemeClr val="accent1"/>
+            </a:fillRef>
+            <a:effectRef idx="0">
+              <a:schemeClr val="accent1"/>
+            </a:effectRef>
+            <a:fontRef idx="minor">
+              <a:schemeClr val="lt1"/>
+            </a:fontRef>
+          </p:style>
+          <p:txBody>
+            <a:bodyPr rtlCol="0" anchor="ctr"/>
+            <a:lstStyle/>
+            <a:p>
+              <a:pPr algn="ctr"/>
+              <a:endParaRPr lang="ko-KR" altLang="en-US"/>
+            </a:p>
+          </p:txBody>
+        </p:sp>
+        <p:sp>
+          <p:nvSpPr>
+            <p:cNvPr id="57" name="타원 56">
+              <a:extLst>
+                <a:ext uri="{FF2B5EF4-FFF2-40B4-BE49-F238E27FC236}">
+                  <a16:creationId xmlns:a16="http://schemas.microsoft.com/office/drawing/2014/main" id="{606815B9-6EA5-419E-878D-ADA46097E132}"/>
+                </a:ext>
+              </a:extLst>
+            </p:cNvPr>
+            <p:cNvSpPr/>
+            <p:nvPr/>
+          </p:nvSpPr>
+          <p:spPr>
+            <a:xfrm>
+              <a:off x="28673125" y="1255986"/>
+              <a:ext cx="1261241" cy="1261241"/>
+            </a:xfrm>
+            <a:prstGeom prst="ellipse">
+              <a:avLst/>
+            </a:prstGeom>
+            <a:solidFill>
+              <a:schemeClr val="bg2">
+                <a:lumMod val="90000"/>
+              </a:schemeClr>
+            </a:solidFill>
+            <a:ln>
+              <a:noFill/>
+            </a:ln>
+          </p:spPr>
+          <p:style>
+            <a:lnRef idx="2">
+              <a:schemeClr val="accent1">
+                <a:shade val="50000"/>
+              </a:schemeClr>
+            </a:lnRef>
+            <a:fillRef idx="1">
+              <a:schemeClr val="accent1"/>
+            </a:fillRef>
+            <a:effectRef idx="0">
+              <a:schemeClr val="accent1"/>
+            </a:effectRef>
+            <a:fontRef idx="minor">
+              <a:schemeClr val="lt1"/>
+            </a:fontRef>
+          </p:style>
+          <p:txBody>
+            <a:bodyPr rtlCol="0" anchor="ctr"/>
+            <a:lstStyle/>
+            <a:p>
+              <a:pPr algn="ctr"/>
+              <a:endParaRPr lang="ko-KR" altLang="en-US"/>
+            </a:p>
+          </p:txBody>
+        </p:sp>
+        <p:sp>
+          <p:nvSpPr>
+            <p:cNvPr id="58" name="타원 57">
+              <a:extLst>
+                <a:ext uri="{FF2B5EF4-FFF2-40B4-BE49-F238E27FC236}">
+                  <a16:creationId xmlns:a16="http://schemas.microsoft.com/office/drawing/2014/main" id="{C4801AC0-1A8E-4041-93B5-408D3C3858C4}"/>
+                </a:ext>
+              </a:extLst>
+            </p:cNvPr>
+            <p:cNvSpPr/>
+            <p:nvPr/>
+          </p:nvSpPr>
+          <p:spPr>
+            <a:xfrm>
+              <a:off x="1976845" y="1255986"/>
+              <a:ext cx="1261241" cy="1261241"/>
+            </a:xfrm>
+            <a:prstGeom prst="ellipse">
+              <a:avLst/>
+            </a:prstGeom>
+            <a:solidFill>
+              <a:schemeClr val="bg2">
+                <a:lumMod val="90000"/>
+              </a:schemeClr>
+            </a:solidFill>
+            <a:ln>
+              <a:noFill/>
+            </a:ln>
+          </p:spPr>
+          <p:style>
+            <a:lnRef idx="2">
+              <a:schemeClr val="accent1">
+                <a:shade val="50000"/>
+              </a:schemeClr>
+            </a:lnRef>
+            <a:fillRef idx="1">
+              <a:schemeClr val="accent1"/>
+            </a:fillRef>
+            <a:effectRef idx="0">
+              <a:schemeClr val="accent1"/>
+            </a:effectRef>
+            <a:fontRef idx="minor">
+              <a:schemeClr val="lt1"/>
+            </a:fontRef>
+          </p:style>
+          <p:txBody>
+            <a:bodyPr rtlCol="0" anchor="ctr"/>
+            <a:lstStyle/>
+            <a:p>
+              <a:pPr algn="ctr"/>
+              <a:endParaRPr lang="ko-KR" altLang="en-US"/>
+            </a:p>
+          </p:txBody>
+        </p:sp>
+        <p:sp>
+          <p:nvSpPr>
+            <p:cNvPr id="59" name="타원 58">
+              <a:extLst>
+                <a:ext uri="{FF2B5EF4-FFF2-40B4-BE49-F238E27FC236}">
+                  <a16:creationId xmlns:a16="http://schemas.microsoft.com/office/drawing/2014/main" id="{8E37D599-FDA3-4B89-A398-0B7EB3EB2F25}"/>
+                </a:ext>
+              </a:extLst>
+            </p:cNvPr>
+            <p:cNvSpPr/>
+            <p:nvPr/>
+          </p:nvSpPr>
+          <p:spPr>
+            <a:xfrm>
+              <a:off x="32010160" y="1255986"/>
+              <a:ext cx="1261241" cy="1261241"/>
+            </a:xfrm>
+            <a:prstGeom prst="ellipse">
+              <a:avLst/>
+            </a:prstGeom>
+            <a:solidFill>
+              <a:schemeClr val="bg2">
+                <a:lumMod val="90000"/>
+              </a:schemeClr>
+            </a:solidFill>
+            <a:ln>
+              <a:noFill/>
+            </a:ln>
+          </p:spPr>
+          <p:style>
+            <a:lnRef idx="2">
+              <a:schemeClr val="accent1">
+                <a:shade val="50000"/>
+              </a:schemeClr>
+            </a:lnRef>
+            <a:fillRef idx="1">
+              <a:schemeClr val="accent1"/>
+            </a:fillRef>
+            <a:effectRef idx="0">
+              <a:schemeClr val="accent1"/>
+            </a:effectRef>
+            <a:fontRef idx="minor">
+              <a:schemeClr val="lt1"/>
+            </a:fontRef>
+          </p:style>
+          <p:txBody>
+            <a:bodyPr rtlCol="0" anchor="ctr"/>
+            <a:lstStyle/>
+            <a:p>
+              <a:pPr algn="ctr"/>
+              <a:endParaRPr lang="ko-KR" altLang="en-US"/>
+            </a:p>
+          </p:txBody>
+        </p:sp>
+      </p:grpSp>
+      <p:grpSp>
+        <p:nvGrpSpPr>
+          <p:cNvPr id="60" name="그룹 59">
+            <a:extLst>
+              <a:ext uri="{FF2B5EF4-FFF2-40B4-BE49-F238E27FC236}">
+                <a16:creationId xmlns:a16="http://schemas.microsoft.com/office/drawing/2014/main" id="{CE32411F-CCE0-4662-AC6C-90F19278CABD}"/>
+              </a:ext>
+            </a:extLst>
+          </p:cNvPr>
+          <p:cNvGrpSpPr/>
+          <p:nvPr/>
+        </p:nvGrpSpPr>
+        <p:grpSpPr>
+          <a:xfrm>
+            <a:off x="2352591" y="12896196"/>
+            <a:ext cx="31294556" cy="1261242"/>
+            <a:chOff x="1976845" y="1255986"/>
+            <a:chExt cx="31294556" cy="1261242"/>
+          </a:xfrm>
+        </p:grpSpPr>
+        <p:sp>
+          <p:nvSpPr>
+            <p:cNvPr id="61" name="타원 60">
+              <a:extLst>
+                <a:ext uri="{FF2B5EF4-FFF2-40B4-BE49-F238E27FC236}">
+                  <a16:creationId xmlns:a16="http://schemas.microsoft.com/office/drawing/2014/main" id="{EB9509A1-5E03-4632-9257-3A98A0FD630A}"/>
+                </a:ext>
+              </a:extLst>
+            </p:cNvPr>
+            <p:cNvSpPr/>
+            <p:nvPr/>
+          </p:nvSpPr>
+          <p:spPr>
+            <a:xfrm>
+              <a:off x="5313880" y="1255987"/>
+              <a:ext cx="1261241" cy="1261241"/>
+            </a:xfrm>
+            <a:prstGeom prst="ellipse">
+              <a:avLst/>
+            </a:prstGeom>
+            <a:solidFill>
+              <a:schemeClr val="bg2">
+                <a:lumMod val="90000"/>
+              </a:schemeClr>
+            </a:solidFill>
+            <a:ln>
+              <a:noFill/>
+            </a:ln>
+          </p:spPr>
+          <p:style>
+            <a:lnRef idx="2">
+              <a:schemeClr val="accent1">
+                <a:shade val="50000"/>
+              </a:schemeClr>
+            </a:lnRef>
+            <a:fillRef idx="1">
+              <a:schemeClr val="accent1"/>
+            </a:fillRef>
+            <a:effectRef idx="0">
+              <a:schemeClr val="accent1"/>
+            </a:effectRef>
+            <a:fontRef idx="minor">
+              <a:schemeClr val="lt1"/>
+            </a:fontRef>
+          </p:style>
+          <p:txBody>
+            <a:bodyPr rtlCol="0" anchor="ctr"/>
+            <a:lstStyle/>
+            <a:p>
+              <a:pPr algn="ctr"/>
+              <a:endParaRPr lang="ko-KR" altLang="en-US"/>
+            </a:p>
+          </p:txBody>
+        </p:sp>
+        <p:sp>
+          <p:nvSpPr>
+            <p:cNvPr id="62" name="타원 61">
+              <a:extLst>
+                <a:ext uri="{FF2B5EF4-FFF2-40B4-BE49-F238E27FC236}">
+                  <a16:creationId xmlns:a16="http://schemas.microsoft.com/office/drawing/2014/main" id="{CB1C8516-7304-4252-BC5B-52D9AE9221B9}"/>
+                </a:ext>
+              </a:extLst>
+            </p:cNvPr>
+            <p:cNvSpPr/>
+            <p:nvPr/>
+          </p:nvSpPr>
+          <p:spPr>
+            <a:xfrm>
+              <a:off x="8650915" y="1255987"/>
+              <a:ext cx="1261241" cy="1261241"/>
+            </a:xfrm>
+            <a:prstGeom prst="ellipse">
+              <a:avLst/>
+            </a:prstGeom>
+            <a:solidFill>
+              <a:schemeClr val="bg2">
+                <a:lumMod val="90000"/>
+              </a:schemeClr>
+            </a:solidFill>
+            <a:ln>
+              <a:noFill/>
+            </a:ln>
+          </p:spPr>
+          <p:style>
+            <a:lnRef idx="2">
+              <a:schemeClr val="accent1">
+                <a:shade val="50000"/>
+              </a:schemeClr>
+            </a:lnRef>
+            <a:fillRef idx="1">
+              <a:schemeClr val="accent1"/>
+            </a:fillRef>
+            <a:effectRef idx="0">
+              <a:schemeClr val="accent1"/>
+            </a:effectRef>
+            <a:fontRef idx="minor">
+              <a:schemeClr val="lt1"/>
+            </a:fontRef>
+          </p:style>
+          <p:txBody>
+            <a:bodyPr rtlCol="0" anchor="ctr"/>
+            <a:lstStyle/>
+            <a:p>
+              <a:pPr algn="ctr"/>
+              <a:endParaRPr lang="ko-KR" altLang="en-US"/>
+            </a:p>
+          </p:txBody>
+        </p:sp>
+        <p:sp>
+          <p:nvSpPr>
+            <p:cNvPr id="63" name="타원 62">
+              <a:extLst>
+                <a:ext uri="{FF2B5EF4-FFF2-40B4-BE49-F238E27FC236}">
+                  <a16:creationId xmlns:a16="http://schemas.microsoft.com/office/drawing/2014/main" id="{E137D2AC-61C6-41E3-89CC-2DD99AE43536}"/>
+                </a:ext>
+              </a:extLst>
+            </p:cNvPr>
+            <p:cNvSpPr/>
+            <p:nvPr/>
+          </p:nvSpPr>
+          <p:spPr>
+            <a:xfrm>
+              <a:off x="11987950" y="1255987"/>
+              <a:ext cx="1261241" cy="1261241"/>
+            </a:xfrm>
+            <a:prstGeom prst="ellipse">
+              <a:avLst/>
+            </a:prstGeom>
+            <a:solidFill>
+              <a:schemeClr val="bg2">
+                <a:lumMod val="90000"/>
+              </a:schemeClr>
+            </a:solidFill>
+            <a:ln>
+              <a:noFill/>
+            </a:ln>
+          </p:spPr>
+          <p:style>
+            <a:lnRef idx="2">
+              <a:schemeClr val="accent1">
+                <a:shade val="50000"/>
+              </a:schemeClr>
+            </a:lnRef>
+            <a:fillRef idx="1">
+              <a:schemeClr val="accent1"/>
+            </a:fillRef>
+            <a:effectRef idx="0">
+              <a:schemeClr val="accent1"/>
+            </a:effectRef>
+            <a:fontRef idx="minor">
+              <a:schemeClr val="lt1"/>
+            </a:fontRef>
+          </p:style>
+          <p:txBody>
+            <a:bodyPr rtlCol="0" anchor="ctr"/>
+            <a:lstStyle/>
+            <a:p>
+              <a:pPr algn="ctr"/>
+              <a:endParaRPr lang="ko-KR" altLang="en-US"/>
+            </a:p>
+          </p:txBody>
+        </p:sp>
+        <p:sp>
+          <p:nvSpPr>
+            <p:cNvPr id="64" name="타원 63">
+              <a:extLst>
+                <a:ext uri="{FF2B5EF4-FFF2-40B4-BE49-F238E27FC236}">
+                  <a16:creationId xmlns:a16="http://schemas.microsoft.com/office/drawing/2014/main" id="{97834DCB-EF22-4735-A336-38FF3356B30E}"/>
+                </a:ext>
+              </a:extLst>
+            </p:cNvPr>
+            <p:cNvSpPr/>
+            <p:nvPr/>
+          </p:nvSpPr>
+          <p:spPr>
+            <a:xfrm>
+              <a:off x="15324985" y="1255986"/>
+              <a:ext cx="1261241" cy="1261241"/>
+            </a:xfrm>
+            <a:prstGeom prst="ellipse">
+              <a:avLst/>
+            </a:prstGeom>
+            <a:solidFill>
+              <a:schemeClr val="bg2">
+                <a:lumMod val="90000"/>
+              </a:schemeClr>
+            </a:solidFill>
+            <a:ln>
+              <a:noFill/>
+            </a:ln>
+          </p:spPr>
+          <p:style>
+            <a:lnRef idx="2">
+              <a:schemeClr val="accent1">
+                <a:shade val="50000"/>
+              </a:schemeClr>
+            </a:lnRef>
+            <a:fillRef idx="1">
+              <a:schemeClr val="accent1"/>
+            </a:fillRef>
+            <a:effectRef idx="0">
+              <a:schemeClr val="accent1"/>
+            </a:effectRef>
+            <a:fontRef idx="minor">
+              <a:schemeClr val="lt1"/>
+            </a:fontRef>
+          </p:style>
+          <p:txBody>
+            <a:bodyPr rtlCol="0" anchor="ctr"/>
+            <a:lstStyle/>
+            <a:p>
+              <a:pPr algn="ctr"/>
+              <a:endParaRPr lang="ko-KR" altLang="en-US"/>
+            </a:p>
+          </p:txBody>
+        </p:sp>
+        <p:sp>
+          <p:nvSpPr>
+            <p:cNvPr id="65" name="타원 64">
+              <a:extLst>
+                <a:ext uri="{FF2B5EF4-FFF2-40B4-BE49-F238E27FC236}">
+                  <a16:creationId xmlns:a16="http://schemas.microsoft.com/office/drawing/2014/main" id="{F58A4D5A-CB8A-4982-BE74-161F9092C9AA}"/>
+                </a:ext>
+              </a:extLst>
+            </p:cNvPr>
+            <p:cNvSpPr/>
+            <p:nvPr/>
+          </p:nvSpPr>
+          <p:spPr>
+            <a:xfrm>
+              <a:off x="18662020" y="1255986"/>
+              <a:ext cx="1261241" cy="1261241"/>
+            </a:xfrm>
+            <a:prstGeom prst="ellipse">
+              <a:avLst/>
+            </a:prstGeom>
+            <a:solidFill>
+              <a:schemeClr val="bg2">
+                <a:lumMod val="90000"/>
+              </a:schemeClr>
+            </a:solidFill>
+            <a:ln>
+              <a:noFill/>
+            </a:ln>
+          </p:spPr>
+          <p:style>
+            <a:lnRef idx="2">
+              <a:schemeClr val="accent1">
+                <a:shade val="50000"/>
+              </a:schemeClr>
+            </a:lnRef>
+            <a:fillRef idx="1">
+              <a:schemeClr val="accent1"/>
+            </a:fillRef>
+            <a:effectRef idx="0">
+              <a:schemeClr val="accent1"/>
+            </a:effectRef>
+            <a:fontRef idx="minor">
+              <a:schemeClr val="lt1"/>
+            </a:fontRef>
+          </p:style>
+          <p:txBody>
+            <a:bodyPr rtlCol="0" anchor="ctr"/>
+            <a:lstStyle/>
+            <a:p>
+              <a:pPr algn="ctr"/>
+              <a:endParaRPr lang="ko-KR" altLang="en-US"/>
+            </a:p>
+          </p:txBody>
+        </p:sp>
+        <p:sp>
+          <p:nvSpPr>
+            <p:cNvPr id="66" name="타원 65">
+              <a:extLst>
+                <a:ext uri="{FF2B5EF4-FFF2-40B4-BE49-F238E27FC236}">
+                  <a16:creationId xmlns:a16="http://schemas.microsoft.com/office/drawing/2014/main" id="{CD7DF6D5-FD5C-4106-8C99-05C03A716974}"/>
+                </a:ext>
+              </a:extLst>
+            </p:cNvPr>
+            <p:cNvSpPr/>
+            <p:nvPr/>
+          </p:nvSpPr>
+          <p:spPr>
+            <a:xfrm>
+              <a:off x="21999055" y="1255986"/>
+              <a:ext cx="1261241" cy="1261241"/>
+            </a:xfrm>
+            <a:prstGeom prst="ellipse">
+              <a:avLst/>
+            </a:prstGeom>
+            <a:solidFill>
+              <a:schemeClr val="bg2">
+                <a:lumMod val="90000"/>
+              </a:schemeClr>
+            </a:solidFill>
+            <a:ln>
+              <a:noFill/>
+            </a:ln>
+          </p:spPr>
+          <p:style>
+            <a:lnRef idx="2">
+              <a:schemeClr val="accent1">
+                <a:shade val="50000"/>
+              </a:schemeClr>
+            </a:lnRef>
+            <a:fillRef idx="1">
+              <a:schemeClr val="accent1"/>
+            </a:fillRef>
+            <a:effectRef idx="0">
+              <a:schemeClr val="accent1"/>
+            </a:effectRef>
+            <a:fontRef idx="minor">
+              <a:schemeClr val="lt1"/>
+            </a:fontRef>
+          </p:style>
+          <p:txBody>
+            <a:bodyPr rtlCol="0" anchor="ctr"/>
+            <a:lstStyle/>
+            <a:p>
+              <a:pPr algn="ctr"/>
+              <a:endParaRPr lang="ko-KR" altLang="en-US"/>
+            </a:p>
+          </p:txBody>
+        </p:sp>
+        <p:sp>
+          <p:nvSpPr>
+            <p:cNvPr id="67" name="타원 66">
+              <a:extLst>
+                <a:ext uri="{FF2B5EF4-FFF2-40B4-BE49-F238E27FC236}">
+                  <a16:creationId xmlns:a16="http://schemas.microsoft.com/office/drawing/2014/main" id="{2610EF67-6B86-4966-A16F-13CE6374302A}"/>
+                </a:ext>
+              </a:extLst>
+            </p:cNvPr>
+            <p:cNvSpPr/>
+            <p:nvPr/>
+          </p:nvSpPr>
+          <p:spPr>
+            <a:xfrm>
+              <a:off x="25336090" y="1255986"/>
+              <a:ext cx="1261241" cy="1261241"/>
+            </a:xfrm>
+            <a:prstGeom prst="ellipse">
+              <a:avLst/>
+            </a:prstGeom>
+            <a:solidFill>
+              <a:schemeClr val="bg2">
+                <a:lumMod val="90000"/>
+              </a:schemeClr>
+            </a:solidFill>
+            <a:ln>
+              <a:noFill/>
+            </a:ln>
+          </p:spPr>
+          <p:style>
+            <a:lnRef idx="2">
+              <a:schemeClr val="accent1">
+                <a:shade val="50000"/>
+              </a:schemeClr>
+            </a:lnRef>
+            <a:fillRef idx="1">
+              <a:schemeClr val="accent1"/>
+            </a:fillRef>
+            <a:effectRef idx="0">
+              <a:schemeClr val="accent1"/>
+            </a:effectRef>
+            <a:fontRef idx="minor">
+              <a:schemeClr val="lt1"/>
+            </a:fontRef>
+          </p:style>
+          <p:txBody>
+            <a:bodyPr rtlCol="0" anchor="ctr"/>
+            <a:lstStyle/>
+            <a:p>
+              <a:pPr algn="ctr"/>
+              <a:endParaRPr lang="ko-KR" altLang="en-US"/>
+            </a:p>
+          </p:txBody>
+        </p:sp>
+        <p:sp>
+          <p:nvSpPr>
+            <p:cNvPr id="68" name="타원 67">
+              <a:extLst>
+                <a:ext uri="{FF2B5EF4-FFF2-40B4-BE49-F238E27FC236}">
+                  <a16:creationId xmlns:a16="http://schemas.microsoft.com/office/drawing/2014/main" id="{3D877A6A-8325-4859-9E29-0068BA3D8456}"/>
+                </a:ext>
+              </a:extLst>
+            </p:cNvPr>
+            <p:cNvSpPr/>
+            <p:nvPr/>
+          </p:nvSpPr>
+          <p:spPr>
+            <a:xfrm>
+              <a:off x="28673125" y="1255986"/>
+              <a:ext cx="1261241" cy="1261241"/>
+            </a:xfrm>
+            <a:prstGeom prst="ellipse">
+              <a:avLst/>
+            </a:prstGeom>
+            <a:solidFill>
+              <a:schemeClr val="bg2">
+                <a:lumMod val="90000"/>
+              </a:schemeClr>
+            </a:solidFill>
+            <a:ln>
+              <a:noFill/>
+            </a:ln>
+          </p:spPr>
+          <p:style>
+            <a:lnRef idx="2">
+              <a:schemeClr val="accent1">
+                <a:shade val="50000"/>
+              </a:schemeClr>
+            </a:lnRef>
+            <a:fillRef idx="1">
+              <a:schemeClr val="accent1"/>
+            </a:fillRef>
+            <a:effectRef idx="0">
+              <a:schemeClr val="accent1"/>
+            </a:effectRef>
+            <a:fontRef idx="minor">
+              <a:schemeClr val="lt1"/>
+            </a:fontRef>
+          </p:style>
+          <p:txBody>
+            <a:bodyPr rtlCol="0" anchor="ctr"/>
+            <a:lstStyle/>
+            <a:p>
+              <a:pPr algn="ctr"/>
+              <a:endParaRPr lang="ko-KR" altLang="en-US"/>
+            </a:p>
+          </p:txBody>
+        </p:sp>
+        <p:sp>
+          <p:nvSpPr>
+            <p:cNvPr id="69" name="타원 68">
+              <a:extLst>
+                <a:ext uri="{FF2B5EF4-FFF2-40B4-BE49-F238E27FC236}">
+                  <a16:creationId xmlns:a16="http://schemas.microsoft.com/office/drawing/2014/main" id="{238E475F-44F2-4702-99F8-394174B8901C}"/>
+                </a:ext>
+              </a:extLst>
+            </p:cNvPr>
+            <p:cNvSpPr/>
+            <p:nvPr/>
+          </p:nvSpPr>
+          <p:spPr>
+            <a:xfrm>
+              <a:off x="1976845" y="1255986"/>
+              <a:ext cx="1261241" cy="1261241"/>
+            </a:xfrm>
+            <a:prstGeom prst="ellipse">
+              <a:avLst/>
+            </a:prstGeom>
+            <a:solidFill>
+              <a:schemeClr val="bg2">
+                <a:lumMod val="90000"/>
+              </a:schemeClr>
+            </a:solidFill>
+            <a:ln>
+              <a:noFill/>
+            </a:ln>
+          </p:spPr>
+          <p:style>
+            <a:lnRef idx="2">
+              <a:schemeClr val="accent1">
+                <a:shade val="50000"/>
+              </a:schemeClr>
+            </a:lnRef>
+            <a:fillRef idx="1">
+              <a:schemeClr val="accent1"/>
+            </a:fillRef>
+            <a:effectRef idx="0">
+              <a:schemeClr val="accent1"/>
+            </a:effectRef>
+            <a:fontRef idx="minor">
+              <a:schemeClr val="lt1"/>
+            </a:fontRef>
+          </p:style>
+          <p:txBody>
+            <a:bodyPr rtlCol="0" anchor="ctr"/>
+            <a:lstStyle/>
+            <a:p>
+              <a:pPr algn="ctr"/>
+              <a:endParaRPr lang="ko-KR" altLang="en-US"/>
+            </a:p>
+          </p:txBody>
+        </p:sp>
+        <p:sp>
+          <p:nvSpPr>
+            <p:cNvPr id="70" name="타원 69">
+              <a:extLst>
+                <a:ext uri="{FF2B5EF4-FFF2-40B4-BE49-F238E27FC236}">
+                  <a16:creationId xmlns:a16="http://schemas.microsoft.com/office/drawing/2014/main" id="{FC0E70C0-1492-4F4B-881C-F17496A631FB}"/>
+                </a:ext>
+              </a:extLst>
+            </p:cNvPr>
+            <p:cNvSpPr/>
+            <p:nvPr/>
+          </p:nvSpPr>
+          <p:spPr>
+            <a:xfrm>
+              <a:off x="32010160" y="1255986"/>
+              <a:ext cx="1261241" cy="1261241"/>
+            </a:xfrm>
+            <a:prstGeom prst="ellipse">
+              <a:avLst/>
+            </a:prstGeom>
+            <a:solidFill>
+              <a:schemeClr val="bg2">
+                <a:lumMod val="90000"/>
+              </a:schemeClr>
+            </a:solidFill>
+            <a:ln>
+              <a:noFill/>
+            </a:ln>
+          </p:spPr>
+          <p:style>
+            <a:lnRef idx="2">
+              <a:schemeClr val="accent1">
+                <a:shade val="50000"/>
+              </a:schemeClr>
+            </a:lnRef>
+            <a:fillRef idx="1">
+              <a:schemeClr val="accent1"/>
+            </a:fillRef>
+            <a:effectRef idx="0">
+              <a:schemeClr val="accent1"/>
+            </a:effectRef>
+            <a:fontRef idx="minor">
+              <a:schemeClr val="lt1"/>
+            </a:fontRef>
+          </p:style>
+          <p:txBody>
+            <a:bodyPr rtlCol="0" anchor="ctr"/>
+            <a:lstStyle/>
+            <a:p>
+              <a:pPr algn="ctr"/>
+              <a:endParaRPr lang="ko-KR" altLang="en-US"/>
+            </a:p>
+          </p:txBody>
+        </p:sp>
+      </p:grpSp>
+      <p:grpSp>
+        <p:nvGrpSpPr>
+          <p:cNvPr id="71" name="그룹 70">
+            <a:extLst>
+              <a:ext uri="{FF2B5EF4-FFF2-40B4-BE49-F238E27FC236}">
+                <a16:creationId xmlns:a16="http://schemas.microsoft.com/office/drawing/2014/main" id="{CE2F9823-5C70-4F3A-A060-DC83A4F6A094}"/>
+              </a:ext>
+            </a:extLst>
+          </p:cNvPr>
+          <p:cNvGrpSpPr/>
+          <p:nvPr/>
+        </p:nvGrpSpPr>
+        <p:grpSpPr>
+          <a:xfrm>
+            <a:off x="2352591" y="15224238"/>
+            <a:ext cx="31294556" cy="1261242"/>
+            <a:chOff x="1976845" y="1255986"/>
+            <a:chExt cx="31294556" cy="1261242"/>
+          </a:xfrm>
+        </p:grpSpPr>
+        <p:sp>
+          <p:nvSpPr>
+            <p:cNvPr id="72" name="타원 71">
+              <a:extLst>
+                <a:ext uri="{FF2B5EF4-FFF2-40B4-BE49-F238E27FC236}">
+                  <a16:creationId xmlns:a16="http://schemas.microsoft.com/office/drawing/2014/main" id="{41AF5624-C83C-49E9-BF3F-77A9D3FD35ED}"/>
+                </a:ext>
+              </a:extLst>
+            </p:cNvPr>
+            <p:cNvSpPr/>
+            <p:nvPr/>
+          </p:nvSpPr>
+          <p:spPr>
+            <a:xfrm>
+              <a:off x="5313880" y="1255987"/>
+              <a:ext cx="1261241" cy="1261241"/>
+            </a:xfrm>
+            <a:prstGeom prst="ellipse">
+              <a:avLst/>
+            </a:prstGeom>
+            <a:solidFill>
+              <a:schemeClr val="bg2">
+                <a:lumMod val="90000"/>
+              </a:schemeClr>
+            </a:solidFill>
+            <a:ln>
+              <a:noFill/>
+            </a:ln>
+          </p:spPr>
+          <p:style>
+            <a:lnRef idx="2">
+              <a:schemeClr val="accent1">
+                <a:shade val="50000"/>
+              </a:schemeClr>
+            </a:lnRef>
+            <a:fillRef idx="1">
+              <a:schemeClr val="accent1"/>
+            </a:fillRef>
+            <a:effectRef idx="0">
+              <a:schemeClr val="accent1"/>
+            </a:effectRef>
+            <a:fontRef idx="minor">
+              <a:schemeClr val="lt1"/>
+            </a:fontRef>
+          </p:style>
+          <p:txBody>
+            <a:bodyPr rtlCol="0" anchor="ctr"/>
+            <a:lstStyle/>
+            <a:p>
+              <a:pPr algn="ctr"/>
+              <a:endParaRPr lang="ko-KR" altLang="en-US"/>
+            </a:p>
+          </p:txBody>
+        </p:sp>
+        <p:sp>
+          <p:nvSpPr>
+            <p:cNvPr id="73" name="타원 72">
+              <a:extLst>
+                <a:ext uri="{FF2B5EF4-FFF2-40B4-BE49-F238E27FC236}">
+                  <a16:creationId xmlns:a16="http://schemas.microsoft.com/office/drawing/2014/main" id="{52A9DF38-4705-4FD9-87F3-420A0D412828}"/>
+                </a:ext>
+              </a:extLst>
+            </p:cNvPr>
+            <p:cNvSpPr/>
+            <p:nvPr/>
+          </p:nvSpPr>
+          <p:spPr>
+            <a:xfrm>
+              <a:off x="8650915" y="1255987"/>
+              <a:ext cx="1261241" cy="1261241"/>
+            </a:xfrm>
+            <a:prstGeom prst="ellipse">
+              <a:avLst/>
+            </a:prstGeom>
+            <a:solidFill>
+              <a:schemeClr val="bg2">
+                <a:lumMod val="90000"/>
+              </a:schemeClr>
+            </a:solidFill>
+            <a:ln>
+              <a:noFill/>
+            </a:ln>
+          </p:spPr>
+          <p:style>
+            <a:lnRef idx="2">
+              <a:schemeClr val="accent1">
+                <a:shade val="50000"/>
+              </a:schemeClr>
+            </a:lnRef>
+            <a:fillRef idx="1">
+              <a:schemeClr val="accent1"/>
+            </a:fillRef>
+            <a:effectRef idx="0">
+              <a:schemeClr val="accent1"/>
+            </a:effectRef>
+            <a:fontRef idx="minor">
+              <a:schemeClr val="lt1"/>
+            </a:fontRef>
+          </p:style>
+          <p:txBody>
+            <a:bodyPr rtlCol="0" anchor="ctr"/>
+            <a:lstStyle/>
+            <a:p>
+              <a:pPr algn="ctr"/>
+              <a:endParaRPr lang="ko-KR" altLang="en-US"/>
+            </a:p>
+          </p:txBody>
+        </p:sp>
+        <p:sp>
+          <p:nvSpPr>
+            <p:cNvPr id="74" name="타원 73">
+              <a:extLst>
+                <a:ext uri="{FF2B5EF4-FFF2-40B4-BE49-F238E27FC236}">
+                  <a16:creationId xmlns:a16="http://schemas.microsoft.com/office/drawing/2014/main" id="{7525E63D-4763-4806-ABB4-46749CF4906C}"/>
+                </a:ext>
+              </a:extLst>
+            </p:cNvPr>
+            <p:cNvSpPr/>
+            <p:nvPr/>
+          </p:nvSpPr>
+          <p:spPr>
+            <a:xfrm>
+              <a:off x="11987950" y="1255987"/>
+              <a:ext cx="1261241" cy="1261241"/>
+            </a:xfrm>
+            <a:prstGeom prst="ellipse">
+              <a:avLst/>
+            </a:prstGeom>
+            <a:solidFill>
+              <a:schemeClr val="bg2">
+                <a:lumMod val="90000"/>
+              </a:schemeClr>
+            </a:solidFill>
+            <a:ln>
+              <a:noFill/>
+            </a:ln>
+          </p:spPr>
+          <p:style>
+            <a:lnRef idx="2">
+              <a:schemeClr val="accent1">
+                <a:shade val="50000"/>
+              </a:schemeClr>
+            </a:lnRef>
+            <a:fillRef idx="1">
+              <a:schemeClr val="accent1"/>
+            </a:fillRef>
+            <a:effectRef idx="0">
+              <a:schemeClr val="accent1"/>
+            </a:effectRef>
+            <a:fontRef idx="minor">
+              <a:schemeClr val="lt1"/>
+            </a:fontRef>
+          </p:style>
+          <p:txBody>
+            <a:bodyPr rtlCol="0" anchor="ctr"/>
+            <a:lstStyle/>
+            <a:p>
+              <a:pPr algn="ctr"/>
+              <a:endParaRPr lang="ko-KR" altLang="en-US"/>
+            </a:p>
+          </p:txBody>
+        </p:sp>
+        <p:sp>
+          <p:nvSpPr>
+            <p:cNvPr id="75" name="타원 74">
+              <a:extLst>
+                <a:ext uri="{FF2B5EF4-FFF2-40B4-BE49-F238E27FC236}">
+                  <a16:creationId xmlns:a16="http://schemas.microsoft.com/office/drawing/2014/main" id="{7BE8F5ED-1EFB-402D-9C11-5F8175E2351B}"/>
+                </a:ext>
+              </a:extLst>
+            </p:cNvPr>
+            <p:cNvSpPr/>
+            <p:nvPr/>
+          </p:nvSpPr>
+          <p:spPr>
+            <a:xfrm>
+              <a:off x="15324985" y="1255986"/>
+              <a:ext cx="1261241" cy="1261241"/>
+            </a:xfrm>
+            <a:prstGeom prst="ellipse">
+              <a:avLst/>
+            </a:prstGeom>
+            <a:solidFill>
+              <a:schemeClr val="bg2">
+                <a:lumMod val="90000"/>
+              </a:schemeClr>
+            </a:solidFill>
+            <a:ln>
+              <a:noFill/>
+            </a:ln>
+          </p:spPr>
+          <p:style>
+            <a:lnRef idx="2">
+              <a:schemeClr val="accent1">
+                <a:shade val="50000"/>
+              </a:schemeClr>
+            </a:lnRef>
+            <a:fillRef idx="1">
+              <a:schemeClr val="accent1"/>
+            </a:fillRef>
+            <a:effectRef idx="0">
+              <a:schemeClr val="accent1"/>
+            </a:effectRef>
+            <a:fontRef idx="minor">
+              <a:schemeClr val="lt1"/>
+            </a:fontRef>
+          </p:style>
+          <p:txBody>
+            <a:bodyPr rtlCol="0" anchor="ctr"/>
+            <a:lstStyle/>
+            <a:p>
+              <a:pPr algn="ctr"/>
+              <a:endParaRPr lang="ko-KR" altLang="en-US"/>
+            </a:p>
+          </p:txBody>
+        </p:sp>
+        <p:sp>
+          <p:nvSpPr>
+            <p:cNvPr id="76" name="타원 75">
+              <a:extLst>
+                <a:ext uri="{FF2B5EF4-FFF2-40B4-BE49-F238E27FC236}">
+                  <a16:creationId xmlns:a16="http://schemas.microsoft.com/office/drawing/2014/main" id="{56D28282-9602-456C-AE28-3A3540FCD9A9}"/>
+                </a:ext>
+              </a:extLst>
+            </p:cNvPr>
+            <p:cNvSpPr/>
+            <p:nvPr/>
+          </p:nvSpPr>
+          <p:spPr>
+            <a:xfrm>
+              <a:off x="18662020" y="1255986"/>
+              <a:ext cx="1261241" cy="1261241"/>
+            </a:xfrm>
+            <a:prstGeom prst="ellipse">
+              <a:avLst/>
+            </a:prstGeom>
+            <a:solidFill>
+              <a:schemeClr val="bg2">
+                <a:lumMod val="90000"/>
+              </a:schemeClr>
+            </a:solidFill>
+            <a:ln>
+              <a:noFill/>
+            </a:ln>
+          </p:spPr>
+          <p:style>
+            <a:lnRef idx="2">
+              <a:schemeClr val="accent1">
+                <a:shade val="50000"/>
+              </a:schemeClr>
+            </a:lnRef>
+            <a:fillRef idx="1">
+              <a:schemeClr val="accent1"/>
+            </a:fillRef>
+            <a:effectRef idx="0">
+              <a:schemeClr val="accent1"/>
+            </a:effectRef>
+            <a:fontRef idx="minor">
+              <a:schemeClr val="lt1"/>
+            </a:fontRef>
+          </p:style>
+          <p:txBody>
+            <a:bodyPr rtlCol="0" anchor="ctr"/>
+            <a:lstStyle/>
+            <a:p>
+              <a:pPr algn="ctr"/>
+              <a:endParaRPr lang="ko-KR" altLang="en-US"/>
+            </a:p>
+          </p:txBody>
+        </p:sp>
+        <p:sp>
+          <p:nvSpPr>
+            <p:cNvPr id="77" name="타원 76">
+              <a:extLst>
+                <a:ext uri="{FF2B5EF4-FFF2-40B4-BE49-F238E27FC236}">
+                  <a16:creationId xmlns:a16="http://schemas.microsoft.com/office/drawing/2014/main" id="{AE8A1398-46F5-4252-A4D3-EB878640C91F}"/>
+                </a:ext>
+              </a:extLst>
+            </p:cNvPr>
+            <p:cNvSpPr/>
+            <p:nvPr/>
+          </p:nvSpPr>
+          <p:spPr>
+            <a:xfrm>
+              <a:off x="21999055" y="1255986"/>
+              <a:ext cx="1261241" cy="1261241"/>
+            </a:xfrm>
+            <a:prstGeom prst="ellipse">
+              <a:avLst/>
+            </a:prstGeom>
+            <a:solidFill>
+              <a:schemeClr val="bg2">
+                <a:lumMod val="90000"/>
+              </a:schemeClr>
+            </a:solidFill>
+            <a:ln>
+              <a:noFill/>
+            </a:ln>
+          </p:spPr>
+          <p:style>
+            <a:lnRef idx="2">
+              <a:schemeClr val="accent1">
+                <a:shade val="50000"/>
+              </a:schemeClr>
+            </a:lnRef>
+            <a:fillRef idx="1">
+              <a:schemeClr val="accent1"/>
+            </a:fillRef>
+            <a:effectRef idx="0">
+              <a:schemeClr val="accent1"/>
+            </a:effectRef>
+            <a:fontRef idx="minor">
+              <a:schemeClr val="lt1"/>
+            </a:fontRef>
+          </p:style>
+          <p:txBody>
+            <a:bodyPr rtlCol="0" anchor="ctr"/>
+            <a:lstStyle/>
+            <a:p>
+              <a:pPr algn="ctr"/>
+              <a:endParaRPr lang="ko-KR" altLang="en-US"/>
+            </a:p>
+          </p:txBody>
+        </p:sp>
+        <p:sp>
+          <p:nvSpPr>
+            <p:cNvPr id="78" name="타원 77">
+              <a:extLst>
+                <a:ext uri="{FF2B5EF4-FFF2-40B4-BE49-F238E27FC236}">
+                  <a16:creationId xmlns:a16="http://schemas.microsoft.com/office/drawing/2014/main" id="{86E9D9CD-E11D-4CBC-8EE0-E1AB8CDD2715}"/>
+                </a:ext>
+              </a:extLst>
+            </p:cNvPr>
+            <p:cNvSpPr/>
+            <p:nvPr/>
+          </p:nvSpPr>
+          <p:spPr>
+            <a:xfrm>
+              <a:off x="25336090" y="1255986"/>
+              <a:ext cx="1261241" cy="1261241"/>
+            </a:xfrm>
+            <a:prstGeom prst="ellipse">
+              <a:avLst/>
+            </a:prstGeom>
+            <a:solidFill>
+              <a:schemeClr val="bg2">
+                <a:lumMod val="90000"/>
+              </a:schemeClr>
+            </a:solidFill>
+            <a:ln>
+              <a:noFill/>
+            </a:ln>
+          </p:spPr>
+          <p:style>
+            <a:lnRef idx="2">
+              <a:schemeClr val="accent1">
+                <a:shade val="50000"/>
+              </a:schemeClr>
+            </a:lnRef>
+            <a:fillRef idx="1">
+              <a:schemeClr val="accent1"/>
+            </a:fillRef>
+            <a:effectRef idx="0">
+              <a:schemeClr val="accent1"/>
+            </a:effectRef>
+            <a:fontRef idx="minor">
+              <a:schemeClr val="lt1"/>
+            </a:fontRef>
+          </p:style>
+          <p:txBody>
+            <a:bodyPr rtlCol="0" anchor="ctr"/>
+            <a:lstStyle/>
+            <a:p>
+              <a:pPr algn="ctr"/>
+              <a:endParaRPr lang="ko-KR" altLang="en-US"/>
+            </a:p>
+          </p:txBody>
+        </p:sp>
+        <p:sp>
+          <p:nvSpPr>
+            <p:cNvPr id="79" name="타원 78">
+              <a:extLst>
+                <a:ext uri="{FF2B5EF4-FFF2-40B4-BE49-F238E27FC236}">
+                  <a16:creationId xmlns:a16="http://schemas.microsoft.com/office/drawing/2014/main" id="{2F88E84A-281E-482B-A774-19FFF47E2843}"/>
+                </a:ext>
+              </a:extLst>
+            </p:cNvPr>
+            <p:cNvSpPr/>
+            <p:nvPr/>
+          </p:nvSpPr>
+          <p:spPr>
+            <a:xfrm>
+              <a:off x="28673125" y="1255986"/>
+              <a:ext cx="1261241" cy="1261241"/>
+            </a:xfrm>
+            <a:prstGeom prst="ellipse">
+              <a:avLst/>
+            </a:prstGeom>
+            <a:solidFill>
+              <a:schemeClr val="bg2">
+                <a:lumMod val="90000"/>
+              </a:schemeClr>
+            </a:solidFill>
+            <a:ln>
+              <a:noFill/>
+            </a:ln>
+          </p:spPr>
+          <p:style>
+            <a:lnRef idx="2">
+              <a:schemeClr val="accent1">
+                <a:shade val="50000"/>
+              </a:schemeClr>
+            </a:lnRef>
+            <a:fillRef idx="1">
+              <a:schemeClr val="accent1"/>
+            </a:fillRef>
+            <a:effectRef idx="0">
+              <a:schemeClr val="accent1"/>
+            </a:effectRef>
+            <a:fontRef idx="minor">
+              <a:schemeClr val="lt1"/>
+            </a:fontRef>
+          </p:style>
+          <p:txBody>
+            <a:bodyPr rtlCol="0" anchor="ctr"/>
+            <a:lstStyle/>
+            <a:p>
+              <a:pPr algn="ctr"/>
+              <a:endParaRPr lang="ko-KR" altLang="en-US"/>
+            </a:p>
+          </p:txBody>
+        </p:sp>
+        <p:sp>
+          <p:nvSpPr>
+            <p:cNvPr id="80" name="타원 79">
+              <a:extLst>
+                <a:ext uri="{FF2B5EF4-FFF2-40B4-BE49-F238E27FC236}">
+                  <a16:creationId xmlns:a16="http://schemas.microsoft.com/office/drawing/2014/main" id="{128AB321-240F-4587-B1CE-BD1D52E576F1}"/>
+                </a:ext>
+              </a:extLst>
+            </p:cNvPr>
+            <p:cNvSpPr/>
+            <p:nvPr/>
+          </p:nvSpPr>
+          <p:spPr>
+            <a:xfrm>
+              <a:off x="1976845" y="1255986"/>
+              <a:ext cx="1261241" cy="1261241"/>
+            </a:xfrm>
+            <a:prstGeom prst="ellipse">
+              <a:avLst/>
+            </a:prstGeom>
+            <a:solidFill>
+              <a:schemeClr val="bg2">
+                <a:lumMod val="90000"/>
+              </a:schemeClr>
+            </a:solidFill>
+            <a:ln>
+              <a:noFill/>
+            </a:ln>
+          </p:spPr>
+          <p:style>
+            <a:lnRef idx="2">
+              <a:schemeClr val="accent1">
+                <a:shade val="50000"/>
+              </a:schemeClr>
+            </a:lnRef>
+            <a:fillRef idx="1">
+              <a:schemeClr val="accent1"/>
+            </a:fillRef>
+            <a:effectRef idx="0">
+              <a:schemeClr val="accent1"/>
+            </a:effectRef>
+            <a:fontRef idx="minor">
+              <a:schemeClr val="lt1"/>
+            </a:fontRef>
+          </p:style>
+          <p:txBody>
+            <a:bodyPr rtlCol="0" anchor="ctr"/>
+            <a:lstStyle/>
+            <a:p>
+              <a:pPr algn="ctr"/>
+              <a:endParaRPr lang="ko-KR" altLang="en-US"/>
+            </a:p>
+          </p:txBody>
+        </p:sp>
+        <p:sp>
+          <p:nvSpPr>
+            <p:cNvPr id="81" name="타원 80">
+              <a:extLst>
+                <a:ext uri="{FF2B5EF4-FFF2-40B4-BE49-F238E27FC236}">
+                  <a16:creationId xmlns:a16="http://schemas.microsoft.com/office/drawing/2014/main" id="{10F8B0F2-707F-4D75-A6F2-E56B11C70380}"/>
+                </a:ext>
+              </a:extLst>
+            </p:cNvPr>
+            <p:cNvSpPr/>
+            <p:nvPr/>
+          </p:nvSpPr>
+          <p:spPr>
+            <a:xfrm>
+              <a:off x="32010160" y="1255986"/>
+              <a:ext cx="1261241" cy="1261241"/>
+            </a:xfrm>
+            <a:prstGeom prst="ellipse">
+              <a:avLst/>
+            </a:prstGeom>
+            <a:solidFill>
+              <a:schemeClr val="bg2">
+                <a:lumMod val="90000"/>
+              </a:schemeClr>
+            </a:solidFill>
+            <a:ln>
+              <a:noFill/>
+            </a:ln>
+          </p:spPr>
+          <p:style>
+            <a:lnRef idx="2">
+              <a:schemeClr val="accent1">
+                <a:shade val="50000"/>
+              </a:schemeClr>
+            </a:lnRef>
+            <a:fillRef idx="1">
+              <a:schemeClr val="accent1"/>
+            </a:fillRef>
+            <a:effectRef idx="0">
+              <a:schemeClr val="accent1"/>
+            </a:effectRef>
+            <a:fontRef idx="minor">
+              <a:schemeClr val="lt1"/>
+            </a:fontRef>
+          </p:style>
+          <p:txBody>
+            <a:bodyPr rtlCol="0" anchor="ctr"/>
+            <a:lstStyle/>
+            <a:p>
+              <a:pPr algn="ctr"/>
+              <a:endParaRPr lang="ko-KR" altLang="en-US"/>
+            </a:p>
+          </p:txBody>
+        </p:sp>
+      </p:grpSp>
+      <p:grpSp>
+        <p:nvGrpSpPr>
+          <p:cNvPr id="82" name="그룹 81">
+            <a:extLst>
+              <a:ext uri="{FF2B5EF4-FFF2-40B4-BE49-F238E27FC236}">
+                <a16:creationId xmlns:a16="http://schemas.microsoft.com/office/drawing/2014/main" id="{7A92AD5B-0F91-45C0-8271-E9313CCD4EBB}"/>
+              </a:ext>
+            </a:extLst>
+          </p:cNvPr>
+          <p:cNvGrpSpPr/>
+          <p:nvPr/>
+        </p:nvGrpSpPr>
+        <p:grpSpPr>
+          <a:xfrm>
+            <a:off x="2352591" y="17552280"/>
+            <a:ext cx="31294556" cy="1261242"/>
+            <a:chOff x="1976845" y="1255986"/>
+            <a:chExt cx="31294556" cy="1261242"/>
+          </a:xfrm>
+        </p:grpSpPr>
+        <p:sp>
+          <p:nvSpPr>
+            <p:cNvPr id="83" name="타원 82">
+              <a:extLst>
+                <a:ext uri="{FF2B5EF4-FFF2-40B4-BE49-F238E27FC236}">
+                  <a16:creationId xmlns:a16="http://schemas.microsoft.com/office/drawing/2014/main" id="{DE0C60C7-5218-4BFA-9855-4BBDF1E31796}"/>
+                </a:ext>
+              </a:extLst>
+            </p:cNvPr>
+            <p:cNvSpPr/>
+            <p:nvPr/>
+          </p:nvSpPr>
+          <p:spPr>
+            <a:xfrm>
+              <a:off x="5313880" y="1255987"/>
+              <a:ext cx="1261241" cy="1261241"/>
+            </a:xfrm>
+            <a:prstGeom prst="ellipse">
+              <a:avLst/>
+            </a:prstGeom>
+            <a:solidFill>
+              <a:schemeClr val="bg2">
+                <a:lumMod val="90000"/>
+              </a:schemeClr>
+            </a:solidFill>
+            <a:ln>
+              <a:noFill/>
+            </a:ln>
+          </p:spPr>
+          <p:style>
+            <a:lnRef idx="2">
+              <a:schemeClr val="accent1">
+                <a:shade val="50000"/>
+              </a:schemeClr>
+            </a:lnRef>
+            <a:fillRef idx="1">
+              <a:schemeClr val="accent1"/>
+            </a:fillRef>
+            <a:effectRef idx="0">
+              <a:schemeClr val="accent1"/>
+            </a:effectRef>
+            <a:fontRef idx="minor">
+              <a:schemeClr val="lt1"/>
+            </a:fontRef>
+          </p:style>
+          <p:txBody>
+            <a:bodyPr rtlCol="0" anchor="ctr"/>
+            <a:lstStyle/>
+            <a:p>
+              <a:pPr algn="ctr"/>
+              <a:endParaRPr lang="ko-KR" altLang="en-US"/>
+            </a:p>
+          </p:txBody>
+        </p:sp>
+        <p:sp>
+          <p:nvSpPr>
+            <p:cNvPr id="84" name="타원 83">
+              <a:extLst>
+                <a:ext uri="{FF2B5EF4-FFF2-40B4-BE49-F238E27FC236}">
+                  <a16:creationId xmlns:a16="http://schemas.microsoft.com/office/drawing/2014/main" id="{8A0A43DC-AB81-4284-9285-16BEA7BD5ECD}"/>
+                </a:ext>
+              </a:extLst>
+            </p:cNvPr>
+            <p:cNvSpPr/>
+            <p:nvPr/>
+          </p:nvSpPr>
+          <p:spPr>
+            <a:xfrm>
+              <a:off x="8650915" y="1255987"/>
+              <a:ext cx="1261241" cy="1261241"/>
+            </a:xfrm>
+            <a:prstGeom prst="ellipse">
+              <a:avLst/>
+            </a:prstGeom>
+            <a:solidFill>
+              <a:schemeClr val="bg2">
+                <a:lumMod val="90000"/>
+              </a:schemeClr>
+            </a:solidFill>
+            <a:ln>
+              <a:noFill/>
+            </a:ln>
+          </p:spPr>
+          <p:style>
+            <a:lnRef idx="2">
+              <a:schemeClr val="accent1">
+                <a:shade val="50000"/>
+              </a:schemeClr>
+            </a:lnRef>
+            <a:fillRef idx="1">
+              <a:schemeClr val="accent1"/>
+            </a:fillRef>
+            <a:effectRef idx="0">
+              <a:schemeClr val="accent1"/>
+            </a:effectRef>
+            <a:fontRef idx="minor">
+              <a:schemeClr val="lt1"/>
+            </a:fontRef>
+          </p:style>
+          <p:txBody>
+            <a:bodyPr rtlCol="0" anchor="ctr"/>
+            <a:lstStyle/>
+            <a:p>
+              <a:pPr algn="ctr"/>
+              <a:endParaRPr lang="ko-KR" altLang="en-US"/>
+            </a:p>
+          </p:txBody>
+        </p:sp>
+        <p:sp>
+          <p:nvSpPr>
+            <p:cNvPr id="85" name="타원 84">
+              <a:extLst>
+                <a:ext uri="{FF2B5EF4-FFF2-40B4-BE49-F238E27FC236}">
+                  <a16:creationId xmlns:a16="http://schemas.microsoft.com/office/drawing/2014/main" id="{D0C99A29-8E1F-460B-AD3D-EA57B226438A}"/>
+                </a:ext>
+              </a:extLst>
+            </p:cNvPr>
+            <p:cNvSpPr/>
+            <p:nvPr/>
+          </p:nvSpPr>
+          <p:spPr>
+            <a:xfrm>
+              <a:off x="11987950" y="1255987"/>
+              <a:ext cx="1261241" cy="1261241"/>
+            </a:xfrm>
+            <a:prstGeom prst="ellipse">
+              <a:avLst/>
+            </a:prstGeom>
+            <a:solidFill>
+              <a:schemeClr val="bg2">
+                <a:lumMod val="90000"/>
+              </a:schemeClr>
+            </a:solidFill>
+            <a:ln>
+              <a:noFill/>
+            </a:ln>
+          </p:spPr>
+          <p:style>
+            <a:lnRef idx="2">
+              <a:schemeClr val="accent1">
+                <a:shade val="50000"/>
+              </a:schemeClr>
+            </a:lnRef>
+            <a:fillRef idx="1">
+              <a:schemeClr val="accent1"/>
+            </a:fillRef>
+            <a:effectRef idx="0">
+              <a:schemeClr val="accent1"/>
+            </a:effectRef>
+            <a:fontRef idx="minor">
+              <a:schemeClr val="lt1"/>
+            </a:fontRef>
+          </p:style>
+          <p:txBody>
+            <a:bodyPr rtlCol="0" anchor="ctr"/>
+            <a:lstStyle/>
+            <a:p>
+              <a:pPr algn="ctr"/>
+              <a:endParaRPr lang="ko-KR" altLang="en-US"/>
+            </a:p>
+          </p:txBody>
+        </p:sp>
+        <p:sp>
+          <p:nvSpPr>
+            <p:cNvPr id="86" name="타원 85">
+              <a:extLst>
+                <a:ext uri="{FF2B5EF4-FFF2-40B4-BE49-F238E27FC236}">
+                  <a16:creationId xmlns:a16="http://schemas.microsoft.com/office/drawing/2014/main" id="{3B240565-F30A-43AF-80EF-8B8A8BBFC686}"/>
+                </a:ext>
+              </a:extLst>
+            </p:cNvPr>
+            <p:cNvSpPr/>
+            <p:nvPr/>
+          </p:nvSpPr>
+          <p:spPr>
+            <a:xfrm>
+              <a:off x="15324985" y="1255986"/>
+              <a:ext cx="1261241" cy="1261241"/>
+            </a:xfrm>
+            <a:prstGeom prst="ellipse">
+              <a:avLst/>
+            </a:prstGeom>
+            <a:solidFill>
+              <a:schemeClr val="bg2">
+                <a:lumMod val="90000"/>
+              </a:schemeClr>
+            </a:solidFill>
+            <a:ln>
+              <a:noFill/>
+            </a:ln>
+          </p:spPr>
+          <p:style>
+            <a:lnRef idx="2">
+              <a:schemeClr val="accent1">
+                <a:shade val="50000"/>
+              </a:schemeClr>
+            </a:lnRef>
+            <a:fillRef idx="1">
+              <a:schemeClr val="accent1"/>
+            </a:fillRef>
+            <a:effectRef idx="0">
+              <a:schemeClr val="accent1"/>
+            </a:effectRef>
+            <a:fontRef idx="minor">
+              <a:schemeClr val="lt1"/>
+            </a:fontRef>
+          </p:style>
+          <p:txBody>
+            <a:bodyPr rtlCol="0" anchor="ctr"/>
+            <a:lstStyle/>
+            <a:p>
+              <a:pPr algn="ctr"/>
+              <a:endParaRPr lang="ko-KR" altLang="en-US"/>
+            </a:p>
+          </p:txBody>
+        </p:sp>
+        <p:sp>
+          <p:nvSpPr>
+            <p:cNvPr id="87" name="타원 86">
+              <a:extLst>
+                <a:ext uri="{FF2B5EF4-FFF2-40B4-BE49-F238E27FC236}">
+                  <a16:creationId xmlns:a16="http://schemas.microsoft.com/office/drawing/2014/main" id="{66984384-A30C-4E52-9342-822A204B5B4D}"/>
+                </a:ext>
+              </a:extLst>
+            </p:cNvPr>
+            <p:cNvSpPr/>
+            <p:nvPr/>
+          </p:nvSpPr>
+          <p:spPr>
+            <a:xfrm>
+              <a:off x="18662020" y="1255986"/>
+              <a:ext cx="1261241" cy="1261241"/>
+            </a:xfrm>
+            <a:prstGeom prst="ellipse">
+              <a:avLst/>
+            </a:prstGeom>
+            <a:solidFill>
+              <a:schemeClr val="bg2">
+                <a:lumMod val="90000"/>
+              </a:schemeClr>
+            </a:solidFill>
+            <a:ln>
+              <a:noFill/>
+            </a:ln>
+          </p:spPr>
+          <p:style>
+            <a:lnRef idx="2">
+              <a:schemeClr val="accent1">
+                <a:shade val="50000"/>
+              </a:schemeClr>
+            </a:lnRef>
+            <a:fillRef idx="1">
+              <a:schemeClr val="accent1"/>
+            </a:fillRef>
+            <a:effectRef idx="0">
+              <a:schemeClr val="accent1"/>
+            </a:effectRef>
+            <a:fontRef idx="minor">
+              <a:schemeClr val="lt1"/>
+            </a:fontRef>
+          </p:style>
+          <p:txBody>
+            <a:bodyPr rtlCol="0" anchor="ctr"/>
+            <a:lstStyle/>
+            <a:p>
+              <a:pPr algn="ctr"/>
+              <a:endParaRPr lang="ko-KR" altLang="en-US"/>
+            </a:p>
+          </p:txBody>
+        </p:sp>
+        <p:sp>
+          <p:nvSpPr>
+            <p:cNvPr id="88" name="타원 87">
+              <a:extLst>
+                <a:ext uri="{FF2B5EF4-FFF2-40B4-BE49-F238E27FC236}">
+                  <a16:creationId xmlns:a16="http://schemas.microsoft.com/office/drawing/2014/main" id="{10F0262F-9115-4663-96AD-2DFBFB184454}"/>
+                </a:ext>
+              </a:extLst>
+            </p:cNvPr>
+            <p:cNvSpPr/>
+            <p:nvPr/>
+          </p:nvSpPr>
+          <p:spPr>
+            <a:xfrm>
+              <a:off x="21999055" y="1255986"/>
+              <a:ext cx="1261241" cy="1261241"/>
+            </a:xfrm>
+            <a:prstGeom prst="ellipse">
+              <a:avLst/>
+            </a:prstGeom>
+            <a:solidFill>
+              <a:schemeClr val="bg2">
+                <a:lumMod val="90000"/>
+              </a:schemeClr>
+            </a:solidFill>
+            <a:ln>
+              <a:noFill/>
+            </a:ln>
+          </p:spPr>
+          <p:style>
+            <a:lnRef idx="2">
+              <a:schemeClr val="accent1">
+                <a:shade val="50000"/>
+              </a:schemeClr>
+            </a:lnRef>
+            <a:fillRef idx="1">
+              <a:schemeClr val="accent1"/>
+            </a:fillRef>
+            <a:effectRef idx="0">
+              <a:schemeClr val="accent1"/>
+            </a:effectRef>
+            <a:fontRef idx="minor">
+              <a:schemeClr val="lt1"/>
+            </a:fontRef>
+          </p:style>
+          <p:txBody>
+            <a:bodyPr rtlCol="0" anchor="ctr"/>
+            <a:lstStyle/>
+            <a:p>
+              <a:pPr algn="ctr"/>
+              <a:endParaRPr lang="ko-KR" altLang="en-US"/>
+            </a:p>
+          </p:txBody>
+        </p:sp>
+        <p:sp>
+          <p:nvSpPr>
+            <p:cNvPr id="89" name="타원 88">
+              <a:extLst>
+                <a:ext uri="{FF2B5EF4-FFF2-40B4-BE49-F238E27FC236}">
+                  <a16:creationId xmlns:a16="http://schemas.microsoft.com/office/drawing/2014/main" id="{23D7695B-7CDB-4200-8903-5752D772D1BB}"/>
+                </a:ext>
+              </a:extLst>
+            </p:cNvPr>
+            <p:cNvSpPr/>
+            <p:nvPr/>
+          </p:nvSpPr>
+          <p:spPr>
+            <a:xfrm>
+              <a:off x="25336090" y="1255986"/>
+              <a:ext cx="1261241" cy="1261241"/>
+            </a:xfrm>
+            <a:prstGeom prst="ellipse">
+              <a:avLst/>
+            </a:prstGeom>
+            <a:solidFill>
+              <a:schemeClr val="bg2">
+                <a:lumMod val="90000"/>
+              </a:schemeClr>
+            </a:solidFill>
+            <a:ln>
+              <a:noFill/>
+            </a:ln>
+          </p:spPr>
+          <p:style>
+            <a:lnRef idx="2">
+              <a:schemeClr val="accent1">
+                <a:shade val="50000"/>
+              </a:schemeClr>
+            </a:lnRef>
+            <a:fillRef idx="1">
+              <a:schemeClr val="accent1"/>
+            </a:fillRef>
+            <a:effectRef idx="0">
+              <a:schemeClr val="accent1"/>
+            </a:effectRef>
+            <a:fontRef idx="minor">
+              <a:schemeClr val="lt1"/>
+            </a:fontRef>
+          </p:style>
+          <p:txBody>
+            <a:bodyPr rtlCol="0" anchor="ctr"/>
+            <a:lstStyle/>
+            <a:p>
+              <a:pPr algn="ctr"/>
+              <a:endParaRPr lang="ko-KR" altLang="en-US"/>
+            </a:p>
+          </p:txBody>
+        </p:sp>
+        <p:sp>
+          <p:nvSpPr>
+            <p:cNvPr id="90" name="타원 89">
+              <a:extLst>
+                <a:ext uri="{FF2B5EF4-FFF2-40B4-BE49-F238E27FC236}">
+                  <a16:creationId xmlns:a16="http://schemas.microsoft.com/office/drawing/2014/main" id="{EF027F3E-94F8-4678-B6D2-F1258AB67B51}"/>
+                </a:ext>
+              </a:extLst>
+            </p:cNvPr>
+            <p:cNvSpPr/>
+            <p:nvPr/>
+          </p:nvSpPr>
+          <p:spPr>
+            <a:xfrm>
+              <a:off x="28673125" y="1255986"/>
+              <a:ext cx="1261241" cy="1261241"/>
+            </a:xfrm>
+            <a:prstGeom prst="ellipse">
+              <a:avLst/>
+            </a:prstGeom>
+            <a:solidFill>
+              <a:schemeClr val="bg2">
+                <a:lumMod val="90000"/>
+              </a:schemeClr>
+            </a:solidFill>
+            <a:ln>
+              <a:noFill/>
+            </a:ln>
+          </p:spPr>
+          <p:style>
+            <a:lnRef idx="2">
+              <a:schemeClr val="accent1">
+                <a:shade val="50000"/>
+              </a:schemeClr>
+            </a:lnRef>
+            <a:fillRef idx="1">
+              <a:schemeClr val="accent1"/>
+            </a:fillRef>
+            <a:effectRef idx="0">
+              <a:schemeClr val="accent1"/>
+            </a:effectRef>
+            <a:fontRef idx="minor">
+              <a:schemeClr val="lt1"/>
+            </a:fontRef>
+          </p:style>
+          <p:txBody>
+            <a:bodyPr rtlCol="0" anchor="ctr"/>
+            <a:lstStyle/>
+            <a:p>
+              <a:pPr algn="ctr"/>
+              <a:endParaRPr lang="ko-KR" altLang="en-US"/>
+            </a:p>
+          </p:txBody>
+        </p:sp>
+        <p:sp>
+          <p:nvSpPr>
+            <p:cNvPr id="91" name="타원 90">
+              <a:extLst>
+                <a:ext uri="{FF2B5EF4-FFF2-40B4-BE49-F238E27FC236}">
+                  <a16:creationId xmlns:a16="http://schemas.microsoft.com/office/drawing/2014/main" id="{D7225913-718D-41D4-AE74-C096ABAE7E5F}"/>
+                </a:ext>
+              </a:extLst>
+            </p:cNvPr>
+            <p:cNvSpPr/>
+            <p:nvPr/>
+          </p:nvSpPr>
+          <p:spPr>
+            <a:xfrm>
+              <a:off x="1976845" y="1255986"/>
+              <a:ext cx="1261241" cy="1261241"/>
+            </a:xfrm>
+            <a:prstGeom prst="ellipse">
+              <a:avLst/>
+            </a:prstGeom>
+            <a:solidFill>
+              <a:schemeClr val="bg2">
+                <a:lumMod val="90000"/>
+              </a:schemeClr>
+            </a:solidFill>
+            <a:ln>
+              <a:noFill/>
+            </a:ln>
+          </p:spPr>
+          <p:style>
+            <a:lnRef idx="2">
+              <a:schemeClr val="accent1">
+                <a:shade val="50000"/>
+              </a:schemeClr>
+            </a:lnRef>
+            <a:fillRef idx="1">
+              <a:schemeClr val="accent1"/>
+            </a:fillRef>
+            <a:effectRef idx="0">
+              <a:schemeClr val="accent1"/>
+            </a:effectRef>
+            <a:fontRef idx="minor">
+              <a:schemeClr val="lt1"/>
+            </a:fontRef>
+          </p:style>
+          <p:txBody>
+            <a:bodyPr rtlCol="0" anchor="ctr"/>
+            <a:lstStyle/>
+            <a:p>
+              <a:pPr algn="ctr"/>
+              <a:endParaRPr lang="ko-KR" altLang="en-US"/>
+            </a:p>
+          </p:txBody>
+        </p:sp>
+        <p:sp>
+          <p:nvSpPr>
+            <p:cNvPr id="92" name="타원 91">
+              <a:extLst>
+                <a:ext uri="{FF2B5EF4-FFF2-40B4-BE49-F238E27FC236}">
+                  <a16:creationId xmlns:a16="http://schemas.microsoft.com/office/drawing/2014/main" id="{C3839B42-7E82-4EC7-852C-54834B98D25B}"/>
+                </a:ext>
+              </a:extLst>
+            </p:cNvPr>
+            <p:cNvSpPr/>
+            <p:nvPr/>
+          </p:nvSpPr>
+          <p:spPr>
+            <a:xfrm>
+              <a:off x="32010160" y="1255986"/>
+              <a:ext cx="1261241" cy="1261241"/>
+            </a:xfrm>
+            <a:prstGeom prst="ellipse">
+              <a:avLst/>
+            </a:prstGeom>
+            <a:solidFill>
+              <a:schemeClr val="bg2">
+                <a:lumMod val="90000"/>
+              </a:schemeClr>
+            </a:solidFill>
+            <a:ln>
+              <a:noFill/>
+            </a:ln>
+          </p:spPr>
+          <p:style>
+            <a:lnRef idx="2">
+              <a:schemeClr val="accent1">
+                <a:shade val="50000"/>
+              </a:schemeClr>
+            </a:lnRef>
+            <a:fillRef idx="1">
+              <a:schemeClr val="accent1"/>
+            </a:fillRef>
+            <a:effectRef idx="0">
+              <a:schemeClr val="accent1"/>
+            </a:effectRef>
+            <a:fontRef idx="minor">
+              <a:schemeClr val="lt1"/>
+            </a:fontRef>
+          </p:style>
+          <p:txBody>
+            <a:bodyPr rtlCol="0" anchor="ctr"/>
+            <a:lstStyle/>
+            <a:p>
+              <a:pPr algn="ctr"/>
+              <a:endParaRPr lang="ko-KR" altLang="en-US"/>
+            </a:p>
+          </p:txBody>
+        </p:sp>
+      </p:grpSp>
+      <p:grpSp>
+        <p:nvGrpSpPr>
+          <p:cNvPr id="93" name="그룹 92">
+            <a:extLst>
+              <a:ext uri="{FF2B5EF4-FFF2-40B4-BE49-F238E27FC236}">
+                <a16:creationId xmlns:a16="http://schemas.microsoft.com/office/drawing/2014/main" id="{45A66449-31A0-4CAE-8C7E-C2BC5863FDD4}"/>
+              </a:ext>
+            </a:extLst>
+          </p:cNvPr>
+          <p:cNvGrpSpPr/>
+          <p:nvPr/>
+        </p:nvGrpSpPr>
+        <p:grpSpPr>
+          <a:xfrm>
+            <a:off x="2352591" y="19880322"/>
+            <a:ext cx="31294556" cy="1261242"/>
+            <a:chOff x="1976845" y="1255986"/>
+            <a:chExt cx="31294556" cy="1261242"/>
+          </a:xfrm>
+        </p:grpSpPr>
+        <p:sp>
+          <p:nvSpPr>
+            <p:cNvPr id="94" name="타원 93">
+              <a:extLst>
+                <a:ext uri="{FF2B5EF4-FFF2-40B4-BE49-F238E27FC236}">
+                  <a16:creationId xmlns:a16="http://schemas.microsoft.com/office/drawing/2014/main" id="{8E57A0C1-5DB7-49E3-A2F4-54A53B0E2DBC}"/>
+                </a:ext>
+              </a:extLst>
+            </p:cNvPr>
+            <p:cNvSpPr/>
+            <p:nvPr/>
+          </p:nvSpPr>
+          <p:spPr>
+            <a:xfrm>
+              <a:off x="5313880" y="1255987"/>
+              <a:ext cx="1261241" cy="1261241"/>
+            </a:xfrm>
+            <a:prstGeom prst="ellipse">
+              <a:avLst/>
+            </a:prstGeom>
+            <a:solidFill>
+              <a:schemeClr val="bg2">
+                <a:lumMod val="90000"/>
+              </a:schemeClr>
+            </a:solidFill>
+            <a:ln>
+              <a:noFill/>
+            </a:ln>
+          </p:spPr>
+          <p:style>
+            <a:lnRef idx="2">
+              <a:schemeClr val="accent1">
+                <a:shade val="50000"/>
+              </a:schemeClr>
+            </a:lnRef>
+            <a:fillRef idx="1">
+              <a:schemeClr val="accent1"/>
+            </a:fillRef>
+            <a:effectRef idx="0">
+              <a:schemeClr val="accent1"/>
+            </a:effectRef>
+            <a:fontRef idx="minor">
+              <a:schemeClr val="lt1"/>
+            </a:fontRef>
+          </p:style>
+          <p:txBody>
+            <a:bodyPr rtlCol="0" anchor="ctr"/>
+            <a:lstStyle/>
+            <a:p>
+              <a:pPr algn="ctr"/>
+              <a:endParaRPr lang="ko-KR" altLang="en-US"/>
+            </a:p>
+          </p:txBody>
+        </p:sp>
+        <p:sp>
+          <p:nvSpPr>
+            <p:cNvPr id="95" name="타원 94">
+              <a:extLst>
+                <a:ext uri="{FF2B5EF4-FFF2-40B4-BE49-F238E27FC236}">
+                  <a16:creationId xmlns:a16="http://schemas.microsoft.com/office/drawing/2014/main" id="{D93AE81B-E901-4D42-95DE-3DF147EDB408}"/>
+                </a:ext>
+              </a:extLst>
+            </p:cNvPr>
+            <p:cNvSpPr/>
+            <p:nvPr/>
+          </p:nvSpPr>
+          <p:spPr>
+            <a:xfrm>
+              <a:off x="8650915" y="1255987"/>
+              <a:ext cx="1261241" cy="1261241"/>
+            </a:xfrm>
+            <a:prstGeom prst="ellipse">
+              <a:avLst/>
+            </a:prstGeom>
+            <a:solidFill>
+              <a:schemeClr val="bg2">
+                <a:lumMod val="90000"/>
+              </a:schemeClr>
+            </a:solidFill>
+            <a:ln>
+              <a:noFill/>
+            </a:ln>
+          </p:spPr>
+          <p:style>
+            <a:lnRef idx="2">
+              <a:schemeClr val="accent1">
+                <a:shade val="50000"/>
+              </a:schemeClr>
+            </a:lnRef>
+            <a:fillRef idx="1">
+              <a:schemeClr val="accent1"/>
+            </a:fillRef>
+            <a:effectRef idx="0">
+              <a:schemeClr val="accent1"/>
+            </a:effectRef>
+            <a:fontRef idx="minor">
+              <a:schemeClr val="lt1"/>
+            </a:fontRef>
+          </p:style>
+          <p:txBody>
+            <a:bodyPr rtlCol="0" anchor="ctr"/>
+            <a:lstStyle/>
+            <a:p>
+              <a:pPr algn="ctr"/>
+              <a:endParaRPr lang="ko-KR" altLang="en-US"/>
+            </a:p>
+          </p:txBody>
+        </p:sp>
+        <p:sp>
+          <p:nvSpPr>
+            <p:cNvPr id="96" name="타원 95">
+              <a:extLst>
+                <a:ext uri="{FF2B5EF4-FFF2-40B4-BE49-F238E27FC236}">
+                  <a16:creationId xmlns:a16="http://schemas.microsoft.com/office/drawing/2014/main" id="{39B45069-1CF7-471F-B578-A43A98916470}"/>
+                </a:ext>
+              </a:extLst>
+            </p:cNvPr>
+            <p:cNvSpPr/>
+            <p:nvPr/>
+          </p:nvSpPr>
+          <p:spPr>
+            <a:xfrm>
+              <a:off x="11987950" y="1255987"/>
+              <a:ext cx="1261241" cy="1261241"/>
+            </a:xfrm>
+            <a:prstGeom prst="ellipse">
+              <a:avLst/>
+            </a:prstGeom>
+            <a:solidFill>
+              <a:schemeClr val="bg2">
+                <a:lumMod val="90000"/>
+              </a:schemeClr>
+            </a:solidFill>
+            <a:ln>
+              <a:noFill/>
+            </a:ln>
+          </p:spPr>
+          <p:style>
+            <a:lnRef idx="2">
+              <a:schemeClr val="accent1">
+                <a:shade val="50000"/>
+              </a:schemeClr>
+            </a:lnRef>
+            <a:fillRef idx="1">
+              <a:schemeClr val="accent1"/>
+            </a:fillRef>
+            <a:effectRef idx="0">
+              <a:schemeClr val="accent1"/>
+            </a:effectRef>
+            <a:fontRef idx="minor">
+              <a:schemeClr val="lt1"/>
+            </a:fontRef>
+          </p:style>
+          <p:txBody>
+            <a:bodyPr rtlCol="0" anchor="ctr"/>
+            <a:lstStyle/>
+            <a:p>
+              <a:pPr algn="ctr"/>
+              <a:endParaRPr lang="ko-KR" altLang="en-US"/>
+            </a:p>
+          </p:txBody>
+        </p:sp>
+        <p:sp>
+          <p:nvSpPr>
+            <p:cNvPr id="97" name="타원 96">
+              <a:extLst>
+                <a:ext uri="{FF2B5EF4-FFF2-40B4-BE49-F238E27FC236}">
+                  <a16:creationId xmlns:a16="http://schemas.microsoft.com/office/drawing/2014/main" id="{A81371CC-F78E-4782-BAF6-EBA7EC12B2D2}"/>
+                </a:ext>
+              </a:extLst>
+            </p:cNvPr>
+            <p:cNvSpPr/>
+            <p:nvPr/>
+          </p:nvSpPr>
+          <p:spPr>
+            <a:xfrm>
+              <a:off x="15324985" y="1255986"/>
+              <a:ext cx="1261241" cy="1261241"/>
+            </a:xfrm>
+            <a:prstGeom prst="ellipse">
+              <a:avLst/>
+            </a:prstGeom>
+            <a:solidFill>
+              <a:schemeClr val="bg2">
+                <a:lumMod val="90000"/>
+              </a:schemeClr>
+            </a:solidFill>
+            <a:ln>
+              <a:noFill/>
+            </a:ln>
+          </p:spPr>
+          <p:style>
+            <a:lnRef idx="2">
+              <a:schemeClr val="accent1">
+                <a:shade val="50000"/>
+              </a:schemeClr>
+            </a:lnRef>
+            <a:fillRef idx="1">
+              <a:schemeClr val="accent1"/>
+            </a:fillRef>
+            <a:effectRef idx="0">
+              <a:schemeClr val="accent1"/>
+            </a:effectRef>
+            <a:fontRef idx="minor">
+              <a:schemeClr val="lt1"/>
+            </a:fontRef>
+          </p:style>
+          <p:txBody>
+            <a:bodyPr rtlCol="0" anchor="ctr"/>
+            <a:lstStyle/>
+            <a:p>
+              <a:pPr algn="ctr"/>
+              <a:endParaRPr lang="ko-KR" altLang="en-US"/>
+            </a:p>
+          </p:txBody>
+        </p:sp>
+        <p:sp>
+          <p:nvSpPr>
+            <p:cNvPr id="98" name="타원 97">
+              <a:extLst>
+                <a:ext uri="{FF2B5EF4-FFF2-40B4-BE49-F238E27FC236}">
+                  <a16:creationId xmlns:a16="http://schemas.microsoft.com/office/drawing/2014/main" id="{55CC3A59-FACC-403B-895F-A4BA8CE5A757}"/>
+                </a:ext>
+              </a:extLst>
+            </p:cNvPr>
+            <p:cNvSpPr/>
+            <p:nvPr/>
+          </p:nvSpPr>
+          <p:spPr>
+            <a:xfrm>
+              <a:off x="18662020" y="1255986"/>
+              <a:ext cx="1261241" cy="1261241"/>
+            </a:xfrm>
+            <a:prstGeom prst="ellipse">
+              <a:avLst/>
+            </a:prstGeom>
+            <a:solidFill>
+              <a:schemeClr val="bg2">
+                <a:lumMod val="90000"/>
+              </a:schemeClr>
+            </a:solidFill>
+            <a:ln>
+              <a:noFill/>
+            </a:ln>
+          </p:spPr>
+          <p:style>
+            <a:lnRef idx="2">
+              <a:schemeClr val="accent1">
+                <a:shade val="50000"/>
+              </a:schemeClr>
+            </a:lnRef>
+            <a:fillRef idx="1">
+              <a:schemeClr val="accent1"/>
+            </a:fillRef>
+            <a:effectRef idx="0">
+              <a:schemeClr val="accent1"/>
+            </a:effectRef>
+            <a:fontRef idx="minor">
+              <a:schemeClr val="lt1"/>
+            </a:fontRef>
+          </p:style>
+          <p:txBody>
+            <a:bodyPr rtlCol="0" anchor="ctr"/>
+            <a:lstStyle/>
+            <a:p>
+              <a:pPr algn="ctr"/>
+              <a:endParaRPr lang="ko-KR" altLang="en-US"/>
+            </a:p>
+          </p:txBody>
+        </p:sp>
+        <p:sp>
+          <p:nvSpPr>
+            <p:cNvPr id="99" name="타원 98">
+              <a:extLst>
+                <a:ext uri="{FF2B5EF4-FFF2-40B4-BE49-F238E27FC236}">
+                  <a16:creationId xmlns:a16="http://schemas.microsoft.com/office/drawing/2014/main" id="{5D0AC577-A76F-4747-93CE-92797999D97F}"/>
+                </a:ext>
+              </a:extLst>
+            </p:cNvPr>
+            <p:cNvSpPr/>
+            <p:nvPr/>
+          </p:nvSpPr>
+          <p:spPr>
+            <a:xfrm>
+              <a:off x="21999055" y="1255986"/>
+              <a:ext cx="1261241" cy="1261241"/>
+            </a:xfrm>
+            <a:prstGeom prst="ellipse">
+              <a:avLst/>
+            </a:prstGeom>
+            <a:solidFill>
+              <a:schemeClr val="bg2">
+                <a:lumMod val="90000"/>
+              </a:schemeClr>
+            </a:solidFill>
+            <a:ln>
+              <a:noFill/>
+            </a:ln>
+          </p:spPr>
+          <p:style>
+            <a:lnRef idx="2">
+              <a:schemeClr val="accent1">
+                <a:shade val="50000"/>
+              </a:schemeClr>
+            </a:lnRef>
+            <a:fillRef idx="1">
+              <a:schemeClr val="accent1"/>
+            </a:fillRef>
+            <a:effectRef idx="0">
+              <a:schemeClr val="accent1"/>
+            </a:effectRef>
+            <a:fontRef idx="minor">
+              <a:schemeClr val="lt1"/>
+            </a:fontRef>
+          </p:style>
+          <p:txBody>
+            <a:bodyPr rtlCol="0" anchor="ctr"/>
+            <a:lstStyle/>
+            <a:p>
+              <a:pPr algn="ctr"/>
+              <a:endParaRPr lang="ko-KR" altLang="en-US"/>
+            </a:p>
+          </p:txBody>
+        </p:sp>
+        <p:sp>
+          <p:nvSpPr>
+            <p:cNvPr id="100" name="타원 99">
+              <a:extLst>
+                <a:ext uri="{FF2B5EF4-FFF2-40B4-BE49-F238E27FC236}">
+                  <a16:creationId xmlns:a16="http://schemas.microsoft.com/office/drawing/2014/main" id="{964EDD46-EB3E-4989-9EE7-345D1C94BA5F}"/>
+                </a:ext>
+              </a:extLst>
+            </p:cNvPr>
+            <p:cNvSpPr/>
+            <p:nvPr/>
+          </p:nvSpPr>
+          <p:spPr>
+            <a:xfrm>
+              <a:off x="25336090" y="1255986"/>
+              <a:ext cx="1261241" cy="1261241"/>
+            </a:xfrm>
+            <a:prstGeom prst="ellipse">
+              <a:avLst/>
+            </a:prstGeom>
+            <a:solidFill>
+              <a:schemeClr val="bg2">
+                <a:lumMod val="90000"/>
+              </a:schemeClr>
+            </a:solidFill>
+            <a:ln>
+              <a:noFill/>
+            </a:ln>
+          </p:spPr>
+          <p:style>
+            <a:lnRef idx="2">
+              <a:schemeClr val="accent1">
+                <a:shade val="50000"/>
+              </a:schemeClr>
+            </a:lnRef>
+            <a:fillRef idx="1">
+              <a:schemeClr val="accent1"/>
+            </a:fillRef>
+            <a:effectRef idx="0">
+              <a:schemeClr val="accent1"/>
+            </a:effectRef>
+            <a:fontRef idx="minor">
+              <a:schemeClr val="lt1"/>
+            </a:fontRef>
+          </p:style>
+          <p:txBody>
+            <a:bodyPr rtlCol="0" anchor="ctr"/>
+            <a:lstStyle/>
+            <a:p>
+              <a:pPr algn="ctr"/>
+              <a:endParaRPr lang="ko-KR" altLang="en-US"/>
+            </a:p>
+          </p:txBody>
+        </p:sp>
+        <p:sp>
+          <p:nvSpPr>
+            <p:cNvPr id="101" name="타원 100">
+              <a:extLst>
+                <a:ext uri="{FF2B5EF4-FFF2-40B4-BE49-F238E27FC236}">
+                  <a16:creationId xmlns:a16="http://schemas.microsoft.com/office/drawing/2014/main" id="{565EF7B8-70DF-4D35-B029-7BA1CAE0F0A3}"/>
+                </a:ext>
+              </a:extLst>
+            </p:cNvPr>
+            <p:cNvSpPr/>
+            <p:nvPr/>
+          </p:nvSpPr>
+          <p:spPr>
+            <a:xfrm>
+              <a:off x="28673125" y="1255986"/>
+              <a:ext cx="1261241" cy="1261241"/>
+            </a:xfrm>
+            <a:prstGeom prst="ellipse">
+              <a:avLst/>
+            </a:prstGeom>
+            <a:solidFill>
+              <a:schemeClr val="bg2">
+                <a:lumMod val="90000"/>
+              </a:schemeClr>
+            </a:solidFill>
+            <a:ln>
+              <a:noFill/>
+            </a:ln>
+          </p:spPr>
+          <p:style>
+            <a:lnRef idx="2">
+              <a:schemeClr val="accent1">
+                <a:shade val="50000"/>
+              </a:schemeClr>
+            </a:lnRef>
+            <a:fillRef idx="1">
+              <a:schemeClr val="accent1"/>
+            </a:fillRef>
+            <a:effectRef idx="0">
+              <a:schemeClr val="accent1"/>
+            </a:effectRef>
+            <a:fontRef idx="minor">
+              <a:schemeClr val="lt1"/>
+            </a:fontRef>
+          </p:style>
+          <p:txBody>
+            <a:bodyPr rtlCol="0" anchor="ctr"/>
+            <a:lstStyle/>
+            <a:p>
+              <a:pPr algn="ctr"/>
+              <a:endParaRPr lang="ko-KR" altLang="en-US"/>
+            </a:p>
+          </p:txBody>
+        </p:sp>
+        <p:sp>
+          <p:nvSpPr>
+            <p:cNvPr id="102" name="타원 101">
+              <a:extLst>
+                <a:ext uri="{FF2B5EF4-FFF2-40B4-BE49-F238E27FC236}">
+                  <a16:creationId xmlns:a16="http://schemas.microsoft.com/office/drawing/2014/main" id="{42BBA4A7-13F3-4CA3-9C3C-E7A6C05CA0BB}"/>
+                </a:ext>
+              </a:extLst>
+            </p:cNvPr>
+            <p:cNvSpPr/>
+            <p:nvPr/>
+          </p:nvSpPr>
+          <p:spPr>
+            <a:xfrm>
+              <a:off x="1976845" y="1255986"/>
+              <a:ext cx="1261241" cy="1261241"/>
+            </a:xfrm>
+            <a:prstGeom prst="ellipse">
+              <a:avLst/>
+            </a:prstGeom>
+            <a:solidFill>
+              <a:schemeClr val="bg2">
+                <a:lumMod val="90000"/>
+              </a:schemeClr>
+            </a:solidFill>
+            <a:ln>
+              <a:noFill/>
+            </a:ln>
+          </p:spPr>
+          <p:style>
+            <a:lnRef idx="2">
+              <a:schemeClr val="accent1">
+                <a:shade val="50000"/>
+              </a:schemeClr>
+            </a:lnRef>
+            <a:fillRef idx="1">
+              <a:schemeClr val="accent1"/>
+            </a:fillRef>
+            <a:effectRef idx="0">
+              <a:schemeClr val="accent1"/>
+            </a:effectRef>
+            <a:fontRef idx="minor">
+              <a:schemeClr val="lt1"/>
+            </a:fontRef>
+          </p:style>
+          <p:txBody>
+            <a:bodyPr rtlCol="0" anchor="ctr"/>
+            <a:lstStyle/>
+            <a:p>
+              <a:pPr algn="ctr"/>
+              <a:endParaRPr lang="ko-KR" altLang="en-US"/>
+            </a:p>
+          </p:txBody>
+        </p:sp>
+        <p:sp>
+          <p:nvSpPr>
+            <p:cNvPr id="103" name="타원 102">
+              <a:extLst>
+                <a:ext uri="{FF2B5EF4-FFF2-40B4-BE49-F238E27FC236}">
+                  <a16:creationId xmlns:a16="http://schemas.microsoft.com/office/drawing/2014/main" id="{77C3AB52-B682-4CC0-8368-9B5A4DCB96C5}"/>
+                </a:ext>
+              </a:extLst>
+            </p:cNvPr>
+            <p:cNvSpPr/>
+            <p:nvPr/>
+          </p:nvSpPr>
+          <p:spPr>
+            <a:xfrm>
+              <a:off x="32010160" y="1255986"/>
+              <a:ext cx="1261241" cy="1261241"/>
+            </a:xfrm>
+            <a:prstGeom prst="ellipse">
+              <a:avLst/>
+            </a:prstGeom>
+            <a:solidFill>
+              <a:schemeClr val="bg2">
+                <a:lumMod val="90000"/>
+              </a:schemeClr>
+            </a:solidFill>
+            <a:ln>
+              <a:noFill/>
+            </a:ln>
+          </p:spPr>
+          <p:style>
+            <a:lnRef idx="2">
+              <a:schemeClr val="accent1">
+                <a:shade val="50000"/>
+              </a:schemeClr>
+            </a:lnRef>
+            <a:fillRef idx="1">
+              <a:schemeClr val="accent1"/>
+            </a:fillRef>
+            <a:effectRef idx="0">
+              <a:schemeClr val="accent1"/>
+            </a:effectRef>
+            <a:fontRef idx="minor">
+              <a:schemeClr val="lt1"/>
+            </a:fontRef>
+          </p:style>
+          <p:txBody>
+            <a:bodyPr rtlCol="0" anchor="ctr"/>
+            <a:lstStyle/>
+            <a:p>
+              <a:pPr algn="ctr"/>
+              <a:endParaRPr lang="ko-KR" altLang="en-US"/>
+            </a:p>
+          </p:txBody>
+        </p:sp>
+      </p:grpSp>
+      <p:grpSp>
+        <p:nvGrpSpPr>
+          <p:cNvPr id="104" name="그룹 103">
+            <a:extLst>
+              <a:ext uri="{FF2B5EF4-FFF2-40B4-BE49-F238E27FC236}">
+                <a16:creationId xmlns:a16="http://schemas.microsoft.com/office/drawing/2014/main" id="{1AB2A188-2275-4D64-8707-0E69476F0E54}"/>
+              </a:ext>
+            </a:extLst>
+          </p:cNvPr>
+          <p:cNvGrpSpPr/>
+          <p:nvPr/>
+        </p:nvGrpSpPr>
+        <p:grpSpPr>
+          <a:xfrm>
+            <a:off x="2352591" y="22208364"/>
+            <a:ext cx="31294556" cy="1261242"/>
+            <a:chOff x="1976845" y="1255986"/>
+            <a:chExt cx="31294556" cy="1261242"/>
+          </a:xfrm>
+        </p:grpSpPr>
+        <p:sp>
+          <p:nvSpPr>
+            <p:cNvPr id="105" name="타원 104">
+              <a:extLst>
+                <a:ext uri="{FF2B5EF4-FFF2-40B4-BE49-F238E27FC236}">
+                  <a16:creationId xmlns:a16="http://schemas.microsoft.com/office/drawing/2014/main" id="{CB78C0B5-7B7D-4097-8102-7F5AF4880358}"/>
+                </a:ext>
+              </a:extLst>
+            </p:cNvPr>
+            <p:cNvSpPr/>
+            <p:nvPr/>
+          </p:nvSpPr>
+          <p:spPr>
+            <a:xfrm>
+              <a:off x="5313880" y="1255987"/>
+              <a:ext cx="1261241" cy="1261241"/>
+            </a:xfrm>
+            <a:prstGeom prst="ellipse">
+              <a:avLst/>
+            </a:prstGeom>
+            <a:solidFill>
+              <a:schemeClr val="bg2">
+                <a:lumMod val="90000"/>
+              </a:schemeClr>
+            </a:solidFill>
+            <a:ln>
+              <a:noFill/>
+            </a:ln>
+          </p:spPr>
+          <p:style>
+            <a:lnRef idx="2">
+              <a:schemeClr val="accent1">
+                <a:shade val="50000"/>
+              </a:schemeClr>
+            </a:lnRef>
+            <a:fillRef idx="1">
+              <a:schemeClr val="accent1"/>
+            </a:fillRef>
+            <a:effectRef idx="0">
+              <a:schemeClr val="accent1"/>
+            </a:effectRef>
+            <a:fontRef idx="minor">
+              <a:schemeClr val="lt1"/>
+            </a:fontRef>
+          </p:style>
+          <p:txBody>
+            <a:bodyPr rtlCol="0" anchor="ctr"/>
+            <a:lstStyle/>
+            <a:p>
+              <a:pPr algn="ctr"/>
+              <a:endParaRPr lang="ko-KR" altLang="en-US"/>
+            </a:p>
+          </p:txBody>
+        </p:sp>
+        <p:sp>
+          <p:nvSpPr>
+            <p:cNvPr id="106" name="타원 105">
+              <a:extLst>
+                <a:ext uri="{FF2B5EF4-FFF2-40B4-BE49-F238E27FC236}">
+                  <a16:creationId xmlns:a16="http://schemas.microsoft.com/office/drawing/2014/main" id="{005E7D67-75D0-4674-942A-BC8800CF5A89}"/>
+                </a:ext>
+              </a:extLst>
+            </p:cNvPr>
+            <p:cNvSpPr/>
+            <p:nvPr/>
+          </p:nvSpPr>
+          <p:spPr>
+            <a:xfrm>
+              <a:off x="8650915" y="1255987"/>
+              <a:ext cx="1261241" cy="1261241"/>
+            </a:xfrm>
+            <a:prstGeom prst="ellipse">
+              <a:avLst/>
+            </a:prstGeom>
+            <a:solidFill>
+              <a:schemeClr val="bg2">
+                <a:lumMod val="90000"/>
+              </a:schemeClr>
+            </a:solidFill>
+            <a:ln>
+              <a:noFill/>
+            </a:ln>
+          </p:spPr>
+          <p:style>
+            <a:lnRef idx="2">
+              <a:schemeClr val="accent1">
+                <a:shade val="50000"/>
+              </a:schemeClr>
+            </a:lnRef>
+            <a:fillRef idx="1">
+              <a:schemeClr val="accent1"/>
+            </a:fillRef>
+            <a:effectRef idx="0">
+              <a:schemeClr val="accent1"/>
+            </a:effectRef>
+            <a:fontRef idx="minor">
+              <a:schemeClr val="lt1"/>
+            </a:fontRef>
+          </p:style>
+          <p:txBody>
+            <a:bodyPr rtlCol="0" anchor="ctr"/>
+            <a:lstStyle/>
+            <a:p>
+              <a:pPr algn="ctr"/>
+              <a:endParaRPr lang="ko-KR" altLang="en-US"/>
+            </a:p>
+          </p:txBody>
+        </p:sp>
+        <p:sp>
+          <p:nvSpPr>
+            <p:cNvPr id="107" name="타원 106">
+              <a:extLst>
+                <a:ext uri="{FF2B5EF4-FFF2-40B4-BE49-F238E27FC236}">
+                  <a16:creationId xmlns:a16="http://schemas.microsoft.com/office/drawing/2014/main" id="{4234431E-932D-4491-A67D-6777680D84FD}"/>
+                </a:ext>
+              </a:extLst>
+            </p:cNvPr>
+            <p:cNvSpPr/>
+            <p:nvPr/>
+          </p:nvSpPr>
+          <p:spPr>
+            <a:xfrm>
+              <a:off x="11987950" y="1255987"/>
+              <a:ext cx="1261241" cy="1261241"/>
+            </a:xfrm>
+            <a:prstGeom prst="ellipse">
+              <a:avLst/>
+            </a:prstGeom>
+            <a:solidFill>
+              <a:schemeClr val="bg2">
+                <a:lumMod val="90000"/>
+              </a:schemeClr>
+            </a:solidFill>
+            <a:ln>
+              <a:noFill/>
+            </a:ln>
+          </p:spPr>
+          <p:style>
+            <a:lnRef idx="2">
+              <a:schemeClr val="accent1">
+                <a:shade val="50000"/>
+              </a:schemeClr>
+            </a:lnRef>
+            <a:fillRef idx="1">
+              <a:schemeClr val="accent1"/>
+            </a:fillRef>
+            <a:effectRef idx="0">
+              <a:schemeClr val="accent1"/>
+            </a:effectRef>
+            <a:fontRef idx="minor">
+              <a:schemeClr val="lt1"/>
+            </a:fontRef>
+          </p:style>
+          <p:txBody>
+            <a:bodyPr rtlCol="0" anchor="ctr"/>
+            <a:lstStyle/>
+            <a:p>
+              <a:pPr algn="ctr"/>
+              <a:endParaRPr lang="ko-KR" altLang="en-US"/>
+            </a:p>
+          </p:txBody>
+        </p:sp>
+        <p:sp>
+          <p:nvSpPr>
+            <p:cNvPr id="108" name="타원 107">
+              <a:extLst>
+                <a:ext uri="{FF2B5EF4-FFF2-40B4-BE49-F238E27FC236}">
+                  <a16:creationId xmlns:a16="http://schemas.microsoft.com/office/drawing/2014/main" id="{80FB6783-45E0-4103-B804-B4B954294BF3}"/>
+                </a:ext>
+              </a:extLst>
+            </p:cNvPr>
+            <p:cNvSpPr/>
+            <p:nvPr/>
+          </p:nvSpPr>
+          <p:spPr>
+            <a:xfrm>
+              <a:off x="15324985" y="1255986"/>
+              <a:ext cx="1261241" cy="1261241"/>
+            </a:xfrm>
+            <a:prstGeom prst="ellipse">
+              <a:avLst/>
+            </a:prstGeom>
+            <a:solidFill>
+              <a:schemeClr val="bg2">
+                <a:lumMod val="90000"/>
+              </a:schemeClr>
+            </a:solidFill>
+            <a:ln>
+              <a:noFill/>
+            </a:ln>
+          </p:spPr>
+          <p:style>
+            <a:lnRef idx="2">
+              <a:schemeClr val="accent1">
+                <a:shade val="50000"/>
+              </a:schemeClr>
+            </a:lnRef>
+            <a:fillRef idx="1">
+              <a:schemeClr val="accent1"/>
+            </a:fillRef>
+            <a:effectRef idx="0">
+              <a:schemeClr val="accent1"/>
+            </a:effectRef>
+            <a:fontRef idx="minor">
+              <a:schemeClr val="lt1"/>
+            </a:fontRef>
+          </p:style>
+          <p:txBody>
+            <a:bodyPr rtlCol="0" anchor="ctr"/>
+            <a:lstStyle/>
+            <a:p>
+              <a:pPr algn="ctr"/>
+              <a:endParaRPr lang="ko-KR" altLang="en-US"/>
+            </a:p>
+          </p:txBody>
+        </p:sp>
+        <p:sp>
+          <p:nvSpPr>
+            <p:cNvPr id="109" name="타원 108">
+              <a:extLst>
+                <a:ext uri="{FF2B5EF4-FFF2-40B4-BE49-F238E27FC236}">
+                  <a16:creationId xmlns:a16="http://schemas.microsoft.com/office/drawing/2014/main" id="{FB5FC38A-4937-42CE-9823-CEEEB535DDFA}"/>
+                </a:ext>
+              </a:extLst>
+            </p:cNvPr>
+            <p:cNvSpPr/>
+            <p:nvPr/>
+          </p:nvSpPr>
+          <p:spPr>
+            <a:xfrm>
+              <a:off x="18662020" y="1255986"/>
+              <a:ext cx="1261241" cy="1261241"/>
+            </a:xfrm>
+            <a:prstGeom prst="ellipse">
+              <a:avLst/>
+            </a:prstGeom>
+            <a:solidFill>
+              <a:schemeClr val="bg2">
+                <a:lumMod val="90000"/>
+              </a:schemeClr>
+            </a:solidFill>
+            <a:ln>
+              <a:noFill/>
+            </a:ln>
+          </p:spPr>
+          <p:style>
+            <a:lnRef idx="2">
+              <a:schemeClr val="accent1">
+                <a:shade val="50000"/>
+              </a:schemeClr>
+            </a:lnRef>
+            <a:fillRef idx="1">
+              <a:schemeClr val="accent1"/>
+            </a:fillRef>
+            <a:effectRef idx="0">
+              <a:schemeClr val="accent1"/>
+            </a:effectRef>
+            <a:fontRef idx="minor">
+              <a:schemeClr val="lt1"/>
+            </a:fontRef>
+          </p:style>
+          <p:txBody>
+            <a:bodyPr rtlCol="0" anchor="ctr"/>
+            <a:lstStyle/>
+            <a:p>
+              <a:pPr algn="ctr"/>
+              <a:endParaRPr lang="ko-KR" altLang="en-US"/>
+            </a:p>
+          </p:txBody>
+        </p:sp>
+        <p:sp>
+          <p:nvSpPr>
+            <p:cNvPr id="110" name="타원 109">
+              <a:extLst>
+                <a:ext uri="{FF2B5EF4-FFF2-40B4-BE49-F238E27FC236}">
+                  <a16:creationId xmlns:a16="http://schemas.microsoft.com/office/drawing/2014/main" id="{1AB88CF3-8226-4FEE-800C-54CB663D7A33}"/>
+                </a:ext>
+              </a:extLst>
+            </p:cNvPr>
+            <p:cNvSpPr/>
+            <p:nvPr/>
+          </p:nvSpPr>
+          <p:spPr>
+            <a:xfrm>
+              <a:off x="21999055" y="1255986"/>
+              <a:ext cx="1261241" cy="1261241"/>
+            </a:xfrm>
+            <a:prstGeom prst="ellipse">
+              <a:avLst/>
+            </a:prstGeom>
+            <a:solidFill>
+              <a:schemeClr val="bg2">
+                <a:lumMod val="90000"/>
+              </a:schemeClr>
+            </a:solidFill>
+            <a:ln>
+              <a:noFill/>
+            </a:ln>
+          </p:spPr>
+          <p:style>
+            <a:lnRef idx="2">
+              <a:schemeClr val="accent1">
+                <a:shade val="50000"/>
+              </a:schemeClr>
+            </a:lnRef>
+            <a:fillRef idx="1">
+              <a:schemeClr val="accent1"/>
+            </a:fillRef>
+            <a:effectRef idx="0">
+              <a:schemeClr val="accent1"/>
+            </a:effectRef>
+            <a:fontRef idx="minor">
+              <a:schemeClr val="lt1"/>
+            </a:fontRef>
+          </p:style>
+          <p:txBody>
+            <a:bodyPr rtlCol="0" anchor="ctr"/>
+            <a:lstStyle/>
+            <a:p>
+              <a:pPr algn="ctr"/>
+              <a:endParaRPr lang="ko-KR" altLang="en-US"/>
+            </a:p>
+          </p:txBody>
+        </p:sp>
+        <p:sp>
+          <p:nvSpPr>
+            <p:cNvPr id="111" name="타원 110">
+              <a:extLst>
+                <a:ext uri="{FF2B5EF4-FFF2-40B4-BE49-F238E27FC236}">
+                  <a16:creationId xmlns:a16="http://schemas.microsoft.com/office/drawing/2014/main" id="{B9E84B07-3795-4199-93A4-E65D59CEC3FC}"/>
+                </a:ext>
+              </a:extLst>
+            </p:cNvPr>
+            <p:cNvSpPr/>
+            <p:nvPr/>
+          </p:nvSpPr>
+          <p:spPr>
+            <a:xfrm>
+              <a:off x="25336090" y="1255986"/>
+              <a:ext cx="1261241" cy="1261241"/>
+            </a:xfrm>
+            <a:prstGeom prst="ellipse">
+              <a:avLst/>
+            </a:prstGeom>
+            <a:solidFill>
+              <a:schemeClr val="bg2">
+                <a:lumMod val="90000"/>
+              </a:schemeClr>
+            </a:solidFill>
+            <a:ln>
+              <a:noFill/>
+            </a:ln>
+          </p:spPr>
+          <p:style>
+            <a:lnRef idx="2">
+              <a:schemeClr val="accent1">
+                <a:shade val="50000"/>
+              </a:schemeClr>
+            </a:lnRef>
+            <a:fillRef idx="1">
+              <a:schemeClr val="accent1"/>
+            </a:fillRef>
+            <a:effectRef idx="0">
+              <a:schemeClr val="accent1"/>
+            </a:effectRef>
+            <a:fontRef idx="minor">
+              <a:schemeClr val="lt1"/>
+            </a:fontRef>
+          </p:style>
+          <p:txBody>
+            <a:bodyPr rtlCol="0" anchor="ctr"/>
+            <a:lstStyle/>
+            <a:p>
+              <a:pPr algn="ctr"/>
+              <a:endParaRPr lang="ko-KR" altLang="en-US"/>
+            </a:p>
+          </p:txBody>
+        </p:sp>
+        <p:sp>
+          <p:nvSpPr>
+            <p:cNvPr id="112" name="타원 111">
+              <a:extLst>
+                <a:ext uri="{FF2B5EF4-FFF2-40B4-BE49-F238E27FC236}">
+                  <a16:creationId xmlns:a16="http://schemas.microsoft.com/office/drawing/2014/main" id="{962A0E80-0804-4149-B689-06DC5AA43A3D}"/>
+                </a:ext>
+              </a:extLst>
+            </p:cNvPr>
+            <p:cNvSpPr/>
+            <p:nvPr/>
+          </p:nvSpPr>
+          <p:spPr>
+            <a:xfrm>
+              <a:off x="28673125" y="1255986"/>
+              <a:ext cx="1261241" cy="1261241"/>
+            </a:xfrm>
+            <a:prstGeom prst="ellipse">
+              <a:avLst/>
+            </a:prstGeom>
+            <a:solidFill>
+              <a:schemeClr val="bg2">
+                <a:lumMod val="90000"/>
+              </a:schemeClr>
+            </a:solidFill>
+            <a:ln>
+              <a:noFill/>
+            </a:ln>
+          </p:spPr>
+          <p:style>
+            <a:lnRef idx="2">
+              <a:schemeClr val="accent1">
+                <a:shade val="50000"/>
+              </a:schemeClr>
+            </a:lnRef>
+            <a:fillRef idx="1">
+              <a:schemeClr val="accent1"/>
+            </a:fillRef>
+            <a:effectRef idx="0">
+              <a:schemeClr val="accent1"/>
+            </a:effectRef>
+            <a:fontRef idx="minor">
+              <a:schemeClr val="lt1"/>
+            </a:fontRef>
+          </p:style>
+          <p:txBody>
+            <a:bodyPr rtlCol="0" anchor="ctr"/>
+            <a:lstStyle/>
+            <a:p>
+              <a:pPr algn="ctr"/>
+              <a:endParaRPr lang="ko-KR" altLang="en-US"/>
+            </a:p>
+          </p:txBody>
+        </p:sp>
+        <p:sp>
+          <p:nvSpPr>
+            <p:cNvPr id="113" name="타원 112">
+              <a:extLst>
+                <a:ext uri="{FF2B5EF4-FFF2-40B4-BE49-F238E27FC236}">
+                  <a16:creationId xmlns:a16="http://schemas.microsoft.com/office/drawing/2014/main" id="{805CFE32-4296-4E41-9694-72FD06217619}"/>
+                </a:ext>
+              </a:extLst>
+            </p:cNvPr>
+            <p:cNvSpPr/>
+            <p:nvPr/>
+          </p:nvSpPr>
+          <p:spPr>
+            <a:xfrm>
+              <a:off x="1976845" y="1255986"/>
+              <a:ext cx="1261241" cy="1261241"/>
+            </a:xfrm>
+            <a:prstGeom prst="ellipse">
+              <a:avLst/>
+            </a:prstGeom>
+            <a:solidFill>
+              <a:schemeClr val="bg2">
+                <a:lumMod val="90000"/>
+              </a:schemeClr>
+            </a:solidFill>
+            <a:ln>
+              <a:noFill/>
+            </a:ln>
+          </p:spPr>
+          <p:style>
+            <a:lnRef idx="2">
+              <a:schemeClr val="accent1">
+                <a:shade val="50000"/>
+              </a:schemeClr>
+            </a:lnRef>
+            <a:fillRef idx="1">
+              <a:schemeClr val="accent1"/>
+            </a:fillRef>
+            <a:effectRef idx="0">
+              <a:schemeClr val="accent1"/>
+            </a:effectRef>
+            <a:fontRef idx="minor">
+              <a:schemeClr val="lt1"/>
+            </a:fontRef>
+          </p:style>
+          <p:txBody>
+            <a:bodyPr rtlCol="0" anchor="ctr"/>
+            <a:lstStyle/>
+            <a:p>
+              <a:pPr algn="ctr"/>
+              <a:endParaRPr lang="ko-KR" altLang="en-US"/>
+            </a:p>
+          </p:txBody>
+        </p:sp>
+        <p:sp>
+          <p:nvSpPr>
+            <p:cNvPr id="114" name="타원 113">
+              <a:extLst>
+                <a:ext uri="{FF2B5EF4-FFF2-40B4-BE49-F238E27FC236}">
+                  <a16:creationId xmlns:a16="http://schemas.microsoft.com/office/drawing/2014/main" id="{E86138DA-C206-476C-90E0-94C2DC3CB950}"/>
+                </a:ext>
+              </a:extLst>
+            </p:cNvPr>
+            <p:cNvSpPr/>
+            <p:nvPr/>
+          </p:nvSpPr>
+          <p:spPr>
+            <a:xfrm>
+              <a:off x="32010160" y="1255986"/>
+              <a:ext cx="1261241" cy="1261241"/>
+            </a:xfrm>
+            <a:prstGeom prst="ellipse">
+              <a:avLst/>
+            </a:prstGeom>
+            <a:solidFill>
+              <a:schemeClr val="bg2">
+                <a:lumMod val="90000"/>
+              </a:schemeClr>
+            </a:solidFill>
+            <a:ln>
+              <a:noFill/>
+            </a:ln>
+          </p:spPr>
+          <p:style>
+            <a:lnRef idx="2">
+              <a:schemeClr val="accent1">
+                <a:shade val="50000"/>
+              </a:schemeClr>
+            </a:lnRef>
+            <a:fillRef idx="1">
+              <a:schemeClr val="accent1"/>
+            </a:fillRef>
+            <a:effectRef idx="0">
+              <a:schemeClr val="accent1"/>
+            </a:effectRef>
+            <a:fontRef idx="minor">
+              <a:schemeClr val="lt1"/>
+            </a:fontRef>
+          </p:style>
+          <p:txBody>
+            <a:bodyPr rtlCol="0" anchor="ctr"/>
+            <a:lstStyle/>
+            <a:p>
+              <a:pPr algn="ctr"/>
+              <a:endParaRPr lang="ko-KR" altLang="en-US"/>
+            </a:p>
+          </p:txBody>
+        </p:sp>
+      </p:grpSp>
+      <p:grpSp>
+        <p:nvGrpSpPr>
+          <p:cNvPr id="115" name="그룹 114">
+            <a:extLst>
+              <a:ext uri="{FF2B5EF4-FFF2-40B4-BE49-F238E27FC236}">
+                <a16:creationId xmlns:a16="http://schemas.microsoft.com/office/drawing/2014/main" id="{FA280B9C-28F1-4782-B856-D0AB187D2122}"/>
+              </a:ext>
+            </a:extLst>
+          </p:cNvPr>
+          <p:cNvGrpSpPr/>
+          <p:nvPr/>
+        </p:nvGrpSpPr>
+        <p:grpSpPr>
+          <a:xfrm>
+            <a:off x="2352591" y="24536406"/>
+            <a:ext cx="31294556" cy="1261242"/>
+            <a:chOff x="1976845" y="1255986"/>
+            <a:chExt cx="31294556" cy="1261242"/>
+          </a:xfrm>
+        </p:grpSpPr>
+        <p:sp>
+          <p:nvSpPr>
+            <p:cNvPr id="116" name="타원 115">
+              <a:extLst>
+                <a:ext uri="{FF2B5EF4-FFF2-40B4-BE49-F238E27FC236}">
+                  <a16:creationId xmlns:a16="http://schemas.microsoft.com/office/drawing/2014/main" id="{E38410D7-E8D9-4A57-BEA6-C8A91C5007E8}"/>
+                </a:ext>
+              </a:extLst>
+            </p:cNvPr>
+            <p:cNvSpPr/>
+            <p:nvPr/>
+          </p:nvSpPr>
+          <p:spPr>
+            <a:xfrm>
+              <a:off x="5313880" y="1255987"/>
+              <a:ext cx="1261241" cy="1261241"/>
+            </a:xfrm>
+            <a:prstGeom prst="ellipse">
+              <a:avLst/>
+            </a:prstGeom>
+            <a:solidFill>
+              <a:schemeClr val="bg2">
+                <a:lumMod val="90000"/>
+              </a:schemeClr>
+            </a:solidFill>
+            <a:ln>
+              <a:noFill/>
+            </a:ln>
+          </p:spPr>
+          <p:style>
+            <a:lnRef idx="2">
+              <a:schemeClr val="accent1">
+                <a:shade val="50000"/>
+              </a:schemeClr>
+            </a:lnRef>
+            <a:fillRef idx="1">
+              <a:schemeClr val="accent1"/>
+            </a:fillRef>
+            <a:effectRef idx="0">
+              <a:schemeClr val="accent1"/>
+            </a:effectRef>
+            <a:fontRef idx="minor">
+              <a:schemeClr val="lt1"/>
+            </a:fontRef>
+          </p:style>
+          <p:txBody>
+            <a:bodyPr rtlCol="0" anchor="ctr"/>
+            <a:lstStyle/>
+            <a:p>
+              <a:pPr algn="ctr"/>
+              <a:endParaRPr lang="ko-KR" altLang="en-US"/>
+            </a:p>
+          </p:txBody>
+        </p:sp>
+        <p:sp>
+          <p:nvSpPr>
+            <p:cNvPr id="117" name="타원 116">
+              <a:extLst>
+                <a:ext uri="{FF2B5EF4-FFF2-40B4-BE49-F238E27FC236}">
+                  <a16:creationId xmlns:a16="http://schemas.microsoft.com/office/drawing/2014/main" id="{07148623-B361-44B1-B8BF-176E2E724A44}"/>
+                </a:ext>
+              </a:extLst>
+            </p:cNvPr>
+            <p:cNvSpPr/>
+            <p:nvPr/>
+          </p:nvSpPr>
+          <p:spPr>
+            <a:xfrm>
+              <a:off x="8650915" y="1255987"/>
+              <a:ext cx="1261241" cy="1261241"/>
+            </a:xfrm>
+            <a:prstGeom prst="ellipse">
+              <a:avLst/>
+            </a:prstGeom>
+            <a:solidFill>
+              <a:schemeClr val="bg2">
+                <a:lumMod val="90000"/>
+              </a:schemeClr>
+            </a:solidFill>
+            <a:ln>
+              <a:noFill/>
+            </a:ln>
+          </p:spPr>
+          <p:style>
+            <a:lnRef idx="2">
+              <a:schemeClr val="accent1">
+                <a:shade val="50000"/>
+              </a:schemeClr>
+            </a:lnRef>
+            <a:fillRef idx="1">
+              <a:schemeClr val="accent1"/>
+            </a:fillRef>
+            <a:effectRef idx="0">
+              <a:schemeClr val="accent1"/>
+            </a:effectRef>
+            <a:fontRef idx="minor">
+              <a:schemeClr val="lt1"/>
+            </a:fontRef>
+          </p:style>
+          <p:txBody>
+            <a:bodyPr rtlCol="0" anchor="ctr"/>
+            <a:lstStyle/>
+            <a:p>
+              <a:pPr algn="ctr"/>
+              <a:endParaRPr lang="ko-KR" altLang="en-US"/>
+            </a:p>
+          </p:txBody>
+        </p:sp>
+        <p:sp>
+          <p:nvSpPr>
+            <p:cNvPr id="118" name="타원 117">
+              <a:extLst>
+                <a:ext uri="{FF2B5EF4-FFF2-40B4-BE49-F238E27FC236}">
+                  <a16:creationId xmlns:a16="http://schemas.microsoft.com/office/drawing/2014/main" id="{0A235CD9-45E0-4E47-805A-1AD339AD1FC1}"/>
+                </a:ext>
+              </a:extLst>
+            </p:cNvPr>
+            <p:cNvSpPr/>
+            <p:nvPr/>
+          </p:nvSpPr>
+          <p:spPr>
+            <a:xfrm>
+              <a:off x="11987950" y="1255987"/>
+              <a:ext cx="1261241" cy="1261241"/>
+            </a:xfrm>
+            <a:prstGeom prst="ellipse">
+              <a:avLst/>
+            </a:prstGeom>
+            <a:solidFill>
+              <a:schemeClr val="bg2">
+                <a:lumMod val="90000"/>
+              </a:schemeClr>
+            </a:solidFill>
+            <a:ln>
+              <a:noFill/>
+            </a:ln>
+          </p:spPr>
+          <p:style>
+            <a:lnRef idx="2">
+              <a:schemeClr val="accent1">
+                <a:shade val="50000"/>
+              </a:schemeClr>
+            </a:lnRef>
+            <a:fillRef idx="1">
+              <a:schemeClr val="accent1"/>
+            </a:fillRef>
+            <a:effectRef idx="0">
+              <a:schemeClr val="accent1"/>
+            </a:effectRef>
+            <a:fontRef idx="minor">
+              <a:schemeClr val="lt1"/>
+            </a:fontRef>
+          </p:style>
+          <p:txBody>
+            <a:bodyPr rtlCol="0" anchor="ctr"/>
+            <a:lstStyle/>
+            <a:p>
+              <a:pPr algn="ctr"/>
+              <a:endParaRPr lang="ko-KR" altLang="en-US"/>
+            </a:p>
+          </p:txBody>
+        </p:sp>
+        <p:sp>
+          <p:nvSpPr>
+            <p:cNvPr id="119" name="타원 118">
+              <a:extLst>
+                <a:ext uri="{FF2B5EF4-FFF2-40B4-BE49-F238E27FC236}">
+                  <a16:creationId xmlns:a16="http://schemas.microsoft.com/office/drawing/2014/main" id="{DBCB8754-C77E-4A85-953A-74036CDEBD8D}"/>
+                </a:ext>
+              </a:extLst>
+            </p:cNvPr>
+            <p:cNvSpPr/>
+            <p:nvPr/>
+          </p:nvSpPr>
+          <p:spPr>
+            <a:xfrm>
+              <a:off x="15324985" y="1255986"/>
+              <a:ext cx="1261241" cy="1261241"/>
+            </a:xfrm>
+            <a:prstGeom prst="ellipse">
+              <a:avLst/>
+            </a:prstGeom>
+            <a:solidFill>
+              <a:schemeClr val="bg2">
+                <a:lumMod val="90000"/>
+              </a:schemeClr>
+            </a:solidFill>
+            <a:ln>
+              <a:noFill/>
+            </a:ln>
+          </p:spPr>
+          <p:style>
+            <a:lnRef idx="2">
+              <a:schemeClr val="accent1">
+                <a:shade val="50000"/>
+              </a:schemeClr>
+            </a:lnRef>
+            <a:fillRef idx="1">
+              <a:schemeClr val="accent1"/>
+            </a:fillRef>
+            <a:effectRef idx="0">
+              <a:schemeClr val="accent1"/>
+            </a:effectRef>
+            <a:fontRef idx="minor">
+              <a:schemeClr val="lt1"/>
+            </a:fontRef>
+          </p:style>
+          <p:txBody>
+            <a:bodyPr rtlCol="0" anchor="ctr"/>
+            <a:lstStyle/>
+            <a:p>
+              <a:pPr algn="ctr"/>
+              <a:endParaRPr lang="ko-KR" altLang="en-US"/>
+            </a:p>
+          </p:txBody>
+        </p:sp>
+        <p:sp>
+          <p:nvSpPr>
+            <p:cNvPr id="120" name="타원 119">
+              <a:extLst>
+                <a:ext uri="{FF2B5EF4-FFF2-40B4-BE49-F238E27FC236}">
+                  <a16:creationId xmlns:a16="http://schemas.microsoft.com/office/drawing/2014/main" id="{B491D16A-DD9B-4A4B-A90F-A75CF567C699}"/>
+                </a:ext>
+              </a:extLst>
+            </p:cNvPr>
+            <p:cNvSpPr/>
+            <p:nvPr/>
+          </p:nvSpPr>
+          <p:spPr>
+            <a:xfrm>
+              <a:off x="18662020" y="1255986"/>
+              <a:ext cx="1261241" cy="1261241"/>
+            </a:xfrm>
+            <a:prstGeom prst="ellipse">
+              <a:avLst/>
+            </a:prstGeom>
+            <a:solidFill>
+              <a:schemeClr val="bg2">
+                <a:lumMod val="90000"/>
+              </a:schemeClr>
+            </a:solidFill>
+            <a:ln>
+              <a:noFill/>
+            </a:ln>
+          </p:spPr>
+          <p:style>
+            <a:lnRef idx="2">
+              <a:schemeClr val="accent1">
+                <a:shade val="50000"/>
+              </a:schemeClr>
+            </a:lnRef>
+            <a:fillRef idx="1">
+              <a:schemeClr val="accent1"/>
+            </a:fillRef>
+            <a:effectRef idx="0">
+              <a:schemeClr val="accent1"/>
+            </a:effectRef>
+            <a:fontRef idx="minor">
+              <a:schemeClr val="lt1"/>
+            </a:fontRef>
+          </p:style>
+          <p:txBody>
+            <a:bodyPr rtlCol="0" anchor="ctr"/>
+            <a:lstStyle/>
+            <a:p>
+              <a:pPr algn="ctr"/>
+              <a:endParaRPr lang="ko-KR" altLang="en-US"/>
+            </a:p>
+          </p:txBody>
+        </p:sp>
+        <p:sp>
+          <p:nvSpPr>
+            <p:cNvPr id="121" name="타원 120">
+              <a:extLst>
+                <a:ext uri="{FF2B5EF4-FFF2-40B4-BE49-F238E27FC236}">
+                  <a16:creationId xmlns:a16="http://schemas.microsoft.com/office/drawing/2014/main" id="{90E48F2E-3CDC-41FE-A542-36FEA4EECBED}"/>
+                </a:ext>
+              </a:extLst>
+            </p:cNvPr>
+            <p:cNvSpPr/>
+            <p:nvPr/>
+          </p:nvSpPr>
+          <p:spPr>
+            <a:xfrm>
+              <a:off x="21999055" y="1255986"/>
+              <a:ext cx="1261241" cy="1261241"/>
+            </a:xfrm>
+            <a:prstGeom prst="ellipse">
+              <a:avLst/>
+            </a:prstGeom>
+            <a:solidFill>
+              <a:schemeClr val="bg2">
+                <a:lumMod val="90000"/>
+              </a:schemeClr>
+            </a:solidFill>
+            <a:ln>
+              <a:noFill/>
+            </a:ln>
+          </p:spPr>
+          <p:style>
+            <a:lnRef idx="2">
+              <a:schemeClr val="accent1">
+                <a:shade val="50000"/>
+              </a:schemeClr>
+            </a:lnRef>
+            <a:fillRef idx="1">
+              <a:schemeClr val="accent1"/>
+            </a:fillRef>
+            <a:effectRef idx="0">
+              <a:schemeClr val="accent1"/>
+            </a:effectRef>
+            <a:fontRef idx="minor">
+              <a:schemeClr val="lt1"/>
+            </a:fontRef>
+          </p:style>
+          <p:txBody>
+            <a:bodyPr rtlCol="0" anchor="ctr"/>
+            <a:lstStyle/>
+            <a:p>
+              <a:pPr algn="ctr"/>
+              <a:endParaRPr lang="ko-KR" altLang="en-US"/>
+            </a:p>
+          </p:txBody>
+        </p:sp>
+        <p:sp>
+          <p:nvSpPr>
+            <p:cNvPr id="122" name="타원 121">
+              <a:extLst>
+                <a:ext uri="{FF2B5EF4-FFF2-40B4-BE49-F238E27FC236}">
+                  <a16:creationId xmlns:a16="http://schemas.microsoft.com/office/drawing/2014/main" id="{B3B5CF54-EA24-4F12-8181-5D9EC74575F6}"/>
+                </a:ext>
+              </a:extLst>
+            </p:cNvPr>
+            <p:cNvSpPr/>
+            <p:nvPr/>
+          </p:nvSpPr>
+          <p:spPr>
+            <a:xfrm>
+              <a:off x="25336090" y="1255986"/>
+              <a:ext cx="1261241" cy="1261241"/>
+            </a:xfrm>
+            <a:prstGeom prst="ellipse">
+              <a:avLst/>
+            </a:prstGeom>
+            <a:solidFill>
+              <a:schemeClr val="bg2">
+                <a:lumMod val="90000"/>
+              </a:schemeClr>
+            </a:solidFill>
+            <a:ln>
+              <a:noFill/>
+            </a:ln>
+          </p:spPr>
+          <p:style>
+            <a:lnRef idx="2">
+              <a:schemeClr val="accent1">
+                <a:shade val="50000"/>
+              </a:schemeClr>
+            </a:lnRef>
+            <a:fillRef idx="1">
+              <a:schemeClr val="accent1"/>
+            </a:fillRef>
+            <a:effectRef idx="0">
+              <a:schemeClr val="accent1"/>
+            </a:effectRef>
+            <a:fontRef idx="minor">
+              <a:schemeClr val="lt1"/>
+            </a:fontRef>
+          </p:style>
+          <p:txBody>
+            <a:bodyPr rtlCol="0" anchor="ctr"/>
+            <a:lstStyle/>
+            <a:p>
+              <a:pPr algn="ctr"/>
+              <a:endParaRPr lang="ko-KR" altLang="en-US"/>
+            </a:p>
+          </p:txBody>
+        </p:sp>
+        <p:sp>
+          <p:nvSpPr>
+            <p:cNvPr id="123" name="타원 122">
+              <a:extLst>
+                <a:ext uri="{FF2B5EF4-FFF2-40B4-BE49-F238E27FC236}">
+                  <a16:creationId xmlns:a16="http://schemas.microsoft.com/office/drawing/2014/main" id="{4BEE3643-2738-4B75-9E30-0F935BF94614}"/>
+                </a:ext>
+              </a:extLst>
+            </p:cNvPr>
+            <p:cNvSpPr/>
+            <p:nvPr/>
+          </p:nvSpPr>
+          <p:spPr>
+            <a:xfrm>
+              <a:off x="28673125" y="1255986"/>
+              <a:ext cx="1261241" cy="1261241"/>
+            </a:xfrm>
+            <a:prstGeom prst="ellipse">
+              <a:avLst/>
+            </a:prstGeom>
+            <a:solidFill>
+              <a:schemeClr val="bg2">
+                <a:lumMod val="90000"/>
+              </a:schemeClr>
+            </a:solidFill>
+            <a:ln>
+              <a:noFill/>
+            </a:ln>
+          </p:spPr>
+          <p:style>
+            <a:lnRef idx="2">
+              <a:schemeClr val="accent1">
+                <a:shade val="50000"/>
+              </a:schemeClr>
+            </a:lnRef>
+            <a:fillRef idx="1">
+              <a:schemeClr val="accent1"/>
+            </a:fillRef>
+            <a:effectRef idx="0">
+              <a:schemeClr val="accent1"/>
+            </a:effectRef>
+            <a:fontRef idx="minor">
+              <a:schemeClr val="lt1"/>
+            </a:fontRef>
+          </p:style>
+          <p:txBody>
+            <a:bodyPr rtlCol="0" anchor="ctr"/>
+            <a:lstStyle/>
+            <a:p>
+              <a:pPr algn="ctr"/>
+              <a:endParaRPr lang="ko-KR" altLang="en-US"/>
+            </a:p>
+          </p:txBody>
+        </p:sp>
+        <p:sp>
+          <p:nvSpPr>
+            <p:cNvPr id="124" name="타원 123">
+              <a:extLst>
+                <a:ext uri="{FF2B5EF4-FFF2-40B4-BE49-F238E27FC236}">
+                  <a16:creationId xmlns:a16="http://schemas.microsoft.com/office/drawing/2014/main" id="{72C91660-52AC-4941-BD74-94E563C2DB0D}"/>
+                </a:ext>
+              </a:extLst>
+            </p:cNvPr>
+            <p:cNvSpPr/>
+            <p:nvPr/>
+          </p:nvSpPr>
+          <p:spPr>
+            <a:xfrm>
+              <a:off x="1976845" y="1255986"/>
+              <a:ext cx="1261241" cy="1261241"/>
+            </a:xfrm>
+            <a:prstGeom prst="ellipse">
+              <a:avLst/>
+            </a:prstGeom>
+            <a:solidFill>
+              <a:schemeClr val="bg2">
+                <a:lumMod val="90000"/>
+              </a:schemeClr>
+            </a:solidFill>
+            <a:ln>
+              <a:noFill/>
+            </a:ln>
+          </p:spPr>
+          <p:style>
+            <a:lnRef idx="2">
+              <a:schemeClr val="accent1">
+                <a:shade val="50000"/>
+              </a:schemeClr>
+            </a:lnRef>
+            <a:fillRef idx="1">
+              <a:schemeClr val="accent1"/>
+            </a:fillRef>
+            <a:effectRef idx="0">
+              <a:schemeClr val="accent1"/>
+            </a:effectRef>
+            <a:fontRef idx="minor">
+              <a:schemeClr val="lt1"/>
+            </a:fontRef>
+          </p:style>
+          <p:txBody>
+            <a:bodyPr rtlCol="0" anchor="ctr"/>
+            <a:lstStyle/>
+            <a:p>
+              <a:pPr algn="ctr"/>
+              <a:endParaRPr lang="ko-KR" altLang="en-US"/>
+            </a:p>
+          </p:txBody>
+        </p:sp>
+        <p:sp>
+          <p:nvSpPr>
+            <p:cNvPr id="125" name="타원 124">
+              <a:extLst>
+                <a:ext uri="{FF2B5EF4-FFF2-40B4-BE49-F238E27FC236}">
+                  <a16:creationId xmlns:a16="http://schemas.microsoft.com/office/drawing/2014/main" id="{C1E75C77-C6A9-4416-B726-6312A806137B}"/>
+                </a:ext>
+              </a:extLst>
+            </p:cNvPr>
+            <p:cNvSpPr/>
+            <p:nvPr/>
+          </p:nvSpPr>
+          <p:spPr>
+            <a:xfrm>
+              <a:off x="32010160" y="1255986"/>
+              <a:ext cx="1261241" cy="1261241"/>
+            </a:xfrm>
+            <a:prstGeom prst="ellipse">
+              <a:avLst/>
+            </a:prstGeom>
+            <a:solidFill>
+              <a:schemeClr val="bg2">
+                <a:lumMod val="90000"/>
+              </a:schemeClr>
+            </a:solidFill>
+            <a:ln>
+              <a:noFill/>
+            </a:ln>
+          </p:spPr>
+          <p:style>
+            <a:lnRef idx="2">
+              <a:schemeClr val="accent1">
+                <a:shade val="50000"/>
+              </a:schemeClr>
+            </a:lnRef>
+            <a:fillRef idx="1">
+              <a:schemeClr val="accent1"/>
+            </a:fillRef>
+            <a:effectRef idx="0">
+              <a:schemeClr val="accent1"/>
+            </a:effectRef>
+            <a:fontRef idx="minor">
+              <a:schemeClr val="lt1"/>
+            </a:fontRef>
+          </p:style>
+          <p:txBody>
+            <a:bodyPr rtlCol="0" anchor="ctr"/>
+            <a:lstStyle/>
+            <a:p>
+              <a:pPr algn="ctr"/>
+              <a:endParaRPr lang="ko-KR" altLang="en-US"/>
+            </a:p>
+          </p:txBody>
+        </p:sp>
+      </p:grpSp>
+      <p:grpSp>
+        <p:nvGrpSpPr>
+          <p:cNvPr id="126" name="그룹 125">
+            <a:extLst>
+              <a:ext uri="{FF2B5EF4-FFF2-40B4-BE49-F238E27FC236}">
+                <a16:creationId xmlns:a16="http://schemas.microsoft.com/office/drawing/2014/main" id="{80702146-7C2F-4219-B2B2-8A5BB1FE53B8}"/>
+              </a:ext>
+            </a:extLst>
+          </p:cNvPr>
+          <p:cNvGrpSpPr/>
+          <p:nvPr/>
+        </p:nvGrpSpPr>
+        <p:grpSpPr>
+          <a:xfrm>
+            <a:off x="2352591" y="26864448"/>
+            <a:ext cx="31294556" cy="1261242"/>
+            <a:chOff x="1976845" y="1255986"/>
+            <a:chExt cx="31294556" cy="1261242"/>
+          </a:xfrm>
+        </p:grpSpPr>
+        <p:sp>
+          <p:nvSpPr>
+            <p:cNvPr id="127" name="타원 126">
+              <a:extLst>
+                <a:ext uri="{FF2B5EF4-FFF2-40B4-BE49-F238E27FC236}">
+                  <a16:creationId xmlns:a16="http://schemas.microsoft.com/office/drawing/2014/main" id="{35625E94-F5F0-4435-882F-BA3ED2095576}"/>
+                </a:ext>
+              </a:extLst>
+            </p:cNvPr>
+            <p:cNvSpPr/>
+            <p:nvPr/>
+          </p:nvSpPr>
+          <p:spPr>
+            <a:xfrm>
+              <a:off x="5313880" y="1255987"/>
+              <a:ext cx="1261241" cy="1261241"/>
+            </a:xfrm>
+            <a:prstGeom prst="ellipse">
+              <a:avLst/>
+            </a:prstGeom>
+            <a:solidFill>
+              <a:schemeClr val="bg2">
+                <a:lumMod val="90000"/>
+              </a:schemeClr>
+            </a:solidFill>
+            <a:ln>
+              <a:noFill/>
+            </a:ln>
+          </p:spPr>
+          <p:style>
+            <a:lnRef idx="2">
+              <a:schemeClr val="accent1">
+                <a:shade val="50000"/>
+              </a:schemeClr>
+            </a:lnRef>
+            <a:fillRef idx="1">
+              <a:schemeClr val="accent1"/>
+            </a:fillRef>
+            <a:effectRef idx="0">
+              <a:schemeClr val="accent1"/>
+            </a:effectRef>
+            <a:fontRef idx="minor">
+              <a:schemeClr val="lt1"/>
+            </a:fontRef>
+          </p:style>
+          <p:txBody>
+            <a:bodyPr rtlCol="0" anchor="ctr"/>
+            <a:lstStyle/>
+            <a:p>
+              <a:pPr algn="ctr"/>
+              <a:endParaRPr lang="ko-KR" altLang="en-US"/>
+            </a:p>
+          </p:txBody>
+        </p:sp>
+        <p:sp>
+          <p:nvSpPr>
+            <p:cNvPr id="128" name="타원 127">
+              <a:extLst>
+                <a:ext uri="{FF2B5EF4-FFF2-40B4-BE49-F238E27FC236}">
+                  <a16:creationId xmlns:a16="http://schemas.microsoft.com/office/drawing/2014/main" id="{E83C0640-318C-414E-90BC-8CBB29CB2522}"/>
+                </a:ext>
+              </a:extLst>
+            </p:cNvPr>
+            <p:cNvSpPr/>
+            <p:nvPr/>
+          </p:nvSpPr>
+          <p:spPr>
+            <a:xfrm>
+              <a:off x="8650915" y="1255987"/>
+              <a:ext cx="1261241" cy="1261241"/>
+            </a:xfrm>
+            <a:prstGeom prst="ellipse">
+              <a:avLst/>
+            </a:prstGeom>
+            <a:solidFill>
+              <a:schemeClr val="bg2">
+                <a:lumMod val="90000"/>
+              </a:schemeClr>
+            </a:solidFill>
+            <a:ln>
+              <a:noFill/>
+            </a:ln>
+          </p:spPr>
+          <p:style>
+            <a:lnRef idx="2">
+              <a:schemeClr val="accent1">
+                <a:shade val="50000"/>
+              </a:schemeClr>
+            </a:lnRef>
+            <a:fillRef idx="1">
+              <a:schemeClr val="accent1"/>
+            </a:fillRef>
+            <a:effectRef idx="0">
+              <a:schemeClr val="accent1"/>
+            </a:effectRef>
+            <a:fontRef idx="minor">
+              <a:schemeClr val="lt1"/>
+            </a:fontRef>
+          </p:style>
+          <p:txBody>
+            <a:bodyPr rtlCol="0" anchor="ctr"/>
+            <a:lstStyle/>
+            <a:p>
+              <a:pPr algn="ctr"/>
+              <a:endParaRPr lang="ko-KR" altLang="en-US"/>
+            </a:p>
+          </p:txBody>
+        </p:sp>
+        <p:sp>
+          <p:nvSpPr>
+            <p:cNvPr id="129" name="타원 128">
+              <a:extLst>
+                <a:ext uri="{FF2B5EF4-FFF2-40B4-BE49-F238E27FC236}">
+                  <a16:creationId xmlns:a16="http://schemas.microsoft.com/office/drawing/2014/main" id="{B82824BA-21C0-47BA-B38C-ACD9A47CAD75}"/>
+                </a:ext>
+              </a:extLst>
+            </p:cNvPr>
+            <p:cNvSpPr/>
+            <p:nvPr/>
+          </p:nvSpPr>
+          <p:spPr>
+            <a:xfrm>
+              <a:off x="11987950" y="1255987"/>
+              <a:ext cx="1261241" cy="1261241"/>
+            </a:xfrm>
+            <a:prstGeom prst="ellipse">
+              <a:avLst/>
+            </a:prstGeom>
+            <a:solidFill>
+              <a:schemeClr val="bg2">
+                <a:lumMod val="90000"/>
+              </a:schemeClr>
+            </a:solidFill>
+            <a:ln>
+              <a:noFill/>
+            </a:ln>
+          </p:spPr>
+          <p:style>
+            <a:lnRef idx="2">
+              <a:schemeClr val="accent1">
+                <a:shade val="50000"/>
+              </a:schemeClr>
+            </a:lnRef>
+            <a:fillRef idx="1">
+              <a:schemeClr val="accent1"/>
+            </a:fillRef>
+            <a:effectRef idx="0">
+              <a:schemeClr val="accent1"/>
+            </a:effectRef>
+            <a:fontRef idx="minor">
+              <a:schemeClr val="lt1"/>
+            </a:fontRef>
+          </p:style>
+          <p:txBody>
+            <a:bodyPr rtlCol="0" anchor="ctr"/>
+            <a:lstStyle/>
+            <a:p>
+              <a:pPr algn="ctr"/>
+              <a:endParaRPr lang="ko-KR" altLang="en-US"/>
+            </a:p>
+          </p:txBody>
+        </p:sp>
+        <p:sp>
+          <p:nvSpPr>
+            <p:cNvPr id="130" name="타원 129">
+              <a:extLst>
+                <a:ext uri="{FF2B5EF4-FFF2-40B4-BE49-F238E27FC236}">
+                  <a16:creationId xmlns:a16="http://schemas.microsoft.com/office/drawing/2014/main" id="{F84B6D2F-91A2-4047-A54C-E7B06229CD10}"/>
+                </a:ext>
+              </a:extLst>
+            </p:cNvPr>
+            <p:cNvSpPr/>
+            <p:nvPr/>
+          </p:nvSpPr>
+          <p:spPr>
+            <a:xfrm>
+              <a:off x="15324985" y="1255986"/>
+              <a:ext cx="1261241" cy="1261241"/>
+            </a:xfrm>
+            <a:prstGeom prst="ellipse">
+              <a:avLst/>
+            </a:prstGeom>
+            <a:solidFill>
+              <a:schemeClr val="bg2">
+                <a:lumMod val="90000"/>
+              </a:schemeClr>
+            </a:solidFill>
+            <a:ln>
+              <a:noFill/>
+            </a:ln>
+          </p:spPr>
+          <p:style>
+            <a:lnRef idx="2">
+              <a:schemeClr val="accent1">
+                <a:shade val="50000"/>
+              </a:schemeClr>
+            </a:lnRef>
+            <a:fillRef idx="1">
+              <a:schemeClr val="accent1"/>
+            </a:fillRef>
+            <a:effectRef idx="0">
+              <a:schemeClr val="accent1"/>
+            </a:effectRef>
+            <a:fontRef idx="minor">
+              <a:schemeClr val="lt1"/>
+            </a:fontRef>
+          </p:style>
+          <p:txBody>
+            <a:bodyPr rtlCol="0" anchor="ctr"/>
+            <a:lstStyle/>
+            <a:p>
+              <a:pPr algn="ctr"/>
+              <a:endParaRPr lang="ko-KR" altLang="en-US"/>
+            </a:p>
+          </p:txBody>
+        </p:sp>
+        <p:sp>
+          <p:nvSpPr>
+            <p:cNvPr id="131" name="타원 130">
+              <a:extLst>
+                <a:ext uri="{FF2B5EF4-FFF2-40B4-BE49-F238E27FC236}">
+                  <a16:creationId xmlns:a16="http://schemas.microsoft.com/office/drawing/2014/main" id="{A15351A8-2F51-48E3-B6F2-D2589F88C1AC}"/>
+                </a:ext>
+              </a:extLst>
+            </p:cNvPr>
+            <p:cNvSpPr/>
+            <p:nvPr/>
+          </p:nvSpPr>
+          <p:spPr>
+            <a:xfrm>
+              <a:off x="18662020" y="1255986"/>
+              <a:ext cx="1261241" cy="1261241"/>
+            </a:xfrm>
+            <a:prstGeom prst="ellipse">
+              <a:avLst/>
+            </a:prstGeom>
+            <a:solidFill>
+              <a:schemeClr val="bg2">
+                <a:lumMod val="90000"/>
+              </a:schemeClr>
+            </a:solidFill>
+            <a:ln>
+              <a:noFill/>
+            </a:ln>
+          </p:spPr>
+          <p:style>
+            <a:lnRef idx="2">
+              <a:schemeClr val="accent1">
+                <a:shade val="50000"/>
+              </a:schemeClr>
+            </a:lnRef>
+            <a:fillRef idx="1">
+              <a:schemeClr val="accent1"/>
+            </a:fillRef>
+            <a:effectRef idx="0">
+              <a:schemeClr val="accent1"/>
+            </a:effectRef>
+            <a:fontRef idx="minor">
+              <a:schemeClr val="lt1"/>
+            </a:fontRef>
+          </p:style>
+          <p:txBody>
+            <a:bodyPr rtlCol="0" anchor="ctr"/>
+            <a:lstStyle/>
+            <a:p>
+              <a:pPr algn="ctr"/>
+              <a:endParaRPr lang="ko-KR" altLang="en-US"/>
+            </a:p>
+          </p:txBody>
+        </p:sp>
+        <p:sp>
+          <p:nvSpPr>
+            <p:cNvPr id="132" name="타원 131">
+              <a:extLst>
+                <a:ext uri="{FF2B5EF4-FFF2-40B4-BE49-F238E27FC236}">
+                  <a16:creationId xmlns:a16="http://schemas.microsoft.com/office/drawing/2014/main" id="{1C5D317F-9D27-4AFA-A497-47F18117FFB5}"/>
+                </a:ext>
+              </a:extLst>
+            </p:cNvPr>
+            <p:cNvSpPr/>
+            <p:nvPr/>
+          </p:nvSpPr>
+          <p:spPr>
+            <a:xfrm>
+              <a:off x="21999055" y="1255986"/>
+              <a:ext cx="1261241" cy="1261241"/>
+            </a:xfrm>
+            <a:prstGeom prst="ellipse">
+              <a:avLst/>
+            </a:prstGeom>
+            <a:solidFill>
+              <a:schemeClr val="bg2">
+                <a:lumMod val="90000"/>
+              </a:schemeClr>
+            </a:solidFill>
+            <a:ln>
+              <a:noFill/>
+            </a:ln>
+          </p:spPr>
+          <p:style>
+            <a:lnRef idx="2">
+              <a:schemeClr val="accent1">
+                <a:shade val="50000"/>
+              </a:schemeClr>
+            </a:lnRef>
+            <a:fillRef idx="1">
+              <a:schemeClr val="accent1"/>
+            </a:fillRef>
+            <a:effectRef idx="0">
+              <a:schemeClr val="accent1"/>
+            </a:effectRef>
+            <a:fontRef idx="minor">
+              <a:schemeClr val="lt1"/>
+            </a:fontRef>
+          </p:style>
+          <p:txBody>
+            <a:bodyPr rtlCol="0" anchor="ctr"/>
+            <a:lstStyle/>
+            <a:p>
+              <a:pPr algn="ctr"/>
+              <a:endParaRPr lang="ko-KR" altLang="en-US"/>
+            </a:p>
+          </p:txBody>
+        </p:sp>
+        <p:sp>
+          <p:nvSpPr>
+            <p:cNvPr id="133" name="타원 132">
+              <a:extLst>
+                <a:ext uri="{FF2B5EF4-FFF2-40B4-BE49-F238E27FC236}">
+                  <a16:creationId xmlns:a16="http://schemas.microsoft.com/office/drawing/2014/main" id="{4D2F6DE7-6892-49D5-915D-2BD1EC65CC71}"/>
+                </a:ext>
+              </a:extLst>
+            </p:cNvPr>
+            <p:cNvSpPr/>
+            <p:nvPr/>
+          </p:nvSpPr>
+          <p:spPr>
+            <a:xfrm>
+              <a:off x="25336090" y="1255986"/>
+              <a:ext cx="1261241" cy="1261241"/>
+            </a:xfrm>
+            <a:prstGeom prst="ellipse">
+              <a:avLst/>
+            </a:prstGeom>
+            <a:solidFill>
+              <a:schemeClr val="bg2">
+                <a:lumMod val="90000"/>
+              </a:schemeClr>
+            </a:solidFill>
+            <a:ln>
+              <a:noFill/>
+            </a:ln>
+          </p:spPr>
+          <p:style>
+            <a:lnRef idx="2">
+              <a:schemeClr val="accent1">
+                <a:shade val="50000"/>
+              </a:schemeClr>
+            </a:lnRef>
+            <a:fillRef idx="1">
+              <a:schemeClr val="accent1"/>
+            </a:fillRef>
+            <a:effectRef idx="0">
+              <a:schemeClr val="accent1"/>
+            </a:effectRef>
+            <a:fontRef idx="minor">
+              <a:schemeClr val="lt1"/>
+            </a:fontRef>
+          </p:style>
+          <p:txBody>
+            <a:bodyPr rtlCol="0" anchor="ctr"/>
+            <a:lstStyle/>
+            <a:p>
+              <a:pPr algn="ctr"/>
+              <a:endParaRPr lang="ko-KR" altLang="en-US"/>
+            </a:p>
+          </p:txBody>
+        </p:sp>
+        <p:sp>
+          <p:nvSpPr>
+            <p:cNvPr id="134" name="타원 133">
+              <a:extLst>
+                <a:ext uri="{FF2B5EF4-FFF2-40B4-BE49-F238E27FC236}">
+                  <a16:creationId xmlns:a16="http://schemas.microsoft.com/office/drawing/2014/main" id="{1D5F82B4-C442-42C2-B97E-89BDBEFC5EF7}"/>
+                </a:ext>
+              </a:extLst>
+            </p:cNvPr>
+            <p:cNvSpPr/>
+            <p:nvPr/>
+          </p:nvSpPr>
+          <p:spPr>
+            <a:xfrm>
+              <a:off x="28673125" y="1255986"/>
+              <a:ext cx="1261241" cy="1261241"/>
+            </a:xfrm>
+            <a:prstGeom prst="ellipse">
+              <a:avLst/>
+            </a:prstGeom>
+            <a:solidFill>
+              <a:schemeClr val="bg2">
+                <a:lumMod val="90000"/>
+              </a:schemeClr>
+            </a:solidFill>
+            <a:ln>
+              <a:noFill/>
+            </a:ln>
+          </p:spPr>
+          <p:style>
+            <a:lnRef idx="2">
+              <a:schemeClr val="accent1">
+                <a:shade val="50000"/>
+              </a:schemeClr>
+            </a:lnRef>
+            <a:fillRef idx="1">
+              <a:schemeClr val="accent1"/>
+            </a:fillRef>
+            <a:effectRef idx="0">
+              <a:schemeClr val="accent1"/>
+            </a:effectRef>
+            <a:fontRef idx="minor">
+              <a:schemeClr val="lt1"/>
+            </a:fontRef>
+          </p:style>
+          <p:txBody>
+            <a:bodyPr rtlCol="0" anchor="ctr"/>
+            <a:lstStyle/>
+            <a:p>
+              <a:pPr algn="ctr"/>
+              <a:endParaRPr lang="ko-KR" altLang="en-US"/>
+            </a:p>
+          </p:txBody>
+        </p:sp>
+        <p:sp>
+          <p:nvSpPr>
+            <p:cNvPr id="135" name="타원 134">
+              <a:extLst>
+                <a:ext uri="{FF2B5EF4-FFF2-40B4-BE49-F238E27FC236}">
+                  <a16:creationId xmlns:a16="http://schemas.microsoft.com/office/drawing/2014/main" id="{F70DFDB8-DF58-4D30-9C5E-ABAFD146BF7A}"/>
+                </a:ext>
+              </a:extLst>
+            </p:cNvPr>
+            <p:cNvSpPr/>
+            <p:nvPr/>
+          </p:nvSpPr>
+          <p:spPr>
+            <a:xfrm>
+              <a:off x="1976845" y="1255986"/>
+              <a:ext cx="1261241" cy="1261241"/>
+            </a:xfrm>
+            <a:prstGeom prst="ellipse">
+              <a:avLst/>
+            </a:prstGeom>
+            <a:solidFill>
+              <a:schemeClr val="bg2">
+                <a:lumMod val="90000"/>
+              </a:schemeClr>
+            </a:solidFill>
+            <a:ln>
+              <a:noFill/>
+            </a:ln>
+          </p:spPr>
+          <p:style>
+            <a:lnRef idx="2">
+              <a:schemeClr val="accent1">
+                <a:shade val="50000"/>
+              </a:schemeClr>
+            </a:lnRef>
+            <a:fillRef idx="1">
+              <a:schemeClr val="accent1"/>
+            </a:fillRef>
+            <a:effectRef idx="0">
+              <a:schemeClr val="accent1"/>
+            </a:effectRef>
+            <a:fontRef idx="minor">
+              <a:schemeClr val="lt1"/>
+            </a:fontRef>
+          </p:style>
+          <p:txBody>
+            <a:bodyPr rtlCol="0" anchor="ctr"/>
+            <a:lstStyle/>
+            <a:p>
+              <a:pPr algn="ctr"/>
+              <a:endParaRPr lang="ko-KR" altLang="en-US"/>
+            </a:p>
+          </p:txBody>
+        </p:sp>
+        <p:sp>
+          <p:nvSpPr>
+            <p:cNvPr id="136" name="타원 135">
+              <a:extLst>
+                <a:ext uri="{FF2B5EF4-FFF2-40B4-BE49-F238E27FC236}">
+                  <a16:creationId xmlns:a16="http://schemas.microsoft.com/office/drawing/2014/main" id="{370DAA5E-F20F-440B-8CE0-07967159CA86}"/>
+                </a:ext>
+              </a:extLst>
+            </p:cNvPr>
+            <p:cNvSpPr/>
+            <p:nvPr/>
+          </p:nvSpPr>
+          <p:spPr>
+            <a:xfrm>
+              <a:off x="32010160" y="1255986"/>
+              <a:ext cx="1261241" cy="1261241"/>
+            </a:xfrm>
+            <a:prstGeom prst="ellipse">
+              <a:avLst/>
+            </a:prstGeom>
+            <a:solidFill>
+              <a:schemeClr val="bg2">
+                <a:lumMod val="90000"/>
+              </a:schemeClr>
+            </a:solidFill>
+            <a:ln>
+              <a:noFill/>
+            </a:ln>
+          </p:spPr>
+          <p:style>
+            <a:lnRef idx="2">
+              <a:schemeClr val="accent1">
+                <a:shade val="50000"/>
+              </a:schemeClr>
+            </a:lnRef>
+            <a:fillRef idx="1">
+              <a:schemeClr val="accent1"/>
+            </a:fillRef>
+            <a:effectRef idx="0">
+              <a:schemeClr val="accent1"/>
+            </a:effectRef>
+            <a:fontRef idx="minor">
+              <a:schemeClr val="lt1"/>
+            </a:fontRef>
+          </p:style>
+          <p:txBody>
+            <a:bodyPr rtlCol="0" anchor="ctr"/>
+            <a:lstStyle/>
+            <a:p>
+              <a:pPr algn="ctr"/>
+              <a:endParaRPr lang="ko-KR" altLang="en-US"/>
+            </a:p>
+          </p:txBody>
+        </p:sp>
+      </p:grpSp>
+      <p:grpSp>
+        <p:nvGrpSpPr>
+          <p:cNvPr id="137" name="그룹 136">
+            <a:extLst>
+              <a:ext uri="{FF2B5EF4-FFF2-40B4-BE49-F238E27FC236}">
+                <a16:creationId xmlns:a16="http://schemas.microsoft.com/office/drawing/2014/main" id="{30789D40-17EF-4F60-8F28-346C1E1B945C}"/>
+              </a:ext>
+            </a:extLst>
+          </p:cNvPr>
+          <p:cNvGrpSpPr/>
+          <p:nvPr/>
+        </p:nvGrpSpPr>
+        <p:grpSpPr>
+          <a:xfrm>
+            <a:off x="2352591" y="29192490"/>
+            <a:ext cx="31294556" cy="1261242"/>
+            <a:chOff x="1976845" y="1255986"/>
+            <a:chExt cx="31294556" cy="1261242"/>
+          </a:xfrm>
+        </p:grpSpPr>
+        <p:sp>
+          <p:nvSpPr>
+            <p:cNvPr id="138" name="타원 137">
+              <a:extLst>
+                <a:ext uri="{FF2B5EF4-FFF2-40B4-BE49-F238E27FC236}">
+                  <a16:creationId xmlns:a16="http://schemas.microsoft.com/office/drawing/2014/main" id="{A685DB28-7907-45C5-97F1-2840347371D7}"/>
+                </a:ext>
+              </a:extLst>
+            </p:cNvPr>
+            <p:cNvSpPr/>
+            <p:nvPr/>
+          </p:nvSpPr>
+          <p:spPr>
+            <a:xfrm>
+              <a:off x="5313880" y="1255987"/>
+              <a:ext cx="1261241" cy="1261241"/>
+            </a:xfrm>
+            <a:prstGeom prst="ellipse">
+              <a:avLst/>
+            </a:prstGeom>
+            <a:solidFill>
+              <a:schemeClr val="bg2">
+                <a:lumMod val="90000"/>
+              </a:schemeClr>
+            </a:solidFill>
+            <a:ln>
+              <a:noFill/>
+            </a:ln>
+          </p:spPr>
+          <p:style>
+            <a:lnRef idx="2">
+              <a:schemeClr val="accent1">
+                <a:shade val="50000"/>
+              </a:schemeClr>
+            </a:lnRef>
+            <a:fillRef idx="1">
+              <a:schemeClr val="accent1"/>
+            </a:fillRef>
+            <a:effectRef idx="0">
+              <a:schemeClr val="accent1"/>
+            </a:effectRef>
+            <a:fontRef idx="minor">
+              <a:schemeClr val="lt1"/>
+            </a:fontRef>
+          </p:style>
+          <p:txBody>
+            <a:bodyPr rtlCol="0" anchor="ctr"/>
+            <a:lstStyle/>
+            <a:p>
+              <a:pPr algn="ctr"/>
+              <a:endParaRPr lang="ko-KR" altLang="en-US"/>
+            </a:p>
+          </p:txBody>
+        </p:sp>
+        <p:sp>
+          <p:nvSpPr>
+            <p:cNvPr id="139" name="타원 138">
+              <a:extLst>
+                <a:ext uri="{FF2B5EF4-FFF2-40B4-BE49-F238E27FC236}">
+                  <a16:creationId xmlns:a16="http://schemas.microsoft.com/office/drawing/2014/main" id="{AF6A04EF-98AC-4672-888F-9DCF67075510}"/>
+                </a:ext>
+              </a:extLst>
+            </p:cNvPr>
+            <p:cNvSpPr/>
+            <p:nvPr/>
+          </p:nvSpPr>
+          <p:spPr>
+            <a:xfrm>
+              <a:off x="8650915" y="1255987"/>
+              <a:ext cx="1261241" cy="1261241"/>
+            </a:xfrm>
+            <a:prstGeom prst="ellipse">
+              <a:avLst/>
+            </a:prstGeom>
+            <a:solidFill>
+              <a:schemeClr val="bg2">
+                <a:lumMod val="90000"/>
+              </a:schemeClr>
+            </a:solidFill>
+            <a:ln>
+              <a:noFill/>
+            </a:ln>
+          </p:spPr>
+          <p:style>
+            <a:lnRef idx="2">
+              <a:schemeClr val="accent1">
+                <a:shade val="50000"/>
+              </a:schemeClr>
+            </a:lnRef>
+            <a:fillRef idx="1">
+              <a:schemeClr val="accent1"/>
+            </a:fillRef>
+            <a:effectRef idx="0">
+              <a:schemeClr val="accent1"/>
+            </a:effectRef>
+            <a:fontRef idx="minor">
+              <a:schemeClr val="lt1"/>
+            </a:fontRef>
+          </p:style>
+          <p:txBody>
+            <a:bodyPr rtlCol="0" anchor="ctr"/>
+            <a:lstStyle/>
+            <a:p>
+              <a:pPr algn="ctr"/>
+              <a:endParaRPr lang="ko-KR" altLang="en-US"/>
+            </a:p>
+          </p:txBody>
+        </p:sp>
+        <p:sp>
+          <p:nvSpPr>
+            <p:cNvPr id="140" name="타원 139">
+              <a:extLst>
+                <a:ext uri="{FF2B5EF4-FFF2-40B4-BE49-F238E27FC236}">
+                  <a16:creationId xmlns:a16="http://schemas.microsoft.com/office/drawing/2014/main" id="{C31A3551-C3D5-4F22-A130-E724821F7D2B}"/>
+                </a:ext>
+              </a:extLst>
+            </p:cNvPr>
+            <p:cNvSpPr/>
+            <p:nvPr/>
+          </p:nvSpPr>
+          <p:spPr>
+            <a:xfrm>
+              <a:off x="11987950" y="1255987"/>
+              <a:ext cx="1261241" cy="1261241"/>
+            </a:xfrm>
+            <a:prstGeom prst="ellipse">
+              <a:avLst/>
+            </a:prstGeom>
+            <a:solidFill>
+              <a:schemeClr val="bg2">
+                <a:lumMod val="90000"/>
+              </a:schemeClr>
+            </a:solidFill>
+            <a:ln>
+              <a:noFill/>
+            </a:ln>
+          </p:spPr>
+          <p:style>
+            <a:lnRef idx="2">
+              <a:schemeClr val="accent1">
+                <a:shade val="50000"/>
+              </a:schemeClr>
+            </a:lnRef>
+            <a:fillRef idx="1">
+              <a:schemeClr val="accent1"/>
+            </a:fillRef>
+            <a:effectRef idx="0">
+              <a:schemeClr val="accent1"/>
+            </a:effectRef>
+            <a:fontRef idx="minor">
+              <a:schemeClr val="lt1"/>
+            </a:fontRef>
+          </p:style>
+          <p:txBody>
+            <a:bodyPr rtlCol="0" anchor="ctr"/>
+            <a:lstStyle/>
+            <a:p>
+              <a:pPr algn="ctr"/>
+              <a:endParaRPr lang="ko-KR" altLang="en-US"/>
+            </a:p>
+          </p:txBody>
+        </p:sp>
+        <p:sp>
+          <p:nvSpPr>
+            <p:cNvPr id="141" name="타원 140">
+              <a:extLst>
+                <a:ext uri="{FF2B5EF4-FFF2-40B4-BE49-F238E27FC236}">
+                  <a16:creationId xmlns:a16="http://schemas.microsoft.com/office/drawing/2014/main" id="{3A8E4161-58CB-4333-B520-1A7782B35DBB}"/>
+                </a:ext>
+              </a:extLst>
+            </p:cNvPr>
+            <p:cNvSpPr/>
+            <p:nvPr/>
+          </p:nvSpPr>
+          <p:spPr>
+            <a:xfrm>
+              <a:off x="15324985" y="1255986"/>
+              <a:ext cx="1261241" cy="1261241"/>
+            </a:xfrm>
+            <a:prstGeom prst="ellipse">
+              <a:avLst/>
+            </a:prstGeom>
+            <a:solidFill>
+              <a:schemeClr val="bg2">
+                <a:lumMod val="90000"/>
+              </a:schemeClr>
+            </a:solidFill>
+            <a:ln>
+              <a:noFill/>
+            </a:ln>
+          </p:spPr>
+          <p:style>
+            <a:lnRef idx="2">
+              <a:schemeClr val="accent1">
+                <a:shade val="50000"/>
+              </a:schemeClr>
+            </a:lnRef>
+            <a:fillRef idx="1">
+              <a:schemeClr val="accent1"/>
+            </a:fillRef>
+            <a:effectRef idx="0">
+              <a:schemeClr val="accent1"/>
+            </a:effectRef>
+            <a:fontRef idx="minor">
+              <a:schemeClr val="lt1"/>
+            </a:fontRef>
+          </p:style>
+          <p:txBody>
+            <a:bodyPr rtlCol="0" anchor="ctr"/>
+            <a:lstStyle/>
+            <a:p>
+              <a:pPr algn="ctr"/>
+              <a:endParaRPr lang="ko-KR" altLang="en-US"/>
+            </a:p>
+          </p:txBody>
+        </p:sp>
+        <p:sp>
+          <p:nvSpPr>
+            <p:cNvPr id="142" name="타원 141">
+              <a:extLst>
+                <a:ext uri="{FF2B5EF4-FFF2-40B4-BE49-F238E27FC236}">
+                  <a16:creationId xmlns:a16="http://schemas.microsoft.com/office/drawing/2014/main" id="{2D28AE72-F3DA-4213-B359-774B610A3783}"/>
+                </a:ext>
+              </a:extLst>
+            </p:cNvPr>
+            <p:cNvSpPr/>
+            <p:nvPr/>
+          </p:nvSpPr>
+          <p:spPr>
+            <a:xfrm>
+              <a:off x="18662020" y="1255986"/>
+              <a:ext cx="1261241" cy="1261241"/>
+            </a:xfrm>
+            <a:prstGeom prst="ellipse">
+              <a:avLst/>
+            </a:prstGeom>
+            <a:solidFill>
+              <a:schemeClr val="bg2">
+                <a:lumMod val="90000"/>
+              </a:schemeClr>
+            </a:solidFill>
+            <a:ln>
+              <a:noFill/>
+            </a:ln>
+          </p:spPr>
+          <p:style>
+            <a:lnRef idx="2">
+              <a:schemeClr val="accent1">
+                <a:shade val="50000"/>
+              </a:schemeClr>
+            </a:lnRef>
+            <a:fillRef idx="1">
+              <a:schemeClr val="accent1"/>
+            </a:fillRef>
+            <a:effectRef idx="0">
+              <a:schemeClr val="accent1"/>
+            </a:effectRef>
+            <a:fontRef idx="minor">
+              <a:schemeClr val="lt1"/>
+            </a:fontRef>
+          </p:style>
+          <p:txBody>
+            <a:bodyPr rtlCol="0" anchor="ctr"/>
+            <a:lstStyle/>
+            <a:p>
+              <a:pPr algn="ctr"/>
+              <a:endParaRPr lang="ko-KR" altLang="en-US"/>
+            </a:p>
+          </p:txBody>
+        </p:sp>
+        <p:sp>
+          <p:nvSpPr>
+            <p:cNvPr id="143" name="타원 142">
+              <a:extLst>
+                <a:ext uri="{FF2B5EF4-FFF2-40B4-BE49-F238E27FC236}">
+                  <a16:creationId xmlns:a16="http://schemas.microsoft.com/office/drawing/2014/main" id="{5B895980-C1D1-43BA-B3C8-E7B6863B11D5}"/>
+                </a:ext>
+              </a:extLst>
+            </p:cNvPr>
+            <p:cNvSpPr/>
+            <p:nvPr/>
+          </p:nvSpPr>
+          <p:spPr>
+            <a:xfrm>
+              <a:off x="21999055" y="1255986"/>
+              <a:ext cx="1261241" cy="1261241"/>
+            </a:xfrm>
+            <a:prstGeom prst="ellipse">
+              <a:avLst/>
+            </a:prstGeom>
+            <a:solidFill>
+              <a:schemeClr val="bg2">
+                <a:lumMod val="90000"/>
+              </a:schemeClr>
+            </a:solidFill>
+            <a:ln>
+              <a:noFill/>
+            </a:ln>
+          </p:spPr>
+          <p:style>
+            <a:lnRef idx="2">
+              <a:schemeClr val="accent1">
+                <a:shade val="50000"/>
+              </a:schemeClr>
+            </a:lnRef>
+            <a:fillRef idx="1">
+              <a:schemeClr val="accent1"/>
+            </a:fillRef>
+            <a:effectRef idx="0">
+              <a:schemeClr val="accent1"/>
+            </a:effectRef>
+            <a:fontRef idx="minor">
+              <a:schemeClr val="lt1"/>
+            </a:fontRef>
+          </p:style>
+          <p:txBody>
+            <a:bodyPr rtlCol="0" anchor="ctr"/>
+            <a:lstStyle/>
+            <a:p>
+              <a:pPr algn="ctr"/>
+              <a:endParaRPr lang="ko-KR" altLang="en-US"/>
+            </a:p>
+          </p:txBody>
+        </p:sp>
+        <p:sp>
+          <p:nvSpPr>
+            <p:cNvPr id="144" name="타원 143">
+              <a:extLst>
+                <a:ext uri="{FF2B5EF4-FFF2-40B4-BE49-F238E27FC236}">
+                  <a16:creationId xmlns:a16="http://schemas.microsoft.com/office/drawing/2014/main" id="{07380A2E-84E6-4B63-BA3A-61E693E7CFE4}"/>
+                </a:ext>
+              </a:extLst>
+            </p:cNvPr>
+            <p:cNvSpPr/>
+            <p:nvPr/>
+          </p:nvSpPr>
+          <p:spPr>
+            <a:xfrm>
+              <a:off x="25336090" y="1255986"/>
+              <a:ext cx="1261241" cy="1261241"/>
+            </a:xfrm>
+            <a:prstGeom prst="ellipse">
+              <a:avLst/>
+            </a:prstGeom>
+            <a:solidFill>
+              <a:schemeClr val="bg2">
+                <a:lumMod val="90000"/>
+              </a:schemeClr>
+            </a:solidFill>
+            <a:ln>
+              <a:noFill/>
+            </a:ln>
+          </p:spPr>
+          <p:style>
+            <a:lnRef idx="2">
+              <a:schemeClr val="accent1">
+                <a:shade val="50000"/>
+              </a:schemeClr>
+            </a:lnRef>
+            <a:fillRef idx="1">
+              <a:schemeClr val="accent1"/>
+            </a:fillRef>
+            <a:effectRef idx="0">
+              <a:schemeClr val="accent1"/>
+            </a:effectRef>
+            <a:fontRef idx="minor">
+              <a:schemeClr val="lt1"/>
+            </a:fontRef>
+          </p:style>
+          <p:txBody>
+            <a:bodyPr rtlCol="0" anchor="ctr"/>
+            <a:lstStyle/>
+            <a:p>
+              <a:pPr algn="ctr"/>
+              <a:endParaRPr lang="ko-KR" altLang="en-US"/>
+            </a:p>
+          </p:txBody>
+        </p:sp>
+        <p:sp>
+          <p:nvSpPr>
+            <p:cNvPr id="145" name="타원 144">
+              <a:extLst>
+                <a:ext uri="{FF2B5EF4-FFF2-40B4-BE49-F238E27FC236}">
+                  <a16:creationId xmlns:a16="http://schemas.microsoft.com/office/drawing/2014/main" id="{F40ECB75-9905-494F-88C1-DABCC2BB0CAD}"/>
+                </a:ext>
+              </a:extLst>
+            </p:cNvPr>
+            <p:cNvSpPr/>
+            <p:nvPr/>
+          </p:nvSpPr>
+          <p:spPr>
+            <a:xfrm>
+              <a:off x="28673125" y="1255986"/>
+              <a:ext cx="1261241" cy="1261241"/>
+            </a:xfrm>
+            <a:prstGeom prst="ellipse">
+              <a:avLst/>
+            </a:prstGeom>
+            <a:solidFill>
+              <a:schemeClr val="bg2">
+                <a:lumMod val="90000"/>
+              </a:schemeClr>
+            </a:solidFill>
+            <a:ln>
+              <a:noFill/>
+            </a:ln>
+          </p:spPr>
+          <p:style>
+            <a:lnRef idx="2">
+              <a:schemeClr val="accent1">
+                <a:shade val="50000"/>
+              </a:schemeClr>
+            </a:lnRef>
+            <a:fillRef idx="1">
+              <a:schemeClr val="accent1"/>
+            </a:fillRef>
+            <a:effectRef idx="0">
+              <a:schemeClr val="accent1"/>
+            </a:effectRef>
+            <a:fontRef idx="minor">
+              <a:schemeClr val="lt1"/>
+            </a:fontRef>
+          </p:style>
+          <p:txBody>
+            <a:bodyPr rtlCol="0" anchor="ctr"/>
+            <a:lstStyle/>
+            <a:p>
+              <a:pPr algn="ctr"/>
+              <a:endParaRPr lang="ko-KR" altLang="en-US"/>
+            </a:p>
+          </p:txBody>
+        </p:sp>
+        <p:sp>
+          <p:nvSpPr>
+            <p:cNvPr id="146" name="타원 145">
+              <a:extLst>
+                <a:ext uri="{FF2B5EF4-FFF2-40B4-BE49-F238E27FC236}">
+                  <a16:creationId xmlns:a16="http://schemas.microsoft.com/office/drawing/2014/main" id="{1F99D750-F658-4AD8-82DD-34F8CFFFEEEC}"/>
+                </a:ext>
+              </a:extLst>
+            </p:cNvPr>
+            <p:cNvSpPr/>
+            <p:nvPr/>
+          </p:nvSpPr>
+          <p:spPr>
+            <a:xfrm>
+              <a:off x="1976845" y="1255986"/>
+              <a:ext cx="1261241" cy="1261241"/>
+            </a:xfrm>
+            <a:prstGeom prst="ellipse">
+              <a:avLst/>
+            </a:prstGeom>
+            <a:solidFill>
+              <a:schemeClr val="bg2">
+                <a:lumMod val="90000"/>
+              </a:schemeClr>
+            </a:solidFill>
+            <a:ln>
+              <a:noFill/>
+            </a:ln>
+          </p:spPr>
+          <p:style>
+            <a:lnRef idx="2">
+              <a:schemeClr val="accent1">
+                <a:shade val="50000"/>
+              </a:schemeClr>
+            </a:lnRef>
+            <a:fillRef idx="1">
+              <a:schemeClr val="accent1"/>
+            </a:fillRef>
+            <a:effectRef idx="0">
+              <a:schemeClr val="accent1"/>
+            </a:effectRef>
+            <a:fontRef idx="minor">
+              <a:schemeClr val="lt1"/>
+            </a:fontRef>
+          </p:style>
+          <p:txBody>
+            <a:bodyPr rtlCol="0" anchor="ctr"/>
+            <a:lstStyle/>
+            <a:p>
+              <a:pPr algn="ctr"/>
+              <a:endParaRPr lang="ko-KR" altLang="en-US"/>
+            </a:p>
+          </p:txBody>
+        </p:sp>
+        <p:sp>
+          <p:nvSpPr>
+            <p:cNvPr id="147" name="타원 146">
+              <a:extLst>
+                <a:ext uri="{FF2B5EF4-FFF2-40B4-BE49-F238E27FC236}">
+                  <a16:creationId xmlns:a16="http://schemas.microsoft.com/office/drawing/2014/main" id="{643E1024-8AAC-4834-8089-DEFDD9FBA446}"/>
+                </a:ext>
+              </a:extLst>
+            </p:cNvPr>
+            <p:cNvSpPr/>
+            <p:nvPr/>
+          </p:nvSpPr>
+          <p:spPr>
+            <a:xfrm>
+              <a:off x="32010160" y="1255986"/>
+              <a:ext cx="1261241" cy="1261241"/>
+            </a:xfrm>
+            <a:prstGeom prst="ellipse">
+              <a:avLst/>
+            </a:prstGeom>
+            <a:solidFill>
+              <a:schemeClr val="bg2">
+                <a:lumMod val="90000"/>
+              </a:schemeClr>
+            </a:solidFill>
+            <a:ln>
+              <a:noFill/>
+            </a:ln>
+          </p:spPr>
+          <p:style>
+            <a:lnRef idx="2">
+              <a:schemeClr val="accent1">
+                <a:shade val="50000"/>
+              </a:schemeClr>
+            </a:lnRef>
+            <a:fillRef idx="1">
+              <a:schemeClr val="accent1"/>
+            </a:fillRef>
+            <a:effectRef idx="0">
+              <a:schemeClr val="accent1"/>
+            </a:effectRef>
+            <a:fontRef idx="minor">
+              <a:schemeClr val="lt1"/>
+            </a:fontRef>
+          </p:style>
+          <p:txBody>
+            <a:bodyPr rtlCol="0" anchor="ctr"/>
+            <a:lstStyle/>
+            <a:p>
+              <a:pPr algn="ctr"/>
+              <a:endParaRPr lang="ko-KR" altLang="en-US"/>
+            </a:p>
+          </p:txBody>
+        </p:sp>
+      </p:grpSp>
+      <p:grpSp>
+        <p:nvGrpSpPr>
+          <p:cNvPr id="148" name="그룹 147">
+            <a:extLst>
+              <a:ext uri="{FF2B5EF4-FFF2-40B4-BE49-F238E27FC236}">
+                <a16:creationId xmlns:a16="http://schemas.microsoft.com/office/drawing/2014/main" id="{83A378F8-686B-4D33-9160-53400E221589}"/>
+              </a:ext>
+            </a:extLst>
+          </p:cNvPr>
+          <p:cNvGrpSpPr/>
+          <p:nvPr/>
+        </p:nvGrpSpPr>
+        <p:grpSpPr>
+          <a:xfrm>
+            <a:off x="2352591" y="31520532"/>
+            <a:ext cx="31294556" cy="1261242"/>
+            <a:chOff x="1976845" y="1255986"/>
+            <a:chExt cx="31294556" cy="1261242"/>
+          </a:xfrm>
+        </p:grpSpPr>
+        <p:sp>
+          <p:nvSpPr>
+            <p:cNvPr id="149" name="타원 148">
+              <a:extLst>
+                <a:ext uri="{FF2B5EF4-FFF2-40B4-BE49-F238E27FC236}">
+                  <a16:creationId xmlns:a16="http://schemas.microsoft.com/office/drawing/2014/main" id="{0E7021E0-9135-4DAC-B3D9-06B6F1CB1835}"/>
+                </a:ext>
+              </a:extLst>
+            </p:cNvPr>
+            <p:cNvSpPr/>
+            <p:nvPr/>
+          </p:nvSpPr>
+          <p:spPr>
+            <a:xfrm>
+              <a:off x="5313880" y="1255987"/>
+              <a:ext cx="1261241" cy="1261241"/>
+            </a:xfrm>
+            <a:prstGeom prst="ellipse">
+              <a:avLst/>
+            </a:prstGeom>
+            <a:solidFill>
+              <a:schemeClr val="bg2">
+                <a:lumMod val="90000"/>
+              </a:schemeClr>
+            </a:solidFill>
+            <a:ln>
+              <a:noFill/>
+            </a:ln>
+          </p:spPr>
+          <p:style>
+            <a:lnRef idx="2">
+              <a:schemeClr val="accent1">
+                <a:shade val="50000"/>
+              </a:schemeClr>
+            </a:lnRef>
+            <a:fillRef idx="1">
+              <a:schemeClr val="accent1"/>
+            </a:fillRef>
+            <a:effectRef idx="0">
+              <a:schemeClr val="accent1"/>
+            </a:effectRef>
+            <a:fontRef idx="minor">
+              <a:schemeClr val="lt1"/>
+            </a:fontRef>
+          </p:style>
+          <p:txBody>
+            <a:bodyPr rtlCol="0" anchor="ctr"/>
+            <a:lstStyle/>
+            <a:p>
+              <a:pPr algn="ctr"/>
+              <a:endParaRPr lang="ko-KR" altLang="en-US"/>
+            </a:p>
+          </p:txBody>
+        </p:sp>
+        <p:sp>
+          <p:nvSpPr>
+            <p:cNvPr id="150" name="타원 149">
+              <a:extLst>
+                <a:ext uri="{FF2B5EF4-FFF2-40B4-BE49-F238E27FC236}">
+                  <a16:creationId xmlns:a16="http://schemas.microsoft.com/office/drawing/2014/main" id="{96B54DEE-CE0E-4482-B5B5-1E99BDA43DA0}"/>
+                </a:ext>
+              </a:extLst>
+            </p:cNvPr>
+            <p:cNvSpPr/>
+            <p:nvPr/>
+          </p:nvSpPr>
+          <p:spPr>
+            <a:xfrm>
+              <a:off x="8650915" y="1255987"/>
+              <a:ext cx="1261241" cy="1261241"/>
+            </a:xfrm>
+            <a:prstGeom prst="ellipse">
+              <a:avLst/>
+            </a:prstGeom>
+            <a:solidFill>
+              <a:schemeClr val="bg2">
+                <a:lumMod val="90000"/>
+              </a:schemeClr>
+            </a:solidFill>
+            <a:ln>
+              <a:noFill/>
+            </a:ln>
+          </p:spPr>
+          <p:style>
+            <a:lnRef idx="2">
+              <a:schemeClr val="accent1">
+                <a:shade val="50000"/>
+              </a:schemeClr>
+            </a:lnRef>
+            <a:fillRef idx="1">
+              <a:schemeClr val="accent1"/>
+            </a:fillRef>
+            <a:effectRef idx="0">
+              <a:schemeClr val="accent1"/>
+            </a:effectRef>
+            <a:fontRef idx="minor">
+              <a:schemeClr val="lt1"/>
+            </a:fontRef>
+          </p:style>
+          <p:txBody>
+            <a:bodyPr rtlCol="0" anchor="ctr"/>
+            <a:lstStyle/>
+            <a:p>
+              <a:pPr algn="ctr"/>
+              <a:endParaRPr lang="ko-KR" altLang="en-US"/>
+            </a:p>
+          </p:txBody>
+        </p:sp>
+        <p:sp>
+          <p:nvSpPr>
+            <p:cNvPr id="151" name="타원 150">
+              <a:extLst>
+                <a:ext uri="{FF2B5EF4-FFF2-40B4-BE49-F238E27FC236}">
+                  <a16:creationId xmlns:a16="http://schemas.microsoft.com/office/drawing/2014/main" id="{BF2080A7-BFF9-405B-AE0A-E160A4CB3EAB}"/>
+                </a:ext>
+              </a:extLst>
+            </p:cNvPr>
+            <p:cNvSpPr/>
+            <p:nvPr/>
+          </p:nvSpPr>
+          <p:spPr>
+            <a:xfrm>
+              <a:off x="11987950" y="1255987"/>
+              <a:ext cx="1261241" cy="1261241"/>
+            </a:xfrm>
+            <a:prstGeom prst="ellipse">
+              <a:avLst/>
+            </a:prstGeom>
+            <a:solidFill>
+              <a:schemeClr val="bg2">
+                <a:lumMod val="90000"/>
+              </a:schemeClr>
+            </a:solidFill>
+            <a:ln>
+              <a:noFill/>
+            </a:ln>
+          </p:spPr>
+          <p:style>
+            <a:lnRef idx="2">
+              <a:schemeClr val="accent1">
+                <a:shade val="50000"/>
+              </a:schemeClr>
+            </a:lnRef>
+            <a:fillRef idx="1">
+              <a:schemeClr val="accent1"/>
+            </a:fillRef>
+            <a:effectRef idx="0">
+              <a:schemeClr val="accent1"/>
+            </a:effectRef>
+            <a:fontRef idx="minor">
+              <a:schemeClr val="lt1"/>
+            </a:fontRef>
+          </p:style>
+          <p:txBody>
+            <a:bodyPr rtlCol="0" anchor="ctr"/>
+            <a:lstStyle/>
+            <a:p>
+              <a:pPr algn="ctr"/>
+              <a:endParaRPr lang="ko-KR" altLang="en-US"/>
+            </a:p>
+          </p:txBody>
+        </p:sp>
+        <p:sp>
+          <p:nvSpPr>
+            <p:cNvPr id="152" name="타원 151">
+              <a:extLst>
+                <a:ext uri="{FF2B5EF4-FFF2-40B4-BE49-F238E27FC236}">
+                  <a16:creationId xmlns:a16="http://schemas.microsoft.com/office/drawing/2014/main" id="{CF2AC2CE-3D9E-4892-8D23-1B62A1421332}"/>
+                </a:ext>
+              </a:extLst>
+            </p:cNvPr>
+            <p:cNvSpPr/>
+            <p:nvPr/>
+          </p:nvSpPr>
+          <p:spPr>
+            <a:xfrm>
+              <a:off x="15324985" y="1255986"/>
+              <a:ext cx="1261241" cy="1261241"/>
+            </a:xfrm>
+            <a:prstGeom prst="ellipse">
+              <a:avLst/>
+            </a:prstGeom>
+            <a:solidFill>
+              <a:schemeClr val="bg2">
+                <a:lumMod val="90000"/>
+              </a:schemeClr>
+            </a:solidFill>
+            <a:ln>
+              <a:noFill/>
+            </a:ln>
+          </p:spPr>
+          <p:style>
+            <a:lnRef idx="2">
+              <a:schemeClr val="accent1">
+                <a:shade val="50000"/>
+              </a:schemeClr>
+            </a:lnRef>
+            <a:fillRef idx="1">
+              <a:schemeClr val="accent1"/>
+            </a:fillRef>
+            <a:effectRef idx="0">
+              <a:schemeClr val="accent1"/>
+            </a:effectRef>
+            <a:fontRef idx="minor">
+              <a:schemeClr val="lt1"/>
+            </a:fontRef>
+          </p:style>
+          <p:txBody>
+            <a:bodyPr rtlCol="0" anchor="ctr"/>
+            <a:lstStyle/>
+            <a:p>
+              <a:pPr algn="ctr"/>
+              <a:endParaRPr lang="ko-KR" altLang="en-US"/>
+            </a:p>
+          </p:txBody>
+        </p:sp>
+        <p:sp>
+          <p:nvSpPr>
+            <p:cNvPr id="153" name="타원 152">
+              <a:extLst>
+                <a:ext uri="{FF2B5EF4-FFF2-40B4-BE49-F238E27FC236}">
+                  <a16:creationId xmlns:a16="http://schemas.microsoft.com/office/drawing/2014/main" id="{993C57E2-31E9-4EAB-B42F-305042578B00}"/>
+                </a:ext>
+              </a:extLst>
+            </p:cNvPr>
+            <p:cNvSpPr/>
+            <p:nvPr/>
+          </p:nvSpPr>
+          <p:spPr>
+            <a:xfrm>
+              <a:off x="18662020" y="1255986"/>
+              <a:ext cx="1261241" cy="1261241"/>
+            </a:xfrm>
+            <a:prstGeom prst="ellipse">
+              <a:avLst/>
+            </a:prstGeom>
+            <a:solidFill>
+              <a:schemeClr val="bg2">
+                <a:lumMod val="90000"/>
+              </a:schemeClr>
+            </a:solidFill>
+            <a:ln>
+              <a:noFill/>
+            </a:ln>
+          </p:spPr>
+          <p:style>
+            <a:lnRef idx="2">
+              <a:schemeClr val="accent1">
+                <a:shade val="50000"/>
+              </a:schemeClr>
+            </a:lnRef>
+            <a:fillRef idx="1">
+              <a:schemeClr val="accent1"/>
+            </a:fillRef>
+            <a:effectRef idx="0">
+              <a:schemeClr val="accent1"/>
+            </a:effectRef>
+            <a:fontRef idx="minor">
+              <a:schemeClr val="lt1"/>
+            </a:fontRef>
+          </p:style>
+          <p:txBody>
+            <a:bodyPr rtlCol="0" anchor="ctr"/>
+            <a:lstStyle/>
+            <a:p>
+              <a:pPr algn="ctr"/>
+              <a:endParaRPr lang="ko-KR" altLang="en-US"/>
+            </a:p>
+          </p:txBody>
+        </p:sp>
+        <p:sp>
+          <p:nvSpPr>
+            <p:cNvPr id="154" name="타원 153">
+              <a:extLst>
+                <a:ext uri="{FF2B5EF4-FFF2-40B4-BE49-F238E27FC236}">
+                  <a16:creationId xmlns:a16="http://schemas.microsoft.com/office/drawing/2014/main" id="{B2841A05-F697-4C23-94A4-A9CB03F91FE9}"/>
+                </a:ext>
+              </a:extLst>
+            </p:cNvPr>
+            <p:cNvSpPr/>
+            <p:nvPr/>
+          </p:nvSpPr>
+          <p:spPr>
+            <a:xfrm>
+              <a:off x="21999055" y="1255986"/>
+              <a:ext cx="1261241" cy="1261241"/>
+            </a:xfrm>
+            <a:prstGeom prst="ellipse">
+              <a:avLst/>
+            </a:prstGeom>
+            <a:solidFill>
+              <a:schemeClr val="bg2">
+                <a:lumMod val="90000"/>
+              </a:schemeClr>
+            </a:solidFill>
+            <a:ln>
+              <a:noFill/>
+            </a:ln>
+          </p:spPr>
+          <p:style>
+            <a:lnRef idx="2">
+              <a:schemeClr val="accent1">
+                <a:shade val="50000"/>
+              </a:schemeClr>
+            </a:lnRef>
+            <a:fillRef idx="1">
+              <a:schemeClr val="accent1"/>
+            </a:fillRef>
+            <a:effectRef idx="0">
+              <a:schemeClr val="accent1"/>
+            </a:effectRef>
+            <a:fontRef idx="minor">
+              <a:schemeClr val="lt1"/>
+            </a:fontRef>
+          </p:style>
+          <p:txBody>
+            <a:bodyPr rtlCol="0" anchor="ctr"/>
+            <a:lstStyle/>
+            <a:p>
+              <a:pPr algn="ctr"/>
+              <a:endParaRPr lang="ko-KR" altLang="en-US"/>
+            </a:p>
+          </p:txBody>
+        </p:sp>
+        <p:sp>
+          <p:nvSpPr>
+            <p:cNvPr id="155" name="타원 154">
+              <a:extLst>
+                <a:ext uri="{FF2B5EF4-FFF2-40B4-BE49-F238E27FC236}">
+                  <a16:creationId xmlns:a16="http://schemas.microsoft.com/office/drawing/2014/main" id="{78E90221-6960-4D6D-847D-683D9C90DDEC}"/>
+                </a:ext>
+              </a:extLst>
+            </p:cNvPr>
+            <p:cNvSpPr/>
+            <p:nvPr/>
+          </p:nvSpPr>
+          <p:spPr>
+            <a:xfrm>
+              <a:off x="25336090" y="1255986"/>
+              <a:ext cx="1261241" cy="1261241"/>
+            </a:xfrm>
+            <a:prstGeom prst="ellipse">
+              <a:avLst/>
+            </a:prstGeom>
+            <a:solidFill>
+              <a:schemeClr val="bg2">
+                <a:lumMod val="90000"/>
+              </a:schemeClr>
+            </a:solidFill>
+            <a:ln>
+              <a:noFill/>
+            </a:ln>
+          </p:spPr>
+          <p:style>
+            <a:lnRef idx="2">
+              <a:schemeClr val="accent1">
+                <a:shade val="50000"/>
+              </a:schemeClr>
+            </a:lnRef>
+            <a:fillRef idx="1">
+              <a:schemeClr val="accent1"/>
+            </a:fillRef>
+            <a:effectRef idx="0">
+              <a:schemeClr val="accent1"/>
+            </a:effectRef>
+            <a:fontRef idx="minor">
+              <a:schemeClr val="lt1"/>
+            </a:fontRef>
+          </p:style>
+          <p:txBody>
+            <a:bodyPr rtlCol="0" anchor="ctr"/>
+            <a:lstStyle/>
+            <a:p>
+              <a:pPr algn="ctr"/>
+              <a:endParaRPr lang="ko-KR" altLang="en-US"/>
+            </a:p>
+          </p:txBody>
+        </p:sp>
+        <p:sp>
+          <p:nvSpPr>
+            <p:cNvPr id="156" name="타원 155">
+              <a:extLst>
+                <a:ext uri="{FF2B5EF4-FFF2-40B4-BE49-F238E27FC236}">
+                  <a16:creationId xmlns:a16="http://schemas.microsoft.com/office/drawing/2014/main" id="{09DFE80C-B853-4EE9-882C-0B709BD594B0}"/>
+                </a:ext>
+              </a:extLst>
+            </p:cNvPr>
+            <p:cNvSpPr/>
+            <p:nvPr/>
+          </p:nvSpPr>
+          <p:spPr>
+            <a:xfrm>
+              <a:off x="28673125" y="1255986"/>
+              <a:ext cx="1261241" cy="1261241"/>
+            </a:xfrm>
+            <a:prstGeom prst="ellipse">
+              <a:avLst/>
+            </a:prstGeom>
+            <a:solidFill>
+              <a:schemeClr val="bg2">
+                <a:lumMod val="90000"/>
+              </a:schemeClr>
+            </a:solidFill>
+            <a:ln>
+              <a:noFill/>
+            </a:ln>
+          </p:spPr>
+          <p:style>
+            <a:lnRef idx="2">
+              <a:schemeClr val="accent1">
+                <a:shade val="50000"/>
+              </a:schemeClr>
+            </a:lnRef>
+            <a:fillRef idx="1">
+              <a:schemeClr val="accent1"/>
+            </a:fillRef>
+            <a:effectRef idx="0">
+              <a:schemeClr val="accent1"/>
+            </a:effectRef>
+            <a:fontRef idx="minor">
+              <a:schemeClr val="lt1"/>
+            </a:fontRef>
+          </p:style>
+          <p:txBody>
+            <a:bodyPr rtlCol="0" anchor="ctr"/>
+            <a:lstStyle/>
+            <a:p>
+              <a:pPr algn="ctr"/>
+              <a:endParaRPr lang="ko-KR" altLang="en-US"/>
+            </a:p>
+          </p:txBody>
+        </p:sp>
+        <p:sp>
+          <p:nvSpPr>
+            <p:cNvPr id="157" name="타원 156">
+              <a:extLst>
+                <a:ext uri="{FF2B5EF4-FFF2-40B4-BE49-F238E27FC236}">
+                  <a16:creationId xmlns:a16="http://schemas.microsoft.com/office/drawing/2014/main" id="{DE103139-37A7-46EE-A95E-FEB2279E5136}"/>
+                </a:ext>
+              </a:extLst>
+            </p:cNvPr>
+            <p:cNvSpPr/>
+            <p:nvPr/>
+          </p:nvSpPr>
+          <p:spPr>
+            <a:xfrm>
+              <a:off x="1976845" y="1255986"/>
+              <a:ext cx="1261241" cy="1261241"/>
+            </a:xfrm>
+            <a:prstGeom prst="ellipse">
+              <a:avLst/>
+            </a:prstGeom>
+            <a:solidFill>
+              <a:schemeClr val="bg2">
+                <a:lumMod val="90000"/>
+              </a:schemeClr>
+            </a:solidFill>
+            <a:ln>
+              <a:noFill/>
+            </a:ln>
+          </p:spPr>
+          <p:style>
+            <a:lnRef idx="2">
+              <a:schemeClr val="accent1">
+                <a:shade val="50000"/>
+              </a:schemeClr>
+            </a:lnRef>
+            <a:fillRef idx="1">
+              <a:schemeClr val="accent1"/>
+            </a:fillRef>
+            <a:effectRef idx="0">
+              <a:schemeClr val="accent1"/>
+            </a:effectRef>
+            <a:fontRef idx="minor">
+              <a:schemeClr val="lt1"/>
+            </a:fontRef>
+          </p:style>
+          <p:txBody>
+            <a:bodyPr rtlCol="0" anchor="ctr"/>
+            <a:lstStyle/>
+            <a:p>
+              <a:pPr algn="ctr"/>
+              <a:endParaRPr lang="ko-KR" altLang="en-US"/>
+            </a:p>
+          </p:txBody>
+        </p:sp>
+        <p:sp>
+          <p:nvSpPr>
+            <p:cNvPr id="158" name="타원 157">
+              <a:extLst>
+                <a:ext uri="{FF2B5EF4-FFF2-40B4-BE49-F238E27FC236}">
+                  <a16:creationId xmlns:a16="http://schemas.microsoft.com/office/drawing/2014/main" id="{8C7DC1EE-54CC-4EC9-9963-CA06746D7731}"/>
+                </a:ext>
+              </a:extLst>
+            </p:cNvPr>
+            <p:cNvSpPr/>
+            <p:nvPr/>
+          </p:nvSpPr>
+          <p:spPr>
+            <a:xfrm>
+              <a:off x="32010160" y="1255986"/>
+              <a:ext cx="1261241" cy="1261241"/>
+            </a:xfrm>
+            <a:prstGeom prst="ellipse">
+              <a:avLst/>
+            </a:prstGeom>
+            <a:solidFill>
+              <a:schemeClr val="bg2">
+                <a:lumMod val="90000"/>
+              </a:schemeClr>
+            </a:solidFill>
+            <a:ln>
+              <a:noFill/>
+            </a:ln>
+          </p:spPr>
+          <p:style>
+            <a:lnRef idx="2">
+              <a:schemeClr val="accent1">
+                <a:shade val="50000"/>
+              </a:schemeClr>
+            </a:lnRef>
+            <a:fillRef idx="1">
+              <a:schemeClr val="accent1"/>
+            </a:fillRef>
+            <a:effectRef idx="0">
+              <a:schemeClr val="accent1"/>
+            </a:effectRef>
+            <a:fontRef idx="minor">
+              <a:schemeClr val="lt1"/>
+            </a:fontRef>
+          </p:style>
+          <p:txBody>
+            <a:bodyPr rtlCol="0" anchor="ctr"/>
+            <a:lstStyle/>
+            <a:p>
+              <a:pPr algn="ctr"/>
+              <a:endParaRPr lang="ko-KR" altLang="en-US"/>
+            </a:p>
+          </p:txBody>
+        </p:sp>
+      </p:grpSp>
+      <p:grpSp>
+        <p:nvGrpSpPr>
+          <p:cNvPr id="159" name="그룹 158">
+            <a:extLst>
+              <a:ext uri="{FF2B5EF4-FFF2-40B4-BE49-F238E27FC236}">
+                <a16:creationId xmlns:a16="http://schemas.microsoft.com/office/drawing/2014/main" id="{B12BD2F9-0268-4DEF-B934-985084954868}"/>
+              </a:ext>
+            </a:extLst>
+          </p:cNvPr>
+          <p:cNvGrpSpPr/>
+          <p:nvPr/>
+        </p:nvGrpSpPr>
+        <p:grpSpPr>
+          <a:xfrm>
+            <a:off x="2352591" y="33848574"/>
+            <a:ext cx="31294556" cy="1261242"/>
+            <a:chOff x="1976845" y="1255986"/>
+            <a:chExt cx="31294556" cy="1261242"/>
+          </a:xfrm>
+        </p:grpSpPr>
+        <p:sp>
+          <p:nvSpPr>
+            <p:cNvPr id="160" name="타원 159">
+              <a:extLst>
+                <a:ext uri="{FF2B5EF4-FFF2-40B4-BE49-F238E27FC236}">
+                  <a16:creationId xmlns:a16="http://schemas.microsoft.com/office/drawing/2014/main" id="{254BB6D5-6A49-4248-AB6D-7B44CEB15D9F}"/>
+                </a:ext>
+              </a:extLst>
+            </p:cNvPr>
+            <p:cNvSpPr/>
+            <p:nvPr/>
+          </p:nvSpPr>
+          <p:spPr>
+            <a:xfrm>
+              <a:off x="5313880" y="1255987"/>
+              <a:ext cx="1261241" cy="1261241"/>
+            </a:xfrm>
+            <a:prstGeom prst="ellipse">
+              <a:avLst/>
+            </a:prstGeom>
+            <a:solidFill>
+              <a:schemeClr val="bg2">
+                <a:lumMod val="90000"/>
+              </a:schemeClr>
+            </a:solidFill>
+            <a:ln>
+              <a:noFill/>
+            </a:ln>
+          </p:spPr>
+          <p:style>
+            <a:lnRef idx="2">
+              <a:schemeClr val="accent1">
+                <a:shade val="50000"/>
+              </a:schemeClr>
+            </a:lnRef>
+            <a:fillRef idx="1">
+              <a:schemeClr val="accent1"/>
+            </a:fillRef>
+            <a:effectRef idx="0">
+              <a:schemeClr val="accent1"/>
+            </a:effectRef>
+            <a:fontRef idx="minor">
+              <a:schemeClr val="lt1"/>
+            </a:fontRef>
+          </p:style>
+          <p:txBody>
+            <a:bodyPr rtlCol="0" anchor="ctr"/>
+            <a:lstStyle/>
+            <a:p>
+              <a:pPr algn="ctr"/>
+              <a:endParaRPr lang="ko-KR" altLang="en-US"/>
+            </a:p>
+          </p:txBody>
+        </p:sp>
+        <p:sp>
+          <p:nvSpPr>
+            <p:cNvPr id="161" name="타원 160">
+              <a:extLst>
+                <a:ext uri="{FF2B5EF4-FFF2-40B4-BE49-F238E27FC236}">
+                  <a16:creationId xmlns:a16="http://schemas.microsoft.com/office/drawing/2014/main" id="{0660BA38-7604-4FB7-A73A-6F33E9A6B3B4}"/>
+                </a:ext>
+              </a:extLst>
+            </p:cNvPr>
+            <p:cNvSpPr/>
+            <p:nvPr/>
+          </p:nvSpPr>
+          <p:spPr>
+            <a:xfrm>
+              <a:off x="8650915" y="1255987"/>
+              <a:ext cx="1261241" cy="1261241"/>
+            </a:xfrm>
+            <a:prstGeom prst="ellipse">
+              <a:avLst/>
+            </a:prstGeom>
+            <a:solidFill>
+              <a:schemeClr val="bg2">
+                <a:lumMod val="90000"/>
+              </a:schemeClr>
+            </a:solidFill>
+            <a:ln>
+              <a:noFill/>
+            </a:ln>
+          </p:spPr>
+          <p:style>
+            <a:lnRef idx="2">
+              <a:schemeClr val="accent1">
+                <a:shade val="50000"/>
+              </a:schemeClr>
+            </a:lnRef>
+            <a:fillRef idx="1">
+              <a:schemeClr val="accent1"/>
+            </a:fillRef>
+            <a:effectRef idx="0">
+              <a:schemeClr val="accent1"/>
+            </a:effectRef>
+            <a:fontRef idx="minor">
+              <a:schemeClr val="lt1"/>
+            </a:fontRef>
+          </p:style>
+          <p:txBody>
+            <a:bodyPr rtlCol="0" anchor="ctr"/>
+            <a:lstStyle/>
+            <a:p>
+              <a:pPr algn="ctr"/>
+              <a:endParaRPr lang="ko-KR" altLang="en-US"/>
+            </a:p>
+          </p:txBody>
+        </p:sp>
+        <p:sp>
+          <p:nvSpPr>
+            <p:cNvPr id="162" name="타원 161">
+              <a:extLst>
+                <a:ext uri="{FF2B5EF4-FFF2-40B4-BE49-F238E27FC236}">
+                  <a16:creationId xmlns:a16="http://schemas.microsoft.com/office/drawing/2014/main" id="{6B299618-8202-43DF-BF87-C115A91D945D}"/>
+                </a:ext>
+              </a:extLst>
+            </p:cNvPr>
+            <p:cNvSpPr/>
+            <p:nvPr/>
+          </p:nvSpPr>
+          <p:spPr>
+            <a:xfrm>
+              <a:off x="11987950" y="1255987"/>
+              <a:ext cx="1261241" cy="1261241"/>
+            </a:xfrm>
+            <a:prstGeom prst="ellipse">
+              <a:avLst/>
+            </a:prstGeom>
+            <a:solidFill>
+              <a:schemeClr val="bg2">
+                <a:lumMod val="90000"/>
+              </a:schemeClr>
+            </a:solidFill>
+            <a:ln>
+              <a:noFill/>
+            </a:ln>
+          </p:spPr>
+          <p:style>
+            <a:lnRef idx="2">
+              <a:schemeClr val="accent1">
+                <a:shade val="50000"/>
+              </a:schemeClr>
+            </a:lnRef>
+            <a:fillRef idx="1">
+              <a:schemeClr val="accent1"/>
+            </a:fillRef>
+            <a:effectRef idx="0">
+              <a:schemeClr val="accent1"/>
+            </a:effectRef>
+            <a:fontRef idx="minor">
+              <a:schemeClr val="lt1"/>
+            </a:fontRef>
+          </p:style>
+          <p:txBody>
+            <a:bodyPr rtlCol="0" anchor="ctr"/>
+            <a:lstStyle/>
+            <a:p>
+              <a:pPr algn="ctr"/>
+              <a:endParaRPr lang="ko-KR" altLang="en-US"/>
+            </a:p>
+          </p:txBody>
+        </p:sp>
+        <p:sp>
+          <p:nvSpPr>
+            <p:cNvPr id="163" name="타원 162">
+              <a:extLst>
+                <a:ext uri="{FF2B5EF4-FFF2-40B4-BE49-F238E27FC236}">
+                  <a16:creationId xmlns:a16="http://schemas.microsoft.com/office/drawing/2014/main" id="{26404765-ECF8-4D7F-8671-908CD4CC440A}"/>
+                </a:ext>
+              </a:extLst>
+            </p:cNvPr>
+            <p:cNvSpPr/>
+            <p:nvPr/>
+          </p:nvSpPr>
+          <p:spPr>
+            <a:xfrm>
+              <a:off x="15324985" y="1255986"/>
+              <a:ext cx="1261241" cy="1261241"/>
+            </a:xfrm>
+            <a:prstGeom prst="ellipse">
+              <a:avLst/>
+            </a:prstGeom>
+            <a:solidFill>
+              <a:schemeClr val="bg2">
+                <a:lumMod val="90000"/>
+              </a:schemeClr>
+            </a:solidFill>
+            <a:ln>
+              <a:noFill/>
+            </a:ln>
+          </p:spPr>
+          <p:style>
+            <a:lnRef idx="2">
+              <a:schemeClr val="accent1">
+                <a:shade val="50000"/>
+              </a:schemeClr>
+            </a:lnRef>
+            <a:fillRef idx="1">
+              <a:schemeClr val="accent1"/>
+            </a:fillRef>
+            <a:effectRef idx="0">
+              <a:schemeClr val="accent1"/>
+            </a:effectRef>
+            <a:fontRef idx="minor">
+              <a:schemeClr val="lt1"/>
+            </a:fontRef>
+          </p:style>
+          <p:txBody>
+            <a:bodyPr rtlCol="0" anchor="ctr"/>
+            <a:lstStyle/>
+            <a:p>
+              <a:pPr algn="ctr"/>
+              <a:endParaRPr lang="ko-KR" altLang="en-US"/>
+            </a:p>
+          </p:txBody>
+        </p:sp>
+        <p:sp>
+          <p:nvSpPr>
+            <p:cNvPr id="164" name="타원 163">
+              <a:extLst>
+                <a:ext uri="{FF2B5EF4-FFF2-40B4-BE49-F238E27FC236}">
+                  <a16:creationId xmlns:a16="http://schemas.microsoft.com/office/drawing/2014/main" id="{B614003E-D97E-47AE-88A2-DD0B2A6D4F4A}"/>
+                </a:ext>
+              </a:extLst>
+            </p:cNvPr>
+            <p:cNvSpPr/>
+            <p:nvPr/>
+          </p:nvSpPr>
+          <p:spPr>
+            <a:xfrm>
+              <a:off x="18662020" y="1255986"/>
+              <a:ext cx="1261241" cy="1261241"/>
+            </a:xfrm>
+            <a:prstGeom prst="ellipse">
+              <a:avLst/>
+            </a:prstGeom>
+            <a:solidFill>
+              <a:schemeClr val="bg2">
+                <a:lumMod val="90000"/>
+              </a:schemeClr>
+            </a:solidFill>
+            <a:ln>
+              <a:noFill/>
+            </a:ln>
+          </p:spPr>
+          <p:style>
+            <a:lnRef idx="2">
+              <a:schemeClr val="accent1">
+                <a:shade val="50000"/>
+              </a:schemeClr>
+            </a:lnRef>
+            <a:fillRef idx="1">
+              <a:schemeClr val="accent1"/>
+            </a:fillRef>
+            <a:effectRef idx="0">
+              <a:schemeClr val="accent1"/>
+            </a:effectRef>
+            <a:fontRef idx="minor">
+              <a:schemeClr val="lt1"/>
+            </a:fontRef>
+          </p:style>
+          <p:txBody>
+            <a:bodyPr rtlCol="0" anchor="ctr"/>
+            <a:lstStyle/>
+            <a:p>
+              <a:pPr algn="ctr"/>
+              <a:endParaRPr lang="ko-KR" altLang="en-US"/>
+            </a:p>
+          </p:txBody>
+        </p:sp>
+        <p:sp>
+          <p:nvSpPr>
+            <p:cNvPr id="165" name="타원 164">
+              <a:extLst>
+                <a:ext uri="{FF2B5EF4-FFF2-40B4-BE49-F238E27FC236}">
+                  <a16:creationId xmlns:a16="http://schemas.microsoft.com/office/drawing/2014/main" id="{EEDBFA12-8515-493A-B916-FD86148BE775}"/>
+                </a:ext>
+              </a:extLst>
+            </p:cNvPr>
+            <p:cNvSpPr/>
+            <p:nvPr/>
+          </p:nvSpPr>
+          <p:spPr>
+            <a:xfrm>
+              <a:off x="21999055" y="1255986"/>
+              <a:ext cx="1261241" cy="1261241"/>
+            </a:xfrm>
+            <a:prstGeom prst="ellipse">
+              <a:avLst/>
+            </a:prstGeom>
+            <a:solidFill>
+              <a:schemeClr val="bg2">
+                <a:lumMod val="90000"/>
+              </a:schemeClr>
+            </a:solidFill>
+            <a:ln>
+              <a:noFill/>
+            </a:ln>
+          </p:spPr>
+          <p:style>
+            <a:lnRef idx="2">
+              <a:schemeClr val="accent1">
+                <a:shade val="50000"/>
+              </a:schemeClr>
+            </a:lnRef>
+            <a:fillRef idx="1">
+              <a:schemeClr val="accent1"/>
+            </a:fillRef>
+            <a:effectRef idx="0">
+              <a:schemeClr val="accent1"/>
+            </a:effectRef>
+            <a:fontRef idx="minor">
+              <a:schemeClr val="lt1"/>
+            </a:fontRef>
+          </p:style>
+          <p:txBody>
+            <a:bodyPr rtlCol="0" anchor="ctr"/>
+            <a:lstStyle/>
+            <a:p>
+              <a:pPr algn="ctr"/>
+              <a:endParaRPr lang="ko-KR" altLang="en-US"/>
+            </a:p>
+          </p:txBody>
+        </p:sp>
+        <p:sp>
+          <p:nvSpPr>
+            <p:cNvPr id="166" name="타원 165">
+              <a:extLst>
+                <a:ext uri="{FF2B5EF4-FFF2-40B4-BE49-F238E27FC236}">
+                  <a16:creationId xmlns:a16="http://schemas.microsoft.com/office/drawing/2014/main" id="{8E41FB1B-A4D0-4127-ADAA-DCFC02628657}"/>
+                </a:ext>
+              </a:extLst>
+            </p:cNvPr>
+            <p:cNvSpPr/>
+            <p:nvPr/>
+          </p:nvSpPr>
+          <p:spPr>
+            <a:xfrm>
+              <a:off x="25336090" y="1255986"/>
+              <a:ext cx="1261241" cy="1261241"/>
+            </a:xfrm>
+            <a:prstGeom prst="ellipse">
+              <a:avLst/>
+            </a:prstGeom>
+            <a:solidFill>
+              <a:schemeClr val="bg2">
+                <a:lumMod val="90000"/>
+              </a:schemeClr>
+            </a:solidFill>
+            <a:ln>
+              <a:noFill/>
+            </a:ln>
+          </p:spPr>
+          <p:style>
+            <a:lnRef idx="2">
+              <a:schemeClr val="accent1">
+                <a:shade val="50000"/>
+              </a:schemeClr>
+            </a:lnRef>
+            <a:fillRef idx="1">
+              <a:schemeClr val="accent1"/>
+            </a:fillRef>
+            <a:effectRef idx="0">
+              <a:schemeClr val="accent1"/>
+            </a:effectRef>
+            <a:fontRef idx="minor">
+              <a:schemeClr val="lt1"/>
+            </a:fontRef>
+          </p:style>
+          <p:txBody>
+            <a:bodyPr rtlCol="0" anchor="ctr"/>
+            <a:lstStyle/>
+            <a:p>
+              <a:pPr algn="ctr"/>
+              <a:endParaRPr lang="ko-KR" altLang="en-US"/>
+            </a:p>
+          </p:txBody>
+        </p:sp>
+        <p:sp>
+          <p:nvSpPr>
+            <p:cNvPr id="167" name="타원 166">
+              <a:extLst>
+                <a:ext uri="{FF2B5EF4-FFF2-40B4-BE49-F238E27FC236}">
+                  <a16:creationId xmlns:a16="http://schemas.microsoft.com/office/drawing/2014/main" id="{7056FEA2-4F24-4822-B936-03D50A5E1DD0}"/>
+                </a:ext>
+              </a:extLst>
+            </p:cNvPr>
+            <p:cNvSpPr/>
+            <p:nvPr/>
+          </p:nvSpPr>
+          <p:spPr>
+            <a:xfrm>
+              <a:off x="28673125" y="1255986"/>
+              <a:ext cx="1261241" cy="1261241"/>
+            </a:xfrm>
+            <a:prstGeom prst="ellipse">
+              <a:avLst/>
+            </a:prstGeom>
+            <a:solidFill>
+              <a:schemeClr val="bg2">
+                <a:lumMod val="90000"/>
+              </a:schemeClr>
+            </a:solidFill>
+            <a:ln>
+              <a:noFill/>
+            </a:ln>
+          </p:spPr>
+          <p:style>
+            <a:lnRef idx="2">
+              <a:schemeClr val="accent1">
+                <a:shade val="50000"/>
+              </a:schemeClr>
+            </a:lnRef>
+            <a:fillRef idx="1">
+              <a:schemeClr val="accent1"/>
+            </a:fillRef>
+            <a:effectRef idx="0">
+              <a:schemeClr val="accent1"/>
+            </a:effectRef>
+            <a:fontRef idx="minor">
+              <a:schemeClr val="lt1"/>
+            </a:fontRef>
+          </p:style>
+          <p:txBody>
+            <a:bodyPr rtlCol="0" anchor="ctr"/>
+            <a:lstStyle/>
+            <a:p>
+              <a:pPr algn="ctr"/>
+              <a:endParaRPr lang="ko-KR" altLang="en-US"/>
+            </a:p>
+          </p:txBody>
+        </p:sp>
+        <p:sp>
+          <p:nvSpPr>
+            <p:cNvPr id="168" name="타원 167">
+              <a:extLst>
+                <a:ext uri="{FF2B5EF4-FFF2-40B4-BE49-F238E27FC236}">
+                  <a16:creationId xmlns:a16="http://schemas.microsoft.com/office/drawing/2014/main" id="{D1C07261-2C9E-4F89-A6A2-EA91F38E1CC5}"/>
+                </a:ext>
+              </a:extLst>
+            </p:cNvPr>
+            <p:cNvSpPr/>
+            <p:nvPr/>
+          </p:nvSpPr>
+          <p:spPr>
+            <a:xfrm>
+              <a:off x="1976845" y="1255986"/>
+              <a:ext cx="1261241" cy="1261241"/>
+            </a:xfrm>
+            <a:prstGeom prst="ellipse">
+              <a:avLst/>
+            </a:prstGeom>
+            <a:solidFill>
+              <a:schemeClr val="bg2">
+                <a:lumMod val="90000"/>
+              </a:schemeClr>
+            </a:solidFill>
+            <a:ln>
+              <a:noFill/>
+            </a:ln>
+          </p:spPr>
+          <p:style>
+            <a:lnRef idx="2">
+              <a:schemeClr val="accent1">
+                <a:shade val="50000"/>
+              </a:schemeClr>
+            </a:lnRef>
+            <a:fillRef idx="1">
+              <a:schemeClr val="accent1"/>
+            </a:fillRef>
+            <a:effectRef idx="0">
+              <a:schemeClr val="accent1"/>
+            </a:effectRef>
+            <a:fontRef idx="minor">
+              <a:schemeClr val="lt1"/>
+            </a:fontRef>
+          </p:style>
+          <p:txBody>
+            <a:bodyPr rtlCol="0" anchor="ctr"/>
+            <a:lstStyle/>
+            <a:p>
+              <a:pPr algn="ctr"/>
+              <a:endParaRPr lang="ko-KR" altLang="en-US"/>
+            </a:p>
+          </p:txBody>
+        </p:sp>
+        <p:sp>
+          <p:nvSpPr>
+            <p:cNvPr id="169" name="타원 168">
+              <a:extLst>
+                <a:ext uri="{FF2B5EF4-FFF2-40B4-BE49-F238E27FC236}">
+                  <a16:creationId xmlns:a16="http://schemas.microsoft.com/office/drawing/2014/main" id="{787123A6-0276-4BD8-8C4F-91FC1E335CCB}"/>
+                </a:ext>
+              </a:extLst>
+            </p:cNvPr>
+            <p:cNvSpPr/>
+            <p:nvPr/>
+          </p:nvSpPr>
+          <p:spPr>
+            <a:xfrm>
+              <a:off x="32010160" y="1255986"/>
+              <a:ext cx="1261241" cy="1261241"/>
+            </a:xfrm>
+            <a:prstGeom prst="ellipse">
+              <a:avLst/>
+            </a:prstGeom>
+            <a:solidFill>
+              <a:schemeClr val="bg2">
+                <a:lumMod val="90000"/>
+              </a:schemeClr>
+            </a:solidFill>
+            <a:ln>
+              <a:noFill/>
+            </a:ln>
+          </p:spPr>
+          <p:style>
+            <a:lnRef idx="2">
+              <a:schemeClr val="accent1">
+                <a:shade val="50000"/>
+              </a:schemeClr>
+            </a:lnRef>
+            <a:fillRef idx="1">
+              <a:schemeClr val="accent1"/>
+            </a:fillRef>
+            <a:effectRef idx="0">
+              <a:schemeClr val="accent1"/>
+            </a:effectRef>
+            <a:fontRef idx="minor">
+              <a:schemeClr val="lt1"/>
+            </a:fontRef>
+          </p:style>
+          <p:txBody>
+            <a:bodyPr rtlCol="0" anchor="ctr"/>
+            <a:lstStyle/>
+            <a:p>
+              <a:pPr algn="ctr"/>
+              <a:endParaRPr lang="ko-KR" altLang="en-US"/>
+            </a:p>
+          </p:txBody>
+        </p:sp>
+      </p:grpSp>
+    </p:spTree>
+    <p:extLst>
+      <p:ext uri="{BB962C8B-B14F-4D97-AF65-F5344CB8AC3E}">
+        <p14:creationId xmlns:p14="http://schemas.microsoft.com/office/powerpoint/2010/main" val="3572171968"/>
+      </p:ext>
+    </p:extLst>
+  </p:cSld>
+  <p:clrMapOvr>
+    <a:masterClrMapping/>
+  </p:clrMapOvr>
+</p:sld>
+</file>
+
 <file path=ppt/theme/theme1.xml><?xml version="1.0" encoding="utf-8"?>
 <a:theme xmlns:a="http://schemas.openxmlformats.org/drawingml/2006/main" name="Office 테마">
   <a:themeElements>

--- a/ImageViewer/TEST Image.pptx
+++ b/ImageViewer/TEST Image.pptx
@@ -7,6 +7,7 @@
   <p:sldIdLst>
     <p:sldId id="256" r:id="rId2"/>
     <p:sldId id="257" r:id="rId3"/>
+    <p:sldId id="258" r:id="rId4"/>
   </p:sldIdLst>
   <p:sldSz cx="35999738" cy="35999738"/>
   <p:notesSz cx="6858000" cy="9144000"/>
@@ -244,7 +245,7 @@
           <a:p>
             <a:fld id="{BFE3A203-13AA-4A1C-9B74-0602821F7FF5}" type="datetimeFigureOut">
               <a:rPr lang="ko-KR" altLang="en-US" smtClean="0"/>
-              <a:t>2024-03-22</a:t>
+              <a:t>2024-03-27</a:t>
             </a:fld>
             <a:endParaRPr lang="ko-KR" altLang="en-US"/>
           </a:p>
@@ -414,7 +415,7 @@
           <a:p>
             <a:fld id="{BFE3A203-13AA-4A1C-9B74-0602821F7FF5}" type="datetimeFigureOut">
               <a:rPr lang="ko-KR" altLang="en-US" smtClean="0"/>
-              <a:t>2024-03-22</a:t>
+              <a:t>2024-03-27</a:t>
             </a:fld>
             <a:endParaRPr lang="ko-KR" altLang="en-US"/>
           </a:p>
@@ -594,7 +595,7 @@
           <a:p>
             <a:fld id="{BFE3A203-13AA-4A1C-9B74-0602821F7FF5}" type="datetimeFigureOut">
               <a:rPr lang="ko-KR" altLang="en-US" smtClean="0"/>
-              <a:t>2024-03-22</a:t>
+              <a:t>2024-03-27</a:t>
             </a:fld>
             <a:endParaRPr lang="ko-KR" altLang="en-US"/>
           </a:p>
@@ -764,7 +765,7 @@
           <a:p>
             <a:fld id="{BFE3A203-13AA-4A1C-9B74-0602821F7FF5}" type="datetimeFigureOut">
               <a:rPr lang="ko-KR" altLang="en-US" smtClean="0"/>
-              <a:t>2024-03-22</a:t>
+              <a:t>2024-03-27</a:t>
             </a:fld>
             <a:endParaRPr lang="ko-KR" altLang="en-US"/>
           </a:p>
@@ -1008,7 +1009,7 @@
           <a:p>
             <a:fld id="{BFE3A203-13AA-4A1C-9B74-0602821F7FF5}" type="datetimeFigureOut">
               <a:rPr lang="ko-KR" altLang="en-US" smtClean="0"/>
-              <a:t>2024-03-22</a:t>
+              <a:t>2024-03-27</a:t>
             </a:fld>
             <a:endParaRPr lang="ko-KR" altLang="en-US"/>
           </a:p>
@@ -1240,7 +1241,7 @@
           <a:p>
             <a:fld id="{BFE3A203-13AA-4A1C-9B74-0602821F7FF5}" type="datetimeFigureOut">
               <a:rPr lang="ko-KR" altLang="en-US" smtClean="0"/>
-              <a:t>2024-03-22</a:t>
+              <a:t>2024-03-27</a:t>
             </a:fld>
             <a:endParaRPr lang="ko-KR" altLang="en-US"/>
           </a:p>
@@ -1607,7 +1608,7 @@
           <a:p>
             <a:fld id="{BFE3A203-13AA-4A1C-9B74-0602821F7FF5}" type="datetimeFigureOut">
               <a:rPr lang="ko-KR" altLang="en-US" smtClean="0"/>
-              <a:t>2024-03-22</a:t>
+              <a:t>2024-03-27</a:t>
             </a:fld>
             <a:endParaRPr lang="ko-KR" altLang="en-US"/>
           </a:p>
@@ -1725,7 +1726,7 @@
           <a:p>
             <a:fld id="{BFE3A203-13AA-4A1C-9B74-0602821F7FF5}" type="datetimeFigureOut">
               <a:rPr lang="ko-KR" altLang="en-US" smtClean="0"/>
-              <a:t>2024-03-22</a:t>
+              <a:t>2024-03-27</a:t>
             </a:fld>
             <a:endParaRPr lang="ko-KR" altLang="en-US"/>
           </a:p>
@@ -1820,7 +1821,7 @@
           <a:p>
             <a:fld id="{BFE3A203-13AA-4A1C-9B74-0602821F7FF5}" type="datetimeFigureOut">
               <a:rPr lang="ko-KR" altLang="en-US" smtClean="0"/>
-              <a:t>2024-03-22</a:t>
+              <a:t>2024-03-27</a:t>
             </a:fld>
             <a:endParaRPr lang="ko-KR" altLang="en-US"/>
           </a:p>
@@ -2097,7 +2098,7 @@
           <a:p>
             <a:fld id="{BFE3A203-13AA-4A1C-9B74-0602821F7FF5}" type="datetimeFigureOut">
               <a:rPr lang="ko-KR" altLang="en-US" smtClean="0"/>
-              <a:t>2024-03-22</a:t>
+              <a:t>2024-03-27</a:t>
             </a:fld>
             <a:endParaRPr lang="ko-KR" altLang="en-US"/>
           </a:p>
@@ -2354,7 +2355,7 @@
           <a:p>
             <a:fld id="{BFE3A203-13AA-4A1C-9B74-0602821F7FF5}" type="datetimeFigureOut">
               <a:rPr lang="ko-KR" altLang="en-US" smtClean="0"/>
-              <a:t>2024-03-22</a:t>
+              <a:t>2024-03-27</a:t>
             </a:fld>
             <a:endParaRPr lang="ko-KR" altLang="en-US"/>
           </a:p>
@@ -2567,7 +2568,7 @@
           <a:p>
             <a:fld id="{BFE3A203-13AA-4A1C-9B74-0602821F7FF5}" type="datetimeFigureOut">
               <a:rPr lang="ko-KR" altLang="en-US" smtClean="0"/>
-              <a:t>2024-03-22</a:t>
+              <a:t>2024-03-27</a:t>
             </a:fld>
             <a:endParaRPr lang="ko-KR" altLang="en-US"/>
           </a:p>
@@ -19886,6 +19887,8378 @@
 </p:sld>
 </file>
 
+<file path=ppt/slides/slide3.xml><?xml version="1.0" encoding="utf-8"?>
+<p:sld xmlns:a="http://schemas.openxmlformats.org/drawingml/2006/main" xmlns:r="http://schemas.openxmlformats.org/officeDocument/2006/relationships" xmlns:p="http://schemas.openxmlformats.org/presentationml/2006/main">
+  <p:cSld>
+    <p:bg>
+      <p:bgPr>
+        <a:solidFill>
+          <a:schemeClr val="tx1">
+            <a:lumMod val="50000"/>
+            <a:lumOff val="50000"/>
+          </a:schemeClr>
+        </a:solidFill>
+        <a:effectLst/>
+      </p:bgPr>
+    </p:bg>
+    <p:spTree>
+      <p:nvGrpSpPr>
+        <p:cNvPr id="1" name=""/>
+        <p:cNvGrpSpPr/>
+        <p:nvPr/>
+      </p:nvGrpSpPr>
+      <p:grpSpPr>
+        <a:xfrm>
+          <a:off x="0" y="0"/>
+          <a:ext cx="0" cy="0"/>
+          <a:chOff x="0" y="0"/>
+          <a:chExt cx="0" cy="0"/>
+        </a:xfrm>
+      </p:grpSpPr>
+      <p:grpSp>
+        <p:nvGrpSpPr>
+          <p:cNvPr id="15" name="그룹 14">
+            <a:extLst>
+              <a:ext uri="{FF2B5EF4-FFF2-40B4-BE49-F238E27FC236}">
+                <a16:creationId xmlns:a16="http://schemas.microsoft.com/office/drawing/2014/main" id="{D6ECDA44-00B8-48A9-8994-E0EE01B71326}"/>
+              </a:ext>
+            </a:extLst>
+          </p:cNvPr>
+          <p:cNvGrpSpPr/>
+          <p:nvPr/>
+        </p:nvGrpSpPr>
+        <p:grpSpPr>
+          <a:xfrm>
+            <a:off x="2352591" y="1255986"/>
+            <a:ext cx="31294556" cy="1261242"/>
+            <a:chOff x="1976845" y="1255986"/>
+            <a:chExt cx="31294556" cy="1261242"/>
+          </a:xfrm>
+        </p:grpSpPr>
+        <p:sp>
+          <p:nvSpPr>
+            <p:cNvPr id="5" name="타원 4">
+              <a:extLst>
+                <a:ext uri="{FF2B5EF4-FFF2-40B4-BE49-F238E27FC236}">
+                  <a16:creationId xmlns:a16="http://schemas.microsoft.com/office/drawing/2014/main" id="{FF7BCC44-A5FA-436E-8413-90C5D524F397}"/>
+                </a:ext>
+              </a:extLst>
+            </p:cNvPr>
+            <p:cNvSpPr/>
+            <p:nvPr/>
+          </p:nvSpPr>
+          <p:spPr>
+            <a:xfrm>
+              <a:off x="5313880" y="1255987"/>
+              <a:ext cx="1261241" cy="1261241"/>
+            </a:xfrm>
+            <a:prstGeom prst="ellipse">
+              <a:avLst/>
+            </a:prstGeom>
+            <a:solidFill>
+              <a:schemeClr val="bg2">
+                <a:lumMod val="90000"/>
+              </a:schemeClr>
+            </a:solidFill>
+            <a:ln>
+              <a:noFill/>
+            </a:ln>
+          </p:spPr>
+          <p:style>
+            <a:lnRef idx="2">
+              <a:schemeClr val="accent1">
+                <a:shade val="50000"/>
+              </a:schemeClr>
+            </a:lnRef>
+            <a:fillRef idx="1">
+              <a:schemeClr val="accent1"/>
+            </a:fillRef>
+            <a:effectRef idx="0">
+              <a:schemeClr val="accent1"/>
+            </a:effectRef>
+            <a:fontRef idx="minor">
+              <a:schemeClr val="lt1"/>
+            </a:fontRef>
+          </p:style>
+          <p:txBody>
+            <a:bodyPr rtlCol="0" anchor="ctr"/>
+            <a:lstStyle/>
+            <a:p>
+              <a:pPr algn="ctr"/>
+              <a:endParaRPr lang="ko-KR" altLang="en-US"/>
+            </a:p>
+          </p:txBody>
+        </p:sp>
+        <p:sp>
+          <p:nvSpPr>
+            <p:cNvPr id="6" name="타원 5">
+              <a:extLst>
+                <a:ext uri="{FF2B5EF4-FFF2-40B4-BE49-F238E27FC236}">
+                  <a16:creationId xmlns:a16="http://schemas.microsoft.com/office/drawing/2014/main" id="{BADA856A-75AE-48C5-9867-98DD12B7007B}"/>
+                </a:ext>
+              </a:extLst>
+            </p:cNvPr>
+            <p:cNvSpPr/>
+            <p:nvPr/>
+          </p:nvSpPr>
+          <p:spPr>
+            <a:xfrm>
+              <a:off x="8650915" y="1255987"/>
+              <a:ext cx="1261241" cy="1261241"/>
+            </a:xfrm>
+            <a:prstGeom prst="ellipse">
+              <a:avLst/>
+            </a:prstGeom>
+            <a:solidFill>
+              <a:schemeClr val="bg2">
+                <a:lumMod val="90000"/>
+              </a:schemeClr>
+            </a:solidFill>
+            <a:ln>
+              <a:noFill/>
+            </a:ln>
+          </p:spPr>
+          <p:style>
+            <a:lnRef idx="2">
+              <a:schemeClr val="accent1">
+                <a:shade val="50000"/>
+              </a:schemeClr>
+            </a:lnRef>
+            <a:fillRef idx="1">
+              <a:schemeClr val="accent1"/>
+            </a:fillRef>
+            <a:effectRef idx="0">
+              <a:schemeClr val="accent1"/>
+            </a:effectRef>
+            <a:fontRef idx="minor">
+              <a:schemeClr val="lt1"/>
+            </a:fontRef>
+          </p:style>
+          <p:txBody>
+            <a:bodyPr rtlCol="0" anchor="ctr"/>
+            <a:lstStyle/>
+            <a:p>
+              <a:pPr algn="ctr"/>
+              <a:endParaRPr lang="ko-KR" altLang="en-US"/>
+            </a:p>
+          </p:txBody>
+        </p:sp>
+        <p:sp>
+          <p:nvSpPr>
+            <p:cNvPr id="7" name="타원 6">
+              <a:extLst>
+                <a:ext uri="{FF2B5EF4-FFF2-40B4-BE49-F238E27FC236}">
+                  <a16:creationId xmlns:a16="http://schemas.microsoft.com/office/drawing/2014/main" id="{F63EA669-B5BC-44A7-A45C-C942909DC549}"/>
+                </a:ext>
+              </a:extLst>
+            </p:cNvPr>
+            <p:cNvSpPr/>
+            <p:nvPr/>
+          </p:nvSpPr>
+          <p:spPr>
+            <a:xfrm>
+              <a:off x="11987950" y="1255987"/>
+              <a:ext cx="1261241" cy="1261241"/>
+            </a:xfrm>
+            <a:prstGeom prst="ellipse">
+              <a:avLst/>
+            </a:prstGeom>
+            <a:solidFill>
+              <a:schemeClr val="bg2">
+                <a:lumMod val="90000"/>
+              </a:schemeClr>
+            </a:solidFill>
+            <a:ln>
+              <a:noFill/>
+            </a:ln>
+          </p:spPr>
+          <p:style>
+            <a:lnRef idx="2">
+              <a:schemeClr val="accent1">
+                <a:shade val="50000"/>
+              </a:schemeClr>
+            </a:lnRef>
+            <a:fillRef idx="1">
+              <a:schemeClr val="accent1"/>
+            </a:fillRef>
+            <a:effectRef idx="0">
+              <a:schemeClr val="accent1"/>
+            </a:effectRef>
+            <a:fontRef idx="minor">
+              <a:schemeClr val="lt1"/>
+            </a:fontRef>
+          </p:style>
+          <p:txBody>
+            <a:bodyPr rtlCol="0" anchor="ctr"/>
+            <a:lstStyle/>
+            <a:p>
+              <a:pPr algn="ctr"/>
+              <a:endParaRPr lang="ko-KR" altLang="en-US"/>
+            </a:p>
+          </p:txBody>
+        </p:sp>
+        <p:sp>
+          <p:nvSpPr>
+            <p:cNvPr id="8" name="타원 7">
+              <a:extLst>
+                <a:ext uri="{FF2B5EF4-FFF2-40B4-BE49-F238E27FC236}">
+                  <a16:creationId xmlns:a16="http://schemas.microsoft.com/office/drawing/2014/main" id="{C54611BB-D644-46A8-B5F5-EF11F198DE69}"/>
+                </a:ext>
+              </a:extLst>
+            </p:cNvPr>
+            <p:cNvSpPr/>
+            <p:nvPr/>
+          </p:nvSpPr>
+          <p:spPr>
+            <a:xfrm>
+              <a:off x="15324985" y="1255986"/>
+              <a:ext cx="1261241" cy="1261241"/>
+            </a:xfrm>
+            <a:prstGeom prst="ellipse">
+              <a:avLst/>
+            </a:prstGeom>
+            <a:solidFill>
+              <a:schemeClr val="bg2">
+                <a:lumMod val="90000"/>
+              </a:schemeClr>
+            </a:solidFill>
+            <a:ln>
+              <a:noFill/>
+            </a:ln>
+          </p:spPr>
+          <p:style>
+            <a:lnRef idx="2">
+              <a:schemeClr val="accent1">
+                <a:shade val="50000"/>
+              </a:schemeClr>
+            </a:lnRef>
+            <a:fillRef idx="1">
+              <a:schemeClr val="accent1"/>
+            </a:fillRef>
+            <a:effectRef idx="0">
+              <a:schemeClr val="accent1"/>
+            </a:effectRef>
+            <a:fontRef idx="minor">
+              <a:schemeClr val="lt1"/>
+            </a:fontRef>
+          </p:style>
+          <p:txBody>
+            <a:bodyPr rtlCol="0" anchor="ctr"/>
+            <a:lstStyle/>
+            <a:p>
+              <a:pPr algn="ctr"/>
+              <a:endParaRPr lang="ko-KR" altLang="en-US"/>
+            </a:p>
+          </p:txBody>
+        </p:sp>
+        <p:sp>
+          <p:nvSpPr>
+            <p:cNvPr id="9" name="타원 8">
+              <a:extLst>
+                <a:ext uri="{FF2B5EF4-FFF2-40B4-BE49-F238E27FC236}">
+                  <a16:creationId xmlns:a16="http://schemas.microsoft.com/office/drawing/2014/main" id="{24C6AD37-DD1F-4A12-83B4-E8A92C9EA6F7}"/>
+                </a:ext>
+              </a:extLst>
+            </p:cNvPr>
+            <p:cNvSpPr/>
+            <p:nvPr/>
+          </p:nvSpPr>
+          <p:spPr>
+            <a:xfrm>
+              <a:off x="18662020" y="1255986"/>
+              <a:ext cx="1261241" cy="1261241"/>
+            </a:xfrm>
+            <a:prstGeom prst="ellipse">
+              <a:avLst/>
+            </a:prstGeom>
+            <a:solidFill>
+              <a:schemeClr val="bg2">
+                <a:lumMod val="90000"/>
+              </a:schemeClr>
+            </a:solidFill>
+            <a:ln>
+              <a:noFill/>
+            </a:ln>
+          </p:spPr>
+          <p:style>
+            <a:lnRef idx="2">
+              <a:schemeClr val="accent1">
+                <a:shade val="50000"/>
+              </a:schemeClr>
+            </a:lnRef>
+            <a:fillRef idx="1">
+              <a:schemeClr val="accent1"/>
+            </a:fillRef>
+            <a:effectRef idx="0">
+              <a:schemeClr val="accent1"/>
+            </a:effectRef>
+            <a:fontRef idx="minor">
+              <a:schemeClr val="lt1"/>
+            </a:fontRef>
+          </p:style>
+          <p:txBody>
+            <a:bodyPr rtlCol="0" anchor="ctr"/>
+            <a:lstStyle/>
+            <a:p>
+              <a:pPr algn="ctr"/>
+              <a:endParaRPr lang="ko-KR" altLang="en-US"/>
+            </a:p>
+          </p:txBody>
+        </p:sp>
+        <p:sp>
+          <p:nvSpPr>
+            <p:cNvPr id="10" name="타원 9">
+              <a:extLst>
+                <a:ext uri="{FF2B5EF4-FFF2-40B4-BE49-F238E27FC236}">
+                  <a16:creationId xmlns:a16="http://schemas.microsoft.com/office/drawing/2014/main" id="{1B3AF61D-04A0-4F5E-806D-2169E506EF04}"/>
+                </a:ext>
+              </a:extLst>
+            </p:cNvPr>
+            <p:cNvSpPr/>
+            <p:nvPr/>
+          </p:nvSpPr>
+          <p:spPr>
+            <a:xfrm>
+              <a:off x="21999055" y="1255986"/>
+              <a:ext cx="1261241" cy="1261241"/>
+            </a:xfrm>
+            <a:prstGeom prst="ellipse">
+              <a:avLst/>
+            </a:prstGeom>
+            <a:solidFill>
+              <a:schemeClr val="bg2">
+                <a:lumMod val="90000"/>
+              </a:schemeClr>
+            </a:solidFill>
+            <a:ln>
+              <a:noFill/>
+            </a:ln>
+          </p:spPr>
+          <p:style>
+            <a:lnRef idx="2">
+              <a:schemeClr val="accent1">
+                <a:shade val="50000"/>
+              </a:schemeClr>
+            </a:lnRef>
+            <a:fillRef idx="1">
+              <a:schemeClr val="accent1"/>
+            </a:fillRef>
+            <a:effectRef idx="0">
+              <a:schemeClr val="accent1"/>
+            </a:effectRef>
+            <a:fontRef idx="minor">
+              <a:schemeClr val="lt1"/>
+            </a:fontRef>
+          </p:style>
+          <p:txBody>
+            <a:bodyPr rtlCol="0" anchor="ctr"/>
+            <a:lstStyle/>
+            <a:p>
+              <a:pPr algn="ctr"/>
+              <a:endParaRPr lang="ko-KR" altLang="en-US"/>
+            </a:p>
+          </p:txBody>
+        </p:sp>
+        <p:sp>
+          <p:nvSpPr>
+            <p:cNvPr id="11" name="타원 10">
+              <a:extLst>
+                <a:ext uri="{FF2B5EF4-FFF2-40B4-BE49-F238E27FC236}">
+                  <a16:creationId xmlns:a16="http://schemas.microsoft.com/office/drawing/2014/main" id="{48AE957F-2890-4C27-98ED-FDCCB409CCD4}"/>
+                </a:ext>
+              </a:extLst>
+            </p:cNvPr>
+            <p:cNvSpPr/>
+            <p:nvPr/>
+          </p:nvSpPr>
+          <p:spPr>
+            <a:xfrm>
+              <a:off x="25336090" y="1255986"/>
+              <a:ext cx="1261241" cy="1261241"/>
+            </a:xfrm>
+            <a:prstGeom prst="ellipse">
+              <a:avLst/>
+            </a:prstGeom>
+            <a:solidFill>
+              <a:schemeClr val="bg2">
+                <a:lumMod val="90000"/>
+              </a:schemeClr>
+            </a:solidFill>
+            <a:ln>
+              <a:noFill/>
+            </a:ln>
+          </p:spPr>
+          <p:style>
+            <a:lnRef idx="2">
+              <a:schemeClr val="accent1">
+                <a:shade val="50000"/>
+              </a:schemeClr>
+            </a:lnRef>
+            <a:fillRef idx="1">
+              <a:schemeClr val="accent1"/>
+            </a:fillRef>
+            <a:effectRef idx="0">
+              <a:schemeClr val="accent1"/>
+            </a:effectRef>
+            <a:fontRef idx="minor">
+              <a:schemeClr val="lt1"/>
+            </a:fontRef>
+          </p:style>
+          <p:txBody>
+            <a:bodyPr rtlCol="0" anchor="ctr"/>
+            <a:lstStyle/>
+            <a:p>
+              <a:pPr algn="ctr"/>
+              <a:endParaRPr lang="ko-KR" altLang="en-US"/>
+            </a:p>
+          </p:txBody>
+        </p:sp>
+        <p:sp>
+          <p:nvSpPr>
+            <p:cNvPr id="12" name="타원 11">
+              <a:extLst>
+                <a:ext uri="{FF2B5EF4-FFF2-40B4-BE49-F238E27FC236}">
+                  <a16:creationId xmlns:a16="http://schemas.microsoft.com/office/drawing/2014/main" id="{6615CCA1-318F-4AF5-B02E-A453F7E82A87}"/>
+                </a:ext>
+              </a:extLst>
+            </p:cNvPr>
+            <p:cNvSpPr/>
+            <p:nvPr/>
+          </p:nvSpPr>
+          <p:spPr>
+            <a:xfrm>
+              <a:off x="28673125" y="1255986"/>
+              <a:ext cx="1261241" cy="1261241"/>
+            </a:xfrm>
+            <a:prstGeom prst="ellipse">
+              <a:avLst/>
+            </a:prstGeom>
+            <a:solidFill>
+              <a:schemeClr val="bg2">
+                <a:lumMod val="90000"/>
+              </a:schemeClr>
+            </a:solidFill>
+            <a:ln>
+              <a:noFill/>
+            </a:ln>
+          </p:spPr>
+          <p:style>
+            <a:lnRef idx="2">
+              <a:schemeClr val="accent1">
+                <a:shade val="50000"/>
+              </a:schemeClr>
+            </a:lnRef>
+            <a:fillRef idx="1">
+              <a:schemeClr val="accent1"/>
+            </a:fillRef>
+            <a:effectRef idx="0">
+              <a:schemeClr val="accent1"/>
+            </a:effectRef>
+            <a:fontRef idx="minor">
+              <a:schemeClr val="lt1"/>
+            </a:fontRef>
+          </p:style>
+          <p:txBody>
+            <a:bodyPr rtlCol="0" anchor="ctr"/>
+            <a:lstStyle/>
+            <a:p>
+              <a:pPr algn="ctr"/>
+              <a:endParaRPr lang="ko-KR" altLang="en-US"/>
+            </a:p>
+          </p:txBody>
+        </p:sp>
+        <p:sp>
+          <p:nvSpPr>
+            <p:cNvPr id="13" name="타원 12">
+              <a:extLst>
+                <a:ext uri="{FF2B5EF4-FFF2-40B4-BE49-F238E27FC236}">
+                  <a16:creationId xmlns:a16="http://schemas.microsoft.com/office/drawing/2014/main" id="{68AE1A84-CDA9-449A-9474-EAFA5999A67E}"/>
+                </a:ext>
+              </a:extLst>
+            </p:cNvPr>
+            <p:cNvSpPr/>
+            <p:nvPr/>
+          </p:nvSpPr>
+          <p:spPr>
+            <a:xfrm>
+              <a:off x="1976845" y="1255986"/>
+              <a:ext cx="1261241" cy="1261241"/>
+            </a:xfrm>
+            <a:prstGeom prst="ellipse">
+              <a:avLst/>
+            </a:prstGeom>
+            <a:solidFill>
+              <a:schemeClr val="bg2">
+                <a:lumMod val="90000"/>
+              </a:schemeClr>
+            </a:solidFill>
+            <a:ln>
+              <a:noFill/>
+            </a:ln>
+          </p:spPr>
+          <p:style>
+            <a:lnRef idx="2">
+              <a:schemeClr val="accent1">
+                <a:shade val="50000"/>
+              </a:schemeClr>
+            </a:lnRef>
+            <a:fillRef idx="1">
+              <a:schemeClr val="accent1"/>
+            </a:fillRef>
+            <a:effectRef idx="0">
+              <a:schemeClr val="accent1"/>
+            </a:effectRef>
+            <a:fontRef idx="minor">
+              <a:schemeClr val="lt1"/>
+            </a:fontRef>
+          </p:style>
+          <p:txBody>
+            <a:bodyPr rtlCol="0" anchor="ctr"/>
+            <a:lstStyle/>
+            <a:p>
+              <a:pPr algn="ctr"/>
+              <a:endParaRPr lang="ko-KR" altLang="en-US"/>
+            </a:p>
+          </p:txBody>
+        </p:sp>
+        <p:sp>
+          <p:nvSpPr>
+            <p:cNvPr id="14" name="타원 13">
+              <a:extLst>
+                <a:ext uri="{FF2B5EF4-FFF2-40B4-BE49-F238E27FC236}">
+                  <a16:creationId xmlns:a16="http://schemas.microsoft.com/office/drawing/2014/main" id="{993E6D38-E589-4D40-AC36-FDE5BA3F31FB}"/>
+                </a:ext>
+              </a:extLst>
+            </p:cNvPr>
+            <p:cNvSpPr/>
+            <p:nvPr/>
+          </p:nvSpPr>
+          <p:spPr>
+            <a:xfrm>
+              <a:off x="32010160" y="1255986"/>
+              <a:ext cx="1261241" cy="1261241"/>
+            </a:xfrm>
+            <a:prstGeom prst="ellipse">
+              <a:avLst/>
+            </a:prstGeom>
+            <a:solidFill>
+              <a:schemeClr val="bg2">
+                <a:lumMod val="90000"/>
+              </a:schemeClr>
+            </a:solidFill>
+            <a:ln>
+              <a:noFill/>
+            </a:ln>
+          </p:spPr>
+          <p:style>
+            <a:lnRef idx="2">
+              <a:schemeClr val="accent1">
+                <a:shade val="50000"/>
+              </a:schemeClr>
+            </a:lnRef>
+            <a:fillRef idx="1">
+              <a:schemeClr val="accent1"/>
+            </a:fillRef>
+            <a:effectRef idx="0">
+              <a:schemeClr val="accent1"/>
+            </a:effectRef>
+            <a:fontRef idx="minor">
+              <a:schemeClr val="lt1"/>
+            </a:fontRef>
+          </p:style>
+          <p:txBody>
+            <a:bodyPr rtlCol="0" anchor="ctr"/>
+            <a:lstStyle/>
+            <a:p>
+              <a:pPr algn="ctr"/>
+              <a:endParaRPr lang="ko-KR" altLang="en-US"/>
+            </a:p>
+          </p:txBody>
+        </p:sp>
+      </p:grpSp>
+      <p:sp>
+        <p:nvSpPr>
+          <p:cNvPr id="17" name="타원 16">
+            <a:extLst>
+              <a:ext uri="{FF2B5EF4-FFF2-40B4-BE49-F238E27FC236}">
+                <a16:creationId xmlns:a16="http://schemas.microsoft.com/office/drawing/2014/main" id="{9533F51B-17A1-4292-860A-8F85E229B4CE}"/>
+              </a:ext>
+            </a:extLst>
+          </p:cNvPr>
+          <p:cNvSpPr/>
+          <p:nvPr/>
+        </p:nvSpPr>
+        <p:spPr>
+          <a:xfrm>
+            <a:off x="5269140" y="3387788"/>
+            <a:ext cx="1961979" cy="1961979"/>
+          </a:xfrm>
+          <a:prstGeom prst="ellipse">
+            <a:avLst/>
+          </a:prstGeom>
+          <a:solidFill>
+            <a:schemeClr val="bg2">
+              <a:lumMod val="90000"/>
+            </a:schemeClr>
+          </a:solidFill>
+          <a:ln>
+            <a:noFill/>
+          </a:ln>
+        </p:spPr>
+        <p:style>
+          <a:lnRef idx="2">
+            <a:schemeClr val="accent1">
+              <a:shade val="50000"/>
+            </a:schemeClr>
+          </a:lnRef>
+          <a:fillRef idx="1">
+            <a:schemeClr val="accent1"/>
+          </a:fillRef>
+          <a:effectRef idx="0">
+            <a:schemeClr val="accent1"/>
+          </a:effectRef>
+          <a:fontRef idx="minor">
+            <a:schemeClr val="lt1"/>
+          </a:fontRef>
+        </p:style>
+        <p:txBody>
+          <a:bodyPr rtlCol="0" anchor="ctr"/>
+          <a:lstStyle/>
+          <a:p>
+            <a:pPr algn="ctr"/>
+            <a:endParaRPr lang="ko-KR" altLang="en-US"/>
+          </a:p>
+        </p:txBody>
+      </p:sp>
+      <p:sp>
+        <p:nvSpPr>
+          <p:cNvPr id="18" name="타원 17">
+            <a:extLst>
+              <a:ext uri="{FF2B5EF4-FFF2-40B4-BE49-F238E27FC236}">
+                <a16:creationId xmlns:a16="http://schemas.microsoft.com/office/drawing/2014/main" id="{3EE440DE-64C9-4AE3-9FBE-CA4F67E78DD4}"/>
+              </a:ext>
+            </a:extLst>
+          </p:cNvPr>
+          <p:cNvSpPr/>
+          <p:nvPr/>
+        </p:nvSpPr>
+        <p:spPr>
+          <a:xfrm>
+            <a:off x="9026661" y="3584029"/>
+            <a:ext cx="1261241" cy="1261241"/>
+          </a:xfrm>
+          <a:prstGeom prst="ellipse">
+            <a:avLst/>
+          </a:prstGeom>
+          <a:solidFill>
+            <a:schemeClr val="bg2">
+              <a:lumMod val="90000"/>
+            </a:schemeClr>
+          </a:solidFill>
+          <a:ln>
+            <a:noFill/>
+          </a:ln>
+        </p:spPr>
+        <p:style>
+          <a:lnRef idx="2">
+            <a:schemeClr val="accent1">
+              <a:shade val="50000"/>
+            </a:schemeClr>
+          </a:lnRef>
+          <a:fillRef idx="1">
+            <a:schemeClr val="accent1"/>
+          </a:fillRef>
+          <a:effectRef idx="0">
+            <a:schemeClr val="accent1"/>
+          </a:effectRef>
+          <a:fontRef idx="minor">
+            <a:schemeClr val="lt1"/>
+          </a:fontRef>
+        </p:style>
+        <p:txBody>
+          <a:bodyPr rtlCol="0" anchor="ctr"/>
+          <a:lstStyle/>
+          <a:p>
+            <a:pPr algn="ctr"/>
+            <a:endParaRPr lang="ko-KR" altLang="en-US"/>
+          </a:p>
+        </p:txBody>
+      </p:sp>
+      <p:sp>
+        <p:nvSpPr>
+          <p:cNvPr id="19" name="타원 18">
+            <a:extLst>
+              <a:ext uri="{FF2B5EF4-FFF2-40B4-BE49-F238E27FC236}">
+                <a16:creationId xmlns:a16="http://schemas.microsoft.com/office/drawing/2014/main" id="{20515BAE-17D0-41A3-B200-E2D70D7FC9A1}"/>
+              </a:ext>
+            </a:extLst>
+          </p:cNvPr>
+          <p:cNvSpPr/>
+          <p:nvPr/>
+        </p:nvSpPr>
+        <p:spPr>
+          <a:xfrm>
+            <a:off x="12363696" y="3584029"/>
+            <a:ext cx="1261241" cy="1261241"/>
+          </a:xfrm>
+          <a:prstGeom prst="ellipse">
+            <a:avLst/>
+          </a:prstGeom>
+          <a:solidFill>
+            <a:schemeClr val="bg2">
+              <a:lumMod val="90000"/>
+            </a:schemeClr>
+          </a:solidFill>
+          <a:ln>
+            <a:noFill/>
+          </a:ln>
+        </p:spPr>
+        <p:style>
+          <a:lnRef idx="2">
+            <a:schemeClr val="accent1">
+              <a:shade val="50000"/>
+            </a:schemeClr>
+          </a:lnRef>
+          <a:fillRef idx="1">
+            <a:schemeClr val="accent1"/>
+          </a:fillRef>
+          <a:effectRef idx="0">
+            <a:schemeClr val="accent1"/>
+          </a:effectRef>
+          <a:fontRef idx="minor">
+            <a:schemeClr val="lt1"/>
+          </a:fontRef>
+        </p:style>
+        <p:txBody>
+          <a:bodyPr rtlCol="0" anchor="ctr"/>
+          <a:lstStyle/>
+          <a:p>
+            <a:pPr algn="ctr"/>
+            <a:endParaRPr lang="ko-KR" altLang="en-US"/>
+          </a:p>
+        </p:txBody>
+      </p:sp>
+      <p:sp>
+        <p:nvSpPr>
+          <p:cNvPr id="20" name="타원 19">
+            <a:extLst>
+              <a:ext uri="{FF2B5EF4-FFF2-40B4-BE49-F238E27FC236}">
+                <a16:creationId xmlns:a16="http://schemas.microsoft.com/office/drawing/2014/main" id="{854FACFB-4CB9-47F9-8F09-18026E9AAB04}"/>
+              </a:ext>
+            </a:extLst>
+          </p:cNvPr>
+          <p:cNvSpPr/>
+          <p:nvPr/>
+        </p:nvSpPr>
+        <p:spPr>
+          <a:xfrm>
+            <a:off x="15700731" y="3584028"/>
+            <a:ext cx="1261241" cy="1261241"/>
+          </a:xfrm>
+          <a:prstGeom prst="ellipse">
+            <a:avLst/>
+          </a:prstGeom>
+          <a:solidFill>
+            <a:schemeClr val="bg2">
+              <a:lumMod val="90000"/>
+            </a:schemeClr>
+          </a:solidFill>
+          <a:ln>
+            <a:noFill/>
+          </a:ln>
+        </p:spPr>
+        <p:style>
+          <a:lnRef idx="2">
+            <a:schemeClr val="accent1">
+              <a:shade val="50000"/>
+            </a:schemeClr>
+          </a:lnRef>
+          <a:fillRef idx="1">
+            <a:schemeClr val="accent1"/>
+          </a:fillRef>
+          <a:effectRef idx="0">
+            <a:schemeClr val="accent1"/>
+          </a:effectRef>
+          <a:fontRef idx="minor">
+            <a:schemeClr val="lt1"/>
+          </a:fontRef>
+        </p:style>
+        <p:txBody>
+          <a:bodyPr rtlCol="0" anchor="ctr"/>
+          <a:lstStyle/>
+          <a:p>
+            <a:pPr algn="ctr"/>
+            <a:endParaRPr lang="ko-KR" altLang="en-US"/>
+          </a:p>
+        </p:txBody>
+      </p:sp>
+      <p:sp>
+        <p:nvSpPr>
+          <p:cNvPr id="21" name="타원 20">
+            <a:extLst>
+              <a:ext uri="{FF2B5EF4-FFF2-40B4-BE49-F238E27FC236}">
+                <a16:creationId xmlns:a16="http://schemas.microsoft.com/office/drawing/2014/main" id="{55E6C9B4-8D6A-4630-8003-88D01F03202B}"/>
+              </a:ext>
+            </a:extLst>
+          </p:cNvPr>
+          <p:cNvSpPr/>
+          <p:nvPr/>
+        </p:nvSpPr>
+        <p:spPr>
+          <a:xfrm>
+            <a:off x="19037766" y="3584028"/>
+            <a:ext cx="1261241" cy="1261241"/>
+          </a:xfrm>
+          <a:prstGeom prst="ellipse">
+            <a:avLst/>
+          </a:prstGeom>
+          <a:solidFill>
+            <a:schemeClr val="bg2">
+              <a:lumMod val="90000"/>
+            </a:schemeClr>
+          </a:solidFill>
+          <a:ln>
+            <a:noFill/>
+          </a:ln>
+        </p:spPr>
+        <p:style>
+          <a:lnRef idx="2">
+            <a:schemeClr val="accent1">
+              <a:shade val="50000"/>
+            </a:schemeClr>
+          </a:lnRef>
+          <a:fillRef idx="1">
+            <a:schemeClr val="accent1"/>
+          </a:fillRef>
+          <a:effectRef idx="0">
+            <a:schemeClr val="accent1"/>
+          </a:effectRef>
+          <a:fontRef idx="minor">
+            <a:schemeClr val="lt1"/>
+          </a:fontRef>
+        </p:style>
+        <p:txBody>
+          <a:bodyPr rtlCol="0" anchor="ctr"/>
+          <a:lstStyle/>
+          <a:p>
+            <a:pPr algn="ctr"/>
+            <a:endParaRPr lang="ko-KR" altLang="en-US"/>
+          </a:p>
+        </p:txBody>
+      </p:sp>
+      <p:sp>
+        <p:nvSpPr>
+          <p:cNvPr id="22" name="타원 21">
+            <a:extLst>
+              <a:ext uri="{FF2B5EF4-FFF2-40B4-BE49-F238E27FC236}">
+                <a16:creationId xmlns:a16="http://schemas.microsoft.com/office/drawing/2014/main" id="{A2EAB108-A945-4FE0-8B5F-B13383387190}"/>
+              </a:ext>
+            </a:extLst>
+          </p:cNvPr>
+          <p:cNvSpPr/>
+          <p:nvPr/>
+        </p:nvSpPr>
+        <p:spPr>
+          <a:xfrm>
+            <a:off x="22374801" y="3584028"/>
+            <a:ext cx="1261241" cy="1261241"/>
+          </a:xfrm>
+          <a:prstGeom prst="ellipse">
+            <a:avLst/>
+          </a:prstGeom>
+          <a:solidFill>
+            <a:schemeClr val="bg2">
+              <a:lumMod val="90000"/>
+            </a:schemeClr>
+          </a:solidFill>
+          <a:ln>
+            <a:noFill/>
+          </a:ln>
+        </p:spPr>
+        <p:style>
+          <a:lnRef idx="2">
+            <a:schemeClr val="accent1">
+              <a:shade val="50000"/>
+            </a:schemeClr>
+          </a:lnRef>
+          <a:fillRef idx="1">
+            <a:schemeClr val="accent1"/>
+          </a:fillRef>
+          <a:effectRef idx="0">
+            <a:schemeClr val="accent1"/>
+          </a:effectRef>
+          <a:fontRef idx="minor">
+            <a:schemeClr val="lt1"/>
+          </a:fontRef>
+        </p:style>
+        <p:txBody>
+          <a:bodyPr rtlCol="0" anchor="ctr"/>
+          <a:lstStyle/>
+          <a:p>
+            <a:pPr algn="ctr"/>
+            <a:endParaRPr lang="ko-KR" altLang="en-US"/>
+          </a:p>
+        </p:txBody>
+      </p:sp>
+      <p:sp>
+        <p:nvSpPr>
+          <p:cNvPr id="23" name="타원 22">
+            <a:extLst>
+              <a:ext uri="{FF2B5EF4-FFF2-40B4-BE49-F238E27FC236}">
+                <a16:creationId xmlns:a16="http://schemas.microsoft.com/office/drawing/2014/main" id="{E9768501-DAA1-4A7A-BCA4-D29B1F424BE7}"/>
+              </a:ext>
+            </a:extLst>
+          </p:cNvPr>
+          <p:cNvSpPr/>
+          <p:nvPr/>
+        </p:nvSpPr>
+        <p:spPr>
+          <a:xfrm>
+            <a:off x="25431584" y="3303776"/>
+            <a:ext cx="1961979" cy="1961979"/>
+          </a:xfrm>
+          <a:prstGeom prst="ellipse">
+            <a:avLst/>
+          </a:prstGeom>
+          <a:solidFill>
+            <a:schemeClr val="bg2">
+              <a:lumMod val="90000"/>
+            </a:schemeClr>
+          </a:solidFill>
+          <a:ln>
+            <a:noFill/>
+          </a:ln>
+        </p:spPr>
+        <p:style>
+          <a:lnRef idx="2">
+            <a:schemeClr val="accent1">
+              <a:shade val="50000"/>
+            </a:schemeClr>
+          </a:lnRef>
+          <a:fillRef idx="1">
+            <a:schemeClr val="accent1"/>
+          </a:fillRef>
+          <a:effectRef idx="0">
+            <a:schemeClr val="accent1"/>
+          </a:effectRef>
+          <a:fontRef idx="minor">
+            <a:schemeClr val="lt1"/>
+          </a:fontRef>
+        </p:style>
+        <p:txBody>
+          <a:bodyPr rtlCol="0" anchor="ctr"/>
+          <a:lstStyle/>
+          <a:p>
+            <a:pPr algn="ctr"/>
+            <a:endParaRPr lang="ko-KR" altLang="en-US"/>
+          </a:p>
+        </p:txBody>
+      </p:sp>
+      <p:sp>
+        <p:nvSpPr>
+          <p:cNvPr id="24" name="타원 23">
+            <a:extLst>
+              <a:ext uri="{FF2B5EF4-FFF2-40B4-BE49-F238E27FC236}">
+                <a16:creationId xmlns:a16="http://schemas.microsoft.com/office/drawing/2014/main" id="{2D0CB411-8C11-44FE-9797-EFA6A22D41E5}"/>
+              </a:ext>
+            </a:extLst>
+          </p:cNvPr>
+          <p:cNvSpPr/>
+          <p:nvPr/>
+        </p:nvSpPr>
+        <p:spPr>
+          <a:xfrm>
+            <a:off x="29048871" y="3584028"/>
+            <a:ext cx="1261241" cy="1261241"/>
+          </a:xfrm>
+          <a:prstGeom prst="ellipse">
+            <a:avLst/>
+          </a:prstGeom>
+          <a:solidFill>
+            <a:schemeClr val="bg2">
+              <a:lumMod val="90000"/>
+            </a:schemeClr>
+          </a:solidFill>
+          <a:ln>
+            <a:noFill/>
+          </a:ln>
+        </p:spPr>
+        <p:style>
+          <a:lnRef idx="2">
+            <a:schemeClr val="accent1">
+              <a:shade val="50000"/>
+            </a:schemeClr>
+          </a:lnRef>
+          <a:fillRef idx="1">
+            <a:schemeClr val="accent1"/>
+          </a:fillRef>
+          <a:effectRef idx="0">
+            <a:schemeClr val="accent1"/>
+          </a:effectRef>
+          <a:fontRef idx="minor">
+            <a:schemeClr val="lt1"/>
+          </a:fontRef>
+        </p:style>
+        <p:txBody>
+          <a:bodyPr rtlCol="0" anchor="ctr"/>
+          <a:lstStyle/>
+          <a:p>
+            <a:pPr algn="ctr"/>
+            <a:endParaRPr lang="ko-KR" altLang="en-US"/>
+          </a:p>
+        </p:txBody>
+      </p:sp>
+      <p:sp>
+        <p:nvSpPr>
+          <p:cNvPr id="25" name="타원 24">
+            <a:extLst>
+              <a:ext uri="{FF2B5EF4-FFF2-40B4-BE49-F238E27FC236}">
+                <a16:creationId xmlns:a16="http://schemas.microsoft.com/office/drawing/2014/main" id="{01D11EA4-BDBD-4FCC-87C8-293C6E2E65F0}"/>
+              </a:ext>
+            </a:extLst>
+          </p:cNvPr>
+          <p:cNvSpPr/>
+          <p:nvPr/>
+        </p:nvSpPr>
+        <p:spPr>
+          <a:xfrm>
+            <a:off x="2352591" y="3584028"/>
+            <a:ext cx="1261241" cy="1261241"/>
+          </a:xfrm>
+          <a:prstGeom prst="ellipse">
+            <a:avLst/>
+          </a:prstGeom>
+          <a:solidFill>
+            <a:schemeClr val="bg2">
+              <a:lumMod val="90000"/>
+            </a:schemeClr>
+          </a:solidFill>
+          <a:ln>
+            <a:noFill/>
+          </a:ln>
+        </p:spPr>
+        <p:style>
+          <a:lnRef idx="2">
+            <a:schemeClr val="accent1">
+              <a:shade val="50000"/>
+            </a:schemeClr>
+          </a:lnRef>
+          <a:fillRef idx="1">
+            <a:schemeClr val="accent1"/>
+          </a:fillRef>
+          <a:effectRef idx="0">
+            <a:schemeClr val="accent1"/>
+          </a:effectRef>
+          <a:fontRef idx="minor">
+            <a:schemeClr val="lt1"/>
+          </a:fontRef>
+        </p:style>
+        <p:txBody>
+          <a:bodyPr rtlCol="0" anchor="ctr"/>
+          <a:lstStyle/>
+          <a:p>
+            <a:pPr algn="ctr"/>
+            <a:endParaRPr lang="ko-KR" altLang="en-US"/>
+          </a:p>
+        </p:txBody>
+      </p:sp>
+      <p:sp>
+        <p:nvSpPr>
+          <p:cNvPr id="26" name="타원 25">
+            <a:extLst>
+              <a:ext uri="{FF2B5EF4-FFF2-40B4-BE49-F238E27FC236}">
+                <a16:creationId xmlns:a16="http://schemas.microsoft.com/office/drawing/2014/main" id="{27D81445-B612-4D75-957F-B110D6C3C8C9}"/>
+              </a:ext>
+            </a:extLst>
+          </p:cNvPr>
+          <p:cNvSpPr/>
+          <p:nvPr/>
+        </p:nvSpPr>
+        <p:spPr>
+          <a:xfrm>
+            <a:off x="32385906" y="3584028"/>
+            <a:ext cx="1261241" cy="1261241"/>
+          </a:xfrm>
+          <a:prstGeom prst="ellipse">
+            <a:avLst/>
+          </a:prstGeom>
+          <a:solidFill>
+            <a:schemeClr val="bg2">
+              <a:lumMod val="90000"/>
+            </a:schemeClr>
+          </a:solidFill>
+          <a:ln>
+            <a:noFill/>
+          </a:ln>
+        </p:spPr>
+        <p:style>
+          <a:lnRef idx="2">
+            <a:schemeClr val="accent1">
+              <a:shade val="50000"/>
+            </a:schemeClr>
+          </a:lnRef>
+          <a:fillRef idx="1">
+            <a:schemeClr val="accent1"/>
+          </a:fillRef>
+          <a:effectRef idx="0">
+            <a:schemeClr val="accent1"/>
+          </a:effectRef>
+          <a:fontRef idx="minor">
+            <a:schemeClr val="lt1"/>
+          </a:fontRef>
+        </p:style>
+        <p:txBody>
+          <a:bodyPr rtlCol="0" anchor="ctr"/>
+          <a:lstStyle/>
+          <a:p>
+            <a:pPr algn="ctr"/>
+            <a:endParaRPr lang="ko-KR" altLang="en-US"/>
+          </a:p>
+        </p:txBody>
+      </p:sp>
+      <p:grpSp>
+        <p:nvGrpSpPr>
+          <p:cNvPr id="27" name="그룹 26">
+            <a:extLst>
+              <a:ext uri="{FF2B5EF4-FFF2-40B4-BE49-F238E27FC236}">
+                <a16:creationId xmlns:a16="http://schemas.microsoft.com/office/drawing/2014/main" id="{D311824E-9669-471A-B439-0F111DB45419}"/>
+              </a:ext>
+            </a:extLst>
+          </p:cNvPr>
+          <p:cNvGrpSpPr/>
+          <p:nvPr/>
+        </p:nvGrpSpPr>
+        <p:grpSpPr>
+          <a:xfrm>
+            <a:off x="2352591" y="5912070"/>
+            <a:ext cx="31294556" cy="1261242"/>
+            <a:chOff x="1976845" y="1255986"/>
+            <a:chExt cx="31294556" cy="1261242"/>
+          </a:xfrm>
+        </p:grpSpPr>
+        <p:sp>
+          <p:nvSpPr>
+            <p:cNvPr id="28" name="타원 27">
+              <a:extLst>
+                <a:ext uri="{FF2B5EF4-FFF2-40B4-BE49-F238E27FC236}">
+                  <a16:creationId xmlns:a16="http://schemas.microsoft.com/office/drawing/2014/main" id="{9F37885B-3294-4A3A-934B-0B9F5C41E1FC}"/>
+                </a:ext>
+              </a:extLst>
+            </p:cNvPr>
+            <p:cNvSpPr/>
+            <p:nvPr/>
+          </p:nvSpPr>
+          <p:spPr>
+            <a:xfrm>
+              <a:off x="5313880" y="1255987"/>
+              <a:ext cx="1261241" cy="1261241"/>
+            </a:xfrm>
+            <a:prstGeom prst="ellipse">
+              <a:avLst/>
+            </a:prstGeom>
+            <a:solidFill>
+              <a:schemeClr val="bg2">
+                <a:lumMod val="90000"/>
+              </a:schemeClr>
+            </a:solidFill>
+            <a:ln>
+              <a:noFill/>
+            </a:ln>
+          </p:spPr>
+          <p:style>
+            <a:lnRef idx="2">
+              <a:schemeClr val="accent1">
+                <a:shade val="50000"/>
+              </a:schemeClr>
+            </a:lnRef>
+            <a:fillRef idx="1">
+              <a:schemeClr val="accent1"/>
+            </a:fillRef>
+            <a:effectRef idx="0">
+              <a:schemeClr val="accent1"/>
+            </a:effectRef>
+            <a:fontRef idx="minor">
+              <a:schemeClr val="lt1"/>
+            </a:fontRef>
+          </p:style>
+          <p:txBody>
+            <a:bodyPr rtlCol="0" anchor="ctr"/>
+            <a:lstStyle/>
+            <a:p>
+              <a:pPr algn="ctr"/>
+              <a:endParaRPr lang="ko-KR" altLang="en-US"/>
+            </a:p>
+          </p:txBody>
+        </p:sp>
+        <p:sp>
+          <p:nvSpPr>
+            <p:cNvPr id="29" name="타원 28">
+              <a:extLst>
+                <a:ext uri="{FF2B5EF4-FFF2-40B4-BE49-F238E27FC236}">
+                  <a16:creationId xmlns:a16="http://schemas.microsoft.com/office/drawing/2014/main" id="{700D9345-3759-41D7-A293-162269A610D9}"/>
+                </a:ext>
+              </a:extLst>
+            </p:cNvPr>
+            <p:cNvSpPr/>
+            <p:nvPr/>
+          </p:nvSpPr>
+          <p:spPr>
+            <a:xfrm>
+              <a:off x="8650915" y="1255987"/>
+              <a:ext cx="1261241" cy="1261241"/>
+            </a:xfrm>
+            <a:prstGeom prst="ellipse">
+              <a:avLst/>
+            </a:prstGeom>
+            <a:solidFill>
+              <a:schemeClr val="bg2">
+                <a:lumMod val="90000"/>
+              </a:schemeClr>
+            </a:solidFill>
+            <a:ln>
+              <a:noFill/>
+            </a:ln>
+          </p:spPr>
+          <p:style>
+            <a:lnRef idx="2">
+              <a:schemeClr val="accent1">
+                <a:shade val="50000"/>
+              </a:schemeClr>
+            </a:lnRef>
+            <a:fillRef idx="1">
+              <a:schemeClr val="accent1"/>
+            </a:fillRef>
+            <a:effectRef idx="0">
+              <a:schemeClr val="accent1"/>
+            </a:effectRef>
+            <a:fontRef idx="minor">
+              <a:schemeClr val="lt1"/>
+            </a:fontRef>
+          </p:style>
+          <p:txBody>
+            <a:bodyPr rtlCol="0" anchor="ctr"/>
+            <a:lstStyle/>
+            <a:p>
+              <a:pPr algn="ctr"/>
+              <a:endParaRPr lang="ko-KR" altLang="en-US"/>
+            </a:p>
+          </p:txBody>
+        </p:sp>
+        <p:sp>
+          <p:nvSpPr>
+            <p:cNvPr id="30" name="타원 29">
+              <a:extLst>
+                <a:ext uri="{FF2B5EF4-FFF2-40B4-BE49-F238E27FC236}">
+                  <a16:creationId xmlns:a16="http://schemas.microsoft.com/office/drawing/2014/main" id="{BA85C0E8-254D-4D8C-BA77-641CD6125297}"/>
+                </a:ext>
+              </a:extLst>
+            </p:cNvPr>
+            <p:cNvSpPr/>
+            <p:nvPr/>
+          </p:nvSpPr>
+          <p:spPr>
+            <a:xfrm>
+              <a:off x="11987950" y="1255987"/>
+              <a:ext cx="1261241" cy="1261241"/>
+            </a:xfrm>
+            <a:prstGeom prst="ellipse">
+              <a:avLst/>
+            </a:prstGeom>
+            <a:solidFill>
+              <a:schemeClr val="bg2">
+                <a:lumMod val="90000"/>
+              </a:schemeClr>
+            </a:solidFill>
+            <a:ln>
+              <a:noFill/>
+            </a:ln>
+          </p:spPr>
+          <p:style>
+            <a:lnRef idx="2">
+              <a:schemeClr val="accent1">
+                <a:shade val="50000"/>
+              </a:schemeClr>
+            </a:lnRef>
+            <a:fillRef idx="1">
+              <a:schemeClr val="accent1"/>
+            </a:fillRef>
+            <a:effectRef idx="0">
+              <a:schemeClr val="accent1"/>
+            </a:effectRef>
+            <a:fontRef idx="minor">
+              <a:schemeClr val="lt1"/>
+            </a:fontRef>
+          </p:style>
+          <p:txBody>
+            <a:bodyPr rtlCol="0" anchor="ctr"/>
+            <a:lstStyle/>
+            <a:p>
+              <a:pPr algn="ctr"/>
+              <a:endParaRPr lang="ko-KR" altLang="en-US"/>
+            </a:p>
+          </p:txBody>
+        </p:sp>
+        <p:sp>
+          <p:nvSpPr>
+            <p:cNvPr id="31" name="타원 30">
+              <a:extLst>
+                <a:ext uri="{FF2B5EF4-FFF2-40B4-BE49-F238E27FC236}">
+                  <a16:creationId xmlns:a16="http://schemas.microsoft.com/office/drawing/2014/main" id="{FF04D058-4EBE-4CDA-A20D-D6C837F3FC69}"/>
+                </a:ext>
+              </a:extLst>
+            </p:cNvPr>
+            <p:cNvSpPr/>
+            <p:nvPr/>
+          </p:nvSpPr>
+          <p:spPr>
+            <a:xfrm>
+              <a:off x="15324985" y="1255986"/>
+              <a:ext cx="1261241" cy="1261241"/>
+            </a:xfrm>
+            <a:prstGeom prst="ellipse">
+              <a:avLst/>
+            </a:prstGeom>
+            <a:solidFill>
+              <a:schemeClr val="bg2">
+                <a:lumMod val="90000"/>
+              </a:schemeClr>
+            </a:solidFill>
+            <a:ln>
+              <a:noFill/>
+            </a:ln>
+          </p:spPr>
+          <p:style>
+            <a:lnRef idx="2">
+              <a:schemeClr val="accent1">
+                <a:shade val="50000"/>
+              </a:schemeClr>
+            </a:lnRef>
+            <a:fillRef idx="1">
+              <a:schemeClr val="accent1"/>
+            </a:fillRef>
+            <a:effectRef idx="0">
+              <a:schemeClr val="accent1"/>
+            </a:effectRef>
+            <a:fontRef idx="minor">
+              <a:schemeClr val="lt1"/>
+            </a:fontRef>
+          </p:style>
+          <p:txBody>
+            <a:bodyPr rtlCol="0" anchor="ctr"/>
+            <a:lstStyle/>
+            <a:p>
+              <a:pPr algn="ctr"/>
+              <a:endParaRPr lang="ko-KR" altLang="en-US"/>
+            </a:p>
+          </p:txBody>
+        </p:sp>
+        <p:sp>
+          <p:nvSpPr>
+            <p:cNvPr id="32" name="타원 31">
+              <a:extLst>
+                <a:ext uri="{FF2B5EF4-FFF2-40B4-BE49-F238E27FC236}">
+                  <a16:creationId xmlns:a16="http://schemas.microsoft.com/office/drawing/2014/main" id="{BCA1D5DF-63EA-4AFB-82D2-71D4847556F6}"/>
+                </a:ext>
+              </a:extLst>
+            </p:cNvPr>
+            <p:cNvSpPr/>
+            <p:nvPr/>
+          </p:nvSpPr>
+          <p:spPr>
+            <a:xfrm>
+              <a:off x="18662020" y="1255986"/>
+              <a:ext cx="1261241" cy="1261241"/>
+            </a:xfrm>
+            <a:prstGeom prst="ellipse">
+              <a:avLst/>
+            </a:prstGeom>
+            <a:solidFill>
+              <a:schemeClr val="bg2">
+                <a:lumMod val="90000"/>
+              </a:schemeClr>
+            </a:solidFill>
+            <a:ln>
+              <a:noFill/>
+            </a:ln>
+          </p:spPr>
+          <p:style>
+            <a:lnRef idx="2">
+              <a:schemeClr val="accent1">
+                <a:shade val="50000"/>
+              </a:schemeClr>
+            </a:lnRef>
+            <a:fillRef idx="1">
+              <a:schemeClr val="accent1"/>
+            </a:fillRef>
+            <a:effectRef idx="0">
+              <a:schemeClr val="accent1"/>
+            </a:effectRef>
+            <a:fontRef idx="minor">
+              <a:schemeClr val="lt1"/>
+            </a:fontRef>
+          </p:style>
+          <p:txBody>
+            <a:bodyPr rtlCol="0" anchor="ctr"/>
+            <a:lstStyle/>
+            <a:p>
+              <a:pPr algn="ctr"/>
+              <a:endParaRPr lang="ko-KR" altLang="en-US"/>
+            </a:p>
+          </p:txBody>
+        </p:sp>
+        <p:sp>
+          <p:nvSpPr>
+            <p:cNvPr id="33" name="타원 32">
+              <a:extLst>
+                <a:ext uri="{FF2B5EF4-FFF2-40B4-BE49-F238E27FC236}">
+                  <a16:creationId xmlns:a16="http://schemas.microsoft.com/office/drawing/2014/main" id="{D3175F7E-E188-4A02-BE15-1EE30B844413}"/>
+                </a:ext>
+              </a:extLst>
+            </p:cNvPr>
+            <p:cNvSpPr/>
+            <p:nvPr/>
+          </p:nvSpPr>
+          <p:spPr>
+            <a:xfrm>
+              <a:off x="21999055" y="1255986"/>
+              <a:ext cx="1261241" cy="1261241"/>
+            </a:xfrm>
+            <a:prstGeom prst="ellipse">
+              <a:avLst/>
+            </a:prstGeom>
+            <a:solidFill>
+              <a:schemeClr val="bg2">
+                <a:lumMod val="90000"/>
+              </a:schemeClr>
+            </a:solidFill>
+            <a:ln>
+              <a:noFill/>
+            </a:ln>
+          </p:spPr>
+          <p:style>
+            <a:lnRef idx="2">
+              <a:schemeClr val="accent1">
+                <a:shade val="50000"/>
+              </a:schemeClr>
+            </a:lnRef>
+            <a:fillRef idx="1">
+              <a:schemeClr val="accent1"/>
+            </a:fillRef>
+            <a:effectRef idx="0">
+              <a:schemeClr val="accent1"/>
+            </a:effectRef>
+            <a:fontRef idx="minor">
+              <a:schemeClr val="lt1"/>
+            </a:fontRef>
+          </p:style>
+          <p:txBody>
+            <a:bodyPr rtlCol="0" anchor="ctr"/>
+            <a:lstStyle/>
+            <a:p>
+              <a:pPr algn="ctr"/>
+              <a:endParaRPr lang="ko-KR" altLang="en-US"/>
+            </a:p>
+          </p:txBody>
+        </p:sp>
+        <p:sp>
+          <p:nvSpPr>
+            <p:cNvPr id="34" name="타원 33">
+              <a:extLst>
+                <a:ext uri="{FF2B5EF4-FFF2-40B4-BE49-F238E27FC236}">
+                  <a16:creationId xmlns:a16="http://schemas.microsoft.com/office/drawing/2014/main" id="{543DF3F5-F7C7-43C6-B035-3558A3FFCED2}"/>
+                </a:ext>
+              </a:extLst>
+            </p:cNvPr>
+            <p:cNvSpPr/>
+            <p:nvPr/>
+          </p:nvSpPr>
+          <p:spPr>
+            <a:xfrm>
+              <a:off x="25336090" y="1255986"/>
+              <a:ext cx="1261241" cy="1261241"/>
+            </a:xfrm>
+            <a:prstGeom prst="ellipse">
+              <a:avLst/>
+            </a:prstGeom>
+            <a:solidFill>
+              <a:schemeClr val="bg2">
+                <a:lumMod val="90000"/>
+              </a:schemeClr>
+            </a:solidFill>
+            <a:ln>
+              <a:noFill/>
+            </a:ln>
+          </p:spPr>
+          <p:style>
+            <a:lnRef idx="2">
+              <a:schemeClr val="accent1">
+                <a:shade val="50000"/>
+              </a:schemeClr>
+            </a:lnRef>
+            <a:fillRef idx="1">
+              <a:schemeClr val="accent1"/>
+            </a:fillRef>
+            <a:effectRef idx="0">
+              <a:schemeClr val="accent1"/>
+            </a:effectRef>
+            <a:fontRef idx="minor">
+              <a:schemeClr val="lt1"/>
+            </a:fontRef>
+          </p:style>
+          <p:txBody>
+            <a:bodyPr rtlCol="0" anchor="ctr"/>
+            <a:lstStyle/>
+            <a:p>
+              <a:pPr algn="ctr"/>
+              <a:endParaRPr lang="ko-KR" altLang="en-US"/>
+            </a:p>
+          </p:txBody>
+        </p:sp>
+        <p:sp>
+          <p:nvSpPr>
+            <p:cNvPr id="35" name="타원 34">
+              <a:extLst>
+                <a:ext uri="{FF2B5EF4-FFF2-40B4-BE49-F238E27FC236}">
+                  <a16:creationId xmlns:a16="http://schemas.microsoft.com/office/drawing/2014/main" id="{1104B31F-16E6-4903-B594-F9052F454CF0}"/>
+                </a:ext>
+              </a:extLst>
+            </p:cNvPr>
+            <p:cNvSpPr/>
+            <p:nvPr/>
+          </p:nvSpPr>
+          <p:spPr>
+            <a:xfrm>
+              <a:off x="28673125" y="1255986"/>
+              <a:ext cx="1261241" cy="1261241"/>
+            </a:xfrm>
+            <a:prstGeom prst="ellipse">
+              <a:avLst/>
+            </a:prstGeom>
+            <a:solidFill>
+              <a:schemeClr val="bg2">
+                <a:lumMod val="90000"/>
+              </a:schemeClr>
+            </a:solidFill>
+            <a:ln>
+              <a:noFill/>
+            </a:ln>
+          </p:spPr>
+          <p:style>
+            <a:lnRef idx="2">
+              <a:schemeClr val="accent1">
+                <a:shade val="50000"/>
+              </a:schemeClr>
+            </a:lnRef>
+            <a:fillRef idx="1">
+              <a:schemeClr val="accent1"/>
+            </a:fillRef>
+            <a:effectRef idx="0">
+              <a:schemeClr val="accent1"/>
+            </a:effectRef>
+            <a:fontRef idx="minor">
+              <a:schemeClr val="lt1"/>
+            </a:fontRef>
+          </p:style>
+          <p:txBody>
+            <a:bodyPr rtlCol="0" anchor="ctr"/>
+            <a:lstStyle/>
+            <a:p>
+              <a:pPr algn="ctr"/>
+              <a:endParaRPr lang="ko-KR" altLang="en-US"/>
+            </a:p>
+          </p:txBody>
+        </p:sp>
+        <p:sp>
+          <p:nvSpPr>
+            <p:cNvPr id="36" name="타원 35">
+              <a:extLst>
+                <a:ext uri="{FF2B5EF4-FFF2-40B4-BE49-F238E27FC236}">
+                  <a16:creationId xmlns:a16="http://schemas.microsoft.com/office/drawing/2014/main" id="{5E305381-1554-4674-BC74-121B090817B9}"/>
+                </a:ext>
+              </a:extLst>
+            </p:cNvPr>
+            <p:cNvSpPr/>
+            <p:nvPr/>
+          </p:nvSpPr>
+          <p:spPr>
+            <a:xfrm>
+              <a:off x="1976845" y="1255986"/>
+              <a:ext cx="1261241" cy="1261241"/>
+            </a:xfrm>
+            <a:prstGeom prst="ellipse">
+              <a:avLst/>
+            </a:prstGeom>
+            <a:solidFill>
+              <a:schemeClr val="bg2">
+                <a:lumMod val="90000"/>
+              </a:schemeClr>
+            </a:solidFill>
+            <a:ln>
+              <a:noFill/>
+            </a:ln>
+          </p:spPr>
+          <p:style>
+            <a:lnRef idx="2">
+              <a:schemeClr val="accent1">
+                <a:shade val="50000"/>
+              </a:schemeClr>
+            </a:lnRef>
+            <a:fillRef idx="1">
+              <a:schemeClr val="accent1"/>
+            </a:fillRef>
+            <a:effectRef idx="0">
+              <a:schemeClr val="accent1"/>
+            </a:effectRef>
+            <a:fontRef idx="minor">
+              <a:schemeClr val="lt1"/>
+            </a:fontRef>
+          </p:style>
+          <p:txBody>
+            <a:bodyPr rtlCol="0" anchor="ctr"/>
+            <a:lstStyle/>
+            <a:p>
+              <a:pPr algn="ctr"/>
+              <a:endParaRPr lang="ko-KR" altLang="en-US"/>
+            </a:p>
+          </p:txBody>
+        </p:sp>
+        <p:sp>
+          <p:nvSpPr>
+            <p:cNvPr id="37" name="타원 36">
+              <a:extLst>
+                <a:ext uri="{FF2B5EF4-FFF2-40B4-BE49-F238E27FC236}">
+                  <a16:creationId xmlns:a16="http://schemas.microsoft.com/office/drawing/2014/main" id="{B86302D6-087E-48AE-8269-6CFA96C09A04}"/>
+                </a:ext>
+              </a:extLst>
+            </p:cNvPr>
+            <p:cNvSpPr/>
+            <p:nvPr/>
+          </p:nvSpPr>
+          <p:spPr>
+            <a:xfrm>
+              <a:off x="32010160" y="1255986"/>
+              <a:ext cx="1261241" cy="1261241"/>
+            </a:xfrm>
+            <a:prstGeom prst="ellipse">
+              <a:avLst/>
+            </a:prstGeom>
+            <a:solidFill>
+              <a:schemeClr val="bg2">
+                <a:lumMod val="90000"/>
+              </a:schemeClr>
+            </a:solidFill>
+            <a:ln>
+              <a:noFill/>
+            </a:ln>
+          </p:spPr>
+          <p:style>
+            <a:lnRef idx="2">
+              <a:schemeClr val="accent1">
+                <a:shade val="50000"/>
+              </a:schemeClr>
+            </a:lnRef>
+            <a:fillRef idx="1">
+              <a:schemeClr val="accent1"/>
+            </a:fillRef>
+            <a:effectRef idx="0">
+              <a:schemeClr val="accent1"/>
+            </a:effectRef>
+            <a:fontRef idx="minor">
+              <a:schemeClr val="lt1"/>
+            </a:fontRef>
+          </p:style>
+          <p:txBody>
+            <a:bodyPr rtlCol="0" anchor="ctr"/>
+            <a:lstStyle/>
+            <a:p>
+              <a:pPr algn="ctr"/>
+              <a:endParaRPr lang="ko-KR" altLang="en-US"/>
+            </a:p>
+          </p:txBody>
+        </p:sp>
+      </p:grpSp>
+      <p:sp>
+        <p:nvSpPr>
+          <p:cNvPr id="39" name="타원 38">
+            <a:extLst>
+              <a:ext uri="{FF2B5EF4-FFF2-40B4-BE49-F238E27FC236}">
+                <a16:creationId xmlns:a16="http://schemas.microsoft.com/office/drawing/2014/main" id="{3F979730-55E7-42DC-ACDF-FC75B0C690C6}"/>
+              </a:ext>
+            </a:extLst>
+          </p:cNvPr>
+          <p:cNvSpPr/>
+          <p:nvPr/>
+        </p:nvSpPr>
+        <p:spPr>
+          <a:xfrm>
+            <a:off x="5689626" y="8240113"/>
+            <a:ext cx="1261241" cy="1261241"/>
+          </a:xfrm>
+          <a:prstGeom prst="ellipse">
+            <a:avLst/>
+          </a:prstGeom>
+          <a:solidFill>
+            <a:schemeClr val="bg2">
+              <a:lumMod val="90000"/>
+            </a:schemeClr>
+          </a:solidFill>
+          <a:ln>
+            <a:noFill/>
+          </a:ln>
+        </p:spPr>
+        <p:style>
+          <a:lnRef idx="2">
+            <a:schemeClr val="accent1">
+              <a:shade val="50000"/>
+            </a:schemeClr>
+          </a:lnRef>
+          <a:fillRef idx="1">
+            <a:schemeClr val="accent1"/>
+          </a:fillRef>
+          <a:effectRef idx="0">
+            <a:schemeClr val="accent1"/>
+          </a:effectRef>
+          <a:fontRef idx="minor">
+            <a:schemeClr val="lt1"/>
+          </a:fontRef>
+        </p:style>
+        <p:txBody>
+          <a:bodyPr rtlCol="0" anchor="ctr"/>
+          <a:lstStyle/>
+          <a:p>
+            <a:pPr algn="ctr"/>
+            <a:endParaRPr lang="ko-KR" altLang="en-US"/>
+          </a:p>
+        </p:txBody>
+      </p:sp>
+      <p:sp>
+        <p:nvSpPr>
+          <p:cNvPr id="40" name="타원 39">
+            <a:extLst>
+              <a:ext uri="{FF2B5EF4-FFF2-40B4-BE49-F238E27FC236}">
+                <a16:creationId xmlns:a16="http://schemas.microsoft.com/office/drawing/2014/main" id="{22CD9A46-2C52-4798-B4DB-249A94CC2D4F}"/>
+              </a:ext>
+            </a:extLst>
+          </p:cNvPr>
+          <p:cNvSpPr/>
+          <p:nvPr/>
+        </p:nvSpPr>
+        <p:spPr>
+          <a:xfrm>
+            <a:off x="9026661" y="8240113"/>
+            <a:ext cx="1261241" cy="1261241"/>
+          </a:xfrm>
+          <a:prstGeom prst="ellipse">
+            <a:avLst/>
+          </a:prstGeom>
+          <a:solidFill>
+            <a:schemeClr val="bg2">
+              <a:lumMod val="90000"/>
+            </a:schemeClr>
+          </a:solidFill>
+          <a:ln>
+            <a:noFill/>
+          </a:ln>
+        </p:spPr>
+        <p:style>
+          <a:lnRef idx="2">
+            <a:schemeClr val="accent1">
+              <a:shade val="50000"/>
+            </a:schemeClr>
+          </a:lnRef>
+          <a:fillRef idx="1">
+            <a:schemeClr val="accent1"/>
+          </a:fillRef>
+          <a:effectRef idx="0">
+            <a:schemeClr val="accent1"/>
+          </a:effectRef>
+          <a:fontRef idx="minor">
+            <a:schemeClr val="lt1"/>
+          </a:fontRef>
+        </p:style>
+        <p:txBody>
+          <a:bodyPr rtlCol="0" anchor="ctr"/>
+          <a:lstStyle/>
+          <a:p>
+            <a:pPr algn="ctr"/>
+            <a:endParaRPr lang="ko-KR" altLang="en-US"/>
+          </a:p>
+        </p:txBody>
+      </p:sp>
+      <p:sp>
+        <p:nvSpPr>
+          <p:cNvPr id="41" name="타원 40">
+            <a:extLst>
+              <a:ext uri="{FF2B5EF4-FFF2-40B4-BE49-F238E27FC236}">
+                <a16:creationId xmlns:a16="http://schemas.microsoft.com/office/drawing/2014/main" id="{2D811CF0-8B56-4B0A-B273-616F5E66214F}"/>
+              </a:ext>
+            </a:extLst>
+          </p:cNvPr>
+          <p:cNvSpPr/>
+          <p:nvPr/>
+        </p:nvSpPr>
+        <p:spPr>
+          <a:xfrm>
+            <a:off x="12363696" y="8240113"/>
+            <a:ext cx="1261241" cy="1261241"/>
+          </a:xfrm>
+          <a:prstGeom prst="ellipse">
+            <a:avLst/>
+          </a:prstGeom>
+          <a:solidFill>
+            <a:schemeClr val="bg2">
+              <a:lumMod val="90000"/>
+            </a:schemeClr>
+          </a:solidFill>
+          <a:ln>
+            <a:noFill/>
+          </a:ln>
+        </p:spPr>
+        <p:style>
+          <a:lnRef idx="2">
+            <a:schemeClr val="accent1">
+              <a:shade val="50000"/>
+            </a:schemeClr>
+          </a:lnRef>
+          <a:fillRef idx="1">
+            <a:schemeClr val="accent1"/>
+          </a:fillRef>
+          <a:effectRef idx="0">
+            <a:schemeClr val="accent1"/>
+          </a:effectRef>
+          <a:fontRef idx="minor">
+            <a:schemeClr val="lt1"/>
+          </a:fontRef>
+        </p:style>
+        <p:txBody>
+          <a:bodyPr rtlCol="0" anchor="ctr"/>
+          <a:lstStyle/>
+          <a:p>
+            <a:pPr algn="ctr"/>
+            <a:endParaRPr lang="ko-KR" altLang="en-US"/>
+          </a:p>
+        </p:txBody>
+      </p:sp>
+      <p:sp>
+        <p:nvSpPr>
+          <p:cNvPr id="42" name="타원 41">
+            <a:extLst>
+              <a:ext uri="{FF2B5EF4-FFF2-40B4-BE49-F238E27FC236}">
+                <a16:creationId xmlns:a16="http://schemas.microsoft.com/office/drawing/2014/main" id="{74218B95-9BCD-4ED0-8D8A-E317D22102B3}"/>
+              </a:ext>
+            </a:extLst>
+          </p:cNvPr>
+          <p:cNvSpPr/>
+          <p:nvPr/>
+        </p:nvSpPr>
+        <p:spPr>
+          <a:xfrm>
+            <a:off x="15370517" y="7909898"/>
+            <a:ext cx="1862055" cy="1862055"/>
+          </a:xfrm>
+          <a:prstGeom prst="ellipse">
+            <a:avLst/>
+          </a:prstGeom>
+          <a:solidFill>
+            <a:schemeClr val="bg2">
+              <a:lumMod val="90000"/>
+            </a:schemeClr>
+          </a:solidFill>
+          <a:ln>
+            <a:noFill/>
+          </a:ln>
+        </p:spPr>
+        <p:style>
+          <a:lnRef idx="2">
+            <a:schemeClr val="accent1">
+              <a:shade val="50000"/>
+            </a:schemeClr>
+          </a:lnRef>
+          <a:fillRef idx="1">
+            <a:schemeClr val="accent1"/>
+          </a:fillRef>
+          <a:effectRef idx="0">
+            <a:schemeClr val="accent1"/>
+          </a:effectRef>
+          <a:fontRef idx="minor">
+            <a:schemeClr val="lt1"/>
+          </a:fontRef>
+        </p:style>
+        <p:txBody>
+          <a:bodyPr rtlCol="0" anchor="ctr"/>
+          <a:lstStyle/>
+          <a:p>
+            <a:pPr algn="ctr"/>
+            <a:endParaRPr lang="ko-KR" altLang="en-US"/>
+          </a:p>
+        </p:txBody>
+      </p:sp>
+      <p:sp>
+        <p:nvSpPr>
+          <p:cNvPr id="43" name="타원 42">
+            <a:extLst>
+              <a:ext uri="{FF2B5EF4-FFF2-40B4-BE49-F238E27FC236}">
+                <a16:creationId xmlns:a16="http://schemas.microsoft.com/office/drawing/2014/main" id="{28D4704A-39E9-4F30-8D8D-59FC7FBB2251}"/>
+              </a:ext>
+            </a:extLst>
+          </p:cNvPr>
+          <p:cNvSpPr/>
+          <p:nvPr/>
+        </p:nvSpPr>
+        <p:spPr>
+          <a:xfrm>
+            <a:off x="19037766" y="8240112"/>
+            <a:ext cx="1261241" cy="1261241"/>
+          </a:xfrm>
+          <a:prstGeom prst="ellipse">
+            <a:avLst/>
+          </a:prstGeom>
+          <a:solidFill>
+            <a:schemeClr val="bg2">
+              <a:lumMod val="90000"/>
+            </a:schemeClr>
+          </a:solidFill>
+          <a:ln>
+            <a:noFill/>
+          </a:ln>
+        </p:spPr>
+        <p:style>
+          <a:lnRef idx="2">
+            <a:schemeClr val="accent1">
+              <a:shade val="50000"/>
+            </a:schemeClr>
+          </a:lnRef>
+          <a:fillRef idx="1">
+            <a:schemeClr val="accent1"/>
+          </a:fillRef>
+          <a:effectRef idx="0">
+            <a:schemeClr val="accent1"/>
+          </a:effectRef>
+          <a:fontRef idx="minor">
+            <a:schemeClr val="lt1"/>
+          </a:fontRef>
+        </p:style>
+        <p:txBody>
+          <a:bodyPr rtlCol="0" anchor="ctr"/>
+          <a:lstStyle/>
+          <a:p>
+            <a:pPr algn="ctr"/>
+            <a:endParaRPr lang="ko-KR" altLang="en-US"/>
+          </a:p>
+        </p:txBody>
+      </p:sp>
+      <p:sp>
+        <p:nvSpPr>
+          <p:cNvPr id="44" name="타원 43">
+            <a:extLst>
+              <a:ext uri="{FF2B5EF4-FFF2-40B4-BE49-F238E27FC236}">
+                <a16:creationId xmlns:a16="http://schemas.microsoft.com/office/drawing/2014/main" id="{DFDB4E45-1725-4C70-8B05-E923C61A5B1C}"/>
+              </a:ext>
+            </a:extLst>
+          </p:cNvPr>
+          <p:cNvSpPr/>
+          <p:nvPr/>
+        </p:nvSpPr>
+        <p:spPr>
+          <a:xfrm>
+            <a:off x="22374801" y="8240112"/>
+            <a:ext cx="1261241" cy="1261241"/>
+          </a:xfrm>
+          <a:prstGeom prst="ellipse">
+            <a:avLst/>
+          </a:prstGeom>
+          <a:solidFill>
+            <a:schemeClr val="bg2">
+              <a:lumMod val="90000"/>
+            </a:schemeClr>
+          </a:solidFill>
+          <a:ln>
+            <a:noFill/>
+          </a:ln>
+        </p:spPr>
+        <p:style>
+          <a:lnRef idx="2">
+            <a:schemeClr val="accent1">
+              <a:shade val="50000"/>
+            </a:schemeClr>
+          </a:lnRef>
+          <a:fillRef idx="1">
+            <a:schemeClr val="accent1"/>
+          </a:fillRef>
+          <a:effectRef idx="0">
+            <a:schemeClr val="accent1"/>
+          </a:effectRef>
+          <a:fontRef idx="minor">
+            <a:schemeClr val="lt1"/>
+          </a:fontRef>
+        </p:style>
+        <p:txBody>
+          <a:bodyPr rtlCol="0" anchor="ctr"/>
+          <a:lstStyle/>
+          <a:p>
+            <a:pPr algn="ctr"/>
+            <a:endParaRPr lang="ko-KR" altLang="en-US"/>
+          </a:p>
+        </p:txBody>
+      </p:sp>
+      <p:sp>
+        <p:nvSpPr>
+          <p:cNvPr id="45" name="타원 44">
+            <a:extLst>
+              <a:ext uri="{FF2B5EF4-FFF2-40B4-BE49-F238E27FC236}">
+                <a16:creationId xmlns:a16="http://schemas.microsoft.com/office/drawing/2014/main" id="{92E75B89-9C56-4F07-A103-2E7BF488E651}"/>
+              </a:ext>
+            </a:extLst>
+          </p:cNvPr>
+          <p:cNvSpPr/>
+          <p:nvPr/>
+        </p:nvSpPr>
+        <p:spPr>
+          <a:xfrm>
+            <a:off x="25711836" y="8240112"/>
+            <a:ext cx="1261241" cy="1261241"/>
+          </a:xfrm>
+          <a:prstGeom prst="ellipse">
+            <a:avLst/>
+          </a:prstGeom>
+          <a:solidFill>
+            <a:schemeClr val="bg2">
+              <a:lumMod val="90000"/>
+            </a:schemeClr>
+          </a:solidFill>
+          <a:ln>
+            <a:noFill/>
+          </a:ln>
+        </p:spPr>
+        <p:style>
+          <a:lnRef idx="2">
+            <a:schemeClr val="accent1">
+              <a:shade val="50000"/>
+            </a:schemeClr>
+          </a:lnRef>
+          <a:fillRef idx="1">
+            <a:schemeClr val="accent1"/>
+          </a:fillRef>
+          <a:effectRef idx="0">
+            <a:schemeClr val="accent1"/>
+          </a:effectRef>
+          <a:fontRef idx="minor">
+            <a:schemeClr val="lt1"/>
+          </a:fontRef>
+        </p:style>
+        <p:txBody>
+          <a:bodyPr rtlCol="0" anchor="ctr"/>
+          <a:lstStyle/>
+          <a:p>
+            <a:pPr algn="ctr"/>
+            <a:endParaRPr lang="ko-KR" altLang="en-US"/>
+          </a:p>
+        </p:txBody>
+      </p:sp>
+      <p:sp>
+        <p:nvSpPr>
+          <p:cNvPr id="46" name="타원 45">
+            <a:extLst>
+              <a:ext uri="{FF2B5EF4-FFF2-40B4-BE49-F238E27FC236}">
+                <a16:creationId xmlns:a16="http://schemas.microsoft.com/office/drawing/2014/main" id="{19EA51A7-58FF-408D-A27C-A3A4AA8A5099}"/>
+              </a:ext>
+            </a:extLst>
+          </p:cNvPr>
+          <p:cNvSpPr/>
+          <p:nvPr/>
+        </p:nvSpPr>
+        <p:spPr>
+          <a:xfrm>
+            <a:off x="29048871" y="8240112"/>
+            <a:ext cx="1261241" cy="1261241"/>
+          </a:xfrm>
+          <a:prstGeom prst="ellipse">
+            <a:avLst/>
+          </a:prstGeom>
+          <a:solidFill>
+            <a:schemeClr val="bg2">
+              <a:lumMod val="90000"/>
+            </a:schemeClr>
+          </a:solidFill>
+          <a:ln>
+            <a:noFill/>
+          </a:ln>
+        </p:spPr>
+        <p:style>
+          <a:lnRef idx="2">
+            <a:schemeClr val="accent1">
+              <a:shade val="50000"/>
+            </a:schemeClr>
+          </a:lnRef>
+          <a:fillRef idx="1">
+            <a:schemeClr val="accent1"/>
+          </a:fillRef>
+          <a:effectRef idx="0">
+            <a:schemeClr val="accent1"/>
+          </a:effectRef>
+          <a:fontRef idx="minor">
+            <a:schemeClr val="lt1"/>
+          </a:fontRef>
+        </p:style>
+        <p:txBody>
+          <a:bodyPr rtlCol="0" anchor="ctr"/>
+          <a:lstStyle/>
+          <a:p>
+            <a:pPr algn="ctr"/>
+            <a:endParaRPr lang="ko-KR" altLang="en-US"/>
+          </a:p>
+        </p:txBody>
+      </p:sp>
+      <p:sp>
+        <p:nvSpPr>
+          <p:cNvPr id="47" name="타원 46">
+            <a:extLst>
+              <a:ext uri="{FF2B5EF4-FFF2-40B4-BE49-F238E27FC236}">
+                <a16:creationId xmlns:a16="http://schemas.microsoft.com/office/drawing/2014/main" id="{33845E30-76BD-4CF9-96D3-3E9EC4F1C8AF}"/>
+              </a:ext>
+            </a:extLst>
+          </p:cNvPr>
+          <p:cNvSpPr/>
+          <p:nvPr/>
+        </p:nvSpPr>
+        <p:spPr>
+          <a:xfrm>
+            <a:off x="2352591" y="8240112"/>
+            <a:ext cx="1261241" cy="1261241"/>
+          </a:xfrm>
+          <a:prstGeom prst="ellipse">
+            <a:avLst/>
+          </a:prstGeom>
+          <a:solidFill>
+            <a:schemeClr val="bg2">
+              <a:lumMod val="90000"/>
+            </a:schemeClr>
+          </a:solidFill>
+          <a:ln>
+            <a:noFill/>
+          </a:ln>
+        </p:spPr>
+        <p:style>
+          <a:lnRef idx="2">
+            <a:schemeClr val="accent1">
+              <a:shade val="50000"/>
+            </a:schemeClr>
+          </a:lnRef>
+          <a:fillRef idx="1">
+            <a:schemeClr val="accent1"/>
+          </a:fillRef>
+          <a:effectRef idx="0">
+            <a:schemeClr val="accent1"/>
+          </a:effectRef>
+          <a:fontRef idx="minor">
+            <a:schemeClr val="lt1"/>
+          </a:fontRef>
+        </p:style>
+        <p:txBody>
+          <a:bodyPr rtlCol="0" anchor="ctr"/>
+          <a:lstStyle/>
+          <a:p>
+            <a:pPr algn="ctr"/>
+            <a:endParaRPr lang="ko-KR" altLang="en-US"/>
+          </a:p>
+        </p:txBody>
+      </p:sp>
+      <p:sp>
+        <p:nvSpPr>
+          <p:cNvPr id="48" name="타원 47">
+            <a:extLst>
+              <a:ext uri="{FF2B5EF4-FFF2-40B4-BE49-F238E27FC236}">
+                <a16:creationId xmlns:a16="http://schemas.microsoft.com/office/drawing/2014/main" id="{15F67221-49DC-4162-B00E-87F92BF06ECA}"/>
+              </a:ext>
+            </a:extLst>
+          </p:cNvPr>
+          <p:cNvSpPr/>
+          <p:nvPr/>
+        </p:nvSpPr>
+        <p:spPr>
+          <a:xfrm>
+            <a:off x="32385906" y="8240112"/>
+            <a:ext cx="1261241" cy="1261241"/>
+          </a:xfrm>
+          <a:prstGeom prst="ellipse">
+            <a:avLst/>
+          </a:prstGeom>
+          <a:solidFill>
+            <a:schemeClr val="bg2">
+              <a:lumMod val="90000"/>
+            </a:schemeClr>
+          </a:solidFill>
+          <a:ln>
+            <a:noFill/>
+          </a:ln>
+        </p:spPr>
+        <p:style>
+          <a:lnRef idx="2">
+            <a:schemeClr val="accent1">
+              <a:shade val="50000"/>
+            </a:schemeClr>
+          </a:lnRef>
+          <a:fillRef idx="1">
+            <a:schemeClr val="accent1"/>
+          </a:fillRef>
+          <a:effectRef idx="0">
+            <a:schemeClr val="accent1"/>
+          </a:effectRef>
+          <a:fontRef idx="minor">
+            <a:schemeClr val="lt1"/>
+          </a:fontRef>
+        </p:style>
+        <p:txBody>
+          <a:bodyPr rtlCol="0" anchor="ctr"/>
+          <a:lstStyle/>
+          <a:p>
+            <a:pPr algn="ctr"/>
+            <a:endParaRPr lang="ko-KR" altLang="en-US"/>
+          </a:p>
+        </p:txBody>
+      </p:sp>
+      <p:grpSp>
+        <p:nvGrpSpPr>
+          <p:cNvPr id="49" name="그룹 48">
+            <a:extLst>
+              <a:ext uri="{FF2B5EF4-FFF2-40B4-BE49-F238E27FC236}">
+                <a16:creationId xmlns:a16="http://schemas.microsoft.com/office/drawing/2014/main" id="{8460639B-17A0-418F-955D-89B03CCA229A}"/>
+              </a:ext>
+            </a:extLst>
+          </p:cNvPr>
+          <p:cNvGrpSpPr/>
+          <p:nvPr/>
+        </p:nvGrpSpPr>
+        <p:grpSpPr>
+          <a:xfrm>
+            <a:off x="2352591" y="10568154"/>
+            <a:ext cx="31294556" cy="1261242"/>
+            <a:chOff x="1976845" y="1255986"/>
+            <a:chExt cx="31294556" cy="1261242"/>
+          </a:xfrm>
+        </p:grpSpPr>
+        <p:sp>
+          <p:nvSpPr>
+            <p:cNvPr id="50" name="타원 49">
+              <a:extLst>
+                <a:ext uri="{FF2B5EF4-FFF2-40B4-BE49-F238E27FC236}">
+                  <a16:creationId xmlns:a16="http://schemas.microsoft.com/office/drawing/2014/main" id="{16767A4F-EF1B-4CBB-B989-04A5E786639B}"/>
+                </a:ext>
+              </a:extLst>
+            </p:cNvPr>
+            <p:cNvSpPr/>
+            <p:nvPr/>
+          </p:nvSpPr>
+          <p:spPr>
+            <a:xfrm>
+              <a:off x="5313880" y="1255987"/>
+              <a:ext cx="1261241" cy="1261241"/>
+            </a:xfrm>
+            <a:prstGeom prst="ellipse">
+              <a:avLst/>
+            </a:prstGeom>
+            <a:solidFill>
+              <a:schemeClr val="bg2">
+                <a:lumMod val="90000"/>
+              </a:schemeClr>
+            </a:solidFill>
+            <a:ln>
+              <a:noFill/>
+            </a:ln>
+          </p:spPr>
+          <p:style>
+            <a:lnRef idx="2">
+              <a:schemeClr val="accent1">
+                <a:shade val="50000"/>
+              </a:schemeClr>
+            </a:lnRef>
+            <a:fillRef idx="1">
+              <a:schemeClr val="accent1"/>
+            </a:fillRef>
+            <a:effectRef idx="0">
+              <a:schemeClr val="accent1"/>
+            </a:effectRef>
+            <a:fontRef idx="minor">
+              <a:schemeClr val="lt1"/>
+            </a:fontRef>
+          </p:style>
+          <p:txBody>
+            <a:bodyPr rtlCol="0" anchor="ctr"/>
+            <a:lstStyle/>
+            <a:p>
+              <a:pPr algn="ctr"/>
+              <a:endParaRPr lang="ko-KR" altLang="en-US"/>
+            </a:p>
+          </p:txBody>
+        </p:sp>
+        <p:sp>
+          <p:nvSpPr>
+            <p:cNvPr id="51" name="타원 50">
+              <a:extLst>
+                <a:ext uri="{FF2B5EF4-FFF2-40B4-BE49-F238E27FC236}">
+                  <a16:creationId xmlns:a16="http://schemas.microsoft.com/office/drawing/2014/main" id="{8B6F6793-6B27-4997-A060-47E3A0880C3B}"/>
+                </a:ext>
+              </a:extLst>
+            </p:cNvPr>
+            <p:cNvSpPr/>
+            <p:nvPr/>
+          </p:nvSpPr>
+          <p:spPr>
+            <a:xfrm>
+              <a:off x="8650915" y="1255987"/>
+              <a:ext cx="1261241" cy="1261241"/>
+            </a:xfrm>
+            <a:prstGeom prst="ellipse">
+              <a:avLst/>
+            </a:prstGeom>
+            <a:solidFill>
+              <a:schemeClr val="bg2">
+                <a:lumMod val="90000"/>
+              </a:schemeClr>
+            </a:solidFill>
+            <a:ln>
+              <a:noFill/>
+            </a:ln>
+          </p:spPr>
+          <p:style>
+            <a:lnRef idx="2">
+              <a:schemeClr val="accent1">
+                <a:shade val="50000"/>
+              </a:schemeClr>
+            </a:lnRef>
+            <a:fillRef idx="1">
+              <a:schemeClr val="accent1"/>
+            </a:fillRef>
+            <a:effectRef idx="0">
+              <a:schemeClr val="accent1"/>
+            </a:effectRef>
+            <a:fontRef idx="minor">
+              <a:schemeClr val="lt1"/>
+            </a:fontRef>
+          </p:style>
+          <p:txBody>
+            <a:bodyPr rtlCol="0" anchor="ctr"/>
+            <a:lstStyle/>
+            <a:p>
+              <a:pPr algn="ctr"/>
+              <a:endParaRPr lang="ko-KR" altLang="en-US"/>
+            </a:p>
+          </p:txBody>
+        </p:sp>
+        <p:sp>
+          <p:nvSpPr>
+            <p:cNvPr id="52" name="타원 51">
+              <a:extLst>
+                <a:ext uri="{FF2B5EF4-FFF2-40B4-BE49-F238E27FC236}">
+                  <a16:creationId xmlns:a16="http://schemas.microsoft.com/office/drawing/2014/main" id="{74B41404-2022-4533-97C6-7010066681C4}"/>
+                </a:ext>
+              </a:extLst>
+            </p:cNvPr>
+            <p:cNvSpPr/>
+            <p:nvPr/>
+          </p:nvSpPr>
+          <p:spPr>
+            <a:xfrm>
+              <a:off x="11987950" y="1255987"/>
+              <a:ext cx="1261241" cy="1261241"/>
+            </a:xfrm>
+            <a:prstGeom prst="ellipse">
+              <a:avLst/>
+            </a:prstGeom>
+            <a:solidFill>
+              <a:schemeClr val="bg2">
+                <a:lumMod val="90000"/>
+              </a:schemeClr>
+            </a:solidFill>
+            <a:ln>
+              <a:noFill/>
+            </a:ln>
+          </p:spPr>
+          <p:style>
+            <a:lnRef idx="2">
+              <a:schemeClr val="accent1">
+                <a:shade val="50000"/>
+              </a:schemeClr>
+            </a:lnRef>
+            <a:fillRef idx="1">
+              <a:schemeClr val="accent1"/>
+            </a:fillRef>
+            <a:effectRef idx="0">
+              <a:schemeClr val="accent1"/>
+            </a:effectRef>
+            <a:fontRef idx="minor">
+              <a:schemeClr val="lt1"/>
+            </a:fontRef>
+          </p:style>
+          <p:txBody>
+            <a:bodyPr rtlCol="0" anchor="ctr"/>
+            <a:lstStyle/>
+            <a:p>
+              <a:pPr algn="ctr"/>
+              <a:endParaRPr lang="ko-KR" altLang="en-US"/>
+            </a:p>
+          </p:txBody>
+        </p:sp>
+        <p:sp>
+          <p:nvSpPr>
+            <p:cNvPr id="53" name="타원 52">
+              <a:extLst>
+                <a:ext uri="{FF2B5EF4-FFF2-40B4-BE49-F238E27FC236}">
+                  <a16:creationId xmlns:a16="http://schemas.microsoft.com/office/drawing/2014/main" id="{7E38E5E6-418E-49CE-8341-E3436975C449}"/>
+                </a:ext>
+              </a:extLst>
+            </p:cNvPr>
+            <p:cNvSpPr/>
+            <p:nvPr/>
+          </p:nvSpPr>
+          <p:spPr>
+            <a:xfrm>
+              <a:off x="15324985" y="1255986"/>
+              <a:ext cx="1261241" cy="1261241"/>
+            </a:xfrm>
+            <a:prstGeom prst="ellipse">
+              <a:avLst/>
+            </a:prstGeom>
+            <a:solidFill>
+              <a:schemeClr val="bg2">
+                <a:lumMod val="90000"/>
+              </a:schemeClr>
+            </a:solidFill>
+            <a:ln>
+              <a:noFill/>
+            </a:ln>
+          </p:spPr>
+          <p:style>
+            <a:lnRef idx="2">
+              <a:schemeClr val="accent1">
+                <a:shade val="50000"/>
+              </a:schemeClr>
+            </a:lnRef>
+            <a:fillRef idx="1">
+              <a:schemeClr val="accent1"/>
+            </a:fillRef>
+            <a:effectRef idx="0">
+              <a:schemeClr val="accent1"/>
+            </a:effectRef>
+            <a:fontRef idx="minor">
+              <a:schemeClr val="lt1"/>
+            </a:fontRef>
+          </p:style>
+          <p:txBody>
+            <a:bodyPr rtlCol="0" anchor="ctr"/>
+            <a:lstStyle/>
+            <a:p>
+              <a:pPr algn="ctr"/>
+              <a:endParaRPr lang="ko-KR" altLang="en-US"/>
+            </a:p>
+          </p:txBody>
+        </p:sp>
+        <p:sp>
+          <p:nvSpPr>
+            <p:cNvPr id="54" name="타원 53">
+              <a:extLst>
+                <a:ext uri="{FF2B5EF4-FFF2-40B4-BE49-F238E27FC236}">
+                  <a16:creationId xmlns:a16="http://schemas.microsoft.com/office/drawing/2014/main" id="{A50F3754-9860-4C2C-87BE-971AF0B860CC}"/>
+                </a:ext>
+              </a:extLst>
+            </p:cNvPr>
+            <p:cNvSpPr/>
+            <p:nvPr/>
+          </p:nvSpPr>
+          <p:spPr>
+            <a:xfrm>
+              <a:off x="18662020" y="1255986"/>
+              <a:ext cx="1261241" cy="1261241"/>
+            </a:xfrm>
+            <a:prstGeom prst="ellipse">
+              <a:avLst/>
+            </a:prstGeom>
+            <a:solidFill>
+              <a:schemeClr val="bg2">
+                <a:lumMod val="90000"/>
+              </a:schemeClr>
+            </a:solidFill>
+            <a:ln>
+              <a:noFill/>
+            </a:ln>
+          </p:spPr>
+          <p:style>
+            <a:lnRef idx="2">
+              <a:schemeClr val="accent1">
+                <a:shade val="50000"/>
+              </a:schemeClr>
+            </a:lnRef>
+            <a:fillRef idx="1">
+              <a:schemeClr val="accent1"/>
+            </a:fillRef>
+            <a:effectRef idx="0">
+              <a:schemeClr val="accent1"/>
+            </a:effectRef>
+            <a:fontRef idx="minor">
+              <a:schemeClr val="lt1"/>
+            </a:fontRef>
+          </p:style>
+          <p:txBody>
+            <a:bodyPr rtlCol="0" anchor="ctr"/>
+            <a:lstStyle/>
+            <a:p>
+              <a:pPr algn="ctr"/>
+              <a:endParaRPr lang="ko-KR" altLang="en-US"/>
+            </a:p>
+          </p:txBody>
+        </p:sp>
+        <p:sp>
+          <p:nvSpPr>
+            <p:cNvPr id="55" name="타원 54">
+              <a:extLst>
+                <a:ext uri="{FF2B5EF4-FFF2-40B4-BE49-F238E27FC236}">
+                  <a16:creationId xmlns:a16="http://schemas.microsoft.com/office/drawing/2014/main" id="{C3122FD7-B94C-4BA7-A25D-A19F9571D89C}"/>
+                </a:ext>
+              </a:extLst>
+            </p:cNvPr>
+            <p:cNvSpPr/>
+            <p:nvPr/>
+          </p:nvSpPr>
+          <p:spPr>
+            <a:xfrm>
+              <a:off x="21999055" y="1255986"/>
+              <a:ext cx="1261241" cy="1261241"/>
+            </a:xfrm>
+            <a:prstGeom prst="ellipse">
+              <a:avLst/>
+            </a:prstGeom>
+            <a:solidFill>
+              <a:schemeClr val="bg2">
+                <a:lumMod val="90000"/>
+              </a:schemeClr>
+            </a:solidFill>
+            <a:ln>
+              <a:noFill/>
+            </a:ln>
+          </p:spPr>
+          <p:style>
+            <a:lnRef idx="2">
+              <a:schemeClr val="accent1">
+                <a:shade val="50000"/>
+              </a:schemeClr>
+            </a:lnRef>
+            <a:fillRef idx="1">
+              <a:schemeClr val="accent1"/>
+            </a:fillRef>
+            <a:effectRef idx="0">
+              <a:schemeClr val="accent1"/>
+            </a:effectRef>
+            <a:fontRef idx="minor">
+              <a:schemeClr val="lt1"/>
+            </a:fontRef>
+          </p:style>
+          <p:txBody>
+            <a:bodyPr rtlCol="0" anchor="ctr"/>
+            <a:lstStyle/>
+            <a:p>
+              <a:pPr algn="ctr"/>
+              <a:endParaRPr lang="ko-KR" altLang="en-US"/>
+            </a:p>
+          </p:txBody>
+        </p:sp>
+        <p:sp>
+          <p:nvSpPr>
+            <p:cNvPr id="56" name="타원 55">
+              <a:extLst>
+                <a:ext uri="{FF2B5EF4-FFF2-40B4-BE49-F238E27FC236}">
+                  <a16:creationId xmlns:a16="http://schemas.microsoft.com/office/drawing/2014/main" id="{470A2B99-DEC9-49DE-A85D-941EA5149CF4}"/>
+                </a:ext>
+              </a:extLst>
+            </p:cNvPr>
+            <p:cNvSpPr/>
+            <p:nvPr/>
+          </p:nvSpPr>
+          <p:spPr>
+            <a:xfrm>
+              <a:off x="25336090" y="1255986"/>
+              <a:ext cx="1261241" cy="1261241"/>
+            </a:xfrm>
+            <a:prstGeom prst="ellipse">
+              <a:avLst/>
+            </a:prstGeom>
+            <a:solidFill>
+              <a:schemeClr val="bg2">
+                <a:lumMod val="90000"/>
+              </a:schemeClr>
+            </a:solidFill>
+            <a:ln>
+              <a:noFill/>
+            </a:ln>
+          </p:spPr>
+          <p:style>
+            <a:lnRef idx="2">
+              <a:schemeClr val="accent1">
+                <a:shade val="50000"/>
+              </a:schemeClr>
+            </a:lnRef>
+            <a:fillRef idx="1">
+              <a:schemeClr val="accent1"/>
+            </a:fillRef>
+            <a:effectRef idx="0">
+              <a:schemeClr val="accent1"/>
+            </a:effectRef>
+            <a:fontRef idx="minor">
+              <a:schemeClr val="lt1"/>
+            </a:fontRef>
+          </p:style>
+          <p:txBody>
+            <a:bodyPr rtlCol="0" anchor="ctr"/>
+            <a:lstStyle/>
+            <a:p>
+              <a:pPr algn="ctr"/>
+              <a:endParaRPr lang="ko-KR" altLang="en-US"/>
+            </a:p>
+          </p:txBody>
+        </p:sp>
+        <p:sp>
+          <p:nvSpPr>
+            <p:cNvPr id="57" name="타원 56">
+              <a:extLst>
+                <a:ext uri="{FF2B5EF4-FFF2-40B4-BE49-F238E27FC236}">
+                  <a16:creationId xmlns:a16="http://schemas.microsoft.com/office/drawing/2014/main" id="{606815B9-6EA5-419E-878D-ADA46097E132}"/>
+                </a:ext>
+              </a:extLst>
+            </p:cNvPr>
+            <p:cNvSpPr/>
+            <p:nvPr/>
+          </p:nvSpPr>
+          <p:spPr>
+            <a:xfrm>
+              <a:off x="28673125" y="1255986"/>
+              <a:ext cx="1261241" cy="1261241"/>
+            </a:xfrm>
+            <a:prstGeom prst="ellipse">
+              <a:avLst/>
+            </a:prstGeom>
+            <a:solidFill>
+              <a:schemeClr val="bg2">
+                <a:lumMod val="90000"/>
+              </a:schemeClr>
+            </a:solidFill>
+            <a:ln>
+              <a:noFill/>
+            </a:ln>
+          </p:spPr>
+          <p:style>
+            <a:lnRef idx="2">
+              <a:schemeClr val="accent1">
+                <a:shade val="50000"/>
+              </a:schemeClr>
+            </a:lnRef>
+            <a:fillRef idx="1">
+              <a:schemeClr val="accent1"/>
+            </a:fillRef>
+            <a:effectRef idx="0">
+              <a:schemeClr val="accent1"/>
+            </a:effectRef>
+            <a:fontRef idx="minor">
+              <a:schemeClr val="lt1"/>
+            </a:fontRef>
+          </p:style>
+          <p:txBody>
+            <a:bodyPr rtlCol="0" anchor="ctr"/>
+            <a:lstStyle/>
+            <a:p>
+              <a:pPr algn="ctr"/>
+              <a:endParaRPr lang="ko-KR" altLang="en-US"/>
+            </a:p>
+          </p:txBody>
+        </p:sp>
+        <p:sp>
+          <p:nvSpPr>
+            <p:cNvPr id="58" name="타원 57">
+              <a:extLst>
+                <a:ext uri="{FF2B5EF4-FFF2-40B4-BE49-F238E27FC236}">
+                  <a16:creationId xmlns:a16="http://schemas.microsoft.com/office/drawing/2014/main" id="{C4801AC0-1A8E-4041-93B5-408D3C3858C4}"/>
+                </a:ext>
+              </a:extLst>
+            </p:cNvPr>
+            <p:cNvSpPr/>
+            <p:nvPr/>
+          </p:nvSpPr>
+          <p:spPr>
+            <a:xfrm>
+              <a:off x="1976845" y="1255986"/>
+              <a:ext cx="1261241" cy="1261241"/>
+            </a:xfrm>
+            <a:prstGeom prst="ellipse">
+              <a:avLst/>
+            </a:prstGeom>
+            <a:solidFill>
+              <a:schemeClr val="bg2">
+                <a:lumMod val="90000"/>
+              </a:schemeClr>
+            </a:solidFill>
+            <a:ln>
+              <a:noFill/>
+            </a:ln>
+          </p:spPr>
+          <p:style>
+            <a:lnRef idx="2">
+              <a:schemeClr val="accent1">
+                <a:shade val="50000"/>
+              </a:schemeClr>
+            </a:lnRef>
+            <a:fillRef idx="1">
+              <a:schemeClr val="accent1"/>
+            </a:fillRef>
+            <a:effectRef idx="0">
+              <a:schemeClr val="accent1"/>
+            </a:effectRef>
+            <a:fontRef idx="minor">
+              <a:schemeClr val="lt1"/>
+            </a:fontRef>
+          </p:style>
+          <p:txBody>
+            <a:bodyPr rtlCol="0" anchor="ctr"/>
+            <a:lstStyle/>
+            <a:p>
+              <a:pPr algn="ctr"/>
+              <a:endParaRPr lang="ko-KR" altLang="en-US"/>
+            </a:p>
+          </p:txBody>
+        </p:sp>
+        <p:sp>
+          <p:nvSpPr>
+            <p:cNvPr id="59" name="타원 58">
+              <a:extLst>
+                <a:ext uri="{FF2B5EF4-FFF2-40B4-BE49-F238E27FC236}">
+                  <a16:creationId xmlns:a16="http://schemas.microsoft.com/office/drawing/2014/main" id="{8E37D599-FDA3-4B89-A398-0B7EB3EB2F25}"/>
+                </a:ext>
+              </a:extLst>
+            </p:cNvPr>
+            <p:cNvSpPr/>
+            <p:nvPr/>
+          </p:nvSpPr>
+          <p:spPr>
+            <a:xfrm>
+              <a:off x="32010160" y="1255986"/>
+              <a:ext cx="1261241" cy="1261241"/>
+            </a:xfrm>
+            <a:prstGeom prst="ellipse">
+              <a:avLst/>
+            </a:prstGeom>
+            <a:solidFill>
+              <a:schemeClr val="bg2">
+                <a:lumMod val="90000"/>
+              </a:schemeClr>
+            </a:solidFill>
+            <a:ln>
+              <a:noFill/>
+            </a:ln>
+          </p:spPr>
+          <p:style>
+            <a:lnRef idx="2">
+              <a:schemeClr val="accent1">
+                <a:shade val="50000"/>
+              </a:schemeClr>
+            </a:lnRef>
+            <a:fillRef idx="1">
+              <a:schemeClr val="accent1"/>
+            </a:fillRef>
+            <a:effectRef idx="0">
+              <a:schemeClr val="accent1"/>
+            </a:effectRef>
+            <a:fontRef idx="minor">
+              <a:schemeClr val="lt1"/>
+            </a:fontRef>
+          </p:style>
+          <p:txBody>
+            <a:bodyPr rtlCol="0" anchor="ctr"/>
+            <a:lstStyle/>
+            <a:p>
+              <a:pPr algn="ctr"/>
+              <a:endParaRPr lang="ko-KR" altLang="en-US"/>
+            </a:p>
+          </p:txBody>
+        </p:sp>
+      </p:grpSp>
+      <p:grpSp>
+        <p:nvGrpSpPr>
+          <p:cNvPr id="60" name="그룹 59">
+            <a:extLst>
+              <a:ext uri="{FF2B5EF4-FFF2-40B4-BE49-F238E27FC236}">
+                <a16:creationId xmlns:a16="http://schemas.microsoft.com/office/drawing/2014/main" id="{CE32411F-CCE0-4662-AC6C-90F19278CABD}"/>
+              </a:ext>
+            </a:extLst>
+          </p:cNvPr>
+          <p:cNvGrpSpPr/>
+          <p:nvPr/>
+        </p:nvGrpSpPr>
+        <p:grpSpPr>
+          <a:xfrm>
+            <a:off x="2352591" y="12896196"/>
+            <a:ext cx="31294556" cy="1261242"/>
+            <a:chOff x="1976845" y="1255986"/>
+            <a:chExt cx="31294556" cy="1261242"/>
+          </a:xfrm>
+        </p:grpSpPr>
+        <p:sp>
+          <p:nvSpPr>
+            <p:cNvPr id="61" name="타원 60">
+              <a:extLst>
+                <a:ext uri="{FF2B5EF4-FFF2-40B4-BE49-F238E27FC236}">
+                  <a16:creationId xmlns:a16="http://schemas.microsoft.com/office/drawing/2014/main" id="{EB9509A1-5E03-4632-9257-3A98A0FD630A}"/>
+                </a:ext>
+              </a:extLst>
+            </p:cNvPr>
+            <p:cNvSpPr/>
+            <p:nvPr/>
+          </p:nvSpPr>
+          <p:spPr>
+            <a:xfrm>
+              <a:off x="5313880" y="1255987"/>
+              <a:ext cx="1261241" cy="1261241"/>
+            </a:xfrm>
+            <a:prstGeom prst="ellipse">
+              <a:avLst/>
+            </a:prstGeom>
+            <a:solidFill>
+              <a:schemeClr val="bg2">
+                <a:lumMod val="90000"/>
+              </a:schemeClr>
+            </a:solidFill>
+            <a:ln>
+              <a:noFill/>
+            </a:ln>
+          </p:spPr>
+          <p:style>
+            <a:lnRef idx="2">
+              <a:schemeClr val="accent1">
+                <a:shade val="50000"/>
+              </a:schemeClr>
+            </a:lnRef>
+            <a:fillRef idx="1">
+              <a:schemeClr val="accent1"/>
+            </a:fillRef>
+            <a:effectRef idx="0">
+              <a:schemeClr val="accent1"/>
+            </a:effectRef>
+            <a:fontRef idx="minor">
+              <a:schemeClr val="lt1"/>
+            </a:fontRef>
+          </p:style>
+          <p:txBody>
+            <a:bodyPr rtlCol="0" anchor="ctr"/>
+            <a:lstStyle/>
+            <a:p>
+              <a:pPr algn="ctr"/>
+              <a:endParaRPr lang="ko-KR" altLang="en-US"/>
+            </a:p>
+          </p:txBody>
+        </p:sp>
+        <p:sp>
+          <p:nvSpPr>
+            <p:cNvPr id="62" name="타원 61">
+              <a:extLst>
+                <a:ext uri="{FF2B5EF4-FFF2-40B4-BE49-F238E27FC236}">
+                  <a16:creationId xmlns:a16="http://schemas.microsoft.com/office/drawing/2014/main" id="{CB1C8516-7304-4252-BC5B-52D9AE9221B9}"/>
+                </a:ext>
+              </a:extLst>
+            </p:cNvPr>
+            <p:cNvSpPr/>
+            <p:nvPr/>
+          </p:nvSpPr>
+          <p:spPr>
+            <a:xfrm>
+              <a:off x="8650915" y="1255987"/>
+              <a:ext cx="1261241" cy="1261241"/>
+            </a:xfrm>
+            <a:prstGeom prst="ellipse">
+              <a:avLst/>
+            </a:prstGeom>
+            <a:solidFill>
+              <a:schemeClr val="bg2">
+                <a:lumMod val="90000"/>
+              </a:schemeClr>
+            </a:solidFill>
+            <a:ln>
+              <a:noFill/>
+            </a:ln>
+          </p:spPr>
+          <p:style>
+            <a:lnRef idx="2">
+              <a:schemeClr val="accent1">
+                <a:shade val="50000"/>
+              </a:schemeClr>
+            </a:lnRef>
+            <a:fillRef idx="1">
+              <a:schemeClr val="accent1"/>
+            </a:fillRef>
+            <a:effectRef idx="0">
+              <a:schemeClr val="accent1"/>
+            </a:effectRef>
+            <a:fontRef idx="minor">
+              <a:schemeClr val="lt1"/>
+            </a:fontRef>
+          </p:style>
+          <p:txBody>
+            <a:bodyPr rtlCol="0" anchor="ctr"/>
+            <a:lstStyle/>
+            <a:p>
+              <a:pPr algn="ctr"/>
+              <a:endParaRPr lang="ko-KR" altLang="en-US"/>
+            </a:p>
+          </p:txBody>
+        </p:sp>
+        <p:sp>
+          <p:nvSpPr>
+            <p:cNvPr id="63" name="타원 62">
+              <a:extLst>
+                <a:ext uri="{FF2B5EF4-FFF2-40B4-BE49-F238E27FC236}">
+                  <a16:creationId xmlns:a16="http://schemas.microsoft.com/office/drawing/2014/main" id="{E137D2AC-61C6-41E3-89CC-2DD99AE43536}"/>
+                </a:ext>
+              </a:extLst>
+            </p:cNvPr>
+            <p:cNvSpPr/>
+            <p:nvPr/>
+          </p:nvSpPr>
+          <p:spPr>
+            <a:xfrm>
+              <a:off x="11987950" y="1255987"/>
+              <a:ext cx="1261241" cy="1261241"/>
+            </a:xfrm>
+            <a:prstGeom prst="ellipse">
+              <a:avLst/>
+            </a:prstGeom>
+            <a:solidFill>
+              <a:schemeClr val="bg2">
+                <a:lumMod val="90000"/>
+              </a:schemeClr>
+            </a:solidFill>
+            <a:ln>
+              <a:noFill/>
+            </a:ln>
+          </p:spPr>
+          <p:style>
+            <a:lnRef idx="2">
+              <a:schemeClr val="accent1">
+                <a:shade val="50000"/>
+              </a:schemeClr>
+            </a:lnRef>
+            <a:fillRef idx="1">
+              <a:schemeClr val="accent1"/>
+            </a:fillRef>
+            <a:effectRef idx="0">
+              <a:schemeClr val="accent1"/>
+            </a:effectRef>
+            <a:fontRef idx="minor">
+              <a:schemeClr val="lt1"/>
+            </a:fontRef>
+          </p:style>
+          <p:txBody>
+            <a:bodyPr rtlCol="0" anchor="ctr"/>
+            <a:lstStyle/>
+            <a:p>
+              <a:pPr algn="ctr"/>
+              <a:endParaRPr lang="ko-KR" altLang="en-US"/>
+            </a:p>
+          </p:txBody>
+        </p:sp>
+        <p:sp>
+          <p:nvSpPr>
+            <p:cNvPr id="64" name="타원 63">
+              <a:extLst>
+                <a:ext uri="{FF2B5EF4-FFF2-40B4-BE49-F238E27FC236}">
+                  <a16:creationId xmlns:a16="http://schemas.microsoft.com/office/drawing/2014/main" id="{97834DCB-EF22-4735-A336-38FF3356B30E}"/>
+                </a:ext>
+              </a:extLst>
+            </p:cNvPr>
+            <p:cNvSpPr/>
+            <p:nvPr/>
+          </p:nvSpPr>
+          <p:spPr>
+            <a:xfrm>
+              <a:off x="15324985" y="1255986"/>
+              <a:ext cx="1261241" cy="1261241"/>
+            </a:xfrm>
+            <a:prstGeom prst="ellipse">
+              <a:avLst/>
+            </a:prstGeom>
+            <a:solidFill>
+              <a:schemeClr val="bg2">
+                <a:lumMod val="90000"/>
+              </a:schemeClr>
+            </a:solidFill>
+            <a:ln>
+              <a:noFill/>
+            </a:ln>
+          </p:spPr>
+          <p:style>
+            <a:lnRef idx="2">
+              <a:schemeClr val="accent1">
+                <a:shade val="50000"/>
+              </a:schemeClr>
+            </a:lnRef>
+            <a:fillRef idx="1">
+              <a:schemeClr val="accent1"/>
+            </a:fillRef>
+            <a:effectRef idx="0">
+              <a:schemeClr val="accent1"/>
+            </a:effectRef>
+            <a:fontRef idx="minor">
+              <a:schemeClr val="lt1"/>
+            </a:fontRef>
+          </p:style>
+          <p:txBody>
+            <a:bodyPr rtlCol="0" anchor="ctr"/>
+            <a:lstStyle/>
+            <a:p>
+              <a:pPr algn="ctr"/>
+              <a:endParaRPr lang="ko-KR" altLang="en-US"/>
+            </a:p>
+          </p:txBody>
+        </p:sp>
+        <p:sp>
+          <p:nvSpPr>
+            <p:cNvPr id="65" name="타원 64">
+              <a:extLst>
+                <a:ext uri="{FF2B5EF4-FFF2-40B4-BE49-F238E27FC236}">
+                  <a16:creationId xmlns:a16="http://schemas.microsoft.com/office/drawing/2014/main" id="{F58A4D5A-CB8A-4982-BE74-161F9092C9AA}"/>
+                </a:ext>
+              </a:extLst>
+            </p:cNvPr>
+            <p:cNvSpPr/>
+            <p:nvPr/>
+          </p:nvSpPr>
+          <p:spPr>
+            <a:xfrm>
+              <a:off x="18662020" y="1255986"/>
+              <a:ext cx="1261241" cy="1261241"/>
+            </a:xfrm>
+            <a:prstGeom prst="ellipse">
+              <a:avLst/>
+            </a:prstGeom>
+            <a:solidFill>
+              <a:schemeClr val="bg2">
+                <a:lumMod val="90000"/>
+              </a:schemeClr>
+            </a:solidFill>
+            <a:ln>
+              <a:noFill/>
+            </a:ln>
+          </p:spPr>
+          <p:style>
+            <a:lnRef idx="2">
+              <a:schemeClr val="accent1">
+                <a:shade val="50000"/>
+              </a:schemeClr>
+            </a:lnRef>
+            <a:fillRef idx="1">
+              <a:schemeClr val="accent1"/>
+            </a:fillRef>
+            <a:effectRef idx="0">
+              <a:schemeClr val="accent1"/>
+            </a:effectRef>
+            <a:fontRef idx="minor">
+              <a:schemeClr val="lt1"/>
+            </a:fontRef>
+          </p:style>
+          <p:txBody>
+            <a:bodyPr rtlCol="0" anchor="ctr"/>
+            <a:lstStyle/>
+            <a:p>
+              <a:pPr algn="ctr"/>
+              <a:endParaRPr lang="ko-KR" altLang="en-US"/>
+            </a:p>
+          </p:txBody>
+        </p:sp>
+        <p:sp>
+          <p:nvSpPr>
+            <p:cNvPr id="66" name="타원 65">
+              <a:extLst>
+                <a:ext uri="{FF2B5EF4-FFF2-40B4-BE49-F238E27FC236}">
+                  <a16:creationId xmlns:a16="http://schemas.microsoft.com/office/drawing/2014/main" id="{CD7DF6D5-FD5C-4106-8C99-05C03A716974}"/>
+                </a:ext>
+              </a:extLst>
+            </p:cNvPr>
+            <p:cNvSpPr/>
+            <p:nvPr/>
+          </p:nvSpPr>
+          <p:spPr>
+            <a:xfrm>
+              <a:off x="21999055" y="1255986"/>
+              <a:ext cx="1261241" cy="1261241"/>
+            </a:xfrm>
+            <a:prstGeom prst="ellipse">
+              <a:avLst/>
+            </a:prstGeom>
+            <a:solidFill>
+              <a:schemeClr val="bg2">
+                <a:lumMod val="90000"/>
+              </a:schemeClr>
+            </a:solidFill>
+            <a:ln>
+              <a:noFill/>
+            </a:ln>
+          </p:spPr>
+          <p:style>
+            <a:lnRef idx="2">
+              <a:schemeClr val="accent1">
+                <a:shade val="50000"/>
+              </a:schemeClr>
+            </a:lnRef>
+            <a:fillRef idx="1">
+              <a:schemeClr val="accent1"/>
+            </a:fillRef>
+            <a:effectRef idx="0">
+              <a:schemeClr val="accent1"/>
+            </a:effectRef>
+            <a:fontRef idx="minor">
+              <a:schemeClr val="lt1"/>
+            </a:fontRef>
+          </p:style>
+          <p:txBody>
+            <a:bodyPr rtlCol="0" anchor="ctr"/>
+            <a:lstStyle/>
+            <a:p>
+              <a:pPr algn="ctr"/>
+              <a:endParaRPr lang="ko-KR" altLang="en-US"/>
+            </a:p>
+          </p:txBody>
+        </p:sp>
+        <p:sp>
+          <p:nvSpPr>
+            <p:cNvPr id="67" name="타원 66">
+              <a:extLst>
+                <a:ext uri="{FF2B5EF4-FFF2-40B4-BE49-F238E27FC236}">
+                  <a16:creationId xmlns:a16="http://schemas.microsoft.com/office/drawing/2014/main" id="{2610EF67-6B86-4966-A16F-13CE6374302A}"/>
+                </a:ext>
+              </a:extLst>
+            </p:cNvPr>
+            <p:cNvSpPr/>
+            <p:nvPr/>
+          </p:nvSpPr>
+          <p:spPr>
+            <a:xfrm>
+              <a:off x="25336090" y="1255986"/>
+              <a:ext cx="1261241" cy="1261241"/>
+            </a:xfrm>
+            <a:prstGeom prst="ellipse">
+              <a:avLst/>
+            </a:prstGeom>
+            <a:solidFill>
+              <a:schemeClr val="bg2">
+                <a:lumMod val="90000"/>
+              </a:schemeClr>
+            </a:solidFill>
+            <a:ln>
+              <a:noFill/>
+            </a:ln>
+          </p:spPr>
+          <p:style>
+            <a:lnRef idx="2">
+              <a:schemeClr val="accent1">
+                <a:shade val="50000"/>
+              </a:schemeClr>
+            </a:lnRef>
+            <a:fillRef idx="1">
+              <a:schemeClr val="accent1"/>
+            </a:fillRef>
+            <a:effectRef idx="0">
+              <a:schemeClr val="accent1"/>
+            </a:effectRef>
+            <a:fontRef idx="minor">
+              <a:schemeClr val="lt1"/>
+            </a:fontRef>
+          </p:style>
+          <p:txBody>
+            <a:bodyPr rtlCol="0" anchor="ctr"/>
+            <a:lstStyle/>
+            <a:p>
+              <a:pPr algn="ctr"/>
+              <a:endParaRPr lang="ko-KR" altLang="en-US"/>
+            </a:p>
+          </p:txBody>
+        </p:sp>
+        <p:sp>
+          <p:nvSpPr>
+            <p:cNvPr id="68" name="타원 67">
+              <a:extLst>
+                <a:ext uri="{FF2B5EF4-FFF2-40B4-BE49-F238E27FC236}">
+                  <a16:creationId xmlns:a16="http://schemas.microsoft.com/office/drawing/2014/main" id="{3D877A6A-8325-4859-9E29-0068BA3D8456}"/>
+                </a:ext>
+              </a:extLst>
+            </p:cNvPr>
+            <p:cNvSpPr/>
+            <p:nvPr/>
+          </p:nvSpPr>
+          <p:spPr>
+            <a:xfrm>
+              <a:off x="28673125" y="1255986"/>
+              <a:ext cx="1261241" cy="1261241"/>
+            </a:xfrm>
+            <a:prstGeom prst="ellipse">
+              <a:avLst/>
+            </a:prstGeom>
+            <a:solidFill>
+              <a:schemeClr val="bg2">
+                <a:lumMod val="90000"/>
+              </a:schemeClr>
+            </a:solidFill>
+            <a:ln>
+              <a:noFill/>
+            </a:ln>
+          </p:spPr>
+          <p:style>
+            <a:lnRef idx="2">
+              <a:schemeClr val="accent1">
+                <a:shade val="50000"/>
+              </a:schemeClr>
+            </a:lnRef>
+            <a:fillRef idx="1">
+              <a:schemeClr val="accent1"/>
+            </a:fillRef>
+            <a:effectRef idx="0">
+              <a:schemeClr val="accent1"/>
+            </a:effectRef>
+            <a:fontRef idx="minor">
+              <a:schemeClr val="lt1"/>
+            </a:fontRef>
+          </p:style>
+          <p:txBody>
+            <a:bodyPr rtlCol="0" anchor="ctr"/>
+            <a:lstStyle/>
+            <a:p>
+              <a:pPr algn="ctr"/>
+              <a:endParaRPr lang="ko-KR" altLang="en-US"/>
+            </a:p>
+          </p:txBody>
+        </p:sp>
+        <p:sp>
+          <p:nvSpPr>
+            <p:cNvPr id="69" name="타원 68">
+              <a:extLst>
+                <a:ext uri="{FF2B5EF4-FFF2-40B4-BE49-F238E27FC236}">
+                  <a16:creationId xmlns:a16="http://schemas.microsoft.com/office/drawing/2014/main" id="{238E475F-44F2-4702-99F8-394174B8901C}"/>
+                </a:ext>
+              </a:extLst>
+            </p:cNvPr>
+            <p:cNvSpPr/>
+            <p:nvPr/>
+          </p:nvSpPr>
+          <p:spPr>
+            <a:xfrm>
+              <a:off x="1976845" y="1255986"/>
+              <a:ext cx="1261241" cy="1261241"/>
+            </a:xfrm>
+            <a:prstGeom prst="ellipse">
+              <a:avLst/>
+            </a:prstGeom>
+            <a:solidFill>
+              <a:schemeClr val="bg2">
+                <a:lumMod val="90000"/>
+              </a:schemeClr>
+            </a:solidFill>
+            <a:ln>
+              <a:noFill/>
+            </a:ln>
+          </p:spPr>
+          <p:style>
+            <a:lnRef idx="2">
+              <a:schemeClr val="accent1">
+                <a:shade val="50000"/>
+              </a:schemeClr>
+            </a:lnRef>
+            <a:fillRef idx="1">
+              <a:schemeClr val="accent1"/>
+            </a:fillRef>
+            <a:effectRef idx="0">
+              <a:schemeClr val="accent1"/>
+            </a:effectRef>
+            <a:fontRef idx="minor">
+              <a:schemeClr val="lt1"/>
+            </a:fontRef>
+          </p:style>
+          <p:txBody>
+            <a:bodyPr rtlCol="0" anchor="ctr"/>
+            <a:lstStyle/>
+            <a:p>
+              <a:pPr algn="ctr"/>
+              <a:endParaRPr lang="ko-KR" altLang="en-US"/>
+            </a:p>
+          </p:txBody>
+        </p:sp>
+        <p:sp>
+          <p:nvSpPr>
+            <p:cNvPr id="70" name="타원 69">
+              <a:extLst>
+                <a:ext uri="{FF2B5EF4-FFF2-40B4-BE49-F238E27FC236}">
+                  <a16:creationId xmlns:a16="http://schemas.microsoft.com/office/drawing/2014/main" id="{FC0E70C0-1492-4F4B-881C-F17496A631FB}"/>
+                </a:ext>
+              </a:extLst>
+            </p:cNvPr>
+            <p:cNvSpPr/>
+            <p:nvPr/>
+          </p:nvSpPr>
+          <p:spPr>
+            <a:xfrm>
+              <a:off x="32010160" y="1255986"/>
+              <a:ext cx="1261241" cy="1261241"/>
+            </a:xfrm>
+            <a:prstGeom prst="ellipse">
+              <a:avLst/>
+            </a:prstGeom>
+            <a:solidFill>
+              <a:schemeClr val="bg2">
+                <a:lumMod val="90000"/>
+              </a:schemeClr>
+            </a:solidFill>
+            <a:ln>
+              <a:noFill/>
+            </a:ln>
+          </p:spPr>
+          <p:style>
+            <a:lnRef idx="2">
+              <a:schemeClr val="accent1">
+                <a:shade val="50000"/>
+              </a:schemeClr>
+            </a:lnRef>
+            <a:fillRef idx="1">
+              <a:schemeClr val="accent1"/>
+            </a:fillRef>
+            <a:effectRef idx="0">
+              <a:schemeClr val="accent1"/>
+            </a:effectRef>
+            <a:fontRef idx="minor">
+              <a:schemeClr val="lt1"/>
+            </a:fontRef>
+          </p:style>
+          <p:txBody>
+            <a:bodyPr rtlCol="0" anchor="ctr"/>
+            <a:lstStyle/>
+            <a:p>
+              <a:pPr algn="ctr"/>
+              <a:endParaRPr lang="ko-KR" altLang="en-US"/>
+            </a:p>
+          </p:txBody>
+        </p:sp>
+      </p:grpSp>
+      <p:grpSp>
+        <p:nvGrpSpPr>
+          <p:cNvPr id="71" name="그룹 70">
+            <a:extLst>
+              <a:ext uri="{FF2B5EF4-FFF2-40B4-BE49-F238E27FC236}">
+                <a16:creationId xmlns:a16="http://schemas.microsoft.com/office/drawing/2014/main" id="{CE2F9823-5C70-4F3A-A060-DC83A4F6A094}"/>
+              </a:ext>
+            </a:extLst>
+          </p:cNvPr>
+          <p:cNvGrpSpPr/>
+          <p:nvPr/>
+        </p:nvGrpSpPr>
+        <p:grpSpPr>
+          <a:xfrm>
+            <a:off x="2352591" y="15224238"/>
+            <a:ext cx="31294556" cy="1261242"/>
+            <a:chOff x="1976845" y="1255986"/>
+            <a:chExt cx="31294556" cy="1261242"/>
+          </a:xfrm>
+        </p:grpSpPr>
+        <p:sp>
+          <p:nvSpPr>
+            <p:cNvPr id="72" name="타원 71">
+              <a:extLst>
+                <a:ext uri="{FF2B5EF4-FFF2-40B4-BE49-F238E27FC236}">
+                  <a16:creationId xmlns:a16="http://schemas.microsoft.com/office/drawing/2014/main" id="{41AF5624-C83C-49E9-BF3F-77A9D3FD35ED}"/>
+                </a:ext>
+              </a:extLst>
+            </p:cNvPr>
+            <p:cNvSpPr/>
+            <p:nvPr/>
+          </p:nvSpPr>
+          <p:spPr>
+            <a:xfrm>
+              <a:off x="5313880" y="1255987"/>
+              <a:ext cx="1261241" cy="1261241"/>
+            </a:xfrm>
+            <a:prstGeom prst="ellipse">
+              <a:avLst/>
+            </a:prstGeom>
+            <a:solidFill>
+              <a:schemeClr val="bg2">
+                <a:lumMod val="90000"/>
+              </a:schemeClr>
+            </a:solidFill>
+            <a:ln>
+              <a:noFill/>
+            </a:ln>
+          </p:spPr>
+          <p:style>
+            <a:lnRef idx="2">
+              <a:schemeClr val="accent1">
+                <a:shade val="50000"/>
+              </a:schemeClr>
+            </a:lnRef>
+            <a:fillRef idx="1">
+              <a:schemeClr val="accent1"/>
+            </a:fillRef>
+            <a:effectRef idx="0">
+              <a:schemeClr val="accent1"/>
+            </a:effectRef>
+            <a:fontRef idx="minor">
+              <a:schemeClr val="lt1"/>
+            </a:fontRef>
+          </p:style>
+          <p:txBody>
+            <a:bodyPr rtlCol="0" anchor="ctr"/>
+            <a:lstStyle/>
+            <a:p>
+              <a:pPr algn="ctr"/>
+              <a:endParaRPr lang="ko-KR" altLang="en-US"/>
+            </a:p>
+          </p:txBody>
+        </p:sp>
+        <p:sp>
+          <p:nvSpPr>
+            <p:cNvPr id="73" name="타원 72">
+              <a:extLst>
+                <a:ext uri="{FF2B5EF4-FFF2-40B4-BE49-F238E27FC236}">
+                  <a16:creationId xmlns:a16="http://schemas.microsoft.com/office/drawing/2014/main" id="{52A9DF38-4705-4FD9-87F3-420A0D412828}"/>
+                </a:ext>
+              </a:extLst>
+            </p:cNvPr>
+            <p:cNvSpPr/>
+            <p:nvPr/>
+          </p:nvSpPr>
+          <p:spPr>
+            <a:xfrm>
+              <a:off x="8650915" y="1255987"/>
+              <a:ext cx="1261241" cy="1261241"/>
+            </a:xfrm>
+            <a:prstGeom prst="ellipse">
+              <a:avLst/>
+            </a:prstGeom>
+            <a:solidFill>
+              <a:schemeClr val="bg2">
+                <a:lumMod val="90000"/>
+              </a:schemeClr>
+            </a:solidFill>
+            <a:ln>
+              <a:noFill/>
+            </a:ln>
+          </p:spPr>
+          <p:style>
+            <a:lnRef idx="2">
+              <a:schemeClr val="accent1">
+                <a:shade val="50000"/>
+              </a:schemeClr>
+            </a:lnRef>
+            <a:fillRef idx="1">
+              <a:schemeClr val="accent1"/>
+            </a:fillRef>
+            <a:effectRef idx="0">
+              <a:schemeClr val="accent1"/>
+            </a:effectRef>
+            <a:fontRef idx="minor">
+              <a:schemeClr val="lt1"/>
+            </a:fontRef>
+          </p:style>
+          <p:txBody>
+            <a:bodyPr rtlCol="0" anchor="ctr"/>
+            <a:lstStyle/>
+            <a:p>
+              <a:pPr algn="ctr"/>
+              <a:endParaRPr lang="ko-KR" altLang="en-US"/>
+            </a:p>
+          </p:txBody>
+        </p:sp>
+        <p:sp>
+          <p:nvSpPr>
+            <p:cNvPr id="74" name="타원 73">
+              <a:extLst>
+                <a:ext uri="{FF2B5EF4-FFF2-40B4-BE49-F238E27FC236}">
+                  <a16:creationId xmlns:a16="http://schemas.microsoft.com/office/drawing/2014/main" id="{7525E63D-4763-4806-ABB4-46749CF4906C}"/>
+                </a:ext>
+              </a:extLst>
+            </p:cNvPr>
+            <p:cNvSpPr/>
+            <p:nvPr/>
+          </p:nvSpPr>
+          <p:spPr>
+            <a:xfrm>
+              <a:off x="11987950" y="1255987"/>
+              <a:ext cx="1261241" cy="1261241"/>
+            </a:xfrm>
+            <a:prstGeom prst="ellipse">
+              <a:avLst/>
+            </a:prstGeom>
+            <a:solidFill>
+              <a:schemeClr val="bg2">
+                <a:lumMod val="90000"/>
+              </a:schemeClr>
+            </a:solidFill>
+            <a:ln>
+              <a:noFill/>
+            </a:ln>
+          </p:spPr>
+          <p:style>
+            <a:lnRef idx="2">
+              <a:schemeClr val="accent1">
+                <a:shade val="50000"/>
+              </a:schemeClr>
+            </a:lnRef>
+            <a:fillRef idx="1">
+              <a:schemeClr val="accent1"/>
+            </a:fillRef>
+            <a:effectRef idx="0">
+              <a:schemeClr val="accent1"/>
+            </a:effectRef>
+            <a:fontRef idx="minor">
+              <a:schemeClr val="lt1"/>
+            </a:fontRef>
+          </p:style>
+          <p:txBody>
+            <a:bodyPr rtlCol="0" anchor="ctr"/>
+            <a:lstStyle/>
+            <a:p>
+              <a:pPr algn="ctr"/>
+              <a:endParaRPr lang="ko-KR" altLang="en-US"/>
+            </a:p>
+          </p:txBody>
+        </p:sp>
+        <p:sp>
+          <p:nvSpPr>
+            <p:cNvPr id="75" name="타원 74">
+              <a:extLst>
+                <a:ext uri="{FF2B5EF4-FFF2-40B4-BE49-F238E27FC236}">
+                  <a16:creationId xmlns:a16="http://schemas.microsoft.com/office/drawing/2014/main" id="{7BE8F5ED-1EFB-402D-9C11-5F8175E2351B}"/>
+                </a:ext>
+              </a:extLst>
+            </p:cNvPr>
+            <p:cNvSpPr/>
+            <p:nvPr/>
+          </p:nvSpPr>
+          <p:spPr>
+            <a:xfrm>
+              <a:off x="15324985" y="1255986"/>
+              <a:ext cx="1261241" cy="1261241"/>
+            </a:xfrm>
+            <a:prstGeom prst="ellipse">
+              <a:avLst/>
+            </a:prstGeom>
+            <a:solidFill>
+              <a:schemeClr val="bg2">
+                <a:lumMod val="90000"/>
+              </a:schemeClr>
+            </a:solidFill>
+            <a:ln>
+              <a:noFill/>
+            </a:ln>
+          </p:spPr>
+          <p:style>
+            <a:lnRef idx="2">
+              <a:schemeClr val="accent1">
+                <a:shade val="50000"/>
+              </a:schemeClr>
+            </a:lnRef>
+            <a:fillRef idx="1">
+              <a:schemeClr val="accent1"/>
+            </a:fillRef>
+            <a:effectRef idx="0">
+              <a:schemeClr val="accent1"/>
+            </a:effectRef>
+            <a:fontRef idx="minor">
+              <a:schemeClr val="lt1"/>
+            </a:fontRef>
+          </p:style>
+          <p:txBody>
+            <a:bodyPr rtlCol="0" anchor="ctr"/>
+            <a:lstStyle/>
+            <a:p>
+              <a:pPr algn="ctr"/>
+              <a:endParaRPr lang="ko-KR" altLang="en-US"/>
+            </a:p>
+          </p:txBody>
+        </p:sp>
+        <p:sp>
+          <p:nvSpPr>
+            <p:cNvPr id="76" name="타원 75">
+              <a:extLst>
+                <a:ext uri="{FF2B5EF4-FFF2-40B4-BE49-F238E27FC236}">
+                  <a16:creationId xmlns:a16="http://schemas.microsoft.com/office/drawing/2014/main" id="{56D28282-9602-456C-AE28-3A3540FCD9A9}"/>
+                </a:ext>
+              </a:extLst>
+            </p:cNvPr>
+            <p:cNvSpPr/>
+            <p:nvPr/>
+          </p:nvSpPr>
+          <p:spPr>
+            <a:xfrm>
+              <a:off x="18662020" y="1255986"/>
+              <a:ext cx="1261241" cy="1261241"/>
+            </a:xfrm>
+            <a:prstGeom prst="ellipse">
+              <a:avLst/>
+            </a:prstGeom>
+            <a:solidFill>
+              <a:schemeClr val="bg2">
+                <a:lumMod val="90000"/>
+              </a:schemeClr>
+            </a:solidFill>
+            <a:ln>
+              <a:noFill/>
+            </a:ln>
+          </p:spPr>
+          <p:style>
+            <a:lnRef idx="2">
+              <a:schemeClr val="accent1">
+                <a:shade val="50000"/>
+              </a:schemeClr>
+            </a:lnRef>
+            <a:fillRef idx="1">
+              <a:schemeClr val="accent1"/>
+            </a:fillRef>
+            <a:effectRef idx="0">
+              <a:schemeClr val="accent1"/>
+            </a:effectRef>
+            <a:fontRef idx="minor">
+              <a:schemeClr val="lt1"/>
+            </a:fontRef>
+          </p:style>
+          <p:txBody>
+            <a:bodyPr rtlCol="0" anchor="ctr"/>
+            <a:lstStyle/>
+            <a:p>
+              <a:pPr algn="ctr"/>
+              <a:endParaRPr lang="ko-KR" altLang="en-US"/>
+            </a:p>
+          </p:txBody>
+        </p:sp>
+        <p:sp>
+          <p:nvSpPr>
+            <p:cNvPr id="77" name="타원 76">
+              <a:extLst>
+                <a:ext uri="{FF2B5EF4-FFF2-40B4-BE49-F238E27FC236}">
+                  <a16:creationId xmlns:a16="http://schemas.microsoft.com/office/drawing/2014/main" id="{AE8A1398-46F5-4252-A4D3-EB878640C91F}"/>
+                </a:ext>
+              </a:extLst>
+            </p:cNvPr>
+            <p:cNvSpPr/>
+            <p:nvPr/>
+          </p:nvSpPr>
+          <p:spPr>
+            <a:xfrm>
+              <a:off x="21999055" y="1255986"/>
+              <a:ext cx="1261241" cy="1261241"/>
+            </a:xfrm>
+            <a:prstGeom prst="ellipse">
+              <a:avLst/>
+            </a:prstGeom>
+            <a:solidFill>
+              <a:schemeClr val="bg2">
+                <a:lumMod val="90000"/>
+              </a:schemeClr>
+            </a:solidFill>
+            <a:ln>
+              <a:noFill/>
+            </a:ln>
+          </p:spPr>
+          <p:style>
+            <a:lnRef idx="2">
+              <a:schemeClr val="accent1">
+                <a:shade val="50000"/>
+              </a:schemeClr>
+            </a:lnRef>
+            <a:fillRef idx="1">
+              <a:schemeClr val="accent1"/>
+            </a:fillRef>
+            <a:effectRef idx="0">
+              <a:schemeClr val="accent1"/>
+            </a:effectRef>
+            <a:fontRef idx="minor">
+              <a:schemeClr val="lt1"/>
+            </a:fontRef>
+          </p:style>
+          <p:txBody>
+            <a:bodyPr rtlCol="0" anchor="ctr"/>
+            <a:lstStyle/>
+            <a:p>
+              <a:pPr algn="ctr"/>
+              <a:endParaRPr lang="ko-KR" altLang="en-US"/>
+            </a:p>
+          </p:txBody>
+        </p:sp>
+        <p:sp>
+          <p:nvSpPr>
+            <p:cNvPr id="78" name="타원 77">
+              <a:extLst>
+                <a:ext uri="{FF2B5EF4-FFF2-40B4-BE49-F238E27FC236}">
+                  <a16:creationId xmlns:a16="http://schemas.microsoft.com/office/drawing/2014/main" id="{86E9D9CD-E11D-4CBC-8EE0-E1AB8CDD2715}"/>
+                </a:ext>
+              </a:extLst>
+            </p:cNvPr>
+            <p:cNvSpPr/>
+            <p:nvPr/>
+          </p:nvSpPr>
+          <p:spPr>
+            <a:xfrm>
+              <a:off x="25336090" y="1255986"/>
+              <a:ext cx="1261241" cy="1261241"/>
+            </a:xfrm>
+            <a:prstGeom prst="ellipse">
+              <a:avLst/>
+            </a:prstGeom>
+            <a:solidFill>
+              <a:schemeClr val="bg2">
+                <a:lumMod val="90000"/>
+              </a:schemeClr>
+            </a:solidFill>
+            <a:ln>
+              <a:noFill/>
+            </a:ln>
+          </p:spPr>
+          <p:style>
+            <a:lnRef idx="2">
+              <a:schemeClr val="accent1">
+                <a:shade val="50000"/>
+              </a:schemeClr>
+            </a:lnRef>
+            <a:fillRef idx="1">
+              <a:schemeClr val="accent1"/>
+            </a:fillRef>
+            <a:effectRef idx="0">
+              <a:schemeClr val="accent1"/>
+            </a:effectRef>
+            <a:fontRef idx="minor">
+              <a:schemeClr val="lt1"/>
+            </a:fontRef>
+          </p:style>
+          <p:txBody>
+            <a:bodyPr rtlCol="0" anchor="ctr"/>
+            <a:lstStyle/>
+            <a:p>
+              <a:pPr algn="ctr"/>
+              <a:endParaRPr lang="ko-KR" altLang="en-US"/>
+            </a:p>
+          </p:txBody>
+        </p:sp>
+        <p:sp>
+          <p:nvSpPr>
+            <p:cNvPr id="79" name="타원 78">
+              <a:extLst>
+                <a:ext uri="{FF2B5EF4-FFF2-40B4-BE49-F238E27FC236}">
+                  <a16:creationId xmlns:a16="http://schemas.microsoft.com/office/drawing/2014/main" id="{2F88E84A-281E-482B-A774-19FFF47E2843}"/>
+                </a:ext>
+              </a:extLst>
+            </p:cNvPr>
+            <p:cNvSpPr/>
+            <p:nvPr/>
+          </p:nvSpPr>
+          <p:spPr>
+            <a:xfrm>
+              <a:off x="28673125" y="1255986"/>
+              <a:ext cx="1261241" cy="1261241"/>
+            </a:xfrm>
+            <a:prstGeom prst="ellipse">
+              <a:avLst/>
+            </a:prstGeom>
+            <a:solidFill>
+              <a:schemeClr val="bg2">
+                <a:lumMod val="90000"/>
+              </a:schemeClr>
+            </a:solidFill>
+            <a:ln>
+              <a:noFill/>
+            </a:ln>
+          </p:spPr>
+          <p:style>
+            <a:lnRef idx="2">
+              <a:schemeClr val="accent1">
+                <a:shade val="50000"/>
+              </a:schemeClr>
+            </a:lnRef>
+            <a:fillRef idx="1">
+              <a:schemeClr val="accent1"/>
+            </a:fillRef>
+            <a:effectRef idx="0">
+              <a:schemeClr val="accent1"/>
+            </a:effectRef>
+            <a:fontRef idx="minor">
+              <a:schemeClr val="lt1"/>
+            </a:fontRef>
+          </p:style>
+          <p:txBody>
+            <a:bodyPr rtlCol="0" anchor="ctr"/>
+            <a:lstStyle/>
+            <a:p>
+              <a:pPr algn="ctr"/>
+              <a:endParaRPr lang="ko-KR" altLang="en-US"/>
+            </a:p>
+          </p:txBody>
+        </p:sp>
+        <p:sp>
+          <p:nvSpPr>
+            <p:cNvPr id="80" name="타원 79">
+              <a:extLst>
+                <a:ext uri="{FF2B5EF4-FFF2-40B4-BE49-F238E27FC236}">
+                  <a16:creationId xmlns:a16="http://schemas.microsoft.com/office/drawing/2014/main" id="{128AB321-240F-4587-B1CE-BD1D52E576F1}"/>
+                </a:ext>
+              </a:extLst>
+            </p:cNvPr>
+            <p:cNvSpPr/>
+            <p:nvPr/>
+          </p:nvSpPr>
+          <p:spPr>
+            <a:xfrm>
+              <a:off x="1976845" y="1255986"/>
+              <a:ext cx="1261241" cy="1261241"/>
+            </a:xfrm>
+            <a:prstGeom prst="ellipse">
+              <a:avLst/>
+            </a:prstGeom>
+            <a:solidFill>
+              <a:schemeClr val="bg2">
+                <a:lumMod val="90000"/>
+              </a:schemeClr>
+            </a:solidFill>
+            <a:ln>
+              <a:noFill/>
+            </a:ln>
+          </p:spPr>
+          <p:style>
+            <a:lnRef idx="2">
+              <a:schemeClr val="accent1">
+                <a:shade val="50000"/>
+              </a:schemeClr>
+            </a:lnRef>
+            <a:fillRef idx="1">
+              <a:schemeClr val="accent1"/>
+            </a:fillRef>
+            <a:effectRef idx="0">
+              <a:schemeClr val="accent1"/>
+            </a:effectRef>
+            <a:fontRef idx="minor">
+              <a:schemeClr val="lt1"/>
+            </a:fontRef>
+          </p:style>
+          <p:txBody>
+            <a:bodyPr rtlCol="0" anchor="ctr"/>
+            <a:lstStyle/>
+            <a:p>
+              <a:pPr algn="ctr"/>
+              <a:endParaRPr lang="ko-KR" altLang="en-US"/>
+            </a:p>
+          </p:txBody>
+        </p:sp>
+        <p:sp>
+          <p:nvSpPr>
+            <p:cNvPr id="81" name="타원 80">
+              <a:extLst>
+                <a:ext uri="{FF2B5EF4-FFF2-40B4-BE49-F238E27FC236}">
+                  <a16:creationId xmlns:a16="http://schemas.microsoft.com/office/drawing/2014/main" id="{10F8B0F2-707F-4D75-A6F2-E56B11C70380}"/>
+                </a:ext>
+              </a:extLst>
+            </p:cNvPr>
+            <p:cNvSpPr/>
+            <p:nvPr/>
+          </p:nvSpPr>
+          <p:spPr>
+            <a:xfrm>
+              <a:off x="32010160" y="1255986"/>
+              <a:ext cx="1261241" cy="1261241"/>
+            </a:xfrm>
+            <a:prstGeom prst="ellipse">
+              <a:avLst/>
+            </a:prstGeom>
+            <a:solidFill>
+              <a:schemeClr val="bg2">
+                <a:lumMod val="90000"/>
+              </a:schemeClr>
+            </a:solidFill>
+            <a:ln>
+              <a:noFill/>
+            </a:ln>
+          </p:spPr>
+          <p:style>
+            <a:lnRef idx="2">
+              <a:schemeClr val="accent1">
+                <a:shade val="50000"/>
+              </a:schemeClr>
+            </a:lnRef>
+            <a:fillRef idx="1">
+              <a:schemeClr val="accent1"/>
+            </a:fillRef>
+            <a:effectRef idx="0">
+              <a:schemeClr val="accent1"/>
+            </a:effectRef>
+            <a:fontRef idx="minor">
+              <a:schemeClr val="lt1"/>
+            </a:fontRef>
+          </p:style>
+          <p:txBody>
+            <a:bodyPr rtlCol="0" anchor="ctr"/>
+            <a:lstStyle/>
+            <a:p>
+              <a:pPr algn="ctr"/>
+              <a:endParaRPr lang="ko-KR" altLang="en-US"/>
+            </a:p>
+          </p:txBody>
+        </p:sp>
+      </p:grpSp>
+      <p:grpSp>
+        <p:nvGrpSpPr>
+          <p:cNvPr id="82" name="그룹 81">
+            <a:extLst>
+              <a:ext uri="{FF2B5EF4-FFF2-40B4-BE49-F238E27FC236}">
+                <a16:creationId xmlns:a16="http://schemas.microsoft.com/office/drawing/2014/main" id="{7A92AD5B-0F91-45C0-8271-E9313CCD4EBB}"/>
+              </a:ext>
+            </a:extLst>
+          </p:cNvPr>
+          <p:cNvGrpSpPr/>
+          <p:nvPr/>
+        </p:nvGrpSpPr>
+        <p:grpSpPr>
+          <a:xfrm>
+            <a:off x="2352591" y="17552280"/>
+            <a:ext cx="31294556" cy="1261242"/>
+            <a:chOff x="1976845" y="1255986"/>
+            <a:chExt cx="31294556" cy="1261242"/>
+          </a:xfrm>
+        </p:grpSpPr>
+        <p:sp>
+          <p:nvSpPr>
+            <p:cNvPr id="83" name="타원 82">
+              <a:extLst>
+                <a:ext uri="{FF2B5EF4-FFF2-40B4-BE49-F238E27FC236}">
+                  <a16:creationId xmlns:a16="http://schemas.microsoft.com/office/drawing/2014/main" id="{DE0C60C7-5218-4BFA-9855-4BBDF1E31796}"/>
+                </a:ext>
+              </a:extLst>
+            </p:cNvPr>
+            <p:cNvSpPr/>
+            <p:nvPr/>
+          </p:nvSpPr>
+          <p:spPr>
+            <a:xfrm>
+              <a:off x="5313880" y="1255987"/>
+              <a:ext cx="1261241" cy="1261241"/>
+            </a:xfrm>
+            <a:prstGeom prst="ellipse">
+              <a:avLst/>
+            </a:prstGeom>
+            <a:solidFill>
+              <a:schemeClr val="bg2">
+                <a:lumMod val="90000"/>
+              </a:schemeClr>
+            </a:solidFill>
+            <a:ln>
+              <a:noFill/>
+            </a:ln>
+          </p:spPr>
+          <p:style>
+            <a:lnRef idx="2">
+              <a:schemeClr val="accent1">
+                <a:shade val="50000"/>
+              </a:schemeClr>
+            </a:lnRef>
+            <a:fillRef idx="1">
+              <a:schemeClr val="accent1"/>
+            </a:fillRef>
+            <a:effectRef idx="0">
+              <a:schemeClr val="accent1"/>
+            </a:effectRef>
+            <a:fontRef idx="minor">
+              <a:schemeClr val="lt1"/>
+            </a:fontRef>
+          </p:style>
+          <p:txBody>
+            <a:bodyPr rtlCol="0" anchor="ctr"/>
+            <a:lstStyle/>
+            <a:p>
+              <a:pPr algn="ctr"/>
+              <a:endParaRPr lang="ko-KR" altLang="en-US"/>
+            </a:p>
+          </p:txBody>
+        </p:sp>
+        <p:sp>
+          <p:nvSpPr>
+            <p:cNvPr id="84" name="타원 83">
+              <a:extLst>
+                <a:ext uri="{FF2B5EF4-FFF2-40B4-BE49-F238E27FC236}">
+                  <a16:creationId xmlns:a16="http://schemas.microsoft.com/office/drawing/2014/main" id="{8A0A43DC-AB81-4284-9285-16BEA7BD5ECD}"/>
+                </a:ext>
+              </a:extLst>
+            </p:cNvPr>
+            <p:cNvSpPr/>
+            <p:nvPr/>
+          </p:nvSpPr>
+          <p:spPr>
+            <a:xfrm>
+              <a:off x="8650915" y="1255987"/>
+              <a:ext cx="1261241" cy="1261241"/>
+            </a:xfrm>
+            <a:prstGeom prst="ellipse">
+              <a:avLst/>
+            </a:prstGeom>
+            <a:solidFill>
+              <a:schemeClr val="bg2">
+                <a:lumMod val="90000"/>
+              </a:schemeClr>
+            </a:solidFill>
+            <a:ln>
+              <a:noFill/>
+            </a:ln>
+          </p:spPr>
+          <p:style>
+            <a:lnRef idx="2">
+              <a:schemeClr val="accent1">
+                <a:shade val="50000"/>
+              </a:schemeClr>
+            </a:lnRef>
+            <a:fillRef idx="1">
+              <a:schemeClr val="accent1"/>
+            </a:fillRef>
+            <a:effectRef idx="0">
+              <a:schemeClr val="accent1"/>
+            </a:effectRef>
+            <a:fontRef idx="minor">
+              <a:schemeClr val="lt1"/>
+            </a:fontRef>
+          </p:style>
+          <p:txBody>
+            <a:bodyPr rtlCol="0" anchor="ctr"/>
+            <a:lstStyle/>
+            <a:p>
+              <a:pPr algn="ctr"/>
+              <a:endParaRPr lang="ko-KR" altLang="en-US"/>
+            </a:p>
+          </p:txBody>
+        </p:sp>
+        <p:sp>
+          <p:nvSpPr>
+            <p:cNvPr id="85" name="타원 84">
+              <a:extLst>
+                <a:ext uri="{FF2B5EF4-FFF2-40B4-BE49-F238E27FC236}">
+                  <a16:creationId xmlns:a16="http://schemas.microsoft.com/office/drawing/2014/main" id="{D0C99A29-8E1F-460B-AD3D-EA57B226438A}"/>
+                </a:ext>
+              </a:extLst>
+            </p:cNvPr>
+            <p:cNvSpPr/>
+            <p:nvPr/>
+          </p:nvSpPr>
+          <p:spPr>
+            <a:xfrm>
+              <a:off x="11987950" y="1255987"/>
+              <a:ext cx="1261241" cy="1261241"/>
+            </a:xfrm>
+            <a:prstGeom prst="ellipse">
+              <a:avLst/>
+            </a:prstGeom>
+            <a:solidFill>
+              <a:schemeClr val="bg2">
+                <a:lumMod val="90000"/>
+              </a:schemeClr>
+            </a:solidFill>
+            <a:ln>
+              <a:noFill/>
+            </a:ln>
+          </p:spPr>
+          <p:style>
+            <a:lnRef idx="2">
+              <a:schemeClr val="accent1">
+                <a:shade val="50000"/>
+              </a:schemeClr>
+            </a:lnRef>
+            <a:fillRef idx="1">
+              <a:schemeClr val="accent1"/>
+            </a:fillRef>
+            <a:effectRef idx="0">
+              <a:schemeClr val="accent1"/>
+            </a:effectRef>
+            <a:fontRef idx="minor">
+              <a:schemeClr val="lt1"/>
+            </a:fontRef>
+          </p:style>
+          <p:txBody>
+            <a:bodyPr rtlCol="0" anchor="ctr"/>
+            <a:lstStyle/>
+            <a:p>
+              <a:pPr algn="ctr"/>
+              <a:endParaRPr lang="ko-KR" altLang="en-US"/>
+            </a:p>
+          </p:txBody>
+        </p:sp>
+        <p:sp>
+          <p:nvSpPr>
+            <p:cNvPr id="86" name="타원 85">
+              <a:extLst>
+                <a:ext uri="{FF2B5EF4-FFF2-40B4-BE49-F238E27FC236}">
+                  <a16:creationId xmlns:a16="http://schemas.microsoft.com/office/drawing/2014/main" id="{3B240565-F30A-43AF-80EF-8B8A8BBFC686}"/>
+                </a:ext>
+              </a:extLst>
+            </p:cNvPr>
+            <p:cNvSpPr/>
+            <p:nvPr/>
+          </p:nvSpPr>
+          <p:spPr>
+            <a:xfrm>
+              <a:off x="15324985" y="1255986"/>
+              <a:ext cx="1261241" cy="1261241"/>
+            </a:xfrm>
+            <a:prstGeom prst="ellipse">
+              <a:avLst/>
+            </a:prstGeom>
+            <a:solidFill>
+              <a:schemeClr val="bg2">
+                <a:lumMod val="90000"/>
+              </a:schemeClr>
+            </a:solidFill>
+            <a:ln>
+              <a:noFill/>
+            </a:ln>
+          </p:spPr>
+          <p:style>
+            <a:lnRef idx="2">
+              <a:schemeClr val="accent1">
+                <a:shade val="50000"/>
+              </a:schemeClr>
+            </a:lnRef>
+            <a:fillRef idx="1">
+              <a:schemeClr val="accent1"/>
+            </a:fillRef>
+            <a:effectRef idx="0">
+              <a:schemeClr val="accent1"/>
+            </a:effectRef>
+            <a:fontRef idx="minor">
+              <a:schemeClr val="lt1"/>
+            </a:fontRef>
+          </p:style>
+          <p:txBody>
+            <a:bodyPr rtlCol="0" anchor="ctr"/>
+            <a:lstStyle/>
+            <a:p>
+              <a:pPr algn="ctr"/>
+              <a:endParaRPr lang="ko-KR" altLang="en-US"/>
+            </a:p>
+          </p:txBody>
+        </p:sp>
+        <p:sp>
+          <p:nvSpPr>
+            <p:cNvPr id="87" name="타원 86">
+              <a:extLst>
+                <a:ext uri="{FF2B5EF4-FFF2-40B4-BE49-F238E27FC236}">
+                  <a16:creationId xmlns:a16="http://schemas.microsoft.com/office/drawing/2014/main" id="{66984384-A30C-4E52-9342-822A204B5B4D}"/>
+                </a:ext>
+              </a:extLst>
+            </p:cNvPr>
+            <p:cNvSpPr/>
+            <p:nvPr/>
+          </p:nvSpPr>
+          <p:spPr>
+            <a:xfrm>
+              <a:off x="18662020" y="1255986"/>
+              <a:ext cx="1261241" cy="1261241"/>
+            </a:xfrm>
+            <a:prstGeom prst="ellipse">
+              <a:avLst/>
+            </a:prstGeom>
+            <a:solidFill>
+              <a:schemeClr val="bg2">
+                <a:lumMod val="90000"/>
+              </a:schemeClr>
+            </a:solidFill>
+            <a:ln>
+              <a:noFill/>
+            </a:ln>
+          </p:spPr>
+          <p:style>
+            <a:lnRef idx="2">
+              <a:schemeClr val="accent1">
+                <a:shade val="50000"/>
+              </a:schemeClr>
+            </a:lnRef>
+            <a:fillRef idx="1">
+              <a:schemeClr val="accent1"/>
+            </a:fillRef>
+            <a:effectRef idx="0">
+              <a:schemeClr val="accent1"/>
+            </a:effectRef>
+            <a:fontRef idx="minor">
+              <a:schemeClr val="lt1"/>
+            </a:fontRef>
+          </p:style>
+          <p:txBody>
+            <a:bodyPr rtlCol="0" anchor="ctr"/>
+            <a:lstStyle/>
+            <a:p>
+              <a:pPr algn="ctr"/>
+              <a:endParaRPr lang="ko-KR" altLang="en-US"/>
+            </a:p>
+          </p:txBody>
+        </p:sp>
+        <p:sp>
+          <p:nvSpPr>
+            <p:cNvPr id="88" name="타원 87">
+              <a:extLst>
+                <a:ext uri="{FF2B5EF4-FFF2-40B4-BE49-F238E27FC236}">
+                  <a16:creationId xmlns:a16="http://schemas.microsoft.com/office/drawing/2014/main" id="{10F0262F-9115-4663-96AD-2DFBFB184454}"/>
+                </a:ext>
+              </a:extLst>
+            </p:cNvPr>
+            <p:cNvSpPr/>
+            <p:nvPr/>
+          </p:nvSpPr>
+          <p:spPr>
+            <a:xfrm>
+              <a:off x="21999055" y="1255986"/>
+              <a:ext cx="1261241" cy="1261241"/>
+            </a:xfrm>
+            <a:prstGeom prst="ellipse">
+              <a:avLst/>
+            </a:prstGeom>
+            <a:solidFill>
+              <a:schemeClr val="bg2">
+                <a:lumMod val="90000"/>
+              </a:schemeClr>
+            </a:solidFill>
+            <a:ln>
+              <a:noFill/>
+            </a:ln>
+          </p:spPr>
+          <p:style>
+            <a:lnRef idx="2">
+              <a:schemeClr val="accent1">
+                <a:shade val="50000"/>
+              </a:schemeClr>
+            </a:lnRef>
+            <a:fillRef idx="1">
+              <a:schemeClr val="accent1"/>
+            </a:fillRef>
+            <a:effectRef idx="0">
+              <a:schemeClr val="accent1"/>
+            </a:effectRef>
+            <a:fontRef idx="minor">
+              <a:schemeClr val="lt1"/>
+            </a:fontRef>
+          </p:style>
+          <p:txBody>
+            <a:bodyPr rtlCol="0" anchor="ctr"/>
+            <a:lstStyle/>
+            <a:p>
+              <a:pPr algn="ctr"/>
+              <a:endParaRPr lang="ko-KR" altLang="en-US"/>
+            </a:p>
+          </p:txBody>
+        </p:sp>
+        <p:sp>
+          <p:nvSpPr>
+            <p:cNvPr id="89" name="타원 88">
+              <a:extLst>
+                <a:ext uri="{FF2B5EF4-FFF2-40B4-BE49-F238E27FC236}">
+                  <a16:creationId xmlns:a16="http://schemas.microsoft.com/office/drawing/2014/main" id="{23D7695B-7CDB-4200-8903-5752D772D1BB}"/>
+                </a:ext>
+              </a:extLst>
+            </p:cNvPr>
+            <p:cNvSpPr/>
+            <p:nvPr/>
+          </p:nvSpPr>
+          <p:spPr>
+            <a:xfrm>
+              <a:off x="25336090" y="1255986"/>
+              <a:ext cx="1261241" cy="1261241"/>
+            </a:xfrm>
+            <a:prstGeom prst="ellipse">
+              <a:avLst/>
+            </a:prstGeom>
+            <a:solidFill>
+              <a:schemeClr val="bg2">
+                <a:lumMod val="90000"/>
+              </a:schemeClr>
+            </a:solidFill>
+            <a:ln>
+              <a:noFill/>
+            </a:ln>
+          </p:spPr>
+          <p:style>
+            <a:lnRef idx="2">
+              <a:schemeClr val="accent1">
+                <a:shade val="50000"/>
+              </a:schemeClr>
+            </a:lnRef>
+            <a:fillRef idx="1">
+              <a:schemeClr val="accent1"/>
+            </a:fillRef>
+            <a:effectRef idx="0">
+              <a:schemeClr val="accent1"/>
+            </a:effectRef>
+            <a:fontRef idx="minor">
+              <a:schemeClr val="lt1"/>
+            </a:fontRef>
+          </p:style>
+          <p:txBody>
+            <a:bodyPr rtlCol="0" anchor="ctr"/>
+            <a:lstStyle/>
+            <a:p>
+              <a:pPr algn="ctr"/>
+              <a:endParaRPr lang="ko-KR" altLang="en-US"/>
+            </a:p>
+          </p:txBody>
+        </p:sp>
+        <p:sp>
+          <p:nvSpPr>
+            <p:cNvPr id="90" name="타원 89">
+              <a:extLst>
+                <a:ext uri="{FF2B5EF4-FFF2-40B4-BE49-F238E27FC236}">
+                  <a16:creationId xmlns:a16="http://schemas.microsoft.com/office/drawing/2014/main" id="{EF027F3E-94F8-4678-B6D2-F1258AB67B51}"/>
+                </a:ext>
+              </a:extLst>
+            </p:cNvPr>
+            <p:cNvSpPr/>
+            <p:nvPr/>
+          </p:nvSpPr>
+          <p:spPr>
+            <a:xfrm>
+              <a:off x="28673125" y="1255986"/>
+              <a:ext cx="1261241" cy="1261241"/>
+            </a:xfrm>
+            <a:prstGeom prst="ellipse">
+              <a:avLst/>
+            </a:prstGeom>
+            <a:solidFill>
+              <a:schemeClr val="bg2">
+                <a:lumMod val="90000"/>
+              </a:schemeClr>
+            </a:solidFill>
+            <a:ln>
+              <a:noFill/>
+            </a:ln>
+          </p:spPr>
+          <p:style>
+            <a:lnRef idx="2">
+              <a:schemeClr val="accent1">
+                <a:shade val="50000"/>
+              </a:schemeClr>
+            </a:lnRef>
+            <a:fillRef idx="1">
+              <a:schemeClr val="accent1"/>
+            </a:fillRef>
+            <a:effectRef idx="0">
+              <a:schemeClr val="accent1"/>
+            </a:effectRef>
+            <a:fontRef idx="minor">
+              <a:schemeClr val="lt1"/>
+            </a:fontRef>
+          </p:style>
+          <p:txBody>
+            <a:bodyPr rtlCol="0" anchor="ctr"/>
+            <a:lstStyle/>
+            <a:p>
+              <a:pPr algn="ctr"/>
+              <a:endParaRPr lang="ko-KR" altLang="en-US"/>
+            </a:p>
+          </p:txBody>
+        </p:sp>
+        <p:sp>
+          <p:nvSpPr>
+            <p:cNvPr id="91" name="타원 90">
+              <a:extLst>
+                <a:ext uri="{FF2B5EF4-FFF2-40B4-BE49-F238E27FC236}">
+                  <a16:creationId xmlns:a16="http://schemas.microsoft.com/office/drawing/2014/main" id="{D7225913-718D-41D4-AE74-C096ABAE7E5F}"/>
+                </a:ext>
+              </a:extLst>
+            </p:cNvPr>
+            <p:cNvSpPr/>
+            <p:nvPr/>
+          </p:nvSpPr>
+          <p:spPr>
+            <a:xfrm>
+              <a:off x="1976845" y="1255986"/>
+              <a:ext cx="1261241" cy="1261241"/>
+            </a:xfrm>
+            <a:prstGeom prst="ellipse">
+              <a:avLst/>
+            </a:prstGeom>
+            <a:solidFill>
+              <a:schemeClr val="bg2">
+                <a:lumMod val="90000"/>
+              </a:schemeClr>
+            </a:solidFill>
+            <a:ln>
+              <a:noFill/>
+            </a:ln>
+          </p:spPr>
+          <p:style>
+            <a:lnRef idx="2">
+              <a:schemeClr val="accent1">
+                <a:shade val="50000"/>
+              </a:schemeClr>
+            </a:lnRef>
+            <a:fillRef idx="1">
+              <a:schemeClr val="accent1"/>
+            </a:fillRef>
+            <a:effectRef idx="0">
+              <a:schemeClr val="accent1"/>
+            </a:effectRef>
+            <a:fontRef idx="minor">
+              <a:schemeClr val="lt1"/>
+            </a:fontRef>
+          </p:style>
+          <p:txBody>
+            <a:bodyPr rtlCol="0" anchor="ctr"/>
+            <a:lstStyle/>
+            <a:p>
+              <a:pPr algn="ctr"/>
+              <a:endParaRPr lang="ko-KR" altLang="en-US"/>
+            </a:p>
+          </p:txBody>
+        </p:sp>
+        <p:sp>
+          <p:nvSpPr>
+            <p:cNvPr id="92" name="타원 91">
+              <a:extLst>
+                <a:ext uri="{FF2B5EF4-FFF2-40B4-BE49-F238E27FC236}">
+                  <a16:creationId xmlns:a16="http://schemas.microsoft.com/office/drawing/2014/main" id="{C3839B42-7E82-4EC7-852C-54834B98D25B}"/>
+                </a:ext>
+              </a:extLst>
+            </p:cNvPr>
+            <p:cNvSpPr/>
+            <p:nvPr/>
+          </p:nvSpPr>
+          <p:spPr>
+            <a:xfrm>
+              <a:off x="32010160" y="1255986"/>
+              <a:ext cx="1261241" cy="1261241"/>
+            </a:xfrm>
+            <a:prstGeom prst="ellipse">
+              <a:avLst/>
+            </a:prstGeom>
+            <a:solidFill>
+              <a:schemeClr val="bg2">
+                <a:lumMod val="90000"/>
+              </a:schemeClr>
+            </a:solidFill>
+            <a:ln>
+              <a:noFill/>
+            </a:ln>
+          </p:spPr>
+          <p:style>
+            <a:lnRef idx="2">
+              <a:schemeClr val="accent1">
+                <a:shade val="50000"/>
+              </a:schemeClr>
+            </a:lnRef>
+            <a:fillRef idx="1">
+              <a:schemeClr val="accent1"/>
+            </a:fillRef>
+            <a:effectRef idx="0">
+              <a:schemeClr val="accent1"/>
+            </a:effectRef>
+            <a:fontRef idx="minor">
+              <a:schemeClr val="lt1"/>
+            </a:fontRef>
+          </p:style>
+          <p:txBody>
+            <a:bodyPr rtlCol="0" anchor="ctr"/>
+            <a:lstStyle/>
+            <a:p>
+              <a:pPr algn="ctr"/>
+              <a:endParaRPr lang="ko-KR" altLang="en-US"/>
+            </a:p>
+          </p:txBody>
+        </p:sp>
+      </p:grpSp>
+      <p:grpSp>
+        <p:nvGrpSpPr>
+          <p:cNvPr id="93" name="그룹 92">
+            <a:extLst>
+              <a:ext uri="{FF2B5EF4-FFF2-40B4-BE49-F238E27FC236}">
+                <a16:creationId xmlns:a16="http://schemas.microsoft.com/office/drawing/2014/main" id="{45A66449-31A0-4CAE-8C7E-C2BC5863FDD4}"/>
+              </a:ext>
+            </a:extLst>
+          </p:cNvPr>
+          <p:cNvGrpSpPr/>
+          <p:nvPr/>
+        </p:nvGrpSpPr>
+        <p:grpSpPr>
+          <a:xfrm>
+            <a:off x="2352591" y="19880322"/>
+            <a:ext cx="31294556" cy="1261242"/>
+            <a:chOff x="1976845" y="1255986"/>
+            <a:chExt cx="31294556" cy="1261242"/>
+          </a:xfrm>
+        </p:grpSpPr>
+        <p:sp>
+          <p:nvSpPr>
+            <p:cNvPr id="94" name="타원 93">
+              <a:extLst>
+                <a:ext uri="{FF2B5EF4-FFF2-40B4-BE49-F238E27FC236}">
+                  <a16:creationId xmlns:a16="http://schemas.microsoft.com/office/drawing/2014/main" id="{8E57A0C1-5DB7-49E3-A2F4-54A53B0E2DBC}"/>
+                </a:ext>
+              </a:extLst>
+            </p:cNvPr>
+            <p:cNvSpPr/>
+            <p:nvPr/>
+          </p:nvSpPr>
+          <p:spPr>
+            <a:xfrm>
+              <a:off x="5313880" y="1255987"/>
+              <a:ext cx="1261241" cy="1261241"/>
+            </a:xfrm>
+            <a:prstGeom prst="ellipse">
+              <a:avLst/>
+            </a:prstGeom>
+            <a:solidFill>
+              <a:schemeClr val="bg2">
+                <a:lumMod val="90000"/>
+              </a:schemeClr>
+            </a:solidFill>
+            <a:ln>
+              <a:noFill/>
+            </a:ln>
+          </p:spPr>
+          <p:style>
+            <a:lnRef idx="2">
+              <a:schemeClr val="accent1">
+                <a:shade val="50000"/>
+              </a:schemeClr>
+            </a:lnRef>
+            <a:fillRef idx="1">
+              <a:schemeClr val="accent1"/>
+            </a:fillRef>
+            <a:effectRef idx="0">
+              <a:schemeClr val="accent1"/>
+            </a:effectRef>
+            <a:fontRef idx="minor">
+              <a:schemeClr val="lt1"/>
+            </a:fontRef>
+          </p:style>
+          <p:txBody>
+            <a:bodyPr rtlCol="0" anchor="ctr"/>
+            <a:lstStyle/>
+            <a:p>
+              <a:pPr algn="ctr"/>
+              <a:endParaRPr lang="ko-KR" altLang="en-US"/>
+            </a:p>
+          </p:txBody>
+        </p:sp>
+        <p:sp>
+          <p:nvSpPr>
+            <p:cNvPr id="95" name="타원 94">
+              <a:extLst>
+                <a:ext uri="{FF2B5EF4-FFF2-40B4-BE49-F238E27FC236}">
+                  <a16:creationId xmlns:a16="http://schemas.microsoft.com/office/drawing/2014/main" id="{D93AE81B-E901-4D42-95DE-3DF147EDB408}"/>
+                </a:ext>
+              </a:extLst>
+            </p:cNvPr>
+            <p:cNvSpPr/>
+            <p:nvPr/>
+          </p:nvSpPr>
+          <p:spPr>
+            <a:xfrm>
+              <a:off x="8650915" y="1255987"/>
+              <a:ext cx="1261241" cy="1261241"/>
+            </a:xfrm>
+            <a:prstGeom prst="ellipse">
+              <a:avLst/>
+            </a:prstGeom>
+            <a:solidFill>
+              <a:schemeClr val="bg2">
+                <a:lumMod val="90000"/>
+              </a:schemeClr>
+            </a:solidFill>
+            <a:ln>
+              <a:noFill/>
+            </a:ln>
+          </p:spPr>
+          <p:style>
+            <a:lnRef idx="2">
+              <a:schemeClr val="accent1">
+                <a:shade val="50000"/>
+              </a:schemeClr>
+            </a:lnRef>
+            <a:fillRef idx="1">
+              <a:schemeClr val="accent1"/>
+            </a:fillRef>
+            <a:effectRef idx="0">
+              <a:schemeClr val="accent1"/>
+            </a:effectRef>
+            <a:fontRef idx="minor">
+              <a:schemeClr val="lt1"/>
+            </a:fontRef>
+          </p:style>
+          <p:txBody>
+            <a:bodyPr rtlCol="0" anchor="ctr"/>
+            <a:lstStyle/>
+            <a:p>
+              <a:pPr algn="ctr"/>
+              <a:endParaRPr lang="ko-KR" altLang="en-US"/>
+            </a:p>
+          </p:txBody>
+        </p:sp>
+        <p:sp>
+          <p:nvSpPr>
+            <p:cNvPr id="96" name="타원 95">
+              <a:extLst>
+                <a:ext uri="{FF2B5EF4-FFF2-40B4-BE49-F238E27FC236}">
+                  <a16:creationId xmlns:a16="http://schemas.microsoft.com/office/drawing/2014/main" id="{39B45069-1CF7-471F-B578-A43A98916470}"/>
+                </a:ext>
+              </a:extLst>
+            </p:cNvPr>
+            <p:cNvSpPr/>
+            <p:nvPr/>
+          </p:nvSpPr>
+          <p:spPr>
+            <a:xfrm>
+              <a:off x="11987950" y="1255987"/>
+              <a:ext cx="1261241" cy="1261241"/>
+            </a:xfrm>
+            <a:prstGeom prst="ellipse">
+              <a:avLst/>
+            </a:prstGeom>
+            <a:solidFill>
+              <a:schemeClr val="bg2">
+                <a:lumMod val="90000"/>
+              </a:schemeClr>
+            </a:solidFill>
+            <a:ln>
+              <a:noFill/>
+            </a:ln>
+          </p:spPr>
+          <p:style>
+            <a:lnRef idx="2">
+              <a:schemeClr val="accent1">
+                <a:shade val="50000"/>
+              </a:schemeClr>
+            </a:lnRef>
+            <a:fillRef idx="1">
+              <a:schemeClr val="accent1"/>
+            </a:fillRef>
+            <a:effectRef idx="0">
+              <a:schemeClr val="accent1"/>
+            </a:effectRef>
+            <a:fontRef idx="minor">
+              <a:schemeClr val="lt1"/>
+            </a:fontRef>
+          </p:style>
+          <p:txBody>
+            <a:bodyPr rtlCol="0" anchor="ctr"/>
+            <a:lstStyle/>
+            <a:p>
+              <a:pPr algn="ctr"/>
+              <a:endParaRPr lang="ko-KR" altLang="en-US"/>
+            </a:p>
+          </p:txBody>
+        </p:sp>
+        <p:sp>
+          <p:nvSpPr>
+            <p:cNvPr id="97" name="타원 96">
+              <a:extLst>
+                <a:ext uri="{FF2B5EF4-FFF2-40B4-BE49-F238E27FC236}">
+                  <a16:creationId xmlns:a16="http://schemas.microsoft.com/office/drawing/2014/main" id="{A81371CC-F78E-4782-BAF6-EBA7EC12B2D2}"/>
+                </a:ext>
+              </a:extLst>
+            </p:cNvPr>
+            <p:cNvSpPr/>
+            <p:nvPr/>
+          </p:nvSpPr>
+          <p:spPr>
+            <a:xfrm>
+              <a:off x="15324985" y="1255986"/>
+              <a:ext cx="1261241" cy="1261241"/>
+            </a:xfrm>
+            <a:prstGeom prst="ellipse">
+              <a:avLst/>
+            </a:prstGeom>
+            <a:solidFill>
+              <a:schemeClr val="bg2">
+                <a:lumMod val="90000"/>
+              </a:schemeClr>
+            </a:solidFill>
+            <a:ln>
+              <a:noFill/>
+            </a:ln>
+          </p:spPr>
+          <p:style>
+            <a:lnRef idx="2">
+              <a:schemeClr val="accent1">
+                <a:shade val="50000"/>
+              </a:schemeClr>
+            </a:lnRef>
+            <a:fillRef idx="1">
+              <a:schemeClr val="accent1"/>
+            </a:fillRef>
+            <a:effectRef idx="0">
+              <a:schemeClr val="accent1"/>
+            </a:effectRef>
+            <a:fontRef idx="minor">
+              <a:schemeClr val="lt1"/>
+            </a:fontRef>
+          </p:style>
+          <p:txBody>
+            <a:bodyPr rtlCol="0" anchor="ctr"/>
+            <a:lstStyle/>
+            <a:p>
+              <a:pPr algn="ctr"/>
+              <a:endParaRPr lang="ko-KR" altLang="en-US"/>
+            </a:p>
+          </p:txBody>
+        </p:sp>
+        <p:sp>
+          <p:nvSpPr>
+            <p:cNvPr id="98" name="타원 97">
+              <a:extLst>
+                <a:ext uri="{FF2B5EF4-FFF2-40B4-BE49-F238E27FC236}">
+                  <a16:creationId xmlns:a16="http://schemas.microsoft.com/office/drawing/2014/main" id="{55CC3A59-FACC-403B-895F-A4BA8CE5A757}"/>
+                </a:ext>
+              </a:extLst>
+            </p:cNvPr>
+            <p:cNvSpPr/>
+            <p:nvPr/>
+          </p:nvSpPr>
+          <p:spPr>
+            <a:xfrm>
+              <a:off x="18662020" y="1255986"/>
+              <a:ext cx="1261241" cy="1261241"/>
+            </a:xfrm>
+            <a:prstGeom prst="ellipse">
+              <a:avLst/>
+            </a:prstGeom>
+            <a:solidFill>
+              <a:schemeClr val="bg2">
+                <a:lumMod val="90000"/>
+              </a:schemeClr>
+            </a:solidFill>
+            <a:ln>
+              <a:noFill/>
+            </a:ln>
+          </p:spPr>
+          <p:style>
+            <a:lnRef idx="2">
+              <a:schemeClr val="accent1">
+                <a:shade val="50000"/>
+              </a:schemeClr>
+            </a:lnRef>
+            <a:fillRef idx="1">
+              <a:schemeClr val="accent1"/>
+            </a:fillRef>
+            <a:effectRef idx="0">
+              <a:schemeClr val="accent1"/>
+            </a:effectRef>
+            <a:fontRef idx="minor">
+              <a:schemeClr val="lt1"/>
+            </a:fontRef>
+          </p:style>
+          <p:txBody>
+            <a:bodyPr rtlCol="0" anchor="ctr"/>
+            <a:lstStyle/>
+            <a:p>
+              <a:pPr algn="ctr"/>
+              <a:endParaRPr lang="ko-KR" altLang="en-US"/>
+            </a:p>
+          </p:txBody>
+        </p:sp>
+        <p:sp>
+          <p:nvSpPr>
+            <p:cNvPr id="99" name="타원 98">
+              <a:extLst>
+                <a:ext uri="{FF2B5EF4-FFF2-40B4-BE49-F238E27FC236}">
+                  <a16:creationId xmlns:a16="http://schemas.microsoft.com/office/drawing/2014/main" id="{5D0AC577-A76F-4747-93CE-92797999D97F}"/>
+                </a:ext>
+              </a:extLst>
+            </p:cNvPr>
+            <p:cNvSpPr/>
+            <p:nvPr/>
+          </p:nvSpPr>
+          <p:spPr>
+            <a:xfrm>
+              <a:off x="21999055" y="1255986"/>
+              <a:ext cx="1261241" cy="1261241"/>
+            </a:xfrm>
+            <a:prstGeom prst="ellipse">
+              <a:avLst/>
+            </a:prstGeom>
+            <a:solidFill>
+              <a:schemeClr val="bg2">
+                <a:lumMod val="90000"/>
+              </a:schemeClr>
+            </a:solidFill>
+            <a:ln>
+              <a:noFill/>
+            </a:ln>
+          </p:spPr>
+          <p:style>
+            <a:lnRef idx="2">
+              <a:schemeClr val="accent1">
+                <a:shade val="50000"/>
+              </a:schemeClr>
+            </a:lnRef>
+            <a:fillRef idx="1">
+              <a:schemeClr val="accent1"/>
+            </a:fillRef>
+            <a:effectRef idx="0">
+              <a:schemeClr val="accent1"/>
+            </a:effectRef>
+            <a:fontRef idx="minor">
+              <a:schemeClr val="lt1"/>
+            </a:fontRef>
+          </p:style>
+          <p:txBody>
+            <a:bodyPr rtlCol="0" anchor="ctr"/>
+            <a:lstStyle/>
+            <a:p>
+              <a:pPr algn="ctr"/>
+              <a:endParaRPr lang="ko-KR" altLang="en-US"/>
+            </a:p>
+          </p:txBody>
+        </p:sp>
+        <p:sp>
+          <p:nvSpPr>
+            <p:cNvPr id="100" name="타원 99">
+              <a:extLst>
+                <a:ext uri="{FF2B5EF4-FFF2-40B4-BE49-F238E27FC236}">
+                  <a16:creationId xmlns:a16="http://schemas.microsoft.com/office/drawing/2014/main" id="{964EDD46-EB3E-4989-9EE7-345D1C94BA5F}"/>
+                </a:ext>
+              </a:extLst>
+            </p:cNvPr>
+            <p:cNvSpPr/>
+            <p:nvPr/>
+          </p:nvSpPr>
+          <p:spPr>
+            <a:xfrm>
+              <a:off x="25336090" y="1255986"/>
+              <a:ext cx="1261241" cy="1261241"/>
+            </a:xfrm>
+            <a:prstGeom prst="ellipse">
+              <a:avLst/>
+            </a:prstGeom>
+            <a:solidFill>
+              <a:schemeClr val="bg2">
+                <a:lumMod val="90000"/>
+              </a:schemeClr>
+            </a:solidFill>
+            <a:ln>
+              <a:noFill/>
+            </a:ln>
+          </p:spPr>
+          <p:style>
+            <a:lnRef idx="2">
+              <a:schemeClr val="accent1">
+                <a:shade val="50000"/>
+              </a:schemeClr>
+            </a:lnRef>
+            <a:fillRef idx="1">
+              <a:schemeClr val="accent1"/>
+            </a:fillRef>
+            <a:effectRef idx="0">
+              <a:schemeClr val="accent1"/>
+            </a:effectRef>
+            <a:fontRef idx="minor">
+              <a:schemeClr val="lt1"/>
+            </a:fontRef>
+          </p:style>
+          <p:txBody>
+            <a:bodyPr rtlCol="0" anchor="ctr"/>
+            <a:lstStyle/>
+            <a:p>
+              <a:pPr algn="ctr"/>
+              <a:endParaRPr lang="ko-KR" altLang="en-US"/>
+            </a:p>
+          </p:txBody>
+        </p:sp>
+        <p:sp>
+          <p:nvSpPr>
+            <p:cNvPr id="101" name="타원 100">
+              <a:extLst>
+                <a:ext uri="{FF2B5EF4-FFF2-40B4-BE49-F238E27FC236}">
+                  <a16:creationId xmlns:a16="http://schemas.microsoft.com/office/drawing/2014/main" id="{565EF7B8-70DF-4D35-B029-7BA1CAE0F0A3}"/>
+                </a:ext>
+              </a:extLst>
+            </p:cNvPr>
+            <p:cNvSpPr/>
+            <p:nvPr/>
+          </p:nvSpPr>
+          <p:spPr>
+            <a:xfrm>
+              <a:off x="28673125" y="1255986"/>
+              <a:ext cx="1261241" cy="1261241"/>
+            </a:xfrm>
+            <a:prstGeom prst="ellipse">
+              <a:avLst/>
+            </a:prstGeom>
+            <a:solidFill>
+              <a:schemeClr val="bg2">
+                <a:lumMod val="90000"/>
+              </a:schemeClr>
+            </a:solidFill>
+            <a:ln>
+              <a:noFill/>
+            </a:ln>
+          </p:spPr>
+          <p:style>
+            <a:lnRef idx="2">
+              <a:schemeClr val="accent1">
+                <a:shade val="50000"/>
+              </a:schemeClr>
+            </a:lnRef>
+            <a:fillRef idx="1">
+              <a:schemeClr val="accent1"/>
+            </a:fillRef>
+            <a:effectRef idx="0">
+              <a:schemeClr val="accent1"/>
+            </a:effectRef>
+            <a:fontRef idx="minor">
+              <a:schemeClr val="lt1"/>
+            </a:fontRef>
+          </p:style>
+          <p:txBody>
+            <a:bodyPr rtlCol="0" anchor="ctr"/>
+            <a:lstStyle/>
+            <a:p>
+              <a:pPr algn="ctr"/>
+              <a:endParaRPr lang="ko-KR" altLang="en-US"/>
+            </a:p>
+          </p:txBody>
+        </p:sp>
+        <p:sp>
+          <p:nvSpPr>
+            <p:cNvPr id="102" name="타원 101">
+              <a:extLst>
+                <a:ext uri="{FF2B5EF4-FFF2-40B4-BE49-F238E27FC236}">
+                  <a16:creationId xmlns:a16="http://schemas.microsoft.com/office/drawing/2014/main" id="{42BBA4A7-13F3-4CA3-9C3C-E7A6C05CA0BB}"/>
+                </a:ext>
+              </a:extLst>
+            </p:cNvPr>
+            <p:cNvSpPr/>
+            <p:nvPr/>
+          </p:nvSpPr>
+          <p:spPr>
+            <a:xfrm>
+              <a:off x="1976845" y="1255986"/>
+              <a:ext cx="1261241" cy="1261241"/>
+            </a:xfrm>
+            <a:prstGeom prst="ellipse">
+              <a:avLst/>
+            </a:prstGeom>
+            <a:solidFill>
+              <a:schemeClr val="bg2">
+                <a:lumMod val="90000"/>
+              </a:schemeClr>
+            </a:solidFill>
+            <a:ln>
+              <a:noFill/>
+            </a:ln>
+          </p:spPr>
+          <p:style>
+            <a:lnRef idx="2">
+              <a:schemeClr val="accent1">
+                <a:shade val="50000"/>
+              </a:schemeClr>
+            </a:lnRef>
+            <a:fillRef idx="1">
+              <a:schemeClr val="accent1"/>
+            </a:fillRef>
+            <a:effectRef idx="0">
+              <a:schemeClr val="accent1"/>
+            </a:effectRef>
+            <a:fontRef idx="minor">
+              <a:schemeClr val="lt1"/>
+            </a:fontRef>
+          </p:style>
+          <p:txBody>
+            <a:bodyPr rtlCol="0" anchor="ctr"/>
+            <a:lstStyle/>
+            <a:p>
+              <a:pPr algn="ctr"/>
+              <a:endParaRPr lang="ko-KR" altLang="en-US"/>
+            </a:p>
+          </p:txBody>
+        </p:sp>
+        <p:sp>
+          <p:nvSpPr>
+            <p:cNvPr id="103" name="타원 102">
+              <a:extLst>
+                <a:ext uri="{FF2B5EF4-FFF2-40B4-BE49-F238E27FC236}">
+                  <a16:creationId xmlns:a16="http://schemas.microsoft.com/office/drawing/2014/main" id="{77C3AB52-B682-4CC0-8368-9B5A4DCB96C5}"/>
+                </a:ext>
+              </a:extLst>
+            </p:cNvPr>
+            <p:cNvSpPr/>
+            <p:nvPr/>
+          </p:nvSpPr>
+          <p:spPr>
+            <a:xfrm>
+              <a:off x="32010160" y="1255986"/>
+              <a:ext cx="1261241" cy="1261241"/>
+            </a:xfrm>
+            <a:prstGeom prst="ellipse">
+              <a:avLst/>
+            </a:prstGeom>
+            <a:solidFill>
+              <a:schemeClr val="bg2">
+                <a:lumMod val="90000"/>
+              </a:schemeClr>
+            </a:solidFill>
+            <a:ln>
+              <a:noFill/>
+            </a:ln>
+          </p:spPr>
+          <p:style>
+            <a:lnRef idx="2">
+              <a:schemeClr val="accent1">
+                <a:shade val="50000"/>
+              </a:schemeClr>
+            </a:lnRef>
+            <a:fillRef idx="1">
+              <a:schemeClr val="accent1"/>
+            </a:fillRef>
+            <a:effectRef idx="0">
+              <a:schemeClr val="accent1"/>
+            </a:effectRef>
+            <a:fontRef idx="minor">
+              <a:schemeClr val="lt1"/>
+            </a:fontRef>
+          </p:style>
+          <p:txBody>
+            <a:bodyPr rtlCol="0" anchor="ctr"/>
+            <a:lstStyle/>
+            <a:p>
+              <a:pPr algn="ctr"/>
+              <a:endParaRPr lang="ko-KR" altLang="en-US"/>
+            </a:p>
+          </p:txBody>
+        </p:sp>
+      </p:grpSp>
+      <p:grpSp>
+        <p:nvGrpSpPr>
+          <p:cNvPr id="104" name="그룹 103">
+            <a:extLst>
+              <a:ext uri="{FF2B5EF4-FFF2-40B4-BE49-F238E27FC236}">
+                <a16:creationId xmlns:a16="http://schemas.microsoft.com/office/drawing/2014/main" id="{1AB2A188-2275-4D64-8707-0E69476F0E54}"/>
+              </a:ext>
+            </a:extLst>
+          </p:cNvPr>
+          <p:cNvGrpSpPr/>
+          <p:nvPr/>
+        </p:nvGrpSpPr>
+        <p:grpSpPr>
+          <a:xfrm>
+            <a:off x="2352591" y="22208364"/>
+            <a:ext cx="31294556" cy="1261242"/>
+            <a:chOff x="1976845" y="1255986"/>
+            <a:chExt cx="31294556" cy="1261242"/>
+          </a:xfrm>
+        </p:grpSpPr>
+        <p:sp>
+          <p:nvSpPr>
+            <p:cNvPr id="105" name="타원 104">
+              <a:extLst>
+                <a:ext uri="{FF2B5EF4-FFF2-40B4-BE49-F238E27FC236}">
+                  <a16:creationId xmlns:a16="http://schemas.microsoft.com/office/drawing/2014/main" id="{CB78C0B5-7B7D-4097-8102-7F5AF4880358}"/>
+                </a:ext>
+              </a:extLst>
+            </p:cNvPr>
+            <p:cNvSpPr/>
+            <p:nvPr/>
+          </p:nvSpPr>
+          <p:spPr>
+            <a:xfrm>
+              <a:off x="5313880" y="1255987"/>
+              <a:ext cx="1261241" cy="1261241"/>
+            </a:xfrm>
+            <a:prstGeom prst="ellipse">
+              <a:avLst/>
+            </a:prstGeom>
+            <a:solidFill>
+              <a:schemeClr val="bg2">
+                <a:lumMod val="90000"/>
+              </a:schemeClr>
+            </a:solidFill>
+            <a:ln>
+              <a:noFill/>
+            </a:ln>
+          </p:spPr>
+          <p:style>
+            <a:lnRef idx="2">
+              <a:schemeClr val="accent1">
+                <a:shade val="50000"/>
+              </a:schemeClr>
+            </a:lnRef>
+            <a:fillRef idx="1">
+              <a:schemeClr val="accent1"/>
+            </a:fillRef>
+            <a:effectRef idx="0">
+              <a:schemeClr val="accent1"/>
+            </a:effectRef>
+            <a:fontRef idx="minor">
+              <a:schemeClr val="lt1"/>
+            </a:fontRef>
+          </p:style>
+          <p:txBody>
+            <a:bodyPr rtlCol="0" anchor="ctr"/>
+            <a:lstStyle/>
+            <a:p>
+              <a:pPr algn="ctr"/>
+              <a:endParaRPr lang="ko-KR" altLang="en-US"/>
+            </a:p>
+          </p:txBody>
+        </p:sp>
+        <p:sp>
+          <p:nvSpPr>
+            <p:cNvPr id="106" name="타원 105">
+              <a:extLst>
+                <a:ext uri="{FF2B5EF4-FFF2-40B4-BE49-F238E27FC236}">
+                  <a16:creationId xmlns:a16="http://schemas.microsoft.com/office/drawing/2014/main" id="{005E7D67-75D0-4674-942A-BC8800CF5A89}"/>
+                </a:ext>
+              </a:extLst>
+            </p:cNvPr>
+            <p:cNvSpPr/>
+            <p:nvPr/>
+          </p:nvSpPr>
+          <p:spPr>
+            <a:xfrm>
+              <a:off x="8650915" y="1255987"/>
+              <a:ext cx="1261241" cy="1261241"/>
+            </a:xfrm>
+            <a:prstGeom prst="ellipse">
+              <a:avLst/>
+            </a:prstGeom>
+            <a:solidFill>
+              <a:schemeClr val="bg2">
+                <a:lumMod val="90000"/>
+              </a:schemeClr>
+            </a:solidFill>
+            <a:ln>
+              <a:noFill/>
+            </a:ln>
+          </p:spPr>
+          <p:style>
+            <a:lnRef idx="2">
+              <a:schemeClr val="accent1">
+                <a:shade val="50000"/>
+              </a:schemeClr>
+            </a:lnRef>
+            <a:fillRef idx="1">
+              <a:schemeClr val="accent1"/>
+            </a:fillRef>
+            <a:effectRef idx="0">
+              <a:schemeClr val="accent1"/>
+            </a:effectRef>
+            <a:fontRef idx="minor">
+              <a:schemeClr val="lt1"/>
+            </a:fontRef>
+          </p:style>
+          <p:txBody>
+            <a:bodyPr rtlCol="0" anchor="ctr"/>
+            <a:lstStyle/>
+            <a:p>
+              <a:pPr algn="ctr"/>
+              <a:endParaRPr lang="ko-KR" altLang="en-US"/>
+            </a:p>
+          </p:txBody>
+        </p:sp>
+        <p:sp>
+          <p:nvSpPr>
+            <p:cNvPr id="107" name="타원 106">
+              <a:extLst>
+                <a:ext uri="{FF2B5EF4-FFF2-40B4-BE49-F238E27FC236}">
+                  <a16:creationId xmlns:a16="http://schemas.microsoft.com/office/drawing/2014/main" id="{4234431E-932D-4491-A67D-6777680D84FD}"/>
+                </a:ext>
+              </a:extLst>
+            </p:cNvPr>
+            <p:cNvSpPr/>
+            <p:nvPr/>
+          </p:nvSpPr>
+          <p:spPr>
+            <a:xfrm>
+              <a:off x="11987950" y="1255987"/>
+              <a:ext cx="1261241" cy="1261241"/>
+            </a:xfrm>
+            <a:prstGeom prst="ellipse">
+              <a:avLst/>
+            </a:prstGeom>
+            <a:solidFill>
+              <a:schemeClr val="bg2">
+                <a:lumMod val="90000"/>
+              </a:schemeClr>
+            </a:solidFill>
+            <a:ln>
+              <a:noFill/>
+            </a:ln>
+          </p:spPr>
+          <p:style>
+            <a:lnRef idx="2">
+              <a:schemeClr val="accent1">
+                <a:shade val="50000"/>
+              </a:schemeClr>
+            </a:lnRef>
+            <a:fillRef idx="1">
+              <a:schemeClr val="accent1"/>
+            </a:fillRef>
+            <a:effectRef idx="0">
+              <a:schemeClr val="accent1"/>
+            </a:effectRef>
+            <a:fontRef idx="minor">
+              <a:schemeClr val="lt1"/>
+            </a:fontRef>
+          </p:style>
+          <p:txBody>
+            <a:bodyPr rtlCol="0" anchor="ctr"/>
+            <a:lstStyle/>
+            <a:p>
+              <a:pPr algn="ctr"/>
+              <a:endParaRPr lang="ko-KR" altLang="en-US"/>
+            </a:p>
+          </p:txBody>
+        </p:sp>
+        <p:sp>
+          <p:nvSpPr>
+            <p:cNvPr id="108" name="타원 107">
+              <a:extLst>
+                <a:ext uri="{FF2B5EF4-FFF2-40B4-BE49-F238E27FC236}">
+                  <a16:creationId xmlns:a16="http://schemas.microsoft.com/office/drawing/2014/main" id="{80FB6783-45E0-4103-B804-B4B954294BF3}"/>
+                </a:ext>
+              </a:extLst>
+            </p:cNvPr>
+            <p:cNvSpPr/>
+            <p:nvPr/>
+          </p:nvSpPr>
+          <p:spPr>
+            <a:xfrm>
+              <a:off x="15324985" y="1255986"/>
+              <a:ext cx="1261241" cy="1261241"/>
+            </a:xfrm>
+            <a:prstGeom prst="ellipse">
+              <a:avLst/>
+            </a:prstGeom>
+            <a:solidFill>
+              <a:schemeClr val="bg2">
+                <a:lumMod val="90000"/>
+              </a:schemeClr>
+            </a:solidFill>
+            <a:ln>
+              <a:noFill/>
+            </a:ln>
+          </p:spPr>
+          <p:style>
+            <a:lnRef idx="2">
+              <a:schemeClr val="accent1">
+                <a:shade val="50000"/>
+              </a:schemeClr>
+            </a:lnRef>
+            <a:fillRef idx="1">
+              <a:schemeClr val="accent1"/>
+            </a:fillRef>
+            <a:effectRef idx="0">
+              <a:schemeClr val="accent1"/>
+            </a:effectRef>
+            <a:fontRef idx="minor">
+              <a:schemeClr val="lt1"/>
+            </a:fontRef>
+          </p:style>
+          <p:txBody>
+            <a:bodyPr rtlCol="0" anchor="ctr"/>
+            <a:lstStyle/>
+            <a:p>
+              <a:pPr algn="ctr"/>
+              <a:endParaRPr lang="ko-KR" altLang="en-US"/>
+            </a:p>
+          </p:txBody>
+        </p:sp>
+        <p:sp>
+          <p:nvSpPr>
+            <p:cNvPr id="109" name="타원 108">
+              <a:extLst>
+                <a:ext uri="{FF2B5EF4-FFF2-40B4-BE49-F238E27FC236}">
+                  <a16:creationId xmlns:a16="http://schemas.microsoft.com/office/drawing/2014/main" id="{FB5FC38A-4937-42CE-9823-CEEEB535DDFA}"/>
+                </a:ext>
+              </a:extLst>
+            </p:cNvPr>
+            <p:cNvSpPr/>
+            <p:nvPr/>
+          </p:nvSpPr>
+          <p:spPr>
+            <a:xfrm>
+              <a:off x="18662020" y="1255986"/>
+              <a:ext cx="1261241" cy="1261241"/>
+            </a:xfrm>
+            <a:prstGeom prst="ellipse">
+              <a:avLst/>
+            </a:prstGeom>
+            <a:solidFill>
+              <a:schemeClr val="bg2">
+                <a:lumMod val="90000"/>
+              </a:schemeClr>
+            </a:solidFill>
+            <a:ln>
+              <a:noFill/>
+            </a:ln>
+          </p:spPr>
+          <p:style>
+            <a:lnRef idx="2">
+              <a:schemeClr val="accent1">
+                <a:shade val="50000"/>
+              </a:schemeClr>
+            </a:lnRef>
+            <a:fillRef idx="1">
+              <a:schemeClr val="accent1"/>
+            </a:fillRef>
+            <a:effectRef idx="0">
+              <a:schemeClr val="accent1"/>
+            </a:effectRef>
+            <a:fontRef idx="minor">
+              <a:schemeClr val="lt1"/>
+            </a:fontRef>
+          </p:style>
+          <p:txBody>
+            <a:bodyPr rtlCol="0" anchor="ctr"/>
+            <a:lstStyle/>
+            <a:p>
+              <a:pPr algn="ctr"/>
+              <a:endParaRPr lang="ko-KR" altLang="en-US"/>
+            </a:p>
+          </p:txBody>
+        </p:sp>
+        <p:sp>
+          <p:nvSpPr>
+            <p:cNvPr id="110" name="타원 109">
+              <a:extLst>
+                <a:ext uri="{FF2B5EF4-FFF2-40B4-BE49-F238E27FC236}">
+                  <a16:creationId xmlns:a16="http://schemas.microsoft.com/office/drawing/2014/main" id="{1AB88CF3-8226-4FEE-800C-54CB663D7A33}"/>
+                </a:ext>
+              </a:extLst>
+            </p:cNvPr>
+            <p:cNvSpPr/>
+            <p:nvPr/>
+          </p:nvSpPr>
+          <p:spPr>
+            <a:xfrm>
+              <a:off x="21999055" y="1255986"/>
+              <a:ext cx="1261241" cy="1261241"/>
+            </a:xfrm>
+            <a:prstGeom prst="ellipse">
+              <a:avLst/>
+            </a:prstGeom>
+            <a:solidFill>
+              <a:schemeClr val="bg2">
+                <a:lumMod val="90000"/>
+              </a:schemeClr>
+            </a:solidFill>
+            <a:ln>
+              <a:noFill/>
+            </a:ln>
+          </p:spPr>
+          <p:style>
+            <a:lnRef idx="2">
+              <a:schemeClr val="accent1">
+                <a:shade val="50000"/>
+              </a:schemeClr>
+            </a:lnRef>
+            <a:fillRef idx="1">
+              <a:schemeClr val="accent1"/>
+            </a:fillRef>
+            <a:effectRef idx="0">
+              <a:schemeClr val="accent1"/>
+            </a:effectRef>
+            <a:fontRef idx="minor">
+              <a:schemeClr val="lt1"/>
+            </a:fontRef>
+          </p:style>
+          <p:txBody>
+            <a:bodyPr rtlCol="0" anchor="ctr"/>
+            <a:lstStyle/>
+            <a:p>
+              <a:pPr algn="ctr"/>
+              <a:endParaRPr lang="ko-KR" altLang="en-US"/>
+            </a:p>
+          </p:txBody>
+        </p:sp>
+        <p:sp>
+          <p:nvSpPr>
+            <p:cNvPr id="111" name="타원 110">
+              <a:extLst>
+                <a:ext uri="{FF2B5EF4-FFF2-40B4-BE49-F238E27FC236}">
+                  <a16:creationId xmlns:a16="http://schemas.microsoft.com/office/drawing/2014/main" id="{B9E84B07-3795-4199-93A4-E65D59CEC3FC}"/>
+                </a:ext>
+              </a:extLst>
+            </p:cNvPr>
+            <p:cNvSpPr/>
+            <p:nvPr/>
+          </p:nvSpPr>
+          <p:spPr>
+            <a:xfrm>
+              <a:off x="25336090" y="1255986"/>
+              <a:ext cx="1261241" cy="1261241"/>
+            </a:xfrm>
+            <a:prstGeom prst="ellipse">
+              <a:avLst/>
+            </a:prstGeom>
+            <a:solidFill>
+              <a:schemeClr val="bg2">
+                <a:lumMod val="90000"/>
+              </a:schemeClr>
+            </a:solidFill>
+            <a:ln>
+              <a:noFill/>
+            </a:ln>
+          </p:spPr>
+          <p:style>
+            <a:lnRef idx="2">
+              <a:schemeClr val="accent1">
+                <a:shade val="50000"/>
+              </a:schemeClr>
+            </a:lnRef>
+            <a:fillRef idx="1">
+              <a:schemeClr val="accent1"/>
+            </a:fillRef>
+            <a:effectRef idx="0">
+              <a:schemeClr val="accent1"/>
+            </a:effectRef>
+            <a:fontRef idx="minor">
+              <a:schemeClr val="lt1"/>
+            </a:fontRef>
+          </p:style>
+          <p:txBody>
+            <a:bodyPr rtlCol="0" anchor="ctr"/>
+            <a:lstStyle/>
+            <a:p>
+              <a:pPr algn="ctr"/>
+              <a:endParaRPr lang="ko-KR" altLang="en-US"/>
+            </a:p>
+          </p:txBody>
+        </p:sp>
+        <p:sp>
+          <p:nvSpPr>
+            <p:cNvPr id="112" name="타원 111">
+              <a:extLst>
+                <a:ext uri="{FF2B5EF4-FFF2-40B4-BE49-F238E27FC236}">
+                  <a16:creationId xmlns:a16="http://schemas.microsoft.com/office/drawing/2014/main" id="{962A0E80-0804-4149-B689-06DC5AA43A3D}"/>
+                </a:ext>
+              </a:extLst>
+            </p:cNvPr>
+            <p:cNvSpPr/>
+            <p:nvPr/>
+          </p:nvSpPr>
+          <p:spPr>
+            <a:xfrm>
+              <a:off x="28673125" y="1255986"/>
+              <a:ext cx="1261241" cy="1261241"/>
+            </a:xfrm>
+            <a:prstGeom prst="ellipse">
+              <a:avLst/>
+            </a:prstGeom>
+            <a:solidFill>
+              <a:schemeClr val="bg2">
+                <a:lumMod val="90000"/>
+              </a:schemeClr>
+            </a:solidFill>
+            <a:ln>
+              <a:noFill/>
+            </a:ln>
+          </p:spPr>
+          <p:style>
+            <a:lnRef idx="2">
+              <a:schemeClr val="accent1">
+                <a:shade val="50000"/>
+              </a:schemeClr>
+            </a:lnRef>
+            <a:fillRef idx="1">
+              <a:schemeClr val="accent1"/>
+            </a:fillRef>
+            <a:effectRef idx="0">
+              <a:schemeClr val="accent1"/>
+            </a:effectRef>
+            <a:fontRef idx="minor">
+              <a:schemeClr val="lt1"/>
+            </a:fontRef>
+          </p:style>
+          <p:txBody>
+            <a:bodyPr rtlCol="0" anchor="ctr"/>
+            <a:lstStyle/>
+            <a:p>
+              <a:pPr algn="ctr"/>
+              <a:endParaRPr lang="ko-KR" altLang="en-US"/>
+            </a:p>
+          </p:txBody>
+        </p:sp>
+        <p:sp>
+          <p:nvSpPr>
+            <p:cNvPr id="113" name="타원 112">
+              <a:extLst>
+                <a:ext uri="{FF2B5EF4-FFF2-40B4-BE49-F238E27FC236}">
+                  <a16:creationId xmlns:a16="http://schemas.microsoft.com/office/drawing/2014/main" id="{805CFE32-4296-4E41-9694-72FD06217619}"/>
+                </a:ext>
+              </a:extLst>
+            </p:cNvPr>
+            <p:cNvSpPr/>
+            <p:nvPr/>
+          </p:nvSpPr>
+          <p:spPr>
+            <a:xfrm>
+              <a:off x="1976845" y="1255986"/>
+              <a:ext cx="1261241" cy="1261241"/>
+            </a:xfrm>
+            <a:prstGeom prst="ellipse">
+              <a:avLst/>
+            </a:prstGeom>
+            <a:solidFill>
+              <a:schemeClr val="bg2">
+                <a:lumMod val="90000"/>
+              </a:schemeClr>
+            </a:solidFill>
+            <a:ln>
+              <a:noFill/>
+            </a:ln>
+          </p:spPr>
+          <p:style>
+            <a:lnRef idx="2">
+              <a:schemeClr val="accent1">
+                <a:shade val="50000"/>
+              </a:schemeClr>
+            </a:lnRef>
+            <a:fillRef idx="1">
+              <a:schemeClr val="accent1"/>
+            </a:fillRef>
+            <a:effectRef idx="0">
+              <a:schemeClr val="accent1"/>
+            </a:effectRef>
+            <a:fontRef idx="minor">
+              <a:schemeClr val="lt1"/>
+            </a:fontRef>
+          </p:style>
+          <p:txBody>
+            <a:bodyPr rtlCol="0" anchor="ctr"/>
+            <a:lstStyle/>
+            <a:p>
+              <a:pPr algn="ctr"/>
+              <a:endParaRPr lang="ko-KR" altLang="en-US"/>
+            </a:p>
+          </p:txBody>
+        </p:sp>
+        <p:sp>
+          <p:nvSpPr>
+            <p:cNvPr id="114" name="타원 113">
+              <a:extLst>
+                <a:ext uri="{FF2B5EF4-FFF2-40B4-BE49-F238E27FC236}">
+                  <a16:creationId xmlns:a16="http://schemas.microsoft.com/office/drawing/2014/main" id="{E86138DA-C206-476C-90E0-94C2DC3CB950}"/>
+                </a:ext>
+              </a:extLst>
+            </p:cNvPr>
+            <p:cNvSpPr/>
+            <p:nvPr/>
+          </p:nvSpPr>
+          <p:spPr>
+            <a:xfrm>
+              <a:off x="32010160" y="1255986"/>
+              <a:ext cx="1261241" cy="1261241"/>
+            </a:xfrm>
+            <a:prstGeom prst="ellipse">
+              <a:avLst/>
+            </a:prstGeom>
+            <a:solidFill>
+              <a:schemeClr val="bg2">
+                <a:lumMod val="90000"/>
+              </a:schemeClr>
+            </a:solidFill>
+            <a:ln>
+              <a:noFill/>
+            </a:ln>
+          </p:spPr>
+          <p:style>
+            <a:lnRef idx="2">
+              <a:schemeClr val="accent1">
+                <a:shade val="50000"/>
+              </a:schemeClr>
+            </a:lnRef>
+            <a:fillRef idx="1">
+              <a:schemeClr val="accent1"/>
+            </a:fillRef>
+            <a:effectRef idx="0">
+              <a:schemeClr val="accent1"/>
+            </a:effectRef>
+            <a:fontRef idx="minor">
+              <a:schemeClr val="lt1"/>
+            </a:fontRef>
+          </p:style>
+          <p:txBody>
+            <a:bodyPr rtlCol="0" anchor="ctr"/>
+            <a:lstStyle/>
+            <a:p>
+              <a:pPr algn="ctr"/>
+              <a:endParaRPr lang="ko-KR" altLang="en-US"/>
+            </a:p>
+          </p:txBody>
+        </p:sp>
+      </p:grpSp>
+      <p:sp>
+        <p:nvSpPr>
+          <p:cNvPr id="116" name="타원 115">
+            <a:extLst>
+              <a:ext uri="{FF2B5EF4-FFF2-40B4-BE49-F238E27FC236}">
+                <a16:creationId xmlns:a16="http://schemas.microsoft.com/office/drawing/2014/main" id="{E38410D7-E8D9-4A57-BEA6-C8A91C5007E8}"/>
+              </a:ext>
+            </a:extLst>
+          </p:cNvPr>
+          <p:cNvSpPr/>
+          <p:nvPr/>
+        </p:nvSpPr>
+        <p:spPr>
+          <a:xfrm>
+            <a:off x="5689626" y="24536407"/>
+            <a:ext cx="1261241" cy="1261241"/>
+          </a:xfrm>
+          <a:prstGeom prst="ellipse">
+            <a:avLst/>
+          </a:prstGeom>
+          <a:solidFill>
+            <a:schemeClr val="bg2">
+              <a:lumMod val="90000"/>
+            </a:schemeClr>
+          </a:solidFill>
+          <a:ln>
+            <a:noFill/>
+          </a:ln>
+        </p:spPr>
+        <p:style>
+          <a:lnRef idx="2">
+            <a:schemeClr val="accent1">
+              <a:shade val="50000"/>
+            </a:schemeClr>
+          </a:lnRef>
+          <a:fillRef idx="1">
+            <a:schemeClr val="accent1"/>
+          </a:fillRef>
+          <a:effectRef idx="0">
+            <a:schemeClr val="accent1"/>
+          </a:effectRef>
+          <a:fontRef idx="minor">
+            <a:schemeClr val="lt1"/>
+          </a:fontRef>
+        </p:style>
+        <p:txBody>
+          <a:bodyPr rtlCol="0" anchor="ctr"/>
+          <a:lstStyle/>
+          <a:p>
+            <a:pPr algn="ctr"/>
+            <a:endParaRPr lang="ko-KR" altLang="en-US"/>
+          </a:p>
+        </p:txBody>
+      </p:sp>
+      <p:sp>
+        <p:nvSpPr>
+          <p:cNvPr id="117" name="타원 116">
+            <a:extLst>
+              <a:ext uri="{FF2B5EF4-FFF2-40B4-BE49-F238E27FC236}">
+                <a16:creationId xmlns:a16="http://schemas.microsoft.com/office/drawing/2014/main" id="{07148623-B361-44B1-B8BF-176E2E724A44}"/>
+              </a:ext>
+            </a:extLst>
+          </p:cNvPr>
+          <p:cNvSpPr/>
+          <p:nvPr/>
+        </p:nvSpPr>
+        <p:spPr>
+          <a:xfrm>
+            <a:off x="9026661" y="24536407"/>
+            <a:ext cx="1261241" cy="1261241"/>
+          </a:xfrm>
+          <a:prstGeom prst="ellipse">
+            <a:avLst/>
+          </a:prstGeom>
+          <a:solidFill>
+            <a:schemeClr val="bg2">
+              <a:lumMod val="90000"/>
+            </a:schemeClr>
+          </a:solidFill>
+          <a:ln>
+            <a:noFill/>
+          </a:ln>
+        </p:spPr>
+        <p:style>
+          <a:lnRef idx="2">
+            <a:schemeClr val="accent1">
+              <a:shade val="50000"/>
+            </a:schemeClr>
+          </a:lnRef>
+          <a:fillRef idx="1">
+            <a:schemeClr val="accent1"/>
+          </a:fillRef>
+          <a:effectRef idx="0">
+            <a:schemeClr val="accent1"/>
+          </a:effectRef>
+          <a:fontRef idx="minor">
+            <a:schemeClr val="lt1"/>
+          </a:fontRef>
+        </p:style>
+        <p:txBody>
+          <a:bodyPr rtlCol="0" anchor="ctr"/>
+          <a:lstStyle/>
+          <a:p>
+            <a:pPr algn="ctr"/>
+            <a:endParaRPr lang="ko-KR" altLang="en-US"/>
+          </a:p>
+        </p:txBody>
+      </p:sp>
+      <p:sp>
+        <p:nvSpPr>
+          <p:cNvPr id="118" name="타원 117">
+            <a:extLst>
+              <a:ext uri="{FF2B5EF4-FFF2-40B4-BE49-F238E27FC236}">
+                <a16:creationId xmlns:a16="http://schemas.microsoft.com/office/drawing/2014/main" id="{0A235CD9-45E0-4E47-805A-1AD339AD1FC1}"/>
+              </a:ext>
+            </a:extLst>
+          </p:cNvPr>
+          <p:cNvSpPr/>
+          <p:nvPr/>
+        </p:nvSpPr>
+        <p:spPr>
+          <a:xfrm>
+            <a:off x="12363696" y="24536407"/>
+            <a:ext cx="1261241" cy="1261241"/>
+          </a:xfrm>
+          <a:prstGeom prst="ellipse">
+            <a:avLst/>
+          </a:prstGeom>
+          <a:solidFill>
+            <a:schemeClr val="bg2">
+              <a:lumMod val="90000"/>
+            </a:schemeClr>
+          </a:solidFill>
+          <a:ln>
+            <a:noFill/>
+          </a:ln>
+        </p:spPr>
+        <p:style>
+          <a:lnRef idx="2">
+            <a:schemeClr val="accent1">
+              <a:shade val="50000"/>
+            </a:schemeClr>
+          </a:lnRef>
+          <a:fillRef idx="1">
+            <a:schemeClr val="accent1"/>
+          </a:fillRef>
+          <a:effectRef idx="0">
+            <a:schemeClr val="accent1"/>
+          </a:effectRef>
+          <a:fontRef idx="minor">
+            <a:schemeClr val="lt1"/>
+          </a:fontRef>
+        </p:style>
+        <p:txBody>
+          <a:bodyPr rtlCol="0" anchor="ctr"/>
+          <a:lstStyle/>
+          <a:p>
+            <a:pPr algn="ctr"/>
+            <a:endParaRPr lang="ko-KR" altLang="en-US"/>
+          </a:p>
+        </p:txBody>
+      </p:sp>
+      <p:sp>
+        <p:nvSpPr>
+          <p:cNvPr id="119" name="타원 118">
+            <a:extLst>
+              <a:ext uri="{FF2B5EF4-FFF2-40B4-BE49-F238E27FC236}">
+                <a16:creationId xmlns:a16="http://schemas.microsoft.com/office/drawing/2014/main" id="{DBCB8754-C77E-4A85-953A-74036CDEBD8D}"/>
+              </a:ext>
+            </a:extLst>
+          </p:cNvPr>
+          <p:cNvSpPr/>
+          <p:nvPr/>
+        </p:nvSpPr>
+        <p:spPr>
+          <a:xfrm>
+            <a:off x="15700731" y="24536406"/>
+            <a:ext cx="1261241" cy="1261241"/>
+          </a:xfrm>
+          <a:prstGeom prst="ellipse">
+            <a:avLst/>
+          </a:prstGeom>
+          <a:solidFill>
+            <a:schemeClr val="bg2">
+              <a:lumMod val="90000"/>
+            </a:schemeClr>
+          </a:solidFill>
+          <a:ln>
+            <a:noFill/>
+          </a:ln>
+        </p:spPr>
+        <p:style>
+          <a:lnRef idx="2">
+            <a:schemeClr val="accent1">
+              <a:shade val="50000"/>
+            </a:schemeClr>
+          </a:lnRef>
+          <a:fillRef idx="1">
+            <a:schemeClr val="accent1"/>
+          </a:fillRef>
+          <a:effectRef idx="0">
+            <a:schemeClr val="accent1"/>
+          </a:effectRef>
+          <a:fontRef idx="minor">
+            <a:schemeClr val="lt1"/>
+          </a:fontRef>
+        </p:style>
+        <p:txBody>
+          <a:bodyPr rtlCol="0" anchor="ctr"/>
+          <a:lstStyle/>
+          <a:p>
+            <a:pPr algn="ctr"/>
+            <a:endParaRPr lang="ko-KR" altLang="en-US"/>
+          </a:p>
+        </p:txBody>
+      </p:sp>
+      <p:sp>
+        <p:nvSpPr>
+          <p:cNvPr id="120" name="타원 119">
+            <a:extLst>
+              <a:ext uri="{FF2B5EF4-FFF2-40B4-BE49-F238E27FC236}">
+                <a16:creationId xmlns:a16="http://schemas.microsoft.com/office/drawing/2014/main" id="{B491D16A-DD9B-4A4B-A90F-A75CF567C699}"/>
+              </a:ext>
+            </a:extLst>
+          </p:cNvPr>
+          <p:cNvSpPr/>
+          <p:nvPr/>
+        </p:nvSpPr>
+        <p:spPr>
+          <a:xfrm>
+            <a:off x="18596332" y="24170344"/>
+            <a:ext cx="2151089" cy="2151089"/>
+          </a:xfrm>
+          <a:prstGeom prst="ellipse">
+            <a:avLst/>
+          </a:prstGeom>
+          <a:solidFill>
+            <a:schemeClr val="bg2">
+              <a:lumMod val="90000"/>
+            </a:schemeClr>
+          </a:solidFill>
+          <a:ln>
+            <a:noFill/>
+          </a:ln>
+        </p:spPr>
+        <p:style>
+          <a:lnRef idx="2">
+            <a:schemeClr val="accent1">
+              <a:shade val="50000"/>
+            </a:schemeClr>
+          </a:lnRef>
+          <a:fillRef idx="1">
+            <a:schemeClr val="accent1"/>
+          </a:fillRef>
+          <a:effectRef idx="0">
+            <a:schemeClr val="accent1"/>
+          </a:effectRef>
+          <a:fontRef idx="minor">
+            <a:schemeClr val="lt1"/>
+          </a:fontRef>
+        </p:style>
+        <p:txBody>
+          <a:bodyPr rtlCol="0" anchor="ctr"/>
+          <a:lstStyle/>
+          <a:p>
+            <a:pPr algn="ctr"/>
+            <a:endParaRPr lang="ko-KR" altLang="en-US"/>
+          </a:p>
+        </p:txBody>
+      </p:sp>
+      <p:sp>
+        <p:nvSpPr>
+          <p:cNvPr id="121" name="타원 120">
+            <a:extLst>
+              <a:ext uri="{FF2B5EF4-FFF2-40B4-BE49-F238E27FC236}">
+                <a16:creationId xmlns:a16="http://schemas.microsoft.com/office/drawing/2014/main" id="{90E48F2E-3CDC-41FE-A542-36FEA4EECBED}"/>
+              </a:ext>
+            </a:extLst>
+          </p:cNvPr>
+          <p:cNvSpPr/>
+          <p:nvPr/>
+        </p:nvSpPr>
+        <p:spPr>
+          <a:xfrm>
+            <a:off x="22374801" y="24536406"/>
+            <a:ext cx="1261241" cy="1261241"/>
+          </a:xfrm>
+          <a:prstGeom prst="ellipse">
+            <a:avLst/>
+          </a:prstGeom>
+          <a:solidFill>
+            <a:schemeClr val="bg2">
+              <a:lumMod val="90000"/>
+            </a:schemeClr>
+          </a:solidFill>
+          <a:ln>
+            <a:noFill/>
+          </a:ln>
+        </p:spPr>
+        <p:style>
+          <a:lnRef idx="2">
+            <a:schemeClr val="accent1">
+              <a:shade val="50000"/>
+            </a:schemeClr>
+          </a:lnRef>
+          <a:fillRef idx="1">
+            <a:schemeClr val="accent1"/>
+          </a:fillRef>
+          <a:effectRef idx="0">
+            <a:schemeClr val="accent1"/>
+          </a:effectRef>
+          <a:fontRef idx="minor">
+            <a:schemeClr val="lt1"/>
+          </a:fontRef>
+        </p:style>
+        <p:txBody>
+          <a:bodyPr rtlCol="0" anchor="ctr"/>
+          <a:lstStyle/>
+          <a:p>
+            <a:pPr algn="ctr"/>
+            <a:endParaRPr lang="ko-KR" altLang="en-US"/>
+          </a:p>
+        </p:txBody>
+      </p:sp>
+      <p:sp>
+        <p:nvSpPr>
+          <p:cNvPr id="122" name="타원 121">
+            <a:extLst>
+              <a:ext uri="{FF2B5EF4-FFF2-40B4-BE49-F238E27FC236}">
+                <a16:creationId xmlns:a16="http://schemas.microsoft.com/office/drawing/2014/main" id="{B3B5CF54-EA24-4F12-8181-5D9EC74575F6}"/>
+              </a:ext>
+            </a:extLst>
+          </p:cNvPr>
+          <p:cNvSpPr/>
+          <p:nvPr/>
+        </p:nvSpPr>
+        <p:spPr>
+          <a:xfrm>
+            <a:off x="25711836" y="24536406"/>
+            <a:ext cx="1261241" cy="1261241"/>
+          </a:xfrm>
+          <a:prstGeom prst="ellipse">
+            <a:avLst/>
+          </a:prstGeom>
+          <a:solidFill>
+            <a:schemeClr val="bg2">
+              <a:lumMod val="90000"/>
+            </a:schemeClr>
+          </a:solidFill>
+          <a:ln>
+            <a:noFill/>
+          </a:ln>
+        </p:spPr>
+        <p:style>
+          <a:lnRef idx="2">
+            <a:schemeClr val="accent1">
+              <a:shade val="50000"/>
+            </a:schemeClr>
+          </a:lnRef>
+          <a:fillRef idx="1">
+            <a:schemeClr val="accent1"/>
+          </a:fillRef>
+          <a:effectRef idx="0">
+            <a:schemeClr val="accent1"/>
+          </a:effectRef>
+          <a:fontRef idx="minor">
+            <a:schemeClr val="lt1"/>
+          </a:fontRef>
+        </p:style>
+        <p:txBody>
+          <a:bodyPr rtlCol="0" anchor="ctr"/>
+          <a:lstStyle/>
+          <a:p>
+            <a:pPr algn="ctr"/>
+            <a:endParaRPr lang="ko-KR" altLang="en-US"/>
+          </a:p>
+        </p:txBody>
+      </p:sp>
+      <p:sp>
+        <p:nvSpPr>
+          <p:cNvPr id="123" name="타원 122">
+            <a:extLst>
+              <a:ext uri="{FF2B5EF4-FFF2-40B4-BE49-F238E27FC236}">
+                <a16:creationId xmlns:a16="http://schemas.microsoft.com/office/drawing/2014/main" id="{4BEE3643-2738-4B75-9E30-0F935BF94614}"/>
+              </a:ext>
+            </a:extLst>
+          </p:cNvPr>
+          <p:cNvSpPr/>
+          <p:nvPr/>
+        </p:nvSpPr>
+        <p:spPr>
+          <a:xfrm>
+            <a:off x="29048871" y="24536406"/>
+            <a:ext cx="1261241" cy="1261241"/>
+          </a:xfrm>
+          <a:prstGeom prst="ellipse">
+            <a:avLst/>
+          </a:prstGeom>
+          <a:solidFill>
+            <a:schemeClr val="bg2">
+              <a:lumMod val="90000"/>
+            </a:schemeClr>
+          </a:solidFill>
+          <a:ln>
+            <a:noFill/>
+          </a:ln>
+        </p:spPr>
+        <p:style>
+          <a:lnRef idx="2">
+            <a:schemeClr val="accent1">
+              <a:shade val="50000"/>
+            </a:schemeClr>
+          </a:lnRef>
+          <a:fillRef idx="1">
+            <a:schemeClr val="accent1"/>
+          </a:fillRef>
+          <a:effectRef idx="0">
+            <a:schemeClr val="accent1"/>
+          </a:effectRef>
+          <a:fontRef idx="minor">
+            <a:schemeClr val="lt1"/>
+          </a:fontRef>
+        </p:style>
+        <p:txBody>
+          <a:bodyPr rtlCol="0" anchor="ctr"/>
+          <a:lstStyle/>
+          <a:p>
+            <a:pPr algn="ctr"/>
+            <a:endParaRPr lang="ko-KR" altLang="en-US"/>
+          </a:p>
+        </p:txBody>
+      </p:sp>
+      <p:sp>
+        <p:nvSpPr>
+          <p:cNvPr id="124" name="타원 123">
+            <a:extLst>
+              <a:ext uri="{FF2B5EF4-FFF2-40B4-BE49-F238E27FC236}">
+                <a16:creationId xmlns:a16="http://schemas.microsoft.com/office/drawing/2014/main" id="{72C91660-52AC-4941-BD74-94E563C2DB0D}"/>
+              </a:ext>
+            </a:extLst>
+          </p:cNvPr>
+          <p:cNvSpPr/>
+          <p:nvPr/>
+        </p:nvSpPr>
+        <p:spPr>
+          <a:xfrm>
+            <a:off x="2352591" y="24536406"/>
+            <a:ext cx="1261241" cy="1261241"/>
+          </a:xfrm>
+          <a:prstGeom prst="ellipse">
+            <a:avLst/>
+          </a:prstGeom>
+          <a:solidFill>
+            <a:schemeClr val="bg2">
+              <a:lumMod val="90000"/>
+            </a:schemeClr>
+          </a:solidFill>
+          <a:ln>
+            <a:noFill/>
+          </a:ln>
+        </p:spPr>
+        <p:style>
+          <a:lnRef idx="2">
+            <a:schemeClr val="accent1">
+              <a:shade val="50000"/>
+            </a:schemeClr>
+          </a:lnRef>
+          <a:fillRef idx="1">
+            <a:schemeClr val="accent1"/>
+          </a:fillRef>
+          <a:effectRef idx="0">
+            <a:schemeClr val="accent1"/>
+          </a:effectRef>
+          <a:fontRef idx="minor">
+            <a:schemeClr val="lt1"/>
+          </a:fontRef>
+        </p:style>
+        <p:txBody>
+          <a:bodyPr rtlCol="0" anchor="ctr"/>
+          <a:lstStyle/>
+          <a:p>
+            <a:pPr algn="ctr"/>
+            <a:endParaRPr lang="ko-KR" altLang="en-US"/>
+          </a:p>
+        </p:txBody>
+      </p:sp>
+      <p:sp>
+        <p:nvSpPr>
+          <p:cNvPr id="125" name="타원 124">
+            <a:extLst>
+              <a:ext uri="{FF2B5EF4-FFF2-40B4-BE49-F238E27FC236}">
+                <a16:creationId xmlns:a16="http://schemas.microsoft.com/office/drawing/2014/main" id="{C1E75C77-C6A9-4416-B726-6312A806137B}"/>
+              </a:ext>
+            </a:extLst>
+          </p:cNvPr>
+          <p:cNvSpPr/>
+          <p:nvPr/>
+        </p:nvSpPr>
+        <p:spPr>
+          <a:xfrm>
+            <a:off x="32385906" y="24536406"/>
+            <a:ext cx="1261241" cy="1261241"/>
+          </a:xfrm>
+          <a:prstGeom prst="ellipse">
+            <a:avLst/>
+          </a:prstGeom>
+          <a:solidFill>
+            <a:schemeClr val="bg2">
+              <a:lumMod val="90000"/>
+            </a:schemeClr>
+          </a:solidFill>
+          <a:ln>
+            <a:noFill/>
+          </a:ln>
+        </p:spPr>
+        <p:style>
+          <a:lnRef idx="2">
+            <a:schemeClr val="accent1">
+              <a:shade val="50000"/>
+            </a:schemeClr>
+          </a:lnRef>
+          <a:fillRef idx="1">
+            <a:schemeClr val="accent1"/>
+          </a:fillRef>
+          <a:effectRef idx="0">
+            <a:schemeClr val="accent1"/>
+          </a:effectRef>
+          <a:fontRef idx="minor">
+            <a:schemeClr val="lt1"/>
+          </a:fontRef>
+        </p:style>
+        <p:txBody>
+          <a:bodyPr rtlCol="0" anchor="ctr"/>
+          <a:lstStyle/>
+          <a:p>
+            <a:pPr algn="ctr"/>
+            <a:endParaRPr lang="ko-KR" altLang="en-US"/>
+          </a:p>
+        </p:txBody>
+      </p:sp>
+      <p:grpSp>
+        <p:nvGrpSpPr>
+          <p:cNvPr id="126" name="그룹 125">
+            <a:extLst>
+              <a:ext uri="{FF2B5EF4-FFF2-40B4-BE49-F238E27FC236}">
+                <a16:creationId xmlns:a16="http://schemas.microsoft.com/office/drawing/2014/main" id="{80702146-7C2F-4219-B2B2-8A5BB1FE53B8}"/>
+              </a:ext>
+            </a:extLst>
+          </p:cNvPr>
+          <p:cNvGrpSpPr/>
+          <p:nvPr/>
+        </p:nvGrpSpPr>
+        <p:grpSpPr>
+          <a:xfrm>
+            <a:off x="2352591" y="26864448"/>
+            <a:ext cx="31294556" cy="1261242"/>
+            <a:chOff x="1976845" y="1255986"/>
+            <a:chExt cx="31294556" cy="1261242"/>
+          </a:xfrm>
+        </p:grpSpPr>
+        <p:sp>
+          <p:nvSpPr>
+            <p:cNvPr id="127" name="타원 126">
+              <a:extLst>
+                <a:ext uri="{FF2B5EF4-FFF2-40B4-BE49-F238E27FC236}">
+                  <a16:creationId xmlns:a16="http://schemas.microsoft.com/office/drawing/2014/main" id="{35625E94-F5F0-4435-882F-BA3ED2095576}"/>
+                </a:ext>
+              </a:extLst>
+            </p:cNvPr>
+            <p:cNvSpPr/>
+            <p:nvPr/>
+          </p:nvSpPr>
+          <p:spPr>
+            <a:xfrm>
+              <a:off x="5313880" y="1255987"/>
+              <a:ext cx="1261241" cy="1261241"/>
+            </a:xfrm>
+            <a:prstGeom prst="ellipse">
+              <a:avLst/>
+            </a:prstGeom>
+            <a:solidFill>
+              <a:schemeClr val="bg2">
+                <a:lumMod val="90000"/>
+              </a:schemeClr>
+            </a:solidFill>
+            <a:ln>
+              <a:noFill/>
+            </a:ln>
+          </p:spPr>
+          <p:style>
+            <a:lnRef idx="2">
+              <a:schemeClr val="accent1">
+                <a:shade val="50000"/>
+              </a:schemeClr>
+            </a:lnRef>
+            <a:fillRef idx="1">
+              <a:schemeClr val="accent1"/>
+            </a:fillRef>
+            <a:effectRef idx="0">
+              <a:schemeClr val="accent1"/>
+            </a:effectRef>
+            <a:fontRef idx="minor">
+              <a:schemeClr val="lt1"/>
+            </a:fontRef>
+          </p:style>
+          <p:txBody>
+            <a:bodyPr rtlCol="0" anchor="ctr"/>
+            <a:lstStyle/>
+            <a:p>
+              <a:pPr algn="ctr"/>
+              <a:endParaRPr lang="ko-KR" altLang="en-US"/>
+            </a:p>
+          </p:txBody>
+        </p:sp>
+        <p:sp>
+          <p:nvSpPr>
+            <p:cNvPr id="128" name="타원 127">
+              <a:extLst>
+                <a:ext uri="{FF2B5EF4-FFF2-40B4-BE49-F238E27FC236}">
+                  <a16:creationId xmlns:a16="http://schemas.microsoft.com/office/drawing/2014/main" id="{E83C0640-318C-414E-90BC-8CBB29CB2522}"/>
+                </a:ext>
+              </a:extLst>
+            </p:cNvPr>
+            <p:cNvSpPr/>
+            <p:nvPr/>
+          </p:nvSpPr>
+          <p:spPr>
+            <a:xfrm>
+              <a:off x="8650915" y="1255987"/>
+              <a:ext cx="1261241" cy="1261241"/>
+            </a:xfrm>
+            <a:prstGeom prst="ellipse">
+              <a:avLst/>
+            </a:prstGeom>
+            <a:solidFill>
+              <a:schemeClr val="bg2">
+                <a:lumMod val="90000"/>
+              </a:schemeClr>
+            </a:solidFill>
+            <a:ln>
+              <a:noFill/>
+            </a:ln>
+          </p:spPr>
+          <p:style>
+            <a:lnRef idx="2">
+              <a:schemeClr val="accent1">
+                <a:shade val="50000"/>
+              </a:schemeClr>
+            </a:lnRef>
+            <a:fillRef idx="1">
+              <a:schemeClr val="accent1"/>
+            </a:fillRef>
+            <a:effectRef idx="0">
+              <a:schemeClr val="accent1"/>
+            </a:effectRef>
+            <a:fontRef idx="minor">
+              <a:schemeClr val="lt1"/>
+            </a:fontRef>
+          </p:style>
+          <p:txBody>
+            <a:bodyPr rtlCol="0" anchor="ctr"/>
+            <a:lstStyle/>
+            <a:p>
+              <a:pPr algn="ctr"/>
+              <a:endParaRPr lang="ko-KR" altLang="en-US"/>
+            </a:p>
+          </p:txBody>
+        </p:sp>
+        <p:sp>
+          <p:nvSpPr>
+            <p:cNvPr id="129" name="타원 128">
+              <a:extLst>
+                <a:ext uri="{FF2B5EF4-FFF2-40B4-BE49-F238E27FC236}">
+                  <a16:creationId xmlns:a16="http://schemas.microsoft.com/office/drawing/2014/main" id="{B82824BA-21C0-47BA-B38C-ACD9A47CAD75}"/>
+                </a:ext>
+              </a:extLst>
+            </p:cNvPr>
+            <p:cNvSpPr/>
+            <p:nvPr/>
+          </p:nvSpPr>
+          <p:spPr>
+            <a:xfrm>
+              <a:off x="11987950" y="1255987"/>
+              <a:ext cx="1261241" cy="1261241"/>
+            </a:xfrm>
+            <a:prstGeom prst="ellipse">
+              <a:avLst/>
+            </a:prstGeom>
+            <a:solidFill>
+              <a:schemeClr val="bg2">
+                <a:lumMod val="90000"/>
+              </a:schemeClr>
+            </a:solidFill>
+            <a:ln>
+              <a:noFill/>
+            </a:ln>
+          </p:spPr>
+          <p:style>
+            <a:lnRef idx="2">
+              <a:schemeClr val="accent1">
+                <a:shade val="50000"/>
+              </a:schemeClr>
+            </a:lnRef>
+            <a:fillRef idx="1">
+              <a:schemeClr val="accent1"/>
+            </a:fillRef>
+            <a:effectRef idx="0">
+              <a:schemeClr val="accent1"/>
+            </a:effectRef>
+            <a:fontRef idx="minor">
+              <a:schemeClr val="lt1"/>
+            </a:fontRef>
+          </p:style>
+          <p:txBody>
+            <a:bodyPr rtlCol="0" anchor="ctr"/>
+            <a:lstStyle/>
+            <a:p>
+              <a:pPr algn="ctr"/>
+              <a:endParaRPr lang="ko-KR" altLang="en-US"/>
+            </a:p>
+          </p:txBody>
+        </p:sp>
+        <p:sp>
+          <p:nvSpPr>
+            <p:cNvPr id="130" name="타원 129">
+              <a:extLst>
+                <a:ext uri="{FF2B5EF4-FFF2-40B4-BE49-F238E27FC236}">
+                  <a16:creationId xmlns:a16="http://schemas.microsoft.com/office/drawing/2014/main" id="{F84B6D2F-91A2-4047-A54C-E7B06229CD10}"/>
+                </a:ext>
+              </a:extLst>
+            </p:cNvPr>
+            <p:cNvSpPr/>
+            <p:nvPr/>
+          </p:nvSpPr>
+          <p:spPr>
+            <a:xfrm>
+              <a:off x="15324985" y="1255986"/>
+              <a:ext cx="1261241" cy="1261241"/>
+            </a:xfrm>
+            <a:prstGeom prst="ellipse">
+              <a:avLst/>
+            </a:prstGeom>
+            <a:solidFill>
+              <a:schemeClr val="bg2">
+                <a:lumMod val="90000"/>
+              </a:schemeClr>
+            </a:solidFill>
+            <a:ln>
+              <a:noFill/>
+            </a:ln>
+          </p:spPr>
+          <p:style>
+            <a:lnRef idx="2">
+              <a:schemeClr val="accent1">
+                <a:shade val="50000"/>
+              </a:schemeClr>
+            </a:lnRef>
+            <a:fillRef idx="1">
+              <a:schemeClr val="accent1"/>
+            </a:fillRef>
+            <a:effectRef idx="0">
+              <a:schemeClr val="accent1"/>
+            </a:effectRef>
+            <a:fontRef idx="minor">
+              <a:schemeClr val="lt1"/>
+            </a:fontRef>
+          </p:style>
+          <p:txBody>
+            <a:bodyPr rtlCol="0" anchor="ctr"/>
+            <a:lstStyle/>
+            <a:p>
+              <a:pPr algn="ctr"/>
+              <a:endParaRPr lang="ko-KR" altLang="en-US"/>
+            </a:p>
+          </p:txBody>
+        </p:sp>
+        <p:sp>
+          <p:nvSpPr>
+            <p:cNvPr id="131" name="타원 130">
+              <a:extLst>
+                <a:ext uri="{FF2B5EF4-FFF2-40B4-BE49-F238E27FC236}">
+                  <a16:creationId xmlns:a16="http://schemas.microsoft.com/office/drawing/2014/main" id="{A15351A8-2F51-48E3-B6F2-D2589F88C1AC}"/>
+                </a:ext>
+              </a:extLst>
+            </p:cNvPr>
+            <p:cNvSpPr/>
+            <p:nvPr/>
+          </p:nvSpPr>
+          <p:spPr>
+            <a:xfrm>
+              <a:off x="18662020" y="1255986"/>
+              <a:ext cx="1261241" cy="1261241"/>
+            </a:xfrm>
+            <a:prstGeom prst="ellipse">
+              <a:avLst/>
+            </a:prstGeom>
+            <a:solidFill>
+              <a:schemeClr val="bg2">
+                <a:lumMod val="90000"/>
+              </a:schemeClr>
+            </a:solidFill>
+            <a:ln>
+              <a:noFill/>
+            </a:ln>
+          </p:spPr>
+          <p:style>
+            <a:lnRef idx="2">
+              <a:schemeClr val="accent1">
+                <a:shade val="50000"/>
+              </a:schemeClr>
+            </a:lnRef>
+            <a:fillRef idx="1">
+              <a:schemeClr val="accent1"/>
+            </a:fillRef>
+            <a:effectRef idx="0">
+              <a:schemeClr val="accent1"/>
+            </a:effectRef>
+            <a:fontRef idx="minor">
+              <a:schemeClr val="lt1"/>
+            </a:fontRef>
+          </p:style>
+          <p:txBody>
+            <a:bodyPr rtlCol="0" anchor="ctr"/>
+            <a:lstStyle/>
+            <a:p>
+              <a:pPr algn="ctr"/>
+              <a:endParaRPr lang="ko-KR" altLang="en-US"/>
+            </a:p>
+          </p:txBody>
+        </p:sp>
+        <p:sp>
+          <p:nvSpPr>
+            <p:cNvPr id="132" name="타원 131">
+              <a:extLst>
+                <a:ext uri="{FF2B5EF4-FFF2-40B4-BE49-F238E27FC236}">
+                  <a16:creationId xmlns:a16="http://schemas.microsoft.com/office/drawing/2014/main" id="{1C5D317F-9D27-4AFA-A497-47F18117FFB5}"/>
+                </a:ext>
+              </a:extLst>
+            </p:cNvPr>
+            <p:cNvSpPr/>
+            <p:nvPr/>
+          </p:nvSpPr>
+          <p:spPr>
+            <a:xfrm>
+              <a:off x="21999055" y="1255986"/>
+              <a:ext cx="1261241" cy="1261241"/>
+            </a:xfrm>
+            <a:prstGeom prst="ellipse">
+              <a:avLst/>
+            </a:prstGeom>
+            <a:solidFill>
+              <a:schemeClr val="bg2">
+                <a:lumMod val="90000"/>
+              </a:schemeClr>
+            </a:solidFill>
+            <a:ln>
+              <a:noFill/>
+            </a:ln>
+          </p:spPr>
+          <p:style>
+            <a:lnRef idx="2">
+              <a:schemeClr val="accent1">
+                <a:shade val="50000"/>
+              </a:schemeClr>
+            </a:lnRef>
+            <a:fillRef idx="1">
+              <a:schemeClr val="accent1"/>
+            </a:fillRef>
+            <a:effectRef idx="0">
+              <a:schemeClr val="accent1"/>
+            </a:effectRef>
+            <a:fontRef idx="minor">
+              <a:schemeClr val="lt1"/>
+            </a:fontRef>
+          </p:style>
+          <p:txBody>
+            <a:bodyPr rtlCol="0" anchor="ctr"/>
+            <a:lstStyle/>
+            <a:p>
+              <a:pPr algn="ctr"/>
+              <a:endParaRPr lang="ko-KR" altLang="en-US"/>
+            </a:p>
+          </p:txBody>
+        </p:sp>
+        <p:sp>
+          <p:nvSpPr>
+            <p:cNvPr id="133" name="타원 132">
+              <a:extLst>
+                <a:ext uri="{FF2B5EF4-FFF2-40B4-BE49-F238E27FC236}">
+                  <a16:creationId xmlns:a16="http://schemas.microsoft.com/office/drawing/2014/main" id="{4D2F6DE7-6892-49D5-915D-2BD1EC65CC71}"/>
+                </a:ext>
+              </a:extLst>
+            </p:cNvPr>
+            <p:cNvSpPr/>
+            <p:nvPr/>
+          </p:nvSpPr>
+          <p:spPr>
+            <a:xfrm>
+              <a:off x="25336090" y="1255986"/>
+              <a:ext cx="1261241" cy="1261241"/>
+            </a:xfrm>
+            <a:prstGeom prst="ellipse">
+              <a:avLst/>
+            </a:prstGeom>
+            <a:solidFill>
+              <a:schemeClr val="bg2">
+                <a:lumMod val="90000"/>
+              </a:schemeClr>
+            </a:solidFill>
+            <a:ln>
+              <a:noFill/>
+            </a:ln>
+          </p:spPr>
+          <p:style>
+            <a:lnRef idx="2">
+              <a:schemeClr val="accent1">
+                <a:shade val="50000"/>
+              </a:schemeClr>
+            </a:lnRef>
+            <a:fillRef idx="1">
+              <a:schemeClr val="accent1"/>
+            </a:fillRef>
+            <a:effectRef idx="0">
+              <a:schemeClr val="accent1"/>
+            </a:effectRef>
+            <a:fontRef idx="minor">
+              <a:schemeClr val="lt1"/>
+            </a:fontRef>
+          </p:style>
+          <p:txBody>
+            <a:bodyPr rtlCol="0" anchor="ctr"/>
+            <a:lstStyle/>
+            <a:p>
+              <a:pPr algn="ctr"/>
+              <a:endParaRPr lang="ko-KR" altLang="en-US"/>
+            </a:p>
+          </p:txBody>
+        </p:sp>
+        <p:sp>
+          <p:nvSpPr>
+            <p:cNvPr id="134" name="타원 133">
+              <a:extLst>
+                <a:ext uri="{FF2B5EF4-FFF2-40B4-BE49-F238E27FC236}">
+                  <a16:creationId xmlns:a16="http://schemas.microsoft.com/office/drawing/2014/main" id="{1D5F82B4-C442-42C2-B97E-89BDBEFC5EF7}"/>
+                </a:ext>
+              </a:extLst>
+            </p:cNvPr>
+            <p:cNvSpPr/>
+            <p:nvPr/>
+          </p:nvSpPr>
+          <p:spPr>
+            <a:xfrm>
+              <a:off x="28673125" y="1255986"/>
+              <a:ext cx="1261241" cy="1261241"/>
+            </a:xfrm>
+            <a:prstGeom prst="ellipse">
+              <a:avLst/>
+            </a:prstGeom>
+            <a:solidFill>
+              <a:schemeClr val="bg2">
+                <a:lumMod val="90000"/>
+              </a:schemeClr>
+            </a:solidFill>
+            <a:ln>
+              <a:noFill/>
+            </a:ln>
+          </p:spPr>
+          <p:style>
+            <a:lnRef idx="2">
+              <a:schemeClr val="accent1">
+                <a:shade val="50000"/>
+              </a:schemeClr>
+            </a:lnRef>
+            <a:fillRef idx="1">
+              <a:schemeClr val="accent1"/>
+            </a:fillRef>
+            <a:effectRef idx="0">
+              <a:schemeClr val="accent1"/>
+            </a:effectRef>
+            <a:fontRef idx="minor">
+              <a:schemeClr val="lt1"/>
+            </a:fontRef>
+          </p:style>
+          <p:txBody>
+            <a:bodyPr rtlCol="0" anchor="ctr"/>
+            <a:lstStyle/>
+            <a:p>
+              <a:pPr algn="ctr"/>
+              <a:endParaRPr lang="ko-KR" altLang="en-US"/>
+            </a:p>
+          </p:txBody>
+        </p:sp>
+        <p:sp>
+          <p:nvSpPr>
+            <p:cNvPr id="135" name="타원 134">
+              <a:extLst>
+                <a:ext uri="{FF2B5EF4-FFF2-40B4-BE49-F238E27FC236}">
+                  <a16:creationId xmlns:a16="http://schemas.microsoft.com/office/drawing/2014/main" id="{F70DFDB8-DF58-4D30-9C5E-ABAFD146BF7A}"/>
+                </a:ext>
+              </a:extLst>
+            </p:cNvPr>
+            <p:cNvSpPr/>
+            <p:nvPr/>
+          </p:nvSpPr>
+          <p:spPr>
+            <a:xfrm>
+              <a:off x="1976845" y="1255986"/>
+              <a:ext cx="1261241" cy="1261241"/>
+            </a:xfrm>
+            <a:prstGeom prst="ellipse">
+              <a:avLst/>
+            </a:prstGeom>
+            <a:solidFill>
+              <a:schemeClr val="bg2">
+                <a:lumMod val="90000"/>
+              </a:schemeClr>
+            </a:solidFill>
+            <a:ln>
+              <a:noFill/>
+            </a:ln>
+          </p:spPr>
+          <p:style>
+            <a:lnRef idx="2">
+              <a:schemeClr val="accent1">
+                <a:shade val="50000"/>
+              </a:schemeClr>
+            </a:lnRef>
+            <a:fillRef idx="1">
+              <a:schemeClr val="accent1"/>
+            </a:fillRef>
+            <a:effectRef idx="0">
+              <a:schemeClr val="accent1"/>
+            </a:effectRef>
+            <a:fontRef idx="minor">
+              <a:schemeClr val="lt1"/>
+            </a:fontRef>
+          </p:style>
+          <p:txBody>
+            <a:bodyPr rtlCol="0" anchor="ctr"/>
+            <a:lstStyle/>
+            <a:p>
+              <a:pPr algn="ctr"/>
+              <a:endParaRPr lang="ko-KR" altLang="en-US"/>
+            </a:p>
+          </p:txBody>
+        </p:sp>
+        <p:sp>
+          <p:nvSpPr>
+            <p:cNvPr id="136" name="타원 135">
+              <a:extLst>
+                <a:ext uri="{FF2B5EF4-FFF2-40B4-BE49-F238E27FC236}">
+                  <a16:creationId xmlns:a16="http://schemas.microsoft.com/office/drawing/2014/main" id="{370DAA5E-F20F-440B-8CE0-07967159CA86}"/>
+                </a:ext>
+              </a:extLst>
+            </p:cNvPr>
+            <p:cNvSpPr/>
+            <p:nvPr/>
+          </p:nvSpPr>
+          <p:spPr>
+            <a:xfrm>
+              <a:off x="32010160" y="1255986"/>
+              <a:ext cx="1261241" cy="1261241"/>
+            </a:xfrm>
+            <a:prstGeom prst="ellipse">
+              <a:avLst/>
+            </a:prstGeom>
+            <a:solidFill>
+              <a:schemeClr val="bg2">
+                <a:lumMod val="90000"/>
+              </a:schemeClr>
+            </a:solidFill>
+            <a:ln>
+              <a:noFill/>
+            </a:ln>
+          </p:spPr>
+          <p:style>
+            <a:lnRef idx="2">
+              <a:schemeClr val="accent1">
+                <a:shade val="50000"/>
+              </a:schemeClr>
+            </a:lnRef>
+            <a:fillRef idx="1">
+              <a:schemeClr val="accent1"/>
+            </a:fillRef>
+            <a:effectRef idx="0">
+              <a:schemeClr val="accent1"/>
+            </a:effectRef>
+            <a:fontRef idx="minor">
+              <a:schemeClr val="lt1"/>
+            </a:fontRef>
+          </p:style>
+          <p:txBody>
+            <a:bodyPr rtlCol="0" anchor="ctr"/>
+            <a:lstStyle/>
+            <a:p>
+              <a:pPr algn="ctr"/>
+              <a:endParaRPr lang="ko-KR" altLang="en-US"/>
+            </a:p>
+          </p:txBody>
+        </p:sp>
+      </p:grpSp>
+      <p:sp>
+        <p:nvSpPr>
+          <p:cNvPr id="138" name="타원 137">
+            <a:extLst>
+              <a:ext uri="{FF2B5EF4-FFF2-40B4-BE49-F238E27FC236}">
+                <a16:creationId xmlns:a16="http://schemas.microsoft.com/office/drawing/2014/main" id="{A685DB28-7907-45C5-97F1-2840347371D7}"/>
+              </a:ext>
+            </a:extLst>
+          </p:cNvPr>
+          <p:cNvSpPr/>
+          <p:nvPr/>
+        </p:nvSpPr>
+        <p:spPr>
+          <a:xfrm>
+            <a:off x="5090536" y="28687994"/>
+            <a:ext cx="2319257" cy="2319257"/>
+          </a:xfrm>
+          <a:prstGeom prst="ellipse">
+            <a:avLst/>
+          </a:prstGeom>
+          <a:solidFill>
+            <a:schemeClr val="bg2">
+              <a:lumMod val="90000"/>
+            </a:schemeClr>
+          </a:solidFill>
+          <a:ln>
+            <a:noFill/>
+          </a:ln>
+        </p:spPr>
+        <p:style>
+          <a:lnRef idx="2">
+            <a:schemeClr val="accent1">
+              <a:shade val="50000"/>
+            </a:schemeClr>
+          </a:lnRef>
+          <a:fillRef idx="1">
+            <a:schemeClr val="accent1"/>
+          </a:fillRef>
+          <a:effectRef idx="0">
+            <a:schemeClr val="accent1"/>
+          </a:effectRef>
+          <a:fontRef idx="minor">
+            <a:schemeClr val="lt1"/>
+          </a:fontRef>
+        </p:style>
+        <p:txBody>
+          <a:bodyPr rtlCol="0" anchor="ctr"/>
+          <a:lstStyle/>
+          <a:p>
+            <a:pPr algn="ctr"/>
+            <a:endParaRPr lang="ko-KR" altLang="en-US"/>
+          </a:p>
+        </p:txBody>
+      </p:sp>
+      <p:sp>
+        <p:nvSpPr>
+          <p:cNvPr id="139" name="타원 138">
+            <a:extLst>
+              <a:ext uri="{FF2B5EF4-FFF2-40B4-BE49-F238E27FC236}">
+                <a16:creationId xmlns:a16="http://schemas.microsoft.com/office/drawing/2014/main" id="{AF6A04EF-98AC-4672-888F-9DCF67075510}"/>
+              </a:ext>
+            </a:extLst>
+          </p:cNvPr>
+          <p:cNvSpPr/>
+          <p:nvPr/>
+        </p:nvSpPr>
+        <p:spPr>
+          <a:xfrm>
+            <a:off x="9026661" y="29192491"/>
+            <a:ext cx="1261241" cy="1261241"/>
+          </a:xfrm>
+          <a:prstGeom prst="ellipse">
+            <a:avLst/>
+          </a:prstGeom>
+          <a:solidFill>
+            <a:schemeClr val="bg2">
+              <a:lumMod val="90000"/>
+            </a:schemeClr>
+          </a:solidFill>
+          <a:ln>
+            <a:noFill/>
+          </a:ln>
+        </p:spPr>
+        <p:style>
+          <a:lnRef idx="2">
+            <a:schemeClr val="accent1">
+              <a:shade val="50000"/>
+            </a:schemeClr>
+          </a:lnRef>
+          <a:fillRef idx="1">
+            <a:schemeClr val="accent1"/>
+          </a:fillRef>
+          <a:effectRef idx="0">
+            <a:schemeClr val="accent1"/>
+          </a:effectRef>
+          <a:fontRef idx="minor">
+            <a:schemeClr val="lt1"/>
+          </a:fontRef>
+        </p:style>
+        <p:txBody>
+          <a:bodyPr rtlCol="0" anchor="ctr"/>
+          <a:lstStyle/>
+          <a:p>
+            <a:pPr algn="ctr"/>
+            <a:endParaRPr lang="ko-KR" altLang="en-US"/>
+          </a:p>
+        </p:txBody>
+      </p:sp>
+      <p:sp>
+        <p:nvSpPr>
+          <p:cNvPr id="140" name="타원 139">
+            <a:extLst>
+              <a:ext uri="{FF2B5EF4-FFF2-40B4-BE49-F238E27FC236}">
+                <a16:creationId xmlns:a16="http://schemas.microsoft.com/office/drawing/2014/main" id="{C31A3551-C3D5-4F22-A130-E724821F7D2B}"/>
+              </a:ext>
+            </a:extLst>
+          </p:cNvPr>
+          <p:cNvSpPr/>
+          <p:nvPr/>
+        </p:nvSpPr>
+        <p:spPr>
+          <a:xfrm>
+            <a:off x="12363696" y="29192491"/>
+            <a:ext cx="1261241" cy="1261241"/>
+          </a:xfrm>
+          <a:prstGeom prst="ellipse">
+            <a:avLst/>
+          </a:prstGeom>
+          <a:solidFill>
+            <a:schemeClr val="bg2">
+              <a:lumMod val="90000"/>
+            </a:schemeClr>
+          </a:solidFill>
+          <a:ln>
+            <a:noFill/>
+          </a:ln>
+        </p:spPr>
+        <p:style>
+          <a:lnRef idx="2">
+            <a:schemeClr val="accent1">
+              <a:shade val="50000"/>
+            </a:schemeClr>
+          </a:lnRef>
+          <a:fillRef idx="1">
+            <a:schemeClr val="accent1"/>
+          </a:fillRef>
+          <a:effectRef idx="0">
+            <a:schemeClr val="accent1"/>
+          </a:effectRef>
+          <a:fontRef idx="minor">
+            <a:schemeClr val="lt1"/>
+          </a:fontRef>
+        </p:style>
+        <p:txBody>
+          <a:bodyPr rtlCol="0" anchor="ctr"/>
+          <a:lstStyle/>
+          <a:p>
+            <a:pPr algn="ctr"/>
+            <a:endParaRPr lang="ko-KR" altLang="en-US"/>
+          </a:p>
+        </p:txBody>
+      </p:sp>
+      <p:sp>
+        <p:nvSpPr>
+          <p:cNvPr id="141" name="타원 140">
+            <a:extLst>
+              <a:ext uri="{FF2B5EF4-FFF2-40B4-BE49-F238E27FC236}">
+                <a16:creationId xmlns:a16="http://schemas.microsoft.com/office/drawing/2014/main" id="{3A8E4161-58CB-4333-B520-1A7782B35DBB}"/>
+              </a:ext>
+            </a:extLst>
+          </p:cNvPr>
+          <p:cNvSpPr/>
+          <p:nvPr/>
+        </p:nvSpPr>
+        <p:spPr>
+          <a:xfrm>
+            <a:off x="15700731" y="29192490"/>
+            <a:ext cx="1261241" cy="1261241"/>
+          </a:xfrm>
+          <a:prstGeom prst="ellipse">
+            <a:avLst/>
+          </a:prstGeom>
+          <a:solidFill>
+            <a:schemeClr val="bg2">
+              <a:lumMod val="90000"/>
+            </a:schemeClr>
+          </a:solidFill>
+          <a:ln>
+            <a:noFill/>
+          </a:ln>
+        </p:spPr>
+        <p:style>
+          <a:lnRef idx="2">
+            <a:schemeClr val="accent1">
+              <a:shade val="50000"/>
+            </a:schemeClr>
+          </a:lnRef>
+          <a:fillRef idx="1">
+            <a:schemeClr val="accent1"/>
+          </a:fillRef>
+          <a:effectRef idx="0">
+            <a:schemeClr val="accent1"/>
+          </a:effectRef>
+          <a:fontRef idx="minor">
+            <a:schemeClr val="lt1"/>
+          </a:fontRef>
+        </p:style>
+        <p:txBody>
+          <a:bodyPr rtlCol="0" anchor="ctr"/>
+          <a:lstStyle/>
+          <a:p>
+            <a:pPr algn="ctr"/>
+            <a:endParaRPr lang="ko-KR" altLang="en-US"/>
+          </a:p>
+        </p:txBody>
+      </p:sp>
+      <p:sp>
+        <p:nvSpPr>
+          <p:cNvPr id="142" name="타원 141">
+            <a:extLst>
+              <a:ext uri="{FF2B5EF4-FFF2-40B4-BE49-F238E27FC236}">
+                <a16:creationId xmlns:a16="http://schemas.microsoft.com/office/drawing/2014/main" id="{2D28AE72-F3DA-4213-B359-774B610A3783}"/>
+              </a:ext>
+            </a:extLst>
+          </p:cNvPr>
+          <p:cNvSpPr/>
+          <p:nvPr/>
+        </p:nvSpPr>
+        <p:spPr>
+          <a:xfrm>
+            <a:off x="19037766" y="29192490"/>
+            <a:ext cx="1261241" cy="1261241"/>
+          </a:xfrm>
+          <a:prstGeom prst="ellipse">
+            <a:avLst/>
+          </a:prstGeom>
+          <a:solidFill>
+            <a:schemeClr val="bg2">
+              <a:lumMod val="90000"/>
+            </a:schemeClr>
+          </a:solidFill>
+          <a:ln>
+            <a:noFill/>
+          </a:ln>
+        </p:spPr>
+        <p:style>
+          <a:lnRef idx="2">
+            <a:schemeClr val="accent1">
+              <a:shade val="50000"/>
+            </a:schemeClr>
+          </a:lnRef>
+          <a:fillRef idx="1">
+            <a:schemeClr val="accent1"/>
+          </a:fillRef>
+          <a:effectRef idx="0">
+            <a:schemeClr val="accent1"/>
+          </a:effectRef>
+          <a:fontRef idx="minor">
+            <a:schemeClr val="lt1"/>
+          </a:fontRef>
+        </p:style>
+        <p:txBody>
+          <a:bodyPr rtlCol="0" anchor="ctr"/>
+          <a:lstStyle/>
+          <a:p>
+            <a:pPr algn="ctr"/>
+            <a:endParaRPr lang="ko-KR" altLang="en-US"/>
+          </a:p>
+        </p:txBody>
+      </p:sp>
+      <p:sp>
+        <p:nvSpPr>
+          <p:cNvPr id="143" name="타원 142">
+            <a:extLst>
+              <a:ext uri="{FF2B5EF4-FFF2-40B4-BE49-F238E27FC236}">
+                <a16:creationId xmlns:a16="http://schemas.microsoft.com/office/drawing/2014/main" id="{5B895980-C1D1-43BA-B3C8-E7B6863B11D5}"/>
+              </a:ext>
+            </a:extLst>
+          </p:cNvPr>
+          <p:cNvSpPr/>
+          <p:nvPr/>
+        </p:nvSpPr>
+        <p:spPr>
+          <a:xfrm>
+            <a:off x="22374801" y="29192490"/>
+            <a:ext cx="1261241" cy="1261241"/>
+          </a:xfrm>
+          <a:prstGeom prst="ellipse">
+            <a:avLst/>
+          </a:prstGeom>
+          <a:solidFill>
+            <a:schemeClr val="bg2">
+              <a:lumMod val="90000"/>
+            </a:schemeClr>
+          </a:solidFill>
+          <a:ln>
+            <a:noFill/>
+          </a:ln>
+        </p:spPr>
+        <p:style>
+          <a:lnRef idx="2">
+            <a:schemeClr val="accent1">
+              <a:shade val="50000"/>
+            </a:schemeClr>
+          </a:lnRef>
+          <a:fillRef idx="1">
+            <a:schemeClr val="accent1"/>
+          </a:fillRef>
+          <a:effectRef idx="0">
+            <a:schemeClr val="accent1"/>
+          </a:effectRef>
+          <a:fontRef idx="minor">
+            <a:schemeClr val="lt1"/>
+          </a:fontRef>
+        </p:style>
+        <p:txBody>
+          <a:bodyPr rtlCol="0" anchor="ctr"/>
+          <a:lstStyle/>
+          <a:p>
+            <a:pPr algn="ctr"/>
+            <a:endParaRPr lang="ko-KR" altLang="en-US"/>
+          </a:p>
+        </p:txBody>
+      </p:sp>
+      <p:sp>
+        <p:nvSpPr>
+          <p:cNvPr id="144" name="타원 143">
+            <a:extLst>
+              <a:ext uri="{FF2B5EF4-FFF2-40B4-BE49-F238E27FC236}">
+                <a16:creationId xmlns:a16="http://schemas.microsoft.com/office/drawing/2014/main" id="{07380A2E-84E6-4B63-BA3A-61E693E7CFE4}"/>
+              </a:ext>
+            </a:extLst>
+          </p:cNvPr>
+          <p:cNvSpPr/>
+          <p:nvPr/>
+        </p:nvSpPr>
+        <p:spPr>
+          <a:xfrm>
+            <a:off x="25711836" y="29192490"/>
+            <a:ext cx="1261241" cy="1261241"/>
+          </a:xfrm>
+          <a:prstGeom prst="ellipse">
+            <a:avLst/>
+          </a:prstGeom>
+          <a:solidFill>
+            <a:schemeClr val="bg2">
+              <a:lumMod val="90000"/>
+            </a:schemeClr>
+          </a:solidFill>
+          <a:ln>
+            <a:noFill/>
+          </a:ln>
+        </p:spPr>
+        <p:style>
+          <a:lnRef idx="2">
+            <a:schemeClr val="accent1">
+              <a:shade val="50000"/>
+            </a:schemeClr>
+          </a:lnRef>
+          <a:fillRef idx="1">
+            <a:schemeClr val="accent1"/>
+          </a:fillRef>
+          <a:effectRef idx="0">
+            <a:schemeClr val="accent1"/>
+          </a:effectRef>
+          <a:fontRef idx="minor">
+            <a:schemeClr val="lt1"/>
+          </a:fontRef>
+        </p:style>
+        <p:txBody>
+          <a:bodyPr rtlCol="0" anchor="ctr"/>
+          <a:lstStyle/>
+          <a:p>
+            <a:pPr algn="ctr"/>
+            <a:endParaRPr lang="ko-KR" altLang="en-US"/>
+          </a:p>
+        </p:txBody>
+      </p:sp>
+      <p:sp>
+        <p:nvSpPr>
+          <p:cNvPr id="145" name="타원 144">
+            <a:extLst>
+              <a:ext uri="{FF2B5EF4-FFF2-40B4-BE49-F238E27FC236}">
+                <a16:creationId xmlns:a16="http://schemas.microsoft.com/office/drawing/2014/main" id="{F40ECB75-9905-494F-88C1-DABCC2BB0CAD}"/>
+              </a:ext>
+            </a:extLst>
+          </p:cNvPr>
+          <p:cNvSpPr/>
+          <p:nvPr/>
+        </p:nvSpPr>
+        <p:spPr>
+          <a:xfrm>
+            <a:off x="29048871" y="29192490"/>
+            <a:ext cx="1261241" cy="1261241"/>
+          </a:xfrm>
+          <a:prstGeom prst="ellipse">
+            <a:avLst/>
+          </a:prstGeom>
+          <a:solidFill>
+            <a:schemeClr val="bg2">
+              <a:lumMod val="90000"/>
+            </a:schemeClr>
+          </a:solidFill>
+          <a:ln>
+            <a:noFill/>
+          </a:ln>
+        </p:spPr>
+        <p:style>
+          <a:lnRef idx="2">
+            <a:schemeClr val="accent1">
+              <a:shade val="50000"/>
+            </a:schemeClr>
+          </a:lnRef>
+          <a:fillRef idx="1">
+            <a:schemeClr val="accent1"/>
+          </a:fillRef>
+          <a:effectRef idx="0">
+            <a:schemeClr val="accent1"/>
+          </a:effectRef>
+          <a:fontRef idx="minor">
+            <a:schemeClr val="lt1"/>
+          </a:fontRef>
+        </p:style>
+        <p:txBody>
+          <a:bodyPr rtlCol="0" anchor="ctr"/>
+          <a:lstStyle/>
+          <a:p>
+            <a:pPr algn="ctr"/>
+            <a:endParaRPr lang="ko-KR" altLang="en-US"/>
+          </a:p>
+        </p:txBody>
+      </p:sp>
+      <p:sp>
+        <p:nvSpPr>
+          <p:cNvPr id="146" name="타원 145">
+            <a:extLst>
+              <a:ext uri="{FF2B5EF4-FFF2-40B4-BE49-F238E27FC236}">
+                <a16:creationId xmlns:a16="http://schemas.microsoft.com/office/drawing/2014/main" id="{1F99D750-F658-4AD8-82DD-34F8CFFFEEEC}"/>
+              </a:ext>
+            </a:extLst>
+          </p:cNvPr>
+          <p:cNvSpPr/>
+          <p:nvPr/>
+        </p:nvSpPr>
+        <p:spPr>
+          <a:xfrm>
+            <a:off x="2352591" y="29192490"/>
+            <a:ext cx="1261241" cy="1261241"/>
+          </a:xfrm>
+          <a:prstGeom prst="ellipse">
+            <a:avLst/>
+          </a:prstGeom>
+          <a:solidFill>
+            <a:schemeClr val="bg2">
+              <a:lumMod val="90000"/>
+            </a:schemeClr>
+          </a:solidFill>
+          <a:ln>
+            <a:noFill/>
+          </a:ln>
+        </p:spPr>
+        <p:style>
+          <a:lnRef idx="2">
+            <a:schemeClr val="accent1">
+              <a:shade val="50000"/>
+            </a:schemeClr>
+          </a:lnRef>
+          <a:fillRef idx="1">
+            <a:schemeClr val="accent1"/>
+          </a:fillRef>
+          <a:effectRef idx="0">
+            <a:schemeClr val="accent1"/>
+          </a:effectRef>
+          <a:fontRef idx="minor">
+            <a:schemeClr val="lt1"/>
+          </a:fontRef>
+        </p:style>
+        <p:txBody>
+          <a:bodyPr rtlCol="0" anchor="ctr"/>
+          <a:lstStyle/>
+          <a:p>
+            <a:pPr algn="ctr"/>
+            <a:endParaRPr lang="ko-KR" altLang="en-US"/>
+          </a:p>
+        </p:txBody>
+      </p:sp>
+      <p:sp>
+        <p:nvSpPr>
+          <p:cNvPr id="147" name="타원 146">
+            <a:extLst>
+              <a:ext uri="{FF2B5EF4-FFF2-40B4-BE49-F238E27FC236}">
+                <a16:creationId xmlns:a16="http://schemas.microsoft.com/office/drawing/2014/main" id="{643E1024-8AAC-4834-8089-DEFDD9FBA446}"/>
+              </a:ext>
+            </a:extLst>
+          </p:cNvPr>
+          <p:cNvSpPr/>
+          <p:nvPr/>
+        </p:nvSpPr>
+        <p:spPr>
+          <a:xfrm>
+            <a:off x="32385906" y="29192490"/>
+            <a:ext cx="1261241" cy="1261241"/>
+          </a:xfrm>
+          <a:prstGeom prst="ellipse">
+            <a:avLst/>
+          </a:prstGeom>
+          <a:solidFill>
+            <a:schemeClr val="bg2">
+              <a:lumMod val="90000"/>
+            </a:schemeClr>
+          </a:solidFill>
+          <a:ln>
+            <a:noFill/>
+          </a:ln>
+        </p:spPr>
+        <p:style>
+          <a:lnRef idx="2">
+            <a:schemeClr val="accent1">
+              <a:shade val="50000"/>
+            </a:schemeClr>
+          </a:lnRef>
+          <a:fillRef idx="1">
+            <a:schemeClr val="accent1"/>
+          </a:fillRef>
+          <a:effectRef idx="0">
+            <a:schemeClr val="accent1"/>
+          </a:effectRef>
+          <a:fontRef idx="minor">
+            <a:schemeClr val="lt1"/>
+          </a:fontRef>
+        </p:style>
+        <p:txBody>
+          <a:bodyPr rtlCol="0" anchor="ctr"/>
+          <a:lstStyle/>
+          <a:p>
+            <a:pPr algn="ctr"/>
+            <a:endParaRPr lang="ko-KR" altLang="en-US"/>
+          </a:p>
+        </p:txBody>
+      </p:sp>
+      <p:grpSp>
+        <p:nvGrpSpPr>
+          <p:cNvPr id="148" name="그룹 147">
+            <a:extLst>
+              <a:ext uri="{FF2B5EF4-FFF2-40B4-BE49-F238E27FC236}">
+                <a16:creationId xmlns:a16="http://schemas.microsoft.com/office/drawing/2014/main" id="{83A378F8-686B-4D33-9160-53400E221589}"/>
+              </a:ext>
+            </a:extLst>
+          </p:cNvPr>
+          <p:cNvGrpSpPr/>
+          <p:nvPr/>
+        </p:nvGrpSpPr>
+        <p:grpSpPr>
+          <a:xfrm>
+            <a:off x="2352591" y="31520532"/>
+            <a:ext cx="31294556" cy="1261242"/>
+            <a:chOff x="1976845" y="1255986"/>
+            <a:chExt cx="31294556" cy="1261242"/>
+          </a:xfrm>
+        </p:grpSpPr>
+        <p:sp>
+          <p:nvSpPr>
+            <p:cNvPr id="149" name="타원 148">
+              <a:extLst>
+                <a:ext uri="{FF2B5EF4-FFF2-40B4-BE49-F238E27FC236}">
+                  <a16:creationId xmlns:a16="http://schemas.microsoft.com/office/drawing/2014/main" id="{0E7021E0-9135-4DAC-B3D9-06B6F1CB1835}"/>
+                </a:ext>
+              </a:extLst>
+            </p:cNvPr>
+            <p:cNvSpPr/>
+            <p:nvPr/>
+          </p:nvSpPr>
+          <p:spPr>
+            <a:xfrm>
+              <a:off x="5313880" y="1255987"/>
+              <a:ext cx="1261241" cy="1261241"/>
+            </a:xfrm>
+            <a:prstGeom prst="ellipse">
+              <a:avLst/>
+            </a:prstGeom>
+            <a:solidFill>
+              <a:schemeClr val="bg2">
+                <a:lumMod val="90000"/>
+              </a:schemeClr>
+            </a:solidFill>
+            <a:ln>
+              <a:noFill/>
+            </a:ln>
+          </p:spPr>
+          <p:style>
+            <a:lnRef idx="2">
+              <a:schemeClr val="accent1">
+                <a:shade val="50000"/>
+              </a:schemeClr>
+            </a:lnRef>
+            <a:fillRef idx="1">
+              <a:schemeClr val="accent1"/>
+            </a:fillRef>
+            <a:effectRef idx="0">
+              <a:schemeClr val="accent1"/>
+            </a:effectRef>
+            <a:fontRef idx="minor">
+              <a:schemeClr val="lt1"/>
+            </a:fontRef>
+          </p:style>
+          <p:txBody>
+            <a:bodyPr rtlCol="0" anchor="ctr"/>
+            <a:lstStyle/>
+            <a:p>
+              <a:pPr algn="ctr"/>
+              <a:endParaRPr lang="ko-KR" altLang="en-US"/>
+            </a:p>
+          </p:txBody>
+        </p:sp>
+        <p:sp>
+          <p:nvSpPr>
+            <p:cNvPr id="150" name="타원 149">
+              <a:extLst>
+                <a:ext uri="{FF2B5EF4-FFF2-40B4-BE49-F238E27FC236}">
+                  <a16:creationId xmlns:a16="http://schemas.microsoft.com/office/drawing/2014/main" id="{96B54DEE-CE0E-4482-B5B5-1E99BDA43DA0}"/>
+                </a:ext>
+              </a:extLst>
+            </p:cNvPr>
+            <p:cNvSpPr/>
+            <p:nvPr/>
+          </p:nvSpPr>
+          <p:spPr>
+            <a:xfrm>
+              <a:off x="8650915" y="1255987"/>
+              <a:ext cx="1261241" cy="1261241"/>
+            </a:xfrm>
+            <a:prstGeom prst="ellipse">
+              <a:avLst/>
+            </a:prstGeom>
+            <a:solidFill>
+              <a:schemeClr val="bg2">
+                <a:lumMod val="90000"/>
+              </a:schemeClr>
+            </a:solidFill>
+            <a:ln>
+              <a:noFill/>
+            </a:ln>
+          </p:spPr>
+          <p:style>
+            <a:lnRef idx="2">
+              <a:schemeClr val="accent1">
+                <a:shade val="50000"/>
+              </a:schemeClr>
+            </a:lnRef>
+            <a:fillRef idx="1">
+              <a:schemeClr val="accent1"/>
+            </a:fillRef>
+            <a:effectRef idx="0">
+              <a:schemeClr val="accent1"/>
+            </a:effectRef>
+            <a:fontRef idx="minor">
+              <a:schemeClr val="lt1"/>
+            </a:fontRef>
+          </p:style>
+          <p:txBody>
+            <a:bodyPr rtlCol="0" anchor="ctr"/>
+            <a:lstStyle/>
+            <a:p>
+              <a:pPr algn="ctr"/>
+              <a:endParaRPr lang="ko-KR" altLang="en-US"/>
+            </a:p>
+          </p:txBody>
+        </p:sp>
+        <p:sp>
+          <p:nvSpPr>
+            <p:cNvPr id="151" name="타원 150">
+              <a:extLst>
+                <a:ext uri="{FF2B5EF4-FFF2-40B4-BE49-F238E27FC236}">
+                  <a16:creationId xmlns:a16="http://schemas.microsoft.com/office/drawing/2014/main" id="{BF2080A7-BFF9-405B-AE0A-E160A4CB3EAB}"/>
+                </a:ext>
+              </a:extLst>
+            </p:cNvPr>
+            <p:cNvSpPr/>
+            <p:nvPr/>
+          </p:nvSpPr>
+          <p:spPr>
+            <a:xfrm>
+              <a:off x="11987950" y="1255987"/>
+              <a:ext cx="1261241" cy="1261241"/>
+            </a:xfrm>
+            <a:prstGeom prst="ellipse">
+              <a:avLst/>
+            </a:prstGeom>
+            <a:solidFill>
+              <a:schemeClr val="bg2">
+                <a:lumMod val="90000"/>
+              </a:schemeClr>
+            </a:solidFill>
+            <a:ln>
+              <a:noFill/>
+            </a:ln>
+          </p:spPr>
+          <p:style>
+            <a:lnRef idx="2">
+              <a:schemeClr val="accent1">
+                <a:shade val="50000"/>
+              </a:schemeClr>
+            </a:lnRef>
+            <a:fillRef idx="1">
+              <a:schemeClr val="accent1"/>
+            </a:fillRef>
+            <a:effectRef idx="0">
+              <a:schemeClr val="accent1"/>
+            </a:effectRef>
+            <a:fontRef idx="minor">
+              <a:schemeClr val="lt1"/>
+            </a:fontRef>
+          </p:style>
+          <p:txBody>
+            <a:bodyPr rtlCol="0" anchor="ctr"/>
+            <a:lstStyle/>
+            <a:p>
+              <a:pPr algn="ctr"/>
+              <a:endParaRPr lang="ko-KR" altLang="en-US"/>
+            </a:p>
+          </p:txBody>
+        </p:sp>
+        <p:sp>
+          <p:nvSpPr>
+            <p:cNvPr id="152" name="타원 151">
+              <a:extLst>
+                <a:ext uri="{FF2B5EF4-FFF2-40B4-BE49-F238E27FC236}">
+                  <a16:creationId xmlns:a16="http://schemas.microsoft.com/office/drawing/2014/main" id="{CF2AC2CE-3D9E-4892-8D23-1B62A1421332}"/>
+                </a:ext>
+              </a:extLst>
+            </p:cNvPr>
+            <p:cNvSpPr/>
+            <p:nvPr/>
+          </p:nvSpPr>
+          <p:spPr>
+            <a:xfrm>
+              <a:off x="15324985" y="1255986"/>
+              <a:ext cx="1261241" cy="1261241"/>
+            </a:xfrm>
+            <a:prstGeom prst="ellipse">
+              <a:avLst/>
+            </a:prstGeom>
+            <a:solidFill>
+              <a:schemeClr val="bg2">
+                <a:lumMod val="90000"/>
+              </a:schemeClr>
+            </a:solidFill>
+            <a:ln>
+              <a:noFill/>
+            </a:ln>
+          </p:spPr>
+          <p:style>
+            <a:lnRef idx="2">
+              <a:schemeClr val="accent1">
+                <a:shade val="50000"/>
+              </a:schemeClr>
+            </a:lnRef>
+            <a:fillRef idx="1">
+              <a:schemeClr val="accent1"/>
+            </a:fillRef>
+            <a:effectRef idx="0">
+              <a:schemeClr val="accent1"/>
+            </a:effectRef>
+            <a:fontRef idx="minor">
+              <a:schemeClr val="lt1"/>
+            </a:fontRef>
+          </p:style>
+          <p:txBody>
+            <a:bodyPr rtlCol="0" anchor="ctr"/>
+            <a:lstStyle/>
+            <a:p>
+              <a:pPr algn="ctr"/>
+              <a:endParaRPr lang="ko-KR" altLang="en-US"/>
+            </a:p>
+          </p:txBody>
+        </p:sp>
+        <p:sp>
+          <p:nvSpPr>
+            <p:cNvPr id="153" name="타원 152">
+              <a:extLst>
+                <a:ext uri="{FF2B5EF4-FFF2-40B4-BE49-F238E27FC236}">
+                  <a16:creationId xmlns:a16="http://schemas.microsoft.com/office/drawing/2014/main" id="{993C57E2-31E9-4EAB-B42F-305042578B00}"/>
+                </a:ext>
+              </a:extLst>
+            </p:cNvPr>
+            <p:cNvSpPr/>
+            <p:nvPr/>
+          </p:nvSpPr>
+          <p:spPr>
+            <a:xfrm>
+              <a:off x="18662020" y="1255986"/>
+              <a:ext cx="1261241" cy="1261241"/>
+            </a:xfrm>
+            <a:prstGeom prst="ellipse">
+              <a:avLst/>
+            </a:prstGeom>
+            <a:solidFill>
+              <a:schemeClr val="bg2">
+                <a:lumMod val="90000"/>
+              </a:schemeClr>
+            </a:solidFill>
+            <a:ln>
+              <a:noFill/>
+            </a:ln>
+          </p:spPr>
+          <p:style>
+            <a:lnRef idx="2">
+              <a:schemeClr val="accent1">
+                <a:shade val="50000"/>
+              </a:schemeClr>
+            </a:lnRef>
+            <a:fillRef idx="1">
+              <a:schemeClr val="accent1"/>
+            </a:fillRef>
+            <a:effectRef idx="0">
+              <a:schemeClr val="accent1"/>
+            </a:effectRef>
+            <a:fontRef idx="minor">
+              <a:schemeClr val="lt1"/>
+            </a:fontRef>
+          </p:style>
+          <p:txBody>
+            <a:bodyPr rtlCol="0" anchor="ctr"/>
+            <a:lstStyle/>
+            <a:p>
+              <a:pPr algn="ctr"/>
+              <a:endParaRPr lang="ko-KR" altLang="en-US"/>
+            </a:p>
+          </p:txBody>
+        </p:sp>
+        <p:sp>
+          <p:nvSpPr>
+            <p:cNvPr id="154" name="타원 153">
+              <a:extLst>
+                <a:ext uri="{FF2B5EF4-FFF2-40B4-BE49-F238E27FC236}">
+                  <a16:creationId xmlns:a16="http://schemas.microsoft.com/office/drawing/2014/main" id="{B2841A05-F697-4C23-94A4-A9CB03F91FE9}"/>
+                </a:ext>
+              </a:extLst>
+            </p:cNvPr>
+            <p:cNvSpPr/>
+            <p:nvPr/>
+          </p:nvSpPr>
+          <p:spPr>
+            <a:xfrm>
+              <a:off x="21999055" y="1255986"/>
+              <a:ext cx="1261241" cy="1261241"/>
+            </a:xfrm>
+            <a:prstGeom prst="ellipse">
+              <a:avLst/>
+            </a:prstGeom>
+            <a:solidFill>
+              <a:schemeClr val="bg2">
+                <a:lumMod val="90000"/>
+              </a:schemeClr>
+            </a:solidFill>
+            <a:ln>
+              <a:noFill/>
+            </a:ln>
+          </p:spPr>
+          <p:style>
+            <a:lnRef idx="2">
+              <a:schemeClr val="accent1">
+                <a:shade val="50000"/>
+              </a:schemeClr>
+            </a:lnRef>
+            <a:fillRef idx="1">
+              <a:schemeClr val="accent1"/>
+            </a:fillRef>
+            <a:effectRef idx="0">
+              <a:schemeClr val="accent1"/>
+            </a:effectRef>
+            <a:fontRef idx="minor">
+              <a:schemeClr val="lt1"/>
+            </a:fontRef>
+          </p:style>
+          <p:txBody>
+            <a:bodyPr rtlCol="0" anchor="ctr"/>
+            <a:lstStyle/>
+            <a:p>
+              <a:pPr algn="ctr"/>
+              <a:endParaRPr lang="ko-KR" altLang="en-US"/>
+            </a:p>
+          </p:txBody>
+        </p:sp>
+        <p:sp>
+          <p:nvSpPr>
+            <p:cNvPr id="155" name="타원 154">
+              <a:extLst>
+                <a:ext uri="{FF2B5EF4-FFF2-40B4-BE49-F238E27FC236}">
+                  <a16:creationId xmlns:a16="http://schemas.microsoft.com/office/drawing/2014/main" id="{78E90221-6960-4D6D-847D-683D9C90DDEC}"/>
+                </a:ext>
+              </a:extLst>
+            </p:cNvPr>
+            <p:cNvSpPr/>
+            <p:nvPr/>
+          </p:nvSpPr>
+          <p:spPr>
+            <a:xfrm>
+              <a:off x="25336090" y="1255986"/>
+              <a:ext cx="1261241" cy="1261241"/>
+            </a:xfrm>
+            <a:prstGeom prst="ellipse">
+              <a:avLst/>
+            </a:prstGeom>
+            <a:solidFill>
+              <a:schemeClr val="bg2">
+                <a:lumMod val="90000"/>
+              </a:schemeClr>
+            </a:solidFill>
+            <a:ln>
+              <a:noFill/>
+            </a:ln>
+          </p:spPr>
+          <p:style>
+            <a:lnRef idx="2">
+              <a:schemeClr val="accent1">
+                <a:shade val="50000"/>
+              </a:schemeClr>
+            </a:lnRef>
+            <a:fillRef idx="1">
+              <a:schemeClr val="accent1"/>
+            </a:fillRef>
+            <a:effectRef idx="0">
+              <a:schemeClr val="accent1"/>
+            </a:effectRef>
+            <a:fontRef idx="minor">
+              <a:schemeClr val="lt1"/>
+            </a:fontRef>
+          </p:style>
+          <p:txBody>
+            <a:bodyPr rtlCol="0" anchor="ctr"/>
+            <a:lstStyle/>
+            <a:p>
+              <a:pPr algn="ctr"/>
+              <a:endParaRPr lang="ko-KR" altLang="en-US"/>
+            </a:p>
+          </p:txBody>
+        </p:sp>
+        <p:sp>
+          <p:nvSpPr>
+            <p:cNvPr id="156" name="타원 155">
+              <a:extLst>
+                <a:ext uri="{FF2B5EF4-FFF2-40B4-BE49-F238E27FC236}">
+                  <a16:creationId xmlns:a16="http://schemas.microsoft.com/office/drawing/2014/main" id="{09DFE80C-B853-4EE9-882C-0B709BD594B0}"/>
+                </a:ext>
+              </a:extLst>
+            </p:cNvPr>
+            <p:cNvSpPr/>
+            <p:nvPr/>
+          </p:nvSpPr>
+          <p:spPr>
+            <a:xfrm>
+              <a:off x="28673125" y="1255986"/>
+              <a:ext cx="1261241" cy="1261241"/>
+            </a:xfrm>
+            <a:prstGeom prst="ellipse">
+              <a:avLst/>
+            </a:prstGeom>
+            <a:solidFill>
+              <a:schemeClr val="bg2">
+                <a:lumMod val="90000"/>
+              </a:schemeClr>
+            </a:solidFill>
+            <a:ln>
+              <a:noFill/>
+            </a:ln>
+          </p:spPr>
+          <p:style>
+            <a:lnRef idx="2">
+              <a:schemeClr val="accent1">
+                <a:shade val="50000"/>
+              </a:schemeClr>
+            </a:lnRef>
+            <a:fillRef idx="1">
+              <a:schemeClr val="accent1"/>
+            </a:fillRef>
+            <a:effectRef idx="0">
+              <a:schemeClr val="accent1"/>
+            </a:effectRef>
+            <a:fontRef idx="minor">
+              <a:schemeClr val="lt1"/>
+            </a:fontRef>
+          </p:style>
+          <p:txBody>
+            <a:bodyPr rtlCol="0" anchor="ctr"/>
+            <a:lstStyle/>
+            <a:p>
+              <a:pPr algn="ctr"/>
+              <a:endParaRPr lang="ko-KR" altLang="en-US"/>
+            </a:p>
+          </p:txBody>
+        </p:sp>
+        <p:sp>
+          <p:nvSpPr>
+            <p:cNvPr id="157" name="타원 156">
+              <a:extLst>
+                <a:ext uri="{FF2B5EF4-FFF2-40B4-BE49-F238E27FC236}">
+                  <a16:creationId xmlns:a16="http://schemas.microsoft.com/office/drawing/2014/main" id="{DE103139-37A7-46EE-A95E-FEB2279E5136}"/>
+                </a:ext>
+              </a:extLst>
+            </p:cNvPr>
+            <p:cNvSpPr/>
+            <p:nvPr/>
+          </p:nvSpPr>
+          <p:spPr>
+            <a:xfrm>
+              <a:off x="1976845" y="1255986"/>
+              <a:ext cx="1261241" cy="1261241"/>
+            </a:xfrm>
+            <a:prstGeom prst="ellipse">
+              <a:avLst/>
+            </a:prstGeom>
+            <a:solidFill>
+              <a:schemeClr val="bg2">
+                <a:lumMod val="90000"/>
+              </a:schemeClr>
+            </a:solidFill>
+            <a:ln>
+              <a:noFill/>
+            </a:ln>
+          </p:spPr>
+          <p:style>
+            <a:lnRef idx="2">
+              <a:schemeClr val="accent1">
+                <a:shade val="50000"/>
+              </a:schemeClr>
+            </a:lnRef>
+            <a:fillRef idx="1">
+              <a:schemeClr val="accent1"/>
+            </a:fillRef>
+            <a:effectRef idx="0">
+              <a:schemeClr val="accent1"/>
+            </a:effectRef>
+            <a:fontRef idx="minor">
+              <a:schemeClr val="lt1"/>
+            </a:fontRef>
+          </p:style>
+          <p:txBody>
+            <a:bodyPr rtlCol="0" anchor="ctr"/>
+            <a:lstStyle/>
+            <a:p>
+              <a:pPr algn="ctr"/>
+              <a:endParaRPr lang="ko-KR" altLang="en-US"/>
+            </a:p>
+          </p:txBody>
+        </p:sp>
+        <p:sp>
+          <p:nvSpPr>
+            <p:cNvPr id="158" name="타원 157">
+              <a:extLst>
+                <a:ext uri="{FF2B5EF4-FFF2-40B4-BE49-F238E27FC236}">
+                  <a16:creationId xmlns:a16="http://schemas.microsoft.com/office/drawing/2014/main" id="{8C7DC1EE-54CC-4EC9-9963-CA06746D7731}"/>
+                </a:ext>
+              </a:extLst>
+            </p:cNvPr>
+            <p:cNvSpPr/>
+            <p:nvPr/>
+          </p:nvSpPr>
+          <p:spPr>
+            <a:xfrm>
+              <a:off x="32010160" y="1255986"/>
+              <a:ext cx="1261241" cy="1261241"/>
+            </a:xfrm>
+            <a:prstGeom prst="ellipse">
+              <a:avLst/>
+            </a:prstGeom>
+            <a:solidFill>
+              <a:schemeClr val="bg2">
+                <a:lumMod val="90000"/>
+              </a:schemeClr>
+            </a:solidFill>
+            <a:ln>
+              <a:noFill/>
+            </a:ln>
+          </p:spPr>
+          <p:style>
+            <a:lnRef idx="2">
+              <a:schemeClr val="accent1">
+                <a:shade val="50000"/>
+              </a:schemeClr>
+            </a:lnRef>
+            <a:fillRef idx="1">
+              <a:schemeClr val="accent1"/>
+            </a:fillRef>
+            <a:effectRef idx="0">
+              <a:schemeClr val="accent1"/>
+            </a:effectRef>
+            <a:fontRef idx="minor">
+              <a:schemeClr val="lt1"/>
+            </a:fontRef>
+          </p:style>
+          <p:txBody>
+            <a:bodyPr rtlCol="0" anchor="ctr"/>
+            <a:lstStyle/>
+            <a:p>
+              <a:pPr algn="ctr"/>
+              <a:endParaRPr lang="ko-KR" altLang="en-US"/>
+            </a:p>
+          </p:txBody>
+        </p:sp>
+      </p:grpSp>
+      <p:grpSp>
+        <p:nvGrpSpPr>
+          <p:cNvPr id="159" name="그룹 158">
+            <a:extLst>
+              <a:ext uri="{FF2B5EF4-FFF2-40B4-BE49-F238E27FC236}">
+                <a16:creationId xmlns:a16="http://schemas.microsoft.com/office/drawing/2014/main" id="{B12BD2F9-0268-4DEF-B934-985084954868}"/>
+              </a:ext>
+            </a:extLst>
+          </p:cNvPr>
+          <p:cNvGrpSpPr/>
+          <p:nvPr/>
+        </p:nvGrpSpPr>
+        <p:grpSpPr>
+          <a:xfrm>
+            <a:off x="2352591" y="33848574"/>
+            <a:ext cx="31294556" cy="1261242"/>
+            <a:chOff x="1976845" y="1255986"/>
+            <a:chExt cx="31294556" cy="1261242"/>
+          </a:xfrm>
+        </p:grpSpPr>
+        <p:sp>
+          <p:nvSpPr>
+            <p:cNvPr id="160" name="타원 159">
+              <a:extLst>
+                <a:ext uri="{FF2B5EF4-FFF2-40B4-BE49-F238E27FC236}">
+                  <a16:creationId xmlns:a16="http://schemas.microsoft.com/office/drawing/2014/main" id="{254BB6D5-6A49-4248-AB6D-7B44CEB15D9F}"/>
+                </a:ext>
+              </a:extLst>
+            </p:cNvPr>
+            <p:cNvSpPr/>
+            <p:nvPr/>
+          </p:nvSpPr>
+          <p:spPr>
+            <a:xfrm>
+              <a:off x="5313880" y="1255987"/>
+              <a:ext cx="1261241" cy="1261241"/>
+            </a:xfrm>
+            <a:prstGeom prst="ellipse">
+              <a:avLst/>
+            </a:prstGeom>
+            <a:solidFill>
+              <a:schemeClr val="bg2">
+                <a:lumMod val="90000"/>
+              </a:schemeClr>
+            </a:solidFill>
+            <a:ln>
+              <a:noFill/>
+            </a:ln>
+          </p:spPr>
+          <p:style>
+            <a:lnRef idx="2">
+              <a:schemeClr val="accent1">
+                <a:shade val="50000"/>
+              </a:schemeClr>
+            </a:lnRef>
+            <a:fillRef idx="1">
+              <a:schemeClr val="accent1"/>
+            </a:fillRef>
+            <a:effectRef idx="0">
+              <a:schemeClr val="accent1"/>
+            </a:effectRef>
+            <a:fontRef idx="minor">
+              <a:schemeClr val="lt1"/>
+            </a:fontRef>
+          </p:style>
+          <p:txBody>
+            <a:bodyPr rtlCol="0" anchor="ctr"/>
+            <a:lstStyle/>
+            <a:p>
+              <a:pPr algn="ctr"/>
+              <a:endParaRPr lang="ko-KR" altLang="en-US"/>
+            </a:p>
+          </p:txBody>
+        </p:sp>
+        <p:sp>
+          <p:nvSpPr>
+            <p:cNvPr id="161" name="타원 160">
+              <a:extLst>
+                <a:ext uri="{FF2B5EF4-FFF2-40B4-BE49-F238E27FC236}">
+                  <a16:creationId xmlns:a16="http://schemas.microsoft.com/office/drawing/2014/main" id="{0660BA38-7604-4FB7-A73A-6F33E9A6B3B4}"/>
+                </a:ext>
+              </a:extLst>
+            </p:cNvPr>
+            <p:cNvSpPr/>
+            <p:nvPr/>
+          </p:nvSpPr>
+          <p:spPr>
+            <a:xfrm>
+              <a:off x="8650915" y="1255987"/>
+              <a:ext cx="1261241" cy="1261241"/>
+            </a:xfrm>
+            <a:prstGeom prst="ellipse">
+              <a:avLst/>
+            </a:prstGeom>
+            <a:solidFill>
+              <a:schemeClr val="bg2">
+                <a:lumMod val="90000"/>
+              </a:schemeClr>
+            </a:solidFill>
+            <a:ln>
+              <a:noFill/>
+            </a:ln>
+          </p:spPr>
+          <p:style>
+            <a:lnRef idx="2">
+              <a:schemeClr val="accent1">
+                <a:shade val="50000"/>
+              </a:schemeClr>
+            </a:lnRef>
+            <a:fillRef idx="1">
+              <a:schemeClr val="accent1"/>
+            </a:fillRef>
+            <a:effectRef idx="0">
+              <a:schemeClr val="accent1"/>
+            </a:effectRef>
+            <a:fontRef idx="minor">
+              <a:schemeClr val="lt1"/>
+            </a:fontRef>
+          </p:style>
+          <p:txBody>
+            <a:bodyPr rtlCol="0" anchor="ctr"/>
+            <a:lstStyle/>
+            <a:p>
+              <a:pPr algn="ctr"/>
+              <a:endParaRPr lang="ko-KR" altLang="en-US"/>
+            </a:p>
+          </p:txBody>
+        </p:sp>
+        <p:sp>
+          <p:nvSpPr>
+            <p:cNvPr id="162" name="타원 161">
+              <a:extLst>
+                <a:ext uri="{FF2B5EF4-FFF2-40B4-BE49-F238E27FC236}">
+                  <a16:creationId xmlns:a16="http://schemas.microsoft.com/office/drawing/2014/main" id="{6B299618-8202-43DF-BF87-C115A91D945D}"/>
+                </a:ext>
+              </a:extLst>
+            </p:cNvPr>
+            <p:cNvSpPr/>
+            <p:nvPr/>
+          </p:nvSpPr>
+          <p:spPr>
+            <a:xfrm>
+              <a:off x="11987950" y="1255987"/>
+              <a:ext cx="1261241" cy="1261241"/>
+            </a:xfrm>
+            <a:prstGeom prst="ellipse">
+              <a:avLst/>
+            </a:prstGeom>
+            <a:solidFill>
+              <a:schemeClr val="bg2">
+                <a:lumMod val="90000"/>
+              </a:schemeClr>
+            </a:solidFill>
+            <a:ln>
+              <a:noFill/>
+            </a:ln>
+          </p:spPr>
+          <p:style>
+            <a:lnRef idx="2">
+              <a:schemeClr val="accent1">
+                <a:shade val="50000"/>
+              </a:schemeClr>
+            </a:lnRef>
+            <a:fillRef idx="1">
+              <a:schemeClr val="accent1"/>
+            </a:fillRef>
+            <a:effectRef idx="0">
+              <a:schemeClr val="accent1"/>
+            </a:effectRef>
+            <a:fontRef idx="minor">
+              <a:schemeClr val="lt1"/>
+            </a:fontRef>
+          </p:style>
+          <p:txBody>
+            <a:bodyPr rtlCol="0" anchor="ctr"/>
+            <a:lstStyle/>
+            <a:p>
+              <a:pPr algn="ctr"/>
+              <a:endParaRPr lang="ko-KR" altLang="en-US"/>
+            </a:p>
+          </p:txBody>
+        </p:sp>
+        <p:sp>
+          <p:nvSpPr>
+            <p:cNvPr id="163" name="타원 162">
+              <a:extLst>
+                <a:ext uri="{FF2B5EF4-FFF2-40B4-BE49-F238E27FC236}">
+                  <a16:creationId xmlns:a16="http://schemas.microsoft.com/office/drawing/2014/main" id="{26404765-ECF8-4D7F-8671-908CD4CC440A}"/>
+                </a:ext>
+              </a:extLst>
+            </p:cNvPr>
+            <p:cNvSpPr/>
+            <p:nvPr/>
+          </p:nvSpPr>
+          <p:spPr>
+            <a:xfrm>
+              <a:off x="15324985" y="1255986"/>
+              <a:ext cx="1261241" cy="1261241"/>
+            </a:xfrm>
+            <a:prstGeom prst="ellipse">
+              <a:avLst/>
+            </a:prstGeom>
+            <a:solidFill>
+              <a:schemeClr val="bg2">
+                <a:lumMod val="90000"/>
+              </a:schemeClr>
+            </a:solidFill>
+            <a:ln>
+              <a:noFill/>
+            </a:ln>
+          </p:spPr>
+          <p:style>
+            <a:lnRef idx="2">
+              <a:schemeClr val="accent1">
+                <a:shade val="50000"/>
+              </a:schemeClr>
+            </a:lnRef>
+            <a:fillRef idx="1">
+              <a:schemeClr val="accent1"/>
+            </a:fillRef>
+            <a:effectRef idx="0">
+              <a:schemeClr val="accent1"/>
+            </a:effectRef>
+            <a:fontRef idx="minor">
+              <a:schemeClr val="lt1"/>
+            </a:fontRef>
+          </p:style>
+          <p:txBody>
+            <a:bodyPr rtlCol="0" anchor="ctr"/>
+            <a:lstStyle/>
+            <a:p>
+              <a:pPr algn="ctr"/>
+              <a:endParaRPr lang="ko-KR" altLang="en-US"/>
+            </a:p>
+          </p:txBody>
+        </p:sp>
+        <p:sp>
+          <p:nvSpPr>
+            <p:cNvPr id="164" name="타원 163">
+              <a:extLst>
+                <a:ext uri="{FF2B5EF4-FFF2-40B4-BE49-F238E27FC236}">
+                  <a16:creationId xmlns:a16="http://schemas.microsoft.com/office/drawing/2014/main" id="{B614003E-D97E-47AE-88A2-DD0B2A6D4F4A}"/>
+                </a:ext>
+              </a:extLst>
+            </p:cNvPr>
+            <p:cNvSpPr/>
+            <p:nvPr/>
+          </p:nvSpPr>
+          <p:spPr>
+            <a:xfrm>
+              <a:off x="18662020" y="1255986"/>
+              <a:ext cx="1261241" cy="1261241"/>
+            </a:xfrm>
+            <a:prstGeom prst="ellipse">
+              <a:avLst/>
+            </a:prstGeom>
+            <a:solidFill>
+              <a:schemeClr val="bg2">
+                <a:lumMod val="90000"/>
+              </a:schemeClr>
+            </a:solidFill>
+            <a:ln>
+              <a:noFill/>
+            </a:ln>
+          </p:spPr>
+          <p:style>
+            <a:lnRef idx="2">
+              <a:schemeClr val="accent1">
+                <a:shade val="50000"/>
+              </a:schemeClr>
+            </a:lnRef>
+            <a:fillRef idx="1">
+              <a:schemeClr val="accent1"/>
+            </a:fillRef>
+            <a:effectRef idx="0">
+              <a:schemeClr val="accent1"/>
+            </a:effectRef>
+            <a:fontRef idx="minor">
+              <a:schemeClr val="lt1"/>
+            </a:fontRef>
+          </p:style>
+          <p:txBody>
+            <a:bodyPr rtlCol="0" anchor="ctr"/>
+            <a:lstStyle/>
+            <a:p>
+              <a:pPr algn="ctr"/>
+              <a:endParaRPr lang="ko-KR" altLang="en-US"/>
+            </a:p>
+          </p:txBody>
+        </p:sp>
+        <p:sp>
+          <p:nvSpPr>
+            <p:cNvPr id="165" name="타원 164">
+              <a:extLst>
+                <a:ext uri="{FF2B5EF4-FFF2-40B4-BE49-F238E27FC236}">
+                  <a16:creationId xmlns:a16="http://schemas.microsoft.com/office/drawing/2014/main" id="{EEDBFA12-8515-493A-B916-FD86148BE775}"/>
+                </a:ext>
+              </a:extLst>
+            </p:cNvPr>
+            <p:cNvSpPr/>
+            <p:nvPr/>
+          </p:nvSpPr>
+          <p:spPr>
+            <a:xfrm>
+              <a:off x="21999055" y="1255986"/>
+              <a:ext cx="1261241" cy="1261241"/>
+            </a:xfrm>
+            <a:prstGeom prst="ellipse">
+              <a:avLst/>
+            </a:prstGeom>
+            <a:solidFill>
+              <a:schemeClr val="bg2">
+                <a:lumMod val="90000"/>
+              </a:schemeClr>
+            </a:solidFill>
+            <a:ln>
+              <a:noFill/>
+            </a:ln>
+          </p:spPr>
+          <p:style>
+            <a:lnRef idx="2">
+              <a:schemeClr val="accent1">
+                <a:shade val="50000"/>
+              </a:schemeClr>
+            </a:lnRef>
+            <a:fillRef idx="1">
+              <a:schemeClr val="accent1"/>
+            </a:fillRef>
+            <a:effectRef idx="0">
+              <a:schemeClr val="accent1"/>
+            </a:effectRef>
+            <a:fontRef idx="minor">
+              <a:schemeClr val="lt1"/>
+            </a:fontRef>
+          </p:style>
+          <p:txBody>
+            <a:bodyPr rtlCol="0" anchor="ctr"/>
+            <a:lstStyle/>
+            <a:p>
+              <a:pPr algn="ctr"/>
+              <a:endParaRPr lang="ko-KR" altLang="en-US"/>
+            </a:p>
+          </p:txBody>
+        </p:sp>
+        <p:sp>
+          <p:nvSpPr>
+            <p:cNvPr id="166" name="타원 165">
+              <a:extLst>
+                <a:ext uri="{FF2B5EF4-FFF2-40B4-BE49-F238E27FC236}">
+                  <a16:creationId xmlns:a16="http://schemas.microsoft.com/office/drawing/2014/main" id="{8E41FB1B-A4D0-4127-ADAA-DCFC02628657}"/>
+                </a:ext>
+              </a:extLst>
+            </p:cNvPr>
+            <p:cNvSpPr/>
+            <p:nvPr/>
+          </p:nvSpPr>
+          <p:spPr>
+            <a:xfrm>
+              <a:off x="25336090" y="1255986"/>
+              <a:ext cx="1261241" cy="1261241"/>
+            </a:xfrm>
+            <a:prstGeom prst="ellipse">
+              <a:avLst/>
+            </a:prstGeom>
+            <a:solidFill>
+              <a:schemeClr val="bg2">
+                <a:lumMod val="90000"/>
+              </a:schemeClr>
+            </a:solidFill>
+            <a:ln>
+              <a:noFill/>
+            </a:ln>
+          </p:spPr>
+          <p:style>
+            <a:lnRef idx="2">
+              <a:schemeClr val="accent1">
+                <a:shade val="50000"/>
+              </a:schemeClr>
+            </a:lnRef>
+            <a:fillRef idx="1">
+              <a:schemeClr val="accent1"/>
+            </a:fillRef>
+            <a:effectRef idx="0">
+              <a:schemeClr val="accent1"/>
+            </a:effectRef>
+            <a:fontRef idx="minor">
+              <a:schemeClr val="lt1"/>
+            </a:fontRef>
+          </p:style>
+          <p:txBody>
+            <a:bodyPr rtlCol="0" anchor="ctr"/>
+            <a:lstStyle/>
+            <a:p>
+              <a:pPr algn="ctr"/>
+              <a:endParaRPr lang="ko-KR" altLang="en-US"/>
+            </a:p>
+          </p:txBody>
+        </p:sp>
+        <p:sp>
+          <p:nvSpPr>
+            <p:cNvPr id="167" name="타원 166">
+              <a:extLst>
+                <a:ext uri="{FF2B5EF4-FFF2-40B4-BE49-F238E27FC236}">
+                  <a16:creationId xmlns:a16="http://schemas.microsoft.com/office/drawing/2014/main" id="{7056FEA2-4F24-4822-B936-03D50A5E1DD0}"/>
+                </a:ext>
+              </a:extLst>
+            </p:cNvPr>
+            <p:cNvSpPr/>
+            <p:nvPr/>
+          </p:nvSpPr>
+          <p:spPr>
+            <a:xfrm>
+              <a:off x="28673125" y="1255986"/>
+              <a:ext cx="1261241" cy="1261241"/>
+            </a:xfrm>
+            <a:prstGeom prst="ellipse">
+              <a:avLst/>
+            </a:prstGeom>
+            <a:solidFill>
+              <a:schemeClr val="bg2">
+                <a:lumMod val="90000"/>
+              </a:schemeClr>
+            </a:solidFill>
+            <a:ln>
+              <a:noFill/>
+            </a:ln>
+          </p:spPr>
+          <p:style>
+            <a:lnRef idx="2">
+              <a:schemeClr val="accent1">
+                <a:shade val="50000"/>
+              </a:schemeClr>
+            </a:lnRef>
+            <a:fillRef idx="1">
+              <a:schemeClr val="accent1"/>
+            </a:fillRef>
+            <a:effectRef idx="0">
+              <a:schemeClr val="accent1"/>
+            </a:effectRef>
+            <a:fontRef idx="minor">
+              <a:schemeClr val="lt1"/>
+            </a:fontRef>
+          </p:style>
+          <p:txBody>
+            <a:bodyPr rtlCol="0" anchor="ctr"/>
+            <a:lstStyle/>
+            <a:p>
+              <a:pPr algn="ctr"/>
+              <a:endParaRPr lang="ko-KR" altLang="en-US"/>
+            </a:p>
+          </p:txBody>
+        </p:sp>
+        <p:sp>
+          <p:nvSpPr>
+            <p:cNvPr id="168" name="타원 167">
+              <a:extLst>
+                <a:ext uri="{FF2B5EF4-FFF2-40B4-BE49-F238E27FC236}">
+                  <a16:creationId xmlns:a16="http://schemas.microsoft.com/office/drawing/2014/main" id="{D1C07261-2C9E-4F89-A6A2-EA91F38E1CC5}"/>
+                </a:ext>
+              </a:extLst>
+            </p:cNvPr>
+            <p:cNvSpPr/>
+            <p:nvPr/>
+          </p:nvSpPr>
+          <p:spPr>
+            <a:xfrm>
+              <a:off x="1976845" y="1255986"/>
+              <a:ext cx="1261241" cy="1261241"/>
+            </a:xfrm>
+            <a:prstGeom prst="ellipse">
+              <a:avLst/>
+            </a:prstGeom>
+            <a:solidFill>
+              <a:schemeClr val="bg2">
+                <a:lumMod val="90000"/>
+              </a:schemeClr>
+            </a:solidFill>
+            <a:ln>
+              <a:noFill/>
+            </a:ln>
+          </p:spPr>
+          <p:style>
+            <a:lnRef idx="2">
+              <a:schemeClr val="accent1">
+                <a:shade val="50000"/>
+              </a:schemeClr>
+            </a:lnRef>
+            <a:fillRef idx="1">
+              <a:schemeClr val="accent1"/>
+            </a:fillRef>
+            <a:effectRef idx="0">
+              <a:schemeClr val="accent1"/>
+            </a:effectRef>
+            <a:fontRef idx="minor">
+              <a:schemeClr val="lt1"/>
+            </a:fontRef>
+          </p:style>
+          <p:txBody>
+            <a:bodyPr rtlCol="0" anchor="ctr"/>
+            <a:lstStyle/>
+            <a:p>
+              <a:pPr algn="ctr"/>
+              <a:endParaRPr lang="ko-KR" altLang="en-US"/>
+            </a:p>
+          </p:txBody>
+        </p:sp>
+        <p:sp>
+          <p:nvSpPr>
+            <p:cNvPr id="169" name="타원 168">
+              <a:extLst>
+                <a:ext uri="{FF2B5EF4-FFF2-40B4-BE49-F238E27FC236}">
+                  <a16:creationId xmlns:a16="http://schemas.microsoft.com/office/drawing/2014/main" id="{787123A6-0276-4BD8-8C4F-91FC1E335CCB}"/>
+                </a:ext>
+              </a:extLst>
+            </p:cNvPr>
+            <p:cNvSpPr/>
+            <p:nvPr/>
+          </p:nvSpPr>
+          <p:spPr>
+            <a:xfrm>
+              <a:off x="32010160" y="1255986"/>
+              <a:ext cx="1261241" cy="1261241"/>
+            </a:xfrm>
+            <a:prstGeom prst="ellipse">
+              <a:avLst/>
+            </a:prstGeom>
+            <a:solidFill>
+              <a:schemeClr val="bg2">
+                <a:lumMod val="90000"/>
+              </a:schemeClr>
+            </a:solidFill>
+            <a:ln>
+              <a:noFill/>
+            </a:ln>
+          </p:spPr>
+          <p:style>
+            <a:lnRef idx="2">
+              <a:schemeClr val="accent1">
+                <a:shade val="50000"/>
+              </a:schemeClr>
+            </a:lnRef>
+            <a:fillRef idx="1">
+              <a:schemeClr val="accent1"/>
+            </a:fillRef>
+            <a:effectRef idx="0">
+              <a:schemeClr val="accent1"/>
+            </a:effectRef>
+            <a:fontRef idx="minor">
+              <a:schemeClr val="lt1"/>
+            </a:fontRef>
+          </p:style>
+          <p:txBody>
+            <a:bodyPr rtlCol="0" anchor="ctr"/>
+            <a:lstStyle/>
+            <a:p>
+              <a:pPr algn="ctr"/>
+              <a:endParaRPr lang="ko-KR" altLang="en-US"/>
+            </a:p>
+          </p:txBody>
+        </p:sp>
+      </p:grpSp>
+    </p:spTree>
+    <p:extLst>
+      <p:ext uri="{BB962C8B-B14F-4D97-AF65-F5344CB8AC3E}">
+        <p14:creationId xmlns:p14="http://schemas.microsoft.com/office/powerpoint/2010/main" val="779883289"/>
+      </p:ext>
+    </p:extLst>
+  </p:cSld>
+  <p:clrMapOvr>
+    <a:masterClrMapping/>
+  </p:clrMapOvr>
+</p:sld>
+</file>
+
 <file path=ppt/theme/theme1.xml><?xml version="1.0" encoding="utf-8"?>
 <a:theme xmlns:a="http://schemas.openxmlformats.org/drawingml/2006/main" name="Office 테마">
   <a:themeElements>

--- a/ImageViewer/TEST Image.pptx
+++ b/ImageViewer/TEST Image.pptx
@@ -8,6 +8,7 @@
     <p:sldId id="256" r:id="rId2"/>
     <p:sldId id="257" r:id="rId3"/>
     <p:sldId id="258" r:id="rId4"/>
+    <p:sldId id="259" r:id="rId5"/>
   </p:sldIdLst>
   <p:sldSz cx="35999738" cy="35999738"/>
   <p:notesSz cx="6858000" cy="9144000"/>
@@ -245,7 +246,7 @@
           <a:p>
             <a:fld id="{BFE3A203-13AA-4A1C-9B74-0602821F7FF5}" type="datetimeFigureOut">
               <a:rPr lang="ko-KR" altLang="en-US" smtClean="0"/>
-              <a:t>2024-03-27</a:t>
+              <a:t>2024-04-01</a:t>
             </a:fld>
             <a:endParaRPr lang="ko-KR" altLang="en-US"/>
           </a:p>
@@ -415,7 +416,7 @@
           <a:p>
             <a:fld id="{BFE3A203-13AA-4A1C-9B74-0602821F7FF5}" type="datetimeFigureOut">
               <a:rPr lang="ko-KR" altLang="en-US" smtClean="0"/>
-              <a:t>2024-03-27</a:t>
+              <a:t>2024-04-01</a:t>
             </a:fld>
             <a:endParaRPr lang="ko-KR" altLang="en-US"/>
           </a:p>
@@ -595,7 +596,7 @@
           <a:p>
             <a:fld id="{BFE3A203-13AA-4A1C-9B74-0602821F7FF5}" type="datetimeFigureOut">
               <a:rPr lang="ko-KR" altLang="en-US" smtClean="0"/>
-              <a:t>2024-03-27</a:t>
+              <a:t>2024-04-01</a:t>
             </a:fld>
             <a:endParaRPr lang="ko-KR" altLang="en-US"/>
           </a:p>
@@ -765,7 +766,7 @@
           <a:p>
             <a:fld id="{BFE3A203-13AA-4A1C-9B74-0602821F7FF5}" type="datetimeFigureOut">
               <a:rPr lang="ko-KR" altLang="en-US" smtClean="0"/>
-              <a:t>2024-03-27</a:t>
+              <a:t>2024-04-01</a:t>
             </a:fld>
             <a:endParaRPr lang="ko-KR" altLang="en-US"/>
           </a:p>
@@ -1009,7 +1010,7 @@
           <a:p>
             <a:fld id="{BFE3A203-13AA-4A1C-9B74-0602821F7FF5}" type="datetimeFigureOut">
               <a:rPr lang="ko-KR" altLang="en-US" smtClean="0"/>
-              <a:t>2024-03-27</a:t>
+              <a:t>2024-04-01</a:t>
             </a:fld>
             <a:endParaRPr lang="ko-KR" altLang="en-US"/>
           </a:p>
@@ -1241,7 +1242,7 @@
           <a:p>
             <a:fld id="{BFE3A203-13AA-4A1C-9B74-0602821F7FF5}" type="datetimeFigureOut">
               <a:rPr lang="ko-KR" altLang="en-US" smtClean="0"/>
-              <a:t>2024-03-27</a:t>
+              <a:t>2024-04-01</a:t>
             </a:fld>
             <a:endParaRPr lang="ko-KR" altLang="en-US"/>
           </a:p>
@@ -1608,7 +1609,7 @@
           <a:p>
             <a:fld id="{BFE3A203-13AA-4A1C-9B74-0602821F7FF5}" type="datetimeFigureOut">
               <a:rPr lang="ko-KR" altLang="en-US" smtClean="0"/>
-              <a:t>2024-03-27</a:t>
+              <a:t>2024-04-01</a:t>
             </a:fld>
             <a:endParaRPr lang="ko-KR" altLang="en-US"/>
           </a:p>
@@ -1726,7 +1727,7 @@
           <a:p>
             <a:fld id="{BFE3A203-13AA-4A1C-9B74-0602821F7FF5}" type="datetimeFigureOut">
               <a:rPr lang="ko-KR" altLang="en-US" smtClean="0"/>
-              <a:t>2024-03-27</a:t>
+              <a:t>2024-04-01</a:t>
             </a:fld>
             <a:endParaRPr lang="ko-KR" altLang="en-US"/>
           </a:p>
@@ -1821,7 +1822,7 @@
           <a:p>
             <a:fld id="{BFE3A203-13AA-4A1C-9B74-0602821F7FF5}" type="datetimeFigureOut">
               <a:rPr lang="ko-KR" altLang="en-US" smtClean="0"/>
-              <a:t>2024-03-27</a:t>
+              <a:t>2024-04-01</a:t>
             </a:fld>
             <a:endParaRPr lang="ko-KR" altLang="en-US"/>
           </a:p>
@@ -2098,7 +2099,7 @@
           <a:p>
             <a:fld id="{BFE3A203-13AA-4A1C-9B74-0602821F7FF5}" type="datetimeFigureOut">
               <a:rPr lang="ko-KR" altLang="en-US" smtClean="0"/>
-              <a:t>2024-03-27</a:t>
+              <a:t>2024-04-01</a:t>
             </a:fld>
             <a:endParaRPr lang="ko-KR" altLang="en-US"/>
           </a:p>
@@ -2355,7 +2356,7 @@
           <a:p>
             <a:fld id="{BFE3A203-13AA-4A1C-9B74-0602821F7FF5}" type="datetimeFigureOut">
               <a:rPr lang="ko-KR" altLang="en-US" smtClean="0"/>
-              <a:t>2024-03-27</a:t>
+              <a:t>2024-04-01</a:t>
             </a:fld>
             <a:endParaRPr lang="ko-KR" altLang="en-US"/>
           </a:p>
@@ -2568,7 +2569,7 @@
           <a:p>
             <a:fld id="{BFE3A203-13AA-4A1C-9B74-0602821F7FF5}" type="datetimeFigureOut">
               <a:rPr lang="ko-KR" altLang="en-US" smtClean="0"/>
-              <a:t>2024-03-27</a:t>
+              <a:t>2024-04-01</a:t>
             </a:fld>
             <a:endParaRPr lang="ko-KR" altLang="en-US"/>
           </a:p>
@@ -28259,6 +28260,8378 @@
 </p:sld>
 </file>
 
+<file path=ppt/slides/slide4.xml><?xml version="1.0" encoding="utf-8"?>
+<p:sld xmlns:a="http://schemas.openxmlformats.org/drawingml/2006/main" xmlns:r="http://schemas.openxmlformats.org/officeDocument/2006/relationships" xmlns:p="http://schemas.openxmlformats.org/presentationml/2006/main">
+  <p:cSld>
+    <p:bg>
+      <p:bgPr>
+        <a:solidFill>
+          <a:schemeClr val="tx1">
+            <a:lumMod val="50000"/>
+            <a:lumOff val="50000"/>
+          </a:schemeClr>
+        </a:solidFill>
+        <a:effectLst/>
+      </p:bgPr>
+    </p:bg>
+    <p:spTree>
+      <p:nvGrpSpPr>
+        <p:cNvPr id="1" name=""/>
+        <p:cNvGrpSpPr/>
+        <p:nvPr/>
+      </p:nvGrpSpPr>
+      <p:grpSpPr>
+        <a:xfrm>
+          <a:off x="0" y="0"/>
+          <a:ext cx="0" cy="0"/>
+          <a:chOff x="0" y="0"/>
+          <a:chExt cx="0" cy="0"/>
+        </a:xfrm>
+      </p:grpSpPr>
+      <p:grpSp>
+        <p:nvGrpSpPr>
+          <p:cNvPr id="15" name="그룹 14">
+            <a:extLst>
+              <a:ext uri="{FF2B5EF4-FFF2-40B4-BE49-F238E27FC236}">
+                <a16:creationId xmlns:a16="http://schemas.microsoft.com/office/drawing/2014/main" id="{D6ECDA44-00B8-48A9-8994-E0EE01B71326}"/>
+              </a:ext>
+            </a:extLst>
+          </p:cNvPr>
+          <p:cNvGrpSpPr/>
+          <p:nvPr/>
+        </p:nvGrpSpPr>
+        <p:grpSpPr>
+          <a:xfrm>
+            <a:off x="2352591" y="1255986"/>
+            <a:ext cx="31294556" cy="1261242"/>
+            <a:chOff x="1976845" y="1255986"/>
+            <a:chExt cx="31294556" cy="1261242"/>
+          </a:xfrm>
+        </p:grpSpPr>
+        <p:sp>
+          <p:nvSpPr>
+            <p:cNvPr id="5" name="타원 4">
+              <a:extLst>
+                <a:ext uri="{FF2B5EF4-FFF2-40B4-BE49-F238E27FC236}">
+                  <a16:creationId xmlns:a16="http://schemas.microsoft.com/office/drawing/2014/main" id="{FF7BCC44-A5FA-436E-8413-90C5D524F397}"/>
+                </a:ext>
+              </a:extLst>
+            </p:cNvPr>
+            <p:cNvSpPr/>
+            <p:nvPr/>
+          </p:nvSpPr>
+          <p:spPr>
+            <a:xfrm>
+              <a:off x="5313880" y="1255987"/>
+              <a:ext cx="1261241" cy="1261241"/>
+            </a:xfrm>
+            <a:prstGeom prst="ellipse">
+              <a:avLst/>
+            </a:prstGeom>
+            <a:solidFill>
+              <a:schemeClr val="bg2">
+                <a:lumMod val="90000"/>
+              </a:schemeClr>
+            </a:solidFill>
+            <a:ln>
+              <a:noFill/>
+            </a:ln>
+          </p:spPr>
+          <p:style>
+            <a:lnRef idx="2">
+              <a:schemeClr val="accent1">
+                <a:shade val="50000"/>
+              </a:schemeClr>
+            </a:lnRef>
+            <a:fillRef idx="1">
+              <a:schemeClr val="accent1"/>
+            </a:fillRef>
+            <a:effectRef idx="0">
+              <a:schemeClr val="accent1"/>
+            </a:effectRef>
+            <a:fontRef idx="minor">
+              <a:schemeClr val="lt1"/>
+            </a:fontRef>
+          </p:style>
+          <p:txBody>
+            <a:bodyPr rtlCol="0" anchor="ctr"/>
+            <a:lstStyle/>
+            <a:p>
+              <a:pPr algn="ctr"/>
+              <a:endParaRPr lang="ko-KR" altLang="en-US"/>
+            </a:p>
+          </p:txBody>
+        </p:sp>
+        <p:sp>
+          <p:nvSpPr>
+            <p:cNvPr id="6" name="타원 5">
+              <a:extLst>
+                <a:ext uri="{FF2B5EF4-FFF2-40B4-BE49-F238E27FC236}">
+                  <a16:creationId xmlns:a16="http://schemas.microsoft.com/office/drawing/2014/main" id="{BADA856A-75AE-48C5-9867-98DD12B7007B}"/>
+                </a:ext>
+              </a:extLst>
+            </p:cNvPr>
+            <p:cNvSpPr/>
+            <p:nvPr/>
+          </p:nvSpPr>
+          <p:spPr>
+            <a:xfrm>
+              <a:off x="8650915" y="1255987"/>
+              <a:ext cx="1261241" cy="1261241"/>
+            </a:xfrm>
+            <a:prstGeom prst="ellipse">
+              <a:avLst/>
+            </a:prstGeom>
+            <a:solidFill>
+              <a:schemeClr val="bg2">
+                <a:lumMod val="90000"/>
+              </a:schemeClr>
+            </a:solidFill>
+            <a:ln>
+              <a:noFill/>
+            </a:ln>
+          </p:spPr>
+          <p:style>
+            <a:lnRef idx="2">
+              <a:schemeClr val="accent1">
+                <a:shade val="50000"/>
+              </a:schemeClr>
+            </a:lnRef>
+            <a:fillRef idx="1">
+              <a:schemeClr val="accent1"/>
+            </a:fillRef>
+            <a:effectRef idx="0">
+              <a:schemeClr val="accent1"/>
+            </a:effectRef>
+            <a:fontRef idx="minor">
+              <a:schemeClr val="lt1"/>
+            </a:fontRef>
+          </p:style>
+          <p:txBody>
+            <a:bodyPr rtlCol="0" anchor="ctr"/>
+            <a:lstStyle/>
+            <a:p>
+              <a:pPr algn="ctr"/>
+              <a:endParaRPr lang="ko-KR" altLang="en-US"/>
+            </a:p>
+          </p:txBody>
+        </p:sp>
+        <p:sp>
+          <p:nvSpPr>
+            <p:cNvPr id="7" name="타원 6">
+              <a:extLst>
+                <a:ext uri="{FF2B5EF4-FFF2-40B4-BE49-F238E27FC236}">
+                  <a16:creationId xmlns:a16="http://schemas.microsoft.com/office/drawing/2014/main" id="{F63EA669-B5BC-44A7-A45C-C942909DC549}"/>
+                </a:ext>
+              </a:extLst>
+            </p:cNvPr>
+            <p:cNvSpPr/>
+            <p:nvPr/>
+          </p:nvSpPr>
+          <p:spPr>
+            <a:xfrm>
+              <a:off x="11987950" y="1255987"/>
+              <a:ext cx="1261241" cy="1261241"/>
+            </a:xfrm>
+            <a:prstGeom prst="ellipse">
+              <a:avLst/>
+            </a:prstGeom>
+            <a:solidFill>
+              <a:schemeClr val="bg2">
+                <a:lumMod val="90000"/>
+              </a:schemeClr>
+            </a:solidFill>
+            <a:ln>
+              <a:noFill/>
+            </a:ln>
+          </p:spPr>
+          <p:style>
+            <a:lnRef idx="2">
+              <a:schemeClr val="accent1">
+                <a:shade val="50000"/>
+              </a:schemeClr>
+            </a:lnRef>
+            <a:fillRef idx="1">
+              <a:schemeClr val="accent1"/>
+            </a:fillRef>
+            <a:effectRef idx="0">
+              <a:schemeClr val="accent1"/>
+            </a:effectRef>
+            <a:fontRef idx="minor">
+              <a:schemeClr val="lt1"/>
+            </a:fontRef>
+          </p:style>
+          <p:txBody>
+            <a:bodyPr rtlCol="0" anchor="ctr"/>
+            <a:lstStyle/>
+            <a:p>
+              <a:pPr algn="ctr"/>
+              <a:endParaRPr lang="ko-KR" altLang="en-US"/>
+            </a:p>
+          </p:txBody>
+        </p:sp>
+        <p:sp>
+          <p:nvSpPr>
+            <p:cNvPr id="8" name="타원 7">
+              <a:extLst>
+                <a:ext uri="{FF2B5EF4-FFF2-40B4-BE49-F238E27FC236}">
+                  <a16:creationId xmlns:a16="http://schemas.microsoft.com/office/drawing/2014/main" id="{C54611BB-D644-46A8-B5F5-EF11F198DE69}"/>
+                </a:ext>
+              </a:extLst>
+            </p:cNvPr>
+            <p:cNvSpPr/>
+            <p:nvPr/>
+          </p:nvSpPr>
+          <p:spPr>
+            <a:xfrm>
+              <a:off x="15324985" y="1255986"/>
+              <a:ext cx="1261241" cy="1261241"/>
+            </a:xfrm>
+            <a:prstGeom prst="ellipse">
+              <a:avLst/>
+            </a:prstGeom>
+            <a:solidFill>
+              <a:schemeClr val="bg2">
+                <a:lumMod val="90000"/>
+              </a:schemeClr>
+            </a:solidFill>
+            <a:ln>
+              <a:noFill/>
+            </a:ln>
+          </p:spPr>
+          <p:style>
+            <a:lnRef idx="2">
+              <a:schemeClr val="accent1">
+                <a:shade val="50000"/>
+              </a:schemeClr>
+            </a:lnRef>
+            <a:fillRef idx="1">
+              <a:schemeClr val="accent1"/>
+            </a:fillRef>
+            <a:effectRef idx="0">
+              <a:schemeClr val="accent1"/>
+            </a:effectRef>
+            <a:fontRef idx="minor">
+              <a:schemeClr val="lt1"/>
+            </a:fontRef>
+          </p:style>
+          <p:txBody>
+            <a:bodyPr rtlCol="0" anchor="ctr"/>
+            <a:lstStyle/>
+            <a:p>
+              <a:pPr algn="ctr"/>
+              <a:endParaRPr lang="ko-KR" altLang="en-US"/>
+            </a:p>
+          </p:txBody>
+        </p:sp>
+        <p:sp>
+          <p:nvSpPr>
+            <p:cNvPr id="9" name="타원 8">
+              <a:extLst>
+                <a:ext uri="{FF2B5EF4-FFF2-40B4-BE49-F238E27FC236}">
+                  <a16:creationId xmlns:a16="http://schemas.microsoft.com/office/drawing/2014/main" id="{24C6AD37-DD1F-4A12-83B4-E8A92C9EA6F7}"/>
+                </a:ext>
+              </a:extLst>
+            </p:cNvPr>
+            <p:cNvSpPr/>
+            <p:nvPr/>
+          </p:nvSpPr>
+          <p:spPr>
+            <a:xfrm>
+              <a:off x="18662020" y="1255986"/>
+              <a:ext cx="1261241" cy="1261241"/>
+            </a:xfrm>
+            <a:prstGeom prst="ellipse">
+              <a:avLst/>
+            </a:prstGeom>
+            <a:solidFill>
+              <a:schemeClr val="bg2">
+                <a:lumMod val="90000"/>
+              </a:schemeClr>
+            </a:solidFill>
+            <a:ln>
+              <a:noFill/>
+            </a:ln>
+          </p:spPr>
+          <p:style>
+            <a:lnRef idx="2">
+              <a:schemeClr val="accent1">
+                <a:shade val="50000"/>
+              </a:schemeClr>
+            </a:lnRef>
+            <a:fillRef idx="1">
+              <a:schemeClr val="accent1"/>
+            </a:fillRef>
+            <a:effectRef idx="0">
+              <a:schemeClr val="accent1"/>
+            </a:effectRef>
+            <a:fontRef idx="minor">
+              <a:schemeClr val="lt1"/>
+            </a:fontRef>
+          </p:style>
+          <p:txBody>
+            <a:bodyPr rtlCol="0" anchor="ctr"/>
+            <a:lstStyle/>
+            <a:p>
+              <a:pPr algn="ctr"/>
+              <a:endParaRPr lang="ko-KR" altLang="en-US"/>
+            </a:p>
+          </p:txBody>
+        </p:sp>
+        <p:sp>
+          <p:nvSpPr>
+            <p:cNvPr id="10" name="타원 9">
+              <a:extLst>
+                <a:ext uri="{FF2B5EF4-FFF2-40B4-BE49-F238E27FC236}">
+                  <a16:creationId xmlns:a16="http://schemas.microsoft.com/office/drawing/2014/main" id="{1B3AF61D-04A0-4F5E-806D-2169E506EF04}"/>
+                </a:ext>
+              </a:extLst>
+            </p:cNvPr>
+            <p:cNvSpPr/>
+            <p:nvPr/>
+          </p:nvSpPr>
+          <p:spPr>
+            <a:xfrm>
+              <a:off x="21999055" y="1255986"/>
+              <a:ext cx="1261241" cy="1261241"/>
+            </a:xfrm>
+            <a:prstGeom prst="ellipse">
+              <a:avLst/>
+            </a:prstGeom>
+            <a:solidFill>
+              <a:schemeClr val="bg2">
+                <a:lumMod val="90000"/>
+              </a:schemeClr>
+            </a:solidFill>
+            <a:ln>
+              <a:noFill/>
+            </a:ln>
+          </p:spPr>
+          <p:style>
+            <a:lnRef idx="2">
+              <a:schemeClr val="accent1">
+                <a:shade val="50000"/>
+              </a:schemeClr>
+            </a:lnRef>
+            <a:fillRef idx="1">
+              <a:schemeClr val="accent1"/>
+            </a:fillRef>
+            <a:effectRef idx="0">
+              <a:schemeClr val="accent1"/>
+            </a:effectRef>
+            <a:fontRef idx="minor">
+              <a:schemeClr val="lt1"/>
+            </a:fontRef>
+          </p:style>
+          <p:txBody>
+            <a:bodyPr rtlCol="0" anchor="ctr"/>
+            <a:lstStyle/>
+            <a:p>
+              <a:pPr algn="ctr"/>
+              <a:endParaRPr lang="ko-KR" altLang="en-US"/>
+            </a:p>
+          </p:txBody>
+        </p:sp>
+        <p:sp>
+          <p:nvSpPr>
+            <p:cNvPr id="11" name="타원 10">
+              <a:extLst>
+                <a:ext uri="{FF2B5EF4-FFF2-40B4-BE49-F238E27FC236}">
+                  <a16:creationId xmlns:a16="http://schemas.microsoft.com/office/drawing/2014/main" id="{48AE957F-2890-4C27-98ED-FDCCB409CCD4}"/>
+                </a:ext>
+              </a:extLst>
+            </p:cNvPr>
+            <p:cNvSpPr/>
+            <p:nvPr/>
+          </p:nvSpPr>
+          <p:spPr>
+            <a:xfrm>
+              <a:off x="25336090" y="1255986"/>
+              <a:ext cx="1261241" cy="1261241"/>
+            </a:xfrm>
+            <a:prstGeom prst="ellipse">
+              <a:avLst/>
+            </a:prstGeom>
+            <a:solidFill>
+              <a:schemeClr val="bg2">
+                <a:lumMod val="90000"/>
+              </a:schemeClr>
+            </a:solidFill>
+            <a:ln>
+              <a:noFill/>
+            </a:ln>
+          </p:spPr>
+          <p:style>
+            <a:lnRef idx="2">
+              <a:schemeClr val="accent1">
+                <a:shade val="50000"/>
+              </a:schemeClr>
+            </a:lnRef>
+            <a:fillRef idx="1">
+              <a:schemeClr val="accent1"/>
+            </a:fillRef>
+            <a:effectRef idx="0">
+              <a:schemeClr val="accent1"/>
+            </a:effectRef>
+            <a:fontRef idx="minor">
+              <a:schemeClr val="lt1"/>
+            </a:fontRef>
+          </p:style>
+          <p:txBody>
+            <a:bodyPr rtlCol="0" anchor="ctr"/>
+            <a:lstStyle/>
+            <a:p>
+              <a:pPr algn="ctr"/>
+              <a:endParaRPr lang="ko-KR" altLang="en-US"/>
+            </a:p>
+          </p:txBody>
+        </p:sp>
+        <p:sp>
+          <p:nvSpPr>
+            <p:cNvPr id="12" name="타원 11">
+              <a:extLst>
+                <a:ext uri="{FF2B5EF4-FFF2-40B4-BE49-F238E27FC236}">
+                  <a16:creationId xmlns:a16="http://schemas.microsoft.com/office/drawing/2014/main" id="{6615CCA1-318F-4AF5-B02E-A453F7E82A87}"/>
+                </a:ext>
+              </a:extLst>
+            </p:cNvPr>
+            <p:cNvSpPr/>
+            <p:nvPr/>
+          </p:nvSpPr>
+          <p:spPr>
+            <a:xfrm>
+              <a:off x="28673125" y="1255986"/>
+              <a:ext cx="1261241" cy="1261241"/>
+            </a:xfrm>
+            <a:prstGeom prst="ellipse">
+              <a:avLst/>
+            </a:prstGeom>
+            <a:solidFill>
+              <a:schemeClr val="bg2">
+                <a:lumMod val="90000"/>
+              </a:schemeClr>
+            </a:solidFill>
+            <a:ln>
+              <a:noFill/>
+            </a:ln>
+          </p:spPr>
+          <p:style>
+            <a:lnRef idx="2">
+              <a:schemeClr val="accent1">
+                <a:shade val="50000"/>
+              </a:schemeClr>
+            </a:lnRef>
+            <a:fillRef idx="1">
+              <a:schemeClr val="accent1"/>
+            </a:fillRef>
+            <a:effectRef idx="0">
+              <a:schemeClr val="accent1"/>
+            </a:effectRef>
+            <a:fontRef idx="minor">
+              <a:schemeClr val="lt1"/>
+            </a:fontRef>
+          </p:style>
+          <p:txBody>
+            <a:bodyPr rtlCol="0" anchor="ctr"/>
+            <a:lstStyle/>
+            <a:p>
+              <a:pPr algn="ctr"/>
+              <a:endParaRPr lang="ko-KR" altLang="en-US"/>
+            </a:p>
+          </p:txBody>
+        </p:sp>
+        <p:sp>
+          <p:nvSpPr>
+            <p:cNvPr id="13" name="타원 12">
+              <a:extLst>
+                <a:ext uri="{FF2B5EF4-FFF2-40B4-BE49-F238E27FC236}">
+                  <a16:creationId xmlns:a16="http://schemas.microsoft.com/office/drawing/2014/main" id="{68AE1A84-CDA9-449A-9474-EAFA5999A67E}"/>
+                </a:ext>
+              </a:extLst>
+            </p:cNvPr>
+            <p:cNvSpPr/>
+            <p:nvPr/>
+          </p:nvSpPr>
+          <p:spPr>
+            <a:xfrm>
+              <a:off x="1976845" y="1255986"/>
+              <a:ext cx="1261241" cy="1261241"/>
+            </a:xfrm>
+            <a:prstGeom prst="ellipse">
+              <a:avLst/>
+            </a:prstGeom>
+            <a:solidFill>
+              <a:schemeClr val="bg2">
+                <a:lumMod val="90000"/>
+              </a:schemeClr>
+            </a:solidFill>
+            <a:ln>
+              <a:noFill/>
+            </a:ln>
+          </p:spPr>
+          <p:style>
+            <a:lnRef idx="2">
+              <a:schemeClr val="accent1">
+                <a:shade val="50000"/>
+              </a:schemeClr>
+            </a:lnRef>
+            <a:fillRef idx="1">
+              <a:schemeClr val="accent1"/>
+            </a:fillRef>
+            <a:effectRef idx="0">
+              <a:schemeClr val="accent1"/>
+            </a:effectRef>
+            <a:fontRef idx="minor">
+              <a:schemeClr val="lt1"/>
+            </a:fontRef>
+          </p:style>
+          <p:txBody>
+            <a:bodyPr rtlCol="0" anchor="ctr"/>
+            <a:lstStyle/>
+            <a:p>
+              <a:pPr algn="ctr"/>
+              <a:endParaRPr lang="ko-KR" altLang="en-US"/>
+            </a:p>
+          </p:txBody>
+        </p:sp>
+        <p:sp>
+          <p:nvSpPr>
+            <p:cNvPr id="14" name="타원 13">
+              <a:extLst>
+                <a:ext uri="{FF2B5EF4-FFF2-40B4-BE49-F238E27FC236}">
+                  <a16:creationId xmlns:a16="http://schemas.microsoft.com/office/drawing/2014/main" id="{993E6D38-E589-4D40-AC36-FDE5BA3F31FB}"/>
+                </a:ext>
+              </a:extLst>
+            </p:cNvPr>
+            <p:cNvSpPr/>
+            <p:nvPr/>
+          </p:nvSpPr>
+          <p:spPr>
+            <a:xfrm>
+              <a:off x="32010160" y="1255986"/>
+              <a:ext cx="1261241" cy="1261241"/>
+            </a:xfrm>
+            <a:prstGeom prst="ellipse">
+              <a:avLst/>
+            </a:prstGeom>
+            <a:solidFill>
+              <a:schemeClr val="bg2">
+                <a:lumMod val="90000"/>
+              </a:schemeClr>
+            </a:solidFill>
+            <a:ln>
+              <a:noFill/>
+            </a:ln>
+          </p:spPr>
+          <p:style>
+            <a:lnRef idx="2">
+              <a:schemeClr val="accent1">
+                <a:shade val="50000"/>
+              </a:schemeClr>
+            </a:lnRef>
+            <a:fillRef idx="1">
+              <a:schemeClr val="accent1"/>
+            </a:fillRef>
+            <a:effectRef idx="0">
+              <a:schemeClr val="accent1"/>
+            </a:effectRef>
+            <a:fontRef idx="minor">
+              <a:schemeClr val="lt1"/>
+            </a:fontRef>
+          </p:style>
+          <p:txBody>
+            <a:bodyPr rtlCol="0" anchor="ctr"/>
+            <a:lstStyle/>
+            <a:p>
+              <a:pPr algn="ctr"/>
+              <a:endParaRPr lang="ko-KR" altLang="en-US"/>
+            </a:p>
+          </p:txBody>
+        </p:sp>
+      </p:grpSp>
+      <p:sp>
+        <p:nvSpPr>
+          <p:cNvPr id="17" name="타원 16">
+            <a:extLst>
+              <a:ext uri="{FF2B5EF4-FFF2-40B4-BE49-F238E27FC236}">
+                <a16:creationId xmlns:a16="http://schemas.microsoft.com/office/drawing/2014/main" id="{9533F51B-17A1-4292-860A-8F85E229B4CE}"/>
+              </a:ext>
+            </a:extLst>
+          </p:cNvPr>
+          <p:cNvSpPr/>
+          <p:nvPr/>
+        </p:nvSpPr>
+        <p:spPr>
+          <a:xfrm>
+            <a:off x="5269140" y="3387788"/>
+            <a:ext cx="1961979" cy="1961979"/>
+          </a:xfrm>
+          <a:prstGeom prst="ellipse">
+            <a:avLst/>
+          </a:prstGeom>
+          <a:solidFill>
+            <a:schemeClr val="bg2">
+              <a:lumMod val="90000"/>
+            </a:schemeClr>
+          </a:solidFill>
+          <a:ln>
+            <a:noFill/>
+          </a:ln>
+        </p:spPr>
+        <p:style>
+          <a:lnRef idx="2">
+            <a:schemeClr val="accent1">
+              <a:shade val="50000"/>
+            </a:schemeClr>
+          </a:lnRef>
+          <a:fillRef idx="1">
+            <a:schemeClr val="accent1"/>
+          </a:fillRef>
+          <a:effectRef idx="0">
+            <a:schemeClr val="accent1"/>
+          </a:effectRef>
+          <a:fontRef idx="minor">
+            <a:schemeClr val="lt1"/>
+          </a:fontRef>
+        </p:style>
+        <p:txBody>
+          <a:bodyPr rtlCol="0" anchor="ctr"/>
+          <a:lstStyle/>
+          <a:p>
+            <a:pPr algn="ctr"/>
+            <a:endParaRPr lang="ko-KR" altLang="en-US"/>
+          </a:p>
+        </p:txBody>
+      </p:sp>
+      <p:sp>
+        <p:nvSpPr>
+          <p:cNvPr id="18" name="타원 17">
+            <a:extLst>
+              <a:ext uri="{FF2B5EF4-FFF2-40B4-BE49-F238E27FC236}">
+                <a16:creationId xmlns:a16="http://schemas.microsoft.com/office/drawing/2014/main" id="{3EE440DE-64C9-4AE3-9FBE-CA4F67E78DD4}"/>
+              </a:ext>
+            </a:extLst>
+          </p:cNvPr>
+          <p:cNvSpPr/>
+          <p:nvPr/>
+        </p:nvSpPr>
+        <p:spPr>
+          <a:xfrm>
+            <a:off x="9026661" y="3584029"/>
+            <a:ext cx="1261241" cy="1261241"/>
+          </a:xfrm>
+          <a:prstGeom prst="ellipse">
+            <a:avLst/>
+          </a:prstGeom>
+          <a:solidFill>
+            <a:schemeClr val="bg2">
+              <a:lumMod val="90000"/>
+            </a:schemeClr>
+          </a:solidFill>
+          <a:ln>
+            <a:noFill/>
+          </a:ln>
+        </p:spPr>
+        <p:style>
+          <a:lnRef idx="2">
+            <a:schemeClr val="accent1">
+              <a:shade val="50000"/>
+            </a:schemeClr>
+          </a:lnRef>
+          <a:fillRef idx="1">
+            <a:schemeClr val="accent1"/>
+          </a:fillRef>
+          <a:effectRef idx="0">
+            <a:schemeClr val="accent1"/>
+          </a:effectRef>
+          <a:fontRef idx="minor">
+            <a:schemeClr val="lt1"/>
+          </a:fontRef>
+        </p:style>
+        <p:txBody>
+          <a:bodyPr rtlCol="0" anchor="ctr"/>
+          <a:lstStyle/>
+          <a:p>
+            <a:pPr algn="ctr"/>
+            <a:endParaRPr lang="ko-KR" altLang="en-US"/>
+          </a:p>
+        </p:txBody>
+      </p:sp>
+      <p:sp>
+        <p:nvSpPr>
+          <p:cNvPr id="19" name="타원 18">
+            <a:extLst>
+              <a:ext uri="{FF2B5EF4-FFF2-40B4-BE49-F238E27FC236}">
+                <a16:creationId xmlns:a16="http://schemas.microsoft.com/office/drawing/2014/main" id="{20515BAE-17D0-41A3-B200-E2D70D7FC9A1}"/>
+              </a:ext>
+            </a:extLst>
+          </p:cNvPr>
+          <p:cNvSpPr/>
+          <p:nvPr/>
+        </p:nvSpPr>
+        <p:spPr>
+          <a:xfrm>
+            <a:off x="12363696" y="3584029"/>
+            <a:ext cx="1261241" cy="1261241"/>
+          </a:xfrm>
+          <a:prstGeom prst="ellipse">
+            <a:avLst/>
+          </a:prstGeom>
+          <a:solidFill>
+            <a:schemeClr val="bg2">
+              <a:lumMod val="90000"/>
+            </a:schemeClr>
+          </a:solidFill>
+          <a:ln>
+            <a:noFill/>
+          </a:ln>
+        </p:spPr>
+        <p:style>
+          <a:lnRef idx="2">
+            <a:schemeClr val="accent1">
+              <a:shade val="50000"/>
+            </a:schemeClr>
+          </a:lnRef>
+          <a:fillRef idx="1">
+            <a:schemeClr val="accent1"/>
+          </a:fillRef>
+          <a:effectRef idx="0">
+            <a:schemeClr val="accent1"/>
+          </a:effectRef>
+          <a:fontRef idx="minor">
+            <a:schemeClr val="lt1"/>
+          </a:fontRef>
+        </p:style>
+        <p:txBody>
+          <a:bodyPr rtlCol="0" anchor="ctr"/>
+          <a:lstStyle/>
+          <a:p>
+            <a:pPr algn="ctr"/>
+            <a:endParaRPr lang="ko-KR" altLang="en-US"/>
+          </a:p>
+        </p:txBody>
+      </p:sp>
+      <p:sp>
+        <p:nvSpPr>
+          <p:cNvPr id="20" name="타원 19">
+            <a:extLst>
+              <a:ext uri="{FF2B5EF4-FFF2-40B4-BE49-F238E27FC236}">
+                <a16:creationId xmlns:a16="http://schemas.microsoft.com/office/drawing/2014/main" id="{854FACFB-4CB9-47F9-8F09-18026E9AAB04}"/>
+              </a:ext>
+            </a:extLst>
+          </p:cNvPr>
+          <p:cNvSpPr/>
+          <p:nvPr/>
+        </p:nvSpPr>
+        <p:spPr>
+          <a:xfrm>
+            <a:off x="15700731" y="3584028"/>
+            <a:ext cx="1261241" cy="1261241"/>
+          </a:xfrm>
+          <a:prstGeom prst="ellipse">
+            <a:avLst/>
+          </a:prstGeom>
+          <a:solidFill>
+            <a:schemeClr val="bg2">
+              <a:lumMod val="90000"/>
+            </a:schemeClr>
+          </a:solidFill>
+          <a:ln>
+            <a:noFill/>
+          </a:ln>
+        </p:spPr>
+        <p:style>
+          <a:lnRef idx="2">
+            <a:schemeClr val="accent1">
+              <a:shade val="50000"/>
+            </a:schemeClr>
+          </a:lnRef>
+          <a:fillRef idx="1">
+            <a:schemeClr val="accent1"/>
+          </a:fillRef>
+          <a:effectRef idx="0">
+            <a:schemeClr val="accent1"/>
+          </a:effectRef>
+          <a:fontRef idx="minor">
+            <a:schemeClr val="lt1"/>
+          </a:fontRef>
+        </p:style>
+        <p:txBody>
+          <a:bodyPr rtlCol="0" anchor="ctr"/>
+          <a:lstStyle/>
+          <a:p>
+            <a:pPr algn="ctr"/>
+            <a:endParaRPr lang="ko-KR" altLang="en-US"/>
+          </a:p>
+        </p:txBody>
+      </p:sp>
+      <p:sp>
+        <p:nvSpPr>
+          <p:cNvPr id="21" name="타원 20">
+            <a:extLst>
+              <a:ext uri="{FF2B5EF4-FFF2-40B4-BE49-F238E27FC236}">
+                <a16:creationId xmlns:a16="http://schemas.microsoft.com/office/drawing/2014/main" id="{55E6C9B4-8D6A-4630-8003-88D01F03202B}"/>
+              </a:ext>
+            </a:extLst>
+          </p:cNvPr>
+          <p:cNvSpPr/>
+          <p:nvPr/>
+        </p:nvSpPr>
+        <p:spPr>
+          <a:xfrm>
+            <a:off x="19037766" y="3584028"/>
+            <a:ext cx="1261241" cy="1261241"/>
+          </a:xfrm>
+          <a:prstGeom prst="ellipse">
+            <a:avLst/>
+          </a:prstGeom>
+          <a:solidFill>
+            <a:schemeClr val="bg2">
+              <a:lumMod val="90000"/>
+            </a:schemeClr>
+          </a:solidFill>
+          <a:ln>
+            <a:noFill/>
+          </a:ln>
+        </p:spPr>
+        <p:style>
+          <a:lnRef idx="2">
+            <a:schemeClr val="accent1">
+              <a:shade val="50000"/>
+            </a:schemeClr>
+          </a:lnRef>
+          <a:fillRef idx="1">
+            <a:schemeClr val="accent1"/>
+          </a:fillRef>
+          <a:effectRef idx="0">
+            <a:schemeClr val="accent1"/>
+          </a:effectRef>
+          <a:fontRef idx="minor">
+            <a:schemeClr val="lt1"/>
+          </a:fontRef>
+        </p:style>
+        <p:txBody>
+          <a:bodyPr rtlCol="0" anchor="ctr"/>
+          <a:lstStyle/>
+          <a:p>
+            <a:pPr algn="ctr"/>
+            <a:endParaRPr lang="ko-KR" altLang="en-US"/>
+          </a:p>
+        </p:txBody>
+      </p:sp>
+      <p:sp>
+        <p:nvSpPr>
+          <p:cNvPr id="22" name="타원 21">
+            <a:extLst>
+              <a:ext uri="{FF2B5EF4-FFF2-40B4-BE49-F238E27FC236}">
+                <a16:creationId xmlns:a16="http://schemas.microsoft.com/office/drawing/2014/main" id="{A2EAB108-A945-4FE0-8B5F-B13383387190}"/>
+              </a:ext>
+            </a:extLst>
+          </p:cNvPr>
+          <p:cNvSpPr/>
+          <p:nvPr/>
+        </p:nvSpPr>
+        <p:spPr>
+          <a:xfrm>
+            <a:off x="22374801" y="3584028"/>
+            <a:ext cx="1261241" cy="1261241"/>
+          </a:xfrm>
+          <a:prstGeom prst="ellipse">
+            <a:avLst/>
+          </a:prstGeom>
+          <a:solidFill>
+            <a:schemeClr val="bg2">
+              <a:lumMod val="90000"/>
+            </a:schemeClr>
+          </a:solidFill>
+          <a:ln>
+            <a:noFill/>
+          </a:ln>
+        </p:spPr>
+        <p:style>
+          <a:lnRef idx="2">
+            <a:schemeClr val="accent1">
+              <a:shade val="50000"/>
+            </a:schemeClr>
+          </a:lnRef>
+          <a:fillRef idx="1">
+            <a:schemeClr val="accent1"/>
+          </a:fillRef>
+          <a:effectRef idx="0">
+            <a:schemeClr val="accent1"/>
+          </a:effectRef>
+          <a:fontRef idx="minor">
+            <a:schemeClr val="lt1"/>
+          </a:fontRef>
+        </p:style>
+        <p:txBody>
+          <a:bodyPr rtlCol="0" anchor="ctr"/>
+          <a:lstStyle/>
+          <a:p>
+            <a:pPr algn="ctr"/>
+            <a:endParaRPr lang="ko-KR" altLang="en-US"/>
+          </a:p>
+        </p:txBody>
+      </p:sp>
+      <p:sp>
+        <p:nvSpPr>
+          <p:cNvPr id="23" name="타원 22">
+            <a:extLst>
+              <a:ext uri="{FF2B5EF4-FFF2-40B4-BE49-F238E27FC236}">
+                <a16:creationId xmlns:a16="http://schemas.microsoft.com/office/drawing/2014/main" id="{E9768501-DAA1-4A7A-BCA4-D29B1F424BE7}"/>
+              </a:ext>
+            </a:extLst>
+          </p:cNvPr>
+          <p:cNvSpPr/>
+          <p:nvPr/>
+        </p:nvSpPr>
+        <p:spPr>
+          <a:xfrm>
+            <a:off x="25431584" y="3303776"/>
+            <a:ext cx="1961979" cy="1961979"/>
+          </a:xfrm>
+          <a:prstGeom prst="ellipse">
+            <a:avLst/>
+          </a:prstGeom>
+          <a:solidFill>
+            <a:schemeClr val="bg2">
+              <a:lumMod val="90000"/>
+            </a:schemeClr>
+          </a:solidFill>
+          <a:ln>
+            <a:noFill/>
+          </a:ln>
+        </p:spPr>
+        <p:style>
+          <a:lnRef idx="2">
+            <a:schemeClr val="accent1">
+              <a:shade val="50000"/>
+            </a:schemeClr>
+          </a:lnRef>
+          <a:fillRef idx="1">
+            <a:schemeClr val="accent1"/>
+          </a:fillRef>
+          <a:effectRef idx="0">
+            <a:schemeClr val="accent1"/>
+          </a:effectRef>
+          <a:fontRef idx="minor">
+            <a:schemeClr val="lt1"/>
+          </a:fontRef>
+        </p:style>
+        <p:txBody>
+          <a:bodyPr rtlCol="0" anchor="ctr"/>
+          <a:lstStyle/>
+          <a:p>
+            <a:pPr algn="ctr"/>
+            <a:endParaRPr lang="ko-KR" altLang="en-US"/>
+          </a:p>
+        </p:txBody>
+      </p:sp>
+      <p:sp>
+        <p:nvSpPr>
+          <p:cNvPr id="24" name="타원 23">
+            <a:extLst>
+              <a:ext uri="{FF2B5EF4-FFF2-40B4-BE49-F238E27FC236}">
+                <a16:creationId xmlns:a16="http://schemas.microsoft.com/office/drawing/2014/main" id="{2D0CB411-8C11-44FE-9797-EFA6A22D41E5}"/>
+              </a:ext>
+            </a:extLst>
+          </p:cNvPr>
+          <p:cNvSpPr/>
+          <p:nvPr/>
+        </p:nvSpPr>
+        <p:spPr>
+          <a:xfrm>
+            <a:off x="29048871" y="3584028"/>
+            <a:ext cx="1261241" cy="1261241"/>
+          </a:xfrm>
+          <a:prstGeom prst="ellipse">
+            <a:avLst/>
+          </a:prstGeom>
+          <a:solidFill>
+            <a:schemeClr val="bg2">
+              <a:lumMod val="90000"/>
+            </a:schemeClr>
+          </a:solidFill>
+          <a:ln>
+            <a:noFill/>
+          </a:ln>
+        </p:spPr>
+        <p:style>
+          <a:lnRef idx="2">
+            <a:schemeClr val="accent1">
+              <a:shade val="50000"/>
+            </a:schemeClr>
+          </a:lnRef>
+          <a:fillRef idx="1">
+            <a:schemeClr val="accent1"/>
+          </a:fillRef>
+          <a:effectRef idx="0">
+            <a:schemeClr val="accent1"/>
+          </a:effectRef>
+          <a:fontRef idx="minor">
+            <a:schemeClr val="lt1"/>
+          </a:fontRef>
+        </p:style>
+        <p:txBody>
+          <a:bodyPr rtlCol="0" anchor="ctr"/>
+          <a:lstStyle/>
+          <a:p>
+            <a:pPr algn="ctr"/>
+            <a:endParaRPr lang="ko-KR" altLang="en-US"/>
+          </a:p>
+        </p:txBody>
+      </p:sp>
+      <p:sp>
+        <p:nvSpPr>
+          <p:cNvPr id="25" name="타원 24">
+            <a:extLst>
+              <a:ext uri="{FF2B5EF4-FFF2-40B4-BE49-F238E27FC236}">
+                <a16:creationId xmlns:a16="http://schemas.microsoft.com/office/drawing/2014/main" id="{01D11EA4-BDBD-4FCC-87C8-293C6E2E65F0}"/>
+              </a:ext>
+            </a:extLst>
+          </p:cNvPr>
+          <p:cNvSpPr/>
+          <p:nvPr/>
+        </p:nvSpPr>
+        <p:spPr>
+          <a:xfrm>
+            <a:off x="2352591" y="3584028"/>
+            <a:ext cx="1261241" cy="1261241"/>
+          </a:xfrm>
+          <a:prstGeom prst="ellipse">
+            <a:avLst/>
+          </a:prstGeom>
+          <a:solidFill>
+            <a:schemeClr val="bg2">
+              <a:lumMod val="90000"/>
+            </a:schemeClr>
+          </a:solidFill>
+          <a:ln>
+            <a:noFill/>
+          </a:ln>
+        </p:spPr>
+        <p:style>
+          <a:lnRef idx="2">
+            <a:schemeClr val="accent1">
+              <a:shade val="50000"/>
+            </a:schemeClr>
+          </a:lnRef>
+          <a:fillRef idx="1">
+            <a:schemeClr val="accent1"/>
+          </a:fillRef>
+          <a:effectRef idx="0">
+            <a:schemeClr val="accent1"/>
+          </a:effectRef>
+          <a:fontRef idx="minor">
+            <a:schemeClr val="lt1"/>
+          </a:fontRef>
+        </p:style>
+        <p:txBody>
+          <a:bodyPr rtlCol="0" anchor="ctr"/>
+          <a:lstStyle/>
+          <a:p>
+            <a:pPr algn="ctr"/>
+            <a:endParaRPr lang="ko-KR" altLang="en-US"/>
+          </a:p>
+        </p:txBody>
+      </p:sp>
+      <p:sp>
+        <p:nvSpPr>
+          <p:cNvPr id="26" name="타원 25">
+            <a:extLst>
+              <a:ext uri="{FF2B5EF4-FFF2-40B4-BE49-F238E27FC236}">
+                <a16:creationId xmlns:a16="http://schemas.microsoft.com/office/drawing/2014/main" id="{27D81445-B612-4D75-957F-B110D6C3C8C9}"/>
+              </a:ext>
+            </a:extLst>
+          </p:cNvPr>
+          <p:cNvSpPr/>
+          <p:nvPr/>
+        </p:nvSpPr>
+        <p:spPr>
+          <a:xfrm>
+            <a:off x="32385906" y="3584028"/>
+            <a:ext cx="1261241" cy="1261241"/>
+          </a:xfrm>
+          <a:prstGeom prst="ellipse">
+            <a:avLst/>
+          </a:prstGeom>
+          <a:solidFill>
+            <a:schemeClr val="bg2">
+              <a:lumMod val="90000"/>
+            </a:schemeClr>
+          </a:solidFill>
+          <a:ln>
+            <a:noFill/>
+          </a:ln>
+        </p:spPr>
+        <p:style>
+          <a:lnRef idx="2">
+            <a:schemeClr val="accent1">
+              <a:shade val="50000"/>
+            </a:schemeClr>
+          </a:lnRef>
+          <a:fillRef idx="1">
+            <a:schemeClr val="accent1"/>
+          </a:fillRef>
+          <a:effectRef idx="0">
+            <a:schemeClr val="accent1"/>
+          </a:effectRef>
+          <a:fontRef idx="minor">
+            <a:schemeClr val="lt1"/>
+          </a:fontRef>
+        </p:style>
+        <p:txBody>
+          <a:bodyPr rtlCol="0" anchor="ctr"/>
+          <a:lstStyle/>
+          <a:p>
+            <a:pPr algn="ctr"/>
+            <a:endParaRPr lang="ko-KR" altLang="en-US"/>
+          </a:p>
+        </p:txBody>
+      </p:sp>
+      <p:grpSp>
+        <p:nvGrpSpPr>
+          <p:cNvPr id="27" name="그룹 26">
+            <a:extLst>
+              <a:ext uri="{FF2B5EF4-FFF2-40B4-BE49-F238E27FC236}">
+                <a16:creationId xmlns:a16="http://schemas.microsoft.com/office/drawing/2014/main" id="{D311824E-9669-471A-B439-0F111DB45419}"/>
+              </a:ext>
+            </a:extLst>
+          </p:cNvPr>
+          <p:cNvGrpSpPr/>
+          <p:nvPr/>
+        </p:nvGrpSpPr>
+        <p:grpSpPr>
+          <a:xfrm>
+            <a:off x="2352591" y="5912070"/>
+            <a:ext cx="31294556" cy="1261242"/>
+            <a:chOff x="1976845" y="1255986"/>
+            <a:chExt cx="31294556" cy="1261242"/>
+          </a:xfrm>
+        </p:grpSpPr>
+        <p:sp>
+          <p:nvSpPr>
+            <p:cNvPr id="28" name="타원 27">
+              <a:extLst>
+                <a:ext uri="{FF2B5EF4-FFF2-40B4-BE49-F238E27FC236}">
+                  <a16:creationId xmlns:a16="http://schemas.microsoft.com/office/drawing/2014/main" id="{9F37885B-3294-4A3A-934B-0B9F5C41E1FC}"/>
+                </a:ext>
+              </a:extLst>
+            </p:cNvPr>
+            <p:cNvSpPr/>
+            <p:nvPr/>
+          </p:nvSpPr>
+          <p:spPr>
+            <a:xfrm>
+              <a:off x="5313880" y="1255987"/>
+              <a:ext cx="1261241" cy="1261241"/>
+            </a:xfrm>
+            <a:prstGeom prst="ellipse">
+              <a:avLst/>
+            </a:prstGeom>
+            <a:solidFill>
+              <a:schemeClr val="bg2">
+                <a:lumMod val="90000"/>
+              </a:schemeClr>
+            </a:solidFill>
+            <a:ln>
+              <a:noFill/>
+            </a:ln>
+          </p:spPr>
+          <p:style>
+            <a:lnRef idx="2">
+              <a:schemeClr val="accent1">
+                <a:shade val="50000"/>
+              </a:schemeClr>
+            </a:lnRef>
+            <a:fillRef idx="1">
+              <a:schemeClr val="accent1"/>
+            </a:fillRef>
+            <a:effectRef idx="0">
+              <a:schemeClr val="accent1"/>
+            </a:effectRef>
+            <a:fontRef idx="minor">
+              <a:schemeClr val="lt1"/>
+            </a:fontRef>
+          </p:style>
+          <p:txBody>
+            <a:bodyPr rtlCol="0" anchor="ctr"/>
+            <a:lstStyle/>
+            <a:p>
+              <a:pPr algn="ctr"/>
+              <a:endParaRPr lang="ko-KR" altLang="en-US"/>
+            </a:p>
+          </p:txBody>
+        </p:sp>
+        <p:sp>
+          <p:nvSpPr>
+            <p:cNvPr id="29" name="타원 28">
+              <a:extLst>
+                <a:ext uri="{FF2B5EF4-FFF2-40B4-BE49-F238E27FC236}">
+                  <a16:creationId xmlns:a16="http://schemas.microsoft.com/office/drawing/2014/main" id="{700D9345-3759-41D7-A293-162269A610D9}"/>
+                </a:ext>
+              </a:extLst>
+            </p:cNvPr>
+            <p:cNvSpPr/>
+            <p:nvPr/>
+          </p:nvSpPr>
+          <p:spPr>
+            <a:xfrm>
+              <a:off x="8650915" y="1255987"/>
+              <a:ext cx="1261241" cy="1261241"/>
+            </a:xfrm>
+            <a:prstGeom prst="ellipse">
+              <a:avLst/>
+            </a:prstGeom>
+            <a:solidFill>
+              <a:schemeClr val="bg2">
+                <a:lumMod val="90000"/>
+              </a:schemeClr>
+            </a:solidFill>
+            <a:ln>
+              <a:noFill/>
+            </a:ln>
+          </p:spPr>
+          <p:style>
+            <a:lnRef idx="2">
+              <a:schemeClr val="accent1">
+                <a:shade val="50000"/>
+              </a:schemeClr>
+            </a:lnRef>
+            <a:fillRef idx="1">
+              <a:schemeClr val="accent1"/>
+            </a:fillRef>
+            <a:effectRef idx="0">
+              <a:schemeClr val="accent1"/>
+            </a:effectRef>
+            <a:fontRef idx="minor">
+              <a:schemeClr val="lt1"/>
+            </a:fontRef>
+          </p:style>
+          <p:txBody>
+            <a:bodyPr rtlCol="0" anchor="ctr"/>
+            <a:lstStyle/>
+            <a:p>
+              <a:pPr algn="ctr"/>
+              <a:endParaRPr lang="ko-KR" altLang="en-US"/>
+            </a:p>
+          </p:txBody>
+        </p:sp>
+        <p:sp>
+          <p:nvSpPr>
+            <p:cNvPr id="30" name="타원 29">
+              <a:extLst>
+                <a:ext uri="{FF2B5EF4-FFF2-40B4-BE49-F238E27FC236}">
+                  <a16:creationId xmlns:a16="http://schemas.microsoft.com/office/drawing/2014/main" id="{BA85C0E8-254D-4D8C-BA77-641CD6125297}"/>
+                </a:ext>
+              </a:extLst>
+            </p:cNvPr>
+            <p:cNvSpPr/>
+            <p:nvPr/>
+          </p:nvSpPr>
+          <p:spPr>
+            <a:xfrm>
+              <a:off x="11987950" y="1255987"/>
+              <a:ext cx="1261241" cy="1261241"/>
+            </a:xfrm>
+            <a:prstGeom prst="ellipse">
+              <a:avLst/>
+            </a:prstGeom>
+            <a:solidFill>
+              <a:schemeClr val="bg2">
+                <a:lumMod val="90000"/>
+              </a:schemeClr>
+            </a:solidFill>
+            <a:ln>
+              <a:noFill/>
+            </a:ln>
+          </p:spPr>
+          <p:style>
+            <a:lnRef idx="2">
+              <a:schemeClr val="accent1">
+                <a:shade val="50000"/>
+              </a:schemeClr>
+            </a:lnRef>
+            <a:fillRef idx="1">
+              <a:schemeClr val="accent1"/>
+            </a:fillRef>
+            <a:effectRef idx="0">
+              <a:schemeClr val="accent1"/>
+            </a:effectRef>
+            <a:fontRef idx="minor">
+              <a:schemeClr val="lt1"/>
+            </a:fontRef>
+          </p:style>
+          <p:txBody>
+            <a:bodyPr rtlCol="0" anchor="ctr"/>
+            <a:lstStyle/>
+            <a:p>
+              <a:pPr algn="ctr"/>
+              <a:endParaRPr lang="ko-KR" altLang="en-US"/>
+            </a:p>
+          </p:txBody>
+        </p:sp>
+        <p:sp>
+          <p:nvSpPr>
+            <p:cNvPr id="31" name="타원 30">
+              <a:extLst>
+                <a:ext uri="{FF2B5EF4-FFF2-40B4-BE49-F238E27FC236}">
+                  <a16:creationId xmlns:a16="http://schemas.microsoft.com/office/drawing/2014/main" id="{FF04D058-4EBE-4CDA-A20D-D6C837F3FC69}"/>
+                </a:ext>
+              </a:extLst>
+            </p:cNvPr>
+            <p:cNvSpPr/>
+            <p:nvPr/>
+          </p:nvSpPr>
+          <p:spPr>
+            <a:xfrm>
+              <a:off x="15324985" y="1255986"/>
+              <a:ext cx="1261241" cy="1261241"/>
+            </a:xfrm>
+            <a:prstGeom prst="ellipse">
+              <a:avLst/>
+            </a:prstGeom>
+            <a:solidFill>
+              <a:schemeClr val="bg2">
+                <a:lumMod val="90000"/>
+              </a:schemeClr>
+            </a:solidFill>
+            <a:ln>
+              <a:noFill/>
+            </a:ln>
+          </p:spPr>
+          <p:style>
+            <a:lnRef idx="2">
+              <a:schemeClr val="accent1">
+                <a:shade val="50000"/>
+              </a:schemeClr>
+            </a:lnRef>
+            <a:fillRef idx="1">
+              <a:schemeClr val="accent1"/>
+            </a:fillRef>
+            <a:effectRef idx="0">
+              <a:schemeClr val="accent1"/>
+            </a:effectRef>
+            <a:fontRef idx="minor">
+              <a:schemeClr val="lt1"/>
+            </a:fontRef>
+          </p:style>
+          <p:txBody>
+            <a:bodyPr rtlCol="0" anchor="ctr"/>
+            <a:lstStyle/>
+            <a:p>
+              <a:pPr algn="ctr"/>
+              <a:endParaRPr lang="ko-KR" altLang="en-US"/>
+            </a:p>
+          </p:txBody>
+        </p:sp>
+        <p:sp>
+          <p:nvSpPr>
+            <p:cNvPr id="32" name="타원 31">
+              <a:extLst>
+                <a:ext uri="{FF2B5EF4-FFF2-40B4-BE49-F238E27FC236}">
+                  <a16:creationId xmlns:a16="http://schemas.microsoft.com/office/drawing/2014/main" id="{BCA1D5DF-63EA-4AFB-82D2-71D4847556F6}"/>
+                </a:ext>
+              </a:extLst>
+            </p:cNvPr>
+            <p:cNvSpPr/>
+            <p:nvPr/>
+          </p:nvSpPr>
+          <p:spPr>
+            <a:xfrm>
+              <a:off x="18662020" y="1255986"/>
+              <a:ext cx="1261241" cy="1261241"/>
+            </a:xfrm>
+            <a:prstGeom prst="ellipse">
+              <a:avLst/>
+            </a:prstGeom>
+            <a:solidFill>
+              <a:schemeClr val="bg2">
+                <a:lumMod val="90000"/>
+              </a:schemeClr>
+            </a:solidFill>
+            <a:ln>
+              <a:noFill/>
+            </a:ln>
+          </p:spPr>
+          <p:style>
+            <a:lnRef idx="2">
+              <a:schemeClr val="accent1">
+                <a:shade val="50000"/>
+              </a:schemeClr>
+            </a:lnRef>
+            <a:fillRef idx="1">
+              <a:schemeClr val="accent1"/>
+            </a:fillRef>
+            <a:effectRef idx="0">
+              <a:schemeClr val="accent1"/>
+            </a:effectRef>
+            <a:fontRef idx="minor">
+              <a:schemeClr val="lt1"/>
+            </a:fontRef>
+          </p:style>
+          <p:txBody>
+            <a:bodyPr rtlCol="0" anchor="ctr"/>
+            <a:lstStyle/>
+            <a:p>
+              <a:pPr algn="ctr"/>
+              <a:endParaRPr lang="ko-KR" altLang="en-US"/>
+            </a:p>
+          </p:txBody>
+        </p:sp>
+        <p:sp>
+          <p:nvSpPr>
+            <p:cNvPr id="33" name="타원 32">
+              <a:extLst>
+                <a:ext uri="{FF2B5EF4-FFF2-40B4-BE49-F238E27FC236}">
+                  <a16:creationId xmlns:a16="http://schemas.microsoft.com/office/drawing/2014/main" id="{D3175F7E-E188-4A02-BE15-1EE30B844413}"/>
+                </a:ext>
+              </a:extLst>
+            </p:cNvPr>
+            <p:cNvSpPr/>
+            <p:nvPr/>
+          </p:nvSpPr>
+          <p:spPr>
+            <a:xfrm>
+              <a:off x="21999055" y="1255986"/>
+              <a:ext cx="1261241" cy="1261241"/>
+            </a:xfrm>
+            <a:prstGeom prst="ellipse">
+              <a:avLst/>
+            </a:prstGeom>
+            <a:solidFill>
+              <a:schemeClr val="bg2">
+                <a:lumMod val="90000"/>
+              </a:schemeClr>
+            </a:solidFill>
+            <a:ln>
+              <a:noFill/>
+            </a:ln>
+          </p:spPr>
+          <p:style>
+            <a:lnRef idx="2">
+              <a:schemeClr val="accent1">
+                <a:shade val="50000"/>
+              </a:schemeClr>
+            </a:lnRef>
+            <a:fillRef idx="1">
+              <a:schemeClr val="accent1"/>
+            </a:fillRef>
+            <a:effectRef idx="0">
+              <a:schemeClr val="accent1"/>
+            </a:effectRef>
+            <a:fontRef idx="minor">
+              <a:schemeClr val="lt1"/>
+            </a:fontRef>
+          </p:style>
+          <p:txBody>
+            <a:bodyPr rtlCol="0" anchor="ctr"/>
+            <a:lstStyle/>
+            <a:p>
+              <a:pPr algn="ctr"/>
+              <a:endParaRPr lang="ko-KR" altLang="en-US"/>
+            </a:p>
+          </p:txBody>
+        </p:sp>
+        <p:sp>
+          <p:nvSpPr>
+            <p:cNvPr id="34" name="타원 33">
+              <a:extLst>
+                <a:ext uri="{FF2B5EF4-FFF2-40B4-BE49-F238E27FC236}">
+                  <a16:creationId xmlns:a16="http://schemas.microsoft.com/office/drawing/2014/main" id="{543DF3F5-F7C7-43C6-B035-3558A3FFCED2}"/>
+                </a:ext>
+              </a:extLst>
+            </p:cNvPr>
+            <p:cNvSpPr/>
+            <p:nvPr/>
+          </p:nvSpPr>
+          <p:spPr>
+            <a:xfrm>
+              <a:off x="25336090" y="1255986"/>
+              <a:ext cx="1261241" cy="1261241"/>
+            </a:xfrm>
+            <a:prstGeom prst="ellipse">
+              <a:avLst/>
+            </a:prstGeom>
+            <a:solidFill>
+              <a:schemeClr val="bg2">
+                <a:lumMod val="90000"/>
+              </a:schemeClr>
+            </a:solidFill>
+            <a:ln>
+              <a:noFill/>
+            </a:ln>
+          </p:spPr>
+          <p:style>
+            <a:lnRef idx="2">
+              <a:schemeClr val="accent1">
+                <a:shade val="50000"/>
+              </a:schemeClr>
+            </a:lnRef>
+            <a:fillRef idx="1">
+              <a:schemeClr val="accent1"/>
+            </a:fillRef>
+            <a:effectRef idx="0">
+              <a:schemeClr val="accent1"/>
+            </a:effectRef>
+            <a:fontRef idx="minor">
+              <a:schemeClr val="lt1"/>
+            </a:fontRef>
+          </p:style>
+          <p:txBody>
+            <a:bodyPr rtlCol="0" anchor="ctr"/>
+            <a:lstStyle/>
+            <a:p>
+              <a:pPr algn="ctr"/>
+              <a:endParaRPr lang="ko-KR" altLang="en-US"/>
+            </a:p>
+          </p:txBody>
+        </p:sp>
+        <p:sp>
+          <p:nvSpPr>
+            <p:cNvPr id="35" name="타원 34">
+              <a:extLst>
+                <a:ext uri="{FF2B5EF4-FFF2-40B4-BE49-F238E27FC236}">
+                  <a16:creationId xmlns:a16="http://schemas.microsoft.com/office/drawing/2014/main" id="{1104B31F-16E6-4903-B594-F9052F454CF0}"/>
+                </a:ext>
+              </a:extLst>
+            </p:cNvPr>
+            <p:cNvSpPr/>
+            <p:nvPr/>
+          </p:nvSpPr>
+          <p:spPr>
+            <a:xfrm>
+              <a:off x="28673125" y="1255986"/>
+              <a:ext cx="1261241" cy="1261241"/>
+            </a:xfrm>
+            <a:prstGeom prst="ellipse">
+              <a:avLst/>
+            </a:prstGeom>
+            <a:solidFill>
+              <a:schemeClr val="bg2">
+                <a:lumMod val="90000"/>
+              </a:schemeClr>
+            </a:solidFill>
+            <a:ln>
+              <a:noFill/>
+            </a:ln>
+          </p:spPr>
+          <p:style>
+            <a:lnRef idx="2">
+              <a:schemeClr val="accent1">
+                <a:shade val="50000"/>
+              </a:schemeClr>
+            </a:lnRef>
+            <a:fillRef idx="1">
+              <a:schemeClr val="accent1"/>
+            </a:fillRef>
+            <a:effectRef idx="0">
+              <a:schemeClr val="accent1"/>
+            </a:effectRef>
+            <a:fontRef idx="minor">
+              <a:schemeClr val="lt1"/>
+            </a:fontRef>
+          </p:style>
+          <p:txBody>
+            <a:bodyPr rtlCol="0" anchor="ctr"/>
+            <a:lstStyle/>
+            <a:p>
+              <a:pPr algn="ctr"/>
+              <a:endParaRPr lang="ko-KR" altLang="en-US"/>
+            </a:p>
+          </p:txBody>
+        </p:sp>
+        <p:sp>
+          <p:nvSpPr>
+            <p:cNvPr id="36" name="타원 35">
+              <a:extLst>
+                <a:ext uri="{FF2B5EF4-FFF2-40B4-BE49-F238E27FC236}">
+                  <a16:creationId xmlns:a16="http://schemas.microsoft.com/office/drawing/2014/main" id="{5E305381-1554-4674-BC74-121B090817B9}"/>
+                </a:ext>
+              </a:extLst>
+            </p:cNvPr>
+            <p:cNvSpPr/>
+            <p:nvPr/>
+          </p:nvSpPr>
+          <p:spPr>
+            <a:xfrm>
+              <a:off x="1976845" y="1255986"/>
+              <a:ext cx="1261241" cy="1261241"/>
+            </a:xfrm>
+            <a:prstGeom prst="ellipse">
+              <a:avLst/>
+            </a:prstGeom>
+            <a:solidFill>
+              <a:schemeClr val="bg2">
+                <a:lumMod val="90000"/>
+              </a:schemeClr>
+            </a:solidFill>
+            <a:ln>
+              <a:noFill/>
+            </a:ln>
+          </p:spPr>
+          <p:style>
+            <a:lnRef idx="2">
+              <a:schemeClr val="accent1">
+                <a:shade val="50000"/>
+              </a:schemeClr>
+            </a:lnRef>
+            <a:fillRef idx="1">
+              <a:schemeClr val="accent1"/>
+            </a:fillRef>
+            <a:effectRef idx="0">
+              <a:schemeClr val="accent1"/>
+            </a:effectRef>
+            <a:fontRef idx="minor">
+              <a:schemeClr val="lt1"/>
+            </a:fontRef>
+          </p:style>
+          <p:txBody>
+            <a:bodyPr rtlCol="0" anchor="ctr"/>
+            <a:lstStyle/>
+            <a:p>
+              <a:pPr algn="ctr"/>
+              <a:endParaRPr lang="ko-KR" altLang="en-US"/>
+            </a:p>
+          </p:txBody>
+        </p:sp>
+        <p:sp>
+          <p:nvSpPr>
+            <p:cNvPr id="37" name="타원 36">
+              <a:extLst>
+                <a:ext uri="{FF2B5EF4-FFF2-40B4-BE49-F238E27FC236}">
+                  <a16:creationId xmlns:a16="http://schemas.microsoft.com/office/drawing/2014/main" id="{B86302D6-087E-48AE-8269-6CFA96C09A04}"/>
+                </a:ext>
+              </a:extLst>
+            </p:cNvPr>
+            <p:cNvSpPr/>
+            <p:nvPr/>
+          </p:nvSpPr>
+          <p:spPr>
+            <a:xfrm>
+              <a:off x="32010160" y="1255986"/>
+              <a:ext cx="1261241" cy="1261241"/>
+            </a:xfrm>
+            <a:prstGeom prst="ellipse">
+              <a:avLst/>
+            </a:prstGeom>
+            <a:solidFill>
+              <a:schemeClr val="bg2">
+                <a:lumMod val="90000"/>
+              </a:schemeClr>
+            </a:solidFill>
+            <a:ln>
+              <a:noFill/>
+            </a:ln>
+          </p:spPr>
+          <p:style>
+            <a:lnRef idx="2">
+              <a:schemeClr val="accent1">
+                <a:shade val="50000"/>
+              </a:schemeClr>
+            </a:lnRef>
+            <a:fillRef idx="1">
+              <a:schemeClr val="accent1"/>
+            </a:fillRef>
+            <a:effectRef idx="0">
+              <a:schemeClr val="accent1"/>
+            </a:effectRef>
+            <a:fontRef idx="minor">
+              <a:schemeClr val="lt1"/>
+            </a:fontRef>
+          </p:style>
+          <p:txBody>
+            <a:bodyPr rtlCol="0" anchor="ctr"/>
+            <a:lstStyle/>
+            <a:p>
+              <a:pPr algn="ctr"/>
+              <a:endParaRPr lang="ko-KR" altLang="en-US"/>
+            </a:p>
+          </p:txBody>
+        </p:sp>
+      </p:grpSp>
+      <p:sp>
+        <p:nvSpPr>
+          <p:cNvPr id="39" name="타원 38">
+            <a:extLst>
+              <a:ext uri="{FF2B5EF4-FFF2-40B4-BE49-F238E27FC236}">
+                <a16:creationId xmlns:a16="http://schemas.microsoft.com/office/drawing/2014/main" id="{3F979730-55E7-42DC-ACDF-FC75B0C690C6}"/>
+              </a:ext>
+            </a:extLst>
+          </p:cNvPr>
+          <p:cNvSpPr/>
+          <p:nvPr/>
+        </p:nvSpPr>
+        <p:spPr>
+          <a:xfrm>
+            <a:off x="5689626" y="8240113"/>
+            <a:ext cx="1261241" cy="1261241"/>
+          </a:xfrm>
+          <a:prstGeom prst="ellipse">
+            <a:avLst/>
+          </a:prstGeom>
+          <a:solidFill>
+            <a:schemeClr val="bg2">
+              <a:lumMod val="90000"/>
+            </a:schemeClr>
+          </a:solidFill>
+          <a:ln>
+            <a:noFill/>
+          </a:ln>
+        </p:spPr>
+        <p:style>
+          <a:lnRef idx="2">
+            <a:schemeClr val="accent1">
+              <a:shade val="50000"/>
+            </a:schemeClr>
+          </a:lnRef>
+          <a:fillRef idx="1">
+            <a:schemeClr val="accent1"/>
+          </a:fillRef>
+          <a:effectRef idx="0">
+            <a:schemeClr val="accent1"/>
+          </a:effectRef>
+          <a:fontRef idx="minor">
+            <a:schemeClr val="lt1"/>
+          </a:fontRef>
+        </p:style>
+        <p:txBody>
+          <a:bodyPr rtlCol="0" anchor="ctr"/>
+          <a:lstStyle/>
+          <a:p>
+            <a:pPr algn="ctr"/>
+            <a:endParaRPr lang="ko-KR" altLang="en-US"/>
+          </a:p>
+        </p:txBody>
+      </p:sp>
+      <p:sp>
+        <p:nvSpPr>
+          <p:cNvPr id="40" name="타원 39">
+            <a:extLst>
+              <a:ext uri="{FF2B5EF4-FFF2-40B4-BE49-F238E27FC236}">
+                <a16:creationId xmlns:a16="http://schemas.microsoft.com/office/drawing/2014/main" id="{22CD9A46-2C52-4798-B4DB-249A94CC2D4F}"/>
+              </a:ext>
+            </a:extLst>
+          </p:cNvPr>
+          <p:cNvSpPr/>
+          <p:nvPr/>
+        </p:nvSpPr>
+        <p:spPr>
+          <a:xfrm>
+            <a:off x="9026661" y="8240113"/>
+            <a:ext cx="1261241" cy="1261241"/>
+          </a:xfrm>
+          <a:prstGeom prst="ellipse">
+            <a:avLst/>
+          </a:prstGeom>
+          <a:solidFill>
+            <a:schemeClr val="bg2">
+              <a:lumMod val="90000"/>
+            </a:schemeClr>
+          </a:solidFill>
+          <a:ln>
+            <a:noFill/>
+          </a:ln>
+        </p:spPr>
+        <p:style>
+          <a:lnRef idx="2">
+            <a:schemeClr val="accent1">
+              <a:shade val="50000"/>
+            </a:schemeClr>
+          </a:lnRef>
+          <a:fillRef idx="1">
+            <a:schemeClr val="accent1"/>
+          </a:fillRef>
+          <a:effectRef idx="0">
+            <a:schemeClr val="accent1"/>
+          </a:effectRef>
+          <a:fontRef idx="minor">
+            <a:schemeClr val="lt1"/>
+          </a:fontRef>
+        </p:style>
+        <p:txBody>
+          <a:bodyPr rtlCol="0" anchor="ctr"/>
+          <a:lstStyle/>
+          <a:p>
+            <a:pPr algn="ctr"/>
+            <a:endParaRPr lang="ko-KR" altLang="en-US"/>
+          </a:p>
+        </p:txBody>
+      </p:sp>
+      <p:sp>
+        <p:nvSpPr>
+          <p:cNvPr id="41" name="타원 40">
+            <a:extLst>
+              <a:ext uri="{FF2B5EF4-FFF2-40B4-BE49-F238E27FC236}">
+                <a16:creationId xmlns:a16="http://schemas.microsoft.com/office/drawing/2014/main" id="{2D811CF0-8B56-4B0A-B273-616F5E66214F}"/>
+              </a:ext>
+            </a:extLst>
+          </p:cNvPr>
+          <p:cNvSpPr/>
+          <p:nvPr/>
+        </p:nvSpPr>
+        <p:spPr>
+          <a:xfrm>
+            <a:off x="12363696" y="8240113"/>
+            <a:ext cx="1261241" cy="1261241"/>
+          </a:xfrm>
+          <a:prstGeom prst="ellipse">
+            <a:avLst/>
+          </a:prstGeom>
+          <a:solidFill>
+            <a:schemeClr val="bg2">
+              <a:lumMod val="90000"/>
+            </a:schemeClr>
+          </a:solidFill>
+          <a:ln>
+            <a:noFill/>
+          </a:ln>
+        </p:spPr>
+        <p:style>
+          <a:lnRef idx="2">
+            <a:schemeClr val="accent1">
+              <a:shade val="50000"/>
+            </a:schemeClr>
+          </a:lnRef>
+          <a:fillRef idx="1">
+            <a:schemeClr val="accent1"/>
+          </a:fillRef>
+          <a:effectRef idx="0">
+            <a:schemeClr val="accent1"/>
+          </a:effectRef>
+          <a:fontRef idx="minor">
+            <a:schemeClr val="lt1"/>
+          </a:fontRef>
+        </p:style>
+        <p:txBody>
+          <a:bodyPr rtlCol="0" anchor="ctr"/>
+          <a:lstStyle/>
+          <a:p>
+            <a:pPr algn="ctr"/>
+            <a:endParaRPr lang="ko-KR" altLang="en-US"/>
+          </a:p>
+        </p:txBody>
+      </p:sp>
+      <p:sp>
+        <p:nvSpPr>
+          <p:cNvPr id="42" name="타원 41">
+            <a:extLst>
+              <a:ext uri="{FF2B5EF4-FFF2-40B4-BE49-F238E27FC236}">
+                <a16:creationId xmlns:a16="http://schemas.microsoft.com/office/drawing/2014/main" id="{74218B95-9BCD-4ED0-8D8A-E317D22102B3}"/>
+              </a:ext>
+            </a:extLst>
+          </p:cNvPr>
+          <p:cNvSpPr/>
+          <p:nvPr/>
+        </p:nvSpPr>
+        <p:spPr>
+          <a:xfrm>
+            <a:off x="15370517" y="7909898"/>
+            <a:ext cx="1862055" cy="1862055"/>
+          </a:xfrm>
+          <a:prstGeom prst="ellipse">
+            <a:avLst/>
+          </a:prstGeom>
+          <a:solidFill>
+            <a:schemeClr val="bg2">
+              <a:lumMod val="90000"/>
+            </a:schemeClr>
+          </a:solidFill>
+          <a:ln>
+            <a:noFill/>
+          </a:ln>
+        </p:spPr>
+        <p:style>
+          <a:lnRef idx="2">
+            <a:schemeClr val="accent1">
+              <a:shade val="50000"/>
+            </a:schemeClr>
+          </a:lnRef>
+          <a:fillRef idx="1">
+            <a:schemeClr val="accent1"/>
+          </a:fillRef>
+          <a:effectRef idx="0">
+            <a:schemeClr val="accent1"/>
+          </a:effectRef>
+          <a:fontRef idx="minor">
+            <a:schemeClr val="lt1"/>
+          </a:fontRef>
+        </p:style>
+        <p:txBody>
+          <a:bodyPr rtlCol="0" anchor="ctr"/>
+          <a:lstStyle/>
+          <a:p>
+            <a:pPr algn="ctr"/>
+            <a:endParaRPr lang="ko-KR" altLang="en-US"/>
+          </a:p>
+        </p:txBody>
+      </p:sp>
+      <p:sp>
+        <p:nvSpPr>
+          <p:cNvPr id="43" name="타원 42">
+            <a:extLst>
+              <a:ext uri="{FF2B5EF4-FFF2-40B4-BE49-F238E27FC236}">
+                <a16:creationId xmlns:a16="http://schemas.microsoft.com/office/drawing/2014/main" id="{28D4704A-39E9-4F30-8D8D-59FC7FBB2251}"/>
+              </a:ext>
+            </a:extLst>
+          </p:cNvPr>
+          <p:cNvSpPr/>
+          <p:nvPr/>
+        </p:nvSpPr>
+        <p:spPr>
+          <a:xfrm>
+            <a:off x="19037766" y="8240112"/>
+            <a:ext cx="1261241" cy="1261241"/>
+          </a:xfrm>
+          <a:prstGeom prst="ellipse">
+            <a:avLst/>
+          </a:prstGeom>
+          <a:solidFill>
+            <a:schemeClr val="bg2">
+              <a:lumMod val="90000"/>
+            </a:schemeClr>
+          </a:solidFill>
+          <a:ln>
+            <a:noFill/>
+          </a:ln>
+        </p:spPr>
+        <p:style>
+          <a:lnRef idx="2">
+            <a:schemeClr val="accent1">
+              <a:shade val="50000"/>
+            </a:schemeClr>
+          </a:lnRef>
+          <a:fillRef idx="1">
+            <a:schemeClr val="accent1"/>
+          </a:fillRef>
+          <a:effectRef idx="0">
+            <a:schemeClr val="accent1"/>
+          </a:effectRef>
+          <a:fontRef idx="minor">
+            <a:schemeClr val="lt1"/>
+          </a:fontRef>
+        </p:style>
+        <p:txBody>
+          <a:bodyPr rtlCol="0" anchor="ctr"/>
+          <a:lstStyle/>
+          <a:p>
+            <a:pPr algn="ctr"/>
+            <a:endParaRPr lang="ko-KR" altLang="en-US"/>
+          </a:p>
+        </p:txBody>
+      </p:sp>
+      <p:sp>
+        <p:nvSpPr>
+          <p:cNvPr id="44" name="타원 43">
+            <a:extLst>
+              <a:ext uri="{FF2B5EF4-FFF2-40B4-BE49-F238E27FC236}">
+                <a16:creationId xmlns:a16="http://schemas.microsoft.com/office/drawing/2014/main" id="{DFDB4E45-1725-4C70-8B05-E923C61A5B1C}"/>
+              </a:ext>
+            </a:extLst>
+          </p:cNvPr>
+          <p:cNvSpPr/>
+          <p:nvPr/>
+        </p:nvSpPr>
+        <p:spPr>
+          <a:xfrm>
+            <a:off x="22374801" y="8240112"/>
+            <a:ext cx="1261241" cy="1261241"/>
+          </a:xfrm>
+          <a:prstGeom prst="ellipse">
+            <a:avLst/>
+          </a:prstGeom>
+          <a:solidFill>
+            <a:schemeClr val="bg2">
+              <a:lumMod val="90000"/>
+            </a:schemeClr>
+          </a:solidFill>
+          <a:ln>
+            <a:noFill/>
+          </a:ln>
+        </p:spPr>
+        <p:style>
+          <a:lnRef idx="2">
+            <a:schemeClr val="accent1">
+              <a:shade val="50000"/>
+            </a:schemeClr>
+          </a:lnRef>
+          <a:fillRef idx="1">
+            <a:schemeClr val="accent1"/>
+          </a:fillRef>
+          <a:effectRef idx="0">
+            <a:schemeClr val="accent1"/>
+          </a:effectRef>
+          <a:fontRef idx="minor">
+            <a:schemeClr val="lt1"/>
+          </a:fontRef>
+        </p:style>
+        <p:txBody>
+          <a:bodyPr rtlCol="0" anchor="ctr"/>
+          <a:lstStyle/>
+          <a:p>
+            <a:pPr algn="ctr"/>
+            <a:endParaRPr lang="ko-KR" altLang="en-US"/>
+          </a:p>
+        </p:txBody>
+      </p:sp>
+      <p:sp>
+        <p:nvSpPr>
+          <p:cNvPr id="45" name="타원 44">
+            <a:extLst>
+              <a:ext uri="{FF2B5EF4-FFF2-40B4-BE49-F238E27FC236}">
+                <a16:creationId xmlns:a16="http://schemas.microsoft.com/office/drawing/2014/main" id="{92E75B89-9C56-4F07-A103-2E7BF488E651}"/>
+              </a:ext>
+            </a:extLst>
+          </p:cNvPr>
+          <p:cNvSpPr/>
+          <p:nvPr/>
+        </p:nvSpPr>
+        <p:spPr>
+          <a:xfrm>
+            <a:off x="25711836" y="8240112"/>
+            <a:ext cx="1261241" cy="1261241"/>
+          </a:xfrm>
+          <a:prstGeom prst="ellipse">
+            <a:avLst/>
+          </a:prstGeom>
+          <a:solidFill>
+            <a:schemeClr val="bg2">
+              <a:lumMod val="90000"/>
+            </a:schemeClr>
+          </a:solidFill>
+          <a:ln>
+            <a:noFill/>
+          </a:ln>
+        </p:spPr>
+        <p:style>
+          <a:lnRef idx="2">
+            <a:schemeClr val="accent1">
+              <a:shade val="50000"/>
+            </a:schemeClr>
+          </a:lnRef>
+          <a:fillRef idx="1">
+            <a:schemeClr val="accent1"/>
+          </a:fillRef>
+          <a:effectRef idx="0">
+            <a:schemeClr val="accent1"/>
+          </a:effectRef>
+          <a:fontRef idx="minor">
+            <a:schemeClr val="lt1"/>
+          </a:fontRef>
+        </p:style>
+        <p:txBody>
+          <a:bodyPr rtlCol="0" anchor="ctr"/>
+          <a:lstStyle/>
+          <a:p>
+            <a:pPr algn="ctr"/>
+            <a:endParaRPr lang="ko-KR" altLang="en-US"/>
+          </a:p>
+        </p:txBody>
+      </p:sp>
+      <p:sp>
+        <p:nvSpPr>
+          <p:cNvPr id="46" name="타원 45">
+            <a:extLst>
+              <a:ext uri="{FF2B5EF4-FFF2-40B4-BE49-F238E27FC236}">
+                <a16:creationId xmlns:a16="http://schemas.microsoft.com/office/drawing/2014/main" id="{19EA51A7-58FF-408D-A27C-A3A4AA8A5099}"/>
+              </a:ext>
+            </a:extLst>
+          </p:cNvPr>
+          <p:cNvSpPr/>
+          <p:nvPr/>
+        </p:nvSpPr>
+        <p:spPr>
+          <a:xfrm>
+            <a:off x="29048871" y="8240112"/>
+            <a:ext cx="1261241" cy="1261241"/>
+          </a:xfrm>
+          <a:prstGeom prst="ellipse">
+            <a:avLst/>
+          </a:prstGeom>
+          <a:solidFill>
+            <a:schemeClr val="bg2">
+              <a:lumMod val="90000"/>
+            </a:schemeClr>
+          </a:solidFill>
+          <a:ln>
+            <a:noFill/>
+          </a:ln>
+        </p:spPr>
+        <p:style>
+          <a:lnRef idx="2">
+            <a:schemeClr val="accent1">
+              <a:shade val="50000"/>
+            </a:schemeClr>
+          </a:lnRef>
+          <a:fillRef idx="1">
+            <a:schemeClr val="accent1"/>
+          </a:fillRef>
+          <a:effectRef idx="0">
+            <a:schemeClr val="accent1"/>
+          </a:effectRef>
+          <a:fontRef idx="minor">
+            <a:schemeClr val="lt1"/>
+          </a:fontRef>
+        </p:style>
+        <p:txBody>
+          <a:bodyPr rtlCol="0" anchor="ctr"/>
+          <a:lstStyle/>
+          <a:p>
+            <a:pPr algn="ctr"/>
+            <a:endParaRPr lang="ko-KR" altLang="en-US"/>
+          </a:p>
+        </p:txBody>
+      </p:sp>
+      <p:sp>
+        <p:nvSpPr>
+          <p:cNvPr id="47" name="타원 46">
+            <a:extLst>
+              <a:ext uri="{FF2B5EF4-FFF2-40B4-BE49-F238E27FC236}">
+                <a16:creationId xmlns:a16="http://schemas.microsoft.com/office/drawing/2014/main" id="{33845E30-76BD-4CF9-96D3-3E9EC4F1C8AF}"/>
+              </a:ext>
+            </a:extLst>
+          </p:cNvPr>
+          <p:cNvSpPr/>
+          <p:nvPr/>
+        </p:nvSpPr>
+        <p:spPr>
+          <a:xfrm>
+            <a:off x="2352591" y="8240112"/>
+            <a:ext cx="1261241" cy="1261241"/>
+          </a:xfrm>
+          <a:prstGeom prst="ellipse">
+            <a:avLst/>
+          </a:prstGeom>
+          <a:solidFill>
+            <a:schemeClr val="bg2">
+              <a:lumMod val="90000"/>
+            </a:schemeClr>
+          </a:solidFill>
+          <a:ln>
+            <a:noFill/>
+          </a:ln>
+        </p:spPr>
+        <p:style>
+          <a:lnRef idx="2">
+            <a:schemeClr val="accent1">
+              <a:shade val="50000"/>
+            </a:schemeClr>
+          </a:lnRef>
+          <a:fillRef idx="1">
+            <a:schemeClr val="accent1"/>
+          </a:fillRef>
+          <a:effectRef idx="0">
+            <a:schemeClr val="accent1"/>
+          </a:effectRef>
+          <a:fontRef idx="minor">
+            <a:schemeClr val="lt1"/>
+          </a:fontRef>
+        </p:style>
+        <p:txBody>
+          <a:bodyPr rtlCol="0" anchor="ctr"/>
+          <a:lstStyle/>
+          <a:p>
+            <a:pPr algn="ctr"/>
+            <a:endParaRPr lang="ko-KR" altLang="en-US"/>
+          </a:p>
+        </p:txBody>
+      </p:sp>
+      <p:sp>
+        <p:nvSpPr>
+          <p:cNvPr id="48" name="타원 47">
+            <a:extLst>
+              <a:ext uri="{FF2B5EF4-FFF2-40B4-BE49-F238E27FC236}">
+                <a16:creationId xmlns:a16="http://schemas.microsoft.com/office/drawing/2014/main" id="{15F67221-49DC-4162-B00E-87F92BF06ECA}"/>
+              </a:ext>
+            </a:extLst>
+          </p:cNvPr>
+          <p:cNvSpPr/>
+          <p:nvPr/>
+        </p:nvSpPr>
+        <p:spPr>
+          <a:xfrm>
+            <a:off x="32385906" y="8240112"/>
+            <a:ext cx="1261241" cy="1261241"/>
+          </a:xfrm>
+          <a:prstGeom prst="ellipse">
+            <a:avLst/>
+          </a:prstGeom>
+          <a:solidFill>
+            <a:schemeClr val="bg2">
+              <a:lumMod val="90000"/>
+            </a:schemeClr>
+          </a:solidFill>
+          <a:ln>
+            <a:noFill/>
+          </a:ln>
+        </p:spPr>
+        <p:style>
+          <a:lnRef idx="2">
+            <a:schemeClr val="accent1">
+              <a:shade val="50000"/>
+            </a:schemeClr>
+          </a:lnRef>
+          <a:fillRef idx="1">
+            <a:schemeClr val="accent1"/>
+          </a:fillRef>
+          <a:effectRef idx="0">
+            <a:schemeClr val="accent1"/>
+          </a:effectRef>
+          <a:fontRef idx="minor">
+            <a:schemeClr val="lt1"/>
+          </a:fontRef>
+        </p:style>
+        <p:txBody>
+          <a:bodyPr rtlCol="0" anchor="ctr"/>
+          <a:lstStyle/>
+          <a:p>
+            <a:pPr algn="ctr"/>
+            <a:endParaRPr lang="ko-KR" altLang="en-US"/>
+          </a:p>
+        </p:txBody>
+      </p:sp>
+      <p:grpSp>
+        <p:nvGrpSpPr>
+          <p:cNvPr id="49" name="그룹 48">
+            <a:extLst>
+              <a:ext uri="{FF2B5EF4-FFF2-40B4-BE49-F238E27FC236}">
+                <a16:creationId xmlns:a16="http://schemas.microsoft.com/office/drawing/2014/main" id="{8460639B-17A0-418F-955D-89B03CCA229A}"/>
+              </a:ext>
+            </a:extLst>
+          </p:cNvPr>
+          <p:cNvGrpSpPr/>
+          <p:nvPr/>
+        </p:nvGrpSpPr>
+        <p:grpSpPr>
+          <a:xfrm>
+            <a:off x="2352591" y="10568154"/>
+            <a:ext cx="31294556" cy="1261242"/>
+            <a:chOff x="1976845" y="1255986"/>
+            <a:chExt cx="31294556" cy="1261242"/>
+          </a:xfrm>
+        </p:grpSpPr>
+        <p:sp>
+          <p:nvSpPr>
+            <p:cNvPr id="50" name="타원 49">
+              <a:extLst>
+                <a:ext uri="{FF2B5EF4-FFF2-40B4-BE49-F238E27FC236}">
+                  <a16:creationId xmlns:a16="http://schemas.microsoft.com/office/drawing/2014/main" id="{16767A4F-EF1B-4CBB-B989-04A5E786639B}"/>
+                </a:ext>
+              </a:extLst>
+            </p:cNvPr>
+            <p:cNvSpPr/>
+            <p:nvPr/>
+          </p:nvSpPr>
+          <p:spPr>
+            <a:xfrm>
+              <a:off x="5313880" y="1255987"/>
+              <a:ext cx="1261241" cy="1261241"/>
+            </a:xfrm>
+            <a:prstGeom prst="ellipse">
+              <a:avLst/>
+            </a:prstGeom>
+            <a:solidFill>
+              <a:schemeClr val="bg2">
+                <a:lumMod val="90000"/>
+              </a:schemeClr>
+            </a:solidFill>
+            <a:ln>
+              <a:noFill/>
+            </a:ln>
+          </p:spPr>
+          <p:style>
+            <a:lnRef idx="2">
+              <a:schemeClr val="accent1">
+                <a:shade val="50000"/>
+              </a:schemeClr>
+            </a:lnRef>
+            <a:fillRef idx="1">
+              <a:schemeClr val="accent1"/>
+            </a:fillRef>
+            <a:effectRef idx="0">
+              <a:schemeClr val="accent1"/>
+            </a:effectRef>
+            <a:fontRef idx="minor">
+              <a:schemeClr val="lt1"/>
+            </a:fontRef>
+          </p:style>
+          <p:txBody>
+            <a:bodyPr rtlCol="0" anchor="ctr"/>
+            <a:lstStyle/>
+            <a:p>
+              <a:pPr algn="ctr"/>
+              <a:endParaRPr lang="ko-KR" altLang="en-US"/>
+            </a:p>
+          </p:txBody>
+        </p:sp>
+        <p:sp>
+          <p:nvSpPr>
+            <p:cNvPr id="51" name="타원 50">
+              <a:extLst>
+                <a:ext uri="{FF2B5EF4-FFF2-40B4-BE49-F238E27FC236}">
+                  <a16:creationId xmlns:a16="http://schemas.microsoft.com/office/drawing/2014/main" id="{8B6F6793-6B27-4997-A060-47E3A0880C3B}"/>
+                </a:ext>
+              </a:extLst>
+            </p:cNvPr>
+            <p:cNvSpPr/>
+            <p:nvPr/>
+          </p:nvSpPr>
+          <p:spPr>
+            <a:xfrm>
+              <a:off x="8650915" y="1255987"/>
+              <a:ext cx="1261241" cy="1261241"/>
+            </a:xfrm>
+            <a:prstGeom prst="ellipse">
+              <a:avLst/>
+            </a:prstGeom>
+            <a:solidFill>
+              <a:schemeClr val="bg2">
+                <a:lumMod val="90000"/>
+              </a:schemeClr>
+            </a:solidFill>
+            <a:ln>
+              <a:noFill/>
+            </a:ln>
+          </p:spPr>
+          <p:style>
+            <a:lnRef idx="2">
+              <a:schemeClr val="accent1">
+                <a:shade val="50000"/>
+              </a:schemeClr>
+            </a:lnRef>
+            <a:fillRef idx="1">
+              <a:schemeClr val="accent1"/>
+            </a:fillRef>
+            <a:effectRef idx="0">
+              <a:schemeClr val="accent1"/>
+            </a:effectRef>
+            <a:fontRef idx="minor">
+              <a:schemeClr val="lt1"/>
+            </a:fontRef>
+          </p:style>
+          <p:txBody>
+            <a:bodyPr rtlCol="0" anchor="ctr"/>
+            <a:lstStyle/>
+            <a:p>
+              <a:pPr algn="ctr"/>
+              <a:endParaRPr lang="ko-KR" altLang="en-US"/>
+            </a:p>
+          </p:txBody>
+        </p:sp>
+        <p:sp>
+          <p:nvSpPr>
+            <p:cNvPr id="52" name="타원 51">
+              <a:extLst>
+                <a:ext uri="{FF2B5EF4-FFF2-40B4-BE49-F238E27FC236}">
+                  <a16:creationId xmlns:a16="http://schemas.microsoft.com/office/drawing/2014/main" id="{74B41404-2022-4533-97C6-7010066681C4}"/>
+                </a:ext>
+              </a:extLst>
+            </p:cNvPr>
+            <p:cNvSpPr/>
+            <p:nvPr/>
+          </p:nvSpPr>
+          <p:spPr>
+            <a:xfrm>
+              <a:off x="11987950" y="1255987"/>
+              <a:ext cx="1261241" cy="1261241"/>
+            </a:xfrm>
+            <a:prstGeom prst="ellipse">
+              <a:avLst/>
+            </a:prstGeom>
+            <a:solidFill>
+              <a:schemeClr val="bg2">
+                <a:lumMod val="90000"/>
+              </a:schemeClr>
+            </a:solidFill>
+            <a:ln>
+              <a:noFill/>
+            </a:ln>
+          </p:spPr>
+          <p:style>
+            <a:lnRef idx="2">
+              <a:schemeClr val="accent1">
+                <a:shade val="50000"/>
+              </a:schemeClr>
+            </a:lnRef>
+            <a:fillRef idx="1">
+              <a:schemeClr val="accent1"/>
+            </a:fillRef>
+            <a:effectRef idx="0">
+              <a:schemeClr val="accent1"/>
+            </a:effectRef>
+            <a:fontRef idx="minor">
+              <a:schemeClr val="lt1"/>
+            </a:fontRef>
+          </p:style>
+          <p:txBody>
+            <a:bodyPr rtlCol="0" anchor="ctr"/>
+            <a:lstStyle/>
+            <a:p>
+              <a:pPr algn="ctr"/>
+              <a:endParaRPr lang="ko-KR" altLang="en-US"/>
+            </a:p>
+          </p:txBody>
+        </p:sp>
+        <p:sp>
+          <p:nvSpPr>
+            <p:cNvPr id="53" name="타원 52">
+              <a:extLst>
+                <a:ext uri="{FF2B5EF4-FFF2-40B4-BE49-F238E27FC236}">
+                  <a16:creationId xmlns:a16="http://schemas.microsoft.com/office/drawing/2014/main" id="{7E38E5E6-418E-49CE-8341-E3436975C449}"/>
+                </a:ext>
+              </a:extLst>
+            </p:cNvPr>
+            <p:cNvSpPr/>
+            <p:nvPr/>
+          </p:nvSpPr>
+          <p:spPr>
+            <a:xfrm>
+              <a:off x="15324985" y="1255986"/>
+              <a:ext cx="1261241" cy="1261241"/>
+            </a:xfrm>
+            <a:prstGeom prst="ellipse">
+              <a:avLst/>
+            </a:prstGeom>
+            <a:solidFill>
+              <a:schemeClr val="bg2">
+                <a:lumMod val="90000"/>
+              </a:schemeClr>
+            </a:solidFill>
+            <a:ln>
+              <a:noFill/>
+            </a:ln>
+          </p:spPr>
+          <p:style>
+            <a:lnRef idx="2">
+              <a:schemeClr val="accent1">
+                <a:shade val="50000"/>
+              </a:schemeClr>
+            </a:lnRef>
+            <a:fillRef idx="1">
+              <a:schemeClr val="accent1"/>
+            </a:fillRef>
+            <a:effectRef idx="0">
+              <a:schemeClr val="accent1"/>
+            </a:effectRef>
+            <a:fontRef idx="minor">
+              <a:schemeClr val="lt1"/>
+            </a:fontRef>
+          </p:style>
+          <p:txBody>
+            <a:bodyPr rtlCol="0" anchor="ctr"/>
+            <a:lstStyle/>
+            <a:p>
+              <a:pPr algn="ctr"/>
+              <a:endParaRPr lang="ko-KR" altLang="en-US"/>
+            </a:p>
+          </p:txBody>
+        </p:sp>
+        <p:sp>
+          <p:nvSpPr>
+            <p:cNvPr id="54" name="타원 53">
+              <a:extLst>
+                <a:ext uri="{FF2B5EF4-FFF2-40B4-BE49-F238E27FC236}">
+                  <a16:creationId xmlns:a16="http://schemas.microsoft.com/office/drawing/2014/main" id="{A50F3754-9860-4C2C-87BE-971AF0B860CC}"/>
+                </a:ext>
+              </a:extLst>
+            </p:cNvPr>
+            <p:cNvSpPr/>
+            <p:nvPr/>
+          </p:nvSpPr>
+          <p:spPr>
+            <a:xfrm>
+              <a:off x="18662020" y="1255986"/>
+              <a:ext cx="1261241" cy="1261241"/>
+            </a:xfrm>
+            <a:prstGeom prst="ellipse">
+              <a:avLst/>
+            </a:prstGeom>
+            <a:solidFill>
+              <a:schemeClr val="bg2">
+                <a:lumMod val="90000"/>
+              </a:schemeClr>
+            </a:solidFill>
+            <a:ln>
+              <a:noFill/>
+            </a:ln>
+          </p:spPr>
+          <p:style>
+            <a:lnRef idx="2">
+              <a:schemeClr val="accent1">
+                <a:shade val="50000"/>
+              </a:schemeClr>
+            </a:lnRef>
+            <a:fillRef idx="1">
+              <a:schemeClr val="accent1"/>
+            </a:fillRef>
+            <a:effectRef idx="0">
+              <a:schemeClr val="accent1"/>
+            </a:effectRef>
+            <a:fontRef idx="minor">
+              <a:schemeClr val="lt1"/>
+            </a:fontRef>
+          </p:style>
+          <p:txBody>
+            <a:bodyPr rtlCol="0" anchor="ctr"/>
+            <a:lstStyle/>
+            <a:p>
+              <a:pPr algn="ctr"/>
+              <a:endParaRPr lang="ko-KR" altLang="en-US"/>
+            </a:p>
+          </p:txBody>
+        </p:sp>
+        <p:sp>
+          <p:nvSpPr>
+            <p:cNvPr id="55" name="타원 54">
+              <a:extLst>
+                <a:ext uri="{FF2B5EF4-FFF2-40B4-BE49-F238E27FC236}">
+                  <a16:creationId xmlns:a16="http://schemas.microsoft.com/office/drawing/2014/main" id="{C3122FD7-B94C-4BA7-A25D-A19F9571D89C}"/>
+                </a:ext>
+              </a:extLst>
+            </p:cNvPr>
+            <p:cNvSpPr/>
+            <p:nvPr/>
+          </p:nvSpPr>
+          <p:spPr>
+            <a:xfrm>
+              <a:off x="21999055" y="1255986"/>
+              <a:ext cx="1261241" cy="1261241"/>
+            </a:xfrm>
+            <a:prstGeom prst="ellipse">
+              <a:avLst/>
+            </a:prstGeom>
+            <a:solidFill>
+              <a:schemeClr val="bg2">
+                <a:lumMod val="90000"/>
+              </a:schemeClr>
+            </a:solidFill>
+            <a:ln>
+              <a:noFill/>
+            </a:ln>
+          </p:spPr>
+          <p:style>
+            <a:lnRef idx="2">
+              <a:schemeClr val="accent1">
+                <a:shade val="50000"/>
+              </a:schemeClr>
+            </a:lnRef>
+            <a:fillRef idx="1">
+              <a:schemeClr val="accent1"/>
+            </a:fillRef>
+            <a:effectRef idx="0">
+              <a:schemeClr val="accent1"/>
+            </a:effectRef>
+            <a:fontRef idx="minor">
+              <a:schemeClr val="lt1"/>
+            </a:fontRef>
+          </p:style>
+          <p:txBody>
+            <a:bodyPr rtlCol="0" anchor="ctr"/>
+            <a:lstStyle/>
+            <a:p>
+              <a:pPr algn="ctr"/>
+              <a:endParaRPr lang="ko-KR" altLang="en-US"/>
+            </a:p>
+          </p:txBody>
+        </p:sp>
+        <p:sp>
+          <p:nvSpPr>
+            <p:cNvPr id="56" name="타원 55">
+              <a:extLst>
+                <a:ext uri="{FF2B5EF4-FFF2-40B4-BE49-F238E27FC236}">
+                  <a16:creationId xmlns:a16="http://schemas.microsoft.com/office/drawing/2014/main" id="{470A2B99-DEC9-49DE-A85D-941EA5149CF4}"/>
+                </a:ext>
+              </a:extLst>
+            </p:cNvPr>
+            <p:cNvSpPr/>
+            <p:nvPr/>
+          </p:nvSpPr>
+          <p:spPr>
+            <a:xfrm>
+              <a:off x="25336090" y="1255986"/>
+              <a:ext cx="1261241" cy="1261241"/>
+            </a:xfrm>
+            <a:prstGeom prst="ellipse">
+              <a:avLst/>
+            </a:prstGeom>
+            <a:solidFill>
+              <a:schemeClr val="bg2">
+                <a:lumMod val="90000"/>
+              </a:schemeClr>
+            </a:solidFill>
+            <a:ln>
+              <a:noFill/>
+            </a:ln>
+          </p:spPr>
+          <p:style>
+            <a:lnRef idx="2">
+              <a:schemeClr val="accent1">
+                <a:shade val="50000"/>
+              </a:schemeClr>
+            </a:lnRef>
+            <a:fillRef idx="1">
+              <a:schemeClr val="accent1"/>
+            </a:fillRef>
+            <a:effectRef idx="0">
+              <a:schemeClr val="accent1"/>
+            </a:effectRef>
+            <a:fontRef idx="minor">
+              <a:schemeClr val="lt1"/>
+            </a:fontRef>
+          </p:style>
+          <p:txBody>
+            <a:bodyPr rtlCol="0" anchor="ctr"/>
+            <a:lstStyle/>
+            <a:p>
+              <a:pPr algn="ctr"/>
+              <a:endParaRPr lang="ko-KR" altLang="en-US"/>
+            </a:p>
+          </p:txBody>
+        </p:sp>
+        <p:sp>
+          <p:nvSpPr>
+            <p:cNvPr id="57" name="타원 56">
+              <a:extLst>
+                <a:ext uri="{FF2B5EF4-FFF2-40B4-BE49-F238E27FC236}">
+                  <a16:creationId xmlns:a16="http://schemas.microsoft.com/office/drawing/2014/main" id="{606815B9-6EA5-419E-878D-ADA46097E132}"/>
+                </a:ext>
+              </a:extLst>
+            </p:cNvPr>
+            <p:cNvSpPr/>
+            <p:nvPr/>
+          </p:nvSpPr>
+          <p:spPr>
+            <a:xfrm>
+              <a:off x="28673125" y="1255986"/>
+              <a:ext cx="1261241" cy="1261241"/>
+            </a:xfrm>
+            <a:prstGeom prst="ellipse">
+              <a:avLst/>
+            </a:prstGeom>
+            <a:solidFill>
+              <a:schemeClr val="bg2">
+                <a:lumMod val="90000"/>
+              </a:schemeClr>
+            </a:solidFill>
+            <a:ln>
+              <a:noFill/>
+            </a:ln>
+          </p:spPr>
+          <p:style>
+            <a:lnRef idx="2">
+              <a:schemeClr val="accent1">
+                <a:shade val="50000"/>
+              </a:schemeClr>
+            </a:lnRef>
+            <a:fillRef idx="1">
+              <a:schemeClr val="accent1"/>
+            </a:fillRef>
+            <a:effectRef idx="0">
+              <a:schemeClr val="accent1"/>
+            </a:effectRef>
+            <a:fontRef idx="minor">
+              <a:schemeClr val="lt1"/>
+            </a:fontRef>
+          </p:style>
+          <p:txBody>
+            <a:bodyPr rtlCol="0" anchor="ctr"/>
+            <a:lstStyle/>
+            <a:p>
+              <a:pPr algn="ctr"/>
+              <a:endParaRPr lang="ko-KR" altLang="en-US"/>
+            </a:p>
+          </p:txBody>
+        </p:sp>
+        <p:sp>
+          <p:nvSpPr>
+            <p:cNvPr id="58" name="타원 57">
+              <a:extLst>
+                <a:ext uri="{FF2B5EF4-FFF2-40B4-BE49-F238E27FC236}">
+                  <a16:creationId xmlns:a16="http://schemas.microsoft.com/office/drawing/2014/main" id="{C4801AC0-1A8E-4041-93B5-408D3C3858C4}"/>
+                </a:ext>
+              </a:extLst>
+            </p:cNvPr>
+            <p:cNvSpPr/>
+            <p:nvPr/>
+          </p:nvSpPr>
+          <p:spPr>
+            <a:xfrm>
+              <a:off x="1976845" y="1255986"/>
+              <a:ext cx="1261241" cy="1261241"/>
+            </a:xfrm>
+            <a:prstGeom prst="ellipse">
+              <a:avLst/>
+            </a:prstGeom>
+            <a:solidFill>
+              <a:schemeClr val="bg2">
+                <a:lumMod val="90000"/>
+              </a:schemeClr>
+            </a:solidFill>
+            <a:ln>
+              <a:noFill/>
+            </a:ln>
+          </p:spPr>
+          <p:style>
+            <a:lnRef idx="2">
+              <a:schemeClr val="accent1">
+                <a:shade val="50000"/>
+              </a:schemeClr>
+            </a:lnRef>
+            <a:fillRef idx="1">
+              <a:schemeClr val="accent1"/>
+            </a:fillRef>
+            <a:effectRef idx="0">
+              <a:schemeClr val="accent1"/>
+            </a:effectRef>
+            <a:fontRef idx="minor">
+              <a:schemeClr val="lt1"/>
+            </a:fontRef>
+          </p:style>
+          <p:txBody>
+            <a:bodyPr rtlCol="0" anchor="ctr"/>
+            <a:lstStyle/>
+            <a:p>
+              <a:pPr algn="ctr"/>
+              <a:endParaRPr lang="ko-KR" altLang="en-US"/>
+            </a:p>
+          </p:txBody>
+        </p:sp>
+        <p:sp>
+          <p:nvSpPr>
+            <p:cNvPr id="59" name="타원 58">
+              <a:extLst>
+                <a:ext uri="{FF2B5EF4-FFF2-40B4-BE49-F238E27FC236}">
+                  <a16:creationId xmlns:a16="http://schemas.microsoft.com/office/drawing/2014/main" id="{8E37D599-FDA3-4B89-A398-0B7EB3EB2F25}"/>
+                </a:ext>
+              </a:extLst>
+            </p:cNvPr>
+            <p:cNvSpPr/>
+            <p:nvPr/>
+          </p:nvSpPr>
+          <p:spPr>
+            <a:xfrm>
+              <a:off x="32010160" y="1255986"/>
+              <a:ext cx="1261241" cy="1261241"/>
+            </a:xfrm>
+            <a:prstGeom prst="ellipse">
+              <a:avLst/>
+            </a:prstGeom>
+            <a:solidFill>
+              <a:schemeClr val="bg2">
+                <a:lumMod val="90000"/>
+              </a:schemeClr>
+            </a:solidFill>
+            <a:ln>
+              <a:noFill/>
+            </a:ln>
+          </p:spPr>
+          <p:style>
+            <a:lnRef idx="2">
+              <a:schemeClr val="accent1">
+                <a:shade val="50000"/>
+              </a:schemeClr>
+            </a:lnRef>
+            <a:fillRef idx="1">
+              <a:schemeClr val="accent1"/>
+            </a:fillRef>
+            <a:effectRef idx="0">
+              <a:schemeClr val="accent1"/>
+            </a:effectRef>
+            <a:fontRef idx="minor">
+              <a:schemeClr val="lt1"/>
+            </a:fontRef>
+          </p:style>
+          <p:txBody>
+            <a:bodyPr rtlCol="0" anchor="ctr"/>
+            <a:lstStyle/>
+            <a:p>
+              <a:pPr algn="ctr"/>
+              <a:endParaRPr lang="ko-KR" altLang="en-US"/>
+            </a:p>
+          </p:txBody>
+        </p:sp>
+      </p:grpSp>
+      <p:grpSp>
+        <p:nvGrpSpPr>
+          <p:cNvPr id="60" name="그룹 59">
+            <a:extLst>
+              <a:ext uri="{FF2B5EF4-FFF2-40B4-BE49-F238E27FC236}">
+                <a16:creationId xmlns:a16="http://schemas.microsoft.com/office/drawing/2014/main" id="{CE32411F-CCE0-4662-AC6C-90F19278CABD}"/>
+              </a:ext>
+            </a:extLst>
+          </p:cNvPr>
+          <p:cNvGrpSpPr/>
+          <p:nvPr/>
+        </p:nvGrpSpPr>
+        <p:grpSpPr>
+          <a:xfrm>
+            <a:off x="2352591" y="12896196"/>
+            <a:ext cx="31294556" cy="1261242"/>
+            <a:chOff x="1976845" y="1255986"/>
+            <a:chExt cx="31294556" cy="1261242"/>
+          </a:xfrm>
+        </p:grpSpPr>
+        <p:sp>
+          <p:nvSpPr>
+            <p:cNvPr id="61" name="타원 60">
+              <a:extLst>
+                <a:ext uri="{FF2B5EF4-FFF2-40B4-BE49-F238E27FC236}">
+                  <a16:creationId xmlns:a16="http://schemas.microsoft.com/office/drawing/2014/main" id="{EB9509A1-5E03-4632-9257-3A98A0FD630A}"/>
+                </a:ext>
+              </a:extLst>
+            </p:cNvPr>
+            <p:cNvSpPr/>
+            <p:nvPr/>
+          </p:nvSpPr>
+          <p:spPr>
+            <a:xfrm>
+              <a:off x="5313880" y="1255987"/>
+              <a:ext cx="1261241" cy="1261241"/>
+            </a:xfrm>
+            <a:prstGeom prst="ellipse">
+              <a:avLst/>
+            </a:prstGeom>
+            <a:solidFill>
+              <a:schemeClr val="bg2">
+                <a:lumMod val="90000"/>
+              </a:schemeClr>
+            </a:solidFill>
+            <a:ln>
+              <a:noFill/>
+            </a:ln>
+          </p:spPr>
+          <p:style>
+            <a:lnRef idx="2">
+              <a:schemeClr val="accent1">
+                <a:shade val="50000"/>
+              </a:schemeClr>
+            </a:lnRef>
+            <a:fillRef idx="1">
+              <a:schemeClr val="accent1"/>
+            </a:fillRef>
+            <a:effectRef idx="0">
+              <a:schemeClr val="accent1"/>
+            </a:effectRef>
+            <a:fontRef idx="minor">
+              <a:schemeClr val="lt1"/>
+            </a:fontRef>
+          </p:style>
+          <p:txBody>
+            <a:bodyPr rtlCol="0" anchor="ctr"/>
+            <a:lstStyle/>
+            <a:p>
+              <a:pPr algn="ctr"/>
+              <a:endParaRPr lang="ko-KR" altLang="en-US"/>
+            </a:p>
+          </p:txBody>
+        </p:sp>
+        <p:sp>
+          <p:nvSpPr>
+            <p:cNvPr id="62" name="타원 61">
+              <a:extLst>
+                <a:ext uri="{FF2B5EF4-FFF2-40B4-BE49-F238E27FC236}">
+                  <a16:creationId xmlns:a16="http://schemas.microsoft.com/office/drawing/2014/main" id="{CB1C8516-7304-4252-BC5B-52D9AE9221B9}"/>
+                </a:ext>
+              </a:extLst>
+            </p:cNvPr>
+            <p:cNvSpPr/>
+            <p:nvPr/>
+          </p:nvSpPr>
+          <p:spPr>
+            <a:xfrm>
+              <a:off x="8650915" y="1255987"/>
+              <a:ext cx="1261241" cy="1261241"/>
+            </a:xfrm>
+            <a:prstGeom prst="ellipse">
+              <a:avLst/>
+            </a:prstGeom>
+            <a:solidFill>
+              <a:schemeClr val="bg2">
+                <a:lumMod val="90000"/>
+              </a:schemeClr>
+            </a:solidFill>
+            <a:ln>
+              <a:noFill/>
+            </a:ln>
+          </p:spPr>
+          <p:style>
+            <a:lnRef idx="2">
+              <a:schemeClr val="accent1">
+                <a:shade val="50000"/>
+              </a:schemeClr>
+            </a:lnRef>
+            <a:fillRef idx="1">
+              <a:schemeClr val="accent1"/>
+            </a:fillRef>
+            <a:effectRef idx="0">
+              <a:schemeClr val="accent1"/>
+            </a:effectRef>
+            <a:fontRef idx="minor">
+              <a:schemeClr val="lt1"/>
+            </a:fontRef>
+          </p:style>
+          <p:txBody>
+            <a:bodyPr rtlCol="0" anchor="ctr"/>
+            <a:lstStyle/>
+            <a:p>
+              <a:pPr algn="ctr"/>
+              <a:endParaRPr lang="ko-KR" altLang="en-US"/>
+            </a:p>
+          </p:txBody>
+        </p:sp>
+        <p:sp>
+          <p:nvSpPr>
+            <p:cNvPr id="63" name="타원 62">
+              <a:extLst>
+                <a:ext uri="{FF2B5EF4-FFF2-40B4-BE49-F238E27FC236}">
+                  <a16:creationId xmlns:a16="http://schemas.microsoft.com/office/drawing/2014/main" id="{E137D2AC-61C6-41E3-89CC-2DD99AE43536}"/>
+                </a:ext>
+              </a:extLst>
+            </p:cNvPr>
+            <p:cNvSpPr/>
+            <p:nvPr/>
+          </p:nvSpPr>
+          <p:spPr>
+            <a:xfrm>
+              <a:off x="11987950" y="1255987"/>
+              <a:ext cx="1261241" cy="1261241"/>
+            </a:xfrm>
+            <a:prstGeom prst="ellipse">
+              <a:avLst/>
+            </a:prstGeom>
+            <a:solidFill>
+              <a:schemeClr val="bg2">
+                <a:lumMod val="90000"/>
+              </a:schemeClr>
+            </a:solidFill>
+            <a:ln>
+              <a:noFill/>
+            </a:ln>
+          </p:spPr>
+          <p:style>
+            <a:lnRef idx="2">
+              <a:schemeClr val="accent1">
+                <a:shade val="50000"/>
+              </a:schemeClr>
+            </a:lnRef>
+            <a:fillRef idx="1">
+              <a:schemeClr val="accent1"/>
+            </a:fillRef>
+            <a:effectRef idx="0">
+              <a:schemeClr val="accent1"/>
+            </a:effectRef>
+            <a:fontRef idx="minor">
+              <a:schemeClr val="lt1"/>
+            </a:fontRef>
+          </p:style>
+          <p:txBody>
+            <a:bodyPr rtlCol="0" anchor="ctr"/>
+            <a:lstStyle/>
+            <a:p>
+              <a:pPr algn="ctr"/>
+              <a:endParaRPr lang="ko-KR" altLang="en-US"/>
+            </a:p>
+          </p:txBody>
+        </p:sp>
+        <p:sp>
+          <p:nvSpPr>
+            <p:cNvPr id="64" name="타원 63">
+              <a:extLst>
+                <a:ext uri="{FF2B5EF4-FFF2-40B4-BE49-F238E27FC236}">
+                  <a16:creationId xmlns:a16="http://schemas.microsoft.com/office/drawing/2014/main" id="{97834DCB-EF22-4735-A336-38FF3356B30E}"/>
+                </a:ext>
+              </a:extLst>
+            </p:cNvPr>
+            <p:cNvSpPr/>
+            <p:nvPr/>
+          </p:nvSpPr>
+          <p:spPr>
+            <a:xfrm>
+              <a:off x="15324985" y="1255986"/>
+              <a:ext cx="1261241" cy="1261241"/>
+            </a:xfrm>
+            <a:prstGeom prst="ellipse">
+              <a:avLst/>
+            </a:prstGeom>
+            <a:solidFill>
+              <a:schemeClr val="bg2">
+                <a:lumMod val="90000"/>
+              </a:schemeClr>
+            </a:solidFill>
+            <a:ln>
+              <a:noFill/>
+            </a:ln>
+          </p:spPr>
+          <p:style>
+            <a:lnRef idx="2">
+              <a:schemeClr val="accent1">
+                <a:shade val="50000"/>
+              </a:schemeClr>
+            </a:lnRef>
+            <a:fillRef idx="1">
+              <a:schemeClr val="accent1"/>
+            </a:fillRef>
+            <a:effectRef idx="0">
+              <a:schemeClr val="accent1"/>
+            </a:effectRef>
+            <a:fontRef idx="minor">
+              <a:schemeClr val="lt1"/>
+            </a:fontRef>
+          </p:style>
+          <p:txBody>
+            <a:bodyPr rtlCol="0" anchor="ctr"/>
+            <a:lstStyle/>
+            <a:p>
+              <a:pPr algn="ctr"/>
+              <a:endParaRPr lang="ko-KR" altLang="en-US"/>
+            </a:p>
+          </p:txBody>
+        </p:sp>
+        <p:sp>
+          <p:nvSpPr>
+            <p:cNvPr id="65" name="타원 64">
+              <a:extLst>
+                <a:ext uri="{FF2B5EF4-FFF2-40B4-BE49-F238E27FC236}">
+                  <a16:creationId xmlns:a16="http://schemas.microsoft.com/office/drawing/2014/main" id="{F58A4D5A-CB8A-4982-BE74-161F9092C9AA}"/>
+                </a:ext>
+              </a:extLst>
+            </p:cNvPr>
+            <p:cNvSpPr/>
+            <p:nvPr/>
+          </p:nvSpPr>
+          <p:spPr>
+            <a:xfrm>
+              <a:off x="18662020" y="1255986"/>
+              <a:ext cx="1261241" cy="1261241"/>
+            </a:xfrm>
+            <a:prstGeom prst="ellipse">
+              <a:avLst/>
+            </a:prstGeom>
+            <a:solidFill>
+              <a:schemeClr val="bg2">
+                <a:lumMod val="90000"/>
+              </a:schemeClr>
+            </a:solidFill>
+            <a:ln>
+              <a:noFill/>
+            </a:ln>
+          </p:spPr>
+          <p:style>
+            <a:lnRef idx="2">
+              <a:schemeClr val="accent1">
+                <a:shade val="50000"/>
+              </a:schemeClr>
+            </a:lnRef>
+            <a:fillRef idx="1">
+              <a:schemeClr val="accent1"/>
+            </a:fillRef>
+            <a:effectRef idx="0">
+              <a:schemeClr val="accent1"/>
+            </a:effectRef>
+            <a:fontRef idx="minor">
+              <a:schemeClr val="lt1"/>
+            </a:fontRef>
+          </p:style>
+          <p:txBody>
+            <a:bodyPr rtlCol="0" anchor="ctr"/>
+            <a:lstStyle/>
+            <a:p>
+              <a:pPr algn="ctr"/>
+              <a:endParaRPr lang="ko-KR" altLang="en-US"/>
+            </a:p>
+          </p:txBody>
+        </p:sp>
+        <p:sp>
+          <p:nvSpPr>
+            <p:cNvPr id="66" name="타원 65">
+              <a:extLst>
+                <a:ext uri="{FF2B5EF4-FFF2-40B4-BE49-F238E27FC236}">
+                  <a16:creationId xmlns:a16="http://schemas.microsoft.com/office/drawing/2014/main" id="{CD7DF6D5-FD5C-4106-8C99-05C03A716974}"/>
+                </a:ext>
+              </a:extLst>
+            </p:cNvPr>
+            <p:cNvSpPr/>
+            <p:nvPr/>
+          </p:nvSpPr>
+          <p:spPr>
+            <a:xfrm>
+              <a:off x="21999055" y="1255986"/>
+              <a:ext cx="1261241" cy="1261241"/>
+            </a:xfrm>
+            <a:prstGeom prst="ellipse">
+              <a:avLst/>
+            </a:prstGeom>
+            <a:solidFill>
+              <a:schemeClr val="bg2">
+                <a:lumMod val="90000"/>
+              </a:schemeClr>
+            </a:solidFill>
+            <a:ln>
+              <a:noFill/>
+            </a:ln>
+          </p:spPr>
+          <p:style>
+            <a:lnRef idx="2">
+              <a:schemeClr val="accent1">
+                <a:shade val="50000"/>
+              </a:schemeClr>
+            </a:lnRef>
+            <a:fillRef idx="1">
+              <a:schemeClr val="accent1"/>
+            </a:fillRef>
+            <a:effectRef idx="0">
+              <a:schemeClr val="accent1"/>
+            </a:effectRef>
+            <a:fontRef idx="minor">
+              <a:schemeClr val="lt1"/>
+            </a:fontRef>
+          </p:style>
+          <p:txBody>
+            <a:bodyPr rtlCol="0" anchor="ctr"/>
+            <a:lstStyle/>
+            <a:p>
+              <a:pPr algn="ctr"/>
+              <a:endParaRPr lang="ko-KR" altLang="en-US"/>
+            </a:p>
+          </p:txBody>
+        </p:sp>
+        <p:sp>
+          <p:nvSpPr>
+            <p:cNvPr id="67" name="타원 66">
+              <a:extLst>
+                <a:ext uri="{FF2B5EF4-FFF2-40B4-BE49-F238E27FC236}">
+                  <a16:creationId xmlns:a16="http://schemas.microsoft.com/office/drawing/2014/main" id="{2610EF67-6B86-4966-A16F-13CE6374302A}"/>
+                </a:ext>
+              </a:extLst>
+            </p:cNvPr>
+            <p:cNvSpPr/>
+            <p:nvPr/>
+          </p:nvSpPr>
+          <p:spPr>
+            <a:xfrm>
+              <a:off x="25336090" y="1255986"/>
+              <a:ext cx="1261241" cy="1261241"/>
+            </a:xfrm>
+            <a:prstGeom prst="ellipse">
+              <a:avLst/>
+            </a:prstGeom>
+            <a:solidFill>
+              <a:schemeClr val="bg2">
+                <a:lumMod val="90000"/>
+              </a:schemeClr>
+            </a:solidFill>
+            <a:ln>
+              <a:noFill/>
+            </a:ln>
+          </p:spPr>
+          <p:style>
+            <a:lnRef idx="2">
+              <a:schemeClr val="accent1">
+                <a:shade val="50000"/>
+              </a:schemeClr>
+            </a:lnRef>
+            <a:fillRef idx="1">
+              <a:schemeClr val="accent1"/>
+            </a:fillRef>
+            <a:effectRef idx="0">
+              <a:schemeClr val="accent1"/>
+            </a:effectRef>
+            <a:fontRef idx="minor">
+              <a:schemeClr val="lt1"/>
+            </a:fontRef>
+          </p:style>
+          <p:txBody>
+            <a:bodyPr rtlCol="0" anchor="ctr"/>
+            <a:lstStyle/>
+            <a:p>
+              <a:pPr algn="ctr"/>
+              <a:endParaRPr lang="ko-KR" altLang="en-US"/>
+            </a:p>
+          </p:txBody>
+        </p:sp>
+        <p:sp>
+          <p:nvSpPr>
+            <p:cNvPr id="68" name="타원 67">
+              <a:extLst>
+                <a:ext uri="{FF2B5EF4-FFF2-40B4-BE49-F238E27FC236}">
+                  <a16:creationId xmlns:a16="http://schemas.microsoft.com/office/drawing/2014/main" id="{3D877A6A-8325-4859-9E29-0068BA3D8456}"/>
+                </a:ext>
+              </a:extLst>
+            </p:cNvPr>
+            <p:cNvSpPr/>
+            <p:nvPr/>
+          </p:nvSpPr>
+          <p:spPr>
+            <a:xfrm>
+              <a:off x="28673125" y="1255986"/>
+              <a:ext cx="1261241" cy="1261241"/>
+            </a:xfrm>
+            <a:prstGeom prst="ellipse">
+              <a:avLst/>
+            </a:prstGeom>
+            <a:solidFill>
+              <a:schemeClr val="bg2">
+                <a:lumMod val="90000"/>
+              </a:schemeClr>
+            </a:solidFill>
+            <a:ln>
+              <a:noFill/>
+            </a:ln>
+          </p:spPr>
+          <p:style>
+            <a:lnRef idx="2">
+              <a:schemeClr val="accent1">
+                <a:shade val="50000"/>
+              </a:schemeClr>
+            </a:lnRef>
+            <a:fillRef idx="1">
+              <a:schemeClr val="accent1"/>
+            </a:fillRef>
+            <a:effectRef idx="0">
+              <a:schemeClr val="accent1"/>
+            </a:effectRef>
+            <a:fontRef idx="minor">
+              <a:schemeClr val="lt1"/>
+            </a:fontRef>
+          </p:style>
+          <p:txBody>
+            <a:bodyPr rtlCol="0" anchor="ctr"/>
+            <a:lstStyle/>
+            <a:p>
+              <a:pPr algn="ctr"/>
+              <a:endParaRPr lang="ko-KR" altLang="en-US"/>
+            </a:p>
+          </p:txBody>
+        </p:sp>
+        <p:sp>
+          <p:nvSpPr>
+            <p:cNvPr id="69" name="타원 68">
+              <a:extLst>
+                <a:ext uri="{FF2B5EF4-FFF2-40B4-BE49-F238E27FC236}">
+                  <a16:creationId xmlns:a16="http://schemas.microsoft.com/office/drawing/2014/main" id="{238E475F-44F2-4702-99F8-394174B8901C}"/>
+                </a:ext>
+              </a:extLst>
+            </p:cNvPr>
+            <p:cNvSpPr/>
+            <p:nvPr/>
+          </p:nvSpPr>
+          <p:spPr>
+            <a:xfrm>
+              <a:off x="1976845" y="1255986"/>
+              <a:ext cx="1261241" cy="1261241"/>
+            </a:xfrm>
+            <a:prstGeom prst="ellipse">
+              <a:avLst/>
+            </a:prstGeom>
+            <a:solidFill>
+              <a:schemeClr val="bg2">
+                <a:lumMod val="90000"/>
+              </a:schemeClr>
+            </a:solidFill>
+            <a:ln>
+              <a:noFill/>
+            </a:ln>
+          </p:spPr>
+          <p:style>
+            <a:lnRef idx="2">
+              <a:schemeClr val="accent1">
+                <a:shade val="50000"/>
+              </a:schemeClr>
+            </a:lnRef>
+            <a:fillRef idx="1">
+              <a:schemeClr val="accent1"/>
+            </a:fillRef>
+            <a:effectRef idx="0">
+              <a:schemeClr val="accent1"/>
+            </a:effectRef>
+            <a:fontRef idx="minor">
+              <a:schemeClr val="lt1"/>
+            </a:fontRef>
+          </p:style>
+          <p:txBody>
+            <a:bodyPr rtlCol="0" anchor="ctr"/>
+            <a:lstStyle/>
+            <a:p>
+              <a:pPr algn="ctr"/>
+              <a:endParaRPr lang="ko-KR" altLang="en-US"/>
+            </a:p>
+          </p:txBody>
+        </p:sp>
+        <p:sp>
+          <p:nvSpPr>
+            <p:cNvPr id="70" name="타원 69">
+              <a:extLst>
+                <a:ext uri="{FF2B5EF4-FFF2-40B4-BE49-F238E27FC236}">
+                  <a16:creationId xmlns:a16="http://schemas.microsoft.com/office/drawing/2014/main" id="{FC0E70C0-1492-4F4B-881C-F17496A631FB}"/>
+                </a:ext>
+              </a:extLst>
+            </p:cNvPr>
+            <p:cNvSpPr/>
+            <p:nvPr/>
+          </p:nvSpPr>
+          <p:spPr>
+            <a:xfrm>
+              <a:off x="32010160" y="1255986"/>
+              <a:ext cx="1261241" cy="1261241"/>
+            </a:xfrm>
+            <a:prstGeom prst="ellipse">
+              <a:avLst/>
+            </a:prstGeom>
+            <a:solidFill>
+              <a:schemeClr val="bg2">
+                <a:lumMod val="90000"/>
+              </a:schemeClr>
+            </a:solidFill>
+            <a:ln>
+              <a:noFill/>
+            </a:ln>
+          </p:spPr>
+          <p:style>
+            <a:lnRef idx="2">
+              <a:schemeClr val="accent1">
+                <a:shade val="50000"/>
+              </a:schemeClr>
+            </a:lnRef>
+            <a:fillRef idx="1">
+              <a:schemeClr val="accent1"/>
+            </a:fillRef>
+            <a:effectRef idx="0">
+              <a:schemeClr val="accent1"/>
+            </a:effectRef>
+            <a:fontRef idx="minor">
+              <a:schemeClr val="lt1"/>
+            </a:fontRef>
+          </p:style>
+          <p:txBody>
+            <a:bodyPr rtlCol="0" anchor="ctr"/>
+            <a:lstStyle/>
+            <a:p>
+              <a:pPr algn="ctr"/>
+              <a:endParaRPr lang="ko-KR" altLang="en-US"/>
+            </a:p>
+          </p:txBody>
+        </p:sp>
+      </p:grpSp>
+      <p:grpSp>
+        <p:nvGrpSpPr>
+          <p:cNvPr id="71" name="그룹 70">
+            <a:extLst>
+              <a:ext uri="{FF2B5EF4-FFF2-40B4-BE49-F238E27FC236}">
+                <a16:creationId xmlns:a16="http://schemas.microsoft.com/office/drawing/2014/main" id="{CE2F9823-5C70-4F3A-A060-DC83A4F6A094}"/>
+              </a:ext>
+            </a:extLst>
+          </p:cNvPr>
+          <p:cNvGrpSpPr/>
+          <p:nvPr/>
+        </p:nvGrpSpPr>
+        <p:grpSpPr>
+          <a:xfrm>
+            <a:off x="2352591" y="15224238"/>
+            <a:ext cx="31294556" cy="1261242"/>
+            <a:chOff x="1976845" y="1255986"/>
+            <a:chExt cx="31294556" cy="1261242"/>
+          </a:xfrm>
+        </p:grpSpPr>
+        <p:sp>
+          <p:nvSpPr>
+            <p:cNvPr id="72" name="타원 71">
+              <a:extLst>
+                <a:ext uri="{FF2B5EF4-FFF2-40B4-BE49-F238E27FC236}">
+                  <a16:creationId xmlns:a16="http://schemas.microsoft.com/office/drawing/2014/main" id="{41AF5624-C83C-49E9-BF3F-77A9D3FD35ED}"/>
+                </a:ext>
+              </a:extLst>
+            </p:cNvPr>
+            <p:cNvSpPr/>
+            <p:nvPr/>
+          </p:nvSpPr>
+          <p:spPr>
+            <a:xfrm>
+              <a:off x="5313880" y="1255987"/>
+              <a:ext cx="1261241" cy="1261241"/>
+            </a:xfrm>
+            <a:prstGeom prst="ellipse">
+              <a:avLst/>
+            </a:prstGeom>
+            <a:solidFill>
+              <a:schemeClr val="bg2">
+                <a:lumMod val="90000"/>
+              </a:schemeClr>
+            </a:solidFill>
+            <a:ln>
+              <a:noFill/>
+            </a:ln>
+          </p:spPr>
+          <p:style>
+            <a:lnRef idx="2">
+              <a:schemeClr val="accent1">
+                <a:shade val="50000"/>
+              </a:schemeClr>
+            </a:lnRef>
+            <a:fillRef idx="1">
+              <a:schemeClr val="accent1"/>
+            </a:fillRef>
+            <a:effectRef idx="0">
+              <a:schemeClr val="accent1"/>
+            </a:effectRef>
+            <a:fontRef idx="minor">
+              <a:schemeClr val="lt1"/>
+            </a:fontRef>
+          </p:style>
+          <p:txBody>
+            <a:bodyPr rtlCol="0" anchor="ctr"/>
+            <a:lstStyle/>
+            <a:p>
+              <a:pPr algn="ctr"/>
+              <a:endParaRPr lang="ko-KR" altLang="en-US"/>
+            </a:p>
+          </p:txBody>
+        </p:sp>
+        <p:sp>
+          <p:nvSpPr>
+            <p:cNvPr id="73" name="타원 72">
+              <a:extLst>
+                <a:ext uri="{FF2B5EF4-FFF2-40B4-BE49-F238E27FC236}">
+                  <a16:creationId xmlns:a16="http://schemas.microsoft.com/office/drawing/2014/main" id="{52A9DF38-4705-4FD9-87F3-420A0D412828}"/>
+                </a:ext>
+              </a:extLst>
+            </p:cNvPr>
+            <p:cNvSpPr/>
+            <p:nvPr/>
+          </p:nvSpPr>
+          <p:spPr>
+            <a:xfrm>
+              <a:off x="8650915" y="1255987"/>
+              <a:ext cx="1261241" cy="1261241"/>
+            </a:xfrm>
+            <a:prstGeom prst="ellipse">
+              <a:avLst/>
+            </a:prstGeom>
+            <a:solidFill>
+              <a:schemeClr val="bg2">
+                <a:lumMod val="90000"/>
+              </a:schemeClr>
+            </a:solidFill>
+            <a:ln>
+              <a:noFill/>
+            </a:ln>
+          </p:spPr>
+          <p:style>
+            <a:lnRef idx="2">
+              <a:schemeClr val="accent1">
+                <a:shade val="50000"/>
+              </a:schemeClr>
+            </a:lnRef>
+            <a:fillRef idx="1">
+              <a:schemeClr val="accent1"/>
+            </a:fillRef>
+            <a:effectRef idx="0">
+              <a:schemeClr val="accent1"/>
+            </a:effectRef>
+            <a:fontRef idx="minor">
+              <a:schemeClr val="lt1"/>
+            </a:fontRef>
+          </p:style>
+          <p:txBody>
+            <a:bodyPr rtlCol="0" anchor="ctr"/>
+            <a:lstStyle/>
+            <a:p>
+              <a:pPr algn="ctr"/>
+              <a:endParaRPr lang="ko-KR" altLang="en-US"/>
+            </a:p>
+          </p:txBody>
+        </p:sp>
+        <p:sp>
+          <p:nvSpPr>
+            <p:cNvPr id="74" name="타원 73">
+              <a:extLst>
+                <a:ext uri="{FF2B5EF4-FFF2-40B4-BE49-F238E27FC236}">
+                  <a16:creationId xmlns:a16="http://schemas.microsoft.com/office/drawing/2014/main" id="{7525E63D-4763-4806-ABB4-46749CF4906C}"/>
+                </a:ext>
+              </a:extLst>
+            </p:cNvPr>
+            <p:cNvSpPr/>
+            <p:nvPr/>
+          </p:nvSpPr>
+          <p:spPr>
+            <a:xfrm>
+              <a:off x="11987950" y="1255987"/>
+              <a:ext cx="1261241" cy="1261241"/>
+            </a:xfrm>
+            <a:prstGeom prst="ellipse">
+              <a:avLst/>
+            </a:prstGeom>
+            <a:solidFill>
+              <a:schemeClr val="bg2">
+                <a:lumMod val="90000"/>
+              </a:schemeClr>
+            </a:solidFill>
+            <a:ln>
+              <a:noFill/>
+            </a:ln>
+          </p:spPr>
+          <p:style>
+            <a:lnRef idx="2">
+              <a:schemeClr val="accent1">
+                <a:shade val="50000"/>
+              </a:schemeClr>
+            </a:lnRef>
+            <a:fillRef idx="1">
+              <a:schemeClr val="accent1"/>
+            </a:fillRef>
+            <a:effectRef idx="0">
+              <a:schemeClr val="accent1"/>
+            </a:effectRef>
+            <a:fontRef idx="minor">
+              <a:schemeClr val="lt1"/>
+            </a:fontRef>
+          </p:style>
+          <p:txBody>
+            <a:bodyPr rtlCol="0" anchor="ctr"/>
+            <a:lstStyle/>
+            <a:p>
+              <a:pPr algn="ctr"/>
+              <a:endParaRPr lang="ko-KR" altLang="en-US"/>
+            </a:p>
+          </p:txBody>
+        </p:sp>
+        <p:sp>
+          <p:nvSpPr>
+            <p:cNvPr id="75" name="타원 74">
+              <a:extLst>
+                <a:ext uri="{FF2B5EF4-FFF2-40B4-BE49-F238E27FC236}">
+                  <a16:creationId xmlns:a16="http://schemas.microsoft.com/office/drawing/2014/main" id="{7BE8F5ED-1EFB-402D-9C11-5F8175E2351B}"/>
+                </a:ext>
+              </a:extLst>
+            </p:cNvPr>
+            <p:cNvSpPr/>
+            <p:nvPr/>
+          </p:nvSpPr>
+          <p:spPr>
+            <a:xfrm>
+              <a:off x="15324985" y="1255986"/>
+              <a:ext cx="1261241" cy="1261241"/>
+            </a:xfrm>
+            <a:prstGeom prst="ellipse">
+              <a:avLst/>
+            </a:prstGeom>
+            <a:solidFill>
+              <a:schemeClr val="bg2">
+                <a:lumMod val="90000"/>
+              </a:schemeClr>
+            </a:solidFill>
+            <a:ln>
+              <a:noFill/>
+            </a:ln>
+          </p:spPr>
+          <p:style>
+            <a:lnRef idx="2">
+              <a:schemeClr val="accent1">
+                <a:shade val="50000"/>
+              </a:schemeClr>
+            </a:lnRef>
+            <a:fillRef idx="1">
+              <a:schemeClr val="accent1"/>
+            </a:fillRef>
+            <a:effectRef idx="0">
+              <a:schemeClr val="accent1"/>
+            </a:effectRef>
+            <a:fontRef idx="minor">
+              <a:schemeClr val="lt1"/>
+            </a:fontRef>
+          </p:style>
+          <p:txBody>
+            <a:bodyPr rtlCol="0" anchor="ctr"/>
+            <a:lstStyle/>
+            <a:p>
+              <a:pPr algn="ctr"/>
+              <a:endParaRPr lang="ko-KR" altLang="en-US"/>
+            </a:p>
+          </p:txBody>
+        </p:sp>
+        <p:sp>
+          <p:nvSpPr>
+            <p:cNvPr id="76" name="타원 75">
+              <a:extLst>
+                <a:ext uri="{FF2B5EF4-FFF2-40B4-BE49-F238E27FC236}">
+                  <a16:creationId xmlns:a16="http://schemas.microsoft.com/office/drawing/2014/main" id="{56D28282-9602-456C-AE28-3A3540FCD9A9}"/>
+                </a:ext>
+              </a:extLst>
+            </p:cNvPr>
+            <p:cNvSpPr/>
+            <p:nvPr/>
+          </p:nvSpPr>
+          <p:spPr>
+            <a:xfrm>
+              <a:off x="18662020" y="1255986"/>
+              <a:ext cx="1261241" cy="1261241"/>
+            </a:xfrm>
+            <a:prstGeom prst="ellipse">
+              <a:avLst/>
+            </a:prstGeom>
+            <a:solidFill>
+              <a:schemeClr val="bg2">
+                <a:lumMod val="90000"/>
+              </a:schemeClr>
+            </a:solidFill>
+            <a:ln>
+              <a:noFill/>
+            </a:ln>
+          </p:spPr>
+          <p:style>
+            <a:lnRef idx="2">
+              <a:schemeClr val="accent1">
+                <a:shade val="50000"/>
+              </a:schemeClr>
+            </a:lnRef>
+            <a:fillRef idx="1">
+              <a:schemeClr val="accent1"/>
+            </a:fillRef>
+            <a:effectRef idx="0">
+              <a:schemeClr val="accent1"/>
+            </a:effectRef>
+            <a:fontRef idx="minor">
+              <a:schemeClr val="lt1"/>
+            </a:fontRef>
+          </p:style>
+          <p:txBody>
+            <a:bodyPr rtlCol="0" anchor="ctr"/>
+            <a:lstStyle/>
+            <a:p>
+              <a:pPr algn="ctr"/>
+              <a:endParaRPr lang="ko-KR" altLang="en-US"/>
+            </a:p>
+          </p:txBody>
+        </p:sp>
+        <p:sp>
+          <p:nvSpPr>
+            <p:cNvPr id="77" name="타원 76">
+              <a:extLst>
+                <a:ext uri="{FF2B5EF4-FFF2-40B4-BE49-F238E27FC236}">
+                  <a16:creationId xmlns:a16="http://schemas.microsoft.com/office/drawing/2014/main" id="{AE8A1398-46F5-4252-A4D3-EB878640C91F}"/>
+                </a:ext>
+              </a:extLst>
+            </p:cNvPr>
+            <p:cNvSpPr/>
+            <p:nvPr/>
+          </p:nvSpPr>
+          <p:spPr>
+            <a:xfrm>
+              <a:off x="21999055" y="1255986"/>
+              <a:ext cx="1261241" cy="1261241"/>
+            </a:xfrm>
+            <a:prstGeom prst="ellipse">
+              <a:avLst/>
+            </a:prstGeom>
+            <a:solidFill>
+              <a:schemeClr val="bg2">
+                <a:lumMod val="90000"/>
+              </a:schemeClr>
+            </a:solidFill>
+            <a:ln>
+              <a:noFill/>
+            </a:ln>
+          </p:spPr>
+          <p:style>
+            <a:lnRef idx="2">
+              <a:schemeClr val="accent1">
+                <a:shade val="50000"/>
+              </a:schemeClr>
+            </a:lnRef>
+            <a:fillRef idx="1">
+              <a:schemeClr val="accent1"/>
+            </a:fillRef>
+            <a:effectRef idx="0">
+              <a:schemeClr val="accent1"/>
+            </a:effectRef>
+            <a:fontRef idx="minor">
+              <a:schemeClr val="lt1"/>
+            </a:fontRef>
+          </p:style>
+          <p:txBody>
+            <a:bodyPr rtlCol="0" anchor="ctr"/>
+            <a:lstStyle/>
+            <a:p>
+              <a:pPr algn="ctr"/>
+              <a:endParaRPr lang="ko-KR" altLang="en-US"/>
+            </a:p>
+          </p:txBody>
+        </p:sp>
+        <p:sp>
+          <p:nvSpPr>
+            <p:cNvPr id="78" name="타원 77">
+              <a:extLst>
+                <a:ext uri="{FF2B5EF4-FFF2-40B4-BE49-F238E27FC236}">
+                  <a16:creationId xmlns:a16="http://schemas.microsoft.com/office/drawing/2014/main" id="{86E9D9CD-E11D-4CBC-8EE0-E1AB8CDD2715}"/>
+                </a:ext>
+              </a:extLst>
+            </p:cNvPr>
+            <p:cNvSpPr/>
+            <p:nvPr/>
+          </p:nvSpPr>
+          <p:spPr>
+            <a:xfrm>
+              <a:off x="25336090" y="1255986"/>
+              <a:ext cx="1261241" cy="1261241"/>
+            </a:xfrm>
+            <a:prstGeom prst="ellipse">
+              <a:avLst/>
+            </a:prstGeom>
+            <a:solidFill>
+              <a:schemeClr val="bg2">
+                <a:lumMod val="90000"/>
+              </a:schemeClr>
+            </a:solidFill>
+            <a:ln>
+              <a:noFill/>
+            </a:ln>
+          </p:spPr>
+          <p:style>
+            <a:lnRef idx="2">
+              <a:schemeClr val="accent1">
+                <a:shade val="50000"/>
+              </a:schemeClr>
+            </a:lnRef>
+            <a:fillRef idx="1">
+              <a:schemeClr val="accent1"/>
+            </a:fillRef>
+            <a:effectRef idx="0">
+              <a:schemeClr val="accent1"/>
+            </a:effectRef>
+            <a:fontRef idx="minor">
+              <a:schemeClr val="lt1"/>
+            </a:fontRef>
+          </p:style>
+          <p:txBody>
+            <a:bodyPr rtlCol="0" anchor="ctr"/>
+            <a:lstStyle/>
+            <a:p>
+              <a:pPr algn="ctr"/>
+              <a:endParaRPr lang="ko-KR" altLang="en-US"/>
+            </a:p>
+          </p:txBody>
+        </p:sp>
+        <p:sp>
+          <p:nvSpPr>
+            <p:cNvPr id="79" name="타원 78">
+              <a:extLst>
+                <a:ext uri="{FF2B5EF4-FFF2-40B4-BE49-F238E27FC236}">
+                  <a16:creationId xmlns:a16="http://schemas.microsoft.com/office/drawing/2014/main" id="{2F88E84A-281E-482B-A774-19FFF47E2843}"/>
+                </a:ext>
+              </a:extLst>
+            </p:cNvPr>
+            <p:cNvSpPr/>
+            <p:nvPr/>
+          </p:nvSpPr>
+          <p:spPr>
+            <a:xfrm>
+              <a:off x="28673125" y="1255986"/>
+              <a:ext cx="1261241" cy="1261241"/>
+            </a:xfrm>
+            <a:prstGeom prst="ellipse">
+              <a:avLst/>
+            </a:prstGeom>
+            <a:solidFill>
+              <a:schemeClr val="bg2">
+                <a:lumMod val="90000"/>
+              </a:schemeClr>
+            </a:solidFill>
+            <a:ln>
+              <a:noFill/>
+            </a:ln>
+          </p:spPr>
+          <p:style>
+            <a:lnRef idx="2">
+              <a:schemeClr val="accent1">
+                <a:shade val="50000"/>
+              </a:schemeClr>
+            </a:lnRef>
+            <a:fillRef idx="1">
+              <a:schemeClr val="accent1"/>
+            </a:fillRef>
+            <a:effectRef idx="0">
+              <a:schemeClr val="accent1"/>
+            </a:effectRef>
+            <a:fontRef idx="minor">
+              <a:schemeClr val="lt1"/>
+            </a:fontRef>
+          </p:style>
+          <p:txBody>
+            <a:bodyPr rtlCol="0" anchor="ctr"/>
+            <a:lstStyle/>
+            <a:p>
+              <a:pPr algn="ctr"/>
+              <a:endParaRPr lang="ko-KR" altLang="en-US"/>
+            </a:p>
+          </p:txBody>
+        </p:sp>
+        <p:sp>
+          <p:nvSpPr>
+            <p:cNvPr id="80" name="타원 79">
+              <a:extLst>
+                <a:ext uri="{FF2B5EF4-FFF2-40B4-BE49-F238E27FC236}">
+                  <a16:creationId xmlns:a16="http://schemas.microsoft.com/office/drawing/2014/main" id="{128AB321-240F-4587-B1CE-BD1D52E576F1}"/>
+                </a:ext>
+              </a:extLst>
+            </p:cNvPr>
+            <p:cNvSpPr/>
+            <p:nvPr/>
+          </p:nvSpPr>
+          <p:spPr>
+            <a:xfrm>
+              <a:off x="1976845" y="1255986"/>
+              <a:ext cx="1261241" cy="1261241"/>
+            </a:xfrm>
+            <a:prstGeom prst="ellipse">
+              <a:avLst/>
+            </a:prstGeom>
+            <a:solidFill>
+              <a:schemeClr val="bg2">
+                <a:lumMod val="90000"/>
+              </a:schemeClr>
+            </a:solidFill>
+            <a:ln>
+              <a:noFill/>
+            </a:ln>
+          </p:spPr>
+          <p:style>
+            <a:lnRef idx="2">
+              <a:schemeClr val="accent1">
+                <a:shade val="50000"/>
+              </a:schemeClr>
+            </a:lnRef>
+            <a:fillRef idx="1">
+              <a:schemeClr val="accent1"/>
+            </a:fillRef>
+            <a:effectRef idx="0">
+              <a:schemeClr val="accent1"/>
+            </a:effectRef>
+            <a:fontRef idx="minor">
+              <a:schemeClr val="lt1"/>
+            </a:fontRef>
+          </p:style>
+          <p:txBody>
+            <a:bodyPr rtlCol="0" anchor="ctr"/>
+            <a:lstStyle/>
+            <a:p>
+              <a:pPr algn="ctr"/>
+              <a:endParaRPr lang="ko-KR" altLang="en-US"/>
+            </a:p>
+          </p:txBody>
+        </p:sp>
+        <p:sp>
+          <p:nvSpPr>
+            <p:cNvPr id="81" name="타원 80">
+              <a:extLst>
+                <a:ext uri="{FF2B5EF4-FFF2-40B4-BE49-F238E27FC236}">
+                  <a16:creationId xmlns:a16="http://schemas.microsoft.com/office/drawing/2014/main" id="{10F8B0F2-707F-4D75-A6F2-E56B11C70380}"/>
+                </a:ext>
+              </a:extLst>
+            </p:cNvPr>
+            <p:cNvSpPr/>
+            <p:nvPr/>
+          </p:nvSpPr>
+          <p:spPr>
+            <a:xfrm>
+              <a:off x="32010160" y="1255986"/>
+              <a:ext cx="1261241" cy="1261241"/>
+            </a:xfrm>
+            <a:prstGeom prst="ellipse">
+              <a:avLst/>
+            </a:prstGeom>
+            <a:solidFill>
+              <a:schemeClr val="bg2">
+                <a:lumMod val="90000"/>
+              </a:schemeClr>
+            </a:solidFill>
+            <a:ln>
+              <a:noFill/>
+            </a:ln>
+          </p:spPr>
+          <p:style>
+            <a:lnRef idx="2">
+              <a:schemeClr val="accent1">
+                <a:shade val="50000"/>
+              </a:schemeClr>
+            </a:lnRef>
+            <a:fillRef idx="1">
+              <a:schemeClr val="accent1"/>
+            </a:fillRef>
+            <a:effectRef idx="0">
+              <a:schemeClr val="accent1"/>
+            </a:effectRef>
+            <a:fontRef idx="minor">
+              <a:schemeClr val="lt1"/>
+            </a:fontRef>
+          </p:style>
+          <p:txBody>
+            <a:bodyPr rtlCol="0" anchor="ctr"/>
+            <a:lstStyle/>
+            <a:p>
+              <a:pPr algn="ctr"/>
+              <a:endParaRPr lang="ko-KR" altLang="en-US"/>
+            </a:p>
+          </p:txBody>
+        </p:sp>
+      </p:grpSp>
+      <p:grpSp>
+        <p:nvGrpSpPr>
+          <p:cNvPr id="82" name="그룹 81">
+            <a:extLst>
+              <a:ext uri="{FF2B5EF4-FFF2-40B4-BE49-F238E27FC236}">
+                <a16:creationId xmlns:a16="http://schemas.microsoft.com/office/drawing/2014/main" id="{7A92AD5B-0F91-45C0-8271-E9313CCD4EBB}"/>
+              </a:ext>
+            </a:extLst>
+          </p:cNvPr>
+          <p:cNvGrpSpPr/>
+          <p:nvPr/>
+        </p:nvGrpSpPr>
+        <p:grpSpPr>
+          <a:xfrm>
+            <a:off x="2352591" y="17552280"/>
+            <a:ext cx="31294556" cy="1261242"/>
+            <a:chOff x="1976845" y="1255986"/>
+            <a:chExt cx="31294556" cy="1261242"/>
+          </a:xfrm>
+        </p:grpSpPr>
+        <p:sp>
+          <p:nvSpPr>
+            <p:cNvPr id="83" name="타원 82">
+              <a:extLst>
+                <a:ext uri="{FF2B5EF4-FFF2-40B4-BE49-F238E27FC236}">
+                  <a16:creationId xmlns:a16="http://schemas.microsoft.com/office/drawing/2014/main" id="{DE0C60C7-5218-4BFA-9855-4BBDF1E31796}"/>
+                </a:ext>
+              </a:extLst>
+            </p:cNvPr>
+            <p:cNvSpPr/>
+            <p:nvPr/>
+          </p:nvSpPr>
+          <p:spPr>
+            <a:xfrm>
+              <a:off x="5313880" y="1255987"/>
+              <a:ext cx="1261241" cy="1261241"/>
+            </a:xfrm>
+            <a:prstGeom prst="ellipse">
+              <a:avLst/>
+            </a:prstGeom>
+            <a:solidFill>
+              <a:schemeClr val="bg2">
+                <a:lumMod val="90000"/>
+              </a:schemeClr>
+            </a:solidFill>
+            <a:ln>
+              <a:noFill/>
+            </a:ln>
+          </p:spPr>
+          <p:style>
+            <a:lnRef idx="2">
+              <a:schemeClr val="accent1">
+                <a:shade val="50000"/>
+              </a:schemeClr>
+            </a:lnRef>
+            <a:fillRef idx="1">
+              <a:schemeClr val="accent1"/>
+            </a:fillRef>
+            <a:effectRef idx="0">
+              <a:schemeClr val="accent1"/>
+            </a:effectRef>
+            <a:fontRef idx="minor">
+              <a:schemeClr val="lt1"/>
+            </a:fontRef>
+          </p:style>
+          <p:txBody>
+            <a:bodyPr rtlCol="0" anchor="ctr"/>
+            <a:lstStyle/>
+            <a:p>
+              <a:pPr algn="ctr"/>
+              <a:endParaRPr lang="ko-KR" altLang="en-US"/>
+            </a:p>
+          </p:txBody>
+        </p:sp>
+        <p:sp>
+          <p:nvSpPr>
+            <p:cNvPr id="84" name="타원 83">
+              <a:extLst>
+                <a:ext uri="{FF2B5EF4-FFF2-40B4-BE49-F238E27FC236}">
+                  <a16:creationId xmlns:a16="http://schemas.microsoft.com/office/drawing/2014/main" id="{8A0A43DC-AB81-4284-9285-16BEA7BD5ECD}"/>
+                </a:ext>
+              </a:extLst>
+            </p:cNvPr>
+            <p:cNvSpPr/>
+            <p:nvPr/>
+          </p:nvSpPr>
+          <p:spPr>
+            <a:xfrm>
+              <a:off x="8650915" y="1255987"/>
+              <a:ext cx="1261241" cy="1261241"/>
+            </a:xfrm>
+            <a:prstGeom prst="ellipse">
+              <a:avLst/>
+            </a:prstGeom>
+            <a:solidFill>
+              <a:schemeClr val="bg2">
+                <a:lumMod val="90000"/>
+              </a:schemeClr>
+            </a:solidFill>
+            <a:ln>
+              <a:noFill/>
+            </a:ln>
+          </p:spPr>
+          <p:style>
+            <a:lnRef idx="2">
+              <a:schemeClr val="accent1">
+                <a:shade val="50000"/>
+              </a:schemeClr>
+            </a:lnRef>
+            <a:fillRef idx="1">
+              <a:schemeClr val="accent1"/>
+            </a:fillRef>
+            <a:effectRef idx="0">
+              <a:schemeClr val="accent1"/>
+            </a:effectRef>
+            <a:fontRef idx="minor">
+              <a:schemeClr val="lt1"/>
+            </a:fontRef>
+          </p:style>
+          <p:txBody>
+            <a:bodyPr rtlCol="0" anchor="ctr"/>
+            <a:lstStyle/>
+            <a:p>
+              <a:pPr algn="ctr"/>
+              <a:endParaRPr lang="ko-KR" altLang="en-US"/>
+            </a:p>
+          </p:txBody>
+        </p:sp>
+        <p:sp>
+          <p:nvSpPr>
+            <p:cNvPr id="85" name="타원 84">
+              <a:extLst>
+                <a:ext uri="{FF2B5EF4-FFF2-40B4-BE49-F238E27FC236}">
+                  <a16:creationId xmlns:a16="http://schemas.microsoft.com/office/drawing/2014/main" id="{D0C99A29-8E1F-460B-AD3D-EA57B226438A}"/>
+                </a:ext>
+              </a:extLst>
+            </p:cNvPr>
+            <p:cNvSpPr/>
+            <p:nvPr/>
+          </p:nvSpPr>
+          <p:spPr>
+            <a:xfrm>
+              <a:off x="11987950" y="1255987"/>
+              <a:ext cx="1261241" cy="1261241"/>
+            </a:xfrm>
+            <a:prstGeom prst="ellipse">
+              <a:avLst/>
+            </a:prstGeom>
+            <a:solidFill>
+              <a:schemeClr val="bg2">
+                <a:lumMod val="90000"/>
+              </a:schemeClr>
+            </a:solidFill>
+            <a:ln>
+              <a:noFill/>
+            </a:ln>
+          </p:spPr>
+          <p:style>
+            <a:lnRef idx="2">
+              <a:schemeClr val="accent1">
+                <a:shade val="50000"/>
+              </a:schemeClr>
+            </a:lnRef>
+            <a:fillRef idx="1">
+              <a:schemeClr val="accent1"/>
+            </a:fillRef>
+            <a:effectRef idx="0">
+              <a:schemeClr val="accent1"/>
+            </a:effectRef>
+            <a:fontRef idx="minor">
+              <a:schemeClr val="lt1"/>
+            </a:fontRef>
+          </p:style>
+          <p:txBody>
+            <a:bodyPr rtlCol="0" anchor="ctr"/>
+            <a:lstStyle/>
+            <a:p>
+              <a:pPr algn="ctr"/>
+              <a:endParaRPr lang="ko-KR" altLang="en-US"/>
+            </a:p>
+          </p:txBody>
+        </p:sp>
+        <p:sp>
+          <p:nvSpPr>
+            <p:cNvPr id="86" name="타원 85">
+              <a:extLst>
+                <a:ext uri="{FF2B5EF4-FFF2-40B4-BE49-F238E27FC236}">
+                  <a16:creationId xmlns:a16="http://schemas.microsoft.com/office/drawing/2014/main" id="{3B240565-F30A-43AF-80EF-8B8A8BBFC686}"/>
+                </a:ext>
+              </a:extLst>
+            </p:cNvPr>
+            <p:cNvSpPr/>
+            <p:nvPr/>
+          </p:nvSpPr>
+          <p:spPr>
+            <a:xfrm>
+              <a:off x="15324985" y="1255986"/>
+              <a:ext cx="1261241" cy="1261241"/>
+            </a:xfrm>
+            <a:prstGeom prst="ellipse">
+              <a:avLst/>
+            </a:prstGeom>
+            <a:solidFill>
+              <a:schemeClr val="bg2">
+                <a:lumMod val="90000"/>
+              </a:schemeClr>
+            </a:solidFill>
+            <a:ln>
+              <a:noFill/>
+            </a:ln>
+          </p:spPr>
+          <p:style>
+            <a:lnRef idx="2">
+              <a:schemeClr val="accent1">
+                <a:shade val="50000"/>
+              </a:schemeClr>
+            </a:lnRef>
+            <a:fillRef idx="1">
+              <a:schemeClr val="accent1"/>
+            </a:fillRef>
+            <a:effectRef idx="0">
+              <a:schemeClr val="accent1"/>
+            </a:effectRef>
+            <a:fontRef idx="minor">
+              <a:schemeClr val="lt1"/>
+            </a:fontRef>
+          </p:style>
+          <p:txBody>
+            <a:bodyPr rtlCol="0" anchor="ctr"/>
+            <a:lstStyle/>
+            <a:p>
+              <a:pPr algn="ctr"/>
+              <a:endParaRPr lang="ko-KR" altLang="en-US"/>
+            </a:p>
+          </p:txBody>
+        </p:sp>
+        <p:sp>
+          <p:nvSpPr>
+            <p:cNvPr id="87" name="타원 86">
+              <a:extLst>
+                <a:ext uri="{FF2B5EF4-FFF2-40B4-BE49-F238E27FC236}">
+                  <a16:creationId xmlns:a16="http://schemas.microsoft.com/office/drawing/2014/main" id="{66984384-A30C-4E52-9342-822A204B5B4D}"/>
+                </a:ext>
+              </a:extLst>
+            </p:cNvPr>
+            <p:cNvSpPr/>
+            <p:nvPr/>
+          </p:nvSpPr>
+          <p:spPr>
+            <a:xfrm>
+              <a:off x="18662020" y="1255986"/>
+              <a:ext cx="1261241" cy="1261241"/>
+            </a:xfrm>
+            <a:prstGeom prst="ellipse">
+              <a:avLst/>
+            </a:prstGeom>
+            <a:solidFill>
+              <a:schemeClr val="bg2">
+                <a:lumMod val="90000"/>
+              </a:schemeClr>
+            </a:solidFill>
+            <a:ln>
+              <a:noFill/>
+            </a:ln>
+          </p:spPr>
+          <p:style>
+            <a:lnRef idx="2">
+              <a:schemeClr val="accent1">
+                <a:shade val="50000"/>
+              </a:schemeClr>
+            </a:lnRef>
+            <a:fillRef idx="1">
+              <a:schemeClr val="accent1"/>
+            </a:fillRef>
+            <a:effectRef idx="0">
+              <a:schemeClr val="accent1"/>
+            </a:effectRef>
+            <a:fontRef idx="minor">
+              <a:schemeClr val="lt1"/>
+            </a:fontRef>
+          </p:style>
+          <p:txBody>
+            <a:bodyPr rtlCol="0" anchor="ctr"/>
+            <a:lstStyle/>
+            <a:p>
+              <a:pPr algn="ctr"/>
+              <a:endParaRPr lang="ko-KR" altLang="en-US"/>
+            </a:p>
+          </p:txBody>
+        </p:sp>
+        <p:sp>
+          <p:nvSpPr>
+            <p:cNvPr id="88" name="타원 87">
+              <a:extLst>
+                <a:ext uri="{FF2B5EF4-FFF2-40B4-BE49-F238E27FC236}">
+                  <a16:creationId xmlns:a16="http://schemas.microsoft.com/office/drawing/2014/main" id="{10F0262F-9115-4663-96AD-2DFBFB184454}"/>
+                </a:ext>
+              </a:extLst>
+            </p:cNvPr>
+            <p:cNvSpPr/>
+            <p:nvPr/>
+          </p:nvSpPr>
+          <p:spPr>
+            <a:xfrm>
+              <a:off x="21999055" y="1255986"/>
+              <a:ext cx="1261241" cy="1261241"/>
+            </a:xfrm>
+            <a:prstGeom prst="ellipse">
+              <a:avLst/>
+            </a:prstGeom>
+            <a:solidFill>
+              <a:schemeClr val="bg2">
+                <a:lumMod val="90000"/>
+              </a:schemeClr>
+            </a:solidFill>
+            <a:ln>
+              <a:noFill/>
+            </a:ln>
+          </p:spPr>
+          <p:style>
+            <a:lnRef idx="2">
+              <a:schemeClr val="accent1">
+                <a:shade val="50000"/>
+              </a:schemeClr>
+            </a:lnRef>
+            <a:fillRef idx="1">
+              <a:schemeClr val="accent1"/>
+            </a:fillRef>
+            <a:effectRef idx="0">
+              <a:schemeClr val="accent1"/>
+            </a:effectRef>
+            <a:fontRef idx="minor">
+              <a:schemeClr val="lt1"/>
+            </a:fontRef>
+          </p:style>
+          <p:txBody>
+            <a:bodyPr rtlCol="0" anchor="ctr"/>
+            <a:lstStyle/>
+            <a:p>
+              <a:pPr algn="ctr"/>
+              <a:endParaRPr lang="ko-KR" altLang="en-US"/>
+            </a:p>
+          </p:txBody>
+        </p:sp>
+        <p:sp>
+          <p:nvSpPr>
+            <p:cNvPr id="89" name="타원 88">
+              <a:extLst>
+                <a:ext uri="{FF2B5EF4-FFF2-40B4-BE49-F238E27FC236}">
+                  <a16:creationId xmlns:a16="http://schemas.microsoft.com/office/drawing/2014/main" id="{23D7695B-7CDB-4200-8903-5752D772D1BB}"/>
+                </a:ext>
+              </a:extLst>
+            </p:cNvPr>
+            <p:cNvSpPr/>
+            <p:nvPr/>
+          </p:nvSpPr>
+          <p:spPr>
+            <a:xfrm>
+              <a:off x="25336090" y="1255986"/>
+              <a:ext cx="1261241" cy="1261241"/>
+            </a:xfrm>
+            <a:prstGeom prst="ellipse">
+              <a:avLst/>
+            </a:prstGeom>
+            <a:solidFill>
+              <a:schemeClr val="bg2">
+                <a:lumMod val="90000"/>
+              </a:schemeClr>
+            </a:solidFill>
+            <a:ln>
+              <a:noFill/>
+            </a:ln>
+          </p:spPr>
+          <p:style>
+            <a:lnRef idx="2">
+              <a:schemeClr val="accent1">
+                <a:shade val="50000"/>
+              </a:schemeClr>
+            </a:lnRef>
+            <a:fillRef idx="1">
+              <a:schemeClr val="accent1"/>
+            </a:fillRef>
+            <a:effectRef idx="0">
+              <a:schemeClr val="accent1"/>
+            </a:effectRef>
+            <a:fontRef idx="minor">
+              <a:schemeClr val="lt1"/>
+            </a:fontRef>
+          </p:style>
+          <p:txBody>
+            <a:bodyPr rtlCol="0" anchor="ctr"/>
+            <a:lstStyle/>
+            <a:p>
+              <a:pPr algn="ctr"/>
+              <a:endParaRPr lang="ko-KR" altLang="en-US"/>
+            </a:p>
+          </p:txBody>
+        </p:sp>
+        <p:sp>
+          <p:nvSpPr>
+            <p:cNvPr id="90" name="타원 89">
+              <a:extLst>
+                <a:ext uri="{FF2B5EF4-FFF2-40B4-BE49-F238E27FC236}">
+                  <a16:creationId xmlns:a16="http://schemas.microsoft.com/office/drawing/2014/main" id="{EF027F3E-94F8-4678-B6D2-F1258AB67B51}"/>
+                </a:ext>
+              </a:extLst>
+            </p:cNvPr>
+            <p:cNvSpPr/>
+            <p:nvPr/>
+          </p:nvSpPr>
+          <p:spPr>
+            <a:xfrm>
+              <a:off x="28673125" y="1255986"/>
+              <a:ext cx="1261241" cy="1261241"/>
+            </a:xfrm>
+            <a:prstGeom prst="ellipse">
+              <a:avLst/>
+            </a:prstGeom>
+            <a:solidFill>
+              <a:schemeClr val="bg2">
+                <a:lumMod val="90000"/>
+              </a:schemeClr>
+            </a:solidFill>
+            <a:ln>
+              <a:noFill/>
+            </a:ln>
+          </p:spPr>
+          <p:style>
+            <a:lnRef idx="2">
+              <a:schemeClr val="accent1">
+                <a:shade val="50000"/>
+              </a:schemeClr>
+            </a:lnRef>
+            <a:fillRef idx="1">
+              <a:schemeClr val="accent1"/>
+            </a:fillRef>
+            <a:effectRef idx="0">
+              <a:schemeClr val="accent1"/>
+            </a:effectRef>
+            <a:fontRef idx="minor">
+              <a:schemeClr val="lt1"/>
+            </a:fontRef>
+          </p:style>
+          <p:txBody>
+            <a:bodyPr rtlCol="0" anchor="ctr"/>
+            <a:lstStyle/>
+            <a:p>
+              <a:pPr algn="ctr"/>
+              <a:endParaRPr lang="ko-KR" altLang="en-US"/>
+            </a:p>
+          </p:txBody>
+        </p:sp>
+        <p:sp>
+          <p:nvSpPr>
+            <p:cNvPr id="91" name="타원 90">
+              <a:extLst>
+                <a:ext uri="{FF2B5EF4-FFF2-40B4-BE49-F238E27FC236}">
+                  <a16:creationId xmlns:a16="http://schemas.microsoft.com/office/drawing/2014/main" id="{D7225913-718D-41D4-AE74-C096ABAE7E5F}"/>
+                </a:ext>
+              </a:extLst>
+            </p:cNvPr>
+            <p:cNvSpPr/>
+            <p:nvPr/>
+          </p:nvSpPr>
+          <p:spPr>
+            <a:xfrm>
+              <a:off x="1976845" y="1255986"/>
+              <a:ext cx="1261241" cy="1261241"/>
+            </a:xfrm>
+            <a:prstGeom prst="ellipse">
+              <a:avLst/>
+            </a:prstGeom>
+            <a:solidFill>
+              <a:schemeClr val="bg2">
+                <a:lumMod val="90000"/>
+              </a:schemeClr>
+            </a:solidFill>
+            <a:ln>
+              <a:noFill/>
+            </a:ln>
+          </p:spPr>
+          <p:style>
+            <a:lnRef idx="2">
+              <a:schemeClr val="accent1">
+                <a:shade val="50000"/>
+              </a:schemeClr>
+            </a:lnRef>
+            <a:fillRef idx="1">
+              <a:schemeClr val="accent1"/>
+            </a:fillRef>
+            <a:effectRef idx="0">
+              <a:schemeClr val="accent1"/>
+            </a:effectRef>
+            <a:fontRef idx="minor">
+              <a:schemeClr val="lt1"/>
+            </a:fontRef>
+          </p:style>
+          <p:txBody>
+            <a:bodyPr rtlCol="0" anchor="ctr"/>
+            <a:lstStyle/>
+            <a:p>
+              <a:pPr algn="ctr"/>
+              <a:endParaRPr lang="ko-KR" altLang="en-US"/>
+            </a:p>
+          </p:txBody>
+        </p:sp>
+        <p:sp>
+          <p:nvSpPr>
+            <p:cNvPr id="92" name="타원 91">
+              <a:extLst>
+                <a:ext uri="{FF2B5EF4-FFF2-40B4-BE49-F238E27FC236}">
+                  <a16:creationId xmlns:a16="http://schemas.microsoft.com/office/drawing/2014/main" id="{C3839B42-7E82-4EC7-852C-54834B98D25B}"/>
+                </a:ext>
+              </a:extLst>
+            </p:cNvPr>
+            <p:cNvSpPr/>
+            <p:nvPr/>
+          </p:nvSpPr>
+          <p:spPr>
+            <a:xfrm>
+              <a:off x="32010160" y="1255986"/>
+              <a:ext cx="1261241" cy="1261241"/>
+            </a:xfrm>
+            <a:prstGeom prst="ellipse">
+              <a:avLst/>
+            </a:prstGeom>
+            <a:solidFill>
+              <a:schemeClr val="bg2">
+                <a:lumMod val="90000"/>
+              </a:schemeClr>
+            </a:solidFill>
+            <a:ln>
+              <a:noFill/>
+            </a:ln>
+          </p:spPr>
+          <p:style>
+            <a:lnRef idx="2">
+              <a:schemeClr val="accent1">
+                <a:shade val="50000"/>
+              </a:schemeClr>
+            </a:lnRef>
+            <a:fillRef idx="1">
+              <a:schemeClr val="accent1"/>
+            </a:fillRef>
+            <a:effectRef idx="0">
+              <a:schemeClr val="accent1"/>
+            </a:effectRef>
+            <a:fontRef idx="minor">
+              <a:schemeClr val="lt1"/>
+            </a:fontRef>
+          </p:style>
+          <p:txBody>
+            <a:bodyPr rtlCol="0" anchor="ctr"/>
+            <a:lstStyle/>
+            <a:p>
+              <a:pPr algn="ctr"/>
+              <a:endParaRPr lang="ko-KR" altLang="en-US"/>
+            </a:p>
+          </p:txBody>
+        </p:sp>
+      </p:grpSp>
+      <p:grpSp>
+        <p:nvGrpSpPr>
+          <p:cNvPr id="93" name="그룹 92">
+            <a:extLst>
+              <a:ext uri="{FF2B5EF4-FFF2-40B4-BE49-F238E27FC236}">
+                <a16:creationId xmlns:a16="http://schemas.microsoft.com/office/drawing/2014/main" id="{45A66449-31A0-4CAE-8C7E-C2BC5863FDD4}"/>
+              </a:ext>
+            </a:extLst>
+          </p:cNvPr>
+          <p:cNvGrpSpPr/>
+          <p:nvPr/>
+        </p:nvGrpSpPr>
+        <p:grpSpPr>
+          <a:xfrm>
+            <a:off x="2352591" y="19880322"/>
+            <a:ext cx="31294556" cy="1261242"/>
+            <a:chOff x="1976845" y="1255986"/>
+            <a:chExt cx="31294556" cy="1261242"/>
+          </a:xfrm>
+        </p:grpSpPr>
+        <p:sp>
+          <p:nvSpPr>
+            <p:cNvPr id="94" name="타원 93">
+              <a:extLst>
+                <a:ext uri="{FF2B5EF4-FFF2-40B4-BE49-F238E27FC236}">
+                  <a16:creationId xmlns:a16="http://schemas.microsoft.com/office/drawing/2014/main" id="{8E57A0C1-5DB7-49E3-A2F4-54A53B0E2DBC}"/>
+                </a:ext>
+              </a:extLst>
+            </p:cNvPr>
+            <p:cNvSpPr/>
+            <p:nvPr/>
+          </p:nvSpPr>
+          <p:spPr>
+            <a:xfrm>
+              <a:off x="5313880" y="1255987"/>
+              <a:ext cx="1261241" cy="1261241"/>
+            </a:xfrm>
+            <a:prstGeom prst="ellipse">
+              <a:avLst/>
+            </a:prstGeom>
+            <a:solidFill>
+              <a:schemeClr val="bg2">
+                <a:lumMod val="90000"/>
+              </a:schemeClr>
+            </a:solidFill>
+            <a:ln>
+              <a:noFill/>
+            </a:ln>
+          </p:spPr>
+          <p:style>
+            <a:lnRef idx="2">
+              <a:schemeClr val="accent1">
+                <a:shade val="50000"/>
+              </a:schemeClr>
+            </a:lnRef>
+            <a:fillRef idx="1">
+              <a:schemeClr val="accent1"/>
+            </a:fillRef>
+            <a:effectRef idx="0">
+              <a:schemeClr val="accent1"/>
+            </a:effectRef>
+            <a:fontRef idx="minor">
+              <a:schemeClr val="lt1"/>
+            </a:fontRef>
+          </p:style>
+          <p:txBody>
+            <a:bodyPr rtlCol="0" anchor="ctr"/>
+            <a:lstStyle/>
+            <a:p>
+              <a:pPr algn="ctr"/>
+              <a:endParaRPr lang="ko-KR" altLang="en-US"/>
+            </a:p>
+          </p:txBody>
+        </p:sp>
+        <p:sp>
+          <p:nvSpPr>
+            <p:cNvPr id="95" name="타원 94">
+              <a:extLst>
+                <a:ext uri="{FF2B5EF4-FFF2-40B4-BE49-F238E27FC236}">
+                  <a16:creationId xmlns:a16="http://schemas.microsoft.com/office/drawing/2014/main" id="{D93AE81B-E901-4D42-95DE-3DF147EDB408}"/>
+                </a:ext>
+              </a:extLst>
+            </p:cNvPr>
+            <p:cNvSpPr/>
+            <p:nvPr/>
+          </p:nvSpPr>
+          <p:spPr>
+            <a:xfrm>
+              <a:off x="8650915" y="1255987"/>
+              <a:ext cx="1261241" cy="1261241"/>
+            </a:xfrm>
+            <a:prstGeom prst="ellipse">
+              <a:avLst/>
+            </a:prstGeom>
+            <a:solidFill>
+              <a:schemeClr val="bg2">
+                <a:lumMod val="90000"/>
+              </a:schemeClr>
+            </a:solidFill>
+            <a:ln>
+              <a:noFill/>
+            </a:ln>
+          </p:spPr>
+          <p:style>
+            <a:lnRef idx="2">
+              <a:schemeClr val="accent1">
+                <a:shade val="50000"/>
+              </a:schemeClr>
+            </a:lnRef>
+            <a:fillRef idx="1">
+              <a:schemeClr val="accent1"/>
+            </a:fillRef>
+            <a:effectRef idx="0">
+              <a:schemeClr val="accent1"/>
+            </a:effectRef>
+            <a:fontRef idx="minor">
+              <a:schemeClr val="lt1"/>
+            </a:fontRef>
+          </p:style>
+          <p:txBody>
+            <a:bodyPr rtlCol="0" anchor="ctr"/>
+            <a:lstStyle/>
+            <a:p>
+              <a:pPr algn="ctr"/>
+              <a:endParaRPr lang="ko-KR" altLang="en-US"/>
+            </a:p>
+          </p:txBody>
+        </p:sp>
+        <p:sp>
+          <p:nvSpPr>
+            <p:cNvPr id="96" name="타원 95">
+              <a:extLst>
+                <a:ext uri="{FF2B5EF4-FFF2-40B4-BE49-F238E27FC236}">
+                  <a16:creationId xmlns:a16="http://schemas.microsoft.com/office/drawing/2014/main" id="{39B45069-1CF7-471F-B578-A43A98916470}"/>
+                </a:ext>
+              </a:extLst>
+            </p:cNvPr>
+            <p:cNvSpPr/>
+            <p:nvPr/>
+          </p:nvSpPr>
+          <p:spPr>
+            <a:xfrm>
+              <a:off x="11987950" y="1255987"/>
+              <a:ext cx="1261241" cy="1261241"/>
+            </a:xfrm>
+            <a:prstGeom prst="ellipse">
+              <a:avLst/>
+            </a:prstGeom>
+            <a:solidFill>
+              <a:schemeClr val="bg2">
+                <a:lumMod val="90000"/>
+              </a:schemeClr>
+            </a:solidFill>
+            <a:ln>
+              <a:noFill/>
+            </a:ln>
+          </p:spPr>
+          <p:style>
+            <a:lnRef idx="2">
+              <a:schemeClr val="accent1">
+                <a:shade val="50000"/>
+              </a:schemeClr>
+            </a:lnRef>
+            <a:fillRef idx="1">
+              <a:schemeClr val="accent1"/>
+            </a:fillRef>
+            <a:effectRef idx="0">
+              <a:schemeClr val="accent1"/>
+            </a:effectRef>
+            <a:fontRef idx="minor">
+              <a:schemeClr val="lt1"/>
+            </a:fontRef>
+          </p:style>
+          <p:txBody>
+            <a:bodyPr rtlCol="0" anchor="ctr"/>
+            <a:lstStyle/>
+            <a:p>
+              <a:pPr algn="ctr"/>
+              <a:endParaRPr lang="ko-KR" altLang="en-US"/>
+            </a:p>
+          </p:txBody>
+        </p:sp>
+        <p:sp>
+          <p:nvSpPr>
+            <p:cNvPr id="97" name="타원 96">
+              <a:extLst>
+                <a:ext uri="{FF2B5EF4-FFF2-40B4-BE49-F238E27FC236}">
+                  <a16:creationId xmlns:a16="http://schemas.microsoft.com/office/drawing/2014/main" id="{A81371CC-F78E-4782-BAF6-EBA7EC12B2D2}"/>
+                </a:ext>
+              </a:extLst>
+            </p:cNvPr>
+            <p:cNvSpPr/>
+            <p:nvPr/>
+          </p:nvSpPr>
+          <p:spPr>
+            <a:xfrm>
+              <a:off x="15324985" y="1255986"/>
+              <a:ext cx="1261241" cy="1261241"/>
+            </a:xfrm>
+            <a:prstGeom prst="ellipse">
+              <a:avLst/>
+            </a:prstGeom>
+            <a:solidFill>
+              <a:schemeClr val="bg2">
+                <a:lumMod val="90000"/>
+              </a:schemeClr>
+            </a:solidFill>
+            <a:ln>
+              <a:noFill/>
+            </a:ln>
+          </p:spPr>
+          <p:style>
+            <a:lnRef idx="2">
+              <a:schemeClr val="accent1">
+                <a:shade val="50000"/>
+              </a:schemeClr>
+            </a:lnRef>
+            <a:fillRef idx="1">
+              <a:schemeClr val="accent1"/>
+            </a:fillRef>
+            <a:effectRef idx="0">
+              <a:schemeClr val="accent1"/>
+            </a:effectRef>
+            <a:fontRef idx="minor">
+              <a:schemeClr val="lt1"/>
+            </a:fontRef>
+          </p:style>
+          <p:txBody>
+            <a:bodyPr rtlCol="0" anchor="ctr"/>
+            <a:lstStyle/>
+            <a:p>
+              <a:pPr algn="ctr"/>
+              <a:endParaRPr lang="ko-KR" altLang="en-US"/>
+            </a:p>
+          </p:txBody>
+        </p:sp>
+        <p:sp>
+          <p:nvSpPr>
+            <p:cNvPr id="98" name="타원 97">
+              <a:extLst>
+                <a:ext uri="{FF2B5EF4-FFF2-40B4-BE49-F238E27FC236}">
+                  <a16:creationId xmlns:a16="http://schemas.microsoft.com/office/drawing/2014/main" id="{55CC3A59-FACC-403B-895F-A4BA8CE5A757}"/>
+                </a:ext>
+              </a:extLst>
+            </p:cNvPr>
+            <p:cNvSpPr/>
+            <p:nvPr/>
+          </p:nvSpPr>
+          <p:spPr>
+            <a:xfrm>
+              <a:off x="18662020" y="1255986"/>
+              <a:ext cx="1261241" cy="1261241"/>
+            </a:xfrm>
+            <a:prstGeom prst="ellipse">
+              <a:avLst/>
+            </a:prstGeom>
+            <a:solidFill>
+              <a:schemeClr val="bg2">
+                <a:lumMod val="90000"/>
+              </a:schemeClr>
+            </a:solidFill>
+            <a:ln>
+              <a:noFill/>
+            </a:ln>
+          </p:spPr>
+          <p:style>
+            <a:lnRef idx="2">
+              <a:schemeClr val="accent1">
+                <a:shade val="50000"/>
+              </a:schemeClr>
+            </a:lnRef>
+            <a:fillRef idx="1">
+              <a:schemeClr val="accent1"/>
+            </a:fillRef>
+            <a:effectRef idx="0">
+              <a:schemeClr val="accent1"/>
+            </a:effectRef>
+            <a:fontRef idx="minor">
+              <a:schemeClr val="lt1"/>
+            </a:fontRef>
+          </p:style>
+          <p:txBody>
+            <a:bodyPr rtlCol="0" anchor="ctr"/>
+            <a:lstStyle/>
+            <a:p>
+              <a:pPr algn="ctr"/>
+              <a:endParaRPr lang="ko-KR" altLang="en-US"/>
+            </a:p>
+          </p:txBody>
+        </p:sp>
+        <p:sp>
+          <p:nvSpPr>
+            <p:cNvPr id="99" name="타원 98">
+              <a:extLst>
+                <a:ext uri="{FF2B5EF4-FFF2-40B4-BE49-F238E27FC236}">
+                  <a16:creationId xmlns:a16="http://schemas.microsoft.com/office/drawing/2014/main" id="{5D0AC577-A76F-4747-93CE-92797999D97F}"/>
+                </a:ext>
+              </a:extLst>
+            </p:cNvPr>
+            <p:cNvSpPr/>
+            <p:nvPr/>
+          </p:nvSpPr>
+          <p:spPr>
+            <a:xfrm>
+              <a:off x="21999055" y="1255986"/>
+              <a:ext cx="1261241" cy="1261241"/>
+            </a:xfrm>
+            <a:prstGeom prst="ellipse">
+              <a:avLst/>
+            </a:prstGeom>
+            <a:solidFill>
+              <a:schemeClr val="bg2">
+                <a:lumMod val="90000"/>
+              </a:schemeClr>
+            </a:solidFill>
+            <a:ln>
+              <a:noFill/>
+            </a:ln>
+          </p:spPr>
+          <p:style>
+            <a:lnRef idx="2">
+              <a:schemeClr val="accent1">
+                <a:shade val="50000"/>
+              </a:schemeClr>
+            </a:lnRef>
+            <a:fillRef idx="1">
+              <a:schemeClr val="accent1"/>
+            </a:fillRef>
+            <a:effectRef idx="0">
+              <a:schemeClr val="accent1"/>
+            </a:effectRef>
+            <a:fontRef idx="minor">
+              <a:schemeClr val="lt1"/>
+            </a:fontRef>
+          </p:style>
+          <p:txBody>
+            <a:bodyPr rtlCol="0" anchor="ctr"/>
+            <a:lstStyle/>
+            <a:p>
+              <a:pPr algn="ctr"/>
+              <a:endParaRPr lang="ko-KR" altLang="en-US"/>
+            </a:p>
+          </p:txBody>
+        </p:sp>
+        <p:sp>
+          <p:nvSpPr>
+            <p:cNvPr id="100" name="타원 99">
+              <a:extLst>
+                <a:ext uri="{FF2B5EF4-FFF2-40B4-BE49-F238E27FC236}">
+                  <a16:creationId xmlns:a16="http://schemas.microsoft.com/office/drawing/2014/main" id="{964EDD46-EB3E-4989-9EE7-345D1C94BA5F}"/>
+                </a:ext>
+              </a:extLst>
+            </p:cNvPr>
+            <p:cNvSpPr/>
+            <p:nvPr/>
+          </p:nvSpPr>
+          <p:spPr>
+            <a:xfrm>
+              <a:off x="25336090" y="1255986"/>
+              <a:ext cx="1261241" cy="1261241"/>
+            </a:xfrm>
+            <a:prstGeom prst="ellipse">
+              <a:avLst/>
+            </a:prstGeom>
+            <a:solidFill>
+              <a:schemeClr val="bg2">
+                <a:lumMod val="90000"/>
+              </a:schemeClr>
+            </a:solidFill>
+            <a:ln>
+              <a:noFill/>
+            </a:ln>
+          </p:spPr>
+          <p:style>
+            <a:lnRef idx="2">
+              <a:schemeClr val="accent1">
+                <a:shade val="50000"/>
+              </a:schemeClr>
+            </a:lnRef>
+            <a:fillRef idx="1">
+              <a:schemeClr val="accent1"/>
+            </a:fillRef>
+            <a:effectRef idx="0">
+              <a:schemeClr val="accent1"/>
+            </a:effectRef>
+            <a:fontRef idx="minor">
+              <a:schemeClr val="lt1"/>
+            </a:fontRef>
+          </p:style>
+          <p:txBody>
+            <a:bodyPr rtlCol="0" anchor="ctr"/>
+            <a:lstStyle/>
+            <a:p>
+              <a:pPr algn="ctr"/>
+              <a:endParaRPr lang="ko-KR" altLang="en-US"/>
+            </a:p>
+          </p:txBody>
+        </p:sp>
+        <p:sp>
+          <p:nvSpPr>
+            <p:cNvPr id="101" name="타원 100">
+              <a:extLst>
+                <a:ext uri="{FF2B5EF4-FFF2-40B4-BE49-F238E27FC236}">
+                  <a16:creationId xmlns:a16="http://schemas.microsoft.com/office/drawing/2014/main" id="{565EF7B8-70DF-4D35-B029-7BA1CAE0F0A3}"/>
+                </a:ext>
+              </a:extLst>
+            </p:cNvPr>
+            <p:cNvSpPr/>
+            <p:nvPr/>
+          </p:nvSpPr>
+          <p:spPr>
+            <a:xfrm>
+              <a:off x="28673125" y="1255986"/>
+              <a:ext cx="1261241" cy="1261241"/>
+            </a:xfrm>
+            <a:prstGeom prst="ellipse">
+              <a:avLst/>
+            </a:prstGeom>
+            <a:solidFill>
+              <a:schemeClr val="bg2">
+                <a:lumMod val="90000"/>
+              </a:schemeClr>
+            </a:solidFill>
+            <a:ln>
+              <a:noFill/>
+            </a:ln>
+          </p:spPr>
+          <p:style>
+            <a:lnRef idx="2">
+              <a:schemeClr val="accent1">
+                <a:shade val="50000"/>
+              </a:schemeClr>
+            </a:lnRef>
+            <a:fillRef idx="1">
+              <a:schemeClr val="accent1"/>
+            </a:fillRef>
+            <a:effectRef idx="0">
+              <a:schemeClr val="accent1"/>
+            </a:effectRef>
+            <a:fontRef idx="minor">
+              <a:schemeClr val="lt1"/>
+            </a:fontRef>
+          </p:style>
+          <p:txBody>
+            <a:bodyPr rtlCol="0" anchor="ctr"/>
+            <a:lstStyle/>
+            <a:p>
+              <a:pPr algn="ctr"/>
+              <a:endParaRPr lang="ko-KR" altLang="en-US"/>
+            </a:p>
+          </p:txBody>
+        </p:sp>
+        <p:sp>
+          <p:nvSpPr>
+            <p:cNvPr id="102" name="타원 101">
+              <a:extLst>
+                <a:ext uri="{FF2B5EF4-FFF2-40B4-BE49-F238E27FC236}">
+                  <a16:creationId xmlns:a16="http://schemas.microsoft.com/office/drawing/2014/main" id="{42BBA4A7-13F3-4CA3-9C3C-E7A6C05CA0BB}"/>
+                </a:ext>
+              </a:extLst>
+            </p:cNvPr>
+            <p:cNvSpPr/>
+            <p:nvPr/>
+          </p:nvSpPr>
+          <p:spPr>
+            <a:xfrm>
+              <a:off x="1976845" y="1255986"/>
+              <a:ext cx="1261241" cy="1261241"/>
+            </a:xfrm>
+            <a:prstGeom prst="ellipse">
+              <a:avLst/>
+            </a:prstGeom>
+            <a:solidFill>
+              <a:schemeClr val="bg2">
+                <a:lumMod val="90000"/>
+              </a:schemeClr>
+            </a:solidFill>
+            <a:ln>
+              <a:noFill/>
+            </a:ln>
+          </p:spPr>
+          <p:style>
+            <a:lnRef idx="2">
+              <a:schemeClr val="accent1">
+                <a:shade val="50000"/>
+              </a:schemeClr>
+            </a:lnRef>
+            <a:fillRef idx="1">
+              <a:schemeClr val="accent1"/>
+            </a:fillRef>
+            <a:effectRef idx="0">
+              <a:schemeClr val="accent1"/>
+            </a:effectRef>
+            <a:fontRef idx="minor">
+              <a:schemeClr val="lt1"/>
+            </a:fontRef>
+          </p:style>
+          <p:txBody>
+            <a:bodyPr rtlCol="0" anchor="ctr"/>
+            <a:lstStyle/>
+            <a:p>
+              <a:pPr algn="ctr"/>
+              <a:endParaRPr lang="ko-KR" altLang="en-US"/>
+            </a:p>
+          </p:txBody>
+        </p:sp>
+        <p:sp>
+          <p:nvSpPr>
+            <p:cNvPr id="103" name="타원 102">
+              <a:extLst>
+                <a:ext uri="{FF2B5EF4-FFF2-40B4-BE49-F238E27FC236}">
+                  <a16:creationId xmlns:a16="http://schemas.microsoft.com/office/drawing/2014/main" id="{77C3AB52-B682-4CC0-8368-9B5A4DCB96C5}"/>
+                </a:ext>
+              </a:extLst>
+            </p:cNvPr>
+            <p:cNvSpPr/>
+            <p:nvPr/>
+          </p:nvSpPr>
+          <p:spPr>
+            <a:xfrm>
+              <a:off x="32010160" y="1255986"/>
+              <a:ext cx="1261241" cy="1261241"/>
+            </a:xfrm>
+            <a:prstGeom prst="ellipse">
+              <a:avLst/>
+            </a:prstGeom>
+            <a:solidFill>
+              <a:schemeClr val="bg2">
+                <a:lumMod val="90000"/>
+              </a:schemeClr>
+            </a:solidFill>
+            <a:ln>
+              <a:noFill/>
+            </a:ln>
+          </p:spPr>
+          <p:style>
+            <a:lnRef idx="2">
+              <a:schemeClr val="accent1">
+                <a:shade val="50000"/>
+              </a:schemeClr>
+            </a:lnRef>
+            <a:fillRef idx="1">
+              <a:schemeClr val="accent1"/>
+            </a:fillRef>
+            <a:effectRef idx="0">
+              <a:schemeClr val="accent1"/>
+            </a:effectRef>
+            <a:fontRef idx="minor">
+              <a:schemeClr val="lt1"/>
+            </a:fontRef>
+          </p:style>
+          <p:txBody>
+            <a:bodyPr rtlCol="0" anchor="ctr"/>
+            <a:lstStyle/>
+            <a:p>
+              <a:pPr algn="ctr"/>
+              <a:endParaRPr lang="ko-KR" altLang="en-US"/>
+            </a:p>
+          </p:txBody>
+        </p:sp>
+      </p:grpSp>
+      <p:grpSp>
+        <p:nvGrpSpPr>
+          <p:cNvPr id="104" name="그룹 103">
+            <a:extLst>
+              <a:ext uri="{FF2B5EF4-FFF2-40B4-BE49-F238E27FC236}">
+                <a16:creationId xmlns:a16="http://schemas.microsoft.com/office/drawing/2014/main" id="{1AB2A188-2275-4D64-8707-0E69476F0E54}"/>
+              </a:ext>
+            </a:extLst>
+          </p:cNvPr>
+          <p:cNvGrpSpPr/>
+          <p:nvPr/>
+        </p:nvGrpSpPr>
+        <p:grpSpPr>
+          <a:xfrm>
+            <a:off x="2352591" y="22208364"/>
+            <a:ext cx="31294556" cy="1261242"/>
+            <a:chOff x="1976845" y="1255986"/>
+            <a:chExt cx="31294556" cy="1261242"/>
+          </a:xfrm>
+        </p:grpSpPr>
+        <p:sp>
+          <p:nvSpPr>
+            <p:cNvPr id="105" name="타원 104">
+              <a:extLst>
+                <a:ext uri="{FF2B5EF4-FFF2-40B4-BE49-F238E27FC236}">
+                  <a16:creationId xmlns:a16="http://schemas.microsoft.com/office/drawing/2014/main" id="{CB78C0B5-7B7D-4097-8102-7F5AF4880358}"/>
+                </a:ext>
+              </a:extLst>
+            </p:cNvPr>
+            <p:cNvSpPr/>
+            <p:nvPr/>
+          </p:nvSpPr>
+          <p:spPr>
+            <a:xfrm>
+              <a:off x="5313880" y="1255987"/>
+              <a:ext cx="1261241" cy="1261241"/>
+            </a:xfrm>
+            <a:prstGeom prst="ellipse">
+              <a:avLst/>
+            </a:prstGeom>
+            <a:solidFill>
+              <a:schemeClr val="bg2">
+                <a:lumMod val="90000"/>
+              </a:schemeClr>
+            </a:solidFill>
+            <a:ln>
+              <a:noFill/>
+            </a:ln>
+          </p:spPr>
+          <p:style>
+            <a:lnRef idx="2">
+              <a:schemeClr val="accent1">
+                <a:shade val="50000"/>
+              </a:schemeClr>
+            </a:lnRef>
+            <a:fillRef idx="1">
+              <a:schemeClr val="accent1"/>
+            </a:fillRef>
+            <a:effectRef idx="0">
+              <a:schemeClr val="accent1"/>
+            </a:effectRef>
+            <a:fontRef idx="minor">
+              <a:schemeClr val="lt1"/>
+            </a:fontRef>
+          </p:style>
+          <p:txBody>
+            <a:bodyPr rtlCol="0" anchor="ctr"/>
+            <a:lstStyle/>
+            <a:p>
+              <a:pPr algn="ctr"/>
+              <a:endParaRPr lang="ko-KR" altLang="en-US"/>
+            </a:p>
+          </p:txBody>
+        </p:sp>
+        <p:sp>
+          <p:nvSpPr>
+            <p:cNvPr id="106" name="타원 105">
+              <a:extLst>
+                <a:ext uri="{FF2B5EF4-FFF2-40B4-BE49-F238E27FC236}">
+                  <a16:creationId xmlns:a16="http://schemas.microsoft.com/office/drawing/2014/main" id="{005E7D67-75D0-4674-942A-BC8800CF5A89}"/>
+                </a:ext>
+              </a:extLst>
+            </p:cNvPr>
+            <p:cNvSpPr/>
+            <p:nvPr/>
+          </p:nvSpPr>
+          <p:spPr>
+            <a:xfrm>
+              <a:off x="8650915" y="1255987"/>
+              <a:ext cx="1261241" cy="1261241"/>
+            </a:xfrm>
+            <a:prstGeom prst="ellipse">
+              <a:avLst/>
+            </a:prstGeom>
+            <a:solidFill>
+              <a:schemeClr val="bg2">
+                <a:lumMod val="90000"/>
+              </a:schemeClr>
+            </a:solidFill>
+            <a:ln>
+              <a:noFill/>
+            </a:ln>
+          </p:spPr>
+          <p:style>
+            <a:lnRef idx="2">
+              <a:schemeClr val="accent1">
+                <a:shade val="50000"/>
+              </a:schemeClr>
+            </a:lnRef>
+            <a:fillRef idx="1">
+              <a:schemeClr val="accent1"/>
+            </a:fillRef>
+            <a:effectRef idx="0">
+              <a:schemeClr val="accent1"/>
+            </a:effectRef>
+            <a:fontRef idx="minor">
+              <a:schemeClr val="lt1"/>
+            </a:fontRef>
+          </p:style>
+          <p:txBody>
+            <a:bodyPr rtlCol="0" anchor="ctr"/>
+            <a:lstStyle/>
+            <a:p>
+              <a:pPr algn="ctr"/>
+              <a:endParaRPr lang="ko-KR" altLang="en-US"/>
+            </a:p>
+          </p:txBody>
+        </p:sp>
+        <p:sp>
+          <p:nvSpPr>
+            <p:cNvPr id="107" name="타원 106">
+              <a:extLst>
+                <a:ext uri="{FF2B5EF4-FFF2-40B4-BE49-F238E27FC236}">
+                  <a16:creationId xmlns:a16="http://schemas.microsoft.com/office/drawing/2014/main" id="{4234431E-932D-4491-A67D-6777680D84FD}"/>
+                </a:ext>
+              </a:extLst>
+            </p:cNvPr>
+            <p:cNvSpPr/>
+            <p:nvPr/>
+          </p:nvSpPr>
+          <p:spPr>
+            <a:xfrm>
+              <a:off x="11987950" y="1255987"/>
+              <a:ext cx="1261241" cy="1261241"/>
+            </a:xfrm>
+            <a:prstGeom prst="ellipse">
+              <a:avLst/>
+            </a:prstGeom>
+            <a:solidFill>
+              <a:schemeClr val="bg2">
+                <a:lumMod val="90000"/>
+              </a:schemeClr>
+            </a:solidFill>
+            <a:ln>
+              <a:noFill/>
+            </a:ln>
+          </p:spPr>
+          <p:style>
+            <a:lnRef idx="2">
+              <a:schemeClr val="accent1">
+                <a:shade val="50000"/>
+              </a:schemeClr>
+            </a:lnRef>
+            <a:fillRef idx="1">
+              <a:schemeClr val="accent1"/>
+            </a:fillRef>
+            <a:effectRef idx="0">
+              <a:schemeClr val="accent1"/>
+            </a:effectRef>
+            <a:fontRef idx="minor">
+              <a:schemeClr val="lt1"/>
+            </a:fontRef>
+          </p:style>
+          <p:txBody>
+            <a:bodyPr rtlCol="0" anchor="ctr"/>
+            <a:lstStyle/>
+            <a:p>
+              <a:pPr algn="ctr"/>
+              <a:endParaRPr lang="ko-KR" altLang="en-US"/>
+            </a:p>
+          </p:txBody>
+        </p:sp>
+        <p:sp>
+          <p:nvSpPr>
+            <p:cNvPr id="108" name="타원 107">
+              <a:extLst>
+                <a:ext uri="{FF2B5EF4-FFF2-40B4-BE49-F238E27FC236}">
+                  <a16:creationId xmlns:a16="http://schemas.microsoft.com/office/drawing/2014/main" id="{80FB6783-45E0-4103-B804-B4B954294BF3}"/>
+                </a:ext>
+              </a:extLst>
+            </p:cNvPr>
+            <p:cNvSpPr/>
+            <p:nvPr/>
+          </p:nvSpPr>
+          <p:spPr>
+            <a:xfrm>
+              <a:off x="15324985" y="1255986"/>
+              <a:ext cx="1261241" cy="1261241"/>
+            </a:xfrm>
+            <a:prstGeom prst="ellipse">
+              <a:avLst/>
+            </a:prstGeom>
+            <a:solidFill>
+              <a:schemeClr val="bg2">
+                <a:lumMod val="90000"/>
+              </a:schemeClr>
+            </a:solidFill>
+            <a:ln>
+              <a:noFill/>
+            </a:ln>
+          </p:spPr>
+          <p:style>
+            <a:lnRef idx="2">
+              <a:schemeClr val="accent1">
+                <a:shade val="50000"/>
+              </a:schemeClr>
+            </a:lnRef>
+            <a:fillRef idx="1">
+              <a:schemeClr val="accent1"/>
+            </a:fillRef>
+            <a:effectRef idx="0">
+              <a:schemeClr val="accent1"/>
+            </a:effectRef>
+            <a:fontRef idx="minor">
+              <a:schemeClr val="lt1"/>
+            </a:fontRef>
+          </p:style>
+          <p:txBody>
+            <a:bodyPr rtlCol="0" anchor="ctr"/>
+            <a:lstStyle/>
+            <a:p>
+              <a:pPr algn="ctr"/>
+              <a:endParaRPr lang="ko-KR" altLang="en-US"/>
+            </a:p>
+          </p:txBody>
+        </p:sp>
+        <p:sp>
+          <p:nvSpPr>
+            <p:cNvPr id="109" name="타원 108">
+              <a:extLst>
+                <a:ext uri="{FF2B5EF4-FFF2-40B4-BE49-F238E27FC236}">
+                  <a16:creationId xmlns:a16="http://schemas.microsoft.com/office/drawing/2014/main" id="{FB5FC38A-4937-42CE-9823-CEEEB535DDFA}"/>
+                </a:ext>
+              </a:extLst>
+            </p:cNvPr>
+            <p:cNvSpPr/>
+            <p:nvPr/>
+          </p:nvSpPr>
+          <p:spPr>
+            <a:xfrm>
+              <a:off x="18662020" y="1255986"/>
+              <a:ext cx="1261241" cy="1261241"/>
+            </a:xfrm>
+            <a:prstGeom prst="ellipse">
+              <a:avLst/>
+            </a:prstGeom>
+            <a:solidFill>
+              <a:schemeClr val="bg2">
+                <a:lumMod val="90000"/>
+              </a:schemeClr>
+            </a:solidFill>
+            <a:ln>
+              <a:noFill/>
+            </a:ln>
+          </p:spPr>
+          <p:style>
+            <a:lnRef idx="2">
+              <a:schemeClr val="accent1">
+                <a:shade val="50000"/>
+              </a:schemeClr>
+            </a:lnRef>
+            <a:fillRef idx="1">
+              <a:schemeClr val="accent1"/>
+            </a:fillRef>
+            <a:effectRef idx="0">
+              <a:schemeClr val="accent1"/>
+            </a:effectRef>
+            <a:fontRef idx="minor">
+              <a:schemeClr val="lt1"/>
+            </a:fontRef>
+          </p:style>
+          <p:txBody>
+            <a:bodyPr rtlCol="0" anchor="ctr"/>
+            <a:lstStyle/>
+            <a:p>
+              <a:pPr algn="ctr"/>
+              <a:endParaRPr lang="ko-KR" altLang="en-US"/>
+            </a:p>
+          </p:txBody>
+        </p:sp>
+        <p:sp>
+          <p:nvSpPr>
+            <p:cNvPr id="110" name="타원 109">
+              <a:extLst>
+                <a:ext uri="{FF2B5EF4-FFF2-40B4-BE49-F238E27FC236}">
+                  <a16:creationId xmlns:a16="http://schemas.microsoft.com/office/drawing/2014/main" id="{1AB88CF3-8226-4FEE-800C-54CB663D7A33}"/>
+                </a:ext>
+              </a:extLst>
+            </p:cNvPr>
+            <p:cNvSpPr/>
+            <p:nvPr/>
+          </p:nvSpPr>
+          <p:spPr>
+            <a:xfrm>
+              <a:off x="21999055" y="1255986"/>
+              <a:ext cx="1261241" cy="1261241"/>
+            </a:xfrm>
+            <a:prstGeom prst="ellipse">
+              <a:avLst/>
+            </a:prstGeom>
+            <a:solidFill>
+              <a:schemeClr val="bg2">
+                <a:lumMod val="90000"/>
+              </a:schemeClr>
+            </a:solidFill>
+            <a:ln>
+              <a:noFill/>
+            </a:ln>
+          </p:spPr>
+          <p:style>
+            <a:lnRef idx="2">
+              <a:schemeClr val="accent1">
+                <a:shade val="50000"/>
+              </a:schemeClr>
+            </a:lnRef>
+            <a:fillRef idx="1">
+              <a:schemeClr val="accent1"/>
+            </a:fillRef>
+            <a:effectRef idx="0">
+              <a:schemeClr val="accent1"/>
+            </a:effectRef>
+            <a:fontRef idx="minor">
+              <a:schemeClr val="lt1"/>
+            </a:fontRef>
+          </p:style>
+          <p:txBody>
+            <a:bodyPr rtlCol="0" anchor="ctr"/>
+            <a:lstStyle/>
+            <a:p>
+              <a:pPr algn="ctr"/>
+              <a:endParaRPr lang="ko-KR" altLang="en-US"/>
+            </a:p>
+          </p:txBody>
+        </p:sp>
+        <p:sp>
+          <p:nvSpPr>
+            <p:cNvPr id="111" name="타원 110">
+              <a:extLst>
+                <a:ext uri="{FF2B5EF4-FFF2-40B4-BE49-F238E27FC236}">
+                  <a16:creationId xmlns:a16="http://schemas.microsoft.com/office/drawing/2014/main" id="{B9E84B07-3795-4199-93A4-E65D59CEC3FC}"/>
+                </a:ext>
+              </a:extLst>
+            </p:cNvPr>
+            <p:cNvSpPr/>
+            <p:nvPr/>
+          </p:nvSpPr>
+          <p:spPr>
+            <a:xfrm>
+              <a:off x="25336090" y="1255986"/>
+              <a:ext cx="1261241" cy="1261241"/>
+            </a:xfrm>
+            <a:prstGeom prst="ellipse">
+              <a:avLst/>
+            </a:prstGeom>
+            <a:solidFill>
+              <a:schemeClr val="bg2">
+                <a:lumMod val="90000"/>
+              </a:schemeClr>
+            </a:solidFill>
+            <a:ln>
+              <a:noFill/>
+            </a:ln>
+          </p:spPr>
+          <p:style>
+            <a:lnRef idx="2">
+              <a:schemeClr val="accent1">
+                <a:shade val="50000"/>
+              </a:schemeClr>
+            </a:lnRef>
+            <a:fillRef idx="1">
+              <a:schemeClr val="accent1"/>
+            </a:fillRef>
+            <a:effectRef idx="0">
+              <a:schemeClr val="accent1"/>
+            </a:effectRef>
+            <a:fontRef idx="minor">
+              <a:schemeClr val="lt1"/>
+            </a:fontRef>
+          </p:style>
+          <p:txBody>
+            <a:bodyPr rtlCol="0" anchor="ctr"/>
+            <a:lstStyle/>
+            <a:p>
+              <a:pPr algn="ctr"/>
+              <a:endParaRPr lang="ko-KR" altLang="en-US"/>
+            </a:p>
+          </p:txBody>
+        </p:sp>
+        <p:sp>
+          <p:nvSpPr>
+            <p:cNvPr id="112" name="타원 111">
+              <a:extLst>
+                <a:ext uri="{FF2B5EF4-FFF2-40B4-BE49-F238E27FC236}">
+                  <a16:creationId xmlns:a16="http://schemas.microsoft.com/office/drawing/2014/main" id="{962A0E80-0804-4149-B689-06DC5AA43A3D}"/>
+                </a:ext>
+              </a:extLst>
+            </p:cNvPr>
+            <p:cNvSpPr/>
+            <p:nvPr/>
+          </p:nvSpPr>
+          <p:spPr>
+            <a:xfrm>
+              <a:off x="28673125" y="1255986"/>
+              <a:ext cx="1261241" cy="1261241"/>
+            </a:xfrm>
+            <a:prstGeom prst="ellipse">
+              <a:avLst/>
+            </a:prstGeom>
+            <a:solidFill>
+              <a:schemeClr val="bg2">
+                <a:lumMod val="90000"/>
+              </a:schemeClr>
+            </a:solidFill>
+            <a:ln>
+              <a:noFill/>
+            </a:ln>
+          </p:spPr>
+          <p:style>
+            <a:lnRef idx="2">
+              <a:schemeClr val="accent1">
+                <a:shade val="50000"/>
+              </a:schemeClr>
+            </a:lnRef>
+            <a:fillRef idx="1">
+              <a:schemeClr val="accent1"/>
+            </a:fillRef>
+            <a:effectRef idx="0">
+              <a:schemeClr val="accent1"/>
+            </a:effectRef>
+            <a:fontRef idx="minor">
+              <a:schemeClr val="lt1"/>
+            </a:fontRef>
+          </p:style>
+          <p:txBody>
+            <a:bodyPr rtlCol="0" anchor="ctr"/>
+            <a:lstStyle/>
+            <a:p>
+              <a:pPr algn="ctr"/>
+              <a:endParaRPr lang="ko-KR" altLang="en-US"/>
+            </a:p>
+          </p:txBody>
+        </p:sp>
+        <p:sp>
+          <p:nvSpPr>
+            <p:cNvPr id="113" name="타원 112">
+              <a:extLst>
+                <a:ext uri="{FF2B5EF4-FFF2-40B4-BE49-F238E27FC236}">
+                  <a16:creationId xmlns:a16="http://schemas.microsoft.com/office/drawing/2014/main" id="{805CFE32-4296-4E41-9694-72FD06217619}"/>
+                </a:ext>
+              </a:extLst>
+            </p:cNvPr>
+            <p:cNvSpPr/>
+            <p:nvPr/>
+          </p:nvSpPr>
+          <p:spPr>
+            <a:xfrm>
+              <a:off x="1976845" y="1255986"/>
+              <a:ext cx="1261241" cy="1261241"/>
+            </a:xfrm>
+            <a:prstGeom prst="ellipse">
+              <a:avLst/>
+            </a:prstGeom>
+            <a:solidFill>
+              <a:schemeClr val="bg2">
+                <a:lumMod val="90000"/>
+              </a:schemeClr>
+            </a:solidFill>
+            <a:ln>
+              <a:noFill/>
+            </a:ln>
+          </p:spPr>
+          <p:style>
+            <a:lnRef idx="2">
+              <a:schemeClr val="accent1">
+                <a:shade val="50000"/>
+              </a:schemeClr>
+            </a:lnRef>
+            <a:fillRef idx="1">
+              <a:schemeClr val="accent1"/>
+            </a:fillRef>
+            <a:effectRef idx="0">
+              <a:schemeClr val="accent1"/>
+            </a:effectRef>
+            <a:fontRef idx="minor">
+              <a:schemeClr val="lt1"/>
+            </a:fontRef>
+          </p:style>
+          <p:txBody>
+            <a:bodyPr rtlCol="0" anchor="ctr"/>
+            <a:lstStyle/>
+            <a:p>
+              <a:pPr algn="ctr"/>
+              <a:endParaRPr lang="ko-KR" altLang="en-US"/>
+            </a:p>
+          </p:txBody>
+        </p:sp>
+        <p:sp>
+          <p:nvSpPr>
+            <p:cNvPr id="114" name="타원 113">
+              <a:extLst>
+                <a:ext uri="{FF2B5EF4-FFF2-40B4-BE49-F238E27FC236}">
+                  <a16:creationId xmlns:a16="http://schemas.microsoft.com/office/drawing/2014/main" id="{E86138DA-C206-476C-90E0-94C2DC3CB950}"/>
+                </a:ext>
+              </a:extLst>
+            </p:cNvPr>
+            <p:cNvSpPr/>
+            <p:nvPr/>
+          </p:nvSpPr>
+          <p:spPr>
+            <a:xfrm>
+              <a:off x="32010160" y="1255986"/>
+              <a:ext cx="1261241" cy="1261241"/>
+            </a:xfrm>
+            <a:prstGeom prst="ellipse">
+              <a:avLst/>
+            </a:prstGeom>
+            <a:solidFill>
+              <a:schemeClr val="bg2">
+                <a:lumMod val="90000"/>
+              </a:schemeClr>
+            </a:solidFill>
+            <a:ln>
+              <a:noFill/>
+            </a:ln>
+          </p:spPr>
+          <p:style>
+            <a:lnRef idx="2">
+              <a:schemeClr val="accent1">
+                <a:shade val="50000"/>
+              </a:schemeClr>
+            </a:lnRef>
+            <a:fillRef idx="1">
+              <a:schemeClr val="accent1"/>
+            </a:fillRef>
+            <a:effectRef idx="0">
+              <a:schemeClr val="accent1"/>
+            </a:effectRef>
+            <a:fontRef idx="minor">
+              <a:schemeClr val="lt1"/>
+            </a:fontRef>
+          </p:style>
+          <p:txBody>
+            <a:bodyPr rtlCol="0" anchor="ctr"/>
+            <a:lstStyle/>
+            <a:p>
+              <a:pPr algn="ctr"/>
+              <a:endParaRPr lang="ko-KR" altLang="en-US"/>
+            </a:p>
+          </p:txBody>
+        </p:sp>
+      </p:grpSp>
+      <p:sp>
+        <p:nvSpPr>
+          <p:cNvPr id="116" name="타원 115">
+            <a:extLst>
+              <a:ext uri="{FF2B5EF4-FFF2-40B4-BE49-F238E27FC236}">
+                <a16:creationId xmlns:a16="http://schemas.microsoft.com/office/drawing/2014/main" id="{E38410D7-E8D9-4A57-BEA6-C8A91C5007E8}"/>
+              </a:ext>
+            </a:extLst>
+          </p:cNvPr>
+          <p:cNvSpPr/>
+          <p:nvPr/>
+        </p:nvSpPr>
+        <p:spPr>
+          <a:xfrm>
+            <a:off x="5689626" y="24536407"/>
+            <a:ext cx="1261241" cy="1261241"/>
+          </a:xfrm>
+          <a:prstGeom prst="ellipse">
+            <a:avLst/>
+          </a:prstGeom>
+          <a:solidFill>
+            <a:schemeClr val="bg2">
+              <a:lumMod val="90000"/>
+            </a:schemeClr>
+          </a:solidFill>
+          <a:ln>
+            <a:noFill/>
+          </a:ln>
+        </p:spPr>
+        <p:style>
+          <a:lnRef idx="2">
+            <a:schemeClr val="accent1">
+              <a:shade val="50000"/>
+            </a:schemeClr>
+          </a:lnRef>
+          <a:fillRef idx="1">
+            <a:schemeClr val="accent1"/>
+          </a:fillRef>
+          <a:effectRef idx="0">
+            <a:schemeClr val="accent1"/>
+          </a:effectRef>
+          <a:fontRef idx="minor">
+            <a:schemeClr val="lt1"/>
+          </a:fontRef>
+        </p:style>
+        <p:txBody>
+          <a:bodyPr rtlCol="0" anchor="ctr"/>
+          <a:lstStyle/>
+          <a:p>
+            <a:pPr algn="ctr"/>
+            <a:endParaRPr lang="ko-KR" altLang="en-US"/>
+          </a:p>
+        </p:txBody>
+      </p:sp>
+      <p:sp>
+        <p:nvSpPr>
+          <p:cNvPr id="117" name="타원 116">
+            <a:extLst>
+              <a:ext uri="{FF2B5EF4-FFF2-40B4-BE49-F238E27FC236}">
+                <a16:creationId xmlns:a16="http://schemas.microsoft.com/office/drawing/2014/main" id="{07148623-B361-44B1-B8BF-176E2E724A44}"/>
+              </a:ext>
+            </a:extLst>
+          </p:cNvPr>
+          <p:cNvSpPr/>
+          <p:nvPr/>
+        </p:nvSpPr>
+        <p:spPr>
+          <a:xfrm>
+            <a:off x="9026661" y="24536407"/>
+            <a:ext cx="1261241" cy="1261241"/>
+          </a:xfrm>
+          <a:prstGeom prst="ellipse">
+            <a:avLst/>
+          </a:prstGeom>
+          <a:solidFill>
+            <a:schemeClr val="bg2">
+              <a:lumMod val="90000"/>
+            </a:schemeClr>
+          </a:solidFill>
+          <a:ln>
+            <a:noFill/>
+          </a:ln>
+        </p:spPr>
+        <p:style>
+          <a:lnRef idx="2">
+            <a:schemeClr val="accent1">
+              <a:shade val="50000"/>
+            </a:schemeClr>
+          </a:lnRef>
+          <a:fillRef idx="1">
+            <a:schemeClr val="accent1"/>
+          </a:fillRef>
+          <a:effectRef idx="0">
+            <a:schemeClr val="accent1"/>
+          </a:effectRef>
+          <a:fontRef idx="minor">
+            <a:schemeClr val="lt1"/>
+          </a:fontRef>
+        </p:style>
+        <p:txBody>
+          <a:bodyPr rtlCol="0" anchor="ctr"/>
+          <a:lstStyle/>
+          <a:p>
+            <a:pPr algn="ctr"/>
+            <a:endParaRPr lang="ko-KR" altLang="en-US"/>
+          </a:p>
+        </p:txBody>
+      </p:sp>
+      <p:sp>
+        <p:nvSpPr>
+          <p:cNvPr id="118" name="타원 117">
+            <a:extLst>
+              <a:ext uri="{FF2B5EF4-FFF2-40B4-BE49-F238E27FC236}">
+                <a16:creationId xmlns:a16="http://schemas.microsoft.com/office/drawing/2014/main" id="{0A235CD9-45E0-4E47-805A-1AD339AD1FC1}"/>
+              </a:ext>
+            </a:extLst>
+          </p:cNvPr>
+          <p:cNvSpPr/>
+          <p:nvPr/>
+        </p:nvSpPr>
+        <p:spPr>
+          <a:xfrm>
+            <a:off x="12363696" y="24536407"/>
+            <a:ext cx="1261241" cy="1261241"/>
+          </a:xfrm>
+          <a:prstGeom prst="ellipse">
+            <a:avLst/>
+          </a:prstGeom>
+          <a:solidFill>
+            <a:schemeClr val="bg2">
+              <a:lumMod val="90000"/>
+            </a:schemeClr>
+          </a:solidFill>
+          <a:ln>
+            <a:noFill/>
+          </a:ln>
+        </p:spPr>
+        <p:style>
+          <a:lnRef idx="2">
+            <a:schemeClr val="accent1">
+              <a:shade val="50000"/>
+            </a:schemeClr>
+          </a:lnRef>
+          <a:fillRef idx="1">
+            <a:schemeClr val="accent1"/>
+          </a:fillRef>
+          <a:effectRef idx="0">
+            <a:schemeClr val="accent1"/>
+          </a:effectRef>
+          <a:fontRef idx="minor">
+            <a:schemeClr val="lt1"/>
+          </a:fontRef>
+        </p:style>
+        <p:txBody>
+          <a:bodyPr rtlCol="0" anchor="ctr"/>
+          <a:lstStyle/>
+          <a:p>
+            <a:pPr algn="ctr"/>
+            <a:endParaRPr lang="ko-KR" altLang="en-US"/>
+          </a:p>
+        </p:txBody>
+      </p:sp>
+      <p:sp>
+        <p:nvSpPr>
+          <p:cNvPr id="119" name="타원 118">
+            <a:extLst>
+              <a:ext uri="{FF2B5EF4-FFF2-40B4-BE49-F238E27FC236}">
+                <a16:creationId xmlns:a16="http://schemas.microsoft.com/office/drawing/2014/main" id="{DBCB8754-C77E-4A85-953A-74036CDEBD8D}"/>
+              </a:ext>
+            </a:extLst>
+          </p:cNvPr>
+          <p:cNvSpPr/>
+          <p:nvPr/>
+        </p:nvSpPr>
+        <p:spPr>
+          <a:xfrm>
+            <a:off x="15700731" y="24536406"/>
+            <a:ext cx="1261241" cy="1261241"/>
+          </a:xfrm>
+          <a:prstGeom prst="ellipse">
+            <a:avLst/>
+          </a:prstGeom>
+          <a:solidFill>
+            <a:schemeClr val="bg2">
+              <a:lumMod val="90000"/>
+            </a:schemeClr>
+          </a:solidFill>
+          <a:ln>
+            <a:noFill/>
+          </a:ln>
+        </p:spPr>
+        <p:style>
+          <a:lnRef idx="2">
+            <a:schemeClr val="accent1">
+              <a:shade val="50000"/>
+            </a:schemeClr>
+          </a:lnRef>
+          <a:fillRef idx="1">
+            <a:schemeClr val="accent1"/>
+          </a:fillRef>
+          <a:effectRef idx="0">
+            <a:schemeClr val="accent1"/>
+          </a:effectRef>
+          <a:fontRef idx="minor">
+            <a:schemeClr val="lt1"/>
+          </a:fontRef>
+        </p:style>
+        <p:txBody>
+          <a:bodyPr rtlCol="0" anchor="ctr"/>
+          <a:lstStyle/>
+          <a:p>
+            <a:pPr algn="ctr"/>
+            <a:endParaRPr lang="ko-KR" altLang="en-US"/>
+          </a:p>
+        </p:txBody>
+      </p:sp>
+      <p:sp>
+        <p:nvSpPr>
+          <p:cNvPr id="120" name="타원 119">
+            <a:extLst>
+              <a:ext uri="{FF2B5EF4-FFF2-40B4-BE49-F238E27FC236}">
+                <a16:creationId xmlns:a16="http://schemas.microsoft.com/office/drawing/2014/main" id="{B491D16A-DD9B-4A4B-A90F-A75CF567C699}"/>
+              </a:ext>
+            </a:extLst>
+          </p:cNvPr>
+          <p:cNvSpPr/>
+          <p:nvPr/>
+        </p:nvSpPr>
+        <p:spPr>
+          <a:xfrm>
+            <a:off x="18596332" y="24170344"/>
+            <a:ext cx="2151089" cy="2151089"/>
+          </a:xfrm>
+          <a:prstGeom prst="ellipse">
+            <a:avLst/>
+          </a:prstGeom>
+          <a:solidFill>
+            <a:schemeClr val="bg2">
+              <a:lumMod val="90000"/>
+            </a:schemeClr>
+          </a:solidFill>
+          <a:ln>
+            <a:noFill/>
+          </a:ln>
+        </p:spPr>
+        <p:style>
+          <a:lnRef idx="2">
+            <a:schemeClr val="accent1">
+              <a:shade val="50000"/>
+            </a:schemeClr>
+          </a:lnRef>
+          <a:fillRef idx="1">
+            <a:schemeClr val="accent1"/>
+          </a:fillRef>
+          <a:effectRef idx="0">
+            <a:schemeClr val="accent1"/>
+          </a:effectRef>
+          <a:fontRef idx="minor">
+            <a:schemeClr val="lt1"/>
+          </a:fontRef>
+        </p:style>
+        <p:txBody>
+          <a:bodyPr rtlCol="0" anchor="ctr"/>
+          <a:lstStyle/>
+          <a:p>
+            <a:pPr algn="ctr"/>
+            <a:endParaRPr lang="ko-KR" altLang="en-US"/>
+          </a:p>
+        </p:txBody>
+      </p:sp>
+      <p:sp>
+        <p:nvSpPr>
+          <p:cNvPr id="121" name="타원 120">
+            <a:extLst>
+              <a:ext uri="{FF2B5EF4-FFF2-40B4-BE49-F238E27FC236}">
+                <a16:creationId xmlns:a16="http://schemas.microsoft.com/office/drawing/2014/main" id="{90E48F2E-3CDC-41FE-A542-36FEA4EECBED}"/>
+              </a:ext>
+            </a:extLst>
+          </p:cNvPr>
+          <p:cNvSpPr/>
+          <p:nvPr/>
+        </p:nvSpPr>
+        <p:spPr>
+          <a:xfrm>
+            <a:off x="22374801" y="24536406"/>
+            <a:ext cx="1261241" cy="1261241"/>
+          </a:xfrm>
+          <a:prstGeom prst="ellipse">
+            <a:avLst/>
+          </a:prstGeom>
+          <a:solidFill>
+            <a:schemeClr val="bg2">
+              <a:lumMod val="90000"/>
+            </a:schemeClr>
+          </a:solidFill>
+          <a:ln>
+            <a:noFill/>
+          </a:ln>
+        </p:spPr>
+        <p:style>
+          <a:lnRef idx="2">
+            <a:schemeClr val="accent1">
+              <a:shade val="50000"/>
+            </a:schemeClr>
+          </a:lnRef>
+          <a:fillRef idx="1">
+            <a:schemeClr val="accent1"/>
+          </a:fillRef>
+          <a:effectRef idx="0">
+            <a:schemeClr val="accent1"/>
+          </a:effectRef>
+          <a:fontRef idx="minor">
+            <a:schemeClr val="lt1"/>
+          </a:fontRef>
+        </p:style>
+        <p:txBody>
+          <a:bodyPr rtlCol="0" anchor="ctr"/>
+          <a:lstStyle/>
+          <a:p>
+            <a:pPr algn="ctr"/>
+            <a:endParaRPr lang="ko-KR" altLang="en-US"/>
+          </a:p>
+        </p:txBody>
+      </p:sp>
+      <p:sp>
+        <p:nvSpPr>
+          <p:cNvPr id="122" name="타원 121">
+            <a:extLst>
+              <a:ext uri="{FF2B5EF4-FFF2-40B4-BE49-F238E27FC236}">
+                <a16:creationId xmlns:a16="http://schemas.microsoft.com/office/drawing/2014/main" id="{B3B5CF54-EA24-4F12-8181-5D9EC74575F6}"/>
+              </a:ext>
+            </a:extLst>
+          </p:cNvPr>
+          <p:cNvSpPr/>
+          <p:nvPr/>
+        </p:nvSpPr>
+        <p:spPr>
+          <a:xfrm>
+            <a:off x="25711836" y="24536406"/>
+            <a:ext cx="1261241" cy="1261241"/>
+          </a:xfrm>
+          <a:prstGeom prst="ellipse">
+            <a:avLst/>
+          </a:prstGeom>
+          <a:solidFill>
+            <a:schemeClr val="bg2">
+              <a:lumMod val="90000"/>
+            </a:schemeClr>
+          </a:solidFill>
+          <a:ln>
+            <a:noFill/>
+          </a:ln>
+        </p:spPr>
+        <p:style>
+          <a:lnRef idx="2">
+            <a:schemeClr val="accent1">
+              <a:shade val="50000"/>
+            </a:schemeClr>
+          </a:lnRef>
+          <a:fillRef idx="1">
+            <a:schemeClr val="accent1"/>
+          </a:fillRef>
+          <a:effectRef idx="0">
+            <a:schemeClr val="accent1"/>
+          </a:effectRef>
+          <a:fontRef idx="minor">
+            <a:schemeClr val="lt1"/>
+          </a:fontRef>
+        </p:style>
+        <p:txBody>
+          <a:bodyPr rtlCol="0" anchor="ctr"/>
+          <a:lstStyle/>
+          <a:p>
+            <a:pPr algn="ctr"/>
+            <a:endParaRPr lang="ko-KR" altLang="en-US"/>
+          </a:p>
+        </p:txBody>
+      </p:sp>
+      <p:sp>
+        <p:nvSpPr>
+          <p:cNvPr id="123" name="타원 122">
+            <a:extLst>
+              <a:ext uri="{FF2B5EF4-FFF2-40B4-BE49-F238E27FC236}">
+                <a16:creationId xmlns:a16="http://schemas.microsoft.com/office/drawing/2014/main" id="{4BEE3643-2738-4B75-9E30-0F935BF94614}"/>
+              </a:ext>
+            </a:extLst>
+          </p:cNvPr>
+          <p:cNvSpPr/>
+          <p:nvPr/>
+        </p:nvSpPr>
+        <p:spPr>
+          <a:xfrm>
+            <a:off x="29048871" y="24536406"/>
+            <a:ext cx="1261241" cy="1261241"/>
+          </a:xfrm>
+          <a:prstGeom prst="ellipse">
+            <a:avLst/>
+          </a:prstGeom>
+          <a:solidFill>
+            <a:schemeClr val="bg2">
+              <a:lumMod val="90000"/>
+            </a:schemeClr>
+          </a:solidFill>
+          <a:ln>
+            <a:noFill/>
+          </a:ln>
+        </p:spPr>
+        <p:style>
+          <a:lnRef idx="2">
+            <a:schemeClr val="accent1">
+              <a:shade val="50000"/>
+            </a:schemeClr>
+          </a:lnRef>
+          <a:fillRef idx="1">
+            <a:schemeClr val="accent1"/>
+          </a:fillRef>
+          <a:effectRef idx="0">
+            <a:schemeClr val="accent1"/>
+          </a:effectRef>
+          <a:fontRef idx="minor">
+            <a:schemeClr val="lt1"/>
+          </a:fontRef>
+        </p:style>
+        <p:txBody>
+          <a:bodyPr rtlCol="0" anchor="ctr"/>
+          <a:lstStyle/>
+          <a:p>
+            <a:pPr algn="ctr"/>
+            <a:endParaRPr lang="ko-KR" altLang="en-US"/>
+          </a:p>
+        </p:txBody>
+      </p:sp>
+      <p:sp>
+        <p:nvSpPr>
+          <p:cNvPr id="124" name="타원 123">
+            <a:extLst>
+              <a:ext uri="{FF2B5EF4-FFF2-40B4-BE49-F238E27FC236}">
+                <a16:creationId xmlns:a16="http://schemas.microsoft.com/office/drawing/2014/main" id="{72C91660-52AC-4941-BD74-94E563C2DB0D}"/>
+              </a:ext>
+            </a:extLst>
+          </p:cNvPr>
+          <p:cNvSpPr/>
+          <p:nvPr/>
+        </p:nvSpPr>
+        <p:spPr>
+          <a:xfrm>
+            <a:off x="2352591" y="24536406"/>
+            <a:ext cx="1261241" cy="1261241"/>
+          </a:xfrm>
+          <a:prstGeom prst="ellipse">
+            <a:avLst/>
+          </a:prstGeom>
+          <a:solidFill>
+            <a:schemeClr val="bg2">
+              <a:lumMod val="90000"/>
+            </a:schemeClr>
+          </a:solidFill>
+          <a:ln>
+            <a:noFill/>
+          </a:ln>
+        </p:spPr>
+        <p:style>
+          <a:lnRef idx="2">
+            <a:schemeClr val="accent1">
+              <a:shade val="50000"/>
+            </a:schemeClr>
+          </a:lnRef>
+          <a:fillRef idx="1">
+            <a:schemeClr val="accent1"/>
+          </a:fillRef>
+          <a:effectRef idx="0">
+            <a:schemeClr val="accent1"/>
+          </a:effectRef>
+          <a:fontRef idx="minor">
+            <a:schemeClr val="lt1"/>
+          </a:fontRef>
+        </p:style>
+        <p:txBody>
+          <a:bodyPr rtlCol="0" anchor="ctr"/>
+          <a:lstStyle/>
+          <a:p>
+            <a:pPr algn="ctr"/>
+            <a:endParaRPr lang="ko-KR" altLang="en-US"/>
+          </a:p>
+        </p:txBody>
+      </p:sp>
+      <p:sp>
+        <p:nvSpPr>
+          <p:cNvPr id="125" name="타원 124">
+            <a:extLst>
+              <a:ext uri="{FF2B5EF4-FFF2-40B4-BE49-F238E27FC236}">
+                <a16:creationId xmlns:a16="http://schemas.microsoft.com/office/drawing/2014/main" id="{C1E75C77-C6A9-4416-B726-6312A806137B}"/>
+              </a:ext>
+            </a:extLst>
+          </p:cNvPr>
+          <p:cNvSpPr/>
+          <p:nvPr/>
+        </p:nvSpPr>
+        <p:spPr>
+          <a:xfrm>
+            <a:off x="32385906" y="24536406"/>
+            <a:ext cx="1261241" cy="1261241"/>
+          </a:xfrm>
+          <a:prstGeom prst="ellipse">
+            <a:avLst/>
+          </a:prstGeom>
+          <a:solidFill>
+            <a:schemeClr val="bg2">
+              <a:lumMod val="90000"/>
+            </a:schemeClr>
+          </a:solidFill>
+          <a:ln>
+            <a:noFill/>
+          </a:ln>
+        </p:spPr>
+        <p:style>
+          <a:lnRef idx="2">
+            <a:schemeClr val="accent1">
+              <a:shade val="50000"/>
+            </a:schemeClr>
+          </a:lnRef>
+          <a:fillRef idx="1">
+            <a:schemeClr val="accent1"/>
+          </a:fillRef>
+          <a:effectRef idx="0">
+            <a:schemeClr val="accent1"/>
+          </a:effectRef>
+          <a:fontRef idx="minor">
+            <a:schemeClr val="lt1"/>
+          </a:fontRef>
+        </p:style>
+        <p:txBody>
+          <a:bodyPr rtlCol="0" anchor="ctr"/>
+          <a:lstStyle/>
+          <a:p>
+            <a:pPr algn="ctr"/>
+            <a:endParaRPr lang="ko-KR" altLang="en-US"/>
+          </a:p>
+        </p:txBody>
+      </p:sp>
+      <p:grpSp>
+        <p:nvGrpSpPr>
+          <p:cNvPr id="126" name="그룹 125">
+            <a:extLst>
+              <a:ext uri="{FF2B5EF4-FFF2-40B4-BE49-F238E27FC236}">
+                <a16:creationId xmlns:a16="http://schemas.microsoft.com/office/drawing/2014/main" id="{80702146-7C2F-4219-B2B2-8A5BB1FE53B8}"/>
+              </a:ext>
+            </a:extLst>
+          </p:cNvPr>
+          <p:cNvGrpSpPr/>
+          <p:nvPr/>
+        </p:nvGrpSpPr>
+        <p:grpSpPr>
+          <a:xfrm>
+            <a:off x="2352591" y="26864448"/>
+            <a:ext cx="31294556" cy="1261242"/>
+            <a:chOff x="1976845" y="1255986"/>
+            <a:chExt cx="31294556" cy="1261242"/>
+          </a:xfrm>
+        </p:grpSpPr>
+        <p:sp>
+          <p:nvSpPr>
+            <p:cNvPr id="127" name="타원 126">
+              <a:extLst>
+                <a:ext uri="{FF2B5EF4-FFF2-40B4-BE49-F238E27FC236}">
+                  <a16:creationId xmlns:a16="http://schemas.microsoft.com/office/drawing/2014/main" id="{35625E94-F5F0-4435-882F-BA3ED2095576}"/>
+                </a:ext>
+              </a:extLst>
+            </p:cNvPr>
+            <p:cNvSpPr/>
+            <p:nvPr/>
+          </p:nvSpPr>
+          <p:spPr>
+            <a:xfrm>
+              <a:off x="5313880" y="1255987"/>
+              <a:ext cx="1261241" cy="1261241"/>
+            </a:xfrm>
+            <a:prstGeom prst="ellipse">
+              <a:avLst/>
+            </a:prstGeom>
+            <a:solidFill>
+              <a:schemeClr val="bg2">
+                <a:lumMod val="90000"/>
+              </a:schemeClr>
+            </a:solidFill>
+            <a:ln>
+              <a:noFill/>
+            </a:ln>
+          </p:spPr>
+          <p:style>
+            <a:lnRef idx="2">
+              <a:schemeClr val="accent1">
+                <a:shade val="50000"/>
+              </a:schemeClr>
+            </a:lnRef>
+            <a:fillRef idx="1">
+              <a:schemeClr val="accent1"/>
+            </a:fillRef>
+            <a:effectRef idx="0">
+              <a:schemeClr val="accent1"/>
+            </a:effectRef>
+            <a:fontRef idx="minor">
+              <a:schemeClr val="lt1"/>
+            </a:fontRef>
+          </p:style>
+          <p:txBody>
+            <a:bodyPr rtlCol="0" anchor="ctr"/>
+            <a:lstStyle/>
+            <a:p>
+              <a:pPr algn="ctr"/>
+              <a:endParaRPr lang="ko-KR" altLang="en-US"/>
+            </a:p>
+          </p:txBody>
+        </p:sp>
+        <p:sp>
+          <p:nvSpPr>
+            <p:cNvPr id="128" name="타원 127">
+              <a:extLst>
+                <a:ext uri="{FF2B5EF4-FFF2-40B4-BE49-F238E27FC236}">
+                  <a16:creationId xmlns:a16="http://schemas.microsoft.com/office/drawing/2014/main" id="{E83C0640-318C-414E-90BC-8CBB29CB2522}"/>
+                </a:ext>
+              </a:extLst>
+            </p:cNvPr>
+            <p:cNvSpPr/>
+            <p:nvPr/>
+          </p:nvSpPr>
+          <p:spPr>
+            <a:xfrm>
+              <a:off x="8650915" y="1255987"/>
+              <a:ext cx="1261241" cy="1261241"/>
+            </a:xfrm>
+            <a:prstGeom prst="ellipse">
+              <a:avLst/>
+            </a:prstGeom>
+            <a:solidFill>
+              <a:schemeClr val="bg2">
+                <a:lumMod val="90000"/>
+              </a:schemeClr>
+            </a:solidFill>
+            <a:ln>
+              <a:noFill/>
+            </a:ln>
+          </p:spPr>
+          <p:style>
+            <a:lnRef idx="2">
+              <a:schemeClr val="accent1">
+                <a:shade val="50000"/>
+              </a:schemeClr>
+            </a:lnRef>
+            <a:fillRef idx="1">
+              <a:schemeClr val="accent1"/>
+            </a:fillRef>
+            <a:effectRef idx="0">
+              <a:schemeClr val="accent1"/>
+            </a:effectRef>
+            <a:fontRef idx="minor">
+              <a:schemeClr val="lt1"/>
+            </a:fontRef>
+          </p:style>
+          <p:txBody>
+            <a:bodyPr rtlCol="0" anchor="ctr"/>
+            <a:lstStyle/>
+            <a:p>
+              <a:pPr algn="ctr"/>
+              <a:endParaRPr lang="ko-KR" altLang="en-US"/>
+            </a:p>
+          </p:txBody>
+        </p:sp>
+        <p:sp>
+          <p:nvSpPr>
+            <p:cNvPr id="129" name="타원 128">
+              <a:extLst>
+                <a:ext uri="{FF2B5EF4-FFF2-40B4-BE49-F238E27FC236}">
+                  <a16:creationId xmlns:a16="http://schemas.microsoft.com/office/drawing/2014/main" id="{B82824BA-21C0-47BA-B38C-ACD9A47CAD75}"/>
+                </a:ext>
+              </a:extLst>
+            </p:cNvPr>
+            <p:cNvSpPr/>
+            <p:nvPr/>
+          </p:nvSpPr>
+          <p:spPr>
+            <a:xfrm>
+              <a:off x="11987950" y="1255987"/>
+              <a:ext cx="1261241" cy="1261241"/>
+            </a:xfrm>
+            <a:prstGeom prst="ellipse">
+              <a:avLst/>
+            </a:prstGeom>
+            <a:solidFill>
+              <a:schemeClr val="bg2">
+                <a:lumMod val="90000"/>
+              </a:schemeClr>
+            </a:solidFill>
+            <a:ln>
+              <a:noFill/>
+            </a:ln>
+          </p:spPr>
+          <p:style>
+            <a:lnRef idx="2">
+              <a:schemeClr val="accent1">
+                <a:shade val="50000"/>
+              </a:schemeClr>
+            </a:lnRef>
+            <a:fillRef idx="1">
+              <a:schemeClr val="accent1"/>
+            </a:fillRef>
+            <a:effectRef idx="0">
+              <a:schemeClr val="accent1"/>
+            </a:effectRef>
+            <a:fontRef idx="minor">
+              <a:schemeClr val="lt1"/>
+            </a:fontRef>
+          </p:style>
+          <p:txBody>
+            <a:bodyPr rtlCol="0" anchor="ctr"/>
+            <a:lstStyle/>
+            <a:p>
+              <a:pPr algn="ctr"/>
+              <a:endParaRPr lang="ko-KR" altLang="en-US"/>
+            </a:p>
+          </p:txBody>
+        </p:sp>
+        <p:sp>
+          <p:nvSpPr>
+            <p:cNvPr id="130" name="타원 129">
+              <a:extLst>
+                <a:ext uri="{FF2B5EF4-FFF2-40B4-BE49-F238E27FC236}">
+                  <a16:creationId xmlns:a16="http://schemas.microsoft.com/office/drawing/2014/main" id="{F84B6D2F-91A2-4047-A54C-E7B06229CD10}"/>
+                </a:ext>
+              </a:extLst>
+            </p:cNvPr>
+            <p:cNvSpPr/>
+            <p:nvPr/>
+          </p:nvSpPr>
+          <p:spPr>
+            <a:xfrm>
+              <a:off x="15324985" y="1255986"/>
+              <a:ext cx="1261241" cy="1261241"/>
+            </a:xfrm>
+            <a:prstGeom prst="ellipse">
+              <a:avLst/>
+            </a:prstGeom>
+            <a:solidFill>
+              <a:schemeClr val="bg2">
+                <a:lumMod val="90000"/>
+              </a:schemeClr>
+            </a:solidFill>
+            <a:ln>
+              <a:noFill/>
+            </a:ln>
+          </p:spPr>
+          <p:style>
+            <a:lnRef idx="2">
+              <a:schemeClr val="accent1">
+                <a:shade val="50000"/>
+              </a:schemeClr>
+            </a:lnRef>
+            <a:fillRef idx="1">
+              <a:schemeClr val="accent1"/>
+            </a:fillRef>
+            <a:effectRef idx="0">
+              <a:schemeClr val="accent1"/>
+            </a:effectRef>
+            <a:fontRef idx="minor">
+              <a:schemeClr val="lt1"/>
+            </a:fontRef>
+          </p:style>
+          <p:txBody>
+            <a:bodyPr rtlCol="0" anchor="ctr"/>
+            <a:lstStyle/>
+            <a:p>
+              <a:pPr algn="ctr"/>
+              <a:endParaRPr lang="ko-KR" altLang="en-US"/>
+            </a:p>
+          </p:txBody>
+        </p:sp>
+        <p:sp>
+          <p:nvSpPr>
+            <p:cNvPr id="131" name="타원 130">
+              <a:extLst>
+                <a:ext uri="{FF2B5EF4-FFF2-40B4-BE49-F238E27FC236}">
+                  <a16:creationId xmlns:a16="http://schemas.microsoft.com/office/drawing/2014/main" id="{A15351A8-2F51-48E3-B6F2-D2589F88C1AC}"/>
+                </a:ext>
+              </a:extLst>
+            </p:cNvPr>
+            <p:cNvSpPr/>
+            <p:nvPr/>
+          </p:nvSpPr>
+          <p:spPr>
+            <a:xfrm>
+              <a:off x="18662020" y="1255986"/>
+              <a:ext cx="1261241" cy="1261241"/>
+            </a:xfrm>
+            <a:prstGeom prst="ellipse">
+              <a:avLst/>
+            </a:prstGeom>
+            <a:solidFill>
+              <a:schemeClr val="bg2">
+                <a:lumMod val="90000"/>
+              </a:schemeClr>
+            </a:solidFill>
+            <a:ln>
+              <a:noFill/>
+            </a:ln>
+          </p:spPr>
+          <p:style>
+            <a:lnRef idx="2">
+              <a:schemeClr val="accent1">
+                <a:shade val="50000"/>
+              </a:schemeClr>
+            </a:lnRef>
+            <a:fillRef idx="1">
+              <a:schemeClr val="accent1"/>
+            </a:fillRef>
+            <a:effectRef idx="0">
+              <a:schemeClr val="accent1"/>
+            </a:effectRef>
+            <a:fontRef idx="minor">
+              <a:schemeClr val="lt1"/>
+            </a:fontRef>
+          </p:style>
+          <p:txBody>
+            <a:bodyPr rtlCol="0" anchor="ctr"/>
+            <a:lstStyle/>
+            <a:p>
+              <a:pPr algn="ctr"/>
+              <a:endParaRPr lang="ko-KR" altLang="en-US"/>
+            </a:p>
+          </p:txBody>
+        </p:sp>
+        <p:sp>
+          <p:nvSpPr>
+            <p:cNvPr id="132" name="타원 131">
+              <a:extLst>
+                <a:ext uri="{FF2B5EF4-FFF2-40B4-BE49-F238E27FC236}">
+                  <a16:creationId xmlns:a16="http://schemas.microsoft.com/office/drawing/2014/main" id="{1C5D317F-9D27-4AFA-A497-47F18117FFB5}"/>
+                </a:ext>
+              </a:extLst>
+            </p:cNvPr>
+            <p:cNvSpPr/>
+            <p:nvPr/>
+          </p:nvSpPr>
+          <p:spPr>
+            <a:xfrm>
+              <a:off x="21999055" y="1255986"/>
+              <a:ext cx="1261241" cy="1261241"/>
+            </a:xfrm>
+            <a:prstGeom prst="ellipse">
+              <a:avLst/>
+            </a:prstGeom>
+            <a:solidFill>
+              <a:schemeClr val="bg2">
+                <a:lumMod val="90000"/>
+              </a:schemeClr>
+            </a:solidFill>
+            <a:ln>
+              <a:noFill/>
+            </a:ln>
+          </p:spPr>
+          <p:style>
+            <a:lnRef idx="2">
+              <a:schemeClr val="accent1">
+                <a:shade val="50000"/>
+              </a:schemeClr>
+            </a:lnRef>
+            <a:fillRef idx="1">
+              <a:schemeClr val="accent1"/>
+            </a:fillRef>
+            <a:effectRef idx="0">
+              <a:schemeClr val="accent1"/>
+            </a:effectRef>
+            <a:fontRef idx="minor">
+              <a:schemeClr val="lt1"/>
+            </a:fontRef>
+          </p:style>
+          <p:txBody>
+            <a:bodyPr rtlCol="0" anchor="ctr"/>
+            <a:lstStyle/>
+            <a:p>
+              <a:pPr algn="ctr"/>
+              <a:endParaRPr lang="ko-KR" altLang="en-US"/>
+            </a:p>
+          </p:txBody>
+        </p:sp>
+        <p:sp>
+          <p:nvSpPr>
+            <p:cNvPr id="133" name="타원 132">
+              <a:extLst>
+                <a:ext uri="{FF2B5EF4-FFF2-40B4-BE49-F238E27FC236}">
+                  <a16:creationId xmlns:a16="http://schemas.microsoft.com/office/drawing/2014/main" id="{4D2F6DE7-6892-49D5-915D-2BD1EC65CC71}"/>
+                </a:ext>
+              </a:extLst>
+            </p:cNvPr>
+            <p:cNvSpPr/>
+            <p:nvPr/>
+          </p:nvSpPr>
+          <p:spPr>
+            <a:xfrm>
+              <a:off x="25336090" y="1255986"/>
+              <a:ext cx="1261241" cy="1261241"/>
+            </a:xfrm>
+            <a:prstGeom prst="ellipse">
+              <a:avLst/>
+            </a:prstGeom>
+            <a:solidFill>
+              <a:schemeClr val="bg2">
+                <a:lumMod val="90000"/>
+              </a:schemeClr>
+            </a:solidFill>
+            <a:ln>
+              <a:noFill/>
+            </a:ln>
+          </p:spPr>
+          <p:style>
+            <a:lnRef idx="2">
+              <a:schemeClr val="accent1">
+                <a:shade val="50000"/>
+              </a:schemeClr>
+            </a:lnRef>
+            <a:fillRef idx="1">
+              <a:schemeClr val="accent1"/>
+            </a:fillRef>
+            <a:effectRef idx="0">
+              <a:schemeClr val="accent1"/>
+            </a:effectRef>
+            <a:fontRef idx="minor">
+              <a:schemeClr val="lt1"/>
+            </a:fontRef>
+          </p:style>
+          <p:txBody>
+            <a:bodyPr rtlCol="0" anchor="ctr"/>
+            <a:lstStyle/>
+            <a:p>
+              <a:pPr algn="ctr"/>
+              <a:endParaRPr lang="ko-KR" altLang="en-US"/>
+            </a:p>
+          </p:txBody>
+        </p:sp>
+        <p:sp>
+          <p:nvSpPr>
+            <p:cNvPr id="134" name="타원 133">
+              <a:extLst>
+                <a:ext uri="{FF2B5EF4-FFF2-40B4-BE49-F238E27FC236}">
+                  <a16:creationId xmlns:a16="http://schemas.microsoft.com/office/drawing/2014/main" id="{1D5F82B4-C442-42C2-B97E-89BDBEFC5EF7}"/>
+                </a:ext>
+              </a:extLst>
+            </p:cNvPr>
+            <p:cNvSpPr/>
+            <p:nvPr/>
+          </p:nvSpPr>
+          <p:spPr>
+            <a:xfrm>
+              <a:off x="28673125" y="1255986"/>
+              <a:ext cx="1261241" cy="1261241"/>
+            </a:xfrm>
+            <a:prstGeom prst="ellipse">
+              <a:avLst/>
+            </a:prstGeom>
+            <a:solidFill>
+              <a:schemeClr val="bg2">
+                <a:lumMod val="90000"/>
+              </a:schemeClr>
+            </a:solidFill>
+            <a:ln>
+              <a:noFill/>
+            </a:ln>
+          </p:spPr>
+          <p:style>
+            <a:lnRef idx="2">
+              <a:schemeClr val="accent1">
+                <a:shade val="50000"/>
+              </a:schemeClr>
+            </a:lnRef>
+            <a:fillRef idx="1">
+              <a:schemeClr val="accent1"/>
+            </a:fillRef>
+            <a:effectRef idx="0">
+              <a:schemeClr val="accent1"/>
+            </a:effectRef>
+            <a:fontRef idx="minor">
+              <a:schemeClr val="lt1"/>
+            </a:fontRef>
+          </p:style>
+          <p:txBody>
+            <a:bodyPr rtlCol="0" anchor="ctr"/>
+            <a:lstStyle/>
+            <a:p>
+              <a:pPr algn="ctr"/>
+              <a:endParaRPr lang="ko-KR" altLang="en-US"/>
+            </a:p>
+          </p:txBody>
+        </p:sp>
+        <p:sp>
+          <p:nvSpPr>
+            <p:cNvPr id="135" name="타원 134">
+              <a:extLst>
+                <a:ext uri="{FF2B5EF4-FFF2-40B4-BE49-F238E27FC236}">
+                  <a16:creationId xmlns:a16="http://schemas.microsoft.com/office/drawing/2014/main" id="{F70DFDB8-DF58-4D30-9C5E-ABAFD146BF7A}"/>
+                </a:ext>
+              </a:extLst>
+            </p:cNvPr>
+            <p:cNvSpPr/>
+            <p:nvPr/>
+          </p:nvSpPr>
+          <p:spPr>
+            <a:xfrm>
+              <a:off x="1976845" y="1255986"/>
+              <a:ext cx="1261241" cy="1261241"/>
+            </a:xfrm>
+            <a:prstGeom prst="ellipse">
+              <a:avLst/>
+            </a:prstGeom>
+            <a:solidFill>
+              <a:schemeClr val="bg2">
+                <a:lumMod val="90000"/>
+              </a:schemeClr>
+            </a:solidFill>
+            <a:ln>
+              <a:noFill/>
+            </a:ln>
+          </p:spPr>
+          <p:style>
+            <a:lnRef idx="2">
+              <a:schemeClr val="accent1">
+                <a:shade val="50000"/>
+              </a:schemeClr>
+            </a:lnRef>
+            <a:fillRef idx="1">
+              <a:schemeClr val="accent1"/>
+            </a:fillRef>
+            <a:effectRef idx="0">
+              <a:schemeClr val="accent1"/>
+            </a:effectRef>
+            <a:fontRef idx="minor">
+              <a:schemeClr val="lt1"/>
+            </a:fontRef>
+          </p:style>
+          <p:txBody>
+            <a:bodyPr rtlCol="0" anchor="ctr"/>
+            <a:lstStyle/>
+            <a:p>
+              <a:pPr algn="ctr"/>
+              <a:endParaRPr lang="ko-KR" altLang="en-US"/>
+            </a:p>
+          </p:txBody>
+        </p:sp>
+        <p:sp>
+          <p:nvSpPr>
+            <p:cNvPr id="136" name="타원 135">
+              <a:extLst>
+                <a:ext uri="{FF2B5EF4-FFF2-40B4-BE49-F238E27FC236}">
+                  <a16:creationId xmlns:a16="http://schemas.microsoft.com/office/drawing/2014/main" id="{370DAA5E-F20F-440B-8CE0-07967159CA86}"/>
+                </a:ext>
+              </a:extLst>
+            </p:cNvPr>
+            <p:cNvSpPr/>
+            <p:nvPr/>
+          </p:nvSpPr>
+          <p:spPr>
+            <a:xfrm>
+              <a:off x="32010160" y="1255986"/>
+              <a:ext cx="1261241" cy="1261241"/>
+            </a:xfrm>
+            <a:prstGeom prst="ellipse">
+              <a:avLst/>
+            </a:prstGeom>
+            <a:solidFill>
+              <a:schemeClr val="bg2">
+                <a:lumMod val="90000"/>
+              </a:schemeClr>
+            </a:solidFill>
+            <a:ln>
+              <a:noFill/>
+            </a:ln>
+          </p:spPr>
+          <p:style>
+            <a:lnRef idx="2">
+              <a:schemeClr val="accent1">
+                <a:shade val="50000"/>
+              </a:schemeClr>
+            </a:lnRef>
+            <a:fillRef idx="1">
+              <a:schemeClr val="accent1"/>
+            </a:fillRef>
+            <a:effectRef idx="0">
+              <a:schemeClr val="accent1"/>
+            </a:effectRef>
+            <a:fontRef idx="minor">
+              <a:schemeClr val="lt1"/>
+            </a:fontRef>
+          </p:style>
+          <p:txBody>
+            <a:bodyPr rtlCol="0" anchor="ctr"/>
+            <a:lstStyle/>
+            <a:p>
+              <a:pPr algn="ctr"/>
+              <a:endParaRPr lang="ko-KR" altLang="en-US"/>
+            </a:p>
+          </p:txBody>
+        </p:sp>
+      </p:grpSp>
+      <p:sp>
+        <p:nvSpPr>
+          <p:cNvPr id="138" name="타원 137">
+            <a:extLst>
+              <a:ext uri="{FF2B5EF4-FFF2-40B4-BE49-F238E27FC236}">
+                <a16:creationId xmlns:a16="http://schemas.microsoft.com/office/drawing/2014/main" id="{A685DB28-7907-45C5-97F1-2840347371D7}"/>
+              </a:ext>
+            </a:extLst>
+          </p:cNvPr>
+          <p:cNvSpPr/>
+          <p:nvPr/>
+        </p:nvSpPr>
+        <p:spPr>
+          <a:xfrm>
+            <a:off x="5090536" y="28687994"/>
+            <a:ext cx="2319257" cy="2319257"/>
+          </a:xfrm>
+          <a:prstGeom prst="ellipse">
+            <a:avLst/>
+          </a:prstGeom>
+          <a:solidFill>
+            <a:schemeClr val="bg2">
+              <a:lumMod val="90000"/>
+            </a:schemeClr>
+          </a:solidFill>
+          <a:ln>
+            <a:noFill/>
+          </a:ln>
+        </p:spPr>
+        <p:style>
+          <a:lnRef idx="2">
+            <a:schemeClr val="accent1">
+              <a:shade val="50000"/>
+            </a:schemeClr>
+          </a:lnRef>
+          <a:fillRef idx="1">
+            <a:schemeClr val="accent1"/>
+          </a:fillRef>
+          <a:effectRef idx="0">
+            <a:schemeClr val="accent1"/>
+          </a:effectRef>
+          <a:fontRef idx="minor">
+            <a:schemeClr val="lt1"/>
+          </a:fontRef>
+        </p:style>
+        <p:txBody>
+          <a:bodyPr rtlCol="0" anchor="ctr"/>
+          <a:lstStyle/>
+          <a:p>
+            <a:pPr algn="ctr"/>
+            <a:endParaRPr lang="ko-KR" altLang="en-US"/>
+          </a:p>
+        </p:txBody>
+      </p:sp>
+      <p:sp>
+        <p:nvSpPr>
+          <p:cNvPr id="139" name="타원 138">
+            <a:extLst>
+              <a:ext uri="{FF2B5EF4-FFF2-40B4-BE49-F238E27FC236}">
+                <a16:creationId xmlns:a16="http://schemas.microsoft.com/office/drawing/2014/main" id="{AF6A04EF-98AC-4672-888F-9DCF67075510}"/>
+              </a:ext>
+            </a:extLst>
+          </p:cNvPr>
+          <p:cNvSpPr/>
+          <p:nvPr/>
+        </p:nvSpPr>
+        <p:spPr>
+          <a:xfrm>
+            <a:off x="9026661" y="29192491"/>
+            <a:ext cx="1261241" cy="1261241"/>
+          </a:xfrm>
+          <a:prstGeom prst="ellipse">
+            <a:avLst/>
+          </a:prstGeom>
+          <a:solidFill>
+            <a:schemeClr val="bg2">
+              <a:lumMod val="90000"/>
+            </a:schemeClr>
+          </a:solidFill>
+          <a:ln>
+            <a:noFill/>
+          </a:ln>
+        </p:spPr>
+        <p:style>
+          <a:lnRef idx="2">
+            <a:schemeClr val="accent1">
+              <a:shade val="50000"/>
+            </a:schemeClr>
+          </a:lnRef>
+          <a:fillRef idx="1">
+            <a:schemeClr val="accent1"/>
+          </a:fillRef>
+          <a:effectRef idx="0">
+            <a:schemeClr val="accent1"/>
+          </a:effectRef>
+          <a:fontRef idx="minor">
+            <a:schemeClr val="lt1"/>
+          </a:fontRef>
+        </p:style>
+        <p:txBody>
+          <a:bodyPr rtlCol="0" anchor="ctr"/>
+          <a:lstStyle/>
+          <a:p>
+            <a:pPr algn="ctr"/>
+            <a:endParaRPr lang="ko-KR" altLang="en-US"/>
+          </a:p>
+        </p:txBody>
+      </p:sp>
+      <p:sp>
+        <p:nvSpPr>
+          <p:cNvPr id="140" name="타원 139">
+            <a:extLst>
+              <a:ext uri="{FF2B5EF4-FFF2-40B4-BE49-F238E27FC236}">
+                <a16:creationId xmlns:a16="http://schemas.microsoft.com/office/drawing/2014/main" id="{C31A3551-C3D5-4F22-A130-E724821F7D2B}"/>
+              </a:ext>
+            </a:extLst>
+          </p:cNvPr>
+          <p:cNvSpPr/>
+          <p:nvPr/>
+        </p:nvSpPr>
+        <p:spPr>
+          <a:xfrm>
+            <a:off x="12363696" y="29192491"/>
+            <a:ext cx="1261241" cy="1261241"/>
+          </a:xfrm>
+          <a:prstGeom prst="ellipse">
+            <a:avLst/>
+          </a:prstGeom>
+          <a:solidFill>
+            <a:schemeClr val="bg2">
+              <a:lumMod val="90000"/>
+            </a:schemeClr>
+          </a:solidFill>
+          <a:ln>
+            <a:noFill/>
+          </a:ln>
+        </p:spPr>
+        <p:style>
+          <a:lnRef idx="2">
+            <a:schemeClr val="accent1">
+              <a:shade val="50000"/>
+            </a:schemeClr>
+          </a:lnRef>
+          <a:fillRef idx="1">
+            <a:schemeClr val="accent1"/>
+          </a:fillRef>
+          <a:effectRef idx="0">
+            <a:schemeClr val="accent1"/>
+          </a:effectRef>
+          <a:fontRef idx="minor">
+            <a:schemeClr val="lt1"/>
+          </a:fontRef>
+        </p:style>
+        <p:txBody>
+          <a:bodyPr rtlCol="0" anchor="ctr"/>
+          <a:lstStyle/>
+          <a:p>
+            <a:pPr algn="ctr"/>
+            <a:endParaRPr lang="ko-KR" altLang="en-US"/>
+          </a:p>
+        </p:txBody>
+      </p:sp>
+      <p:sp>
+        <p:nvSpPr>
+          <p:cNvPr id="141" name="타원 140">
+            <a:extLst>
+              <a:ext uri="{FF2B5EF4-FFF2-40B4-BE49-F238E27FC236}">
+                <a16:creationId xmlns:a16="http://schemas.microsoft.com/office/drawing/2014/main" id="{3A8E4161-58CB-4333-B520-1A7782B35DBB}"/>
+              </a:ext>
+            </a:extLst>
+          </p:cNvPr>
+          <p:cNvSpPr/>
+          <p:nvPr/>
+        </p:nvSpPr>
+        <p:spPr>
+          <a:xfrm>
+            <a:off x="15700731" y="29192490"/>
+            <a:ext cx="1261241" cy="1261241"/>
+          </a:xfrm>
+          <a:prstGeom prst="ellipse">
+            <a:avLst/>
+          </a:prstGeom>
+          <a:solidFill>
+            <a:schemeClr val="bg2">
+              <a:lumMod val="90000"/>
+            </a:schemeClr>
+          </a:solidFill>
+          <a:ln>
+            <a:noFill/>
+          </a:ln>
+        </p:spPr>
+        <p:style>
+          <a:lnRef idx="2">
+            <a:schemeClr val="accent1">
+              <a:shade val="50000"/>
+            </a:schemeClr>
+          </a:lnRef>
+          <a:fillRef idx="1">
+            <a:schemeClr val="accent1"/>
+          </a:fillRef>
+          <a:effectRef idx="0">
+            <a:schemeClr val="accent1"/>
+          </a:effectRef>
+          <a:fontRef idx="minor">
+            <a:schemeClr val="lt1"/>
+          </a:fontRef>
+        </p:style>
+        <p:txBody>
+          <a:bodyPr rtlCol="0" anchor="ctr"/>
+          <a:lstStyle/>
+          <a:p>
+            <a:pPr algn="ctr"/>
+            <a:endParaRPr lang="ko-KR" altLang="en-US"/>
+          </a:p>
+        </p:txBody>
+      </p:sp>
+      <p:sp>
+        <p:nvSpPr>
+          <p:cNvPr id="142" name="타원 141">
+            <a:extLst>
+              <a:ext uri="{FF2B5EF4-FFF2-40B4-BE49-F238E27FC236}">
+                <a16:creationId xmlns:a16="http://schemas.microsoft.com/office/drawing/2014/main" id="{2D28AE72-F3DA-4213-B359-774B610A3783}"/>
+              </a:ext>
+            </a:extLst>
+          </p:cNvPr>
+          <p:cNvSpPr/>
+          <p:nvPr/>
+        </p:nvSpPr>
+        <p:spPr>
+          <a:xfrm>
+            <a:off x="19037766" y="29192490"/>
+            <a:ext cx="1261241" cy="1261241"/>
+          </a:xfrm>
+          <a:prstGeom prst="ellipse">
+            <a:avLst/>
+          </a:prstGeom>
+          <a:solidFill>
+            <a:schemeClr val="bg2">
+              <a:lumMod val="90000"/>
+            </a:schemeClr>
+          </a:solidFill>
+          <a:ln>
+            <a:noFill/>
+          </a:ln>
+        </p:spPr>
+        <p:style>
+          <a:lnRef idx="2">
+            <a:schemeClr val="accent1">
+              <a:shade val="50000"/>
+            </a:schemeClr>
+          </a:lnRef>
+          <a:fillRef idx="1">
+            <a:schemeClr val="accent1"/>
+          </a:fillRef>
+          <a:effectRef idx="0">
+            <a:schemeClr val="accent1"/>
+          </a:effectRef>
+          <a:fontRef idx="minor">
+            <a:schemeClr val="lt1"/>
+          </a:fontRef>
+        </p:style>
+        <p:txBody>
+          <a:bodyPr rtlCol="0" anchor="ctr"/>
+          <a:lstStyle/>
+          <a:p>
+            <a:pPr algn="ctr"/>
+            <a:endParaRPr lang="ko-KR" altLang="en-US"/>
+          </a:p>
+        </p:txBody>
+      </p:sp>
+      <p:sp>
+        <p:nvSpPr>
+          <p:cNvPr id="143" name="타원 142">
+            <a:extLst>
+              <a:ext uri="{FF2B5EF4-FFF2-40B4-BE49-F238E27FC236}">
+                <a16:creationId xmlns:a16="http://schemas.microsoft.com/office/drawing/2014/main" id="{5B895980-C1D1-43BA-B3C8-E7B6863B11D5}"/>
+              </a:ext>
+            </a:extLst>
+          </p:cNvPr>
+          <p:cNvSpPr/>
+          <p:nvPr/>
+        </p:nvSpPr>
+        <p:spPr>
+          <a:xfrm>
+            <a:off x="22374801" y="29192490"/>
+            <a:ext cx="1261241" cy="1261241"/>
+          </a:xfrm>
+          <a:prstGeom prst="ellipse">
+            <a:avLst/>
+          </a:prstGeom>
+          <a:solidFill>
+            <a:schemeClr val="bg2">
+              <a:lumMod val="90000"/>
+            </a:schemeClr>
+          </a:solidFill>
+          <a:ln>
+            <a:noFill/>
+          </a:ln>
+        </p:spPr>
+        <p:style>
+          <a:lnRef idx="2">
+            <a:schemeClr val="accent1">
+              <a:shade val="50000"/>
+            </a:schemeClr>
+          </a:lnRef>
+          <a:fillRef idx="1">
+            <a:schemeClr val="accent1"/>
+          </a:fillRef>
+          <a:effectRef idx="0">
+            <a:schemeClr val="accent1"/>
+          </a:effectRef>
+          <a:fontRef idx="minor">
+            <a:schemeClr val="lt1"/>
+          </a:fontRef>
+        </p:style>
+        <p:txBody>
+          <a:bodyPr rtlCol="0" anchor="ctr"/>
+          <a:lstStyle/>
+          <a:p>
+            <a:pPr algn="ctr"/>
+            <a:endParaRPr lang="ko-KR" altLang="en-US"/>
+          </a:p>
+        </p:txBody>
+      </p:sp>
+      <p:sp>
+        <p:nvSpPr>
+          <p:cNvPr id="144" name="타원 143">
+            <a:extLst>
+              <a:ext uri="{FF2B5EF4-FFF2-40B4-BE49-F238E27FC236}">
+                <a16:creationId xmlns:a16="http://schemas.microsoft.com/office/drawing/2014/main" id="{07380A2E-84E6-4B63-BA3A-61E693E7CFE4}"/>
+              </a:ext>
+            </a:extLst>
+          </p:cNvPr>
+          <p:cNvSpPr/>
+          <p:nvPr/>
+        </p:nvSpPr>
+        <p:spPr>
+          <a:xfrm>
+            <a:off x="25711836" y="29192490"/>
+            <a:ext cx="1261241" cy="1261241"/>
+          </a:xfrm>
+          <a:prstGeom prst="ellipse">
+            <a:avLst/>
+          </a:prstGeom>
+          <a:solidFill>
+            <a:schemeClr val="bg2">
+              <a:lumMod val="90000"/>
+            </a:schemeClr>
+          </a:solidFill>
+          <a:ln>
+            <a:noFill/>
+          </a:ln>
+        </p:spPr>
+        <p:style>
+          <a:lnRef idx="2">
+            <a:schemeClr val="accent1">
+              <a:shade val="50000"/>
+            </a:schemeClr>
+          </a:lnRef>
+          <a:fillRef idx="1">
+            <a:schemeClr val="accent1"/>
+          </a:fillRef>
+          <a:effectRef idx="0">
+            <a:schemeClr val="accent1"/>
+          </a:effectRef>
+          <a:fontRef idx="minor">
+            <a:schemeClr val="lt1"/>
+          </a:fontRef>
+        </p:style>
+        <p:txBody>
+          <a:bodyPr rtlCol="0" anchor="ctr"/>
+          <a:lstStyle/>
+          <a:p>
+            <a:pPr algn="ctr"/>
+            <a:endParaRPr lang="ko-KR" altLang="en-US"/>
+          </a:p>
+        </p:txBody>
+      </p:sp>
+      <p:sp>
+        <p:nvSpPr>
+          <p:cNvPr id="145" name="타원 144">
+            <a:extLst>
+              <a:ext uri="{FF2B5EF4-FFF2-40B4-BE49-F238E27FC236}">
+                <a16:creationId xmlns:a16="http://schemas.microsoft.com/office/drawing/2014/main" id="{F40ECB75-9905-494F-88C1-DABCC2BB0CAD}"/>
+              </a:ext>
+            </a:extLst>
+          </p:cNvPr>
+          <p:cNvSpPr/>
+          <p:nvPr/>
+        </p:nvSpPr>
+        <p:spPr>
+          <a:xfrm>
+            <a:off x="29048871" y="29192490"/>
+            <a:ext cx="1261241" cy="1261241"/>
+          </a:xfrm>
+          <a:prstGeom prst="ellipse">
+            <a:avLst/>
+          </a:prstGeom>
+          <a:solidFill>
+            <a:schemeClr val="bg2">
+              <a:lumMod val="90000"/>
+            </a:schemeClr>
+          </a:solidFill>
+          <a:ln>
+            <a:noFill/>
+          </a:ln>
+        </p:spPr>
+        <p:style>
+          <a:lnRef idx="2">
+            <a:schemeClr val="accent1">
+              <a:shade val="50000"/>
+            </a:schemeClr>
+          </a:lnRef>
+          <a:fillRef idx="1">
+            <a:schemeClr val="accent1"/>
+          </a:fillRef>
+          <a:effectRef idx="0">
+            <a:schemeClr val="accent1"/>
+          </a:effectRef>
+          <a:fontRef idx="minor">
+            <a:schemeClr val="lt1"/>
+          </a:fontRef>
+        </p:style>
+        <p:txBody>
+          <a:bodyPr rtlCol="0" anchor="ctr"/>
+          <a:lstStyle/>
+          <a:p>
+            <a:pPr algn="ctr"/>
+            <a:endParaRPr lang="ko-KR" altLang="en-US"/>
+          </a:p>
+        </p:txBody>
+      </p:sp>
+      <p:sp>
+        <p:nvSpPr>
+          <p:cNvPr id="146" name="타원 145">
+            <a:extLst>
+              <a:ext uri="{FF2B5EF4-FFF2-40B4-BE49-F238E27FC236}">
+                <a16:creationId xmlns:a16="http://schemas.microsoft.com/office/drawing/2014/main" id="{1F99D750-F658-4AD8-82DD-34F8CFFFEEEC}"/>
+              </a:ext>
+            </a:extLst>
+          </p:cNvPr>
+          <p:cNvSpPr/>
+          <p:nvPr/>
+        </p:nvSpPr>
+        <p:spPr>
+          <a:xfrm>
+            <a:off x="2352591" y="29192490"/>
+            <a:ext cx="1261241" cy="1261241"/>
+          </a:xfrm>
+          <a:prstGeom prst="ellipse">
+            <a:avLst/>
+          </a:prstGeom>
+          <a:solidFill>
+            <a:schemeClr val="bg2">
+              <a:lumMod val="90000"/>
+            </a:schemeClr>
+          </a:solidFill>
+          <a:ln>
+            <a:noFill/>
+          </a:ln>
+        </p:spPr>
+        <p:style>
+          <a:lnRef idx="2">
+            <a:schemeClr val="accent1">
+              <a:shade val="50000"/>
+            </a:schemeClr>
+          </a:lnRef>
+          <a:fillRef idx="1">
+            <a:schemeClr val="accent1"/>
+          </a:fillRef>
+          <a:effectRef idx="0">
+            <a:schemeClr val="accent1"/>
+          </a:effectRef>
+          <a:fontRef idx="minor">
+            <a:schemeClr val="lt1"/>
+          </a:fontRef>
+        </p:style>
+        <p:txBody>
+          <a:bodyPr rtlCol="0" anchor="ctr"/>
+          <a:lstStyle/>
+          <a:p>
+            <a:pPr algn="ctr"/>
+            <a:endParaRPr lang="ko-KR" altLang="en-US"/>
+          </a:p>
+        </p:txBody>
+      </p:sp>
+      <p:sp>
+        <p:nvSpPr>
+          <p:cNvPr id="147" name="타원 146">
+            <a:extLst>
+              <a:ext uri="{FF2B5EF4-FFF2-40B4-BE49-F238E27FC236}">
+                <a16:creationId xmlns:a16="http://schemas.microsoft.com/office/drawing/2014/main" id="{643E1024-8AAC-4834-8089-DEFDD9FBA446}"/>
+              </a:ext>
+            </a:extLst>
+          </p:cNvPr>
+          <p:cNvSpPr/>
+          <p:nvPr/>
+        </p:nvSpPr>
+        <p:spPr>
+          <a:xfrm>
+            <a:off x="32385906" y="29192490"/>
+            <a:ext cx="1261241" cy="1261241"/>
+          </a:xfrm>
+          <a:prstGeom prst="ellipse">
+            <a:avLst/>
+          </a:prstGeom>
+          <a:solidFill>
+            <a:schemeClr val="bg2">
+              <a:lumMod val="90000"/>
+            </a:schemeClr>
+          </a:solidFill>
+          <a:ln>
+            <a:noFill/>
+          </a:ln>
+        </p:spPr>
+        <p:style>
+          <a:lnRef idx="2">
+            <a:schemeClr val="accent1">
+              <a:shade val="50000"/>
+            </a:schemeClr>
+          </a:lnRef>
+          <a:fillRef idx="1">
+            <a:schemeClr val="accent1"/>
+          </a:fillRef>
+          <a:effectRef idx="0">
+            <a:schemeClr val="accent1"/>
+          </a:effectRef>
+          <a:fontRef idx="minor">
+            <a:schemeClr val="lt1"/>
+          </a:fontRef>
+        </p:style>
+        <p:txBody>
+          <a:bodyPr rtlCol="0" anchor="ctr"/>
+          <a:lstStyle/>
+          <a:p>
+            <a:pPr algn="ctr"/>
+            <a:endParaRPr lang="ko-KR" altLang="en-US"/>
+          </a:p>
+        </p:txBody>
+      </p:sp>
+      <p:grpSp>
+        <p:nvGrpSpPr>
+          <p:cNvPr id="148" name="그룹 147">
+            <a:extLst>
+              <a:ext uri="{FF2B5EF4-FFF2-40B4-BE49-F238E27FC236}">
+                <a16:creationId xmlns:a16="http://schemas.microsoft.com/office/drawing/2014/main" id="{83A378F8-686B-4D33-9160-53400E221589}"/>
+              </a:ext>
+            </a:extLst>
+          </p:cNvPr>
+          <p:cNvGrpSpPr/>
+          <p:nvPr/>
+        </p:nvGrpSpPr>
+        <p:grpSpPr>
+          <a:xfrm>
+            <a:off x="2352591" y="31520532"/>
+            <a:ext cx="31294556" cy="1261242"/>
+            <a:chOff x="1976845" y="1255986"/>
+            <a:chExt cx="31294556" cy="1261242"/>
+          </a:xfrm>
+        </p:grpSpPr>
+        <p:sp>
+          <p:nvSpPr>
+            <p:cNvPr id="149" name="타원 148">
+              <a:extLst>
+                <a:ext uri="{FF2B5EF4-FFF2-40B4-BE49-F238E27FC236}">
+                  <a16:creationId xmlns:a16="http://schemas.microsoft.com/office/drawing/2014/main" id="{0E7021E0-9135-4DAC-B3D9-06B6F1CB1835}"/>
+                </a:ext>
+              </a:extLst>
+            </p:cNvPr>
+            <p:cNvSpPr/>
+            <p:nvPr/>
+          </p:nvSpPr>
+          <p:spPr>
+            <a:xfrm>
+              <a:off x="5313880" y="1255987"/>
+              <a:ext cx="1261241" cy="1261241"/>
+            </a:xfrm>
+            <a:prstGeom prst="ellipse">
+              <a:avLst/>
+            </a:prstGeom>
+            <a:solidFill>
+              <a:schemeClr val="bg2">
+                <a:lumMod val="90000"/>
+              </a:schemeClr>
+            </a:solidFill>
+            <a:ln>
+              <a:noFill/>
+            </a:ln>
+          </p:spPr>
+          <p:style>
+            <a:lnRef idx="2">
+              <a:schemeClr val="accent1">
+                <a:shade val="50000"/>
+              </a:schemeClr>
+            </a:lnRef>
+            <a:fillRef idx="1">
+              <a:schemeClr val="accent1"/>
+            </a:fillRef>
+            <a:effectRef idx="0">
+              <a:schemeClr val="accent1"/>
+            </a:effectRef>
+            <a:fontRef idx="minor">
+              <a:schemeClr val="lt1"/>
+            </a:fontRef>
+          </p:style>
+          <p:txBody>
+            <a:bodyPr rtlCol="0" anchor="ctr"/>
+            <a:lstStyle/>
+            <a:p>
+              <a:pPr algn="ctr"/>
+              <a:endParaRPr lang="ko-KR" altLang="en-US"/>
+            </a:p>
+          </p:txBody>
+        </p:sp>
+        <p:sp>
+          <p:nvSpPr>
+            <p:cNvPr id="150" name="타원 149">
+              <a:extLst>
+                <a:ext uri="{FF2B5EF4-FFF2-40B4-BE49-F238E27FC236}">
+                  <a16:creationId xmlns:a16="http://schemas.microsoft.com/office/drawing/2014/main" id="{96B54DEE-CE0E-4482-B5B5-1E99BDA43DA0}"/>
+                </a:ext>
+              </a:extLst>
+            </p:cNvPr>
+            <p:cNvSpPr/>
+            <p:nvPr/>
+          </p:nvSpPr>
+          <p:spPr>
+            <a:xfrm>
+              <a:off x="8650915" y="1255987"/>
+              <a:ext cx="1261241" cy="1261241"/>
+            </a:xfrm>
+            <a:prstGeom prst="ellipse">
+              <a:avLst/>
+            </a:prstGeom>
+            <a:solidFill>
+              <a:schemeClr val="bg2">
+                <a:lumMod val="90000"/>
+              </a:schemeClr>
+            </a:solidFill>
+            <a:ln>
+              <a:noFill/>
+            </a:ln>
+          </p:spPr>
+          <p:style>
+            <a:lnRef idx="2">
+              <a:schemeClr val="accent1">
+                <a:shade val="50000"/>
+              </a:schemeClr>
+            </a:lnRef>
+            <a:fillRef idx="1">
+              <a:schemeClr val="accent1"/>
+            </a:fillRef>
+            <a:effectRef idx="0">
+              <a:schemeClr val="accent1"/>
+            </a:effectRef>
+            <a:fontRef idx="minor">
+              <a:schemeClr val="lt1"/>
+            </a:fontRef>
+          </p:style>
+          <p:txBody>
+            <a:bodyPr rtlCol="0" anchor="ctr"/>
+            <a:lstStyle/>
+            <a:p>
+              <a:pPr algn="ctr"/>
+              <a:endParaRPr lang="ko-KR" altLang="en-US"/>
+            </a:p>
+          </p:txBody>
+        </p:sp>
+        <p:sp>
+          <p:nvSpPr>
+            <p:cNvPr id="151" name="타원 150">
+              <a:extLst>
+                <a:ext uri="{FF2B5EF4-FFF2-40B4-BE49-F238E27FC236}">
+                  <a16:creationId xmlns:a16="http://schemas.microsoft.com/office/drawing/2014/main" id="{BF2080A7-BFF9-405B-AE0A-E160A4CB3EAB}"/>
+                </a:ext>
+              </a:extLst>
+            </p:cNvPr>
+            <p:cNvSpPr/>
+            <p:nvPr/>
+          </p:nvSpPr>
+          <p:spPr>
+            <a:xfrm>
+              <a:off x="11987950" y="1255987"/>
+              <a:ext cx="1261241" cy="1261241"/>
+            </a:xfrm>
+            <a:prstGeom prst="ellipse">
+              <a:avLst/>
+            </a:prstGeom>
+            <a:solidFill>
+              <a:schemeClr val="bg2">
+                <a:lumMod val="90000"/>
+              </a:schemeClr>
+            </a:solidFill>
+            <a:ln>
+              <a:noFill/>
+            </a:ln>
+          </p:spPr>
+          <p:style>
+            <a:lnRef idx="2">
+              <a:schemeClr val="accent1">
+                <a:shade val="50000"/>
+              </a:schemeClr>
+            </a:lnRef>
+            <a:fillRef idx="1">
+              <a:schemeClr val="accent1"/>
+            </a:fillRef>
+            <a:effectRef idx="0">
+              <a:schemeClr val="accent1"/>
+            </a:effectRef>
+            <a:fontRef idx="minor">
+              <a:schemeClr val="lt1"/>
+            </a:fontRef>
+          </p:style>
+          <p:txBody>
+            <a:bodyPr rtlCol="0" anchor="ctr"/>
+            <a:lstStyle/>
+            <a:p>
+              <a:pPr algn="ctr"/>
+              <a:endParaRPr lang="ko-KR" altLang="en-US"/>
+            </a:p>
+          </p:txBody>
+        </p:sp>
+        <p:sp>
+          <p:nvSpPr>
+            <p:cNvPr id="152" name="타원 151">
+              <a:extLst>
+                <a:ext uri="{FF2B5EF4-FFF2-40B4-BE49-F238E27FC236}">
+                  <a16:creationId xmlns:a16="http://schemas.microsoft.com/office/drawing/2014/main" id="{CF2AC2CE-3D9E-4892-8D23-1B62A1421332}"/>
+                </a:ext>
+              </a:extLst>
+            </p:cNvPr>
+            <p:cNvSpPr/>
+            <p:nvPr/>
+          </p:nvSpPr>
+          <p:spPr>
+            <a:xfrm>
+              <a:off x="15324985" y="1255986"/>
+              <a:ext cx="1261241" cy="1261241"/>
+            </a:xfrm>
+            <a:prstGeom prst="ellipse">
+              <a:avLst/>
+            </a:prstGeom>
+            <a:solidFill>
+              <a:schemeClr val="bg2">
+                <a:lumMod val="90000"/>
+              </a:schemeClr>
+            </a:solidFill>
+            <a:ln>
+              <a:noFill/>
+            </a:ln>
+          </p:spPr>
+          <p:style>
+            <a:lnRef idx="2">
+              <a:schemeClr val="accent1">
+                <a:shade val="50000"/>
+              </a:schemeClr>
+            </a:lnRef>
+            <a:fillRef idx="1">
+              <a:schemeClr val="accent1"/>
+            </a:fillRef>
+            <a:effectRef idx="0">
+              <a:schemeClr val="accent1"/>
+            </a:effectRef>
+            <a:fontRef idx="minor">
+              <a:schemeClr val="lt1"/>
+            </a:fontRef>
+          </p:style>
+          <p:txBody>
+            <a:bodyPr rtlCol="0" anchor="ctr"/>
+            <a:lstStyle/>
+            <a:p>
+              <a:pPr algn="ctr"/>
+              <a:endParaRPr lang="ko-KR" altLang="en-US"/>
+            </a:p>
+          </p:txBody>
+        </p:sp>
+        <p:sp>
+          <p:nvSpPr>
+            <p:cNvPr id="153" name="타원 152">
+              <a:extLst>
+                <a:ext uri="{FF2B5EF4-FFF2-40B4-BE49-F238E27FC236}">
+                  <a16:creationId xmlns:a16="http://schemas.microsoft.com/office/drawing/2014/main" id="{993C57E2-31E9-4EAB-B42F-305042578B00}"/>
+                </a:ext>
+              </a:extLst>
+            </p:cNvPr>
+            <p:cNvSpPr/>
+            <p:nvPr/>
+          </p:nvSpPr>
+          <p:spPr>
+            <a:xfrm>
+              <a:off x="18662020" y="1255986"/>
+              <a:ext cx="1261241" cy="1261241"/>
+            </a:xfrm>
+            <a:prstGeom prst="ellipse">
+              <a:avLst/>
+            </a:prstGeom>
+            <a:solidFill>
+              <a:schemeClr val="bg2">
+                <a:lumMod val="90000"/>
+              </a:schemeClr>
+            </a:solidFill>
+            <a:ln>
+              <a:noFill/>
+            </a:ln>
+          </p:spPr>
+          <p:style>
+            <a:lnRef idx="2">
+              <a:schemeClr val="accent1">
+                <a:shade val="50000"/>
+              </a:schemeClr>
+            </a:lnRef>
+            <a:fillRef idx="1">
+              <a:schemeClr val="accent1"/>
+            </a:fillRef>
+            <a:effectRef idx="0">
+              <a:schemeClr val="accent1"/>
+            </a:effectRef>
+            <a:fontRef idx="minor">
+              <a:schemeClr val="lt1"/>
+            </a:fontRef>
+          </p:style>
+          <p:txBody>
+            <a:bodyPr rtlCol="0" anchor="ctr"/>
+            <a:lstStyle/>
+            <a:p>
+              <a:pPr algn="ctr"/>
+              <a:endParaRPr lang="ko-KR" altLang="en-US"/>
+            </a:p>
+          </p:txBody>
+        </p:sp>
+        <p:sp>
+          <p:nvSpPr>
+            <p:cNvPr id="154" name="타원 153">
+              <a:extLst>
+                <a:ext uri="{FF2B5EF4-FFF2-40B4-BE49-F238E27FC236}">
+                  <a16:creationId xmlns:a16="http://schemas.microsoft.com/office/drawing/2014/main" id="{B2841A05-F697-4C23-94A4-A9CB03F91FE9}"/>
+                </a:ext>
+              </a:extLst>
+            </p:cNvPr>
+            <p:cNvSpPr/>
+            <p:nvPr/>
+          </p:nvSpPr>
+          <p:spPr>
+            <a:xfrm>
+              <a:off x="21999055" y="1255986"/>
+              <a:ext cx="1261241" cy="1261241"/>
+            </a:xfrm>
+            <a:prstGeom prst="ellipse">
+              <a:avLst/>
+            </a:prstGeom>
+            <a:solidFill>
+              <a:schemeClr val="bg2">
+                <a:lumMod val="90000"/>
+              </a:schemeClr>
+            </a:solidFill>
+            <a:ln>
+              <a:noFill/>
+            </a:ln>
+          </p:spPr>
+          <p:style>
+            <a:lnRef idx="2">
+              <a:schemeClr val="accent1">
+                <a:shade val="50000"/>
+              </a:schemeClr>
+            </a:lnRef>
+            <a:fillRef idx="1">
+              <a:schemeClr val="accent1"/>
+            </a:fillRef>
+            <a:effectRef idx="0">
+              <a:schemeClr val="accent1"/>
+            </a:effectRef>
+            <a:fontRef idx="minor">
+              <a:schemeClr val="lt1"/>
+            </a:fontRef>
+          </p:style>
+          <p:txBody>
+            <a:bodyPr rtlCol="0" anchor="ctr"/>
+            <a:lstStyle/>
+            <a:p>
+              <a:pPr algn="ctr"/>
+              <a:endParaRPr lang="ko-KR" altLang="en-US"/>
+            </a:p>
+          </p:txBody>
+        </p:sp>
+        <p:sp>
+          <p:nvSpPr>
+            <p:cNvPr id="155" name="타원 154">
+              <a:extLst>
+                <a:ext uri="{FF2B5EF4-FFF2-40B4-BE49-F238E27FC236}">
+                  <a16:creationId xmlns:a16="http://schemas.microsoft.com/office/drawing/2014/main" id="{78E90221-6960-4D6D-847D-683D9C90DDEC}"/>
+                </a:ext>
+              </a:extLst>
+            </p:cNvPr>
+            <p:cNvSpPr/>
+            <p:nvPr/>
+          </p:nvSpPr>
+          <p:spPr>
+            <a:xfrm>
+              <a:off x="25336090" y="1255986"/>
+              <a:ext cx="1261241" cy="1261241"/>
+            </a:xfrm>
+            <a:prstGeom prst="ellipse">
+              <a:avLst/>
+            </a:prstGeom>
+            <a:solidFill>
+              <a:schemeClr val="bg2">
+                <a:lumMod val="90000"/>
+              </a:schemeClr>
+            </a:solidFill>
+            <a:ln>
+              <a:noFill/>
+            </a:ln>
+          </p:spPr>
+          <p:style>
+            <a:lnRef idx="2">
+              <a:schemeClr val="accent1">
+                <a:shade val="50000"/>
+              </a:schemeClr>
+            </a:lnRef>
+            <a:fillRef idx="1">
+              <a:schemeClr val="accent1"/>
+            </a:fillRef>
+            <a:effectRef idx="0">
+              <a:schemeClr val="accent1"/>
+            </a:effectRef>
+            <a:fontRef idx="minor">
+              <a:schemeClr val="lt1"/>
+            </a:fontRef>
+          </p:style>
+          <p:txBody>
+            <a:bodyPr rtlCol="0" anchor="ctr"/>
+            <a:lstStyle/>
+            <a:p>
+              <a:pPr algn="ctr"/>
+              <a:endParaRPr lang="ko-KR" altLang="en-US"/>
+            </a:p>
+          </p:txBody>
+        </p:sp>
+        <p:sp>
+          <p:nvSpPr>
+            <p:cNvPr id="156" name="타원 155">
+              <a:extLst>
+                <a:ext uri="{FF2B5EF4-FFF2-40B4-BE49-F238E27FC236}">
+                  <a16:creationId xmlns:a16="http://schemas.microsoft.com/office/drawing/2014/main" id="{09DFE80C-B853-4EE9-882C-0B709BD594B0}"/>
+                </a:ext>
+              </a:extLst>
+            </p:cNvPr>
+            <p:cNvSpPr/>
+            <p:nvPr/>
+          </p:nvSpPr>
+          <p:spPr>
+            <a:xfrm>
+              <a:off x="28673125" y="1255986"/>
+              <a:ext cx="1261241" cy="1261241"/>
+            </a:xfrm>
+            <a:prstGeom prst="ellipse">
+              <a:avLst/>
+            </a:prstGeom>
+            <a:solidFill>
+              <a:schemeClr val="bg2">
+                <a:lumMod val="90000"/>
+              </a:schemeClr>
+            </a:solidFill>
+            <a:ln>
+              <a:noFill/>
+            </a:ln>
+          </p:spPr>
+          <p:style>
+            <a:lnRef idx="2">
+              <a:schemeClr val="accent1">
+                <a:shade val="50000"/>
+              </a:schemeClr>
+            </a:lnRef>
+            <a:fillRef idx="1">
+              <a:schemeClr val="accent1"/>
+            </a:fillRef>
+            <a:effectRef idx="0">
+              <a:schemeClr val="accent1"/>
+            </a:effectRef>
+            <a:fontRef idx="minor">
+              <a:schemeClr val="lt1"/>
+            </a:fontRef>
+          </p:style>
+          <p:txBody>
+            <a:bodyPr rtlCol="0" anchor="ctr"/>
+            <a:lstStyle/>
+            <a:p>
+              <a:pPr algn="ctr"/>
+              <a:endParaRPr lang="ko-KR" altLang="en-US"/>
+            </a:p>
+          </p:txBody>
+        </p:sp>
+        <p:sp>
+          <p:nvSpPr>
+            <p:cNvPr id="157" name="타원 156">
+              <a:extLst>
+                <a:ext uri="{FF2B5EF4-FFF2-40B4-BE49-F238E27FC236}">
+                  <a16:creationId xmlns:a16="http://schemas.microsoft.com/office/drawing/2014/main" id="{DE103139-37A7-46EE-A95E-FEB2279E5136}"/>
+                </a:ext>
+              </a:extLst>
+            </p:cNvPr>
+            <p:cNvSpPr/>
+            <p:nvPr/>
+          </p:nvSpPr>
+          <p:spPr>
+            <a:xfrm>
+              <a:off x="1976845" y="1255986"/>
+              <a:ext cx="1261241" cy="1261241"/>
+            </a:xfrm>
+            <a:prstGeom prst="ellipse">
+              <a:avLst/>
+            </a:prstGeom>
+            <a:solidFill>
+              <a:schemeClr val="bg2">
+                <a:lumMod val="90000"/>
+              </a:schemeClr>
+            </a:solidFill>
+            <a:ln>
+              <a:noFill/>
+            </a:ln>
+          </p:spPr>
+          <p:style>
+            <a:lnRef idx="2">
+              <a:schemeClr val="accent1">
+                <a:shade val="50000"/>
+              </a:schemeClr>
+            </a:lnRef>
+            <a:fillRef idx="1">
+              <a:schemeClr val="accent1"/>
+            </a:fillRef>
+            <a:effectRef idx="0">
+              <a:schemeClr val="accent1"/>
+            </a:effectRef>
+            <a:fontRef idx="minor">
+              <a:schemeClr val="lt1"/>
+            </a:fontRef>
+          </p:style>
+          <p:txBody>
+            <a:bodyPr rtlCol="0" anchor="ctr"/>
+            <a:lstStyle/>
+            <a:p>
+              <a:pPr algn="ctr"/>
+              <a:endParaRPr lang="ko-KR" altLang="en-US"/>
+            </a:p>
+          </p:txBody>
+        </p:sp>
+        <p:sp>
+          <p:nvSpPr>
+            <p:cNvPr id="158" name="타원 157">
+              <a:extLst>
+                <a:ext uri="{FF2B5EF4-FFF2-40B4-BE49-F238E27FC236}">
+                  <a16:creationId xmlns:a16="http://schemas.microsoft.com/office/drawing/2014/main" id="{8C7DC1EE-54CC-4EC9-9963-CA06746D7731}"/>
+                </a:ext>
+              </a:extLst>
+            </p:cNvPr>
+            <p:cNvSpPr/>
+            <p:nvPr/>
+          </p:nvSpPr>
+          <p:spPr>
+            <a:xfrm>
+              <a:off x="32010160" y="1255986"/>
+              <a:ext cx="1261241" cy="1261241"/>
+            </a:xfrm>
+            <a:prstGeom prst="ellipse">
+              <a:avLst/>
+            </a:prstGeom>
+            <a:solidFill>
+              <a:schemeClr val="bg2">
+                <a:lumMod val="90000"/>
+              </a:schemeClr>
+            </a:solidFill>
+            <a:ln>
+              <a:noFill/>
+            </a:ln>
+          </p:spPr>
+          <p:style>
+            <a:lnRef idx="2">
+              <a:schemeClr val="accent1">
+                <a:shade val="50000"/>
+              </a:schemeClr>
+            </a:lnRef>
+            <a:fillRef idx="1">
+              <a:schemeClr val="accent1"/>
+            </a:fillRef>
+            <a:effectRef idx="0">
+              <a:schemeClr val="accent1"/>
+            </a:effectRef>
+            <a:fontRef idx="minor">
+              <a:schemeClr val="lt1"/>
+            </a:fontRef>
+          </p:style>
+          <p:txBody>
+            <a:bodyPr rtlCol="0" anchor="ctr"/>
+            <a:lstStyle/>
+            <a:p>
+              <a:pPr algn="ctr"/>
+              <a:endParaRPr lang="ko-KR" altLang="en-US"/>
+            </a:p>
+          </p:txBody>
+        </p:sp>
+      </p:grpSp>
+      <p:grpSp>
+        <p:nvGrpSpPr>
+          <p:cNvPr id="159" name="그룹 158">
+            <a:extLst>
+              <a:ext uri="{FF2B5EF4-FFF2-40B4-BE49-F238E27FC236}">
+                <a16:creationId xmlns:a16="http://schemas.microsoft.com/office/drawing/2014/main" id="{B12BD2F9-0268-4DEF-B934-985084954868}"/>
+              </a:ext>
+            </a:extLst>
+          </p:cNvPr>
+          <p:cNvGrpSpPr/>
+          <p:nvPr/>
+        </p:nvGrpSpPr>
+        <p:grpSpPr>
+          <a:xfrm>
+            <a:off x="2352591" y="33848574"/>
+            <a:ext cx="31294556" cy="1261242"/>
+            <a:chOff x="1976845" y="1255986"/>
+            <a:chExt cx="31294556" cy="1261242"/>
+          </a:xfrm>
+        </p:grpSpPr>
+        <p:sp>
+          <p:nvSpPr>
+            <p:cNvPr id="160" name="타원 159">
+              <a:extLst>
+                <a:ext uri="{FF2B5EF4-FFF2-40B4-BE49-F238E27FC236}">
+                  <a16:creationId xmlns:a16="http://schemas.microsoft.com/office/drawing/2014/main" id="{254BB6D5-6A49-4248-AB6D-7B44CEB15D9F}"/>
+                </a:ext>
+              </a:extLst>
+            </p:cNvPr>
+            <p:cNvSpPr/>
+            <p:nvPr/>
+          </p:nvSpPr>
+          <p:spPr>
+            <a:xfrm>
+              <a:off x="5313880" y="1255987"/>
+              <a:ext cx="1261241" cy="1261241"/>
+            </a:xfrm>
+            <a:prstGeom prst="ellipse">
+              <a:avLst/>
+            </a:prstGeom>
+            <a:solidFill>
+              <a:schemeClr val="bg2">
+                <a:lumMod val="90000"/>
+              </a:schemeClr>
+            </a:solidFill>
+            <a:ln>
+              <a:noFill/>
+            </a:ln>
+          </p:spPr>
+          <p:style>
+            <a:lnRef idx="2">
+              <a:schemeClr val="accent1">
+                <a:shade val="50000"/>
+              </a:schemeClr>
+            </a:lnRef>
+            <a:fillRef idx="1">
+              <a:schemeClr val="accent1"/>
+            </a:fillRef>
+            <a:effectRef idx="0">
+              <a:schemeClr val="accent1"/>
+            </a:effectRef>
+            <a:fontRef idx="minor">
+              <a:schemeClr val="lt1"/>
+            </a:fontRef>
+          </p:style>
+          <p:txBody>
+            <a:bodyPr rtlCol="0" anchor="ctr"/>
+            <a:lstStyle/>
+            <a:p>
+              <a:pPr algn="ctr"/>
+              <a:endParaRPr lang="ko-KR" altLang="en-US"/>
+            </a:p>
+          </p:txBody>
+        </p:sp>
+        <p:sp>
+          <p:nvSpPr>
+            <p:cNvPr id="161" name="타원 160">
+              <a:extLst>
+                <a:ext uri="{FF2B5EF4-FFF2-40B4-BE49-F238E27FC236}">
+                  <a16:creationId xmlns:a16="http://schemas.microsoft.com/office/drawing/2014/main" id="{0660BA38-7604-4FB7-A73A-6F33E9A6B3B4}"/>
+                </a:ext>
+              </a:extLst>
+            </p:cNvPr>
+            <p:cNvSpPr/>
+            <p:nvPr/>
+          </p:nvSpPr>
+          <p:spPr>
+            <a:xfrm>
+              <a:off x="8650915" y="1255987"/>
+              <a:ext cx="1261241" cy="1261241"/>
+            </a:xfrm>
+            <a:prstGeom prst="ellipse">
+              <a:avLst/>
+            </a:prstGeom>
+            <a:solidFill>
+              <a:schemeClr val="bg2">
+                <a:lumMod val="90000"/>
+              </a:schemeClr>
+            </a:solidFill>
+            <a:ln>
+              <a:noFill/>
+            </a:ln>
+          </p:spPr>
+          <p:style>
+            <a:lnRef idx="2">
+              <a:schemeClr val="accent1">
+                <a:shade val="50000"/>
+              </a:schemeClr>
+            </a:lnRef>
+            <a:fillRef idx="1">
+              <a:schemeClr val="accent1"/>
+            </a:fillRef>
+            <a:effectRef idx="0">
+              <a:schemeClr val="accent1"/>
+            </a:effectRef>
+            <a:fontRef idx="minor">
+              <a:schemeClr val="lt1"/>
+            </a:fontRef>
+          </p:style>
+          <p:txBody>
+            <a:bodyPr rtlCol="0" anchor="ctr"/>
+            <a:lstStyle/>
+            <a:p>
+              <a:pPr algn="ctr"/>
+              <a:endParaRPr lang="ko-KR" altLang="en-US"/>
+            </a:p>
+          </p:txBody>
+        </p:sp>
+        <p:sp>
+          <p:nvSpPr>
+            <p:cNvPr id="162" name="타원 161">
+              <a:extLst>
+                <a:ext uri="{FF2B5EF4-FFF2-40B4-BE49-F238E27FC236}">
+                  <a16:creationId xmlns:a16="http://schemas.microsoft.com/office/drawing/2014/main" id="{6B299618-8202-43DF-BF87-C115A91D945D}"/>
+                </a:ext>
+              </a:extLst>
+            </p:cNvPr>
+            <p:cNvSpPr/>
+            <p:nvPr/>
+          </p:nvSpPr>
+          <p:spPr>
+            <a:xfrm>
+              <a:off x="11987950" y="1255987"/>
+              <a:ext cx="1261241" cy="1261241"/>
+            </a:xfrm>
+            <a:prstGeom prst="ellipse">
+              <a:avLst/>
+            </a:prstGeom>
+            <a:solidFill>
+              <a:schemeClr val="bg2">
+                <a:lumMod val="90000"/>
+              </a:schemeClr>
+            </a:solidFill>
+            <a:ln>
+              <a:noFill/>
+            </a:ln>
+          </p:spPr>
+          <p:style>
+            <a:lnRef idx="2">
+              <a:schemeClr val="accent1">
+                <a:shade val="50000"/>
+              </a:schemeClr>
+            </a:lnRef>
+            <a:fillRef idx="1">
+              <a:schemeClr val="accent1"/>
+            </a:fillRef>
+            <a:effectRef idx="0">
+              <a:schemeClr val="accent1"/>
+            </a:effectRef>
+            <a:fontRef idx="minor">
+              <a:schemeClr val="lt1"/>
+            </a:fontRef>
+          </p:style>
+          <p:txBody>
+            <a:bodyPr rtlCol="0" anchor="ctr"/>
+            <a:lstStyle/>
+            <a:p>
+              <a:pPr algn="ctr"/>
+              <a:endParaRPr lang="ko-KR" altLang="en-US"/>
+            </a:p>
+          </p:txBody>
+        </p:sp>
+        <p:sp>
+          <p:nvSpPr>
+            <p:cNvPr id="163" name="타원 162">
+              <a:extLst>
+                <a:ext uri="{FF2B5EF4-FFF2-40B4-BE49-F238E27FC236}">
+                  <a16:creationId xmlns:a16="http://schemas.microsoft.com/office/drawing/2014/main" id="{26404765-ECF8-4D7F-8671-908CD4CC440A}"/>
+                </a:ext>
+              </a:extLst>
+            </p:cNvPr>
+            <p:cNvSpPr/>
+            <p:nvPr/>
+          </p:nvSpPr>
+          <p:spPr>
+            <a:xfrm>
+              <a:off x="15324985" y="1255986"/>
+              <a:ext cx="1261241" cy="1261241"/>
+            </a:xfrm>
+            <a:prstGeom prst="ellipse">
+              <a:avLst/>
+            </a:prstGeom>
+            <a:solidFill>
+              <a:schemeClr val="bg2">
+                <a:lumMod val="90000"/>
+              </a:schemeClr>
+            </a:solidFill>
+            <a:ln>
+              <a:noFill/>
+            </a:ln>
+          </p:spPr>
+          <p:style>
+            <a:lnRef idx="2">
+              <a:schemeClr val="accent1">
+                <a:shade val="50000"/>
+              </a:schemeClr>
+            </a:lnRef>
+            <a:fillRef idx="1">
+              <a:schemeClr val="accent1"/>
+            </a:fillRef>
+            <a:effectRef idx="0">
+              <a:schemeClr val="accent1"/>
+            </a:effectRef>
+            <a:fontRef idx="minor">
+              <a:schemeClr val="lt1"/>
+            </a:fontRef>
+          </p:style>
+          <p:txBody>
+            <a:bodyPr rtlCol="0" anchor="ctr"/>
+            <a:lstStyle/>
+            <a:p>
+              <a:pPr algn="ctr"/>
+              <a:endParaRPr lang="ko-KR" altLang="en-US"/>
+            </a:p>
+          </p:txBody>
+        </p:sp>
+        <p:sp>
+          <p:nvSpPr>
+            <p:cNvPr id="164" name="타원 163">
+              <a:extLst>
+                <a:ext uri="{FF2B5EF4-FFF2-40B4-BE49-F238E27FC236}">
+                  <a16:creationId xmlns:a16="http://schemas.microsoft.com/office/drawing/2014/main" id="{B614003E-D97E-47AE-88A2-DD0B2A6D4F4A}"/>
+                </a:ext>
+              </a:extLst>
+            </p:cNvPr>
+            <p:cNvSpPr/>
+            <p:nvPr/>
+          </p:nvSpPr>
+          <p:spPr>
+            <a:xfrm>
+              <a:off x="18662020" y="1255986"/>
+              <a:ext cx="1261241" cy="1261241"/>
+            </a:xfrm>
+            <a:prstGeom prst="ellipse">
+              <a:avLst/>
+            </a:prstGeom>
+            <a:solidFill>
+              <a:schemeClr val="bg2">
+                <a:lumMod val="90000"/>
+              </a:schemeClr>
+            </a:solidFill>
+            <a:ln>
+              <a:noFill/>
+            </a:ln>
+          </p:spPr>
+          <p:style>
+            <a:lnRef idx="2">
+              <a:schemeClr val="accent1">
+                <a:shade val="50000"/>
+              </a:schemeClr>
+            </a:lnRef>
+            <a:fillRef idx="1">
+              <a:schemeClr val="accent1"/>
+            </a:fillRef>
+            <a:effectRef idx="0">
+              <a:schemeClr val="accent1"/>
+            </a:effectRef>
+            <a:fontRef idx="minor">
+              <a:schemeClr val="lt1"/>
+            </a:fontRef>
+          </p:style>
+          <p:txBody>
+            <a:bodyPr rtlCol="0" anchor="ctr"/>
+            <a:lstStyle/>
+            <a:p>
+              <a:pPr algn="ctr"/>
+              <a:endParaRPr lang="ko-KR" altLang="en-US"/>
+            </a:p>
+          </p:txBody>
+        </p:sp>
+        <p:sp>
+          <p:nvSpPr>
+            <p:cNvPr id="165" name="타원 164">
+              <a:extLst>
+                <a:ext uri="{FF2B5EF4-FFF2-40B4-BE49-F238E27FC236}">
+                  <a16:creationId xmlns:a16="http://schemas.microsoft.com/office/drawing/2014/main" id="{EEDBFA12-8515-493A-B916-FD86148BE775}"/>
+                </a:ext>
+              </a:extLst>
+            </p:cNvPr>
+            <p:cNvSpPr/>
+            <p:nvPr/>
+          </p:nvSpPr>
+          <p:spPr>
+            <a:xfrm>
+              <a:off x="21999055" y="1255986"/>
+              <a:ext cx="1261241" cy="1261241"/>
+            </a:xfrm>
+            <a:prstGeom prst="ellipse">
+              <a:avLst/>
+            </a:prstGeom>
+            <a:solidFill>
+              <a:schemeClr val="bg2">
+                <a:lumMod val="90000"/>
+              </a:schemeClr>
+            </a:solidFill>
+            <a:ln>
+              <a:noFill/>
+            </a:ln>
+          </p:spPr>
+          <p:style>
+            <a:lnRef idx="2">
+              <a:schemeClr val="accent1">
+                <a:shade val="50000"/>
+              </a:schemeClr>
+            </a:lnRef>
+            <a:fillRef idx="1">
+              <a:schemeClr val="accent1"/>
+            </a:fillRef>
+            <a:effectRef idx="0">
+              <a:schemeClr val="accent1"/>
+            </a:effectRef>
+            <a:fontRef idx="minor">
+              <a:schemeClr val="lt1"/>
+            </a:fontRef>
+          </p:style>
+          <p:txBody>
+            <a:bodyPr rtlCol="0" anchor="ctr"/>
+            <a:lstStyle/>
+            <a:p>
+              <a:pPr algn="ctr"/>
+              <a:endParaRPr lang="ko-KR" altLang="en-US"/>
+            </a:p>
+          </p:txBody>
+        </p:sp>
+        <p:sp>
+          <p:nvSpPr>
+            <p:cNvPr id="166" name="타원 165">
+              <a:extLst>
+                <a:ext uri="{FF2B5EF4-FFF2-40B4-BE49-F238E27FC236}">
+                  <a16:creationId xmlns:a16="http://schemas.microsoft.com/office/drawing/2014/main" id="{8E41FB1B-A4D0-4127-ADAA-DCFC02628657}"/>
+                </a:ext>
+              </a:extLst>
+            </p:cNvPr>
+            <p:cNvSpPr/>
+            <p:nvPr/>
+          </p:nvSpPr>
+          <p:spPr>
+            <a:xfrm>
+              <a:off x="25336090" y="1255986"/>
+              <a:ext cx="1261241" cy="1261241"/>
+            </a:xfrm>
+            <a:prstGeom prst="ellipse">
+              <a:avLst/>
+            </a:prstGeom>
+            <a:solidFill>
+              <a:schemeClr val="bg2">
+                <a:lumMod val="90000"/>
+              </a:schemeClr>
+            </a:solidFill>
+            <a:ln>
+              <a:noFill/>
+            </a:ln>
+          </p:spPr>
+          <p:style>
+            <a:lnRef idx="2">
+              <a:schemeClr val="accent1">
+                <a:shade val="50000"/>
+              </a:schemeClr>
+            </a:lnRef>
+            <a:fillRef idx="1">
+              <a:schemeClr val="accent1"/>
+            </a:fillRef>
+            <a:effectRef idx="0">
+              <a:schemeClr val="accent1"/>
+            </a:effectRef>
+            <a:fontRef idx="minor">
+              <a:schemeClr val="lt1"/>
+            </a:fontRef>
+          </p:style>
+          <p:txBody>
+            <a:bodyPr rtlCol="0" anchor="ctr"/>
+            <a:lstStyle/>
+            <a:p>
+              <a:pPr algn="ctr"/>
+              <a:endParaRPr lang="ko-KR" altLang="en-US"/>
+            </a:p>
+          </p:txBody>
+        </p:sp>
+        <p:sp>
+          <p:nvSpPr>
+            <p:cNvPr id="167" name="타원 166">
+              <a:extLst>
+                <a:ext uri="{FF2B5EF4-FFF2-40B4-BE49-F238E27FC236}">
+                  <a16:creationId xmlns:a16="http://schemas.microsoft.com/office/drawing/2014/main" id="{7056FEA2-4F24-4822-B936-03D50A5E1DD0}"/>
+                </a:ext>
+              </a:extLst>
+            </p:cNvPr>
+            <p:cNvSpPr/>
+            <p:nvPr/>
+          </p:nvSpPr>
+          <p:spPr>
+            <a:xfrm>
+              <a:off x="28673125" y="1255986"/>
+              <a:ext cx="1261241" cy="1261241"/>
+            </a:xfrm>
+            <a:prstGeom prst="ellipse">
+              <a:avLst/>
+            </a:prstGeom>
+            <a:solidFill>
+              <a:schemeClr val="bg2">
+                <a:lumMod val="90000"/>
+              </a:schemeClr>
+            </a:solidFill>
+            <a:ln>
+              <a:noFill/>
+            </a:ln>
+          </p:spPr>
+          <p:style>
+            <a:lnRef idx="2">
+              <a:schemeClr val="accent1">
+                <a:shade val="50000"/>
+              </a:schemeClr>
+            </a:lnRef>
+            <a:fillRef idx="1">
+              <a:schemeClr val="accent1"/>
+            </a:fillRef>
+            <a:effectRef idx="0">
+              <a:schemeClr val="accent1"/>
+            </a:effectRef>
+            <a:fontRef idx="minor">
+              <a:schemeClr val="lt1"/>
+            </a:fontRef>
+          </p:style>
+          <p:txBody>
+            <a:bodyPr rtlCol="0" anchor="ctr"/>
+            <a:lstStyle/>
+            <a:p>
+              <a:pPr algn="ctr"/>
+              <a:endParaRPr lang="ko-KR" altLang="en-US"/>
+            </a:p>
+          </p:txBody>
+        </p:sp>
+        <p:sp>
+          <p:nvSpPr>
+            <p:cNvPr id="168" name="타원 167">
+              <a:extLst>
+                <a:ext uri="{FF2B5EF4-FFF2-40B4-BE49-F238E27FC236}">
+                  <a16:creationId xmlns:a16="http://schemas.microsoft.com/office/drawing/2014/main" id="{D1C07261-2C9E-4F89-A6A2-EA91F38E1CC5}"/>
+                </a:ext>
+              </a:extLst>
+            </p:cNvPr>
+            <p:cNvSpPr/>
+            <p:nvPr/>
+          </p:nvSpPr>
+          <p:spPr>
+            <a:xfrm>
+              <a:off x="1976845" y="1255986"/>
+              <a:ext cx="1261241" cy="1261241"/>
+            </a:xfrm>
+            <a:prstGeom prst="ellipse">
+              <a:avLst/>
+            </a:prstGeom>
+            <a:solidFill>
+              <a:schemeClr val="bg2">
+                <a:lumMod val="90000"/>
+              </a:schemeClr>
+            </a:solidFill>
+            <a:ln>
+              <a:noFill/>
+            </a:ln>
+          </p:spPr>
+          <p:style>
+            <a:lnRef idx="2">
+              <a:schemeClr val="accent1">
+                <a:shade val="50000"/>
+              </a:schemeClr>
+            </a:lnRef>
+            <a:fillRef idx="1">
+              <a:schemeClr val="accent1"/>
+            </a:fillRef>
+            <a:effectRef idx="0">
+              <a:schemeClr val="accent1"/>
+            </a:effectRef>
+            <a:fontRef idx="minor">
+              <a:schemeClr val="lt1"/>
+            </a:fontRef>
+          </p:style>
+          <p:txBody>
+            <a:bodyPr rtlCol="0" anchor="ctr"/>
+            <a:lstStyle/>
+            <a:p>
+              <a:pPr algn="ctr"/>
+              <a:endParaRPr lang="ko-KR" altLang="en-US"/>
+            </a:p>
+          </p:txBody>
+        </p:sp>
+        <p:sp>
+          <p:nvSpPr>
+            <p:cNvPr id="169" name="타원 168">
+              <a:extLst>
+                <a:ext uri="{FF2B5EF4-FFF2-40B4-BE49-F238E27FC236}">
+                  <a16:creationId xmlns:a16="http://schemas.microsoft.com/office/drawing/2014/main" id="{787123A6-0276-4BD8-8C4F-91FC1E335CCB}"/>
+                </a:ext>
+              </a:extLst>
+            </p:cNvPr>
+            <p:cNvSpPr/>
+            <p:nvPr/>
+          </p:nvSpPr>
+          <p:spPr>
+            <a:xfrm>
+              <a:off x="32010160" y="1255986"/>
+              <a:ext cx="1261241" cy="1261241"/>
+            </a:xfrm>
+            <a:prstGeom prst="ellipse">
+              <a:avLst/>
+            </a:prstGeom>
+            <a:solidFill>
+              <a:schemeClr val="bg2">
+                <a:lumMod val="90000"/>
+              </a:schemeClr>
+            </a:solidFill>
+            <a:ln>
+              <a:noFill/>
+            </a:ln>
+          </p:spPr>
+          <p:style>
+            <a:lnRef idx="2">
+              <a:schemeClr val="accent1">
+                <a:shade val="50000"/>
+              </a:schemeClr>
+            </a:lnRef>
+            <a:fillRef idx="1">
+              <a:schemeClr val="accent1"/>
+            </a:fillRef>
+            <a:effectRef idx="0">
+              <a:schemeClr val="accent1"/>
+            </a:effectRef>
+            <a:fontRef idx="minor">
+              <a:schemeClr val="lt1"/>
+            </a:fontRef>
+          </p:style>
+          <p:txBody>
+            <a:bodyPr rtlCol="0" anchor="ctr"/>
+            <a:lstStyle/>
+            <a:p>
+              <a:pPr algn="ctr"/>
+              <a:endParaRPr lang="ko-KR" altLang="en-US"/>
+            </a:p>
+          </p:txBody>
+        </p:sp>
+      </p:grpSp>
+    </p:spTree>
+    <p:extLst>
+      <p:ext uri="{BB962C8B-B14F-4D97-AF65-F5344CB8AC3E}">
+        <p14:creationId xmlns:p14="http://schemas.microsoft.com/office/powerpoint/2010/main" val="1220005539"/>
+      </p:ext>
+    </p:extLst>
+  </p:cSld>
+  <p:clrMapOvr>
+    <a:masterClrMapping/>
+  </p:clrMapOvr>
+</p:sld>
+</file>
+
 <file path=ppt/theme/theme1.xml><?xml version="1.0" encoding="utf-8"?>
 <a:theme xmlns:a="http://schemas.openxmlformats.org/drawingml/2006/main" name="Office 테마">
   <a:themeElements>
